--- a/Documents/(article) Random Loop Model to Explain the TAD in CC Experiments/polymerModelWithOneAndTwoFixedLoopsAndInternalConnections.pptx
+++ b/Documents/(article) Random Loop Model to Explain the TAD in CC Experiments/polymerModelWithOneAndTwoFixedLoopsAndInternalConnections.pptx
@@ -7,6 +7,7 @@
   <p:sldIdLst>
     <p:sldId id="256" r:id="rId2"/>
     <p:sldId id="257" r:id="rId3"/>
+    <p:sldId id="258" r:id="rId4"/>
   </p:sldIdLst>
   <p:sldSz cx="12192000" cy="6858000"/>
   <p:notesSz cx="6858000" cy="9144000"/>
@@ -105,6 +106,11 @@
       </a:defRPr>
     </a:lvl9pPr>
   </p:defaultTextStyle>
+  <p:extLst>
+    <p:ext uri="{EFAFB233-063F-42B5-8137-9DF3F51BA10A}">
+      <p15:sldGuideLst xmlns:p15="http://schemas.microsoft.com/office/powerpoint/2012/main"/>
+    </p:ext>
+  </p:extLst>
 </p:presentation>
 </file>
 
@@ -239,7 +245,7 @@
           <a:p>
             <a:fld id="{11E755D3-E711-4D0A-850C-1C48A3BA9F8A}" type="datetimeFigureOut">
               <a:rPr lang="en-US" smtClean="0"/>
-              <a:t>9/30/2014</a:t>
+              <a:t>11/20/2014</a:t>
             </a:fld>
             <a:endParaRPr lang="en-US"/>
           </a:p>
@@ -409,7 +415,7 @@
           <a:p>
             <a:fld id="{11E755D3-E711-4D0A-850C-1C48A3BA9F8A}" type="datetimeFigureOut">
               <a:rPr lang="en-US" smtClean="0"/>
-              <a:t>9/30/2014</a:t>
+              <a:t>11/20/2014</a:t>
             </a:fld>
             <a:endParaRPr lang="en-US"/>
           </a:p>
@@ -589,7 +595,7 @@
           <a:p>
             <a:fld id="{11E755D3-E711-4D0A-850C-1C48A3BA9F8A}" type="datetimeFigureOut">
               <a:rPr lang="en-US" smtClean="0"/>
-              <a:t>9/30/2014</a:t>
+              <a:t>11/20/2014</a:t>
             </a:fld>
             <a:endParaRPr lang="en-US"/>
           </a:p>
@@ -759,7 +765,7 @@
           <a:p>
             <a:fld id="{11E755D3-E711-4D0A-850C-1C48A3BA9F8A}" type="datetimeFigureOut">
               <a:rPr lang="en-US" smtClean="0"/>
-              <a:t>9/30/2014</a:t>
+              <a:t>11/20/2014</a:t>
             </a:fld>
             <a:endParaRPr lang="en-US"/>
           </a:p>
@@ -1005,7 +1011,7 @@
           <a:p>
             <a:fld id="{11E755D3-E711-4D0A-850C-1C48A3BA9F8A}" type="datetimeFigureOut">
               <a:rPr lang="en-US" smtClean="0"/>
-              <a:t>9/30/2014</a:t>
+              <a:t>11/20/2014</a:t>
             </a:fld>
             <a:endParaRPr lang="en-US"/>
           </a:p>
@@ -1237,7 +1243,7 @@
           <a:p>
             <a:fld id="{11E755D3-E711-4D0A-850C-1C48A3BA9F8A}" type="datetimeFigureOut">
               <a:rPr lang="en-US" smtClean="0"/>
-              <a:t>9/30/2014</a:t>
+              <a:t>11/20/2014</a:t>
             </a:fld>
             <a:endParaRPr lang="en-US"/>
           </a:p>
@@ -1604,7 +1610,7 @@
           <a:p>
             <a:fld id="{11E755D3-E711-4D0A-850C-1C48A3BA9F8A}" type="datetimeFigureOut">
               <a:rPr lang="en-US" smtClean="0"/>
-              <a:t>9/30/2014</a:t>
+              <a:t>11/20/2014</a:t>
             </a:fld>
             <a:endParaRPr lang="en-US"/>
           </a:p>
@@ -1722,7 +1728,7 @@
           <a:p>
             <a:fld id="{11E755D3-E711-4D0A-850C-1C48A3BA9F8A}" type="datetimeFigureOut">
               <a:rPr lang="en-US" smtClean="0"/>
-              <a:t>9/30/2014</a:t>
+              <a:t>11/20/2014</a:t>
             </a:fld>
             <a:endParaRPr lang="en-US"/>
           </a:p>
@@ -1817,7 +1823,7 @@
           <a:p>
             <a:fld id="{11E755D3-E711-4D0A-850C-1C48A3BA9F8A}" type="datetimeFigureOut">
               <a:rPr lang="en-US" smtClean="0"/>
-              <a:t>9/30/2014</a:t>
+              <a:t>11/20/2014</a:t>
             </a:fld>
             <a:endParaRPr lang="en-US"/>
           </a:p>
@@ -2094,7 +2100,7 @@
           <a:p>
             <a:fld id="{11E755D3-E711-4D0A-850C-1C48A3BA9F8A}" type="datetimeFigureOut">
               <a:rPr lang="en-US" smtClean="0"/>
-              <a:t>9/30/2014</a:t>
+              <a:t>11/20/2014</a:t>
             </a:fld>
             <a:endParaRPr lang="en-US"/>
           </a:p>
@@ -2347,7 +2353,7 @@
           <a:p>
             <a:fld id="{11E755D3-E711-4D0A-850C-1C48A3BA9F8A}" type="datetimeFigureOut">
               <a:rPr lang="en-US" smtClean="0"/>
-              <a:t>9/30/2014</a:t>
+              <a:t>11/20/2014</a:t>
             </a:fld>
             <a:endParaRPr lang="en-US"/>
           </a:p>
@@ -2560,7 +2566,7 @@
           <a:p>
             <a:fld id="{11E755D3-E711-4D0A-850C-1C48A3BA9F8A}" type="datetimeFigureOut">
               <a:rPr lang="en-US" smtClean="0"/>
-              <a:t>9/30/2014</a:t>
+              <a:t>11/20/2014</a:t>
             </a:fld>
             <a:endParaRPr lang="en-US"/>
           </a:p>
@@ -10038,6 +10044,941 @@
 </p:sld>
 </file>
 
+<file path=ppt/slides/slide3.xml><?xml version="1.0" encoding="utf-8"?>
+<p:sld xmlns:a="http://schemas.openxmlformats.org/drawingml/2006/main" xmlns:r="http://schemas.openxmlformats.org/officeDocument/2006/relationships" xmlns:p="http://schemas.openxmlformats.org/presentationml/2006/main">
+  <p:cSld>
+    <p:spTree>
+      <p:nvGrpSpPr>
+        <p:cNvPr id="1" name=""/>
+        <p:cNvGrpSpPr/>
+        <p:nvPr/>
+      </p:nvGrpSpPr>
+      <p:grpSpPr>
+        <a:xfrm>
+          <a:off x="0" y="0"/>
+          <a:ext cx="0" cy="0"/>
+          <a:chOff x="0" y="0"/>
+          <a:chExt cx="0" cy="0"/>
+        </a:xfrm>
+      </p:grpSpPr>
+      <p:pic>
+        <p:nvPicPr>
+          <p:cNvPr id="36" name="Picture 35"/>
+          <p:cNvPicPr>
+            <a:picLocks noChangeAspect="1"/>
+          </p:cNvPicPr>
+          <p:nvPr/>
+        </p:nvPicPr>
+        <p:blipFill>
+          <a:blip r:embed="rId2" cstate="print">
+            <a:extLst>
+              <a:ext uri="{28A0092B-C50C-407E-A947-70E740481C1C}">
+                <a14:useLocalDpi xmlns:a14="http://schemas.microsoft.com/office/drawing/2010/main" val="0"/>
+              </a:ext>
+            </a:extLst>
+          </a:blip>
+          <a:stretch>
+            <a:fillRect/>
+          </a:stretch>
+        </p:blipFill>
+        <p:spPr>
+          <a:xfrm rot="19702509">
+            <a:off x="2318691" y="1722667"/>
+            <a:ext cx="1133931" cy="1212434"/>
+          </a:xfrm>
+          <a:prstGeom prst="rect">
+            <a:avLst/>
+          </a:prstGeom>
+        </p:spPr>
+      </p:pic>
+      <p:pic>
+        <p:nvPicPr>
+          <p:cNvPr id="37" name="Picture 36"/>
+          <p:cNvPicPr>
+            <a:picLocks noChangeAspect="1"/>
+          </p:cNvPicPr>
+          <p:nvPr/>
+        </p:nvPicPr>
+        <p:blipFill>
+          <a:blip r:embed="rId2" cstate="print">
+            <a:extLst>
+              <a:ext uri="{28A0092B-C50C-407E-A947-70E740481C1C}">
+                <a14:useLocalDpi xmlns:a14="http://schemas.microsoft.com/office/drawing/2010/main" val="0"/>
+              </a:ext>
+            </a:extLst>
+          </a:blip>
+          <a:stretch>
+            <a:fillRect/>
+          </a:stretch>
+        </p:blipFill>
+        <p:spPr>
+          <a:xfrm rot="5925403">
+            <a:off x="3973416" y="4298770"/>
+            <a:ext cx="1133931" cy="1212434"/>
+          </a:xfrm>
+          <a:prstGeom prst="rect">
+            <a:avLst/>
+          </a:prstGeom>
+        </p:spPr>
+      </p:pic>
+      <p:pic>
+        <p:nvPicPr>
+          <p:cNvPr id="38" name="Picture 37"/>
+          <p:cNvPicPr>
+            <a:picLocks noChangeAspect="1"/>
+          </p:cNvPicPr>
+          <p:nvPr/>
+        </p:nvPicPr>
+        <p:blipFill>
+          <a:blip r:embed="rId2" cstate="print">
+            <a:extLst>
+              <a:ext uri="{28A0092B-C50C-407E-A947-70E740481C1C}">
+                <a14:useLocalDpi xmlns:a14="http://schemas.microsoft.com/office/drawing/2010/main" val="0"/>
+              </a:ext>
+            </a:extLst>
+          </a:blip>
+          <a:stretch>
+            <a:fillRect/>
+          </a:stretch>
+        </p:blipFill>
+        <p:spPr>
+          <a:xfrm rot="3658259">
+            <a:off x="5326280" y="4542327"/>
+            <a:ext cx="1133931" cy="1212434"/>
+          </a:xfrm>
+          <a:prstGeom prst="rect">
+            <a:avLst/>
+          </a:prstGeom>
+        </p:spPr>
+      </p:pic>
+      <p:pic>
+        <p:nvPicPr>
+          <p:cNvPr id="35" name="Picture 34"/>
+          <p:cNvPicPr>
+            <a:picLocks noChangeAspect="1"/>
+          </p:cNvPicPr>
+          <p:nvPr/>
+        </p:nvPicPr>
+        <p:blipFill>
+          <a:blip r:embed="rId2" cstate="print">
+            <a:extLst>
+              <a:ext uri="{28A0092B-C50C-407E-A947-70E740481C1C}">
+                <a14:useLocalDpi xmlns:a14="http://schemas.microsoft.com/office/drawing/2010/main" val="0"/>
+              </a:ext>
+            </a:extLst>
+          </a:blip>
+          <a:stretch>
+            <a:fillRect/>
+          </a:stretch>
+        </p:blipFill>
+        <p:spPr>
+          <a:xfrm rot="5400000">
+            <a:off x="6847028" y="4524063"/>
+            <a:ext cx="1133931" cy="1212434"/>
+          </a:xfrm>
+          <a:prstGeom prst="rect">
+            <a:avLst/>
+          </a:prstGeom>
+        </p:spPr>
+      </p:pic>
+      <p:pic>
+        <p:nvPicPr>
+          <p:cNvPr id="34" name="Picture 33"/>
+          <p:cNvPicPr>
+            <a:picLocks noChangeAspect="1"/>
+          </p:cNvPicPr>
+          <p:nvPr/>
+        </p:nvPicPr>
+        <p:blipFill>
+          <a:blip r:embed="rId2" cstate="print">
+            <a:extLst>
+              <a:ext uri="{28A0092B-C50C-407E-A947-70E740481C1C}">
+                <a14:useLocalDpi xmlns:a14="http://schemas.microsoft.com/office/drawing/2010/main" val="0"/>
+              </a:ext>
+            </a:extLst>
+          </a:blip>
+          <a:stretch>
+            <a:fillRect/>
+          </a:stretch>
+        </p:blipFill>
+        <p:spPr>
+          <a:xfrm rot="13747068">
+            <a:off x="8267351" y="4753922"/>
+            <a:ext cx="1133931" cy="1212434"/>
+          </a:xfrm>
+          <a:prstGeom prst="rect">
+            <a:avLst/>
+          </a:prstGeom>
+        </p:spPr>
+      </p:pic>
+      <p:pic>
+        <p:nvPicPr>
+          <p:cNvPr id="30" name="Picture 29"/>
+          <p:cNvPicPr>
+            <a:picLocks noChangeAspect="1"/>
+          </p:cNvPicPr>
+          <p:nvPr/>
+        </p:nvPicPr>
+        <p:blipFill>
+          <a:blip r:embed="rId2" cstate="print">
+            <a:extLst>
+              <a:ext uri="{28A0092B-C50C-407E-A947-70E740481C1C}">
+                <a14:useLocalDpi xmlns:a14="http://schemas.microsoft.com/office/drawing/2010/main" val="0"/>
+              </a:ext>
+            </a:extLst>
+          </a:blip>
+          <a:stretch>
+            <a:fillRect/>
+          </a:stretch>
+        </p:blipFill>
+        <p:spPr>
+          <a:xfrm rot="9252549">
+            <a:off x="8878721" y="3499846"/>
+            <a:ext cx="1133931" cy="1212434"/>
+          </a:xfrm>
+          <a:prstGeom prst="rect">
+            <a:avLst/>
+          </a:prstGeom>
+        </p:spPr>
+      </p:pic>
+      <p:pic>
+        <p:nvPicPr>
+          <p:cNvPr id="29" name="Picture 28"/>
+          <p:cNvPicPr>
+            <a:picLocks noChangeAspect="1"/>
+          </p:cNvPicPr>
+          <p:nvPr/>
+        </p:nvPicPr>
+        <p:blipFill>
+          <a:blip r:embed="rId2" cstate="print">
+            <a:extLst>
+              <a:ext uri="{28A0092B-C50C-407E-A947-70E740481C1C}">
+                <a14:useLocalDpi xmlns:a14="http://schemas.microsoft.com/office/drawing/2010/main" val="0"/>
+              </a:ext>
+            </a:extLst>
+          </a:blip>
+          <a:stretch>
+            <a:fillRect/>
+          </a:stretch>
+        </p:blipFill>
+        <p:spPr>
+          <a:xfrm rot="17271773">
+            <a:off x="7740639" y="2546123"/>
+            <a:ext cx="1133931" cy="1212434"/>
+          </a:xfrm>
+          <a:prstGeom prst="rect">
+            <a:avLst/>
+          </a:prstGeom>
+        </p:spPr>
+      </p:pic>
+      <p:pic>
+        <p:nvPicPr>
+          <p:cNvPr id="33" name="Picture 32"/>
+          <p:cNvPicPr>
+            <a:picLocks noChangeAspect="1"/>
+          </p:cNvPicPr>
+          <p:nvPr/>
+        </p:nvPicPr>
+        <p:blipFill>
+          <a:blip r:embed="rId2" cstate="print">
+            <a:extLst>
+              <a:ext uri="{28A0092B-C50C-407E-A947-70E740481C1C}">
+                <a14:useLocalDpi xmlns:a14="http://schemas.microsoft.com/office/drawing/2010/main" val="0"/>
+              </a:ext>
+            </a:extLst>
+          </a:blip>
+          <a:stretch>
+            <a:fillRect/>
+          </a:stretch>
+        </p:blipFill>
+        <p:spPr>
+          <a:xfrm rot="5914170">
+            <a:off x="6399002" y="1505459"/>
+            <a:ext cx="1133931" cy="1212434"/>
+          </a:xfrm>
+          <a:prstGeom prst="rect">
+            <a:avLst/>
+          </a:prstGeom>
+        </p:spPr>
+      </p:pic>
+      <p:pic>
+        <p:nvPicPr>
+          <p:cNvPr id="31" name="Picture 30"/>
+          <p:cNvPicPr>
+            <a:picLocks noChangeAspect="1"/>
+          </p:cNvPicPr>
+          <p:nvPr/>
+        </p:nvPicPr>
+        <p:blipFill>
+          <a:blip r:embed="rId2" cstate="print">
+            <a:extLst>
+              <a:ext uri="{28A0092B-C50C-407E-A947-70E740481C1C}">
+                <a14:useLocalDpi xmlns:a14="http://schemas.microsoft.com/office/drawing/2010/main" val="0"/>
+              </a:ext>
+            </a:extLst>
+          </a:blip>
+          <a:stretch>
+            <a:fillRect/>
+          </a:stretch>
+        </p:blipFill>
+        <p:spPr>
+          <a:xfrm rot="13835836">
+            <a:off x="4938176" y="1641967"/>
+            <a:ext cx="1133931" cy="1212434"/>
+          </a:xfrm>
+          <a:prstGeom prst="rect">
+            <a:avLst/>
+          </a:prstGeom>
+        </p:spPr>
+      </p:pic>
+      <p:pic>
+        <p:nvPicPr>
+          <p:cNvPr id="5" name="Picture 4"/>
+          <p:cNvPicPr>
+            <a:picLocks noChangeAspect="1"/>
+          </p:cNvPicPr>
+          <p:nvPr/>
+        </p:nvPicPr>
+        <p:blipFill>
+          <a:blip r:embed="rId2" cstate="print">
+            <a:extLst>
+              <a:ext uri="{28A0092B-C50C-407E-A947-70E740481C1C}">
+                <a14:useLocalDpi xmlns:a14="http://schemas.microsoft.com/office/drawing/2010/main" val="0"/>
+              </a:ext>
+            </a:extLst>
+          </a:blip>
+          <a:stretch>
+            <a:fillRect/>
+          </a:stretch>
+        </p:blipFill>
+        <p:spPr>
+          <a:xfrm rot="13835836">
+            <a:off x="3379774" y="2373373"/>
+            <a:ext cx="1133931" cy="1212434"/>
+          </a:xfrm>
+          <a:prstGeom prst="rect">
+            <a:avLst/>
+          </a:prstGeom>
+        </p:spPr>
+      </p:pic>
+      <p:sp>
+        <p:nvSpPr>
+          <p:cNvPr id="4" name="Oval 3"/>
+          <p:cNvSpPr/>
+          <p:nvPr/>
+        </p:nvSpPr>
+        <p:spPr>
+          <a:xfrm>
+            <a:off x="2844800" y="2656115"/>
+            <a:ext cx="674105" cy="670518"/>
+          </a:xfrm>
+          <a:prstGeom prst="ellipse">
+            <a:avLst/>
+          </a:prstGeom>
+          <a:solidFill>
+            <a:schemeClr val="accent6"/>
+          </a:solidFill>
+          <a:scene3d>
+            <a:camera prst="orthographicFront"/>
+            <a:lightRig rig="threePt" dir="t"/>
+          </a:scene3d>
+          <a:sp3d extrusionH="107950" contourW="12700" prstMaterial="dkEdge">
+            <a:bevelT w="107950" h="107950"/>
+            <a:bevelB w="107950" h="107950"/>
+          </a:sp3d>
+        </p:spPr>
+        <p:style>
+          <a:lnRef idx="2">
+            <a:schemeClr val="accent1">
+              <a:shade val="50000"/>
+            </a:schemeClr>
+          </a:lnRef>
+          <a:fillRef idx="1">
+            <a:schemeClr val="accent1"/>
+          </a:fillRef>
+          <a:effectRef idx="0">
+            <a:schemeClr val="accent1"/>
+          </a:effectRef>
+          <a:fontRef idx="minor">
+            <a:schemeClr val="lt1"/>
+          </a:fontRef>
+        </p:style>
+        <p:txBody>
+          <a:bodyPr rot="0" spcFirstLastPara="0" vert="horz" wrap="square" lIns="91440" tIns="45720" rIns="91440" bIns="45720" numCol="1" spcCol="0" rtlCol="1" fromWordArt="0" anchor="ctr" anchorCtr="0" forceAA="0" compatLnSpc="1">
+            <a:prstTxWarp prst="textNoShape">
+              <a:avLst/>
+            </a:prstTxWarp>
+            <a:noAutofit/>
+          </a:bodyPr>
+          <a:lstStyle/>
+          <a:p>
+            <a:endParaRPr lang="en-US"/>
+          </a:p>
+        </p:txBody>
+      </p:sp>
+      <p:sp>
+        <p:nvSpPr>
+          <p:cNvPr id="15" name="Oval 14"/>
+          <p:cNvSpPr/>
+          <p:nvPr/>
+        </p:nvSpPr>
+        <p:spPr>
+          <a:xfrm>
+            <a:off x="4326066" y="2219257"/>
+            <a:ext cx="674105" cy="670518"/>
+          </a:xfrm>
+          <a:prstGeom prst="ellipse">
+            <a:avLst/>
+          </a:prstGeom>
+          <a:solidFill>
+            <a:schemeClr val="accent6"/>
+          </a:solidFill>
+          <a:scene3d>
+            <a:camera prst="orthographicFront"/>
+            <a:lightRig rig="threePt" dir="t"/>
+          </a:scene3d>
+          <a:sp3d extrusionH="107950" contourW="12700" prstMaterial="dkEdge">
+            <a:bevelT w="107950" h="107950"/>
+            <a:bevelB w="107950" h="107950"/>
+          </a:sp3d>
+        </p:spPr>
+        <p:style>
+          <a:lnRef idx="2">
+            <a:schemeClr val="accent1">
+              <a:shade val="50000"/>
+            </a:schemeClr>
+          </a:lnRef>
+          <a:fillRef idx="1">
+            <a:schemeClr val="accent1"/>
+          </a:fillRef>
+          <a:effectRef idx="0">
+            <a:schemeClr val="accent1"/>
+          </a:effectRef>
+          <a:fontRef idx="minor">
+            <a:schemeClr val="lt1"/>
+          </a:fontRef>
+        </p:style>
+        <p:txBody>
+          <a:bodyPr rot="0" spcFirstLastPara="0" vert="horz" wrap="square" lIns="91440" tIns="45720" rIns="91440" bIns="45720" numCol="1" spcCol="0" rtlCol="1" fromWordArt="0" anchor="ctr" anchorCtr="0" forceAA="0" compatLnSpc="1">
+            <a:prstTxWarp prst="textNoShape">
+              <a:avLst/>
+            </a:prstTxWarp>
+            <a:noAutofit/>
+          </a:bodyPr>
+          <a:lstStyle/>
+          <a:p>
+            <a:endParaRPr lang="en-US"/>
+          </a:p>
+        </p:txBody>
+      </p:sp>
+      <p:sp>
+        <p:nvSpPr>
+          <p:cNvPr id="17" name="Oval 16"/>
+          <p:cNvSpPr/>
+          <p:nvPr/>
+        </p:nvSpPr>
+        <p:spPr>
+          <a:xfrm>
+            <a:off x="6361375" y="4689621"/>
+            <a:ext cx="674105" cy="670518"/>
+          </a:xfrm>
+          <a:prstGeom prst="ellipse">
+            <a:avLst/>
+          </a:prstGeom>
+          <a:solidFill>
+            <a:schemeClr val="accent6"/>
+          </a:solidFill>
+          <a:scene3d>
+            <a:camera prst="orthographicFront"/>
+            <a:lightRig rig="threePt" dir="t"/>
+          </a:scene3d>
+          <a:sp3d extrusionH="107950" contourW="12700" prstMaterial="dkEdge">
+            <a:bevelT w="107950" h="107950"/>
+            <a:bevelB w="107950" h="107950"/>
+          </a:sp3d>
+        </p:spPr>
+        <p:style>
+          <a:lnRef idx="2">
+            <a:schemeClr val="accent1">
+              <a:shade val="50000"/>
+            </a:schemeClr>
+          </a:lnRef>
+          <a:fillRef idx="1">
+            <a:schemeClr val="accent1"/>
+          </a:fillRef>
+          <a:effectRef idx="0">
+            <a:schemeClr val="accent1"/>
+          </a:effectRef>
+          <a:fontRef idx="minor">
+            <a:schemeClr val="lt1"/>
+          </a:fontRef>
+        </p:style>
+        <p:txBody>
+          <a:bodyPr rot="0" spcFirstLastPara="0" vert="horz" wrap="square" lIns="91440" tIns="45720" rIns="91440" bIns="45720" numCol="1" spcCol="0" rtlCol="1" fromWordArt="0" anchor="ctr" anchorCtr="0" forceAA="0" compatLnSpc="1">
+            <a:prstTxWarp prst="textNoShape">
+              <a:avLst/>
+            </a:prstTxWarp>
+            <a:noAutofit/>
+          </a:bodyPr>
+          <a:lstStyle/>
+          <a:p>
+            <a:endParaRPr lang="en-US"/>
+          </a:p>
+        </p:txBody>
+      </p:sp>
+      <p:sp>
+        <p:nvSpPr>
+          <p:cNvPr id="18" name="Oval 17"/>
+          <p:cNvSpPr/>
+          <p:nvPr/>
+        </p:nvSpPr>
+        <p:spPr>
+          <a:xfrm>
+            <a:off x="7792507" y="5205226"/>
+            <a:ext cx="674105" cy="670518"/>
+          </a:xfrm>
+          <a:prstGeom prst="ellipse">
+            <a:avLst/>
+          </a:prstGeom>
+          <a:solidFill>
+            <a:schemeClr val="accent6"/>
+          </a:solidFill>
+          <a:scene3d>
+            <a:camera prst="orthographicFront"/>
+            <a:lightRig rig="threePt" dir="t"/>
+          </a:scene3d>
+          <a:sp3d extrusionH="107950" contourW="12700" prstMaterial="dkEdge">
+            <a:bevelT w="107950" h="107950"/>
+            <a:bevelB w="107950" h="107950"/>
+          </a:sp3d>
+        </p:spPr>
+        <p:style>
+          <a:lnRef idx="2">
+            <a:schemeClr val="accent1">
+              <a:shade val="50000"/>
+            </a:schemeClr>
+          </a:lnRef>
+          <a:fillRef idx="1">
+            <a:schemeClr val="accent1"/>
+          </a:fillRef>
+          <a:effectRef idx="0">
+            <a:schemeClr val="accent1"/>
+          </a:effectRef>
+          <a:fontRef idx="minor">
+            <a:schemeClr val="lt1"/>
+          </a:fontRef>
+        </p:style>
+        <p:txBody>
+          <a:bodyPr rot="0" spcFirstLastPara="0" vert="horz" wrap="square" lIns="91440" tIns="45720" rIns="91440" bIns="45720" numCol="1" spcCol="0" rtlCol="1" fromWordArt="0" anchor="ctr" anchorCtr="0" forceAA="0" compatLnSpc="1">
+            <a:prstTxWarp prst="textNoShape">
+              <a:avLst/>
+            </a:prstTxWarp>
+            <a:noAutofit/>
+          </a:bodyPr>
+          <a:lstStyle/>
+          <a:p>
+            <a:endParaRPr lang="en-US"/>
+          </a:p>
+        </p:txBody>
+      </p:sp>
+      <p:sp>
+        <p:nvSpPr>
+          <p:cNvPr id="19" name="Oval 18"/>
+          <p:cNvSpPr/>
+          <p:nvPr/>
+        </p:nvSpPr>
+        <p:spPr>
+          <a:xfrm>
+            <a:off x="4845266" y="5027809"/>
+            <a:ext cx="674105" cy="670518"/>
+          </a:xfrm>
+          <a:prstGeom prst="ellipse">
+            <a:avLst/>
+          </a:prstGeom>
+          <a:solidFill>
+            <a:schemeClr val="accent6"/>
+          </a:solidFill>
+          <a:scene3d>
+            <a:camera prst="orthographicFront"/>
+            <a:lightRig rig="threePt" dir="t"/>
+          </a:scene3d>
+          <a:sp3d extrusionH="107950" contourW="12700" prstMaterial="dkEdge">
+            <a:bevelT w="107950" h="107950"/>
+            <a:bevelB w="107950" h="107950"/>
+          </a:sp3d>
+        </p:spPr>
+        <p:style>
+          <a:lnRef idx="2">
+            <a:schemeClr val="accent1">
+              <a:shade val="50000"/>
+            </a:schemeClr>
+          </a:lnRef>
+          <a:fillRef idx="1">
+            <a:schemeClr val="accent1"/>
+          </a:fillRef>
+          <a:effectRef idx="0">
+            <a:schemeClr val="accent1"/>
+          </a:effectRef>
+          <a:fontRef idx="minor">
+            <a:schemeClr val="lt1"/>
+          </a:fontRef>
+        </p:style>
+        <p:txBody>
+          <a:bodyPr rot="0" spcFirstLastPara="0" vert="horz" wrap="square" lIns="91440" tIns="45720" rIns="91440" bIns="45720" numCol="1" spcCol="0" rtlCol="1" fromWordArt="0" anchor="ctr" anchorCtr="0" forceAA="0" compatLnSpc="1">
+            <a:prstTxWarp prst="textNoShape">
+              <a:avLst/>
+            </a:prstTxWarp>
+            <a:noAutofit/>
+          </a:bodyPr>
+          <a:lstStyle/>
+          <a:p>
+            <a:endParaRPr lang="en-US"/>
+          </a:p>
+        </p:txBody>
+      </p:sp>
+      <p:sp>
+        <p:nvSpPr>
+          <p:cNvPr id="20" name="Oval 19"/>
+          <p:cNvSpPr/>
+          <p:nvPr/>
+        </p:nvSpPr>
+        <p:spPr>
+          <a:xfrm>
+            <a:off x="3444539" y="4385800"/>
+            <a:ext cx="674105" cy="670518"/>
+          </a:xfrm>
+          <a:prstGeom prst="ellipse">
+            <a:avLst/>
+          </a:prstGeom>
+          <a:solidFill>
+            <a:schemeClr val="accent6"/>
+          </a:solidFill>
+          <a:scene3d>
+            <a:camera prst="orthographicFront"/>
+            <a:lightRig rig="threePt" dir="t"/>
+          </a:scene3d>
+          <a:sp3d extrusionH="107950" contourW="12700" prstMaterial="dkEdge">
+            <a:bevelT w="107950" h="107950"/>
+            <a:bevelB w="107950" h="107950"/>
+          </a:sp3d>
+        </p:spPr>
+        <p:style>
+          <a:lnRef idx="2">
+            <a:schemeClr val="accent1">
+              <a:shade val="50000"/>
+            </a:schemeClr>
+          </a:lnRef>
+          <a:fillRef idx="1">
+            <a:schemeClr val="accent1"/>
+          </a:fillRef>
+          <a:effectRef idx="0">
+            <a:schemeClr val="accent1"/>
+          </a:effectRef>
+          <a:fontRef idx="minor">
+            <a:schemeClr val="lt1"/>
+          </a:fontRef>
+        </p:style>
+        <p:txBody>
+          <a:bodyPr rot="0" spcFirstLastPara="0" vert="horz" wrap="square" lIns="91440" tIns="45720" rIns="91440" bIns="45720" numCol="1" spcCol="0" rtlCol="1" fromWordArt="0" anchor="ctr" anchorCtr="0" forceAA="0" compatLnSpc="1">
+            <a:prstTxWarp prst="textNoShape">
+              <a:avLst/>
+            </a:prstTxWarp>
+            <a:noAutofit/>
+          </a:bodyPr>
+          <a:lstStyle/>
+          <a:p>
+            <a:endParaRPr lang="en-US"/>
+          </a:p>
+        </p:txBody>
+      </p:sp>
+      <p:sp>
+        <p:nvSpPr>
+          <p:cNvPr id="22" name="Oval 21"/>
+          <p:cNvSpPr/>
+          <p:nvPr/>
+        </p:nvSpPr>
+        <p:spPr>
+          <a:xfrm>
+            <a:off x="7366545" y="2242757"/>
+            <a:ext cx="674105" cy="670518"/>
+          </a:xfrm>
+          <a:prstGeom prst="ellipse">
+            <a:avLst/>
+          </a:prstGeom>
+          <a:solidFill>
+            <a:schemeClr val="accent6"/>
+          </a:solidFill>
+          <a:scene3d>
+            <a:camera prst="orthographicFront"/>
+            <a:lightRig rig="threePt" dir="t"/>
+          </a:scene3d>
+          <a:sp3d extrusionH="107950" contourW="12700" prstMaterial="dkEdge">
+            <a:bevelT w="107950" h="107950"/>
+            <a:bevelB w="107950" h="107950"/>
+          </a:sp3d>
+        </p:spPr>
+        <p:style>
+          <a:lnRef idx="2">
+            <a:schemeClr val="accent1">
+              <a:shade val="50000"/>
+            </a:schemeClr>
+          </a:lnRef>
+          <a:fillRef idx="1">
+            <a:schemeClr val="accent1"/>
+          </a:fillRef>
+          <a:effectRef idx="0">
+            <a:schemeClr val="accent1"/>
+          </a:effectRef>
+          <a:fontRef idx="minor">
+            <a:schemeClr val="lt1"/>
+          </a:fontRef>
+        </p:style>
+        <p:txBody>
+          <a:bodyPr rot="0" spcFirstLastPara="0" vert="horz" wrap="square" lIns="91440" tIns="45720" rIns="91440" bIns="45720" numCol="1" spcCol="0" rtlCol="1" fromWordArt="0" anchor="ctr" anchorCtr="0" forceAA="0" compatLnSpc="1">
+            <a:prstTxWarp prst="textNoShape">
+              <a:avLst/>
+            </a:prstTxWarp>
+            <a:noAutofit/>
+          </a:bodyPr>
+          <a:lstStyle/>
+          <a:p>
+            <a:endParaRPr lang="en-US"/>
+          </a:p>
+        </p:txBody>
+      </p:sp>
+      <p:sp>
+        <p:nvSpPr>
+          <p:cNvPr id="23" name="Oval 22"/>
+          <p:cNvSpPr/>
+          <p:nvPr/>
+        </p:nvSpPr>
+        <p:spPr>
+          <a:xfrm>
+            <a:off x="9058508" y="4534708"/>
+            <a:ext cx="674105" cy="670518"/>
+          </a:xfrm>
+          <a:prstGeom prst="ellipse">
+            <a:avLst/>
+          </a:prstGeom>
+          <a:solidFill>
+            <a:schemeClr val="accent6"/>
+          </a:solidFill>
+          <a:scene3d>
+            <a:camera prst="orthographicFront"/>
+            <a:lightRig rig="threePt" dir="t"/>
+          </a:scene3d>
+          <a:sp3d extrusionH="107950" contourW="12700" prstMaterial="dkEdge">
+            <a:bevelT w="107950" h="107950"/>
+            <a:bevelB w="107950" h="107950"/>
+          </a:sp3d>
+        </p:spPr>
+        <p:style>
+          <a:lnRef idx="2">
+            <a:schemeClr val="accent1">
+              <a:shade val="50000"/>
+            </a:schemeClr>
+          </a:lnRef>
+          <a:fillRef idx="1">
+            <a:schemeClr val="accent1"/>
+          </a:fillRef>
+          <a:effectRef idx="0">
+            <a:schemeClr val="accent1"/>
+          </a:effectRef>
+          <a:fontRef idx="minor">
+            <a:schemeClr val="lt1"/>
+          </a:fontRef>
+        </p:style>
+        <p:txBody>
+          <a:bodyPr rot="0" spcFirstLastPara="0" vert="horz" wrap="square" lIns="91440" tIns="45720" rIns="91440" bIns="45720" numCol="1" spcCol="0" rtlCol="1" fromWordArt="0" anchor="ctr" anchorCtr="0" forceAA="0" compatLnSpc="1">
+            <a:prstTxWarp prst="textNoShape">
+              <a:avLst/>
+            </a:prstTxWarp>
+            <a:noAutofit/>
+          </a:bodyPr>
+          <a:lstStyle/>
+          <a:p>
+            <a:endParaRPr lang="en-US"/>
+          </a:p>
+        </p:txBody>
+      </p:sp>
+      <p:sp>
+        <p:nvSpPr>
+          <p:cNvPr id="24" name="Oval 23"/>
+          <p:cNvSpPr/>
+          <p:nvPr/>
+        </p:nvSpPr>
+        <p:spPr>
+          <a:xfrm>
+            <a:off x="8721456" y="3065268"/>
+            <a:ext cx="674105" cy="670518"/>
+          </a:xfrm>
+          <a:prstGeom prst="ellipse">
+            <a:avLst/>
+          </a:prstGeom>
+          <a:solidFill>
+            <a:schemeClr val="accent6"/>
+          </a:solidFill>
+          <a:scene3d>
+            <a:camera prst="orthographicFront"/>
+            <a:lightRig rig="threePt" dir="t"/>
+          </a:scene3d>
+          <a:sp3d extrusionH="107950" contourW="12700" prstMaterial="dkEdge">
+            <a:bevelT w="107950" h="107950"/>
+            <a:bevelB w="107950" h="107950"/>
+          </a:sp3d>
+        </p:spPr>
+        <p:style>
+          <a:lnRef idx="2">
+            <a:schemeClr val="accent1">
+              <a:shade val="50000"/>
+            </a:schemeClr>
+          </a:lnRef>
+          <a:fillRef idx="1">
+            <a:schemeClr val="accent1"/>
+          </a:fillRef>
+          <a:effectRef idx="0">
+            <a:schemeClr val="accent1"/>
+          </a:effectRef>
+          <a:fontRef idx="minor">
+            <a:schemeClr val="lt1"/>
+          </a:fontRef>
+        </p:style>
+        <p:txBody>
+          <a:bodyPr rot="0" spcFirstLastPara="0" vert="horz" wrap="square" lIns="91440" tIns="45720" rIns="91440" bIns="45720" numCol="1" spcCol="0" rtlCol="1" fromWordArt="0" anchor="ctr" anchorCtr="0" forceAA="0" compatLnSpc="1">
+            <a:prstTxWarp prst="textNoShape">
+              <a:avLst/>
+            </a:prstTxWarp>
+            <a:noAutofit/>
+          </a:bodyPr>
+          <a:lstStyle/>
+          <a:p>
+            <a:endParaRPr lang="en-US"/>
+          </a:p>
+        </p:txBody>
+      </p:sp>
+      <p:sp>
+        <p:nvSpPr>
+          <p:cNvPr id="21" name="Oval 20"/>
+          <p:cNvSpPr/>
+          <p:nvPr/>
+        </p:nvSpPr>
+        <p:spPr>
+          <a:xfrm>
+            <a:off x="5902275" y="1577666"/>
+            <a:ext cx="674105" cy="670518"/>
+          </a:xfrm>
+          <a:prstGeom prst="ellipse">
+            <a:avLst/>
+          </a:prstGeom>
+          <a:solidFill>
+            <a:schemeClr val="accent6"/>
+          </a:solidFill>
+          <a:scene3d>
+            <a:camera prst="orthographicFront"/>
+            <a:lightRig rig="threePt" dir="t"/>
+          </a:scene3d>
+          <a:sp3d extrusionH="107950" contourW="12700" prstMaterial="dkEdge">
+            <a:bevelT w="107950" h="107950"/>
+            <a:bevelB w="107950" h="107950"/>
+          </a:sp3d>
+        </p:spPr>
+        <p:style>
+          <a:lnRef idx="2">
+            <a:schemeClr val="accent1">
+              <a:shade val="50000"/>
+            </a:schemeClr>
+          </a:lnRef>
+          <a:fillRef idx="1">
+            <a:schemeClr val="accent1"/>
+          </a:fillRef>
+          <a:effectRef idx="0">
+            <a:schemeClr val="accent1"/>
+          </a:effectRef>
+          <a:fontRef idx="minor">
+            <a:schemeClr val="lt1"/>
+          </a:fontRef>
+        </p:style>
+        <p:txBody>
+          <a:bodyPr rot="0" spcFirstLastPara="0" vert="horz" wrap="square" lIns="91440" tIns="45720" rIns="91440" bIns="45720" numCol="1" spcCol="0" rtlCol="1" fromWordArt="0" anchor="ctr" anchorCtr="0" forceAA="0" compatLnSpc="1">
+            <a:prstTxWarp prst="textNoShape">
+              <a:avLst/>
+            </a:prstTxWarp>
+            <a:noAutofit/>
+          </a:bodyPr>
+          <a:lstStyle/>
+          <a:p>
+            <a:endParaRPr lang="en-US"/>
+          </a:p>
+        </p:txBody>
+      </p:sp>
+      <p:sp>
+        <p:nvSpPr>
+          <p:cNvPr id="39" name="Oval 38"/>
+          <p:cNvSpPr/>
+          <p:nvPr/>
+        </p:nvSpPr>
+        <p:spPr>
+          <a:xfrm>
+            <a:off x="2507747" y="1230774"/>
+            <a:ext cx="674105" cy="670518"/>
+          </a:xfrm>
+          <a:prstGeom prst="ellipse">
+            <a:avLst/>
+          </a:prstGeom>
+          <a:solidFill>
+            <a:schemeClr val="accent6"/>
+          </a:solidFill>
+          <a:scene3d>
+            <a:camera prst="orthographicFront"/>
+            <a:lightRig rig="threePt" dir="t"/>
+          </a:scene3d>
+          <a:sp3d extrusionH="107950" contourW="12700" prstMaterial="dkEdge">
+            <a:bevelT w="107950" h="107950"/>
+            <a:bevelB w="107950" h="107950"/>
+          </a:sp3d>
+        </p:spPr>
+        <p:style>
+          <a:lnRef idx="2">
+            <a:schemeClr val="accent1">
+              <a:shade val="50000"/>
+            </a:schemeClr>
+          </a:lnRef>
+          <a:fillRef idx="1">
+            <a:schemeClr val="accent1"/>
+          </a:fillRef>
+          <a:effectRef idx="0">
+            <a:schemeClr val="accent1"/>
+          </a:effectRef>
+          <a:fontRef idx="minor">
+            <a:schemeClr val="lt1"/>
+          </a:fontRef>
+        </p:style>
+        <p:txBody>
+          <a:bodyPr rot="0" spcFirstLastPara="0" vert="horz" wrap="square" lIns="91440" tIns="45720" rIns="91440" bIns="45720" numCol="1" spcCol="0" rtlCol="1" fromWordArt="0" anchor="ctr" anchorCtr="0" forceAA="0" compatLnSpc="1">
+            <a:prstTxWarp prst="textNoShape">
+              <a:avLst/>
+            </a:prstTxWarp>
+            <a:noAutofit/>
+          </a:bodyPr>
+          <a:lstStyle/>
+          <a:p>
+            <a:endParaRPr lang="en-US"/>
+          </a:p>
+        </p:txBody>
+      </p:sp>
+    </p:spTree>
+    <p:extLst>
+      <p:ext uri="{BB962C8B-B14F-4D97-AF65-F5344CB8AC3E}">
+        <p14:creationId xmlns:p14="http://schemas.microsoft.com/office/powerpoint/2010/main" val="3842165264"/>
+      </p:ext>
+    </p:extLst>
+  </p:cSld>
+  <p:clrMapOvr>
+    <a:masterClrMapping/>
+  </p:clrMapOvr>
+</p:sld>
+</file>
+
 <file path=ppt/theme/theme1.xml><?xml version="1.0" encoding="utf-8"?>
 <a:theme xmlns:a="http://schemas.openxmlformats.org/drawingml/2006/main" name="Office Theme">
   <a:themeElements>

--- a/Documents/(article) Random Loop Model to Explain the TAD in CC Experiments/polymerModelWithOneAndTwoFixedLoopsAndInternalConnections.pptx
+++ b/Documents/(article) Random Loop Model to Explain the TAD in CC Experiments/polymerModelWithOneAndTwoFixedLoopsAndInternalConnections.pptx
@@ -8,6 +8,7 @@
     <p:sldId id="256" r:id="rId2"/>
     <p:sldId id="257" r:id="rId3"/>
     <p:sldId id="258" r:id="rId4"/>
+    <p:sldId id="259" r:id="rId5"/>
   </p:sldIdLst>
   <p:sldSz cx="12192000" cy="6858000"/>
   <p:notesSz cx="6858000" cy="9144000"/>
@@ -245,7 +246,7 @@
           <a:p>
             <a:fld id="{11E755D3-E711-4D0A-850C-1C48A3BA9F8A}" type="datetimeFigureOut">
               <a:rPr lang="en-US" smtClean="0"/>
-              <a:t>11/20/2014</a:t>
+              <a:t>11/26/2014</a:t>
             </a:fld>
             <a:endParaRPr lang="en-US"/>
           </a:p>
@@ -415,7 +416,7 @@
           <a:p>
             <a:fld id="{11E755D3-E711-4D0A-850C-1C48A3BA9F8A}" type="datetimeFigureOut">
               <a:rPr lang="en-US" smtClean="0"/>
-              <a:t>11/20/2014</a:t>
+              <a:t>11/26/2014</a:t>
             </a:fld>
             <a:endParaRPr lang="en-US"/>
           </a:p>
@@ -595,7 +596,7 @@
           <a:p>
             <a:fld id="{11E755D3-E711-4D0A-850C-1C48A3BA9F8A}" type="datetimeFigureOut">
               <a:rPr lang="en-US" smtClean="0"/>
-              <a:t>11/20/2014</a:t>
+              <a:t>11/26/2014</a:t>
             </a:fld>
             <a:endParaRPr lang="en-US"/>
           </a:p>
@@ -765,7 +766,7 @@
           <a:p>
             <a:fld id="{11E755D3-E711-4D0A-850C-1C48A3BA9F8A}" type="datetimeFigureOut">
               <a:rPr lang="en-US" smtClean="0"/>
-              <a:t>11/20/2014</a:t>
+              <a:t>11/26/2014</a:t>
             </a:fld>
             <a:endParaRPr lang="en-US"/>
           </a:p>
@@ -1011,7 +1012,7 @@
           <a:p>
             <a:fld id="{11E755D3-E711-4D0A-850C-1C48A3BA9F8A}" type="datetimeFigureOut">
               <a:rPr lang="en-US" smtClean="0"/>
-              <a:t>11/20/2014</a:t>
+              <a:t>11/26/2014</a:t>
             </a:fld>
             <a:endParaRPr lang="en-US"/>
           </a:p>
@@ -1243,7 +1244,7 @@
           <a:p>
             <a:fld id="{11E755D3-E711-4D0A-850C-1C48A3BA9F8A}" type="datetimeFigureOut">
               <a:rPr lang="en-US" smtClean="0"/>
-              <a:t>11/20/2014</a:t>
+              <a:t>11/26/2014</a:t>
             </a:fld>
             <a:endParaRPr lang="en-US"/>
           </a:p>
@@ -1610,7 +1611,7 @@
           <a:p>
             <a:fld id="{11E755D3-E711-4D0A-850C-1C48A3BA9F8A}" type="datetimeFigureOut">
               <a:rPr lang="en-US" smtClean="0"/>
-              <a:t>11/20/2014</a:t>
+              <a:t>11/26/2014</a:t>
             </a:fld>
             <a:endParaRPr lang="en-US"/>
           </a:p>
@@ -1728,7 +1729,7 @@
           <a:p>
             <a:fld id="{11E755D3-E711-4D0A-850C-1C48A3BA9F8A}" type="datetimeFigureOut">
               <a:rPr lang="en-US" smtClean="0"/>
-              <a:t>11/20/2014</a:t>
+              <a:t>11/26/2014</a:t>
             </a:fld>
             <a:endParaRPr lang="en-US"/>
           </a:p>
@@ -1823,7 +1824,7 @@
           <a:p>
             <a:fld id="{11E755D3-E711-4D0A-850C-1C48A3BA9F8A}" type="datetimeFigureOut">
               <a:rPr lang="en-US" smtClean="0"/>
-              <a:t>11/20/2014</a:t>
+              <a:t>11/26/2014</a:t>
             </a:fld>
             <a:endParaRPr lang="en-US"/>
           </a:p>
@@ -2100,7 +2101,7 @@
           <a:p>
             <a:fld id="{11E755D3-E711-4D0A-850C-1C48A3BA9F8A}" type="datetimeFigureOut">
               <a:rPr lang="en-US" smtClean="0"/>
-              <a:t>11/20/2014</a:t>
+              <a:t>11/26/2014</a:t>
             </a:fld>
             <a:endParaRPr lang="en-US"/>
           </a:p>
@@ -2353,7 +2354,7 @@
           <a:p>
             <a:fld id="{11E755D3-E711-4D0A-850C-1C48A3BA9F8A}" type="datetimeFigureOut">
               <a:rPr lang="en-US" smtClean="0"/>
-              <a:t>11/20/2014</a:t>
+              <a:t>11/26/2014</a:t>
             </a:fld>
             <a:endParaRPr lang="en-US"/>
           </a:p>
@@ -2566,7 +2567,7 @@
           <a:p>
             <a:fld id="{11E755D3-E711-4D0A-850C-1C48A3BA9F8A}" type="datetimeFigureOut">
               <a:rPr lang="en-US" smtClean="0"/>
-              <a:t>11/20/2014</a:t>
+              <a:t>11/26/2014</a:t>
             </a:fld>
             <a:endParaRPr lang="en-US"/>
           </a:p>
@@ -10979,6 +10980,7057 @@
 </p:sld>
 </file>
 
+<file path=ppt/slides/slide4.xml><?xml version="1.0" encoding="utf-8"?>
+<p:sld xmlns:a="http://schemas.openxmlformats.org/drawingml/2006/main" xmlns:r="http://schemas.openxmlformats.org/officeDocument/2006/relationships" xmlns:p="http://schemas.openxmlformats.org/presentationml/2006/main">
+  <p:cSld>
+    <p:spTree>
+      <p:nvGrpSpPr>
+        <p:cNvPr id="1" name=""/>
+        <p:cNvGrpSpPr/>
+        <p:nvPr/>
+      </p:nvGrpSpPr>
+      <p:grpSpPr>
+        <a:xfrm>
+          <a:off x="0" y="0"/>
+          <a:ext cx="0" cy="0"/>
+          <a:chOff x="0" y="0"/>
+          <a:chExt cx="0" cy="0"/>
+        </a:xfrm>
+      </p:grpSpPr>
+      <p:sp>
+        <p:nvSpPr>
+          <p:cNvPr id="4" name="Freeform 3"/>
+          <p:cNvSpPr/>
+          <p:nvPr/>
+        </p:nvSpPr>
+        <p:spPr>
+          <a:xfrm>
+            <a:off x="496711" y="666045"/>
+            <a:ext cx="10668000" cy="5294488"/>
+          </a:xfrm>
+          <a:custGeom>
+            <a:avLst/>
+            <a:gdLst>
+              <a:gd name="connsiteX0" fmla="*/ 0 w 7232072"/>
+              <a:gd name="connsiteY0" fmla="*/ 720436 h 1584631"/>
+              <a:gd name="connsiteX1" fmla="*/ 18472 w 7232072"/>
+              <a:gd name="connsiteY1" fmla="*/ 581891 h 1584631"/>
+              <a:gd name="connsiteX2" fmla="*/ 36945 w 7232072"/>
+              <a:gd name="connsiteY2" fmla="*/ 544946 h 1584631"/>
+              <a:gd name="connsiteX3" fmla="*/ 157018 w 7232072"/>
+              <a:gd name="connsiteY3" fmla="*/ 461818 h 1584631"/>
+              <a:gd name="connsiteX4" fmla="*/ 184727 w 7232072"/>
+              <a:gd name="connsiteY4" fmla="*/ 452582 h 1584631"/>
+              <a:gd name="connsiteX5" fmla="*/ 230909 w 7232072"/>
+              <a:gd name="connsiteY5" fmla="*/ 434109 h 1584631"/>
+              <a:gd name="connsiteX6" fmla="*/ 277091 w 7232072"/>
+              <a:gd name="connsiteY6" fmla="*/ 424873 h 1584631"/>
+              <a:gd name="connsiteX7" fmla="*/ 304800 w 7232072"/>
+              <a:gd name="connsiteY7" fmla="*/ 415636 h 1584631"/>
+              <a:gd name="connsiteX8" fmla="*/ 554181 w 7232072"/>
+              <a:gd name="connsiteY8" fmla="*/ 397164 h 1584631"/>
+              <a:gd name="connsiteX9" fmla="*/ 969818 w 7232072"/>
+              <a:gd name="connsiteY9" fmla="*/ 415636 h 1584631"/>
+              <a:gd name="connsiteX10" fmla="*/ 1006763 w 7232072"/>
+              <a:gd name="connsiteY10" fmla="*/ 424873 h 1584631"/>
+              <a:gd name="connsiteX11" fmla="*/ 1071418 w 7232072"/>
+              <a:gd name="connsiteY11" fmla="*/ 452582 h 1584631"/>
+              <a:gd name="connsiteX12" fmla="*/ 1136072 w 7232072"/>
+              <a:gd name="connsiteY12" fmla="*/ 480291 h 1584631"/>
+              <a:gd name="connsiteX13" fmla="*/ 1182254 w 7232072"/>
+              <a:gd name="connsiteY13" fmla="*/ 508000 h 1584631"/>
+              <a:gd name="connsiteX14" fmla="*/ 1274618 w 7232072"/>
+              <a:gd name="connsiteY14" fmla="*/ 544946 h 1584631"/>
+              <a:gd name="connsiteX15" fmla="*/ 1302327 w 7232072"/>
+              <a:gd name="connsiteY15" fmla="*/ 572655 h 1584631"/>
+              <a:gd name="connsiteX16" fmla="*/ 1330036 w 7232072"/>
+              <a:gd name="connsiteY16" fmla="*/ 591127 h 1584631"/>
+              <a:gd name="connsiteX17" fmla="*/ 1357745 w 7232072"/>
+              <a:gd name="connsiteY17" fmla="*/ 618836 h 1584631"/>
+              <a:gd name="connsiteX18" fmla="*/ 1385454 w 7232072"/>
+              <a:gd name="connsiteY18" fmla="*/ 637309 h 1584631"/>
+              <a:gd name="connsiteX19" fmla="*/ 1440872 w 7232072"/>
+              <a:gd name="connsiteY19" fmla="*/ 665018 h 1584631"/>
+              <a:gd name="connsiteX20" fmla="*/ 1477818 w 7232072"/>
+              <a:gd name="connsiteY20" fmla="*/ 701964 h 1584631"/>
+              <a:gd name="connsiteX21" fmla="*/ 1551709 w 7232072"/>
+              <a:gd name="connsiteY21" fmla="*/ 729673 h 1584631"/>
+              <a:gd name="connsiteX22" fmla="*/ 1644072 w 7232072"/>
+              <a:gd name="connsiteY22" fmla="*/ 766618 h 1584631"/>
+              <a:gd name="connsiteX23" fmla="*/ 1699491 w 7232072"/>
+              <a:gd name="connsiteY23" fmla="*/ 803564 h 1584631"/>
+              <a:gd name="connsiteX24" fmla="*/ 1745672 w 7232072"/>
+              <a:gd name="connsiteY24" fmla="*/ 822036 h 1584631"/>
+              <a:gd name="connsiteX25" fmla="*/ 1773381 w 7232072"/>
+              <a:gd name="connsiteY25" fmla="*/ 831273 h 1584631"/>
+              <a:gd name="connsiteX26" fmla="*/ 1828800 w 7232072"/>
+              <a:gd name="connsiteY26" fmla="*/ 868218 h 1584631"/>
+              <a:gd name="connsiteX27" fmla="*/ 1902691 w 7232072"/>
+              <a:gd name="connsiteY27" fmla="*/ 905164 h 1584631"/>
+              <a:gd name="connsiteX28" fmla="*/ 1985818 w 7232072"/>
+              <a:gd name="connsiteY28" fmla="*/ 942109 h 1584631"/>
+              <a:gd name="connsiteX29" fmla="*/ 2032000 w 7232072"/>
+              <a:gd name="connsiteY29" fmla="*/ 951346 h 1584631"/>
+              <a:gd name="connsiteX30" fmla="*/ 2068945 w 7232072"/>
+              <a:gd name="connsiteY30" fmla="*/ 979055 h 1584631"/>
+              <a:gd name="connsiteX31" fmla="*/ 2115127 w 7232072"/>
+              <a:gd name="connsiteY31" fmla="*/ 988291 h 1584631"/>
+              <a:gd name="connsiteX32" fmla="*/ 2235200 w 7232072"/>
+              <a:gd name="connsiteY32" fmla="*/ 1016000 h 1584631"/>
+              <a:gd name="connsiteX33" fmla="*/ 3325091 w 7232072"/>
+              <a:gd name="connsiteY33" fmla="*/ 997527 h 1584631"/>
+              <a:gd name="connsiteX34" fmla="*/ 3389745 w 7232072"/>
+              <a:gd name="connsiteY34" fmla="*/ 988291 h 1584631"/>
+              <a:gd name="connsiteX35" fmla="*/ 3445163 w 7232072"/>
+              <a:gd name="connsiteY35" fmla="*/ 969818 h 1584631"/>
+              <a:gd name="connsiteX36" fmla="*/ 3509818 w 7232072"/>
+              <a:gd name="connsiteY36" fmla="*/ 951346 h 1584631"/>
+              <a:gd name="connsiteX37" fmla="*/ 3583709 w 7232072"/>
+              <a:gd name="connsiteY37" fmla="*/ 914400 h 1584631"/>
+              <a:gd name="connsiteX38" fmla="*/ 3648363 w 7232072"/>
+              <a:gd name="connsiteY38" fmla="*/ 868218 h 1584631"/>
+              <a:gd name="connsiteX39" fmla="*/ 3676072 w 7232072"/>
+              <a:gd name="connsiteY39" fmla="*/ 840509 h 1584631"/>
+              <a:gd name="connsiteX40" fmla="*/ 3694545 w 7232072"/>
+              <a:gd name="connsiteY40" fmla="*/ 812800 h 1584631"/>
+              <a:gd name="connsiteX41" fmla="*/ 3759200 w 7232072"/>
+              <a:gd name="connsiteY41" fmla="*/ 766618 h 1584631"/>
+              <a:gd name="connsiteX42" fmla="*/ 3796145 w 7232072"/>
+              <a:gd name="connsiteY42" fmla="*/ 729673 h 1584631"/>
+              <a:gd name="connsiteX43" fmla="*/ 3833091 w 7232072"/>
+              <a:gd name="connsiteY43" fmla="*/ 701964 h 1584631"/>
+              <a:gd name="connsiteX44" fmla="*/ 3888509 w 7232072"/>
+              <a:gd name="connsiteY44" fmla="*/ 637309 h 1584631"/>
+              <a:gd name="connsiteX45" fmla="*/ 3943927 w 7232072"/>
+              <a:gd name="connsiteY45" fmla="*/ 609600 h 1584631"/>
+              <a:gd name="connsiteX46" fmla="*/ 3990109 w 7232072"/>
+              <a:gd name="connsiteY46" fmla="*/ 581891 h 1584631"/>
+              <a:gd name="connsiteX47" fmla="*/ 4036291 w 7232072"/>
+              <a:gd name="connsiteY47" fmla="*/ 572655 h 1584631"/>
+              <a:gd name="connsiteX48" fmla="*/ 4064000 w 7232072"/>
+              <a:gd name="connsiteY48" fmla="*/ 563418 h 1584631"/>
+              <a:gd name="connsiteX49" fmla="*/ 4202545 w 7232072"/>
+              <a:gd name="connsiteY49" fmla="*/ 544946 h 1584631"/>
+              <a:gd name="connsiteX50" fmla="*/ 4682836 w 7232072"/>
+              <a:gd name="connsiteY50" fmla="*/ 544946 h 1584631"/>
+              <a:gd name="connsiteX51" fmla="*/ 4747491 w 7232072"/>
+              <a:gd name="connsiteY51" fmla="*/ 563418 h 1584631"/>
+              <a:gd name="connsiteX52" fmla="*/ 4793672 w 7232072"/>
+              <a:gd name="connsiteY52" fmla="*/ 572655 h 1584631"/>
+              <a:gd name="connsiteX53" fmla="*/ 4821381 w 7232072"/>
+              <a:gd name="connsiteY53" fmla="*/ 591127 h 1584631"/>
+              <a:gd name="connsiteX54" fmla="*/ 4922981 w 7232072"/>
+              <a:gd name="connsiteY54" fmla="*/ 628073 h 1584631"/>
+              <a:gd name="connsiteX55" fmla="*/ 4959927 w 7232072"/>
+              <a:gd name="connsiteY55" fmla="*/ 637309 h 1584631"/>
+              <a:gd name="connsiteX56" fmla="*/ 5052291 w 7232072"/>
+              <a:gd name="connsiteY56" fmla="*/ 665018 h 1584631"/>
+              <a:gd name="connsiteX57" fmla="*/ 5080000 w 7232072"/>
+              <a:gd name="connsiteY57" fmla="*/ 683491 h 1584631"/>
+              <a:gd name="connsiteX58" fmla="*/ 5107709 w 7232072"/>
+              <a:gd name="connsiteY58" fmla="*/ 692727 h 1584631"/>
+              <a:gd name="connsiteX59" fmla="*/ 5163127 w 7232072"/>
+              <a:gd name="connsiteY59" fmla="*/ 729673 h 1584631"/>
+              <a:gd name="connsiteX60" fmla="*/ 5190836 w 7232072"/>
+              <a:gd name="connsiteY60" fmla="*/ 748146 h 1584631"/>
+              <a:gd name="connsiteX61" fmla="*/ 5227781 w 7232072"/>
+              <a:gd name="connsiteY61" fmla="*/ 757382 h 1584631"/>
+              <a:gd name="connsiteX62" fmla="*/ 5310909 w 7232072"/>
+              <a:gd name="connsiteY62" fmla="*/ 812800 h 1584631"/>
+              <a:gd name="connsiteX63" fmla="*/ 5347854 w 7232072"/>
+              <a:gd name="connsiteY63" fmla="*/ 831273 h 1584631"/>
+              <a:gd name="connsiteX64" fmla="*/ 5403272 w 7232072"/>
+              <a:gd name="connsiteY64" fmla="*/ 849746 h 1584631"/>
+              <a:gd name="connsiteX65" fmla="*/ 5467927 w 7232072"/>
+              <a:gd name="connsiteY65" fmla="*/ 886691 h 1584631"/>
+              <a:gd name="connsiteX66" fmla="*/ 5551054 w 7232072"/>
+              <a:gd name="connsiteY66" fmla="*/ 905164 h 1584631"/>
+              <a:gd name="connsiteX67" fmla="*/ 5578763 w 7232072"/>
+              <a:gd name="connsiteY67" fmla="*/ 914400 h 1584631"/>
+              <a:gd name="connsiteX68" fmla="*/ 5624945 w 7232072"/>
+              <a:gd name="connsiteY68" fmla="*/ 923636 h 1584631"/>
+              <a:gd name="connsiteX69" fmla="*/ 5680363 w 7232072"/>
+              <a:gd name="connsiteY69" fmla="*/ 942109 h 1584631"/>
+              <a:gd name="connsiteX70" fmla="*/ 5745018 w 7232072"/>
+              <a:gd name="connsiteY70" fmla="*/ 951346 h 1584631"/>
+              <a:gd name="connsiteX71" fmla="*/ 5818909 w 7232072"/>
+              <a:gd name="connsiteY71" fmla="*/ 979055 h 1584631"/>
+              <a:gd name="connsiteX72" fmla="*/ 5929745 w 7232072"/>
+              <a:gd name="connsiteY72" fmla="*/ 997527 h 1584631"/>
+              <a:gd name="connsiteX73" fmla="*/ 5985163 w 7232072"/>
+              <a:gd name="connsiteY73" fmla="*/ 1006764 h 1584631"/>
+              <a:gd name="connsiteX74" fmla="*/ 6567054 w 7232072"/>
+              <a:gd name="connsiteY74" fmla="*/ 997527 h 1584631"/>
+              <a:gd name="connsiteX75" fmla="*/ 6677891 w 7232072"/>
+              <a:gd name="connsiteY75" fmla="*/ 951346 h 1584631"/>
+              <a:gd name="connsiteX76" fmla="*/ 6788727 w 7232072"/>
+              <a:gd name="connsiteY76" fmla="*/ 914400 h 1584631"/>
+              <a:gd name="connsiteX77" fmla="*/ 6881091 w 7232072"/>
+              <a:gd name="connsiteY77" fmla="*/ 868218 h 1584631"/>
+              <a:gd name="connsiteX78" fmla="*/ 6899563 w 7232072"/>
+              <a:gd name="connsiteY78" fmla="*/ 840509 h 1584631"/>
+              <a:gd name="connsiteX79" fmla="*/ 6954981 w 7232072"/>
+              <a:gd name="connsiteY79" fmla="*/ 822036 h 1584631"/>
+              <a:gd name="connsiteX80" fmla="*/ 6991927 w 7232072"/>
+              <a:gd name="connsiteY80" fmla="*/ 775855 h 1584631"/>
+              <a:gd name="connsiteX81" fmla="*/ 7019636 w 7232072"/>
+              <a:gd name="connsiteY81" fmla="*/ 766618 h 1584631"/>
+              <a:gd name="connsiteX82" fmla="*/ 7056581 w 7232072"/>
+              <a:gd name="connsiteY82" fmla="*/ 738909 h 1584631"/>
+              <a:gd name="connsiteX83" fmla="*/ 7093527 w 7232072"/>
+              <a:gd name="connsiteY83" fmla="*/ 720436 h 1584631"/>
+              <a:gd name="connsiteX84" fmla="*/ 7121236 w 7232072"/>
+              <a:gd name="connsiteY84" fmla="*/ 701964 h 1584631"/>
+              <a:gd name="connsiteX85" fmla="*/ 7176654 w 7232072"/>
+              <a:gd name="connsiteY85" fmla="*/ 637309 h 1584631"/>
+              <a:gd name="connsiteX86" fmla="*/ 7213600 w 7232072"/>
+              <a:gd name="connsiteY86" fmla="*/ 572655 h 1584631"/>
+              <a:gd name="connsiteX87" fmla="*/ 7232072 w 7232072"/>
+              <a:gd name="connsiteY87" fmla="*/ 517236 h 1584631"/>
+              <a:gd name="connsiteX88" fmla="*/ 7213600 w 7232072"/>
+              <a:gd name="connsiteY88" fmla="*/ 387927 h 1584631"/>
+              <a:gd name="connsiteX89" fmla="*/ 7158181 w 7232072"/>
+              <a:gd name="connsiteY89" fmla="*/ 323273 h 1584631"/>
+              <a:gd name="connsiteX90" fmla="*/ 7130472 w 7232072"/>
+              <a:gd name="connsiteY90" fmla="*/ 314036 h 1584631"/>
+              <a:gd name="connsiteX91" fmla="*/ 7084291 w 7232072"/>
+              <a:gd name="connsiteY91" fmla="*/ 286327 h 1584631"/>
+              <a:gd name="connsiteX92" fmla="*/ 7019636 w 7232072"/>
+              <a:gd name="connsiteY92" fmla="*/ 267855 h 1584631"/>
+              <a:gd name="connsiteX93" fmla="*/ 6899563 w 7232072"/>
+              <a:gd name="connsiteY93" fmla="*/ 249382 h 1584631"/>
+              <a:gd name="connsiteX94" fmla="*/ 6410036 w 7232072"/>
+              <a:gd name="connsiteY94" fmla="*/ 258618 h 1584631"/>
+              <a:gd name="connsiteX95" fmla="*/ 6354618 w 7232072"/>
+              <a:gd name="connsiteY95" fmla="*/ 277091 h 1584631"/>
+              <a:gd name="connsiteX96" fmla="*/ 6280727 w 7232072"/>
+              <a:gd name="connsiteY96" fmla="*/ 295564 h 1584631"/>
+              <a:gd name="connsiteX97" fmla="*/ 6216072 w 7232072"/>
+              <a:gd name="connsiteY97" fmla="*/ 360218 h 1584631"/>
+              <a:gd name="connsiteX98" fmla="*/ 6132945 w 7232072"/>
+              <a:gd name="connsiteY98" fmla="*/ 424873 h 1584631"/>
+              <a:gd name="connsiteX99" fmla="*/ 6105236 w 7232072"/>
+              <a:gd name="connsiteY99" fmla="*/ 434109 h 1584631"/>
+              <a:gd name="connsiteX100" fmla="*/ 6049818 w 7232072"/>
+              <a:gd name="connsiteY100" fmla="*/ 471055 h 1584631"/>
+              <a:gd name="connsiteX101" fmla="*/ 6022109 w 7232072"/>
+              <a:gd name="connsiteY101" fmla="*/ 489527 h 1584631"/>
+              <a:gd name="connsiteX102" fmla="*/ 5975927 w 7232072"/>
+              <a:gd name="connsiteY102" fmla="*/ 526473 h 1584631"/>
+              <a:gd name="connsiteX103" fmla="*/ 5948218 w 7232072"/>
+              <a:gd name="connsiteY103" fmla="*/ 554182 h 1584631"/>
+              <a:gd name="connsiteX104" fmla="*/ 5892800 w 7232072"/>
+              <a:gd name="connsiteY104" fmla="*/ 581891 h 1584631"/>
+              <a:gd name="connsiteX105" fmla="*/ 5874327 w 7232072"/>
+              <a:gd name="connsiteY105" fmla="*/ 609600 h 1584631"/>
+              <a:gd name="connsiteX106" fmla="*/ 5846618 w 7232072"/>
+              <a:gd name="connsiteY106" fmla="*/ 628073 h 1584631"/>
+              <a:gd name="connsiteX107" fmla="*/ 5809672 w 7232072"/>
+              <a:gd name="connsiteY107" fmla="*/ 683491 h 1584631"/>
+              <a:gd name="connsiteX108" fmla="*/ 5781963 w 7232072"/>
+              <a:gd name="connsiteY108" fmla="*/ 711200 h 1584631"/>
+              <a:gd name="connsiteX109" fmla="*/ 5735781 w 7232072"/>
+              <a:gd name="connsiteY109" fmla="*/ 794327 h 1584631"/>
+              <a:gd name="connsiteX110" fmla="*/ 5717309 w 7232072"/>
+              <a:gd name="connsiteY110" fmla="*/ 849746 h 1584631"/>
+              <a:gd name="connsiteX111" fmla="*/ 5708072 w 7232072"/>
+              <a:gd name="connsiteY111" fmla="*/ 877455 h 1584631"/>
+              <a:gd name="connsiteX112" fmla="*/ 5680363 w 7232072"/>
+              <a:gd name="connsiteY112" fmla="*/ 905164 h 1584631"/>
+              <a:gd name="connsiteX113" fmla="*/ 5652654 w 7232072"/>
+              <a:gd name="connsiteY113" fmla="*/ 923636 h 1584631"/>
+              <a:gd name="connsiteX114" fmla="*/ 5624945 w 7232072"/>
+              <a:gd name="connsiteY114" fmla="*/ 932873 h 1584631"/>
+              <a:gd name="connsiteX115" fmla="*/ 5606472 w 7232072"/>
+              <a:gd name="connsiteY115" fmla="*/ 905164 h 1584631"/>
+              <a:gd name="connsiteX116" fmla="*/ 5578763 w 7232072"/>
+              <a:gd name="connsiteY116" fmla="*/ 812800 h 1584631"/>
+              <a:gd name="connsiteX117" fmla="*/ 5560291 w 7232072"/>
+              <a:gd name="connsiteY117" fmla="*/ 757382 h 1584631"/>
+              <a:gd name="connsiteX118" fmla="*/ 5541818 w 7232072"/>
+              <a:gd name="connsiteY118" fmla="*/ 720436 h 1584631"/>
+              <a:gd name="connsiteX119" fmla="*/ 5532581 w 7232072"/>
+              <a:gd name="connsiteY119" fmla="*/ 692727 h 1584631"/>
+              <a:gd name="connsiteX120" fmla="*/ 5486400 w 7232072"/>
+              <a:gd name="connsiteY120" fmla="*/ 618836 h 1584631"/>
+              <a:gd name="connsiteX121" fmla="*/ 5449454 w 7232072"/>
+              <a:gd name="connsiteY121" fmla="*/ 535709 h 1584631"/>
+              <a:gd name="connsiteX122" fmla="*/ 5430981 w 7232072"/>
+              <a:gd name="connsiteY122" fmla="*/ 480291 h 1584631"/>
+              <a:gd name="connsiteX123" fmla="*/ 5412509 w 7232072"/>
+              <a:gd name="connsiteY123" fmla="*/ 406400 h 1584631"/>
+              <a:gd name="connsiteX124" fmla="*/ 5394036 w 7232072"/>
+              <a:gd name="connsiteY124" fmla="*/ 378691 h 1584631"/>
+              <a:gd name="connsiteX125" fmla="*/ 5357091 w 7232072"/>
+              <a:gd name="connsiteY125" fmla="*/ 323273 h 1584631"/>
+              <a:gd name="connsiteX126" fmla="*/ 5329381 w 7232072"/>
+              <a:gd name="connsiteY126" fmla="*/ 267855 h 1584631"/>
+              <a:gd name="connsiteX127" fmla="*/ 5273963 w 7232072"/>
+              <a:gd name="connsiteY127" fmla="*/ 221673 h 1584631"/>
+              <a:gd name="connsiteX128" fmla="*/ 5237018 w 7232072"/>
+              <a:gd name="connsiteY128" fmla="*/ 203200 h 1584631"/>
+              <a:gd name="connsiteX129" fmla="*/ 5181600 w 7232072"/>
+              <a:gd name="connsiteY129" fmla="*/ 166255 h 1584631"/>
+              <a:gd name="connsiteX130" fmla="*/ 5126181 w 7232072"/>
+              <a:gd name="connsiteY130" fmla="*/ 129309 h 1584631"/>
+              <a:gd name="connsiteX131" fmla="*/ 5098472 w 7232072"/>
+              <a:gd name="connsiteY131" fmla="*/ 110836 h 1584631"/>
+              <a:gd name="connsiteX132" fmla="*/ 5070763 w 7232072"/>
+              <a:gd name="connsiteY132" fmla="*/ 101600 h 1584631"/>
+              <a:gd name="connsiteX133" fmla="*/ 5006109 w 7232072"/>
+              <a:gd name="connsiteY133" fmla="*/ 73891 h 1584631"/>
+              <a:gd name="connsiteX134" fmla="*/ 4978400 w 7232072"/>
+              <a:gd name="connsiteY134" fmla="*/ 55418 h 1584631"/>
+              <a:gd name="connsiteX135" fmla="*/ 4950691 w 7232072"/>
+              <a:gd name="connsiteY135" fmla="*/ 46182 h 1584631"/>
+              <a:gd name="connsiteX136" fmla="*/ 4913745 w 7232072"/>
+              <a:gd name="connsiteY136" fmla="*/ 27709 h 1584631"/>
+              <a:gd name="connsiteX137" fmla="*/ 4821381 w 7232072"/>
+              <a:gd name="connsiteY137" fmla="*/ 0 h 1584631"/>
+              <a:gd name="connsiteX138" fmla="*/ 4608945 w 7232072"/>
+              <a:gd name="connsiteY138" fmla="*/ 9236 h 1584631"/>
+              <a:gd name="connsiteX139" fmla="*/ 4498109 w 7232072"/>
+              <a:gd name="connsiteY139" fmla="*/ 36946 h 1584631"/>
+              <a:gd name="connsiteX140" fmla="*/ 4442691 w 7232072"/>
+              <a:gd name="connsiteY140" fmla="*/ 73891 h 1584631"/>
+              <a:gd name="connsiteX141" fmla="*/ 4359563 w 7232072"/>
+              <a:gd name="connsiteY141" fmla="*/ 147782 h 1584631"/>
+              <a:gd name="connsiteX142" fmla="*/ 4341091 w 7232072"/>
+              <a:gd name="connsiteY142" fmla="*/ 175491 h 1584631"/>
+              <a:gd name="connsiteX143" fmla="*/ 4331854 w 7232072"/>
+              <a:gd name="connsiteY143" fmla="*/ 203200 h 1584631"/>
+              <a:gd name="connsiteX144" fmla="*/ 4304145 w 7232072"/>
+              <a:gd name="connsiteY144" fmla="*/ 221673 h 1584631"/>
+              <a:gd name="connsiteX145" fmla="*/ 4294909 w 7232072"/>
+              <a:gd name="connsiteY145" fmla="*/ 249382 h 1584631"/>
+              <a:gd name="connsiteX146" fmla="*/ 4276436 w 7232072"/>
+              <a:gd name="connsiteY146" fmla="*/ 332509 h 1584631"/>
+              <a:gd name="connsiteX147" fmla="*/ 4294909 w 7232072"/>
+              <a:gd name="connsiteY147" fmla="*/ 424873 h 1584631"/>
+              <a:gd name="connsiteX148" fmla="*/ 4313381 w 7232072"/>
+              <a:gd name="connsiteY148" fmla="*/ 452582 h 1584631"/>
+              <a:gd name="connsiteX149" fmla="*/ 4341091 w 7232072"/>
+              <a:gd name="connsiteY149" fmla="*/ 461818 h 1584631"/>
+              <a:gd name="connsiteX150" fmla="*/ 4368800 w 7232072"/>
+              <a:gd name="connsiteY150" fmla="*/ 480291 h 1584631"/>
+              <a:gd name="connsiteX151" fmla="*/ 4424218 w 7232072"/>
+              <a:gd name="connsiteY151" fmla="*/ 498764 h 1584631"/>
+              <a:gd name="connsiteX152" fmla="*/ 4488872 w 7232072"/>
+              <a:gd name="connsiteY152" fmla="*/ 517236 h 1584631"/>
+              <a:gd name="connsiteX153" fmla="*/ 4516581 w 7232072"/>
+              <a:gd name="connsiteY153" fmla="*/ 526473 h 1584631"/>
+              <a:gd name="connsiteX154" fmla="*/ 4535054 w 7232072"/>
+              <a:gd name="connsiteY154" fmla="*/ 665018 h 1584631"/>
+              <a:gd name="connsiteX155" fmla="*/ 4553527 w 7232072"/>
+              <a:gd name="connsiteY155" fmla="*/ 720436 h 1584631"/>
+              <a:gd name="connsiteX156" fmla="*/ 4535054 w 7232072"/>
+              <a:gd name="connsiteY156" fmla="*/ 1089891 h 1584631"/>
+              <a:gd name="connsiteX157" fmla="*/ 4525818 w 7232072"/>
+              <a:gd name="connsiteY157" fmla="*/ 1117600 h 1584631"/>
+              <a:gd name="connsiteX158" fmla="*/ 4516581 w 7232072"/>
+              <a:gd name="connsiteY158" fmla="*/ 1154546 h 1584631"/>
+              <a:gd name="connsiteX159" fmla="*/ 4479636 w 7232072"/>
+              <a:gd name="connsiteY159" fmla="*/ 1209964 h 1584631"/>
+              <a:gd name="connsiteX160" fmla="*/ 4461163 w 7232072"/>
+              <a:gd name="connsiteY160" fmla="*/ 1237673 h 1584631"/>
+              <a:gd name="connsiteX161" fmla="*/ 4433454 w 7232072"/>
+              <a:gd name="connsiteY161" fmla="*/ 1311564 h 1584631"/>
+              <a:gd name="connsiteX162" fmla="*/ 4405745 w 7232072"/>
+              <a:gd name="connsiteY162" fmla="*/ 1348509 h 1584631"/>
+              <a:gd name="connsiteX163" fmla="*/ 4350327 w 7232072"/>
+              <a:gd name="connsiteY163" fmla="*/ 1450109 h 1584631"/>
+              <a:gd name="connsiteX164" fmla="*/ 4322618 w 7232072"/>
+              <a:gd name="connsiteY164" fmla="*/ 1487055 h 1584631"/>
+              <a:gd name="connsiteX165" fmla="*/ 4294909 w 7232072"/>
+              <a:gd name="connsiteY165" fmla="*/ 1496291 h 1584631"/>
+              <a:gd name="connsiteX166" fmla="*/ 4239491 w 7232072"/>
+              <a:gd name="connsiteY166" fmla="*/ 1551709 h 1584631"/>
+              <a:gd name="connsiteX167" fmla="*/ 4165600 w 7232072"/>
+              <a:gd name="connsiteY167" fmla="*/ 1579418 h 1584631"/>
+              <a:gd name="connsiteX168" fmla="*/ 3749963 w 7232072"/>
+              <a:gd name="connsiteY168" fmla="*/ 1551709 h 1584631"/>
+              <a:gd name="connsiteX169" fmla="*/ 3713018 w 7232072"/>
+              <a:gd name="connsiteY169" fmla="*/ 1533236 h 1584631"/>
+              <a:gd name="connsiteX170" fmla="*/ 3694545 w 7232072"/>
+              <a:gd name="connsiteY170" fmla="*/ 1496291 h 1584631"/>
+              <a:gd name="connsiteX171" fmla="*/ 3629891 w 7232072"/>
+              <a:gd name="connsiteY171" fmla="*/ 1450109 h 1584631"/>
+              <a:gd name="connsiteX172" fmla="*/ 3611418 w 7232072"/>
+              <a:gd name="connsiteY172" fmla="*/ 1422400 h 1584631"/>
+              <a:gd name="connsiteX173" fmla="*/ 3583709 w 7232072"/>
+              <a:gd name="connsiteY173" fmla="*/ 1394691 h 1584631"/>
+              <a:gd name="connsiteX174" fmla="*/ 3574472 w 7232072"/>
+              <a:gd name="connsiteY174" fmla="*/ 1357746 h 1584631"/>
+              <a:gd name="connsiteX175" fmla="*/ 3556000 w 7232072"/>
+              <a:gd name="connsiteY175" fmla="*/ 1320800 h 1584631"/>
+              <a:gd name="connsiteX176" fmla="*/ 3519054 w 7232072"/>
+              <a:gd name="connsiteY176" fmla="*/ 1246909 h 1584631"/>
+              <a:gd name="connsiteX177" fmla="*/ 3509818 w 7232072"/>
+              <a:gd name="connsiteY177" fmla="*/ 1219200 h 1584631"/>
+              <a:gd name="connsiteX178" fmla="*/ 3491345 w 7232072"/>
+              <a:gd name="connsiteY178" fmla="*/ 1136073 h 1584631"/>
+              <a:gd name="connsiteX179" fmla="*/ 3500581 w 7232072"/>
+              <a:gd name="connsiteY179" fmla="*/ 1016000 h 1584631"/>
+              <a:gd name="connsiteX180" fmla="*/ 3509818 w 7232072"/>
+              <a:gd name="connsiteY180" fmla="*/ 988291 h 1584631"/>
+              <a:gd name="connsiteX181" fmla="*/ 3565236 w 7232072"/>
+              <a:gd name="connsiteY181" fmla="*/ 951346 h 1584631"/>
+              <a:gd name="connsiteX182" fmla="*/ 3860800 w 7232072"/>
+              <a:gd name="connsiteY182" fmla="*/ 960582 h 1584631"/>
+              <a:gd name="connsiteX183" fmla="*/ 3925454 w 7232072"/>
+              <a:gd name="connsiteY183" fmla="*/ 1006764 h 1584631"/>
+              <a:gd name="connsiteX184" fmla="*/ 3943927 w 7232072"/>
+              <a:gd name="connsiteY184" fmla="*/ 1062182 h 1584631"/>
+              <a:gd name="connsiteX185" fmla="*/ 3934691 w 7232072"/>
+              <a:gd name="connsiteY185" fmla="*/ 1200727 h 1584631"/>
+              <a:gd name="connsiteX186" fmla="*/ 3879272 w 7232072"/>
+              <a:gd name="connsiteY186" fmla="*/ 1237673 h 1584631"/>
+              <a:gd name="connsiteX187" fmla="*/ 3851563 w 7232072"/>
+              <a:gd name="connsiteY187" fmla="*/ 1256146 h 1584631"/>
+              <a:gd name="connsiteX188" fmla="*/ 3685309 w 7232072"/>
+              <a:gd name="connsiteY188" fmla="*/ 1237673 h 1584631"/>
+              <a:gd name="connsiteX189" fmla="*/ 3657600 w 7232072"/>
+              <a:gd name="connsiteY189" fmla="*/ 1219200 h 1584631"/>
+              <a:gd name="connsiteX190" fmla="*/ 3620654 w 7232072"/>
+              <a:gd name="connsiteY190" fmla="*/ 1154546 h 1584631"/>
+              <a:gd name="connsiteX191" fmla="*/ 3611418 w 7232072"/>
+              <a:gd name="connsiteY191" fmla="*/ 1108364 h 1584631"/>
+              <a:gd name="connsiteX192" fmla="*/ 3592945 w 7232072"/>
+              <a:gd name="connsiteY192" fmla="*/ 1080655 h 1584631"/>
+              <a:gd name="connsiteX193" fmla="*/ 3556000 w 7232072"/>
+              <a:gd name="connsiteY193" fmla="*/ 1016000 h 1584631"/>
+              <a:gd name="connsiteX194" fmla="*/ 3528291 w 7232072"/>
+              <a:gd name="connsiteY194" fmla="*/ 997527 h 1584631"/>
+              <a:gd name="connsiteX195" fmla="*/ 3519054 w 7232072"/>
+              <a:gd name="connsiteY195" fmla="*/ 969818 h 1584631"/>
+              <a:gd name="connsiteX196" fmla="*/ 3500581 w 7232072"/>
+              <a:gd name="connsiteY196" fmla="*/ 942109 h 1584631"/>
+              <a:gd name="connsiteX197" fmla="*/ 3445163 w 7232072"/>
+              <a:gd name="connsiteY197" fmla="*/ 877455 h 1584631"/>
+              <a:gd name="connsiteX198" fmla="*/ 3389745 w 7232072"/>
+              <a:gd name="connsiteY198" fmla="*/ 840509 h 1584631"/>
+              <a:gd name="connsiteX199" fmla="*/ 3325091 w 7232072"/>
+              <a:gd name="connsiteY199" fmla="*/ 812800 h 1584631"/>
+              <a:gd name="connsiteX200" fmla="*/ 3306618 w 7232072"/>
+              <a:gd name="connsiteY200" fmla="*/ 775855 h 1584631"/>
+              <a:gd name="connsiteX201" fmla="*/ 3269672 w 7232072"/>
+              <a:gd name="connsiteY201" fmla="*/ 757382 h 1584631"/>
+              <a:gd name="connsiteX202" fmla="*/ 3241963 w 7232072"/>
+              <a:gd name="connsiteY202" fmla="*/ 738909 h 1584631"/>
+              <a:gd name="connsiteX203" fmla="*/ 3205018 w 7232072"/>
+              <a:gd name="connsiteY203" fmla="*/ 720436 h 1584631"/>
+              <a:gd name="connsiteX204" fmla="*/ 3158836 w 7232072"/>
+              <a:gd name="connsiteY204" fmla="*/ 692727 h 1584631"/>
+              <a:gd name="connsiteX205" fmla="*/ 3121891 w 7232072"/>
+              <a:gd name="connsiteY205" fmla="*/ 683491 h 1584631"/>
+              <a:gd name="connsiteX206" fmla="*/ 3094181 w 7232072"/>
+              <a:gd name="connsiteY206" fmla="*/ 674255 h 1584631"/>
+              <a:gd name="connsiteX207" fmla="*/ 2983345 w 7232072"/>
+              <a:gd name="connsiteY207" fmla="*/ 609600 h 1584631"/>
+              <a:gd name="connsiteX208" fmla="*/ 2964872 w 7232072"/>
+              <a:gd name="connsiteY208" fmla="*/ 581891 h 1584631"/>
+              <a:gd name="connsiteX209" fmla="*/ 2890981 w 7232072"/>
+              <a:gd name="connsiteY209" fmla="*/ 554182 h 1584631"/>
+              <a:gd name="connsiteX210" fmla="*/ 2863272 w 7232072"/>
+              <a:gd name="connsiteY210" fmla="*/ 544946 h 1584631"/>
+              <a:gd name="connsiteX211" fmla="*/ 2807854 w 7232072"/>
+              <a:gd name="connsiteY211" fmla="*/ 498764 h 1584631"/>
+              <a:gd name="connsiteX212" fmla="*/ 2752436 w 7232072"/>
+              <a:gd name="connsiteY212" fmla="*/ 452582 h 1584631"/>
+              <a:gd name="connsiteX213" fmla="*/ 2678545 w 7232072"/>
+              <a:gd name="connsiteY213" fmla="*/ 415636 h 1584631"/>
+              <a:gd name="connsiteX214" fmla="*/ 2613891 w 7232072"/>
+              <a:gd name="connsiteY214" fmla="*/ 378691 h 1584631"/>
+              <a:gd name="connsiteX215" fmla="*/ 2586181 w 7232072"/>
+              <a:gd name="connsiteY215" fmla="*/ 360218 h 1584631"/>
+              <a:gd name="connsiteX216" fmla="*/ 2438400 w 7232072"/>
+              <a:gd name="connsiteY216" fmla="*/ 332509 h 1584631"/>
+              <a:gd name="connsiteX217" fmla="*/ 2216727 w 7232072"/>
+              <a:gd name="connsiteY217" fmla="*/ 350982 h 1584631"/>
+              <a:gd name="connsiteX218" fmla="*/ 2189018 w 7232072"/>
+              <a:gd name="connsiteY218" fmla="*/ 360218 h 1584631"/>
+              <a:gd name="connsiteX219" fmla="*/ 2152072 w 7232072"/>
+              <a:gd name="connsiteY219" fmla="*/ 369455 h 1584631"/>
+              <a:gd name="connsiteX220" fmla="*/ 2096654 w 7232072"/>
+              <a:gd name="connsiteY220" fmla="*/ 406400 h 1584631"/>
+              <a:gd name="connsiteX221" fmla="*/ 2087418 w 7232072"/>
+              <a:gd name="connsiteY221" fmla="*/ 434109 h 1584631"/>
+              <a:gd name="connsiteX222" fmla="*/ 2050472 w 7232072"/>
+              <a:gd name="connsiteY222" fmla="*/ 461818 h 1584631"/>
+              <a:gd name="connsiteX223" fmla="*/ 2022763 w 7232072"/>
+              <a:gd name="connsiteY223" fmla="*/ 489527 h 1584631"/>
+              <a:gd name="connsiteX224" fmla="*/ 1976581 w 7232072"/>
+              <a:gd name="connsiteY224" fmla="*/ 581891 h 1584631"/>
+              <a:gd name="connsiteX225" fmla="*/ 1967345 w 7232072"/>
+              <a:gd name="connsiteY225" fmla="*/ 618836 h 1584631"/>
+              <a:gd name="connsiteX226" fmla="*/ 1948872 w 7232072"/>
+              <a:gd name="connsiteY226" fmla="*/ 646546 h 1584631"/>
+              <a:gd name="connsiteX227" fmla="*/ 1939636 w 7232072"/>
+              <a:gd name="connsiteY227" fmla="*/ 692727 h 1584631"/>
+              <a:gd name="connsiteX228" fmla="*/ 1930400 w 7232072"/>
+              <a:gd name="connsiteY228" fmla="*/ 720436 h 1584631"/>
+              <a:gd name="connsiteX229" fmla="*/ 1921163 w 7232072"/>
+              <a:gd name="connsiteY229" fmla="*/ 794327 h 1584631"/>
+              <a:gd name="connsiteX230" fmla="*/ 1911927 w 7232072"/>
+              <a:gd name="connsiteY230" fmla="*/ 822036 h 1584631"/>
+              <a:gd name="connsiteX231" fmla="*/ 1902691 w 7232072"/>
+              <a:gd name="connsiteY231" fmla="*/ 868218 h 1584631"/>
+              <a:gd name="connsiteX232" fmla="*/ 1893454 w 7232072"/>
+              <a:gd name="connsiteY232" fmla="*/ 923636 h 1584631"/>
+              <a:gd name="connsiteX233" fmla="*/ 1865745 w 7232072"/>
+              <a:gd name="connsiteY233" fmla="*/ 1016000 h 1584631"/>
+              <a:gd name="connsiteX234" fmla="*/ 1856509 w 7232072"/>
+              <a:gd name="connsiteY234" fmla="*/ 1043709 h 1584631"/>
+              <a:gd name="connsiteX235" fmla="*/ 1838036 w 7232072"/>
+              <a:gd name="connsiteY235" fmla="*/ 1071418 h 1584631"/>
+              <a:gd name="connsiteX236" fmla="*/ 1810327 w 7232072"/>
+              <a:gd name="connsiteY236" fmla="*/ 1126836 h 1584631"/>
+              <a:gd name="connsiteX237" fmla="*/ 1801091 w 7232072"/>
+              <a:gd name="connsiteY237" fmla="*/ 1154546 h 1584631"/>
+              <a:gd name="connsiteX238" fmla="*/ 1717963 w 7232072"/>
+              <a:gd name="connsiteY238" fmla="*/ 1228436 h 1584631"/>
+              <a:gd name="connsiteX239" fmla="*/ 1681018 w 7232072"/>
+              <a:gd name="connsiteY239" fmla="*/ 1256146 h 1584631"/>
+              <a:gd name="connsiteX240" fmla="*/ 1625600 w 7232072"/>
+              <a:gd name="connsiteY240" fmla="*/ 1293091 h 1584631"/>
+              <a:gd name="connsiteX241" fmla="*/ 1570181 w 7232072"/>
+              <a:gd name="connsiteY241" fmla="*/ 1311564 h 1584631"/>
+              <a:gd name="connsiteX242" fmla="*/ 1487054 w 7232072"/>
+              <a:gd name="connsiteY242" fmla="*/ 1302327 h 1584631"/>
+              <a:gd name="connsiteX243" fmla="*/ 1431636 w 7232072"/>
+              <a:gd name="connsiteY243" fmla="*/ 1283855 h 1584631"/>
+              <a:gd name="connsiteX244" fmla="*/ 1394691 w 7232072"/>
+              <a:gd name="connsiteY244" fmla="*/ 1200727 h 1584631"/>
+              <a:gd name="connsiteX245" fmla="*/ 1385454 w 7232072"/>
+              <a:gd name="connsiteY245" fmla="*/ 1173018 h 1584631"/>
+              <a:gd name="connsiteX246" fmla="*/ 1394691 w 7232072"/>
+              <a:gd name="connsiteY246" fmla="*/ 738909 h 1584631"/>
+              <a:gd name="connsiteX247" fmla="*/ 1422400 w 7232072"/>
+              <a:gd name="connsiteY247" fmla="*/ 637309 h 1584631"/>
+              <a:gd name="connsiteX248" fmla="*/ 1450109 w 7232072"/>
+              <a:gd name="connsiteY248" fmla="*/ 618836 h 1584631"/>
+              <a:gd name="connsiteX249" fmla="*/ 1459345 w 7232072"/>
+              <a:gd name="connsiteY249" fmla="*/ 591127 h 1584631"/>
+              <a:gd name="connsiteX250" fmla="*/ 1496291 w 7232072"/>
+              <a:gd name="connsiteY250" fmla="*/ 581891 h 1584631"/>
+              <a:gd name="connsiteX251" fmla="*/ 1551709 w 7232072"/>
+              <a:gd name="connsiteY251" fmla="*/ 563418 h 1584631"/>
+              <a:gd name="connsiteX252" fmla="*/ 1579418 w 7232072"/>
+              <a:gd name="connsiteY252" fmla="*/ 554182 h 1584631"/>
+              <a:gd name="connsiteX253" fmla="*/ 1671781 w 7232072"/>
+              <a:gd name="connsiteY253" fmla="*/ 544946 h 1584631"/>
+              <a:gd name="connsiteX254" fmla="*/ 1764145 w 7232072"/>
+              <a:gd name="connsiteY254" fmla="*/ 554182 h 1584631"/>
+              <a:gd name="connsiteX255" fmla="*/ 1801091 w 7232072"/>
+              <a:gd name="connsiteY255" fmla="*/ 609600 h 1584631"/>
+              <a:gd name="connsiteX256" fmla="*/ 1791854 w 7232072"/>
+              <a:gd name="connsiteY256" fmla="*/ 665018 h 1584631"/>
+              <a:gd name="connsiteX257" fmla="*/ 1764145 w 7232072"/>
+              <a:gd name="connsiteY257" fmla="*/ 674255 h 1584631"/>
+              <a:gd name="connsiteX258" fmla="*/ 1459345 w 7232072"/>
+              <a:gd name="connsiteY258" fmla="*/ 665018 h 1584631"/>
+              <a:gd name="connsiteX259" fmla="*/ 1431636 w 7232072"/>
+              <a:gd name="connsiteY259" fmla="*/ 655782 h 1584631"/>
+            </a:gdLst>
+            <a:ahLst/>
+            <a:cxnLst>
+              <a:cxn ang="0">
+                <a:pos x="connsiteX0" y="connsiteY0"/>
+              </a:cxn>
+              <a:cxn ang="0">
+                <a:pos x="connsiteX1" y="connsiteY1"/>
+              </a:cxn>
+              <a:cxn ang="0">
+                <a:pos x="connsiteX2" y="connsiteY2"/>
+              </a:cxn>
+              <a:cxn ang="0">
+                <a:pos x="connsiteX3" y="connsiteY3"/>
+              </a:cxn>
+              <a:cxn ang="0">
+                <a:pos x="connsiteX4" y="connsiteY4"/>
+              </a:cxn>
+              <a:cxn ang="0">
+                <a:pos x="connsiteX5" y="connsiteY5"/>
+              </a:cxn>
+              <a:cxn ang="0">
+                <a:pos x="connsiteX6" y="connsiteY6"/>
+              </a:cxn>
+              <a:cxn ang="0">
+                <a:pos x="connsiteX7" y="connsiteY7"/>
+              </a:cxn>
+              <a:cxn ang="0">
+                <a:pos x="connsiteX8" y="connsiteY8"/>
+              </a:cxn>
+              <a:cxn ang="0">
+                <a:pos x="connsiteX9" y="connsiteY9"/>
+              </a:cxn>
+              <a:cxn ang="0">
+                <a:pos x="connsiteX10" y="connsiteY10"/>
+              </a:cxn>
+              <a:cxn ang="0">
+                <a:pos x="connsiteX11" y="connsiteY11"/>
+              </a:cxn>
+              <a:cxn ang="0">
+                <a:pos x="connsiteX12" y="connsiteY12"/>
+              </a:cxn>
+              <a:cxn ang="0">
+                <a:pos x="connsiteX13" y="connsiteY13"/>
+              </a:cxn>
+              <a:cxn ang="0">
+                <a:pos x="connsiteX14" y="connsiteY14"/>
+              </a:cxn>
+              <a:cxn ang="0">
+                <a:pos x="connsiteX15" y="connsiteY15"/>
+              </a:cxn>
+              <a:cxn ang="0">
+                <a:pos x="connsiteX16" y="connsiteY16"/>
+              </a:cxn>
+              <a:cxn ang="0">
+                <a:pos x="connsiteX17" y="connsiteY17"/>
+              </a:cxn>
+              <a:cxn ang="0">
+                <a:pos x="connsiteX18" y="connsiteY18"/>
+              </a:cxn>
+              <a:cxn ang="0">
+                <a:pos x="connsiteX19" y="connsiteY19"/>
+              </a:cxn>
+              <a:cxn ang="0">
+                <a:pos x="connsiteX20" y="connsiteY20"/>
+              </a:cxn>
+              <a:cxn ang="0">
+                <a:pos x="connsiteX21" y="connsiteY21"/>
+              </a:cxn>
+              <a:cxn ang="0">
+                <a:pos x="connsiteX22" y="connsiteY22"/>
+              </a:cxn>
+              <a:cxn ang="0">
+                <a:pos x="connsiteX23" y="connsiteY23"/>
+              </a:cxn>
+              <a:cxn ang="0">
+                <a:pos x="connsiteX24" y="connsiteY24"/>
+              </a:cxn>
+              <a:cxn ang="0">
+                <a:pos x="connsiteX25" y="connsiteY25"/>
+              </a:cxn>
+              <a:cxn ang="0">
+                <a:pos x="connsiteX26" y="connsiteY26"/>
+              </a:cxn>
+              <a:cxn ang="0">
+                <a:pos x="connsiteX27" y="connsiteY27"/>
+              </a:cxn>
+              <a:cxn ang="0">
+                <a:pos x="connsiteX28" y="connsiteY28"/>
+              </a:cxn>
+              <a:cxn ang="0">
+                <a:pos x="connsiteX29" y="connsiteY29"/>
+              </a:cxn>
+              <a:cxn ang="0">
+                <a:pos x="connsiteX30" y="connsiteY30"/>
+              </a:cxn>
+              <a:cxn ang="0">
+                <a:pos x="connsiteX31" y="connsiteY31"/>
+              </a:cxn>
+              <a:cxn ang="0">
+                <a:pos x="connsiteX32" y="connsiteY32"/>
+              </a:cxn>
+              <a:cxn ang="0">
+                <a:pos x="connsiteX33" y="connsiteY33"/>
+              </a:cxn>
+              <a:cxn ang="0">
+                <a:pos x="connsiteX34" y="connsiteY34"/>
+              </a:cxn>
+              <a:cxn ang="0">
+                <a:pos x="connsiteX35" y="connsiteY35"/>
+              </a:cxn>
+              <a:cxn ang="0">
+                <a:pos x="connsiteX36" y="connsiteY36"/>
+              </a:cxn>
+              <a:cxn ang="0">
+                <a:pos x="connsiteX37" y="connsiteY37"/>
+              </a:cxn>
+              <a:cxn ang="0">
+                <a:pos x="connsiteX38" y="connsiteY38"/>
+              </a:cxn>
+              <a:cxn ang="0">
+                <a:pos x="connsiteX39" y="connsiteY39"/>
+              </a:cxn>
+              <a:cxn ang="0">
+                <a:pos x="connsiteX40" y="connsiteY40"/>
+              </a:cxn>
+              <a:cxn ang="0">
+                <a:pos x="connsiteX41" y="connsiteY41"/>
+              </a:cxn>
+              <a:cxn ang="0">
+                <a:pos x="connsiteX42" y="connsiteY42"/>
+              </a:cxn>
+              <a:cxn ang="0">
+                <a:pos x="connsiteX43" y="connsiteY43"/>
+              </a:cxn>
+              <a:cxn ang="0">
+                <a:pos x="connsiteX44" y="connsiteY44"/>
+              </a:cxn>
+              <a:cxn ang="0">
+                <a:pos x="connsiteX45" y="connsiteY45"/>
+              </a:cxn>
+              <a:cxn ang="0">
+                <a:pos x="connsiteX46" y="connsiteY46"/>
+              </a:cxn>
+              <a:cxn ang="0">
+                <a:pos x="connsiteX47" y="connsiteY47"/>
+              </a:cxn>
+              <a:cxn ang="0">
+                <a:pos x="connsiteX48" y="connsiteY48"/>
+              </a:cxn>
+              <a:cxn ang="0">
+                <a:pos x="connsiteX49" y="connsiteY49"/>
+              </a:cxn>
+              <a:cxn ang="0">
+                <a:pos x="connsiteX50" y="connsiteY50"/>
+              </a:cxn>
+              <a:cxn ang="0">
+                <a:pos x="connsiteX51" y="connsiteY51"/>
+              </a:cxn>
+              <a:cxn ang="0">
+                <a:pos x="connsiteX52" y="connsiteY52"/>
+              </a:cxn>
+              <a:cxn ang="0">
+                <a:pos x="connsiteX53" y="connsiteY53"/>
+              </a:cxn>
+              <a:cxn ang="0">
+                <a:pos x="connsiteX54" y="connsiteY54"/>
+              </a:cxn>
+              <a:cxn ang="0">
+                <a:pos x="connsiteX55" y="connsiteY55"/>
+              </a:cxn>
+              <a:cxn ang="0">
+                <a:pos x="connsiteX56" y="connsiteY56"/>
+              </a:cxn>
+              <a:cxn ang="0">
+                <a:pos x="connsiteX57" y="connsiteY57"/>
+              </a:cxn>
+              <a:cxn ang="0">
+                <a:pos x="connsiteX58" y="connsiteY58"/>
+              </a:cxn>
+              <a:cxn ang="0">
+                <a:pos x="connsiteX59" y="connsiteY59"/>
+              </a:cxn>
+              <a:cxn ang="0">
+                <a:pos x="connsiteX60" y="connsiteY60"/>
+              </a:cxn>
+              <a:cxn ang="0">
+                <a:pos x="connsiteX61" y="connsiteY61"/>
+              </a:cxn>
+              <a:cxn ang="0">
+                <a:pos x="connsiteX62" y="connsiteY62"/>
+              </a:cxn>
+              <a:cxn ang="0">
+                <a:pos x="connsiteX63" y="connsiteY63"/>
+              </a:cxn>
+              <a:cxn ang="0">
+                <a:pos x="connsiteX64" y="connsiteY64"/>
+              </a:cxn>
+              <a:cxn ang="0">
+                <a:pos x="connsiteX65" y="connsiteY65"/>
+              </a:cxn>
+              <a:cxn ang="0">
+                <a:pos x="connsiteX66" y="connsiteY66"/>
+              </a:cxn>
+              <a:cxn ang="0">
+                <a:pos x="connsiteX67" y="connsiteY67"/>
+              </a:cxn>
+              <a:cxn ang="0">
+                <a:pos x="connsiteX68" y="connsiteY68"/>
+              </a:cxn>
+              <a:cxn ang="0">
+                <a:pos x="connsiteX69" y="connsiteY69"/>
+              </a:cxn>
+              <a:cxn ang="0">
+                <a:pos x="connsiteX70" y="connsiteY70"/>
+              </a:cxn>
+              <a:cxn ang="0">
+                <a:pos x="connsiteX71" y="connsiteY71"/>
+              </a:cxn>
+              <a:cxn ang="0">
+                <a:pos x="connsiteX72" y="connsiteY72"/>
+              </a:cxn>
+              <a:cxn ang="0">
+                <a:pos x="connsiteX73" y="connsiteY73"/>
+              </a:cxn>
+              <a:cxn ang="0">
+                <a:pos x="connsiteX74" y="connsiteY74"/>
+              </a:cxn>
+              <a:cxn ang="0">
+                <a:pos x="connsiteX75" y="connsiteY75"/>
+              </a:cxn>
+              <a:cxn ang="0">
+                <a:pos x="connsiteX76" y="connsiteY76"/>
+              </a:cxn>
+              <a:cxn ang="0">
+                <a:pos x="connsiteX77" y="connsiteY77"/>
+              </a:cxn>
+              <a:cxn ang="0">
+                <a:pos x="connsiteX78" y="connsiteY78"/>
+              </a:cxn>
+              <a:cxn ang="0">
+                <a:pos x="connsiteX79" y="connsiteY79"/>
+              </a:cxn>
+              <a:cxn ang="0">
+                <a:pos x="connsiteX80" y="connsiteY80"/>
+              </a:cxn>
+              <a:cxn ang="0">
+                <a:pos x="connsiteX81" y="connsiteY81"/>
+              </a:cxn>
+              <a:cxn ang="0">
+                <a:pos x="connsiteX82" y="connsiteY82"/>
+              </a:cxn>
+              <a:cxn ang="0">
+                <a:pos x="connsiteX83" y="connsiteY83"/>
+              </a:cxn>
+              <a:cxn ang="0">
+                <a:pos x="connsiteX84" y="connsiteY84"/>
+              </a:cxn>
+              <a:cxn ang="0">
+                <a:pos x="connsiteX85" y="connsiteY85"/>
+              </a:cxn>
+              <a:cxn ang="0">
+                <a:pos x="connsiteX86" y="connsiteY86"/>
+              </a:cxn>
+              <a:cxn ang="0">
+                <a:pos x="connsiteX87" y="connsiteY87"/>
+              </a:cxn>
+              <a:cxn ang="0">
+                <a:pos x="connsiteX88" y="connsiteY88"/>
+              </a:cxn>
+              <a:cxn ang="0">
+                <a:pos x="connsiteX89" y="connsiteY89"/>
+              </a:cxn>
+              <a:cxn ang="0">
+                <a:pos x="connsiteX90" y="connsiteY90"/>
+              </a:cxn>
+              <a:cxn ang="0">
+                <a:pos x="connsiteX91" y="connsiteY91"/>
+              </a:cxn>
+              <a:cxn ang="0">
+                <a:pos x="connsiteX92" y="connsiteY92"/>
+              </a:cxn>
+              <a:cxn ang="0">
+                <a:pos x="connsiteX93" y="connsiteY93"/>
+              </a:cxn>
+              <a:cxn ang="0">
+                <a:pos x="connsiteX94" y="connsiteY94"/>
+              </a:cxn>
+              <a:cxn ang="0">
+                <a:pos x="connsiteX95" y="connsiteY95"/>
+              </a:cxn>
+              <a:cxn ang="0">
+                <a:pos x="connsiteX96" y="connsiteY96"/>
+              </a:cxn>
+              <a:cxn ang="0">
+                <a:pos x="connsiteX97" y="connsiteY97"/>
+              </a:cxn>
+              <a:cxn ang="0">
+                <a:pos x="connsiteX98" y="connsiteY98"/>
+              </a:cxn>
+              <a:cxn ang="0">
+                <a:pos x="connsiteX99" y="connsiteY99"/>
+              </a:cxn>
+              <a:cxn ang="0">
+                <a:pos x="connsiteX100" y="connsiteY100"/>
+              </a:cxn>
+              <a:cxn ang="0">
+                <a:pos x="connsiteX101" y="connsiteY101"/>
+              </a:cxn>
+              <a:cxn ang="0">
+                <a:pos x="connsiteX102" y="connsiteY102"/>
+              </a:cxn>
+              <a:cxn ang="0">
+                <a:pos x="connsiteX103" y="connsiteY103"/>
+              </a:cxn>
+              <a:cxn ang="0">
+                <a:pos x="connsiteX104" y="connsiteY104"/>
+              </a:cxn>
+              <a:cxn ang="0">
+                <a:pos x="connsiteX105" y="connsiteY105"/>
+              </a:cxn>
+              <a:cxn ang="0">
+                <a:pos x="connsiteX106" y="connsiteY106"/>
+              </a:cxn>
+              <a:cxn ang="0">
+                <a:pos x="connsiteX107" y="connsiteY107"/>
+              </a:cxn>
+              <a:cxn ang="0">
+                <a:pos x="connsiteX108" y="connsiteY108"/>
+              </a:cxn>
+              <a:cxn ang="0">
+                <a:pos x="connsiteX109" y="connsiteY109"/>
+              </a:cxn>
+              <a:cxn ang="0">
+                <a:pos x="connsiteX110" y="connsiteY110"/>
+              </a:cxn>
+              <a:cxn ang="0">
+                <a:pos x="connsiteX111" y="connsiteY111"/>
+              </a:cxn>
+              <a:cxn ang="0">
+                <a:pos x="connsiteX112" y="connsiteY112"/>
+              </a:cxn>
+              <a:cxn ang="0">
+                <a:pos x="connsiteX113" y="connsiteY113"/>
+              </a:cxn>
+              <a:cxn ang="0">
+                <a:pos x="connsiteX114" y="connsiteY114"/>
+              </a:cxn>
+              <a:cxn ang="0">
+                <a:pos x="connsiteX115" y="connsiteY115"/>
+              </a:cxn>
+              <a:cxn ang="0">
+                <a:pos x="connsiteX116" y="connsiteY116"/>
+              </a:cxn>
+              <a:cxn ang="0">
+                <a:pos x="connsiteX117" y="connsiteY117"/>
+              </a:cxn>
+              <a:cxn ang="0">
+                <a:pos x="connsiteX118" y="connsiteY118"/>
+              </a:cxn>
+              <a:cxn ang="0">
+                <a:pos x="connsiteX119" y="connsiteY119"/>
+              </a:cxn>
+              <a:cxn ang="0">
+                <a:pos x="connsiteX120" y="connsiteY120"/>
+              </a:cxn>
+              <a:cxn ang="0">
+                <a:pos x="connsiteX121" y="connsiteY121"/>
+              </a:cxn>
+              <a:cxn ang="0">
+                <a:pos x="connsiteX122" y="connsiteY122"/>
+              </a:cxn>
+              <a:cxn ang="0">
+                <a:pos x="connsiteX123" y="connsiteY123"/>
+              </a:cxn>
+              <a:cxn ang="0">
+                <a:pos x="connsiteX124" y="connsiteY124"/>
+              </a:cxn>
+              <a:cxn ang="0">
+                <a:pos x="connsiteX125" y="connsiteY125"/>
+              </a:cxn>
+              <a:cxn ang="0">
+                <a:pos x="connsiteX126" y="connsiteY126"/>
+              </a:cxn>
+              <a:cxn ang="0">
+                <a:pos x="connsiteX127" y="connsiteY127"/>
+              </a:cxn>
+              <a:cxn ang="0">
+                <a:pos x="connsiteX128" y="connsiteY128"/>
+              </a:cxn>
+              <a:cxn ang="0">
+                <a:pos x="connsiteX129" y="connsiteY129"/>
+              </a:cxn>
+              <a:cxn ang="0">
+                <a:pos x="connsiteX130" y="connsiteY130"/>
+              </a:cxn>
+              <a:cxn ang="0">
+                <a:pos x="connsiteX131" y="connsiteY131"/>
+              </a:cxn>
+              <a:cxn ang="0">
+                <a:pos x="connsiteX132" y="connsiteY132"/>
+              </a:cxn>
+              <a:cxn ang="0">
+                <a:pos x="connsiteX133" y="connsiteY133"/>
+              </a:cxn>
+              <a:cxn ang="0">
+                <a:pos x="connsiteX134" y="connsiteY134"/>
+              </a:cxn>
+              <a:cxn ang="0">
+                <a:pos x="connsiteX135" y="connsiteY135"/>
+              </a:cxn>
+              <a:cxn ang="0">
+                <a:pos x="connsiteX136" y="connsiteY136"/>
+              </a:cxn>
+              <a:cxn ang="0">
+                <a:pos x="connsiteX137" y="connsiteY137"/>
+              </a:cxn>
+              <a:cxn ang="0">
+                <a:pos x="connsiteX138" y="connsiteY138"/>
+              </a:cxn>
+              <a:cxn ang="0">
+                <a:pos x="connsiteX139" y="connsiteY139"/>
+              </a:cxn>
+              <a:cxn ang="0">
+                <a:pos x="connsiteX140" y="connsiteY140"/>
+              </a:cxn>
+              <a:cxn ang="0">
+                <a:pos x="connsiteX141" y="connsiteY141"/>
+              </a:cxn>
+              <a:cxn ang="0">
+                <a:pos x="connsiteX142" y="connsiteY142"/>
+              </a:cxn>
+              <a:cxn ang="0">
+                <a:pos x="connsiteX143" y="connsiteY143"/>
+              </a:cxn>
+              <a:cxn ang="0">
+                <a:pos x="connsiteX144" y="connsiteY144"/>
+              </a:cxn>
+              <a:cxn ang="0">
+                <a:pos x="connsiteX145" y="connsiteY145"/>
+              </a:cxn>
+              <a:cxn ang="0">
+                <a:pos x="connsiteX146" y="connsiteY146"/>
+              </a:cxn>
+              <a:cxn ang="0">
+                <a:pos x="connsiteX147" y="connsiteY147"/>
+              </a:cxn>
+              <a:cxn ang="0">
+                <a:pos x="connsiteX148" y="connsiteY148"/>
+              </a:cxn>
+              <a:cxn ang="0">
+                <a:pos x="connsiteX149" y="connsiteY149"/>
+              </a:cxn>
+              <a:cxn ang="0">
+                <a:pos x="connsiteX150" y="connsiteY150"/>
+              </a:cxn>
+              <a:cxn ang="0">
+                <a:pos x="connsiteX151" y="connsiteY151"/>
+              </a:cxn>
+              <a:cxn ang="0">
+                <a:pos x="connsiteX152" y="connsiteY152"/>
+              </a:cxn>
+              <a:cxn ang="0">
+                <a:pos x="connsiteX153" y="connsiteY153"/>
+              </a:cxn>
+              <a:cxn ang="0">
+                <a:pos x="connsiteX154" y="connsiteY154"/>
+              </a:cxn>
+              <a:cxn ang="0">
+                <a:pos x="connsiteX155" y="connsiteY155"/>
+              </a:cxn>
+              <a:cxn ang="0">
+                <a:pos x="connsiteX156" y="connsiteY156"/>
+              </a:cxn>
+              <a:cxn ang="0">
+                <a:pos x="connsiteX157" y="connsiteY157"/>
+              </a:cxn>
+              <a:cxn ang="0">
+                <a:pos x="connsiteX158" y="connsiteY158"/>
+              </a:cxn>
+              <a:cxn ang="0">
+                <a:pos x="connsiteX159" y="connsiteY159"/>
+              </a:cxn>
+              <a:cxn ang="0">
+                <a:pos x="connsiteX160" y="connsiteY160"/>
+              </a:cxn>
+              <a:cxn ang="0">
+                <a:pos x="connsiteX161" y="connsiteY161"/>
+              </a:cxn>
+              <a:cxn ang="0">
+                <a:pos x="connsiteX162" y="connsiteY162"/>
+              </a:cxn>
+              <a:cxn ang="0">
+                <a:pos x="connsiteX163" y="connsiteY163"/>
+              </a:cxn>
+              <a:cxn ang="0">
+                <a:pos x="connsiteX164" y="connsiteY164"/>
+              </a:cxn>
+              <a:cxn ang="0">
+                <a:pos x="connsiteX165" y="connsiteY165"/>
+              </a:cxn>
+              <a:cxn ang="0">
+                <a:pos x="connsiteX166" y="connsiteY166"/>
+              </a:cxn>
+              <a:cxn ang="0">
+                <a:pos x="connsiteX167" y="connsiteY167"/>
+              </a:cxn>
+              <a:cxn ang="0">
+                <a:pos x="connsiteX168" y="connsiteY168"/>
+              </a:cxn>
+              <a:cxn ang="0">
+                <a:pos x="connsiteX169" y="connsiteY169"/>
+              </a:cxn>
+              <a:cxn ang="0">
+                <a:pos x="connsiteX170" y="connsiteY170"/>
+              </a:cxn>
+              <a:cxn ang="0">
+                <a:pos x="connsiteX171" y="connsiteY171"/>
+              </a:cxn>
+              <a:cxn ang="0">
+                <a:pos x="connsiteX172" y="connsiteY172"/>
+              </a:cxn>
+              <a:cxn ang="0">
+                <a:pos x="connsiteX173" y="connsiteY173"/>
+              </a:cxn>
+              <a:cxn ang="0">
+                <a:pos x="connsiteX174" y="connsiteY174"/>
+              </a:cxn>
+              <a:cxn ang="0">
+                <a:pos x="connsiteX175" y="connsiteY175"/>
+              </a:cxn>
+              <a:cxn ang="0">
+                <a:pos x="connsiteX176" y="connsiteY176"/>
+              </a:cxn>
+              <a:cxn ang="0">
+                <a:pos x="connsiteX177" y="connsiteY177"/>
+              </a:cxn>
+              <a:cxn ang="0">
+                <a:pos x="connsiteX178" y="connsiteY178"/>
+              </a:cxn>
+              <a:cxn ang="0">
+                <a:pos x="connsiteX179" y="connsiteY179"/>
+              </a:cxn>
+              <a:cxn ang="0">
+                <a:pos x="connsiteX180" y="connsiteY180"/>
+              </a:cxn>
+              <a:cxn ang="0">
+                <a:pos x="connsiteX181" y="connsiteY181"/>
+              </a:cxn>
+              <a:cxn ang="0">
+                <a:pos x="connsiteX182" y="connsiteY182"/>
+              </a:cxn>
+              <a:cxn ang="0">
+                <a:pos x="connsiteX183" y="connsiteY183"/>
+              </a:cxn>
+              <a:cxn ang="0">
+                <a:pos x="connsiteX184" y="connsiteY184"/>
+              </a:cxn>
+              <a:cxn ang="0">
+                <a:pos x="connsiteX185" y="connsiteY185"/>
+              </a:cxn>
+              <a:cxn ang="0">
+                <a:pos x="connsiteX186" y="connsiteY186"/>
+              </a:cxn>
+              <a:cxn ang="0">
+                <a:pos x="connsiteX187" y="connsiteY187"/>
+              </a:cxn>
+              <a:cxn ang="0">
+                <a:pos x="connsiteX188" y="connsiteY188"/>
+              </a:cxn>
+              <a:cxn ang="0">
+                <a:pos x="connsiteX189" y="connsiteY189"/>
+              </a:cxn>
+              <a:cxn ang="0">
+                <a:pos x="connsiteX190" y="connsiteY190"/>
+              </a:cxn>
+              <a:cxn ang="0">
+                <a:pos x="connsiteX191" y="connsiteY191"/>
+              </a:cxn>
+              <a:cxn ang="0">
+                <a:pos x="connsiteX192" y="connsiteY192"/>
+              </a:cxn>
+              <a:cxn ang="0">
+                <a:pos x="connsiteX193" y="connsiteY193"/>
+              </a:cxn>
+              <a:cxn ang="0">
+                <a:pos x="connsiteX194" y="connsiteY194"/>
+              </a:cxn>
+              <a:cxn ang="0">
+                <a:pos x="connsiteX195" y="connsiteY195"/>
+              </a:cxn>
+              <a:cxn ang="0">
+                <a:pos x="connsiteX196" y="connsiteY196"/>
+              </a:cxn>
+              <a:cxn ang="0">
+                <a:pos x="connsiteX197" y="connsiteY197"/>
+              </a:cxn>
+              <a:cxn ang="0">
+                <a:pos x="connsiteX198" y="connsiteY198"/>
+              </a:cxn>
+              <a:cxn ang="0">
+                <a:pos x="connsiteX199" y="connsiteY199"/>
+              </a:cxn>
+              <a:cxn ang="0">
+                <a:pos x="connsiteX200" y="connsiteY200"/>
+              </a:cxn>
+              <a:cxn ang="0">
+                <a:pos x="connsiteX201" y="connsiteY201"/>
+              </a:cxn>
+              <a:cxn ang="0">
+                <a:pos x="connsiteX202" y="connsiteY202"/>
+              </a:cxn>
+              <a:cxn ang="0">
+                <a:pos x="connsiteX203" y="connsiteY203"/>
+              </a:cxn>
+              <a:cxn ang="0">
+                <a:pos x="connsiteX204" y="connsiteY204"/>
+              </a:cxn>
+              <a:cxn ang="0">
+                <a:pos x="connsiteX205" y="connsiteY205"/>
+              </a:cxn>
+              <a:cxn ang="0">
+                <a:pos x="connsiteX206" y="connsiteY206"/>
+              </a:cxn>
+              <a:cxn ang="0">
+                <a:pos x="connsiteX207" y="connsiteY207"/>
+              </a:cxn>
+              <a:cxn ang="0">
+                <a:pos x="connsiteX208" y="connsiteY208"/>
+              </a:cxn>
+              <a:cxn ang="0">
+                <a:pos x="connsiteX209" y="connsiteY209"/>
+              </a:cxn>
+              <a:cxn ang="0">
+                <a:pos x="connsiteX210" y="connsiteY210"/>
+              </a:cxn>
+              <a:cxn ang="0">
+                <a:pos x="connsiteX211" y="connsiteY211"/>
+              </a:cxn>
+              <a:cxn ang="0">
+                <a:pos x="connsiteX212" y="connsiteY212"/>
+              </a:cxn>
+              <a:cxn ang="0">
+                <a:pos x="connsiteX213" y="connsiteY213"/>
+              </a:cxn>
+              <a:cxn ang="0">
+                <a:pos x="connsiteX214" y="connsiteY214"/>
+              </a:cxn>
+              <a:cxn ang="0">
+                <a:pos x="connsiteX215" y="connsiteY215"/>
+              </a:cxn>
+              <a:cxn ang="0">
+                <a:pos x="connsiteX216" y="connsiteY216"/>
+              </a:cxn>
+              <a:cxn ang="0">
+                <a:pos x="connsiteX217" y="connsiteY217"/>
+              </a:cxn>
+              <a:cxn ang="0">
+                <a:pos x="connsiteX218" y="connsiteY218"/>
+              </a:cxn>
+              <a:cxn ang="0">
+                <a:pos x="connsiteX219" y="connsiteY219"/>
+              </a:cxn>
+              <a:cxn ang="0">
+                <a:pos x="connsiteX220" y="connsiteY220"/>
+              </a:cxn>
+              <a:cxn ang="0">
+                <a:pos x="connsiteX221" y="connsiteY221"/>
+              </a:cxn>
+              <a:cxn ang="0">
+                <a:pos x="connsiteX222" y="connsiteY222"/>
+              </a:cxn>
+              <a:cxn ang="0">
+                <a:pos x="connsiteX223" y="connsiteY223"/>
+              </a:cxn>
+              <a:cxn ang="0">
+                <a:pos x="connsiteX224" y="connsiteY224"/>
+              </a:cxn>
+              <a:cxn ang="0">
+                <a:pos x="connsiteX225" y="connsiteY225"/>
+              </a:cxn>
+              <a:cxn ang="0">
+                <a:pos x="connsiteX226" y="connsiteY226"/>
+              </a:cxn>
+              <a:cxn ang="0">
+                <a:pos x="connsiteX227" y="connsiteY227"/>
+              </a:cxn>
+              <a:cxn ang="0">
+                <a:pos x="connsiteX228" y="connsiteY228"/>
+              </a:cxn>
+              <a:cxn ang="0">
+                <a:pos x="connsiteX229" y="connsiteY229"/>
+              </a:cxn>
+              <a:cxn ang="0">
+                <a:pos x="connsiteX230" y="connsiteY230"/>
+              </a:cxn>
+              <a:cxn ang="0">
+                <a:pos x="connsiteX231" y="connsiteY231"/>
+              </a:cxn>
+              <a:cxn ang="0">
+                <a:pos x="connsiteX232" y="connsiteY232"/>
+              </a:cxn>
+              <a:cxn ang="0">
+                <a:pos x="connsiteX233" y="connsiteY233"/>
+              </a:cxn>
+              <a:cxn ang="0">
+                <a:pos x="connsiteX234" y="connsiteY234"/>
+              </a:cxn>
+              <a:cxn ang="0">
+                <a:pos x="connsiteX235" y="connsiteY235"/>
+              </a:cxn>
+              <a:cxn ang="0">
+                <a:pos x="connsiteX236" y="connsiteY236"/>
+              </a:cxn>
+              <a:cxn ang="0">
+                <a:pos x="connsiteX237" y="connsiteY237"/>
+              </a:cxn>
+              <a:cxn ang="0">
+                <a:pos x="connsiteX238" y="connsiteY238"/>
+              </a:cxn>
+              <a:cxn ang="0">
+                <a:pos x="connsiteX239" y="connsiteY239"/>
+              </a:cxn>
+              <a:cxn ang="0">
+                <a:pos x="connsiteX240" y="connsiteY240"/>
+              </a:cxn>
+              <a:cxn ang="0">
+                <a:pos x="connsiteX241" y="connsiteY241"/>
+              </a:cxn>
+              <a:cxn ang="0">
+                <a:pos x="connsiteX242" y="connsiteY242"/>
+              </a:cxn>
+              <a:cxn ang="0">
+                <a:pos x="connsiteX243" y="connsiteY243"/>
+              </a:cxn>
+              <a:cxn ang="0">
+                <a:pos x="connsiteX244" y="connsiteY244"/>
+              </a:cxn>
+              <a:cxn ang="0">
+                <a:pos x="connsiteX245" y="connsiteY245"/>
+              </a:cxn>
+              <a:cxn ang="0">
+                <a:pos x="connsiteX246" y="connsiteY246"/>
+              </a:cxn>
+              <a:cxn ang="0">
+                <a:pos x="connsiteX247" y="connsiteY247"/>
+              </a:cxn>
+              <a:cxn ang="0">
+                <a:pos x="connsiteX248" y="connsiteY248"/>
+              </a:cxn>
+              <a:cxn ang="0">
+                <a:pos x="connsiteX249" y="connsiteY249"/>
+              </a:cxn>
+              <a:cxn ang="0">
+                <a:pos x="connsiteX250" y="connsiteY250"/>
+              </a:cxn>
+              <a:cxn ang="0">
+                <a:pos x="connsiteX251" y="connsiteY251"/>
+              </a:cxn>
+              <a:cxn ang="0">
+                <a:pos x="connsiteX252" y="connsiteY252"/>
+              </a:cxn>
+              <a:cxn ang="0">
+                <a:pos x="connsiteX253" y="connsiteY253"/>
+              </a:cxn>
+              <a:cxn ang="0">
+                <a:pos x="connsiteX254" y="connsiteY254"/>
+              </a:cxn>
+              <a:cxn ang="0">
+                <a:pos x="connsiteX255" y="connsiteY255"/>
+              </a:cxn>
+              <a:cxn ang="0">
+                <a:pos x="connsiteX256" y="connsiteY256"/>
+              </a:cxn>
+              <a:cxn ang="0">
+                <a:pos x="connsiteX257" y="connsiteY257"/>
+              </a:cxn>
+              <a:cxn ang="0">
+                <a:pos x="connsiteX258" y="connsiteY258"/>
+              </a:cxn>
+              <a:cxn ang="0">
+                <a:pos x="connsiteX259" y="connsiteY259"/>
+              </a:cxn>
+            </a:cxnLst>
+            <a:rect l="l" t="t" r="r" b="b"/>
+            <a:pathLst>
+              <a:path w="7232072" h="1584631">
+                <a:moveTo>
+                  <a:pt x="0" y="720436"/>
+                </a:moveTo>
+                <a:cubicBezTo>
+                  <a:pt x="4540" y="665959"/>
+                  <a:pt x="-1042" y="627422"/>
+                  <a:pt x="18472" y="581891"/>
+                </a:cubicBezTo>
+                <a:cubicBezTo>
+                  <a:pt x="23896" y="569236"/>
+                  <a:pt x="27209" y="554682"/>
+                  <a:pt x="36945" y="544946"/>
+                </a:cubicBezTo>
+                <a:cubicBezTo>
+                  <a:pt x="56178" y="525713"/>
+                  <a:pt x="124680" y="477987"/>
+                  <a:pt x="157018" y="461818"/>
+                </a:cubicBezTo>
+                <a:cubicBezTo>
+                  <a:pt x="165726" y="457464"/>
+                  <a:pt x="175611" y="456000"/>
+                  <a:pt x="184727" y="452582"/>
+                </a:cubicBezTo>
+                <a:cubicBezTo>
+                  <a:pt x="200251" y="446760"/>
+                  <a:pt x="215028" y="438873"/>
+                  <a:pt x="230909" y="434109"/>
+                </a:cubicBezTo>
+                <a:cubicBezTo>
+                  <a:pt x="245946" y="429598"/>
+                  <a:pt x="261861" y="428681"/>
+                  <a:pt x="277091" y="424873"/>
+                </a:cubicBezTo>
+                <a:cubicBezTo>
+                  <a:pt x="286536" y="422512"/>
+                  <a:pt x="295162" y="417013"/>
+                  <a:pt x="304800" y="415636"/>
+                </a:cubicBezTo>
+                <a:cubicBezTo>
+                  <a:pt x="358091" y="408023"/>
+                  <a:pt x="513916" y="399680"/>
+                  <a:pt x="554181" y="397164"/>
+                </a:cubicBezTo>
+                <a:lnTo>
+                  <a:pt x="969818" y="415636"/>
+                </a:lnTo>
+                <a:cubicBezTo>
+                  <a:pt x="982488" y="416412"/>
+                  <a:pt x="994877" y="420416"/>
+                  <a:pt x="1006763" y="424873"/>
+                </a:cubicBezTo>
+                <a:cubicBezTo>
+                  <a:pt x="1189288" y="493322"/>
+                  <a:pt x="933866" y="406733"/>
+                  <a:pt x="1071418" y="452582"/>
+                </a:cubicBezTo>
+                <a:cubicBezTo>
+                  <a:pt x="1146197" y="502435"/>
+                  <a:pt x="1046610" y="440530"/>
+                  <a:pt x="1136072" y="480291"/>
+                </a:cubicBezTo>
+                <a:cubicBezTo>
+                  <a:pt x="1152477" y="487582"/>
+                  <a:pt x="1165911" y="500571"/>
+                  <a:pt x="1182254" y="508000"/>
+                </a:cubicBezTo>
+                <a:cubicBezTo>
+                  <a:pt x="1219266" y="524824"/>
+                  <a:pt x="1242508" y="522010"/>
+                  <a:pt x="1274618" y="544946"/>
+                </a:cubicBezTo>
+                <a:cubicBezTo>
+                  <a:pt x="1285247" y="552538"/>
+                  <a:pt x="1292292" y="564293"/>
+                  <a:pt x="1302327" y="572655"/>
+                </a:cubicBezTo>
+                <a:cubicBezTo>
+                  <a:pt x="1310855" y="579761"/>
+                  <a:pt x="1321508" y="584021"/>
+                  <a:pt x="1330036" y="591127"/>
+                </a:cubicBezTo>
+                <a:cubicBezTo>
+                  <a:pt x="1340071" y="599489"/>
+                  <a:pt x="1347710" y="610474"/>
+                  <a:pt x="1357745" y="618836"/>
+                </a:cubicBezTo>
+                <a:cubicBezTo>
+                  <a:pt x="1366273" y="625943"/>
+                  <a:pt x="1375525" y="632344"/>
+                  <a:pt x="1385454" y="637309"/>
+                </a:cubicBezTo>
+                <a:cubicBezTo>
+                  <a:pt x="1424786" y="656976"/>
+                  <a:pt x="1403817" y="633256"/>
+                  <a:pt x="1440872" y="665018"/>
+                </a:cubicBezTo>
+                <a:cubicBezTo>
+                  <a:pt x="1454096" y="676352"/>
+                  <a:pt x="1463327" y="692303"/>
+                  <a:pt x="1477818" y="701964"/>
+                </a:cubicBezTo>
+                <a:cubicBezTo>
+                  <a:pt x="1494271" y="712932"/>
+                  <a:pt x="1531037" y="721722"/>
+                  <a:pt x="1551709" y="729673"/>
+                </a:cubicBezTo>
+                <a:cubicBezTo>
+                  <a:pt x="1582658" y="741577"/>
+                  <a:pt x="1616482" y="748225"/>
+                  <a:pt x="1644072" y="766618"/>
+                </a:cubicBezTo>
+                <a:cubicBezTo>
+                  <a:pt x="1662545" y="778933"/>
+                  <a:pt x="1678877" y="795319"/>
+                  <a:pt x="1699491" y="803564"/>
+                </a:cubicBezTo>
+                <a:cubicBezTo>
+                  <a:pt x="1714885" y="809721"/>
+                  <a:pt x="1730148" y="816215"/>
+                  <a:pt x="1745672" y="822036"/>
+                </a:cubicBezTo>
+                <a:cubicBezTo>
+                  <a:pt x="1754788" y="825455"/>
+                  <a:pt x="1764870" y="826545"/>
+                  <a:pt x="1773381" y="831273"/>
+                </a:cubicBezTo>
+                <a:cubicBezTo>
+                  <a:pt x="1792789" y="842055"/>
+                  <a:pt x="1808942" y="858289"/>
+                  <a:pt x="1828800" y="868218"/>
+                </a:cubicBezTo>
+                <a:lnTo>
+                  <a:pt x="1902691" y="905164"/>
+                </a:lnTo>
+                <a:cubicBezTo>
+                  <a:pt x="1929978" y="918808"/>
+                  <a:pt x="1956339" y="933265"/>
+                  <a:pt x="1985818" y="942109"/>
+                </a:cubicBezTo>
+                <a:cubicBezTo>
+                  <a:pt x="2000855" y="946620"/>
+                  <a:pt x="2016606" y="948267"/>
+                  <a:pt x="2032000" y="951346"/>
+                </a:cubicBezTo>
+                <a:cubicBezTo>
+                  <a:pt x="2044315" y="960582"/>
+                  <a:pt x="2054878" y="972803"/>
+                  <a:pt x="2068945" y="979055"/>
+                </a:cubicBezTo>
+                <a:cubicBezTo>
+                  <a:pt x="2083291" y="985431"/>
+                  <a:pt x="2100090" y="983780"/>
+                  <a:pt x="2115127" y="988291"/>
+                </a:cubicBezTo>
+                <a:cubicBezTo>
+                  <a:pt x="2223917" y="1020928"/>
+                  <a:pt x="2085630" y="997304"/>
+                  <a:pt x="2235200" y="1016000"/>
+                </a:cubicBezTo>
+                <a:lnTo>
+                  <a:pt x="3325091" y="997527"/>
+                </a:lnTo>
+                <a:cubicBezTo>
+                  <a:pt x="3346855" y="997005"/>
+                  <a:pt x="3368532" y="993186"/>
+                  <a:pt x="3389745" y="988291"/>
+                </a:cubicBezTo>
+                <a:cubicBezTo>
+                  <a:pt x="3408718" y="983913"/>
+                  <a:pt x="3426690" y="975976"/>
+                  <a:pt x="3445163" y="969818"/>
+                </a:cubicBezTo>
+                <a:cubicBezTo>
+                  <a:pt x="3484909" y="956569"/>
+                  <a:pt x="3463434" y="962941"/>
+                  <a:pt x="3509818" y="951346"/>
+                </a:cubicBezTo>
+                <a:cubicBezTo>
+                  <a:pt x="3534448" y="939031"/>
+                  <a:pt x="3564237" y="933872"/>
+                  <a:pt x="3583709" y="914400"/>
+                </a:cubicBezTo>
+                <a:cubicBezTo>
+                  <a:pt x="3627538" y="870571"/>
+                  <a:pt x="3604132" y="882963"/>
+                  <a:pt x="3648363" y="868218"/>
+                </a:cubicBezTo>
+                <a:cubicBezTo>
+                  <a:pt x="3657599" y="858982"/>
+                  <a:pt x="3667710" y="850544"/>
+                  <a:pt x="3676072" y="840509"/>
+                </a:cubicBezTo>
+                <a:cubicBezTo>
+                  <a:pt x="3683179" y="831981"/>
+                  <a:pt x="3686696" y="820649"/>
+                  <a:pt x="3694545" y="812800"/>
+                </a:cubicBezTo>
+                <a:cubicBezTo>
+                  <a:pt x="3735090" y="772256"/>
+                  <a:pt x="3722491" y="798083"/>
+                  <a:pt x="3759200" y="766618"/>
+                </a:cubicBezTo>
+                <a:cubicBezTo>
+                  <a:pt x="3772423" y="755284"/>
+                  <a:pt x="3783038" y="741141"/>
+                  <a:pt x="3796145" y="729673"/>
+                </a:cubicBezTo>
+                <a:cubicBezTo>
+                  <a:pt x="3807730" y="719536"/>
+                  <a:pt x="3821403" y="711982"/>
+                  <a:pt x="3833091" y="701964"/>
+                </a:cubicBezTo>
+                <a:cubicBezTo>
+                  <a:pt x="3903461" y="641648"/>
+                  <a:pt x="3815514" y="710305"/>
+                  <a:pt x="3888509" y="637309"/>
+                </a:cubicBezTo>
+                <a:cubicBezTo>
+                  <a:pt x="3914980" y="610838"/>
+                  <a:pt x="3913878" y="624624"/>
+                  <a:pt x="3943927" y="609600"/>
+                </a:cubicBezTo>
+                <a:cubicBezTo>
+                  <a:pt x="3959984" y="601572"/>
+                  <a:pt x="3973441" y="588558"/>
+                  <a:pt x="3990109" y="581891"/>
+                </a:cubicBezTo>
+                <a:cubicBezTo>
+                  <a:pt x="4004685" y="576061"/>
+                  <a:pt x="4021061" y="576463"/>
+                  <a:pt x="4036291" y="572655"/>
+                </a:cubicBezTo>
+                <a:cubicBezTo>
+                  <a:pt x="4045736" y="570294"/>
+                  <a:pt x="4054496" y="565530"/>
+                  <a:pt x="4064000" y="563418"/>
+                </a:cubicBezTo>
+                <a:cubicBezTo>
+                  <a:pt x="4105455" y="554206"/>
+                  <a:pt x="4162532" y="549392"/>
+                  <a:pt x="4202545" y="544946"/>
+                </a:cubicBezTo>
+                <a:cubicBezTo>
+                  <a:pt x="4380498" y="500455"/>
+                  <a:pt x="4254666" y="528478"/>
+                  <a:pt x="4682836" y="544946"/>
+                </a:cubicBezTo>
+                <a:cubicBezTo>
+                  <a:pt x="4703249" y="545731"/>
+                  <a:pt x="4727663" y="558461"/>
+                  <a:pt x="4747491" y="563418"/>
+                </a:cubicBezTo>
+                <a:cubicBezTo>
+                  <a:pt x="4762721" y="567226"/>
+                  <a:pt x="4778278" y="569576"/>
+                  <a:pt x="4793672" y="572655"/>
+                </a:cubicBezTo>
+                <a:cubicBezTo>
+                  <a:pt x="4802908" y="578812"/>
+                  <a:pt x="4811452" y="586163"/>
+                  <a:pt x="4821381" y="591127"/>
+                </a:cubicBezTo>
+                <a:cubicBezTo>
+                  <a:pt x="4839744" y="600308"/>
+                  <a:pt x="4905739" y="623763"/>
+                  <a:pt x="4922981" y="628073"/>
+                </a:cubicBezTo>
+                <a:cubicBezTo>
+                  <a:pt x="4935296" y="631152"/>
+                  <a:pt x="4947884" y="633295"/>
+                  <a:pt x="4959927" y="637309"/>
+                </a:cubicBezTo>
+                <a:cubicBezTo>
+                  <a:pt x="5051067" y="667689"/>
+                  <a:pt x="4961084" y="646777"/>
+                  <a:pt x="5052291" y="665018"/>
+                </a:cubicBezTo>
+                <a:cubicBezTo>
+                  <a:pt x="5061527" y="671176"/>
+                  <a:pt x="5070071" y="678527"/>
+                  <a:pt x="5080000" y="683491"/>
+                </a:cubicBezTo>
+                <a:cubicBezTo>
+                  <a:pt x="5088708" y="687845"/>
+                  <a:pt x="5099198" y="687999"/>
+                  <a:pt x="5107709" y="692727"/>
+                </a:cubicBezTo>
+                <a:cubicBezTo>
+                  <a:pt x="5127117" y="703509"/>
+                  <a:pt x="5144654" y="717358"/>
+                  <a:pt x="5163127" y="729673"/>
+                </a:cubicBezTo>
+                <a:cubicBezTo>
+                  <a:pt x="5172363" y="735831"/>
+                  <a:pt x="5180067" y="745454"/>
+                  <a:pt x="5190836" y="748146"/>
+                </a:cubicBezTo>
+                <a:lnTo>
+                  <a:pt x="5227781" y="757382"/>
+                </a:lnTo>
+                <a:cubicBezTo>
+                  <a:pt x="5384078" y="835529"/>
+                  <a:pt x="5212185" y="742282"/>
+                  <a:pt x="5310909" y="812800"/>
+                </a:cubicBezTo>
+                <a:cubicBezTo>
+                  <a:pt x="5322113" y="820803"/>
+                  <a:pt x="5335070" y="826159"/>
+                  <a:pt x="5347854" y="831273"/>
+                </a:cubicBezTo>
+                <a:cubicBezTo>
+                  <a:pt x="5365933" y="838505"/>
+                  <a:pt x="5387070" y="838945"/>
+                  <a:pt x="5403272" y="849746"/>
+                </a:cubicBezTo>
+                <a:cubicBezTo>
+                  <a:pt x="5426240" y="865058"/>
+                  <a:pt x="5441143" y="876647"/>
+                  <a:pt x="5467927" y="886691"/>
+                </a:cubicBezTo>
+                <a:cubicBezTo>
+                  <a:pt x="5486883" y="893799"/>
+                  <a:pt x="5533508" y="900777"/>
+                  <a:pt x="5551054" y="905164"/>
+                </a:cubicBezTo>
+                <a:cubicBezTo>
+                  <a:pt x="5560499" y="907525"/>
+                  <a:pt x="5569318" y="912039"/>
+                  <a:pt x="5578763" y="914400"/>
+                </a:cubicBezTo>
+                <a:cubicBezTo>
+                  <a:pt x="5593993" y="918207"/>
+                  <a:pt x="5609799" y="919505"/>
+                  <a:pt x="5624945" y="923636"/>
+                </a:cubicBezTo>
+                <a:cubicBezTo>
+                  <a:pt x="5643731" y="928759"/>
+                  <a:pt x="5661087" y="939355"/>
+                  <a:pt x="5680363" y="942109"/>
+                </a:cubicBezTo>
+                <a:lnTo>
+                  <a:pt x="5745018" y="951346"/>
+                </a:lnTo>
+                <a:cubicBezTo>
+                  <a:pt x="5759129" y="956990"/>
+                  <a:pt x="5799613" y="974231"/>
+                  <a:pt x="5818909" y="979055"/>
+                </a:cubicBezTo>
+                <a:cubicBezTo>
+                  <a:pt x="5857928" y="988810"/>
+                  <a:pt x="5889086" y="991272"/>
+                  <a:pt x="5929745" y="997527"/>
+                </a:cubicBezTo>
+                <a:cubicBezTo>
+                  <a:pt x="5948255" y="1000375"/>
+                  <a:pt x="5966690" y="1003685"/>
+                  <a:pt x="5985163" y="1006764"/>
+                </a:cubicBezTo>
+                <a:cubicBezTo>
+                  <a:pt x="6179127" y="1003685"/>
+                  <a:pt x="6373365" y="1008288"/>
+                  <a:pt x="6567054" y="997527"/>
+                </a:cubicBezTo>
+                <a:cubicBezTo>
+                  <a:pt x="6691117" y="990635"/>
+                  <a:pt x="6614322" y="976773"/>
+                  <a:pt x="6677891" y="951346"/>
+                </a:cubicBezTo>
+                <a:cubicBezTo>
+                  <a:pt x="6731245" y="930005"/>
+                  <a:pt x="6741886" y="939950"/>
+                  <a:pt x="6788727" y="914400"/>
+                </a:cubicBezTo>
+                <a:cubicBezTo>
+                  <a:pt x="6881777" y="863646"/>
+                  <a:pt x="6807129" y="886710"/>
+                  <a:pt x="6881091" y="868218"/>
+                </a:cubicBezTo>
+                <a:cubicBezTo>
+                  <a:pt x="6887248" y="858982"/>
+                  <a:pt x="6890150" y="846392"/>
+                  <a:pt x="6899563" y="840509"/>
+                </a:cubicBezTo>
+                <a:cubicBezTo>
+                  <a:pt x="6916075" y="830189"/>
+                  <a:pt x="6954981" y="822036"/>
+                  <a:pt x="6954981" y="822036"/>
+                </a:cubicBezTo>
+                <a:cubicBezTo>
+                  <a:pt x="6967296" y="806642"/>
+                  <a:pt x="6976959" y="788684"/>
+                  <a:pt x="6991927" y="775855"/>
+                </a:cubicBezTo>
+                <a:cubicBezTo>
+                  <a:pt x="6999319" y="769519"/>
+                  <a:pt x="7011183" y="771449"/>
+                  <a:pt x="7019636" y="766618"/>
+                </a:cubicBezTo>
+                <a:cubicBezTo>
+                  <a:pt x="7033001" y="758980"/>
+                  <a:pt x="7043527" y="747068"/>
+                  <a:pt x="7056581" y="738909"/>
+                </a:cubicBezTo>
+                <a:cubicBezTo>
+                  <a:pt x="7068257" y="731611"/>
+                  <a:pt x="7081572" y="727267"/>
+                  <a:pt x="7093527" y="720436"/>
+                </a:cubicBezTo>
+                <a:cubicBezTo>
+                  <a:pt x="7103165" y="714929"/>
+                  <a:pt x="7112000" y="708121"/>
+                  <a:pt x="7121236" y="701964"/>
+                </a:cubicBezTo>
+                <a:cubicBezTo>
+                  <a:pt x="7163646" y="638350"/>
+                  <a:pt x="7109462" y="715701"/>
+                  <a:pt x="7176654" y="637309"/>
+                </a:cubicBezTo>
+                <a:cubicBezTo>
+                  <a:pt x="7189151" y="622729"/>
+                  <a:pt x="7207048" y="589034"/>
+                  <a:pt x="7213600" y="572655"/>
+                </a:cubicBezTo>
+                <a:cubicBezTo>
+                  <a:pt x="7220832" y="554576"/>
+                  <a:pt x="7232072" y="517236"/>
+                  <a:pt x="7232072" y="517236"/>
+                </a:cubicBezTo>
+                <a:cubicBezTo>
+                  <a:pt x="7225915" y="474133"/>
+                  <a:pt x="7223572" y="430310"/>
+                  <a:pt x="7213600" y="387927"/>
+                </a:cubicBezTo>
+                <a:cubicBezTo>
+                  <a:pt x="7209655" y="371162"/>
+                  <a:pt x="7165025" y="328162"/>
+                  <a:pt x="7158181" y="323273"/>
+                </a:cubicBezTo>
+                <a:cubicBezTo>
+                  <a:pt x="7150258" y="317614"/>
+                  <a:pt x="7139180" y="318390"/>
+                  <a:pt x="7130472" y="314036"/>
+                </a:cubicBezTo>
+                <a:cubicBezTo>
+                  <a:pt x="7114415" y="306007"/>
+                  <a:pt x="7100348" y="294355"/>
+                  <a:pt x="7084291" y="286327"/>
+                </a:cubicBezTo>
+                <a:cubicBezTo>
+                  <a:pt x="7072555" y="280459"/>
+                  <a:pt x="7029498" y="269827"/>
+                  <a:pt x="7019636" y="267855"/>
+                </a:cubicBezTo>
+                <a:cubicBezTo>
+                  <a:pt x="6987579" y="261443"/>
+                  <a:pt x="6930637" y="253821"/>
+                  <a:pt x="6899563" y="249382"/>
+                </a:cubicBezTo>
+                <a:cubicBezTo>
+                  <a:pt x="6736387" y="252461"/>
+                  <a:pt x="6573030" y="250330"/>
+                  <a:pt x="6410036" y="258618"/>
+                </a:cubicBezTo>
+                <a:cubicBezTo>
+                  <a:pt x="6390589" y="259607"/>
+                  <a:pt x="6373712" y="273272"/>
+                  <a:pt x="6354618" y="277091"/>
+                </a:cubicBezTo>
+                <a:cubicBezTo>
+                  <a:pt x="6298889" y="288236"/>
+                  <a:pt x="6323329" y="281362"/>
+                  <a:pt x="6280727" y="295564"/>
+                </a:cubicBezTo>
+                <a:cubicBezTo>
+                  <a:pt x="6238380" y="359083"/>
+                  <a:pt x="6264843" y="343961"/>
+                  <a:pt x="6216072" y="360218"/>
+                </a:cubicBezTo>
+                <a:cubicBezTo>
+                  <a:pt x="6192165" y="384125"/>
+                  <a:pt x="6166086" y="413826"/>
+                  <a:pt x="6132945" y="424873"/>
+                </a:cubicBezTo>
+                <a:lnTo>
+                  <a:pt x="6105236" y="434109"/>
+                </a:lnTo>
+                <a:lnTo>
+                  <a:pt x="6049818" y="471055"/>
+                </a:lnTo>
+                <a:lnTo>
+                  <a:pt x="6022109" y="489527"/>
+                </a:lnTo>
+                <a:cubicBezTo>
+                  <a:pt x="5980795" y="551497"/>
+                  <a:pt x="6029463" y="490782"/>
+                  <a:pt x="5975927" y="526473"/>
+                </a:cubicBezTo>
+                <a:cubicBezTo>
+                  <a:pt x="5965059" y="533719"/>
+                  <a:pt x="5958253" y="545820"/>
+                  <a:pt x="5948218" y="554182"/>
+                </a:cubicBezTo>
+                <a:cubicBezTo>
+                  <a:pt x="5924344" y="574077"/>
+                  <a:pt x="5920572" y="572634"/>
+                  <a:pt x="5892800" y="581891"/>
+                </a:cubicBezTo>
+                <a:cubicBezTo>
+                  <a:pt x="5886642" y="591127"/>
+                  <a:pt x="5882176" y="601751"/>
+                  <a:pt x="5874327" y="609600"/>
+                </a:cubicBezTo>
+                <a:cubicBezTo>
+                  <a:pt x="5866478" y="617449"/>
+                  <a:pt x="5853928" y="619719"/>
+                  <a:pt x="5846618" y="628073"/>
+                </a:cubicBezTo>
+                <a:cubicBezTo>
+                  <a:pt x="5831998" y="644781"/>
+                  <a:pt x="5821987" y="665018"/>
+                  <a:pt x="5809672" y="683491"/>
+                </a:cubicBezTo>
+                <a:cubicBezTo>
+                  <a:pt x="5802426" y="694359"/>
+                  <a:pt x="5791199" y="701964"/>
+                  <a:pt x="5781963" y="711200"/>
+                </a:cubicBezTo>
+                <a:cubicBezTo>
+                  <a:pt x="5759360" y="779010"/>
+                  <a:pt x="5777260" y="752850"/>
+                  <a:pt x="5735781" y="794327"/>
+                </a:cubicBezTo>
+                <a:lnTo>
+                  <a:pt x="5717309" y="849746"/>
+                </a:lnTo>
+                <a:cubicBezTo>
+                  <a:pt x="5714230" y="858982"/>
+                  <a:pt x="5714956" y="870571"/>
+                  <a:pt x="5708072" y="877455"/>
+                </a:cubicBezTo>
+                <a:cubicBezTo>
+                  <a:pt x="5698836" y="886691"/>
+                  <a:pt x="5690398" y="896802"/>
+                  <a:pt x="5680363" y="905164"/>
+                </a:cubicBezTo>
+                <a:cubicBezTo>
+                  <a:pt x="5671835" y="912270"/>
+                  <a:pt x="5662583" y="918672"/>
+                  <a:pt x="5652654" y="923636"/>
+                </a:cubicBezTo>
+                <a:cubicBezTo>
+                  <a:pt x="5643946" y="927990"/>
+                  <a:pt x="5634181" y="929794"/>
+                  <a:pt x="5624945" y="932873"/>
+                </a:cubicBezTo>
+                <a:cubicBezTo>
+                  <a:pt x="5618787" y="923637"/>
+                  <a:pt x="5610980" y="915308"/>
+                  <a:pt x="5606472" y="905164"/>
+                </a:cubicBezTo>
+                <a:cubicBezTo>
+                  <a:pt x="5586383" y="859962"/>
+                  <a:pt x="5591160" y="854125"/>
+                  <a:pt x="5578763" y="812800"/>
+                </a:cubicBezTo>
+                <a:cubicBezTo>
+                  <a:pt x="5573168" y="794149"/>
+                  <a:pt x="5568999" y="774798"/>
+                  <a:pt x="5560291" y="757382"/>
+                </a:cubicBezTo>
+                <a:cubicBezTo>
+                  <a:pt x="5554133" y="745067"/>
+                  <a:pt x="5547242" y="733092"/>
+                  <a:pt x="5541818" y="720436"/>
+                </a:cubicBezTo>
+                <a:cubicBezTo>
+                  <a:pt x="5537983" y="711487"/>
+                  <a:pt x="5537412" y="701180"/>
+                  <a:pt x="5532581" y="692727"/>
+                </a:cubicBezTo>
+                <a:cubicBezTo>
+                  <a:pt x="5495525" y="627881"/>
+                  <a:pt x="5512727" y="684655"/>
+                  <a:pt x="5486400" y="618836"/>
+                </a:cubicBezTo>
+                <a:cubicBezTo>
+                  <a:pt x="5453428" y="536404"/>
+                  <a:pt x="5484993" y="589016"/>
+                  <a:pt x="5449454" y="535709"/>
+                </a:cubicBezTo>
+                <a:cubicBezTo>
+                  <a:pt x="5443296" y="517236"/>
+                  <a:pt x="5435703" y="499182"/>
+                  <a:pt x="5430981" y="480291"/>
+                </a:cubicBezTo>
+                <a:cubicBezTo>
+                  <a:pt x="5424824" y="455661"/>
+                  <a:pt x="5426592" y="427524"/>
+                  <a:pt x="5412509" y="406400"/>
+                </a:cubicBezTo>
+                <a:lnTo>
+                  <a:pt x="5394036" y="378691"/>
+                </a:lnTo>
+                <a:cubicBezTo>
+                  <a:pt x="5372076" y="312809"/>
+                  <a:pt x="5403214" y="392456"/>
+                  <a:pt x="5357091" y="323273"/>
+                </a:cubicBezTo>
+                <a:cubicBezTo>
+                  <a:pt x="5301548" y="239960"/>
+                  <a:pt x="5402049" y="355056"/>
+                  <a:pt x="5329381" y="267855"/>
+                </a:cubicBezTo>
+                <a:cubicBezTo>
+                  <a:pt x="5312014" y="247015"/>
+                  <a:pt x="5297080" y="234883"/>
+                  <a:pt x="5273963" y="221673"/>
+                </a:cubicBezTo>
+                <a:cubicBezTo>
+                  <a:pt x="5262009" y="214842"/>
+                  <a:pt x="5248222" y="211203"/>
+                  <a:pt x="5237018" y="203200"/>
+                </a:cubicBezTo>
+                <a:cubicBezTo>
+                  <a:pt x="5176482" y="159959"/>
+                  <a:pt x="5241037" y="186067"/>
+                  <a:pt x="5181600" y="166255"/>
+                </a:cubicBezTo>
+                <a:lnTo>
+                  <a:pt x="5126181" y="129309"/>
+                </a:lnTo>
+                <a:cubicBezTo>
+                  <a:pt x="5116945" y="123151"/>
+                  <a:pt x="5109003" y="114346"/>
+                  <a:pt x="5098472" y="110836"/>
+                </a:cubicBezTo>
+                <a:lnTo>
+                  <a:pt x="5070763" y="101600"/>
+                </a:lnTo>
+                <a:cubicBezTo>
+                  <a:pt x="5001198" y="55222"/>
+                  <a:pt x="5089609" y="109677"/>
+                  <a:pt x="5006109" y="73891"/>
+                </a:cubicBezTo>
+                <a:cubicBezTo>
+                  <a:pt x="4995906" y="69518"/>
+                  <a:pt x="4988329" y="60382"/>
+                  <a:pt x="4978400" y="55418"/>
+                </a:cubicBezTo>
+                <a:cubicBezTo>
+                  <a:pt x="4969692" y="51064"/>
+                  <a:pt x="4959640" y="50017"/>
+                  <a:pt x="4950691" y="46182"/>
+                </a:cubicBezTo>
+                <a:cubicBezTo>
+                  <a:pt x="4938035" y="40758"/>
+                  <a:pt x="4926529" y="32823"/>
+                  <a:pt x="4913745" y="27709"/>
+                </a:cubicBezTo>
+                <a:cubicBezTo>
+                  <a:pt x="4876262" y="12716"/>
+                  <a:pt x="4857674" y="9073"/>
+                  <a:pt x="4821381" y="0"/>
+                </a:cubicBezTo>
+                <a:cubicBezTo>
+                  <a:pt x="4750569" y="3079"/>
+                  <a:pt x="4679656" y="4359"/>
+                  <a:pt x="4608945" y="9236"/>
+                </a:cubicBezTo>
+                <a:cubicBezTo>
+                  <a:pt x="4585773" y="10834"/>
+                  <a:pt x="4517795" y="23822"/>
+                  <a:pt x="4498109" y="36946"/>
+                </a:cubicBezTo>
+                <a:lnTo>
+                  <a:pt x="4442691" y="73891"/>
+                </a:lnTo>
+                <a:cubicBezTo>
+                  <a:pt x="4409375" y="96101"/>
+                  <a:pt x="4384869" y="109821"/>
+                  <a:pt x="4359563" y="147782"/>
+                </a:cubicBezTo>
+                <a:cubicBezTo>
+                  <a:pt x="4353406" y="157018"/>
+                  <a:pt x="4346055" y="165562"/>
+                  <a:pt x="4341091" y="175491"/>
+                </a:cubicBezTo>
+                <a:cubicBezTo>
+                  <a:pt x="4336737" y="184199"/>
+                  <a:pt x="4337936" y="195597"/>
+                  <a:pt x="4331854" y="203200"/>
+                </a:cubicBezTo>
+                <a:cubicBezTo>
+                  <a:pt x="4324919" y="211868"/>
+                  <a:pt x="4313381" y="215515"/>
+                  <a:pt x="4304145" y="221673"/>
+                </a:cubicBezTo>
+                <a:cubicBezTo>
+                  <a:pt x="4301066" y="230909"/>
+                  <a:pt x="4297021" y="239878"/>
+                  <a:pt x="4294909" y="249382"/>
+                </a:cubicBezTo>
+                <a:cubicBezTo>
+                  <a:pt x="4273235" y="346914"/>
+                  <a:pt x="4297228" y="270132"/>
+                  <a:pt x="4276436" y="332509"/>
+                </a:cubicBezTo>
+                <a:cubicBezTo>
+                  <a:pt x="4279841" y="356345"/>
+                  <a:pt x="4282011" y="399076"/>
+                  <a:pt x="4294909" y="424873"/>
+                </a:cubicBezTo>
+                <a:cubicBezTo>
+                  <a:pt x="4299873" y="434802"/>
+                  <a:pt x="4304713" y="445648"/>
+                  <a:pt x="4313381" y="452582"/>
+                </a:cubicBezTo>
+                <a:cubicBezTo>
+                  <a:pt x="4320984" y="458664"/>
+                  <a:pt x="4331854" y="458739"/>
+                  <a:pt x="4341091" y="461818"/>
+                </a:cubicBezTo>
+                <a:cubicBezTo>
+                  <a:pt x="4350327" y="467976"/>
+                  <a:pt x="4358656" y="475782"/>
+                  <a:pt x="4368800" y="480291"/>
+                </a:cubicBezTo>
+                <a:cubicBezTo>
+                  <a:pt x="4386594" y="488199"/>
+                  <a:pt x="4405745" y="492606"/>
+                  <a:pt x="4424218" y="498764"/>
+                </a:cubicBezTo>
+                <a:cubicBezTo>
+                  <a:pt x="4490658" y="520911"/>
+                  <a:pt x="4407684" y="494039"/>
+                  <a:pt x="4488872" y="517236"/>
+                </a:cubicBezTo>
+                <a:cubicBezTo>
+                  <a:pt x="4498233" y="519911"/>
+                  <a:pt x="4507345" y="523394"/>
+                  <a:pt x="4516581" y="526473"/>
+                </a:cubicBezTo>
+                <a:cubicBezTo>
+                  <a:pt x="4542818" y="605179"/>
+                  <a:pt x="4504920" y="484217"/>
+                  <a:pt x="4535054" y="665018"/>
+                </a:cubicBezTo>
+                <a:cubicBezTo>
+                  <a:pt x="4538255" y="684225"/>
+                  <a:pt x="4553527" y="720436"/>
+                  <a:pt x="4553527" y="720436"/>
+                </a:cubicBezTo>
+                <a:cubicBezTo>
+                  <a:pt x="4551505" y="787176"/>
+                  <a:pt x="4556981" y="980259"/>
+                  <a:pt x="4535054" y="1089891"/>
+                </a:cubicBezTo>
+                <a:cubicBezTo>
+                  <a:pt x="4533145" y="1099438"/>
+                  <a:pt x="4528493" y="1108239"/>
+                  <a:pt x="4525818" y="1117600"/>
+                </a:cubicBezTo>
+                <a:cubicBezTo>
+                  <a:pt x="4522331" y="1129806"/>
+                  <a:pt x="4522258" y="1143192"/>
+                  <a:pt x="4516581" y="1154546"/>
+                </a:cubicBezTo>
+                <a:cubicBezTo>
+                  <a:pt x="4506652" y="1174403"/>
+                  <a:pt x="4491951" y="1191491"/>
+                  <a:pt x="4479636" y="1209964"/>
+                </a:cubicBezTo>
+                <a:lnTo>
+                  <a:pt x="4461163" y="1237673"/>
+                </a:lnTo>
+                <a:cubicBezTo>
+                  <a:pt x="4454250" y="1258414"/>
+                  <a:pt x="4442659" y="1294995"/>
+                  <a:pt x="4433454" y="1311564"/>
+                </a:cubicBezTo>
+                <a:cubicBezTo>
+                  <a:pt x="4425978" y="1325021"/>
+                  <a:pt x="4413501" y="1335212"/>
+                  <a:pt x="4405745" y="1348509"/>
+                </a:cubicBezTo>
+                <a:cubicBezTo>
+                  <a:pt x="4352363" y="1440021"/>
+                  <a:pt x="4388700" y="1396387"/>
+                  <a:pt x="4350327" y="1450109"/>
+                </a:cubicBezTo>
+                <a:cubicBezTo>
+                  <a:pt x="4341379" y="1462636"/>
+                  <a:pt x="4334444" y="1477200"/>
+                  <a:pt x="4322618" y="1487055"/>
+                </a:cubicBezTo>
+                <a:cubicBezTo>
+                  <a:pt x="4315139" y="1493288"/>
+                  <a:pt x="4304145" y="1493212"/>
+                  <a:pt x="4294909" y="1496291"/>
+                </a:cubicBezTo>
+                <a:cubicBezTo>
+                  <a:pt x="4276436" y="1514764"/>
+                  <a:pt x="4264835" y="1545373"/>
+                  <a:pt x="4239491" y="1551709"/>
+                </a:cubicBezTo>
+                <a:cubicBezTo>
+                  <a:pt x="4189188" y="1564286"/>
+                  <a:pt x="4213899" y="1555269"/>
+                  <a:pt x="4165600" y="1579418"/>
+                </a:cubicBezTo>
+                <a:cubicBezTo>
+                  <a:pt x="3971967" y="1574453"/>
+                  <a:pt x="3889168" y="1607392"/>
+                  <a:pt x="3749963" y="1551709"/>
+                </a:cubicBezTo>
+                <a:cubicBezTo>
+                  <a:pt x="3737179" y="1546595"/>
+                  <a:pt x="3725333" y="1539394"/>
+                  <a:pt x="3713018" y="1533236"/>
+                </a:cubicBezTo>
+                <a:cubicBezTo>
+                  <a:pt x="3706860" y="1520921"/>
+                  <a:pt x="3703506" y="1506745"/>
+                  <a:pt x="3694545" y="1496291"/>
+                </a:cubicBezTo>
+                <a:cubicBezTo>
+                  <a:pt x="3686908" y="1487381"/>
+                  <a:pt x="3642870" y="1458762"/>
+                  <a:pt x="3629891" y="1450109"/>
+                </a:cubicBezTo>
+                <a:cubicBezTo>
+                  <a:pt x="3623733" y="1440873"/>
+                  <a:pt x="3618525" y="1430928"/>
+                  <a:pt x="3611418" y="1422400"/>
+                </a:cubicBezTo>
+                <a:cubicBezTo>
+                  <a:pt x="3603056" y="1412365"/>
+                  <a:pt x="3590190" y="1406032"/>
+                  <a:pt x="3583709" y="1394691"/>
+                </a:cubicBezTo>
+                <a:cubicBezTo>
+                  <a:pt x="3577411" y="1383670"/>
+                  <a:pt x="3578929" y="1369632"/>
+                  <a:pt x="3574472" y="1357746"/>
+                </a:cubicBezTo>
+                <a:cubicBezTo>
+                  <a:pt x="3569637" y="1344854"/>
+                  <a:pt x="3560835" y="1333692"/>
+                  <a:pt x="3556000" y="1320800"/>
+                </a:cubicBezTo>
+                <a:cubicBezTo>
+                  <a:pt x="3530061" y="1251630"/>
+                  <a:pt x="3570105" y="1314979"/>
+                  <a:pt x="3519054" y="1246909"/>
+                </a:cubicBezTo>
+                <a:cubicBezTo>
+                  <a:pt x="3515975" y="1237673"/>
+                  <a:pt x="3511930" y="1228704"/>
+                  <a:pt x="3509818" y="1219200"/>
+                </a:cubicBezTo>
+                <a:cubicBezTo>
+                  <a:pt x="3488144" y="1121668"/>
+                  <a:pt x="3512137" y="1198450"/>
+                  <a:pt x="3491345" y="1136073"/>
+                </a:cubicBezTo>
+                <a:cubicBezTo>
+                  <a:pt x="3494424" y="1096049"/>
+                  <a:pt x="3495602" y="1055833"/>
+                  <a:pt x="3500581" y="1016000"/>
+                </a:cubicBezTo>
+                <a:cubicBezTo>
+                  <a:pt x="3501789" y="1006339"/>
+                  <a:pt x="3502934" y="995175"/>
+                  <a:pt x="3509818" y="988291"/>
+                </a:cubicBezTo>
+                <a:cubicBezTo>
+                  <a:pt x="3525517" y="972592"/>
+                  <a:pt x="3565236" y="951346"/>
+                  <a:pt x="3565236" y="951346"/>
+                </a:cubicBezTo>
+                <a:cubicBezTo>
+                  <a:pt x="3663757" y="954425"/>
+                  <a:pt x="3762553" y="952616"/>
+                  <a:pt x="3860800" y="960582"/>
+                </a:cubicBezTo>
+                <a:cubicBezTo>
+                  <a:pt x="3894691" y="963330"/>
+                  <a:pt x="3912914" y="978549"/>
+                  <a:pt x="3925454" y="1006764"/>
+                </a:cubicBezTo>
+                <a:cubicBezTo>
+                  <a:pt x="3933362" y="1024558"/>
+                  <a:pt x="3943927" y="1062182"/>
+                  <a:pt x="3943927" y="1062182"/>
+                </a:cubicBezTo>
+                <a:cubicBezTo>
+                  <a:pt x="3940848" y="1108364"/>
+                  <a:pt x="3950692" y="1157297"/>
+                  <a:pt x="3934691" y="1200727"/>
+                </a:cubicBezTo>
+                <a:cubicBezTo>
+                  <a:pt x="3927016" y="1221560"/>
+                  <a:pt x="3897745" y="1225358"/>
+                  <a:pt x="3879272" y="1237673"/>
+                </a:cubicBezTo>
+                <a:lnTo>
+                  <a:pt x="3851563" y="1256146"/>
+                </a:lnTo>
+                <a:cubicBezTo>
+                  <a:pt x="3844268" y="1255585"/>
+                  <a:pt x="3720627" y="1250917"/>
+                  <a:pt x="3685309" y="1237673"/>
+                </a:cubicBezTo>
+                <a:cubicBezTo>
+                  <a:pt x="3674915" y="1233775"/>
+                  <a:pt x="3666836" y="1225358"/>
+                  <a:pt x="3657600" y="1219200"/>
+                </a:cubicBezTo>
+                <a:cubicBezTo>
+                  <a:pt x="3644087" y="1198931"/>
+                  <a:pt x="3628466" y="1177982"/>
+                  <a:pt x="3620654" y="1154546"/>
+                </a:cubicBezTo>
+                <a:cubicBezTo>
+                  <a:pt x="3615690" y="1139653"/>
+                  <a:pt x="3616930" y="1123063"/>
+                  <a:pt x="3611418" y="1108364"/>
+                </a:cubicBezTo>
+                <a:cubicBezTo>
+                  <a:pt x="3607520" y="1097970"/>
+                  <a:pt x="3598453" y="1090293"/>
+                  <a:pt x="3592945" y="1080655"/>
+                </a:cubicBezTo>
+                <a:cubicBezTo>
+                  <a:pt x="3583287" y="1063754"/>
+                  <a:pt x="3571000" y="1031001"/>
+                  <a:pt x="3556000" y="1016000"/>
+                </a:cubicBezTo>
+                <a:cubicBezTo>
+                  <a:pt x="3548151" y="1008150"/>
+                  <a:pt x="3537527" y="1003685"/>
+                  <a:pt x="3528291" y="997527"/>
+                </a:cubicBezTo>
+                <a:cubicBezTo>
+                  <a:pt x="3525212" y="988291"/>
+                  <a:pt x="3523408" y="978526"/>
+                  <a:pt x="3519054" y="969818"/>
+                </a:cubicBezTo>
+                <a:cubicBezTo>
+                  <a:pt x="3514089" y="959889"/>
+                  <a:pt x="3507033" y="951142"/>
+                  <a:pt x="3500581" y="942109"/>
+                </a:cubicBezTo>
+                <a:cubicBezTo>
+                  <a:pt x="3485087" y="920418"/>
+                  <a:pt x="3466742" y="894239"/>
+                  <a:pt x="3445163" y="877455"/>
+                </a:cubicBezTo>
+                <a:cubicBezTo>
+                  <a:pt x="3427638" y="863825"/>
+                  <a:pt x="3410807" y="847530"/>
+                  <a:pt x="3389745" y="840509"/>
+                </a:cubicBezTo>
+                <a:cubicBezTo>
+                  <a:pt x="3348974" y="826919"/>
+                  <a:pt x="3370744" y="835627"/>
+                  <a:pt x="3325091" y="812800"/>
+                </a:cubicBezTo>
+                <a:cubicBezTo>
+                  <a:pt x="3318933" y="800485"/>
+                  <a:pt x="3316354" y="785591"/>
+                  <a:pt x="3306618" y="775855"/>
+                </a:cubicBezTo>
+                <a:cubicBezTo>
+                  <a:pt x="3296882" y="766119"/>
+                  <a:pt x="3281627" y="764213"/>
+                  <a:pt x="3269672" y="757382"/>
+                </a:cubicBezTo>
+                <a:cubicBezTo>
+                  <a:pt x="3260034" y="751874"/>
+                  <a:pt x="3251601" y="744417"/>
+                  <a:pt x="3241963" y="738909"/>
+                </a:cubicBezTo>
+                <a:cubicBezTo>
+                  <a:pt x="3230009" y="732078"/>
+                  <a:pt x="3217054" y="727123"/>
+                  <a:pt x="3205018" y="720436"/>
+                </a:cubicBezTo>
+                <a:cubicBezTo>
+                  <a:pt x="3189325" y="711718"/>
+                  <a:pt x="3175241" y="700018"/>
+                  <a:pt x="3158836" y="692727"/>
+                </a:cubicBezTo>
+                <a:cubicBezTo>
+                  <a:pt x="3147236" y="687572"/>
+                  <a:pt x="3134097" y="686978"/>
+                  <a:pt x="3121891" y="683491"/>
+                </a:cubicBezTo>
+                <a:cubicBezTo>
+                  <a:pt x="3112529" y="680816"/>
+                  <a:pt x="3103418" y="677334"/>
+                  <a:pt x="3094181" y="674255"/>
+                </a:cubicBezTo>
+                <a:cubicBezTo>
+                  <a:pt x="3010136" y="611219"/>
+                  <a:pt x="3050160" y="626303"/>
+                  <a:pt x="2983345" y="609600"/>
+                </a:cubicBezTo>
+                <a:cubicBezTo>
+                  <a:pt x="2977187" y="600364"/>
+                  <a:pt x="2973400" y="588998"/>
+                  <a:pt x="2964872" y="581891"/>
+                </a:cubicBezTo>
+                <a:cubicBezTo>
+                  <a:pt x="2942412" y="563175"/>
+                  <a:pt x="2917461" y="561747"/>
+                  <a:pt x="2890981" y="554182"/>
+                </a:cubicBezTo>
+                <a:cubicBezTo>
+                  <a:pt x="2881620" y="551507"/>
+                  <a:pt x="2872508" y="548025"/>
+                  <a:pt x="2863272" y="544946"/>
+                </a:cubicBezTo>
+                <a:cubicBezTo>
+                  <a:pt x="2782328" y="463999"/>
+                  <a:pt x="2885001" y="563052"/>
+                  <a:pt x="2807854" y="498764"/>
+                </a:cubicBezTo>
+                <a:cubicBezTo>
+                  <a:pt x="2770821" y="467904"/>
+                  <a:pt x="2792266" y="474308"/>
+                  <a:pt x="2752436" y="452582"/>
+                </a:cubicBezTo>
+                <a:cubicBezTo>
+                  <a:pt x="2728261" y="439395"/>
+                  <a:pt x="2700575" y="432159"/>
+                  <a:pt x="2678545" y="415636"/>
+                </a:cubicBezTo>
+                <a:cubicBezTo>
+                  <a:pt x="2633811" y="382085"/>
+                  <a:pt x="2656204" y="392795"/>
+                  <a:pt x="2613891" y="378691"/>
+                </a:cubicBezTo>
+                <a:cubicBezTo>
+                  <a:pt x="2604654" y="372533"/>
+                  <a:pt x="2596325" y="364726"/>
+                  <a:pt x="2586181" y="360218"/>
+                </a:cubicBezTo>
+                <a:cubicBezTo>
+                  <a:pt x="2528757" y="334697"/>
+                  <a:pt x="2506682" y="339338"/>
+                  <a:pt x="2438400" y="332509"/>
+                </a:cubicBezTo>
+                <a:cubicBezTo>
+                  <a:pt x="2364509" y="338667"/>
+                  <a:pt x="2290421" y="342794"/>
+                  <a:pt x="2216727" y="350982"/>
+                </a:cubicBezTo>
+                <a:cubicBezTo>
+                  <a:pt x="2207051" y="352057"/>
+                  <a:pt x="2198379" y="357543"/>
+                  <a:pt x="2189018" y="360218"/>
+                </a:cubicBezTo>
+                <a:cubicBezTo>
+                  <a:pt x="2176812" y="363705"/>
+                  <a:pt x="2164387" y="366376"/>
+                  <a:pt x="2152072" y="369455"/>
+                </a:cubicBezTo>
+                <a:cubicBezTo>
+                  <a:pt x="2133599" y="381770"/>
+                  <a:pt x="2103674" y="385338"/>
+                  <a:pt x="2096654" y="406400"/>
+                </a:cubicBezTo>
+                <a:cubicBezTo>
+                  <a:pt x="2093575" y="415636"/>
+                  <a:pt x="2093651" y="426630"/>
+                  <a:pt x="2087418" y="434109"/>
+                </a:cubicBezTo>
+                <a:cubicBezTo>
+                  <a:pt x="2077563" y="445935"/>
+                  <a:pt x="2062160" y="451800"/>
+                  <a:pt x="2050472" y="461818"/>
+                </a:cubicBezTo>
+                <a:cubicBezTo>
+                  <a:pt x="2040554" y="470319"/>
+                  <a:pt x="2031999" y="480291"/>
+                  <a:pt x="2022763" y="489527"/>
+                </a:cubicBezTo>
+                <a:cubicBezTo>
+                  <a:pt x="1999423" y="559550"/>
+                  <a:pt x="2015975" y="529369"/>
+                  <a:pt x="1976581" y="581891"/>
+                </a:cubicBezTo>
+                <a:cubicBezTo>
+                  <a:pt x="1973502" y="594206"/>
+                  <a:pt x="1972345" y="607168"/>
+                  <a:pt x="1967345" y="618836"/>
+                </a:cubicBezTo>
+                <a:cubicBezTo>
+                  <a:pt x="1962972" y="629039"/>
+                  <a:pt x="1952770" y="636152"/>
+                  <a:pt x="1948872" y="646546"/>
+                </a:cubicBezTo>
+                <a:cubicBezTo>
+                  <a:pt x="1943360" y="661245"/>
+                  <a:pt x="1943443" y="677497"/>
+                  <a:pt x="1939636" y="692727"/>
+                </a:cubicBezTo>
+                <a:cubicBezTo>
+                  <a:pt x="1937275" y="702172"/>
+                  <a:pt x="1933479" y="711200"/>
+                  <a:pt x="1930400" y="720436"/>
+                </a:cubicBezTo>
+                <a:cubicBezTo>
+                  <a:pt x="1927321" y="745066"/>
+                  <a:pt x="1925603" y="769905"/>
+                  <a:pt x="1921163" y="794327"/>
+                </a:cubicBezTo>
+                <a:cubicBezTo>
+                  <a:pt x="1919421" y="803906"/>
+                  <a:pt x="1914288" y="812591"/>
+                  <a:pt x="1911927" y="822036"/>
+                </a:cubicBezTo>
+                <a:cubicBezTo>
+                  <a:pt x="1908120" y="837266"/>
+                  <a:pt x="1905499" y="852772"/>
+                  <a:pt x="1902691" y="868218"/>
+                </a:cubicBezTo>
+                <a:cubicBezTo>
+                  <a:pt x="1899341" y="886643"/>
+                  <a:pt x="1897127" y="905272"/>
+                  <a:pt x="1893454" y="923636"/>
+                </a:cubicBezTo>
+                <a:cubicBezTo>
+                  <a:pt x="1886473" y="958542"/>
+                  <a:pt x="1877530" y="980645"/>
+                  <a:pt x="1865745" y="1016000"/>
+                </a:cubicBezTo>
+                <a:cubicBezTo>
+                  <a:pt x="1862666" y="1025236"/>
+                  <a:pt x="1861910" y="1035608"/>
+                  <a:pt x="1856509" y="1043709"/>
+                </a:cubicBezTo>
+                <a:lnTo>
+                  <a:pt x="1838036" y="1071418"/>
+                </a:lnTo>
+                <a:cubicBezTo>
+                  <a:pt x="1814820" y="1141068"/>
+                  <a:pt x="1846138" y="1055213"/>
+                  <a:pt x="1810327" y="1126836"/>
+                </a:cubicBezTo>
+                <a:cubicBezTo>
+                  <a:pt x="1805973" y="1135544"/>
+                  <a:pt x="1807068" y="1146861"/>
+                  <a:pt x="1801091" y="1154546"/>
+                </a:cubicBezTo>
+                <a:cubicBezTo>
+                  <a:pt x="1759755" y="1207692"/>
+                  <a:pt x="1758090" y="1199774"/>
+                  <a:pt x="1717963" y="1228436"/>
+                </a:cubicBezTo>
+                <a:cubicBezTo>
+                  <a:pt x="1705436" y="1237384"/>
+                  <a:pt x="1693629" y="1247318"/>
+                  <a:pt x="1681018" y="1256146"/>
+                </a:cubicBezTo>
+                <a:cubicBezTo>
+                  <a:pt x="1662830" y="1268878"/>
+                  <a:pt x="1646662" y="1286070"/>
+                  <a:pt x="1625600" y="1293091"/>
+                </a:cubicBezTo>
+                <a:lnTo>
+                  <a:pt x="1570181" y="1311564"/>
+                </a:lnTo>
+                <a:cubicBezTo>
+                  <a:pt x="1542472" y="1308485"/>
+                  <a:pt x="1514392" y="1307795"/>
+                  <a:pt x="1487054" y="1302327"/>
+                </a:cubicBezTo>
+                <a:cubicBezTo>
+                  <a:pt x="1467960" y="1298508"/>
+                  <a:pt x="1431636" y="1283855"/>
+                  <a:pt x="1431636" y="1283855"/>
+                </a:cubicBezTo>
+                <a:cubicBezTo>
+                  <a:pt x="1402361" y="1239943"/>
+                  <a:pt x="1416675" y="1266680"/>
+                  <a:pt x="1394691" y="1200727"/>
+                </a:cubicBezTo>
+                <a:lnTo>
+                  <a:pt x="1385454" y="1173018"/>
+                </a:lnTo>
+                <a:cubicBezTo>
+                  <a:pt x="1388533" y="1028315"/>
+                  <a:pt x="1389128" y="883538"/>
+                  <a:pt x="1394691" y="738909"/>
+                </a:cubicBezTo>
+                <a:cubicBezTo>
+                  <a:pt x="1395184" y="726097"/>
+                  <a:pt x="1414543" y="642547"/>
+                  <a:pt x="1422400" y="637309"/>
+                </a:cubicBezTo>
+                <a:lnTo>
+                  <a:pt x="1450109" y="618836"/>
+                </a:lnTo>
+                <a:cubicBezTo>
+                  <a:pt x="1453188" y="609600"/>
+                  <a:pt x="1451742" y="597209"/>
+                  <a:pt x="1459345" y="591127"/>
+                </a:cubicBezTo>
+                <a:cubicBezTo>
+                  <a:pt x="1469258" y="583197"/>
+                  <a:pt x="1484132" y="585539"/>
+                  <a:pt x="1496291" y="581891"/>
+                </a:cubicBezTo>
+                <a:cubicBezTo>
+                  <a:pt x="1514942" y="576296"/>
+                  <a:pt x="1533236" y="569576"/>
+                  <a:pt x="1551709" y="563418"/>
+                </a:cubicBezTo>
+                <a:cubicBezTo>
+                  <a:pt x="1560945" y="560339"/>
+                  <a:pt x="1569730" y="555151"/>
+                  <a:pt x="1579418" y="554182"/>
+                </a:cubicBezTo>
+                <a:lnTo>
+                  <a:pt x="1671781" y="544946"/>
+                </a:lnTo>
+                <a:cubicBezTo>
+                  <a:pt x="1702569" y="548025"/>
+                  <a:pt x="1736470" y="540345"/>
+                  <a:pt x="1764145" y="554182"/>
+                </a:cubicBezTo>
+                <a:cubicBezTo>
+                  <a:pt x="1784003" y="564111"/>
+                  <a:pt x="1801091" y="609600"/>
+                  <a:pt x="1801091" y="609600"/>
+                </a:cubicBezTo>
+                <a:cubicBezTo>
+                  <a:pt x="1798012" y="628073"/>
+                  <a:pt x="1801146" y="648758"/>
+                  <a:pt x="1791854" y="665018"/>
+                </a:cubicBezTo>
+                <a:cubicBezTo>
+                  <a:pt x="1787024" y="673471"/>
+                  <a:pt x="1773881" y="674255"/>
+                  <a:pt x="1764145" y="674255"/>
+                </a:cubicBezTo>
+                <a:cubicBezTo>
+                  <a:pt x="1662498" y="674255"/>
+                  <a:pt x="1560945" y="668097"/>
+                  <a:pt x="1459345" y="665018"/>
+                </a:cubicBezTo>
+                <a:lnTo>
+                  <a:pt x="1431636" y="655782"/>
+                </a:lnTo>
+              </a:path>
+            </a:pathLst>
+          </a:custGeom>
+          <a:noFill/>
+          <a:ln w="66675">
+            <a:solidFill>
+              <a:schemeClr val="accent5">
+                <a:lumMod val="75000"/>
+              </a:schemeClr>
+            </a:solidFill>
+          </a:ln>
+          <a:scene3d>
+            <a:camera prst="orthographicFront"/>
+            <a:lightRig rig="threePt" dir="t"/>
+          </a:scene3d>
+          <a:sp3d extrusionH="25400" contourW="69850">
+            <a:bevelT w="69850" h="171450"/>
+          </a:sp3d>
+        </p:spPr>
+        <p:style>
+          <a:lnRef idx="2">
+            <a:schemeClr val="accent1">
+              <a:shade val="50000"/>
+            </a:schemeClr>
+          </a:lnRef>
+          <a:fillRef idx="1">
+            <a:schemeClr val="accent1"/>
+          </a:fillRef>
+          <a:effectRef idx="0">
+            <a:schemeClr val="accent1"/>
+          </a:effectRef>
+          <a:fontRef idx="minor">
+            <a:schemeClr val="lt1"/>
+          </a:fontRef>
+        </p:style>
+        <p:txBody>
+          <a:bodyPr rtlCol="0" anchor="ctr"/>
+          <a:lstStyle/>
+          <a:p>
+            <a:pPr algn="ctr"/>
+            <a:endParaRPr lang="en-US"/>
+          </a:p>
+        </p:txBody>
+      </p:sp>
+      <p:sp>
+        <p:nvSpPr>
+          <p:cNvPr id="5" name="Oval 4"/>
+          <p:cNvSpPr/>
+          <p:nvPr/>
+        </p:nvSpPr>
+        <p:spPr>
+          <a:xfrm>
+            <a:off x="9027566" y="3762990"/>
+            <a:ext cx="278451" cy="315673"/>
+          </a:xfrm>
+          <a:prstGeom prst="ellipse">
+            <a:avLst/>
+          </a:prstGeom>
+          <a:solidFill>
+            <a:schemeClr val="accent6"/>
+          </a:solidFill>
+          <a:scene3d>
+            <a:camera prst="orthographicFront"/>
+            <a:lightRig rig="threePt" dir="t"/>
+          </a:scene3d>
+          <a:sp3d extrusionH="107950" contourW="12700" prstMaterial="dkEdge">
+            <a:bevelT w="107950" h="107950"/>
+            <a:bevelB w="107950" h="107950"/>
+          </a:sp3d>
+        </p:spPr>
+        <p:style>
+          <a:lnRef idx="2">
+            <a:schemeClr val="accent1">
+              <a:shade val="50000"/>
+            </a:schemeClr>
+          </a:lnRef>
+          <a:fillRef idx="1">
+            <a:schemeClr val="accent1"/>
+          </a:fillRef>
+          <a:effectRef idx="0">
+            <a:schemeClr val="accent1"/>
+          </a:effectRef>
+          <a:fontRef idx="minor">
+            <a:schemeClr val="lt1"/>
+          </a:fontRef>
+        </p:style>
+        <p:txBody>
+          <a:bodyPr rot="0" spcFirstLastPara="0" vert="horz" wrap="square" lIns="91440" tIns="45720" rIns="91440" bIns="45720" numCol="1" spcCol="0" rtlCol="1" fromWordArt="0" anchor="ctr" anchorCtr="0" forceAA="0" compatLnSpc="1">
+            <a:prstTxWarp prst="textNoShape">
+              <a:avLst/>
+            </a:prstTxWarp>
+            <a:noAutofit/>
+          </a:bodyPr>
+          <a:lstStyle/>
+          <a:p>
+            <a:endParaRPr lang="en-US"/>
+          </a:p>
+        </p:txBody>
+      </p:sp>
+      <p:sp>
+        <p:nvSpPr>
+          <p:cNvPr id="6" name="Oval 5"/>
+          <p:cNvSpPr/>
+          <p:nvPr/>
+        </p:nvSpPr>
+        <p:spPr>
+          <a:xfrm>
+            <a:off x="11025485" y="2123831"/>
+            <a:ext cx="278451" cy="315673"/>
+          </a:xfrm>
+          <a:prstGeom prst="ellipse">
+            <a:avLst/>
+          </a:prstGeom>
+          <a:solidFill>
+            <a:schemeClr val="accent6"/>
+          </a:solidFill>
+          <a:scene3d>
+            <a:camera prst="orthographicFront"/>
+            <a:lightRig rig="threePt" dir="t"/>
+          </a:scene3d>
+          <a:sp3d extrusionH="107950" contourW="12700" prstMaterial="dkEdge">
+            <a:bevelT w="107950" h="107950"/>
+            <a:bevelB w="107950" h="107950"/>
+          </a:sp3d>
+        </p:spPr>
+        <p:style>
+          <a:lnRef idx="2">
+            <a:schemeClr val="accent1">
+              <a:shade val="50000"/>
+            </a:schemeClr>
+          </a:lnRef>
+          <a:fillRef idx="1">
+            <a:schemeClr val="accent1"/>
+          </a:fillRef>
+          <a:effectRef idx="0">
+            <a:schemeClr val="accent1"/>
+          </a:effectRef>
+          <a:fontRef idx="minor">
+            <a:schemeClr val="lt1"/>
+          </a:fontRef>
+        </p:style>
+        <p:txBody>
+          <a:bodyPr rot="0" spcFirstLastPara="0" vert="horz" wrap="square" lIns="91440" tIns="45720" rIns="91440" bIns="45720" numCol="1" spcCol="0" rtlCol="1" fromWordArt="0" anchor="ctr" anchorCtr="0" forceAA="0" compatLnSpc="1">
+            <a:prstTxWarp prst="textNoShape">
+              <a:avLst/>
+            </a:prstTxWarp>
+            <a:noAutofit/>
+          </a:bodyPr>
+          <a:lstStyle/>
+          <a:p>
+            <a:endParaRPr lang="en-US"/>
+          </a:p>
+        </p:txBody>
+      </p:sp>
+      <p:sp>
+        <p:nvSpPr>
+          <p:cNvPr id="7" name="Oval 6"/>
+          <p:cNvSpPr/>
+          <p:nvPr/>
+        </p:nvSpPr>
+        <p:spPr>
+          <a:xfrm>
+            <a:off x="10955872" y="2639746"/>
+            <a:ext cx="278451" cy="315673"/>
+          </a:xfrm>
+          <a:prstGeom prst="ellipse">
+            <a:avLst/>
+          </a:prstGeom>
+          <a:solidFill>
+            <a:schemeClr val="accent6"/>
+          </a:solidFill>
+          <a:scene3d>
+            <a:camera prst="orthographicFront"/>
+            <a:lightRig rig="threePt" dir="t"/>
+          </a:scene3d>
+          <a:sp3d extrusionH="107950" contourW="12700" prstMaterial="dkEdge">
+            <a:bevelT w="107950" h="107950"/>
+            <a:bevelB w="107950" h="107950"/>
+          </a:sp3d>
+        </p:spPr>
+        <p:style>
+          <a:lnRef idx="2">
+            <a:schemeClr val="accent1">
+              <a:shade val="50000"/>
+            </a:schemeClr>
+          </a:lnRef>
+          <a:fillRef idx="1">
+            <a:schemeClr val="accent1"/>
+          </a:fillRef>
+          <a:effectRef idx="0">
+            <a:schemeClr val="accent1"/>
+          </a:effectRef>
+          <a:fontRef idx="minor">
+            <a:schemeClr val="lt1"/>
+          </a:fontRef>
+        </p:style>
+        <p:txBody>
+          <a:bodyPr rot="0" spcFirstLastPara="0" vert="horz" wrap="square" lIns="91440" tIns="45720" rIns="91440" bIns="45720" numCol="1" spcCol="0" rtlCol="1" fromWordArt="0" anchor="ctr" anchorCtr="0" forceAA="0" compatLnSpc="1">
+            <a:prstTxWarp prst="textNoShape">
+              <a:avLst/>
+            </a:prstTxWarp>
+            <a:noAutofit/>
+          </a:bodyPr>
+          <a:lstStyle/>
+          <a:p>
+            <a:endParaRPr lang="en-US"/>
+          </a:p>
+        </p:txBody>
+      </p:sp>
+      <p:sp>
+        <p:nvSpPr>
+          <p:cNvPr id="8" name="Oval 7"/>
+          <p:cNvSpPr/>
+          <p:nvPr/>
+        </p:nvSpPr>
+        <p:spPr>
+          <a:xfrm>
+            <a:off x="10690891" y="3086071"/>
+            <a:ext cx="278451" cy="315673"/>
+          </a:xfrm>
+          <a:prstGeom prst="ellipse">
+            <a:avLst/>
+          </a:prstGeom>
+          <a:solidFill>
+            <a:schemeClr val="accent6"/>
+          </a:solidFill>
+          <a:scene3d>
+            <a:camera prst="orthographicFront"/>
+            <a:lightRig rig="threePt" dir="t"/>
+          </a:scene3d>
+          <a:sp3d extrusionH="107950" contourW="12700" prstMaterial="dkEdge">
+            <a:bevelT w="107950" h="107950"/>
+            <a:bevelB w="107950" h="107950"/>
+          </a:sp3d>
+        </p:spPr>
+        <p:style>
+          <a:lnRef idx="2">
+            <a:schemeClr val="accent1">
+              <a:shade val="50000"/>
+            </a:schemeClr>
+          </a:lnRef>
+          <a:fillRef idx="1">
+            <a:schemeClr val="accent1"/>
+          </a:fillRef>
+          <a:effectRef idx="0">
+            <a:schemeClr val="accent1"/>
+          </a:effectRef>
+          <a:fontRef idx="minor">
+            <a:schemeClr val="lt1"/>
+          </a:fontRef>
+        </p:style>
+        <p:txBody>
+          <a:bodyPr rot="0" spcFirstLastPara="0" vert="horz" wrap="square" lIns="91440" tIns="45720" rIns="91440" bIns="45720" numCol="1" spcCol="0" rtlCol="1" fromWordArt="0" anchor="ctr" anchorCtr="0" forceAA="0" compatLnSpc="1">
+            <a:prstTxWarp prst="textNoShape">
+              <a:avLst/>
+            </a:prstTxWarp>
+            <a:noAutofit/>
+          </a:bodyPr>
+          <a:lstStyle/>
+          <a:p>
+            <a:endParaRPr lang="en-US"/>
+          </a:p>
+        </p:txBody>
+      </p:sp>
+      <p:sp>
+        <p:nvSpPr>
+          <p:cNvPr id="9" name="Oval 8"/>
+          <p:cNvSpPr/>
+          <p:nvPr/>
+        </p:nvSpPr>
+        <p:spPr>
+          <a:xfrm>
+            <a:off x="10391534" y="3531984"/>
+            <a:ext cx="278451" cy="315673"/>
+          </a:xfrm>
+          <a:prstGeom prst="ellipse">
+            <a:avLst/>
+          </a:prstGeom>
+          <a:solidFill>
+            <a:schemeClr val="accent6"/>
+          </a:solidFill>
+          <a:scene3d>
+            <a:camera prst="orthographicFront"/>
+            <a:lightRig rig="threePt" dir="t"/>
+          </a:scene3d>
+          <a:sp3d extrusionH="107950" contourW="12700" prstMaterial="dkEdge">
+            <a:bevelT w="107950" h="107950"/>
+            <a:bevelB w="107950" h="107950"/>
+          </a:sp3d>
+        </p:spPr>
+        <p:style>
+          <a:lnRef idx="2">
+            <a:schemeClr val="accent1">
+              <a:shade val="50000"/>
+            </a:schemeClr>
+          </a:lnRef>
+          <a:fillRef idx="1">
+            <a:schemeClr val="accent1"/>
+          </a:fillRef>
+          <a:effectRef idx="0">
+            <a:schemeClr val="accent1"/>
+          </a:effectRef>
+          <a:fontRef idx="minor">
+            <a:schemeClr val="lt1"/>
+          </a:fontRef>
+        </p:style>
+        <p:txBody>
+          <a:bodyPr rot="0" spcFirstLastPara="0" vert="horz" wrap="square" lIns="91440" tIns="45720" rIns="91440" bIns="45720" numCol="1" spcCol="0" rtlCol="1" fromWordArt="0" anchor="ctr" anchorCtr="0" forceAA="0" compatLnSpc="1">
+            <a:prstTxWarp prst="textNoShape">
+              <a:avLst/>
+            </a:prstTxWarp>
+            <a:noAutofit/>
+          </a:bodyPr>
+          <a:lstStyle/>
+          <a:p>
+            <a:endParaRPr lang="en-US"/>
+          </a:p>
+        </p:txBody>
+      </p:sp>
+      <p:sp>
+        <p:nvSpPr>
+          <p:cNvPr id="10" name="Oval 9"/>
+          <p:cNvSpPr/>
+          <p:nvPr/>
+        </p:nvSpPr>
+        <p:spPr>
+          <a:xfrm>
+            <a:off x="9956912" y="3817372"/>
+            <a:ext cx="278451" cy="315673"/>
+          </a:xfrm>
+          <a:prstGeom prst="ellipse">
+            <a:avLst/>
+          </a:prstGeom>
+          <a:solidFill>
+            <a:schemeClr val="accent6"/>
+          </a:solidFill>
+          <a:scene3d>
+            <a:camera prst="orthographicFront"/>
+            <a:lightRig rig="threePt" dir="t"/>
+          </a:scene3d>
+          <a:sp3d extrusionH="107950" contourW="12700" prstMaterial="dkEdge">
+            <a:bevelT w="107950" h="107950"/>
+            <a:bevelB w="107950" h="107950"/>
+          </a:sp3d>
+        </p:spPr>
+        <p:style>
+          <a:lnRef idx="2">
+            <a:schemeClr val="accent1">
+              <a:shade val="50000"/>
+            </a:schemeClr>
+          </a:lnRef>
+          <a:fillRef idx="1">
+            <a:schemeClr val="accent1"/>
+          </a:fillRef>
+          <a:effectRef idx="0">
+            <a:schemeClr val="accent1"/>
+          </a:effectRef>
+          <a:fontRef idx="minor">
+            <a:schemeClr val="lt1"/>
+          </a:fontRef>
+        </p:style>
+        <p:txBody>
+          <a:bodyPr rot="0" spcFirstLastPara="0" vert="horz" wrap="square" lIns="91440" tIns="45720" rIns="91440" bIns="45720" numCol="1" spcCol="0" rtlCol="1" fromWordArt="0" anchor="ctr" anchorCtr="0" forceAA="0" compatLnSpc="1">
+            <a:prstTxWarp prst="textNoShape">
+              <a:avLst/>
+            </a:prstTxWarp>
+            <a:noAutofit/>
+          </a:bodyPr>
+          <a:lstStyle/>
+          <a:p>
+            <a:endParaRPr lang="en-US"/>
+          </a:p>
+        </p:txBody>
+      </p:sp>
+      <p:sp>
+        <p:nvSpPr>
+          <p:cNvPr id="11" name="Oval 10"/>
+          <p:cNvSpPr/>
+          <p:nvPr/>
+        </p:nvSpPr>
+        <p:spPr>
+          <a:xfrm>
+            <a:off x="9462188" y="3847657"/>
+            <a:ext cx="278451" cy="315673"/>
+          </a:xfrm>
+          <a:prstGeom prst="ellipse">
+            <a:avLst/>
+          </a:prstGeom>
+          <a:solidFill>
+            <a:schemeClr val="accent6"/>
+          </a:solidFill>
+          <a:scene3d>
+            <a:camera prst="orthographicFront"/>
+            <a:lightRig rig="threePt" dir="t"/>
+          </a:scene3d>
+          <a:sp3d extrusionH="107950" contourW="12700" prstMaterial="dkEdge">
+            <a:bevelT w="107950" h="107950"/>
+            <a:bevelB w="107950" h="107950"/>
+          </a:sp3d>
+        </p:spPr>
+        <p:style>
+          <a:lnRef idx="2">
+            <a:schemeClr val="accent1">
+              <a:shade val="50000"/>
+            </a:schemeClr>
+          </a:lnRef>
+          <a:fillRef idx="1">
+            <a:schemeClr val="accent1"/>
+          </a:fillRef>
+          <a:effectRef idx="0">
+            <a:schemeClr val="accent1"/>
+          </a:effectRef>
+          <a:fontRef idx="minor">
+            <a:schemeClr val="lt1"/>
+          </a:fontRef>
+        </p:style>
+        <p:txBody>
+          <a:bodyPr rot="0" spcFirstLastPara="0" vert="horz" wrap="square" lIns="91440" tIns="45720" rIns="91440" bIns="45720" numCol="1" spcCol="0" rtlCol="1" fromWordArt="0" anchor="ctr" anchorCtr="0" forceAA="0" compatLnSpc="1">
+            <a:prstTxWarp prst="textNoShape">
+              <a:avLst/>
+            </a:prstTxWarp>
+            <a:noAutofit/>
+          </a:bodyPr>
+          <a:lstStyle/>
+          <a:p>
+            <a:endParaRPr lang="en-US"/>
+          </a:p>
+        </p:txBody>
+      </p:sp>
+      <p:sp>
+        <p:nvSpPr>
+          <p:cNvPr id="12" name="Oval 11"/>
+          <p:cNvSpPr/>
+          <p:nvPr/>
+        </p:nvSpPr>
+        <p:spPr>
+          <a:xfrm>
+            <a:off x="9504424" y="1783342"/>
+            <a:ext cx="278451" cy="315673"/>
+          </a:xfrm>
+          <a:prstGeom prst="ellipse">
+            <a:avLst/>
+          </a:prstGeom>
+          <a:solidFill>
+            <a:schemeClr val="accent6"/>
+          </a:solidFill>
+          <a:scene3d>
+            <a:camera prst="orthographicFront"/>
+            <a:lightRig rig="threePt" dir="t"/>
+          </a:scene3d>
+          <a:sp3d extrusionH="107950" contourW="12700" prstMaterial="dkEdge">
+            <a:bevelT w="107950" h="107950"/>
+            <a:bevelB w="107950" h="107950"/>
+          </a:sp3d>
+        </p:spPr>
+        <p:style>
+          <a:lnRef idx="2">
+            <a:schemeClr val="accent1">
+              <a:shade val="50000"/>
+            </a:schemeClr>
+          </a:lnRef>
+          <a:fillRef idx="1">
+            <a:schemeClr val="accent1"/>
+          </a:fillRef>
+          <a:effectRef idx="0">
+            <a:schemeClr val="accent1"/>
+          </a:effectRef>
+          <a:fontRef idx="minor">
+            <a:schemeClr val="lt1"/>
+          </a:fontRef>
+        </p:style>
+        <p:txBody>
+          <a:bodyPr rot="0" spcFirstLastPara="0" vert="horz" wrap="square" lIns="91440" tIns="45720" rIns="91440" bIns="45720" numCol="1" spcCol="0" rtlCol="1" fromWordArt="0" anchor="ctr" anchorCtr="0" forceAA="0" compatLnSpc="1">
+            <a:prstTxWarp prst="textNoShape">
+              <a:avLst/>
+            </a:prstTxWarp>
+            <a:noAutofit/>
+          </a:bodyPr>
+          <a:lstStyle/>
+          <a:p>
+            <a:endParaRPr lang="en-US"/>
+          </a:p>
+        </p:txBody>
+      </p:sp>
+      <p:sp>
+        <p:nvSpPr>
+          <p:cNvPr id="13" name="Oval 12"/>
+          <p:cNvSpPr/>
+          <p:nvPr/>
+        </p:nvSpPr>
+        <p:spPr>
+          <a:xfrm>
+            <a:off x="9782875" y="1342677"/>
+            <a:ext cx="278451" cy="315673"/>
+          </a:xfrm>
+          <a:prstGeom prst="ellipse">
+            <a:avLst/>
+          </a:prstGeom>
+          <a:solidFill>
+            <a:schemeClr val="accent6"/>
+          </a:solidFill>
+          <a:scene3d>
+            <a:camera prst="orthographicFront"/>
+            <a:lightRig rig="threePt" dir="t"/>
+          </a:scene3d>
+          <a:sp3d extrusionH="107950" contourW="12700" prstMaterial="dkEdge">
+            <a:bevelT w="107950" h="107950"/>
+            <a:bevelB w="107950" h="107950"/>
+          </a:sp3d>
+        </p:spPr>
+        <p:style>
+          <a:lnRef idx="2">
+            <a:schemeClr val="accent1">
+              <a:shade val="50000"/>
+            </a:schemeClr>
+          </a:lnRef>
+          <a:fillRef idx="1">
+            <a:schemeClr val="accent1"/>
+          </a:fillRef>
+          <a:effectRef idx="0">
+            <a:schemeClr val="accent1"/>
+          </a:effectRef>
+          <a:fontRef idx="minor">
+            <a:schemeClr val="lt1"/>
+          </a:fontRef>
+        </p:style>
+        <p:txBody>
+          <a:bodyPr rot="0" spcFirstLastPara="0" vert="horz" wrap="square" lIns="91440" tIns="45720" rIns="91440" bIns="45720" numCol="1" spcCol="0" rtlCol="1" fromWordArt="0" anchor="ctr" anchorCtr="0" forceAA="0" compatLnSpc="1">
+            <a:prstTxWarp prst="textNoShape">
+              <a:avLst/>
+            </a:prstTxWarp>
+            <a:noAutofit/>
+          </a:bodyPr>
+          <a:lstStyle/>
+          <a:p>
+            <a:endParaRPr lang="en-US"/>
+          </a:p>
+        </p:txBody>
+      </p:sp>
+      <p:sp>
+        <p:nvSpPr>
+          <p:cNvPr id="14" name="Oval 13"/>
+          <p:cNvSpPr/>
+          <p:nvPr/>
+        </p:nvSpPr>
+        <p:spPr>
+          <a:xfrm>
+            <a:off x="10229717" y="1341366"/>
+            <a:ext cx="278451" cy="315673"/>
+          </a:xfrm>
+          <a:prstGeom prst="ellipse">
+            <a:avLst/>
+          </a:prstGeom>
+          <a:solidFill>
+            <a:schemeClr val="accent6"/>
+          </a:solidFill>
+          <a:scene3d>
+            <a:camera prst="orthographicFront"/>
+            <a:lightRig rig="threePt" dir="t"/>
+          </a:scene3d>
+          <a:sp3d extrusionH="107950" contourW="12700" prstMaterial="dkEdge">
+            <a:bevelT w="107950" h="107950"/>
+            <a:bevelB w="107950" h="107950"/>
+          </a:sp3d>
+        </p:spPr>
+        <p:style>
+          <a:lnRef idx="2">
+            <a:schemeClr val="accent1">
+              <a:shade val="50000"/>
+            </a:schemeClr>
+          </a:lnRef>
+          <a:fillRef idx="1">
+            <a:schemeClr val="accent1"/>
+          </a:fillRef>
+          <a:effectRef idx="0">
+            <a:schemeClr val="accent1"/>
+          </a:effectRef>
+          <a:fontRef idx="minor">
+            <a:schemeClr val="lt1"/>
+          </a:fontRef>
+        </p:style>
+        <p:txBody>
+          <a:bodyPr rot="0" spcFirstLastPara="0" vert="horz" wrap="square" lIns="91440" tIns="45720" rIns="91440" bIns="45720" numCol="1" spcCol="0" rtlCol="1" fromWordArt="0" anchor="ctr" anchorCtr="0" forceAA="0" compatLnSpc="1">
+            <a:prstTxWarp prst="textNoShape">
+              <a:avLst/>
+            </a:prstTxWarp>
+            <a:noAutofit/>
+          </a:bodyPr>
+          <a:lstStyle/>
+          <a:p>
+            <a:endParaRPr lang="en-US"/>
+          </a:p>
+        </p:txBody>
+      </p:sp>
+      <p:sp>
+        <p:nvSpPr>
+          <p:cNvPr id="15" name="Oval 14"/>
+          <p:cNvSpPr/>
+          <p:nvPr/>
+        </p:nvSpPr>
+        <p:spPr>
+          <a:xfrm>
+            <a:off x="10688702" y="1381283"/>
+            <a:ext cx="278451" cy="315673"/>
+          </a:xfrm>
+          <a:prstGeom prst="ellipse">
+            <a:avLst/>
+          </a:prstGeom>
+          <a:solidFill>
+            <a:schemeClr val="accent6"/>
+          </a:solidFill>
+          <a:scene3d>
+            <a:camera prst="orthographicFront"/>
+            <a:lightRig rig="threePt" dir="t"/>
+          </a:scene3d>
+          <a:sp3d extrusionH="107950" contourW="12700" prstMaterial="dkEdge">
+            <a:bevelT w="107950" h="107950"/>
+            <a:bevelB w="107950" h="107950"/>
+          </a:sp3d>
+        </p:spPr>
+        <p:style>
+          <a:lnRef idx="2">
+            <a:schemeClr val="accent1">
+              <a:shade val="50000"/>
+            </a:schemeClr>
+          </a:lnRef>
+          <a:fillRef idx="1">
+            <a:schemeClr val="accent1"/>
+          </a:fillRef>
+          <a:effectRef idx="0">
+            <a:schemeClr val="accent1"/>
+          </a:effectRef>
+          <a:fontRef idx="minor">
+            <a:schemeClr val="lt1"/>
+          </a:fontRef>
+        </p:style>
+        <p:txBody>
+          <a:bodyPr rot="0" spcFirstLastPara="0" vert="horz" wrap="square" lIns="91440" tIns="45720" rIns="91440" bIns="45720" numCol="1" spcCol="0" rtlCol="1" fromWordArt="0" anchor="ctr" anchorCtr="0" forceAA="0" compatLnSpc="1">
+            <a:prstTxWarp prst="textNoShape">
+              <a:avLst/>
+            </a:prstTxWarp>
+            <a:noAutofit/>
+          </a:bodyPr>
+          <a:lstStyle/>
+          <a:p>
+            <a:endParaRPr lang="en-US"/>
+          </a:p>
+        </p:txBody>
+      </p:sp>
+      <p:sp>
+        <p:nvSpPr>
+          <p:cNvPr id="16" name="Oval 15"/>
+          <p:cNvSpPr/>
+          <p:nvPr/>
+        </p:nvSpPr>
+        <p:spPr>
+          <a:xfrm>
+            <a:off x="10991617" y="1672661"/>
+            <a:ext cx="278451" cy="315673"/>
+          </a:xfrm>
+          <a:prstGeom prst="ellipse">
+            <a:avLst/>
+          </a:prstGeom>
+          <a:solidFill>
+            <a:schemeClr val="accent6"/>
+          </a:solidFill>
+          <a:scene3d>
+            <a:camera prst="orthographicFront"/>
+            <a:lightRig rig="threePt" dir="t"/>
+          </a:scene3d>
+          <a:sp3d extrusionH="107950" contourW="12700" prstMaterial="dkEdge">
+            <a:bevelT w="107950" h="107950"/>
+            <a:bevelB w="107950" h="107950"/>
+          </a:sp3d>
+        </p:spPr>
+        <p:style>
+          <a:lnRef idx="2">
+            <a:schemeClr val="accent1">
+              <a:shade val="50000"/>
+            </a:schemeClr>
+          </a:lnRef>
+          <a:fillRef idx="1">
+            <a:schemeClr val="accent1"/>
+          </a:fillRef>
+          <a:effectRef idx="0">
+            <a:schemeClr val="accent1"/>
+          </a:effectRef>
+          <a:fontRef idx="minor">
+            <a:schemeClr val="lt1"/>
+          </a:fontRef>
+        </p:style>
+        <p:txBody>
+          <a:bodyPr rot="0" spcFirstLastPara="0" vert="horz" wrap="square" lIns="91440" tIns="45720" rIns="91440" bIns="45720" numCol="1" spcCol="0" rtlCol="1" fromWordArt="0" anchor="ctr" anchorCtr="0" forceAA="0" compatLnSpc="1">
+            <a:prstTxWarp prst="textNoShape">
+              <a:avLst/>
+            </a:prstTxWarp>
+            <a:noAutofit/>
+          </a:bodyPr>
+          <a:lstStyle/>
+          <a:p>
+            <a:endParaRPr lang="en-US"/>
+          </a:p>
+        </p:txBody>
+      </p:sp>
+      <p:sp>
+        <p:nvSpPr>
+          <p:cNvPr id="17" name="Oval 16"/>
+          <p:cNvSpPr/>
+          <p:nvPr/>
+        </p:nvSpPr>
+        <p:spPr>
+          <a:xfrm>
+            <a:off x="8393475" y="2559971"/>
+            <a:ext cx="278451" cy="315673"/>
+          </a:xfrm>
+          <a:prstGeom prst="ellipse">
+            <a:avLst/>
+          </a:prstGeom>
+          <a:solidFill>
+            <a:schemeClr val="accent6"/>
+          </a:solidFill>
+          <a:scene3d>
+            <a:camera prst="orthographicFront"/>
+            <a:lightRig rig="threePt" dir="t"/>
+          </a:scene3d>
+          <a:sp3d extrusionH="107950" contourW="12700" prstMaterial="dkEdge">
+            <a:bevelT w="107950" h="107950"/>
+            <a:bevelB w="107950" h="107950"/>
+          </a:sp3d>
+        </p:spPr>
+        <p:style>
+          <a:lnRef idx="2">
+            <a:schemeClr val="accent1">
+              <a:shade val="50000"/>
+            </a:schemeClr>
+          </a:lnRef>
+          <a:fillRef idx="1">
+            <a:schemeClr val="accent1"/>
+          </a:fillRef>
+          <a:effectRef idx="0">
+            <a:schemeClr val="accent1"/>
+          </a:effectRef>
+          <a:fontRef idx="minor">
+            <a:schemeClr val="lt1"/>
+          </a:fontRef>
+        </p:style>
+        <p:txBody>
+          <a:bodyPr rot="0" spcFirstLastPara="0" vert="horz" wrap="square" lIns="91440" tIns="45720" rIns="91440" bIns="45720" numCol="1" spcCol="0" rtlCol="1" fromWordArt="0" anchor="ctr" anchorCtr="0" forceAA="0" compatLnSpc="1">
+            <a:prstTxWarp prst="textNoShape">
+              <a:avLst/>
+            </a:prstTxWarp>
+            <a:noAutofit/>
+          </a:bodyPr>
+          <a:lstStyle/>
+          <a:p>
+            <a:endParaRPr lang="en-US"/>
+          </a:p>
+        </p:txBody>
+      </p:sp>
+      <p:sp>
+        <p:nvSpPr>
+          <p:cNvPr id="18" name="Oval 17"/>
+          <p:cNvSpPr/>
+          <p:nvPr/>
+        </p:nvSpPr>
+        <p:spPr>
+          <a:xfrm>
+            <a:off x="8527058" y="2997616"/>
+            <a:ext cx="278451" cy="315673"/>
+          </a:xfrm>
+          <a:prstGeom prst="ellipse">
+            <a:avLst/>
+          </a:prstGeom>
+          <a:solidFill>
+            <a:schemeClr val="accent6"/>
+          </a:solidFill>
+          <a:scene3d>
+            <a:camera prst="orthographicFront"/>
+            <a:lightRig rig="threePt" dir="t"/>
+          </a:scene3d>
+          <a:sp3d extrusionH="107950" contourW="12700" prstMaterial="dkEdge">
+            <a:bevelT w="107950" h="107950"/>
+            <a:bevelB w="107950" h="107950"/>
+          </a:sp3d>
+        </p:spPr>
+        <p:style>
+          <a:lnRef idx="2">
+            <a:schemeClr val="accent1">
+              <a:shade val="50000"/>
+            </a:schemeClr>
+          </a:lnRef>
+          <a:fillRef idx="1">
+            <a:schemeClr val="accent1"/>
+          </a:fillRef>
+          <a:effectRef idx="0">
+            <a:schemeClr val="accent1"/>
+          </a:effectRef>
+          <a:fontRef idx="minor">
+            <a:schemeClr val="lt1"/>
+          </a:fontRef>
+        </p:style>
+        <p:txBody>
+          <a:bodyPr rot="0" spcFirstLastPara="0" vert="horz" wrap="square" lIns="91440" tIns="45720" rIns="91440" bIns="45720" numCol="1" spcCol="0" rtlCol="1" fromWordArt="0" anchor="ctr" anchorCtr="0" forceAA="0" compatLnSpc="1">
+            <a:prstTxWarp prst="textNoShape">
+              <a:avLst/>
+            </a:prstTxWarp>
+            <a:noAutofit/>
+          </a:bodyPr>
+          <a:lstStyle/>
+          <a:p>
+            <a:endParaRPr lang="en-US"/>
+          </a:p>
+        </p:txBody>
+      </p:sp>
+      <p:sp>
+        <p:nvSpPr>
+          <p:cNvPr id="19" name="Oval 18"/>
+          <p:cNvSpPr/>
+          <p:nvPr/>
+        </p:nvSpPr>
+        <p:spPr>
+          <a:xfrm>
+            <a:off x="8692769" y="3531984"/>
+            <a:ext cx="278451" cy="315673"/>
+          </a:xfrm>
+          <a:prstGeom prst="ellipse">
+            <a:avLst/>
+          </a:prstGeom>
+          <a:solidFill>
+            <a:schemeClr val="accent6"/>
+          </a:solidFill>
+          <a:scene3d>
+            <a:camera prst="orthographicFront"/>
+            <a:lightRig rig="threePt" dir="t"/>
+          </a:scene3d>
+          <a:sp3d extrusionH="107950" contourW="12700" prstMaterial="dkEdge">
+            <a:bevelT w="107950" h="107950"/>
+            <a:bevelB w="107950" h="107950"/>
+          </a:sp3d>
+        </p:spPr>
+        <p:style>
+          <a:lnRef idx="2">
+            <a:schemeClr val="accent1">
+              <a:shade val="50000"/>
+            </a:schemeClr>
+          </a:lnRef>
+          <a:fillRef idx="1">
+            <a:schemeClr val="accent1"/>
+          </a:fillRef>
+          <a:effectRef idx="0">
+            <a:schemeClr val="accent1"/>
+          </a:effectRef>
+          <a:fontRef idx="minor">
+            <a:schemeClr val="lt1"/>
+          </a:fontRef>
+        </p:style>
+        <p:txBody>
+          <a:bodyPr rot="0" spcFirstLastPara="0" vert="horz" wrap="square" lIns="91440" tIns="45720" rIns="91440" bIns="45720" numCol="1" spcCol="0" rtlCol="1" fromWordArt="0" anchor="ctr" anchorCtr="0" forceAA="0" compatLnSpc="1">
+            <a:prstTxWarp prst="textNoShape">
+              <a:avLst/>
+            </a:prstTxWarp>
+            <a:noAutofit/>
+          </a:bodyPr>
+          <a:lstStyle/>
+          <a:p>
+            <a:endParaRPr lang="en-US"/>
+          </a:p>
+        </p:txBody>
+      </p:sp>
+      <p:sp>
+        <p:nvSpPr>
+          <p:cNvPr id="20" name="Oval 19"/>
+          <p:cNvSpPr/>
+          <p:nvPr/>
+        </p:nvSpPr>
+        <p:spPr>
+          <a:xfrm>
+            <a:off x="8888340" y="3003644"/>
+            <a:ext cx="278451" cy="315673"/>
+          </a:xfrm>
+          <a:prstGeom prst="ellipse">
+            <a:avLst/>
+          </a:prstGeom>
+          <a:solidFill>
+            <a:schemeClr val="accent6"/>
+          </a:solidFill>
+          <a:scene3d>
+            <a:camera prst="orthographicFront"/>
+            <a:lightRig rig="threePt" dir="t"/>
+          </a:scene3d>
+          <a:sp3d extrusionH="107950" contourW="12700" prstMaterial="dkEdge">
+            <a:bevelT w="107950" h="107950"/>
+            <a:bevelB w="107950" h="107950"/>
+          </a:sp3d>
+        </p:spPr>
+        <p:style>
+          <a:lnRef idx="2">
+            <a:schemeClr val="accent1">
+              <a:shade val="50000"/>
+            </a:schemeClr>
+          </a:lnRef>
+          <a:fillRef idx="1">
+            <a:schemeClr val="accent1"/>
+          </a:fillRef>
+          <a:effectRef idx="0">
+            <a:schemeClr val="accent1"/>
+          </a:effectRef>
+          <a:fontRef idx="minor">
+            <a:schemeClr val="lt1"/>
+          </a:fontRef>
+        </p:style>
+        <p:txBody>
+          <a:bodyPr rot="0" spcFirstLastPara="0" vert="horz" wrap="square" lIns="91440" tIns="45720" rIns="91440" bIns="45720" numCol="1" spcCol="0" rtlCol="1" fromWordArt="0" anchor="ctr" anchorCtr="0" forceAA="0" compatLnSpc="1">
+            <a:prstTxWarp prst="textNoShape">
+              <a:avLst/>
+            </a:prstTxWarp>
+            <a:noAutofit/>
+          </a:bodyPr>
+          <a:lstStyle/>
+          <a:p>
+            <a:endParaRPr lang="en-US"/>
+          </a:p>
+        </p:txBody>
+      </p:sp>
+      <p:sp>
+        <p:nvSpPr>
+          <p:cNvPr id="21" name="Oval 20"/>
+          <p:cNvSpPr/>
+          <p:nvPr/>
+        </p:nvSpPr>
+        <p:spPr>
+          <a:xfrm>
+            <a:off x="8947522" y="2559972"/>
+            <a:ext cx="278451" cy="315673"/>
+          </a:xfrm>
+          <a:prstGeom prst="ellipse">
+            <a:avLst/>
+          </a:prstGeom>
+          <a:solidFill>
+            <a:schemeClr val="accent6"/>
+          </a:solidFill>
+          <a:scene3d>
+            <a:camera prst="orthographicFront"/>
+            <a:lightRig rig="threePt" dir="t"/>
+          </a:scene3d>
+          <a:sp3d extrusionH="107950" contourW="12700" prstMaterial="dkEdge">
+            <a:bevelT w="107950" h="107950"/>
+            <a:bevelB w="107950" h="107950"/>
+          </a:sp3d>
+        </p:spPr>
+        <p:style>
+          <a:lnRef idx="2">
+            <a:schemeClr val="accent1">
+              <a:shade val="50000"/>
+            </a:schemeClr>
+          </a:lnRef>
+          <a:fillRef idx="1">
+            <a:schemeClr val="accent1"/>
+          </a:fillRef>
+          <a:effectRef idx="0">
+            <a:schemeClr val="accent1"/>
+          </a:effectRef>
+          <a:fontRef idx="minor">
+            <a:schemeClr val="lt1"/>
+          </a:fontRef>
+        </p:style>
+        <p:txBody>
+          <a:bodyPr rot="0" spcFirstLastPara="0" vert="horz" wrap="square" lIns="91440" tIns="45720" rIns="91440" bIns="45720" numCol="1" spcCol="0" rtlCol="1" fromWordArt="0" anchor="ctr" anchorCtr="0" forceAA="0" compatLnSpc="1">
+            <a:prstTxWarp prst="textNoShape">
+              <a:avLst/>
+            </a:prstTxWarp>
+            <a:noAutofit/>
+          </a:bodyPr>
+          <a:lstStyle/>
+          <a:p>
+            <a:endParaRPr lang="en-US"/>
+          </a:p>
+        </p:txBody>
+      </p:sp>
+      <p:sp>
+        <p:nvSpPr>
+          <p:cNvPr id="22" name="Oval 21"/>
+          <p:cNvSpPr/>
+          <p:nvPr/>
+        </p:nvSpPr>
+        <p:spPr>
+          <a:xfrm>
+            <a:off x="9225973" y="2123831"/>
+            <a:ext cx="278451" cy="315673"/>
+          </a:xfrm>
+          <a:prstGeom prst="ellipse">
+            <a:avLst/>
+          </a:prstGeom>
+          <a:solidFill>
+            <a:schemeClr val="accent6"/>
+          </a:solidFill>
+          <a:scene3d>
+            <a:camera prst="orthographicFront"/>
+            <a:lightRig rig="threePt" dir="t"/>
+          </a:scene3d>
+          <a:sp3d extrusionH="107950" contourW="12700" prstMaterial="dkEdge">
+            <a:bevelT w="107950" h="107950"/>
+            <a:bevelB w="107950" h="107950"/>
+          </a:sp3d>
+        </p:spPr>
+        <p:style>
+          <a:lnRef idx="2">
+            <a:schemeClr val="accent1">
+              <a:shade val="50000"/>
+            </a:schemeClr>
+          </a:lnRef>
+          <a:fillRef idx="1">
+            <a:schemeClr val="accent1"/>
+          </a:fillRef>
+          <a:effectRef idx="0">
+            <a:schemeClr val="accent1"/>
+          </a:effectRef>
+          <a:fontRef idx="minor">
+            <a:schemeClr val="lt1"/>
+          </a:fontRef>
+        </p:style>
+        <p:txBody>
+          <a:bodyPr rot="0" spcFirstLastPara="0" vert="horz" wrap="square" lIns="91440" tIns="45720" rIns="91440" bIns="45720" numCol="1" spcCol="0" rtlCol="1" fromWordArt="0" anchor="ctr" anchorCtr="0" forceAA="0" compatLnSpc="1">
+            <a:prstTxWarp prst="textNoShape">
+              <a:avLst/>
+            </a:prstTxWarp>
+            <a:noAutofit/>
+          </a:bodyPr>
+          <a:lstStyle/>
+          <a:p>
+            <a:endParaRPr lang="en-US"/>
+          </a:p>
+        </p:txBody>
+      </p:sp>
+      <p:sp>
+        <p:nvSpPr>
+          <p:cNvPr id="23" name="Oval 22"/>
+          <p:cNvSpPr/>
+          <p:nvPr/>
+        </p:nvSpPr>
+        <p:spPr>
+          <a:xfrm>
+            <a:off x="6681603" y="1386594"/>
+            <a:ext cx="278451" cy="315673"/>
+          </a:xfrm>
+          <a:prstGeom prst="ellipse">
+            <a:avLst/>
+          </a:prstGeom>
+          <a:solidFill>
+            <a:schemeClr val="accent6"/>
+          </a:solidFill>
+          <a:scene3d>
+            <a:camera prst="orthographicFront"/>
+            <a:lightRig rig="threePt" dir="t"/>
+          </a:scene3d>
+          <a:sp3d extrusionH="107950" contourW="12700" prstMaterial="dkEdge">
+            <a:bevelT w="107950" h="107950"/>
+            <a:bevelB w="107950" h="107950"/>
+          </a:sp3d>
+        </p:spPr>
+        <p:style>
+          <a:lnRef idx="2">
+            <a:schemeClr val="accent1">
+              <a:shade val="50000"/>
+            </a:schemeClr>
+          </a:lnRef>
+          <a:fillRef idx="1">
+            <a:schemeClr val="accent1"/>
+          </a:fillRef>
+          <a:effectRef idx="0">
+            <a:schemeClr val="accent1"/>
+          </a:effectRef>
+          <a:fontRef idx="minor">
+            <a:schemeClr val="lt1"/>
+          </a:fontRef>
+        </p:style>
+        <p:txBody>
+          <a:bodyPr rot="0" spcFirstLastPara="0" vert="horz" wrap="square" lIns="91440" tIns="45720" rIns="91440" bIns="45720" numCol="1" spcCol="0" rtlCol="1" fromWordArt="0" anchor="ctr" anchorCtr="0" forceAA="0" compatLnSpc="1">
+            <a:prstTxWarp prst="textNoShape">
+              <a:avLst/>
+            </a:prstTxWarp>
+            <a:noAutofit/>
+          </a:bodyPr>
+          <a:lstStyle/>
+          <a:p>
+            <a:endParaRPr lang="en-US"/>
+          </a:p>
+        </p:txBody>
+      </p:sp>
+      <p:sp>
+        <p:nvSpPr>
+          <p:cNvPr id="24" name="Oval 23"/>
+          <p:cNvSpPr/>
+          <p:nvPr/>
+        </p:nvSpPr>
+        <p:spPr>
+          <a:xfrm>
+            <a:off x="6771460" y="957637"/>
+            <a:ext cx="278451" cy="315673"/>
+          </a:xfrm>
+          <a:prstGeom prst="ellipse">
+            <a:avLst/>
+          </a:prstGeom>
+          <a:solidFill>
+            <a:schemeClr val="accent6"/>
+          </a:solidFill>
+          <a:scene3d>
+            <a:camera prst="orthographicFront"/>
+            <a:lightRig rig="threePt" dir="t"/>
+          </a:scene3d>
+          <a:sp3d extrusionH="107950" contourW="12700" prstMaterial="dkEdge">
+            <a:bevelT w="107950" h="107950"/>
+            <a:bevelB w="107950" h="107950"/>
+          </a:sp3d>
+        </p:spPr>
+        <p:style>
+          <a:lnRef idx="2">
+            <a:schemeClr val="accent1">
+              <a:shade val="50000"/>
+            </a:schemeClr>
+          </a:lnRef>
+          <a:fillRef idx="1">
+            <a:schemeClr val="accent1"/>
+          </a:fillRef>
+          <a:effectRef idx="0">
+            <a:schemeClr val="accent1"/>
+          </a:effectRef>
+          <a:fontRef idx="minor">
+            <a:schemeClr val="lt1"/>
+          </a:fontRef>
+        </p:style>
+        <p:txBody>
+          <a:bodyPr rot="0" spcFirstLastPara="0" vert="horz" wrap="square" lIns="91440" tIns="45720" rIns="91440" bIns="45720" numCol="1" spcCol="0" rtlCol="1" fromWordArt="0" anchor="ctr" anchorCtr="0" forceAA="0" compatLnSpc="1">
+            <a:prstTxWarp prst="textNoShape">
+              <a:avLst/>
+            </a:prstTxWarp>
+            <a:noAutofit/>
+          </a:bodyPr>
+          <a:lstStyle/>
+          <a:p>
+            <a:endParaRPr lang="en-US"/>
+          </a:p>
+        </p:txBody>
+      </p:sp>
+      <p:sp>
+        <p:nvSpPr>
+          <p:cNvPr id="25" name="Oval 24"/>
+          <p:cNvSpPr/>
+          <p:nvPr/>
+        </p:nvSpPr>
+        <p:spPr>
+          <a:xfrm>
+            <a:off x="7082846" y="508208"/>
+            <a:ext cx="278451" cy="315673"/>
+          </a:xfrm>
+          <a:prstGeom prst="ellipse">
+            <a:avLst/>
+          </a:prstGeom>
+          <a:solidFill>
+            <a:schemeClr val="accent6"/>
+          </a:solidFill>
+          <a:scene3d>
+            <a:camera prst="orthographicFront"/>
+            <a:lightRig rig="threePt" dir="t"/>
+          </a:scene3d>
+          <a:sp3d extrusionH="107950" contourW="12700" prstMaterial="dkEdge">
+            <a:bevelT w="107950" h="107950"/>
+            <a:bevelB w="107950" h="107950"/>
+          </a:sp3d>
+        </p:spPr>
+        <p:style>
+          <a:lnRef idx="2">
+            <a:schemeClr val="accent1">
+              <a:shade val="50000"/>
+            </a:schemeClr>
+          </a:lnRef>
+          <a:fillRef idx="1">
+            <a:schemeClr val="accent1"/>
+          </a:fillRef>
+          <a:effectRef idx="0">
+            <a:schemeClr val="accent1"/>
+          </a:effectRef>
+          <a:fontRef idx="minor">
+            <a:schemeClr val="lt1"/>
+          </a:fontRef>
+        </p:style>
+        <p:txBody>
+          <a:bodyPr rot="0" spcFirstLastPara="0" vert="horz" wrap="square" lIns="91440" tIns="45720" rIns="91440" bIns="45720" numCol="1" spcCol="0" rtlCol="1" fromWordArt="0" anchor="ctr" anchorCtr="0" forceAA="0" compatLnSpc="1">
+            <a:prstTxWarp prst="textNoShape">
+              <a:avLst/>
+            </a:prstTxWarp>
+            <a:noAutofit/>
+          </a:bodyPr>
+          <a:lstStyle/>
+          <a:p>
+            <a:endParaRPr lang="en-US"/>
+          </a:p>
+        </p:txBody>
+      </p:sp>
+      <p:sp>
+        <p:nvSpPr>
+          <p:cNvPr id="26" name="Oval 25"/>
+          <p:cNvSpPr/>
+          <p:nvPr/>
+        </p:nvSpPr>
+        <p:spPr>
+          <a:xfrm>
+            <a:off x="7672684" y="666045"/>
+            <a:ext cx="278451" cy="315673"/>
+          </a:xfrm>
+          <a:prstGeom prst="ellipse">
+            <a:avLst/>
+          </a:prstGeom>
+          <a:solidFill>
+            <a:schemeClr val="accent6"/>
+          </a:solidFill>
+          <a:scene3d>
+            <a:camera prst="orthographicFront"/>
+            <a:lightRig rig="threePt" dir="t"/>
+          </a:scene3d>
+          <a:sp3d extrusionH="107950" contourW="12700" prstMaterial="dkEdge">
+            <a:bevelT w="107950" h="107950"/>
+            <a:bevelB w="107950" h="107950"/>
+          </a:sp3d>
+        </p:spPr>
+        <p:style>
+          <a:lnRef idx="2">
+            <a:schemeClr val="accent1">
+              <a:shade val="50000"/>
+            </a:schemeClr>
+          </a:lnRef>
+          <a:fillRef idx="1">
+            <a:schemeClr val="accent1"/>
+          </a:fillRef>
+          <a:effectRef idx="0">
+            <a:schemeClr val="accent1"/>
+          </a:effectRef>
+          <a:fontRef idx="minor">
+            <a:schemeClr val="lt1"/>
+          </a:fontRef>
+        </p:style>
+        <p:txBody>
+          <a:bodyPr rot="0" spcFirstLastPara="0" vert="horz" wrap="square" lIns="91440" tIns="45720" rIns="91440" bIns="45720" numCol="1" spcCol="0" rtlCol="1" fromWordArt="0" anchor="ctr" anchorCtr="0" forceAA="0" compatLnSpc="1">
+            <a:prstTxWarp prst="textNoShape">
+              <a:avLst/>
+            </a:prstTxWarp>
+            <a:noAutofit/>
+          </a:bodyPr>
+          <a:lstStyle/>
+          <a:p>
+            <a:endParaRPr lang="en-US"/>
+          </a:p>
+        </p:txBody>
+      </p:sp>
+      <p:sp>
+        <p:nvSpPr>
+          <p:cNvPr id="27" name="Oval 26"/>
+          <p:cNvSpPr/>
+          <p:nvPr/>
+        </p:nvSpPr>
+        <p:spPr>
+          <a:xfrm>
+            <a:off x="8040234" y="1061115"/>
+            <a:ext cx="278451" cy="315673"/>
+          </a:xfrm>
+          <a:prstGeom prst="ellipse">
+            <a:avLst/>
+          </a:prstGeom>
+          <a:solidFill>
+            <a:schemeClr val="accent6"/>
+          </a:solidFill>
+          <a:scene3d>
+            <a:camera prst="orthographicFront"/>
+            <a:lightRig rig="threePt" dir="t"/>
+          </a:scene3d>
+          <a:sp3d extrusionH="107950" contourW="12700" prstMaterial="dkEdge">
+            <a:bevelT w="107950" h="107950"/>
+            <a:bevelB w="107950" h="107950"/>
+          </a:sp3d>
+        </p:spPr>
+        <p:style>
+          <a:lnRef idx="2">
+            <a:schemeClr val="accent1">
+              <a:shade val="50000"/>
+            </a:schemeClr>
+          </a:lnRef>
+          <a:fillRef idx="1">
+            <a:schemeClr val="accent1"/>
+          </a:fillRef>
+          <a:effectRef idx="0">
+            <a:schemeClr val="accent1"/>
+          </a:effectRef>
+          <a:fontRef idx="minor">
+            <a:schemeClr val="lt1"/>
+          </a:fontRef>
+        </p:style>
+        <p:txBody>
+          <a:bodyPr rot="0" spcFirstLastPara="0" vert="horz" wrap="square" lIns="91440" tIns="45720" rIns="91440" bIns="45720" numCol="1" spcCol="0" rtlCol="1" fromWordArt="0" anchor="ctr" anchorCtr="0" forceAA="0" compatLnSpc="1">
+            <a:prstTxWarp prst="textNoShape">
+              <a:avLst/>
+            </a:prstTxWarp>
+            <a:noAutofit/>
+          </a:bodyPr>
+          <a:lstStyle/>
+          <a:p>
+            <a:endParaRPr lang="en-US"/>
+          </a:p>
+        </p:txBody>
+      </p:sp>
+      <p:sp>
+        <p:nvSpPr>
+          <p:cNvPr id="28" name="Oval 27"/>
+          <p:cNvSpPr/>
+          <p:nvPr/>
+        </p:nvSpPr>
+        <p:spPr>
+          <a:xfrm>
+            <a:off x="8298719" y="1563386"/>
+            <a:ext cx="278451" cy="315673"/>
+          </a:xfrm>
+          <a:prstGeom prst="ellipse">
+            <a:avLst/>
+          </a:prstGeom>
+          <a:solidFill>
+            <a:schemeClr val="accent6"/>
+          </a:solidFill>
+          <a:scene3d>
+            <a:camera prst="orthographicFront"/>
+            <a:lightRig rig="threePt" dir="t"/>
+          </a:scene3d>
+          <a:sp3d extrusionH="107950" contourW="12700" prstMaterial="dkEdge">
+            <a:bevelT w="107950" h="107950"/>
+            <a:bevelB w="107950" h="107950"/>
+          </a:sp3d>
+        </p:spPr>
+        <p:style>
+          <a:lnRef idx="2">
+            <a:schemeClr val="accent1">
+              <a:shade val="50000"/>
+            </a:schemeClr>
+          </a:lnRef>
+          <a:fillRef idx="1">
+            <a:schemeClr val="accent1"/>
+          </a:fillRef>
+          <a:effectRef idx="0">
+            <a:schemeClr val="accent1"/>
+          </a:effectRef>
+          <a:fontRef idx="minor">
+            <a:schemeClr val="lt1"/>
+          </a:fontRef>
+        </p:style>
+        <p:txBody>
+          <a:bodyPr rot="0" spcFirstLastPara="0" vert="horz" wrap="square" lIns="91440" tIns="45720" rIns="91440" bIns="45720" numCol="1" spcCol="0" rtlCol="1" fromWordArt="0" anchor="ctr" anchorCtr="0" forceAA="0" compatLnSpc="1">
+            <a:prstTxWarp prst="textNoShape">
+              <a:avLst/>
+            </a:prstTxWarp>
+            <a:noAutofit/>
+          </a:bodyPr>
+          <a:lstStyle/>
+          <a:p>
+            <a:endParaRPr lang="en-US"/>
+          </a:p>
+        </p:txBody>
+      </p:sp>
+      <p:sp>
+        <p:nvSpPr>
+          <p:cNvPr id="29" name="Oval 28"/>
+          <p:cNvSpPr/>
+          <p:nvPr/>
+        </p:nvSpPr>
+        <p:spPr>
+          <a:xfrm>
+            <a:off x="8326217" y="2099015"/>
+            <a:ext cx="278451" cy="315673"/>
+          </a:xfrm>
+          <a:prstGeom prst="ellipse">
+            <a:avLst/>
+          </a:prstGeom>
+          <a:solidFill>
+            <a:schemeClr val="accent6"/>
+          </a:solidFill>
+          <a:scene3d>
+            <a:camera prst="orthographicFront"/>
+            <a:lightRig rig="threePt" dir="t"/>
+          </a:scene3d>
+          <a:sp3d extrusionH="107950" contourW="12700" prstMaterial="dkEdge">
+            <a:bevelT w="107950" h="107950"/>
+            <a:bevelB w="107950" h="107950"/>
+          </a:sp3d>
+        </p:spPr>
+        <p:style>
+          <a:lnRef idx="2">
+            <a:schemeClr val="accent1">
+              <a:shade val="50000"/>
+            </a:schemeClr>
+          </a:lnRef>
+          <a:fillRef idx="1">
+            <a:schemeClr val="accent1"/>
+          </a:fillRef>
+          <a:effectRef idx="0">
+            <a:schemeClr val="accent1"/>
+          </a:effectRef>
+          <a:fontRef idx="minor">
+            <a:schemeClr val="lt1"/>
+          </a:fontRef>
+        </p:style>
+        <p:txBody>
+          <a:bodyPr rot="0" spcFirstLastPara="0" vert="horz" wrap="square" lIns="91440" tIns="45720" rIns="91440" bIns="45720" numCol="1" spcCol="0" rtlCol="1" fromWordArt="0" anchor="ctr" anchorCtr="0" forceAA="0" compatLnSpc="1">
+            <a:prstTxWarp prst="textNoShape">
+              <a:avLst/>
+            </a:prstTxWarp>
+            <a:noAutofit/>
+          </a:bodyPr>
+          <a:lstStyle/>
+          <a:p>
+            <a:endParaRPr lang="en-US"/>
+          </a:p>
+        </p:txBody>
+      </p:sp>
+      <p:sp>
+        <p:nvSpPr>
+          <p:cNvPr id="30" name="Oval 29"/>
+          <p:cNvSpPr/>
+          <p:nvPr/>
+        </p:nvSpPr>
+        <p:spPr>
+          <a:xfrm>
+            <a:off x="7739103" y="2754776"/>
+            <a:ext cx="278451" cy="315673"/>
+          </a:xfrm>
+          <a:prstGeom prst="ellipse">
+            <a:avLst/>
+          </a:prstGeom>
+          <a:solidFill>
+            <a:schemeClr val="accent6"/>
+          </a:solidFill>
+          <a:scene3d>
+            <a:camera prst="orthographicFront"/>
+            <a:lightRig rig="threePt" dir="t"/>
+          </a:scene3d>
+          <a:sp3d extrusionH="107950" contourW="12700" prstMaterial="dkEdge">
+            <a:bevelT w="107950" h="107950"/>
+            <a:bevelB w="107950" h="107950"/>
+          </a:sp3d>
+        </p:spPr>
+        <p:style>
+          <a:lnRef idx="2">
+            <a:schemeClr val="accent1">
+              <a:shade val="50000"/>
+            </a:schemeClr>
+          </a:lnRef>
+          <a:fillRef idx="1">
+            <a:schemeClr val="accent1"/>
+          </a:fillRef>
+          <a:effectRef idx="0">
+            <a:schemeClr val="accent1"/>
+          </a:effectRef>
+          <a:fontRef idx="minor">
+            <a:schemeClr val="lt1"/>
+          </a:fontRef>
+        </p:style>
+        <p:txBody>
+          <a:bodyPr rot="0" spcFirstLastPara="0" vert="horz" wrap="square" lIns="91440" tIns="45720" rIns="91440" bIns="45720" numCol="1" spcCol="0" rtlCol="1" fromWordArt="0" anchor="ctr" anchorCtr="0" forceAA="0" compatLnSpc="1">
+            <a:prstTxWarp prst="textNoShape">
+              <a:avLst/>
+            </a:prstTxWarp>
+            <a:noAutofit/>
+          </a:bodyPr>
+          <a:lstStyle/>
+          <a:p>
+            <a:endParaRPr lang="en-US"/>
+          </a:p>
+        </p:txBody>
+      </p:sp>
+      <p:sp>
+        <p:nvSpPr>
+          <p:cNvPr id="31" name="Oval 30"/>
+          <p:cNvSpPr/>
+          <p:nvPr/>
+        </p:nvSpPr>
+        <p:spPr>
+          <a:xfrm>
+            <a:off x="7363182" y="2429610"/>
+            <a:ext cx="278451" cy="315673"/>
+          </a:xfrm>
+          <a:prstGeom prst="ellipse">
+            <a:avLst/>
+          </a:prstGeom>
+          <a:solidFill>
+            <a:schemeClr val="accent6"/>
+          </a:solidFill>
+          <a:scene3d>
+            <a:camera prst="orthographicFront"/>
+            <a:lightRig rig="threePt" dir="t"/>
+          </a:scene3d>
+          <a:sp3d extrusionH="107950" contourW="12700" prstMaterial="dkEdge">
+            <a:bevelT w="107950" h="107950"/>
+            <a:bevelB w="107950" h="107950"/>
+          </a:sp3d>
+        </p:spPr>
+        <p:style>
+          <a:lnRef idx="2">
+            <a:schemeClr val="accent1">
+              <a:shade val="50000"/>
+            </a:schemeClr>
+          </a:lnRef>
+          <a:fillRef idx="1">
+            <a:schemeClr val="accent1"/>
+          </a:fillRef>
+          <a:effectRef idx="0">
+            <a:schemeClr val="accent1"/>
+          </a:effectRef>
+          <a:fontRef idx="minor">
+            <a:schemeClr val="lt1"/>
+          </a:fontRef>
+        </p:style>
+        <p:txBody>
+          <a:bodyPr rot="0" spcFirstLastPara="0" vert="horz" wrap="square" lIns="91440" tIns="45720" rIns="91440" bIns="45720" numCol="1" spcCol="0" rtlCol="1" fromWordArt="0" anchor="ctr" anchorCtr="0" forceAA="0" compatLnSpc="1">
+            <a:prstTxWarp prst="textNoShape">
+              <a:avLst/>
+            </a:prstTxWarp>
+            <a:noAutofit/>
+          </a:bodyPr>
+          <a:lstStyle/>
+          <a:p>
+            <a:endParaRPr lang="en-US"/>
+          </a:p>
+        </p:txBody>
+      </p:sp>
+      <p:sp>
+        <p:nvSpPr>
+          <p:cNvPr id="32" name="Oval 31"/>
+          <p:cNvSpPr/>
+          <p:nvPr/>
+        </p:nvSpPr>
+        <p:spPr>
+          <a:xfrm>
+            <a:off x="6910685" y="2244298"/>
+            <a:ext cx="278451" cy="315673"/>
+          </a:xfrm>
+          <a:prstGeom prst="ellipse">
+            <a:avLst/>
+          </a:prstGeom>
+          <a:solidFill>
+            <a:schemeClr val="accent6"/>
+          </a:solidFill>
+          <a:scene3d>
+            <a:camera prst="orthographicFront"/>
+            <a:lightRig rig="threePt" dir="t"/>
+          </a:scene3d>
+          <a:sp3d extrusionH="107950" contourW="12700" prstMaterial="dkEdge">
+            <a:bevelT w="107950" h="107950"/>
+            <a:bevelB w="107950" h="107950"/>
+          </a:sp3d>
+        </p:spPr>
+        <p:style>
+          <a:lnRef idx="2">
+            <a:schemeClr val="accent1">
+              <a:shade val="50000"/>
+            </a:schemeClr>
+          </a:lnRef>
+          <a:fillRef idx="1">
+            <a:schemeClr val="accent1"/>
+          </a:fillRef>
+          <a:effectRef idx="0">
+            <a:schemeClr val="accent1"/>
+          </a:effectRef>
+          <a:fontRef idx="minor">
+            <a:schemeClr val="lt1"/>
+          </a:fontRef>
+        </p:style>
+        <p:txBody>
+          <a:bodyPr rot="0" spcFirstLastPara="0" vert="horz" wrap="square" lIns="91440" tIns="45720" rIns="91440" bIns="45720" numCol="1" spcCol="0" rtlCol="1" fromWordArt="0" anchor="ctr" anchorCtr="0" forceAA="0" compatLnSpc="1">
+            <a:prstTxWarp prst="textNoShape">
+              <a:avLst/>
+            </a:prstTxWarp>
+            <a:noAutofit/>
+          </a:bodyPr>
+          <a:lstStyle/>
+          <a:p>
+            <a:endParaRPr lang="en-US"/>
+          </a:p>
+        </p:txBody>
+      </p:sp>
+      <p:sp>
+        <p:nvSpPr>
+          <p:cNvPr id="33" name="Oval 32"/>
+          <p:cNvSpPr/>
+          <p:nvPr/>
+        </p:nvSpPr>
+        <p:spPr>
+          <a:xfrm>
+            <a:off x="6649556" y="1815551"/>
+            <a:ext cx="278451" cy="315673"/>
+          </a:xfrm>
+          <a:prstGeom prst="ellipse">
+            <a:avLst/>
+          </a:prstGeom>
+          <a:solidFill>
+            <a:schemeClr val="accent6"/>
+          </a:solidFill>
+          <a:scene3d>
+            <a:camera prst="orthographicFront"/>
+            <a:lightRig rig="threePt" dir="t"/>
+          </a:scene3d>
+          <a:sp3d extrusionH="107950" contourW="12700" prstMaterial="dkEdge">
+            <a:bevelT w="107950" h="107950"/>
+            <a:bevelB w="107950" h="107950"/>
+          </a:sp3d>
+        </p:spPr>
+        <p:style>
+          <a:lnRef idx="2">
+            <a:schemeClr val="accent1">
+              <a:shade val="50000"/>
+            </a:schemeClr>
+          </a:lnRef>
+          <a:fillRef idx="1">
+            <a:schemeClr val="accent1"/>
+          </a:fillRef>
+          <a:effectRef idx="0">
+            <a:schemeClr val="accent1"/>
+          </a:effectRef>
+          <a:fontRef idx="minor">
+            <a:schemeClr val="lt1"/>
+          </a:fontRef>
+        </p:style>
+        <p:txBody>
+          <a:bodyPr rot="0" spcFirstLastPara="0" vert="horz" wrap="square" lIns="91440" tIns="45720" rIns="91440" bIns="45720" numCol="1" spcCol="0" rtlCol="1" fromWordArt="0" anchor="ctr" anchorCtr="0" forceAA="0" compatLnSpc="1">
+            <a:prstTxWarp prst="textNoShape">
+              <a:avLst/>
+            </a:prstTxWarp>
+            <a:noAutofit/>
+          </a:bodyPr>
+          <a:lstStyle/>
+          <a:p>
+            <a:endParaRPr lang="en-US"/>
+          </a:p>
+        </p:txBody>
+      </p:sp>
+      <p:sp>
+        <p:nvSpPr>
+          <p:cNvPr id="34" name="Oval 33"/>
+          <p:cNvSpPr/>
+          <p:nvPr/>
+        </p:nvSpPr>
+        <p:spPr>
+          <a:xfrm>
+            <a:off x="7079992" y="3847656"/>
+            <a:ext cx="278451" cy="315673"/>
+          </a:xfrm>
+          <a:prstGeom prst="ellipse">
+            <a:avLst/>
+          </a:prstGeom>
+          <a:solidFill>
+            <a:schemeClr val="accent6"/>
+          </a:solidFill>
+          <a:scene3d>
+            <a:camera prst="orthographicFront"/>
+            <a:lightRig rig="threePt" dir="t"/>
+          </a:scene3d>
+          <a:sp3d extrusionH="107950" contourW="12700" prstMaterial="dkEdge">
+            <a:bevelT w="107950" h="107950"/>
+            <a:bevelB w="107950" h="107950"/>
+          </a:sp3d>
+        </p:spPr>
+        <p:style>
+          <a:lnRef idx="2">
+            <a:schemeClr val="accent1">
+              <a:shade val="50000"/>
+            </a:schemeClr>
+          </a:lnRef>
+          <a:fillRef idx="1">
+            <a:schemeClr val="accent1"/>
+          </a:fillRef>
+          <a:effectRef idx="0">
+            <a:schemeClr val="accent1"/>
+          </a:effectRef>
+          <a:fontRef idx="minor">
+            <a:schemeClr val="lt1"/>
+          </a:fontRef>
+        </p:style>
+        <p:txBody>
+          <a:bodyPr rot="0" spcFirstLastPara="0" vert="horz" wrap="square" lIns="91440" tIns="45720" rIns="91440" bIns="45720" numCol="1" spcCol="0" rtlCol="1" fromWordArt="0" anchor="ctr" anchorCtr="0" forceAA="0" compatLnSpc="1">
+            <a:prstTxWarp prst="textNoShape">
+              <a:avLst/>
+            </a:prstTxWarp>
+            <a:noAutofit/>
+          </a:bodyPr>
+          <a:lstStyle/>
+          <a:p>
+            <a:endParaRPr lang="en-US"/>
+          </a:p>
+        </p:txBody>
+      </p:sp>
+      <p:sp>
+        <p:nvSpPr>
+          <p:cNvPr id="35" name="Oval 34"/>
+          <p:cNvSpPr/>
+          <p:nvPr/>
+        </p:nvSpPr>
+        <p:spPr>
+          <a:xfrm>
+            <a:off x="7047825" y="3275016"/>
+            <a:ext cx="278451" cy="315673"/>
+          </a:xfrm>
+          <a:prstGeom prst="ellipse">
+            <a:avLst/>
+          </a:prstGeom>
+          <a:solidFill>
+            <a:schemeClr val="accent6"/>
+          </a:solidFill>
+          <a:scene3d>
+            <a:camera prst="orthographicFront"/>
+            <a:lightRig rig="threePt" dir="t"/>
+          </a:scene3d>
+          <a:sp3d extrusionH="107950" contourW="12700" prstMaterial="dkEdge">
+            <a:bevelT w="107950" h="107950"/>
+            <a:bevelB w="107950" h="107950"/>
+          </a:sp3d>
+        </p:spPr>
+        <p:style>
+          <a:lnRef idx="2">
+            <a:schemeClr val="accent1">
+              <a:shade val="50000"/>
+            </a:schemeClr>
+          </a:lnRef>
+          <a:fillRef idx="1">
+            <a:schemeClr val="accent1"/>
+          </a:fillRef>
+          <a:effectRef idx="0">
+            <a:schemeClr val="accent1"/>
+          </a:effectRef>
+          <a:fontRef idx="minor">
+            <a:schemeClr val="lt1"/>
+          </a:fontRef>
+        </p:style>
+        <p:txBody>
+          <a:bodyPr rot="0" spcFirstLastPara="0" vert="horz" wrap="square" lIns="91440" tIns="45720" rIns="91440" bIns="45720" numCol="1" spcCol="0" rtlCol="1" fromWordArt="0" anchor="ctr" anchorCtr="0" forceAA="0" compatLnSpc="1">
+            <a:prstTxWarp prst="textNoShape">
+              <a:avLst/>
+            </a:prstTxWarp>
+            <a:noAutofit/>
+          </a:bodyPr>
+          <a:lstStyle/>
+          <a:p>
+            <a:endParaRPr lang="en-US"/>
+          </a:p>
+        </p:txBody>
+      </p:sp>
+      <p:sp>
+        <p:nvSpPr>
+          <p:cNvPr id="36" name="Oval 35"/>
+          <p:cNvSpPr/>
+          <p:nvPr/>
+        </p:nvSpPr>
+        <p:spPr>
+          <a:xfrm>
+            <a:off x="7044167" y="2792052"/>
+            <a:ext cx="278451" cy="315673"/>
+          </a:xfrm>
+          <a:prstGeom prst="ellipse">
+            <a:avLst/>
+          </a:prstGeom>
+          <a:solidFill>
+            <a:schemeClr val="accent6"/>
+          </a:solidFill>
+          <a:scene3d>
+            <a:camera prst="orthographicFront"/>
+            <a:lightRig rig="threePt" dir="t"/>
+          </a:scene3d>
+          <a:sp3d extrusionH="107950" contourW="12700" prstMaterial="dkEdge">
+            <a:bevelT w="107950" h="107950"/>
+            <a:bevelB w="107950" h="107950"/>
+          </a:sp3d>
+        </p:spPr>
+        <p:style>
+          <a:lnRef idx="2">
+            <a:schemeClr val="accent1">
+              <a:shade val="50000"/>
+            </a:schemeClr>
+          </a:lnRef>
+          <a:fillRef idx="1">
+            <a:schemeClr val="accent1"/>
+          </a:fillRef>
+          <a:effectRef idx="0">
+            <a:schemeClr val="accent1"/>
+          </a:effectRef>
+          <a:fontRef idx="minor">
+            <a:schemeClr val="lt1"/>
+          </a:fontRef>
+        </p:style>
+        <p:txBody>
+          <a:bodyPr rot="0" spcFirstLastPara="0" vert="horz" wrap="square" lIns="91440" tIns="45720" rIns="91440" bIns="45720" numCol="1" spcCol="0" rtlCol="1" fromWordArt="0" anchor="ctr" anchorCtr="0" forceAA="0" compatLnSpc="1">
+            <a:prstTxWarp prst="textNoShape">
+              <a:avLst/>
+            </a:prstTxWarp>
+            <a:noAutofit/>
+          </a:bodyPr>
+          <a:lstStyle/>
+          <a:p>
+            <a:endParaRPr lang="en-US"/>
+          </a:p>
+        </p:txBody>
+      </p:sp>
+      <p:sp>
+        <p:nvSpPr>
+          <p:cNvPr id="37" name="Oval 36"/>
+          <p:cNvSpPr/>
+          <p:nvPr/>
+        </p:nvSpPr>
+        <p:spPr>
+          <a:xfrm>
+            <a:off x="6114199" y="2627019"/>
+            <a:ext cx="278451" cy="315673"/>
+          </a:xfrm>
+          <a:prstGeom prst="ellipse">
+            <a:avLst/>
+          </a:prstGeom>
+          <a:solidFill>
+            <a:schemeClr val="accent6"/>
+          </a:solidFill>
+          <a:scene3d>
+            <a:camera prst="orthographicFront"/>
+            <a:lightRig rig="threePt" dir="t"/>
+          </a:scene3d>
+          <a:sp3d extrusionH="107950" contourW="12700" prstMaterial="dkEdge">
+            <a:bevelT w="107950" h="107950"/>
+            <a:bevelB w="107950" h="107950"/>
+          </a:sp3d>
+        </p:spPr>
+        <p:style>
+          <a:lnRef idx="2">
+            <a:schemeClr val="accent1">
+              <a:shade val="50000"/>
+            </a:schemeClr>
+          </a:lnRef>
+          <a:fillRef idx="1">
+            <a:schemeClr val="accent1"/>
+          </a:fillRef>
+          <a:effectRef idx="0">
+            <a:schemeClr val="accent1"/>
+          </a:effectRef>
+          <a:fontRef idx="minor">
+            <a:schemeClr val="lt1"/>
+          </a:fontRef>
+        </p:style>
+        <p:txBody>
+          <a:bodyPr rot="0" spcFirstLastPara="0" vert="horz" wrap="square" lIns="91440" tIns="45720" rIns="91440" bIns="45720" numCol="1" spcCol="0" rtlCol="1" fromWordArt="0" anchor="ctr" anchorCtr="0" forceAA="0" compatLnSpc="1">
+            <a:prstTxWarp prst="textNoShape">
+              <a:avLst/>
+            </a:prstTxWarp>
+            <a:noAutofit/>
+          </a:bodyPr>
+          <a:lstStyle/>
+          <a:p>
+            <a:endParaRPr lang="en-US"/>
+          </a:p>
+        </p:txBody>
+      </p:sp>
+      <p:sp>
+        <p:nvSpPr>
+          <p:cNvPr id="38" name="Oval 37"/>
+          <p:cNvSpPr/>
+          <p:nvPr/>
+        </p:nvSpPr>
+        <p:spPr>
+          <a:xfrm>
+            <a:off x="6490120" y="2326363"/>
+            <a:ext cx="278451" cy="315673"/>
+          </a:xfrm>
+          <a:prstGeom prst="ellipse">
+            <a:avLst/>
+          </a:prstGeom>
+          <a:solidFill>
+            <a:schemeClr val="accent6"/>
+          </a:solidFill>
+          <a:scene3d>
+            <a:camera prst="orthographicFront"/>
+            <a:lightRig rig="threePt" dir="t"/>
+          </a:scene3d>
+          <a:sp3d extrusionH="107950" contourW="12700" prstMaterial="dkEdge">
+            <a:bevelT w="107950" h="107950"/>
+            <a:bevelB w="107950" h="107950"/>
+          </a:sp3d>
+        </p:spPr>
+        <p:style>
+          <a:lnRef idx="2">
+            <a:schemeClr val="accent1">
+              <a:shade val="50000"/>
+            </a:schemeClr>
+          </a:lnRef>
+          <a:fillRef idx="1">
+            <a:schemeClr val="accent1"/>
+          </a:fillRef>
+          <a:effectRef idx="0">
+            <a:schemeClr val="accent1"/>
+          </a:effectRef>
+          <a:fontRef idx="minor">
+            <a:schemeClr val="lt1"/>
+          </a:fontRef>
+        </p:style>
+        <p:txBody>
+          <a:bodyPr rot="0" spcFirstLastPara="0" vert="horz" wrap="square" lIns="91440" tIns="45720" rIns="91440" bIns="45720" numCol="1" spcCol="0" rtlCol="1" fromWordArt="0" anchor="ctr" anchorCtr="0" forceAA="0" compatLnSpc="1">
+            <a:prstTxWarp prst="textNoShape">
+              <a:avLst/>
+            </a:prstTxWarp>
+            <a:noAutofit/>
+          </a:bodyPr>
+          <a:lstStyle/>
+          <a:p>
+            <a:endParaRPr lang="en-US"/>
+          </a:p>
+        </p:txBody>
+      </p:sp>
+      <p:sp>
+        <p:nvSpPr>
+          <p:cNvPr id="39" name="Oval 38"/>
+          <p:cNvSpPr/>
+          <p:nvPr/>
+        </p:nvSpPr>
+        <p:spPr>
+          <a:xfrm>
+            <a:off x="6856654" y="4986439"/>
+            <a:ext cx="278451" cy="315673"/>
+          </a:xfrm>
+          <a:prstGeom prst="ellipse">
+            <a:avLst/>
+          </a:prstGeom>
+          <a:solidFill>
+            <a:schemeClr val="accent6"/>
+          </a:solidFill>
+          <a:scene3d>
+            <a:camera prst="orthographicFront"/>
+            <a:lightRig rig="threePt" dir="t"/>
+          </a:scene3d>
+          <a:sp3d extrusionH="107950" contourW="12700" prstMaterial="dkEdge">
+            <a:bevelT w="107950" h="107950"/>
+            <a:bevelB w="107950" h="107950"/>
+          </a:sp3d>
+        </p:spPr>
+        <p:style>
+          <a:lnRef idx="2">
+            <a:schemeClr val="accent1">
+              <a:shade val="50000"/>
+            </a:schemeClr>
+          </a:lnRef>
+          <a:fillRef idx="1">
+            <a:schemeClr val="accent1"/>
+          </a:fillRef>
+          <a:effectRef idx="0">
+            <a:schemeClr val="accent1"/>
+          </a:effectRef>
+          <a:fontRef idx="minor">
+            <a:schemeClr val="lt1"/>
+          </a:fontRef>
+        </p:style>
+        <p:txBody>
+          <a:bodyPr rot="0" spcFirstLastPara="0" vert="horz" wrap="square" lIns="91440" tIns="45720" rIns="91440" bIns="45720" numCol="1" spcCol="0" rtlCol="1" fromWordArt="0" anchor="ctr" anchorCtr="0" forceAA="0" compatLnSpc="1">
+            <a:prstTxWarp prst="textNoShape">
+              <a:avLst/>
+            </a:prstTxWarp>
+            <a:noAutofit/>
+          </a:bodyPr>
+          <a:lstStyle/>
+          <a:p>
+            <a:endParaRPr lang="en-US"/>
+          </a:p>
+        </p:txBody>
+      </p:sp>
+      <p:sp>
+        <p:nvSpPr>
+          <p:cNvPr id="40" name="Oval 39"/>
+          <p:cNvSpPr/>
+          <p:nvPr/>
+        </p:nvSpPr>
+        <p:spPr>
+          <a:xfrm>
+            <a:off x="8179459" y="3227679"/>
+            <a:ext cx="278451" cy="315673"/>
+          </a:xfrm>
+          <a:prstGeom prst="ellipse">
+            <a:avLst/>
+          </a:prstGeom>
+          <a:solidFill>
+            <a:schemeClr val="accent6"/>
+          </a:solidFill>
+          <a:scene3d>
+            <a:camera prst="orthographicFront"/>
+            <a:lightRig rig="threePt" dir="t"/>
+          </a:scene3d>
+          <a:sp3d extrusionH="107950" contourW="12700" prstMaterial="dkEdge">
+            <a:bevelT w="107950" h="107950"/>
+            <a:bevelB w="107950" h="107950"/>
+          </a:sp3d>
+        </p:spPr>
+        <p:style>
+          <a:lnRef idx="2">
+            <a:schemeClr val="accent1">
+              <a:shade val="50000"/>
+            </a:schemeClr>
+          </a:lnRef>
+          <a:fillRef idx="1">
+            <a:schemeClr val="accent1"/>
+          </a:fillRef>
+          <a:effectRef idx="0">
+            <a:schemeClr val="accent1"/>
+          </a:effectRef>
+          <a:fontRef idx="minor">
+            <a:schemeClr val="lt1"/>
+          </a:fontRef>
+        </p:style>
+        <p:txBody>
+          <a:bodyPr rot="0" spcFirstLastPara="0" vert="horz" wrap="square" lIns="91440" tIns="45720" rIns="91440" bIns="45720" numCol="1" spcCol="0" rtlCol="1" fromWordArt="0" anchor="ctr" anchorCtr="0" forceAA="0" compatLnSpc="1">
+            <a:prstTxWarp prst="textNoShape">
+              <a:avLst/>
+            </a:prstTxWarp>
+            <a:noAutofit/>
+          </a:bodyPr>
+          <a:lstStyle/>
+          <a:p>
+            <a:endParaRPr lang="en-US"/>
+          </a:p>
+        </p:txBody>
+      </p:sp>
+      <p:sp>
+        <p:nvSpPr>
+          <p:cNvPr id="41" name="Oval 40"/>
+          <p:cNvSpPr/>
+          <p:nvPr/>
+        </p:nvSpPr>
+        <p:spPr>
+          <a:xfrm>
+            <a:off x="6995880" y="4444251"/>
+            <a:ext cx="278451" cy="315673"/>
+          </a:xfrm>
+          <a:prstGeom prst="ellipse">
+            <a:avLst/>
+          </a:prstGeom>
+          <a:solidFill>
+            <a:schemeClr val="accent6"/>
+          </a:solidFill>
+          <a:scene3d>
+            <a:camera prst="orthographicFront"/>
+            <a:lightRig rig="threePt" dir="t"/>
+          </a:scene3d>
+          <a:sp3d extrusionH="107950" contourW="12700" prstMaterial="dkEdge">
+            <a:bevelT w="107950" h="107950"/>
+            <a:bevelB w="107950" h="107950"/>
+          </a:sp3d>
+        </p:spPr>
+        <p:style>
+          <a:lnRef idx="2">
+            <a:schemeClr val="accent1">
+              <a:shade val="50000"/>
+            </a:schemeClr>
+          </a:lnRef>
+          <a:fillRef idx="1">
+            <a:schemeClr val="accent1"/>
+          </a:fillRef>
+          <a:effectRef idx="0">
+            <a:schemeClr val="accent1"/>
+          </a:effectRef>
+          <a:fontRef idx="minor">
+            <a:schemeClr val="lt1"/>
+          </a:fontRef>
+        </p:style>
+        <p:txBody>
+          <a:bodyPr rot="0" spcFirstLastPara="0" vert="horz" wrap="square" lIns="91440" tIns="45720" rIns="91440" bIns="45720" numCol="1" spcCol="0" rtlCol="1" fromWordArt="0" anchor="ctr" anchorCtr="0" forceAA="0" compatLnSpc="1">
+            <a:prstTxWarp prst="textNoShape">
+              <a:avLst/>
+            </a:prstTxWarp>
+            <a:noAutofit/>
+          </a:bodyPr>
+          <a:lstStyle/>
+          <a:p>
+            <a:endParaRPr lang="en-US"/>
+          </a:p>
+        </p:txBody>
+      </p:sp>
+      <p:sp>
+        <p:nvSpPr>
+          <p:cNvPr id="42" name="Oval 41"/>
+          <p:cNvSpPr/>
+          <p:nvPr/>
+        </p:nvSpPr>
+        <p:spPr>
+          <a:xfrm>
+            <a:off x="5635085" y="5038030"/>
+            <a:ext cx="278451" cy="315673"/>
+          </a:xfrm>
+          <a:prstGeom prst="ellipse">
+            <a:avLst/>
+          </a:prstGeom>
+          <a:solidFill>
+            <a:schemeClr val="accent6"/>
+          </a:solidFill>
+          <a:scene3d>
+            <a:camera prst="orthographicFront"/>
+            <a:lightRig rig="threePt" dir="t"/>
+          </a:scene3d>
+          <a:sp3d extrusionH="107950" contourW="12700" prstMaterial="dkEdge">
+            <a:bevelT w="107950" h="107950"/>
+            <a:bevelB w="107950" h="107950"/>
+          </a:sp3d>
+        </p:spPr>
+        <p:style>
+          <a:lnRef idx="2">
+            <a:schemeClr val="accent1">
+              <a:shade val="50000"/>
+            </a:schemeClr>
+          </a:lnRef>
+          <a:fillRef idx="1">
+            <a:schemeClr val="accent1"/>
+          </a:fillRef>
+          <a:effectRef idx="0">
+            <a:schemeClr val="accent1"/>
+          </a:effectRef>
+          <a:fontRef idx="minor">
+            <a:schemeClr val="lt1"/>
+          </a:fontRef>
+        </p:style>
+        <p:txBody>
+          <a:bodyPr rot="0" spcFirstLastPara="0" vert="horz" wrap="square" lIns="91440" tIns="45720" rIns="91440" bIns="45720" numCol="1" spcCol="0" rtlCol="1" fromWordArt="0" anchor="ctr" anchorCtr="0" forceAA="0" compatLnSpc="1">
+            <a:prstTxWarp prst="textNoShape">
+              <a:avLst/>
+            </a:prstTxWarp>
+            <a:noAutofit/>
+          </a:bodyPr>
+          <a:lstStyle/>
+          <a:p>
+            <a:endParaRPr lang="en-US"/>
+          </a:p>
+        </p:txBody>
+      </p:sp>
+      <p:sp>
+        <p:nvSpPr>
+          <p:cNvPr id="43" name="Oval 42"/>
+          <p:cNvSpPr/>
+          <p:nvPr/>
+        </p:nvSpPr>
+        <p:spPr>
+          <a:xfrm>
+            <a:off x="5796818" y="5548842"/>
+            <a:ext cx="278451" cy="315673"/>
+          </a:xfrm>
+          <a:prstGeom prst="ellipse">
+            <a:avLst/>
+          </a:prstGeom>
+          <a:solidFill>
+            <a:schemeClr val="accent6"/>
+          </a:solidFill>
+          <a:scene3d>
+            <a:camera prst="orthographicFront"/>
+            <a:lightRig rig="threePt" dir="t"/>
+          </a:scene3d>
+          <a:sp3d extrusionH="107950" contourW="12700" prstMaterial="dkEdge">
+            <a:bevelT w="107950" h="107950"/>
+            <a:bevelB w="107950" h="107950"/>
+          </a:sp3d>
+        </p:spPr>
+        <p:style>
+          <a:lnRef idx="2">
+            <a:schemeClr val="accent1">
+              <a:shade val="50000"/>
+            </a:schemeClr>
+          </a:lnRef>
+          <a:fillRef idx="1">
+            <a:schemeClr val="accent1"/>
+          </a:fillRef>
+          <a:effectRef idx="0">
+            <a:schemeClr val="accent1"/>
+          </a:effectRef>
+          <a:fontRef idx="minor">
+            <a:schemeClr val="lt1"/>
+          </a:fontRef>
+        </p:style>
+        <p:txBody>
+          <a:bodyPr rot="0" spcFirstLastPara="0" vert="horz" wrap="square" lIns="91440" tIns="45720" rIns="91440" bIns="45720" numCol="1" spcCol="0" rtlCol="1" fromWordArt="0" anchor="ctr" anchorCtr="0" forceAA="0" compatLnSpc="1">
+            <a:prstTxWarp prst="textNoShape">
+              <a:avLst/>
+            </a:prstTxWarp>
+            <a:noAutofit/>
+          </a:bodyPr>
+          <a:lstStyle/>
+          <a:p>
+            <a:endParaRPr lang="en-US"/>
+          </a:p>
+        </p:txBody>
+      </p:sp>
+      <p:sp>
+        <p:nvSpPr>
+          <p:cNvPr id="44" name="Oval 43"/>
+          <p:cNvSpPr/>
+          <p:nvPr/>
+        </p:nvSpPr>
+        <p:spPr>
+          <a:xfrm>
+            <a:off x="6278199" y="5819607"/>
+            <a:ext cx="278451" cy="315673"/>
+          </a:xfrm>
+          <a:prstGeom prst="ellipse">
+            <a:avLst/>
+          </a:prstGeom>
+          <a:solidFill>
+            <a:schemeClr val="accent6"/>
+          </a:solidFill>
+          <a:scene3d>
+            <a:camera prst="orthographicFront"/>
+            <a:lightRig rig="threePt" dir="t"/>
+          </a:scene3d>
+          <a:sp3d extrusionH="107950" contourW="12700" prstMaterial="dkEdge">
+            <a:bevelT w="107950" h="107950"/>
+            <a:bevelB w="107950" h="107950"/>
+          </a:sp3d>
+        </p:spPr>
+        <p:style>
+          <a:lnRef idx="2">
+            <a:schemeClr val="accent1">
+              <a:shade val="50000"/>
+            </a:schemeClr>
+          </a:lnRef>
+          <a:fillRef idx="1">
+            <a:schemeClr val="accent1"/>
+          </a:fillRef>
+          <a:effectRef idx="0">
+            <a:schemeClr val="accent1"/>
+          </a:effectRef>
+          <a:fontRef idx="minor">
+            <a:schemeClr val="lt1"/>
+          </a:fontRef>
+        </p:style>
+        <p:txBody>
+          <a:bodyPr rot="0" spcFirstLastPara="0" vert="horz" wrap="square" lIns="91440" tIns="45720" rIns="91440" bIns="45720" numCol="1" spcCol="0" rtlCol="1" fromWordArt="0" anchor="ctr" anchorCtr="0" forceAA="0" compatLnSpc="1">
+            <a:prstTxWarp prst="textNoShape">
+              <a:avLst/>
+            </a:prstTxWarp>
+            <a:noAutofit/>
+          </a:bodyPr>
+          <a:lstStyle/>
+          <a:p>
+            <a:endParaRPr lang="en-US"/>
+          </a:p>
+        </p:txBody>
+      </p:sp>
+      <p:sp>
+        <p:nvSpPr>
+          <p:cNvPr id="45" name="Oval 44"/>
+          <p:cNvSpPr/>
+          <p:nvPr/>
+        </p:nvSpPr>
+        <p:spPr>
+          <a:xfrm>
+            <a:off x="6684059" y="5548842"/>
+            <a:ext cx="278451" cy="315673"/>
+          </a:xfrm>
+          <a:prstGeom prst="ellipse">
+            <a:avLst/>
+          </a:prstGeom>
+          <a:solidFill>
+            <a:schemeClr val="accent6"/>
+          </a:solidFill>
+          <a:scene3d>
+            <a:camera prst="orthographicFront"/>
+            <a:lightRig rig="threePt" dir="t"/>
+          </a:scene3d>
+          <a:sp3d extrusionH="107950" contourW="12700" prstMaterial="dkEdge">
+            <a:bevelT w="107950" h="107950"/>
+            <a:bevelB w="107950" h="107950"/>
+          </a:sp3d>
+        </p:spPr>
+        <p:style>
+          <a:lnRef idx="2">
+            <a:schemeClr val="accent1">
+              <a:shade val="50000"/>
+            </a:schemeClr>
+          </a:lnRef>
+          <a:fillRef idx="1">
+            <a:schemeClr val="accent1"/>
+          </a:fillRef>
+          <a:effectRef idx="0">
+            <a:schemeClr val="accent1"/>
+          </a:effectRef>
+          <a:fontRef idx="minor">
+            <a:schemeClr val="lt1"/>
+          </a:fontRef>
+        </p:style>
+        <p:txBody>
+          <a:bodyPr rot="0" spcFirstLastPara="0" vert="horz" wrap="square" lIns="91440" tIns="45720" rIns="91440" bIns="45720" numCol="1" spcCol="0" rtlCol="1" fromWordArt="0" anchor="ctr" anchorCtr="0" forceAA="0" compatLnSpc="1">
+            <a:prstTxWarp prst="textNoShape">
+              <a:avLst/>
+            </a:prstTxWarp>
+            <a:noAutofit/>
+          </a:bodyPr>
+          <a:lstStyle/>
+          <a:p>
+            <a:endParaRPr lang="en-US"/>
+          </a:p>
+        </p:txBody>
+      </p:sp>
+      <p:sp>
+        <p:nvSpPr>
+          <p:cNvPr id="46" name="Oval 45"/>
+          <p:cNvSpPr/>
+          <p:nvPr/>
+        </p:nvSpPr>
+        <p:spPr>
+          <a:xfrm>
+            <a:off x="5898588" y="3069842"/>
+            <a:ext cx="278451" cy="315673"/>
+          </a:xfrm>
+          <a:prstGeom prst="ellipse">
+            <a:avLst/>
+          </a:prstGeom>
+          <a:solidFill>
+            <a:schemeClr val="accent6"/>
+          </a:solidFill>
+          <a:scene3d>
+            <a:camera prst="orthographicFront"/>
+            <a:lightRig rig="threePt" dir="t"/>
+          </a:scene3d>
+          <a:sp3d extrusionH="107950" contourW="12700" prstMaterial="dkEdge">
+            <a:bevelT w="107950" h="107950"/>
+            <a:bevelB w="107950" h="107950"/>
+          </a:sp3d>
+        </p:spPr>
+        <p:style>
+          <a:lnRef idx="2">
+            <a:schemeClr val="accent1">
+              <a:shade val="50000"/>
+            </a:schemeClr>
+          </a:lnRef>
+          <a:fillRef idx="1">
+            <a:schemeClr val="accent1"/>
+          </a:fillRef>
+          <a:effectRef idx="0">
+            <a:schemeClr val="accent1"/>
+          </a:effectRef>
+          <a:fontRef idx="minor">
+            <a:schemeClr val="lt1"/>
+          </a:fontRef>
+        </p:style>
+        <p:txBody>
+          <a:bodyPr rot="0" spcFirstLastPara="0" vert="horz" wrap="square" lIns="91440" tIns="45720" rIns="91440" bIns="45720" numCol="1" spcCol="0" rtlCol="1" fromWordArt="0" anchor="ctr" anchorCtr="0" forceAA="0" compatLnSpc="1">
+            <a:prstTxWarp prst="textNoShape">
+              <a:avLst/>
+            </a:prstTxWarp>
+            <a:noAutofit/>
+          </a:bodyPr>
+          <a:lstStyle/>
+          <a:p>
+            <a:endParaRPr lang="en-US"/>
+          </a:p>
+        </p:txBody>
+      </p:sp>
+      <p:sp>
+        <p:nvSpPr>
+          <p:cNvPr id="47" name="Oval 46"/>
+          <p:cNvSpPr/>
+          <p:nvPr/>
+        </p:nvSpPr>
+        <p:spPr>
+          <a:xfrm>
+            <a:off x="6178506" y="4293259"/>
+            <a:ext cx="278451" cy="315673"/>
+          </a:xfrm>
+          <a:prstGeom prst="ellipse">
+            <a:avLst/>
+          </a:prstGeom>
+          <a:solidFill>
+            <a:schemeClr val="accent6"/>
+          </a:solidFill>
+          <a:scene3d>
+            <a:camera prst="orthographicFront"/>
+            <a:lightRig rig="threePt" dir="t"/>
+          </a:scene3d>
+          <a:sp3d extrusionH="107950" contourW="12700" prstMaterial="dkEdge">
+            <a:bevelT w="107950" h="107950"/>
+            <a:bevelB w="107950" h="107950"/>
+          </a:sp3d>
+        </p:spPr>
+        <p:style>
+          <a:lnRef idx="2">
+            <a:schemeClr val="accent1">
+              <a:shade val="50000"/>
+            </a:schemeClr>
+          </a:lnRef>
+          <a:fillRef idx="1">
+            <a:schemeClr val="accent1"/>
+          </a:fillRef>
+          <a:effectRef idx="0">
+            <a:schemeClr val="accent1"/>
+          </a:effectRef>
+          <a:fontRef idx="minor">
+            <a:schemeClr val="lt1"/>
+          </a:fontRef>
+        </p:style>
+        <p:txBody>
+          <a:bodyPr rot="0" spcFirstLastPara="0" vert="horz" wrap="square" lIns="91440" tIns="45720" rIns="91440" bIns="45720" numCol="1" spcCol="0" rtlCol="1" fromWordArt="0" anchor="ctr" anchorCtr="0" forceAA="0" compatLnSpc="1">
+            <a:prstTxWarp prst="textNoShape">
+              <a:avLst/>
+            </a:prstTxWarp>
+            <a:noAutofit/>
+          </a:bodyPr>
+          <a:lstStyle/>
+          <a:p>
+            <a:endParaRPr lang="en-US"/>
+          </a:p>
+        </p:txBody>
+      </p:sp>
+      <p:sp>
+        <p:nvSpPr>
+          <p:cNvPr id="48" name="Oval 47"/>
+          <p:cNvSpPr/>
+          <p:nvPr/>
+        </p:nvSpPr>
+        <p:spPr>
+          <a:xfrm>
+            <a:off x="5898587" y="4650509"/>
+            <a:ext cx="278451" cy="315673"/>
+          </a:xfrm>
+          <a:prstGeom prst="ellipse">
+            <a:avLst/>
+          </a:prstGeom>
+          <a:solidFill>
+            <a:schemeClr val="accent6"/>
+          </a:solidFill>
+          <a:scene3d>
+            <a:camera prst="orthographicFront"/>
+            <a:lightRig rig="threePt" dir="t"/>
+          </a:scene3d>
+          <a:sp3d extrusionH="107950" contourW="12700" prstMaterial="dkEdge">
+            <a:bevelT w="107950" h="107950"/>
+            <a:bevelB w="107950" h="107950"/>
+          </a:sp3d>
+        </p:spPr>
+        <p:style>
+          <a:lnRef idx="2">
+            <a:schemeClr val="accent1">
+              <a:shade val="50000"/>
+            </a:schemeClr>
+          </a:lnRef>
+          <a:fillRef idx="1">
+            <a:schemeClr val="accent1"/>
+          </a:fillRef>
+          <a:effectRef idx="0">
+            <a:schemeClr val="accent1"/>
+          </a:effectRef>
+          <a:fontRef idx="minor">
+            <a:schemeClr val="lt1"/>
+          </a:fontRef>
+        </p:style>
+        <p:txBody>
+          <a:bodyPr rot="0" spcFirstLastPara="0" vert="horz" wrap="square" lIns="91440" tIns="45720" rIns="91440" bIns="45720" numCol="1" spcCol="0" rtlCol="1" fromWordArt="0" anchor="ctr" anchorCtr="0" forceAA="0" compatLnSpc="1">
+            <a:prstTxWarp prst="textNoShape">
+              <a:avLst/>
+            </a:prstTxWarp>
+            <a:noAutofit/>
+          </a:bodyPr>
+          <a:lstStyle/>
+          <a:p>
+            <a:endParaRPr lang="en-US"/>
+          </a:p>
+        </p:txBody>
+      </p:sp>
+      <p:sp>
+        <p:nvSpPr>
+          <p:cNvPr id="49" name="Oval 48"/>
+          <p:cNvSpPr/>
+          <p:nvPr/>
+        </p:nvSpPr>
+        <p:spPr>
+          <a:xfrm>
+            <a:off x="5759362" y="4117713"/>
+            <a:ext cx="278451" cy="315673"/>
+          </a:xfrm>
+          <a:prstGeom prst="ellipse">
+            <a:avLst/>
+          </a:prstGeom>
+          <a:solidFill>
+            <a:schemeClr val="accent6"/>
+          </a:solidFill>
+          <a:scene3d>
+            <a:camera prst="orthographicFront"/>
+            <a:lightRig rig="threePt" dir="t"/>
+          </a:scene3d>
+          <a:sp3d extrusionH="107950" contourW="12700" prstMaterial="dkEdge">
+            <a:bevelT w="107950" h="107950"/>
+            <a:bevelB w="107950" h="107950"/>
+          </a:sp3d>
+        </p:spPr>
+        <p:style>
+          <a:lnRef idx="2">
+            <a:schemeClr val="accent1">
+              <a:shade val="50000"/>
+            </a:schemeClr>
+          </a:lnRef>
+          <a:fillRef idx="1">
+            <a:schemeClr val="accent1"/>
+          </a:fillRef>
+          <a:effectRef idx="0">
+            <a:schemeClr val="accent1"/>
+          </a:effectRef>
+          <a:fontRef idx="minor">
+            <a:schemeClr val="lt1"/>
+          </a:fontRef>
+        </p:style>
+        <p:txBody>
+          <a:bodyPr rot="0" spcFirstLastPara="0" vert="horz" wrap="square" lIns="91440" tIns="45720" rIns="91440" bIns="45720" numCol="1" spcCol="0" rtlCol="1" fromWordArt="0" anchor="ctr" anchorCtr="0" forceAA="0" compatLnSpc="1">
+            <a:prstTxWarp prst="textNoShape">
+              <a:avLst/>
+            </a:prstTxWarp>
+            <a:noAutofit/>
+          </a:bodyPr>
+          <a:lstStyle/>
+          <a:p>
+            <a:endParaRPr lang="en-US"/>
+          </a:p>
+        </p:txBody>
+      </p:sp>
+      <p:sp>
+        <p:nvSpPr>
+          <p:cNvPr id="50" name="Oval 49"/>
+          <p:cNvSpPr/>
+          <p:nvPr/>
+        </p:nvSpPr>
+        <p:spPr>
+          <a:xfrm>
+            <a:off x="5495859" y="4643438"/>
+            <a:ext cx="278451" cy="315673"/>
+          </a:xfrm>
+          <a:prstGeom prst="ellipse">
+            <a:avLst/>
+          </a:prstGeom>
+          <a:solidFill>
+            <a:schemeClr val="accent6"/>
+          </a:solidFill>
+          <a:scene3d>
+            <a:camera prst="orthographicFront"/>
+            <a:lightRig rig="threePt" dir="t"/>
+          </a:scene3d>
+          <a:sp3d extrusionH="107950" contourW="12700" prstMaterial="dkEdge">
+            <a:bevelT w="107950" h="107950"/>
+            <a:bevelB w="107950" h="107950"/>
+          </a:sp3d>
+        </p:spPr>
+        <p:style>
+          <a:lnRef idx="2">
+            <a:schemeClr val="accent1">
+              <a:shade val="50000"/>
+            </a:schemeClr>
+          </a:lnRef>
+          <a:fillRef idx="1">
+            <a:schemeClr val="accent1"/>
+          </a:fillRef>
+          <a:effectRef idx="0">
+            <a:schemeClr val="accent1"/>
+          </a:effectRef>
+          <a:fontRef idx="minor">
+            <a:schemeClr val="lt1"/>
+          </a:fontRef>
+        </p:style>
+        <p:txBody>
+          <a:bodyPr rot="0" spcFirstLastPara="0" vert="horz" wrap="square" lIns="91440" tIns="45720" rIns="91440" bIns="45720" numCol="1" spcCol="0" rtlCol="1" fromWordArt="0" anchor="ctr" anchorCtr="0" forceAA="0" compatLnSpc="1">
+            <a:prstTxWarp prst="textNoShape">
+              <a:avLst/>
+            </a:prstTxWarp>
+            <a:noAutofit/>
+          </a:bodyPr>
+          <a:lstStyle/>
+          <a:p>
+            <a:endParaRPr lang="en-US"/>
+          </a:p>
+        </p:txBody>
+      </p:sp>
+      <p:sp>
+        <p:nvSpPr>
+          <p:cNvPr id="51" name="Oval 50"/>
+          <p:cNvSpPr/>
+          <p:nvPr/>
+        </p:nvSpPr>
+        <p:spPr>
+          <a:xfrm>
+            <a:off x="4614078" y="3865756"/>
+            <a:ext cx="278451" cy="315673"/>
+          </a:xfrm>
+          <a:prstGeom prst="ellipse">
+            <a:avLst/>
+          </a:prstGeom>
+          <a:solidFill>
+            <a:schemeClr val="accent6"/>
+          </a:solidFill>
+          <a:scene3d>
+            <a:camera prst="orthographicFront"/>
+            <a:lightRig rig="threePt" dir="t"/>
+          </a:scene3d>
+          <a:sp3d extrusionH="107950" contourW="12700" prstMaterial="dkEdge">
+            <a:bevelT w="107950" h="107950"/>
+            <a:bevelB w="107950" h="107950"/>
+          </a:sp3d>
+        </p:spPr>
+        <p:style>
+          <a:lnRef idx="2">
+            <a:schemeClr val="accent1">
+              <a:shade val="50000"/>
+            </a:schemeClr>
+          </a:lnRef>
+          <a:fillRef idx="1">
+            <a:schemeClr val="accent1"/>
+          </a:fillRef>
+          <a:effectRef idx="0">
+            <a:schemeClr val="accent1"/>
+          </a:effectRef>
+          <a:fontRef idx="minor">
+            <a:schemeClr val="lt1"/>
+          </a:fontRef>
+        </p:style>
+        <p:txBody>
+          <a:bodyPr rot="0" spcFirstLastPara="0" vert="horz" wrap="square" lIns="91440" tIns="45720" rIns="91440" bIns="45720" numCol="1" spcCol="0" rtlCol="1" fromWordArt="0" anchor="ctr" anchorCtr="0" forceAA="0" compatLnSpc="1">
+            <a:prstTxWarp prst="textNoShape">
+              <a:avLst/>
+            </a:prstTxWarp>
+            <a:noAutofit/>
+          </a:bodyPr>
+          <a:lstStyle/>
+          <a:p>
+            <a:endParaRPr lang="en-US"/>
+          </a:p>
+        </p:txBody>
+      </p:sp>
+      <p:sp>
+        <p:nvSpPr>
+          <p:cNvPr id="52" name="Oval 51"/>
+          <p:cNvSpPr/>
+          <p:nvPr/>
+        </p:nvSpPr>
+        <p:spPr>
+          <a:xfrm>
+            <a:off x="5046288" y="3825203"/>
+            <a:ext cx="278451" cy="315673"/>
+          </a:xfrm>
+          <a:prstGeom prst="ellipse">
+            <a:avLst/>
+          </a:prstGeom>
+          <a:solidFill>
+            <a:schemeClr val="accent6"/>
+          </a:solidFill>
+          <a:scene3d>
+            <a:camera prst="orthographicFront"/>
+            <a:lightRig rig="threePt" dir="t"/>
+          </a:scene3d>
+          <a:sp3d extrusionH="107950" contourW="12700" prstMaterial="dkEdge">
+            <a:bevelT w="107950" h="107950"/>
+            <a:bevelB w="107950" h="107950"/>
+          </a:sp3d>
+        </p:spPr>
+        <p:style>
+          <a:lnRef idx="2">
+            <a:schemeClr val="accent1">
+              <a:shade val="50000"/>
+            </a:schemeClr>
+          </a:lnRef>
+          <a:fillRef idx="1">
+            <a:schemeClr val="accent1"/>
+          </a:fillRef>
+          <a:effectRef idx="0">
+            <a:schemeClr val="accent1"/>
+          </a:effectRef>
+          <a:fontRef idx="minor">
+            <a:schemeClr val="lt1"/>
+          </a:fontRef>
+        </p:style>
+        <p:txBody>
+          <a:bodyPr rot="0" spcFirstLastPara="0" vert="horz" wrap="square" lIns="91440" tIns="45720" rIns="91440" bIns="45720" numCol="1" spcCol="0" rtlCol="1" fromWordArt="0" anchor="ctr" anchorCtr="0" forceAA="0" compatLnSpc="1">
+            <a:prstTxWarp prst="textNoShape">
+              <a:avLst/>
+            </a:prstTxWarp>
+            <a:noAutofit/>
+          </a:bodyPr>
+          <a:lstStyle/>
+          <a:p>
+            <a:endParaRPr lang="en-US"/>
+          </a:p>
+        </p:txBody>
+      </p:sp>
+      <p:sp>
+        <p:nvSpPr>
+          <p:cNvPr id="53" name="Oval 52"/>
+          <p:cNvSpPr/>
+          <p:nvPr/>
+        </p:nvSpPr>
+        <p:spPr>
+          <a:xfrm>
+            <a:off x="5402825" y="4103267"/>
+            <a:ext cx="278451" cy="315673"/>
+          </a:xfrm>
+          <a:prstGeom prst="ellipse">
+            <a:avLst/>
+          </a:prstGeom>
+          <a:solidFill>
+            <a:schemeClr val="accent6"/>
+          </a:solidFill>
+          <a:scene3d>
+            <a:camera prst="orthographicFront"/>
+            <a:lightRig rig="threePt" dir="t"/>
+          </a:scene3d>
+          <a:sp3d extrusionH="107950" contourW="12700" prstMaterial="dkEdge">
+            <a:bevelT w="107950" h="107950"/>
+            <a:bevelB w="107950" h="107950"/>
+          </a:sp3d>
+        </p:spPr>
+        <p:style>
+          <a:lnRef idx="2">
+            <a:schemeClr val="accent1">
+              <a:shade val="50000"/>
+            </a:schemeClr>
+          </a:lnRef>
+          <a:fillRef idx="1">
+            <a:schemeClr val="accent1"/>
+          </a:fillRef>
+          <a:effectRef idx="0">
+            <a:schemeClr val="accent1"/>
+          </a:effectRef>
+          <a:fontRef idx="minor">
+            <a:schemeClr val="lt1"/>
+          </a:fontRef>
+        </p:style>
+        <p:txBody>
+          <a:bodyPr rot="0" spcFirstLastPara="0" vert="horz" wrap="square" lIns="91440" tIns="45720" rIns="91440" bIns="45720" numCol="1" spcCol="0" rtlCol="1" fromWordArt="0" anchor="ctr" anchorCtr="0" forceAA="0" compatLnSpc="1">
+            <a:prstTxWarp prst="textNoShape">
+              <a:avLst/>
+            </a:prstTxWarp>
+            <a:noAutofit/>
+          </a:bodyPr>
+          <a:lstStyle/>
+          <a:p>
+            <a:endParaRPr lang="en-US"/>
+          </a:p>
+        </p:txBody>
+      </p:sp>
+      <p:sp>
+        <p:nvSpPr>
+          <p:cNvPr id="54" name="Oval 53"/>
+          <p:cNvSpPr/>
+          <p:nvPr/>
+        </p:nvSpPr>
+        <p:spPr>
+          <a:xfrm>
+            <a:off x="5622826" y="3642016"/>
+            <a:ext cx="278451" cy="315673"/>
+          </a:xfrm>
+          <a:prstGeom prst="ellipse">
+            <a:avLst/>
+          </a:prstGeom>
+          <a:solidFill>
+            <a:schemeClr val="accent6"/>
+          </a:solidFill>
+          <a:scene3d>
+            <a:camera prst="orthographicFront"/>
+            <a:lightRig rig="threePt" dir="t"/>
+          </a:scene3d>
+          <a:sp3d extrusionH="107950" contourW="12700" prstMaterial="dkEdge">
+            <a:bevelT w="107950" h="107950"/>
+            <a:bevelB w="107950" h="107950"/>
+          </a:sp3d>
+        </p:spPr>
+        <p:style>
+          <a:lnRef idx="2">
+            <a:schemeClr val="accent1">
+              <a:shade val="50000"/>
+            </a:schemeClr>
+          </a:lnRef>
+          <a:fillRef idx="1">
+            <a:schemeClr val="accent1"/>
+          </a:fillRef>
+          <a:effectRef idx="0">
+            <a:schemeClr val="accent1"/>
+          </a:effectRef>
+          <a:fontRef idx="minor">
+            <a:schemeClr val="lt1"/>
+          </a:fontRef>
+        </p:style>
+        <p:txBody>
+          <a:bodyPr rot="0" spcFirstLastPara="0" vert="horz" wrap="square" lIns="91440" tIns="45720" rIns="91440" bIns="45720" numCol="1" spcCol="0" rtlCol="1" fromWordArt="0" anchor="ctr" anchorCtr="0" forceAA="0" compatLnSpc="1">
+            <a:prstTxWarp prst="textNoShape">
+              <a:avLst/>
+            </a:prstTxWarp>
+            <a:noAutofit/>
+          </a:bodyPr>
+          <a:lstStyle/>
+          <a:p>
+            <a:endParaRPr lang="en-US"/>
+          </a:p>
+        </p:txBody>
+      </p:sp>
+      <p:sp>
+        <p:nvSpPr>
+          <p:cNvPr id="55" name="Oval 54"/>
+          <p:cNvSpPr/>
+          <p:nvPr/>
+        </p:nvSpPr>
+        <p:spPr>
+          <a:xfrm>
+            <a:off x="6129786" y="3865757"/>
+            <a:ext cx="278451" cy="315673"/>
+          </a:xfrm>
+          <a:prstGeom prst="ellipse">
+            <a:avLst/>
+          </a:prstGeom>
+          <a:solidFill>
+            <a:schemeClr val="accent6"/>
+          </a:solidFill>
+          <a:scene3d>
+            <a:camera prst="orthographicFront"/>
+            <a:lightRig rig="threePt" dir="t"/>
+          </a:scene3d>
+          <a:sp3d extrusionH="107950" contourW="12700" prstMaterial="dkEdge">
+            <a:bevelT w="107950" h="107950"/>
+            <a:bevelB w="107950" h="107950"/>
+          </a:sp3d>
+        </p:spPr>
+        <p:style>
+          <a:lnRef idx="2">
+            <a:schemeClr val="accent1">
+              <a:shade val="50000"/>
+            </a:schemeClr>
+          </a:lnRef>
+          <a:fillRef idx="1">
+            <a:schemeClr val="accent1"/>
+          </a:fillRef>
+          <a:effectRef idx="0">
+            <a:schemeClr val="accent1"/>
+          </a:effectRef>
+          <a:fontRef idx="minor">
+            <a:schemeClr val="lt1"/>
+          </a:fontRef>
+        </p:style>
+        <p:txBody>
+          <a:bodyPr rot="0" spcFirstLastPara="0" vert="horz" wrap="square" lIns="91440" tIns="45720" rIns="91440" bIns="45720" numCol="1" spcCol="0" rtlCol="1" fromWordArt="0" anchor="ctr" anchorCtr="0" forceAA="0" compatLnSpc="1">
+            <a:prstTxWarp prst="textNoShape">
+              <a:avLst/>
+            </a:prstTxWarp>
+            <a:noAutofit/>
+          </a:bodyPr>
+          <a:lstStyle/>
+          <a:p>
+            <a:endParaRPr lang="en-US"/>
+          </a:p>
+        </p:txBody>
+      </p:sp>
+      <p:sp>
+        <p:nvSpPr>
+          <p:cNvPr id="56" name="Oval 55"/>
+          <p:cNvSpPr/>
+          <p:nvPr/>
+        </p:nvSpPr>
+        <p:spPr>
+          <a:xfrm>
+            <a:off x="4631769" y="2414688"/>
+            <a:ext cx="278451" cy="315673"/>
+          </a:xfrm>
+          <a:prstGeom prst="ellipse">
+            <a:avLst/>
+          </a:prstGeom>
+          <a:solidFill>
+            <a:schemeClr val="accent6"/>
+          </a:solidFill>
+          <a:scene3d>
+            <a:camera prst="orthographicFront"/>
+            <a:lightRig rig="threePt" dir="t"/>
+          </a:scene3d>
+          <a:sp3d extrusionH="107950" contourW="12700" prstMaterial="dkEdge">
+            <a:bevelT w="107950" h="107950"/>
+            <a:bevelB w="107950" h="107950"/>
+          </a:sp3d>
+        </p:spPr>
+        <p:style>
+          <a:lnRef idx="2">
+            <a:schemeClr val="accent1">
+              <a:shade val="50000"/>
+            </a:schemeClr>
+          </a:lnRef>
+          <a:fillRef idx="1">
+            <a:schemeClr val="accent1"/>
+          </a:fillRef>
+          <a:effectRef idx="0">
+            <a:schemeClr val="accent1"/>
+          </a:effectRef>
+          <a:fontRef idx="minor">
+            <a:schemeClr val="lt1"/>
+          </a:fontRef>
+        </p:style>
+        <p:txBody>
+          <a:bodyPr rot="0" spcFirstLastPara="0" vert="horz" wrap="square" lIns="91440" tIns="45720" rIns="91440" bIns="45720" numCol="1" spcCol="0" rtlCol="1" fromWordArt="0" anchor="ctr" anchorCtr="0" forceAA="0" compatLnSpc="1">
+            <a:prstTxWarp prst="textNoShape">
+              <a:avLst/>
+            </a:prstTxWarp>
+            <a:noAutofit/>
+          </a:bodyPr>
+          <a:lstStyle/>
+          <a:p>
+            <a:endParaRPr lang="en-US"/>
+          </a:p>
+        </p:txBody>
+      </p:sp>
+      <p:sp>
+        <p:nvSpPr>
+          <p:cNvPr id="57" name="Oval 56"/>
+          <p:cNvSpPr/>
+          <p:nvPr/>
+        </p:nvSpPr>
+        <p:spPr>
+          <a:xfrm>
+            <a:off x="5022092" y="2837508"/>
+            <a:ext cx="278451" cy="315673"/>
+          </a:xfrm>
+          <a:prstGeom prst="ellipse">
+            <a:avLst/>
+          </a:prstGeom>
+          <a:solidFill>
+            <a:schemeClr val="accent6"/>
+          </a:solidFill>
+          <a:scene3d>
+            <a:camera prst="orthographicFront"/>
+            <a:lightRig rig="threePt" dir="t"/>
+          </a:scene3d>
+          <a:sp3d extrusionH="107950" contourW="12700" prstMaterial="dkEdge">
+            <a:bevelT w="107950" h="107950"/>
+            <a:bevelB w="107950" h="107950"/>
+          </a:sp3d>
+        </p:spPr>
+        <p:style>
+          <a:lnRef idx="2">
+            <a:schemeClr val="accent1">
+              <a:shade val="50000"/>
+            </a:schemeClr>
+          </a:lnRef>
+          <a:fillRef idx="1">
+            <a:schemeClr val="accent1"/>
+          </a:fillRef>
+          <a:effectRef idx="0">
+            <a:schemeClr val="accent1"/>
+          </a:effectRef>
+          <a:fontRef idx="minor">
+            <a:schemeClr val="lt1"/>
+          </a:fontRef>
+        </p:style>
+        <p:txBody>
+          <a:bodyPr rot="0" spcFirstLastPara="0" vert="horz" wrap="square" lIns="91440" tIns="45720" rIns="91440" bIns="45720" numCol="1" spcCol="0" rtlCol="1" fromWordArt="0" anchor="ctr" anchorCtr="0" forceAA="0" compatLnSpc="1">
+            <a:prstTxWarp prst="textNoShape">
+              <a:avLst/>
+            </a:prstTxWarp>
+            <a:noAutofit/>
+          </a:bodyPr>
+          <a:lstStyle/>
+          <a:p>
+            <a:endParaRPr lang="en-US"/>
+          </a:p>
+        </p:txBody>
+      </p:sp>
+      <p:sp>
+        <p:nvSpPr>
+          <p:cNvPr id="58" name="Oval 57"/>
+          <p:cNvSpPr/>
+          <p:nvPr/>
+        </p:nvSpPr>
+        <p:spPr>
+          <a:xfrm>
+            <a:off x="5344375" y="3309432"/>
+            <a:ext cx="278451" cy="315673"/>
+          </a:xfrm>
+          <a:prstGeom prst="ellipse">
+            <a:avLst/>
+          </a:prstGeom>
+          <a:solidFill>
+            <a:schemeClr val="accent6"/>
+          </a:solidFill>
+          <a:scene3d>
+            <a:camera prst="orthographicFront"/>
+            <a:lightRig rig="threePt" dir="t"/>
+          </a:scene3d>
+          <a:sp3d extrusionH="107950" contourW="12700" prstMaterial="dkEdge">
+            <a:bevelT w="107950" h="107950"/>
+            <a:bevelB w="107950" h="107950"/>
+          </a:sp3d>
+        </p:spPr>
+        <p:style>
+          <a:lnRef idx="2">
+            <a:schemeClr val="accent1">
+              <a:shade val="50000"/>
+            </a:schemeClr>
+          </a:lnRef>
+          <a:fillRef idx="1">
+            <a:schemeClr val="accent1"/>
+          </a:fillRef>
+          <a:effectRef idx="0">
+            <a:schemeClr val="accent1"/>
+          </a:effectRef>
+          <a:fontRef idx="minor">
+            <a:schemeClr val="lt1"/>
+          </a:fontRef>
+        </p:style>
+        <p:txBody>
+          <a:bodyPr rot="0" spcFirstLastPara="0" vert="horz" wrap="square" lIns="91440" tIns="45720" rIns="91440" bIns="45720" numCol="1" spcCol="0" rtlCol="1" fromWordArt="0" anchor="ctr" anchorCtr="0" forceAA="0" compatLnSpc="1">
+            <a:prstTxWarp prst="textNoShape">
+              <a:avLst/>
+            </a:prstTxWarp>
+            <a:noAutofit/>
+          </a:bodyPr>
+          <a:lstStyle/>
+          <a:p>
+            <a:endParaRPr lang="en-US"/>
+          </a:p>
+        </p:txBody>
+      </p:sp>
+      <p:sp>
+        <p:nvSpPr>
+          <p:cNvPr id="59" name="Oval 58"/>
+          <p:cNvSpPr/>
+          <p:nvPr/>
+        </p:nvSpPr>
+        <p:spPr>
+          <a:xfrm>
+            <a:off x="3512696" y="1687738"/>
+            <a:ext cx="278451" cy="315673"/>
+          </a:xfrm>
+          <a:prstGeom prst="ellipse">
+            <a:avLst/>
+          </a:prstGeom>
+          <a:solidFill>
+            <a:schemeClr val="accent6"/>
+          </a:solidFill>
+          <a:scene3d>
+            <a:camera prst="orthographicFront"/>
+            <a:lightRig rig="threePt" dir="t"/>
+          </a:scene3d>
+          <a:sp3d extrusionH="107950" contourW="12700" prstMaterial="dkEdge">
+            <a:bevelT w="107950" h="107950"/>
+            <a:bevelB w="107950" h="107950"/>
+          </a:sp3d>
+        </p:spPr>
+        <p:style>
+          <a:lnRef idx="2">
+            <a:schemeClr val="accent1">
+              <a:shade val="50000"/>
+            </a:schemeClr>
+          </a:lnRef>
+          <a:fillRef idx="1">
+            <a:schemeClr val="accent1"/>
+          </a:fillRef>
+          <a:effectRef idx="0">
+            <a:schemeClr val="accent1"/>
+          </a:effectRef>
+          <a:fontRef idx="minor">
+            <a:schemeClr val="lt1"/>
+          </a:fontRef>
+        </p:style>
+        <p:txBody>
+          <a:bodyPr rot="0" spcFirstLastPara="0" vert="horz" wrap="square" lIns="91440" tIns="45720" rIns="91440" bIns="45720" numCol="1" spcCol="0" rtlCol="1" fromWordArt="0" anchor="ctr" anchorCtr="0" forceAA="0" compatLnSpc="1">
+            <a:prstTxWarp prst="textNoShape">
+              <a:avLst/>
+            </a:prstTxWarp>
+            <a:noAutofit/>
+          </a:bodyPr>
+          <a:lstStyle/>
+          <a:p>
+            <a:endParaRPr lang="en-US"/>
+          </a:p>
+        </p:txBody>
+      </p:sp>
+      <p:sp>
+        <p:nvSpPr>
+          <p:cNvPr id="60" name="Oval 59"/>
+          <p:cNvSpPr/>
+          <p:nvPr/>
+        </p:nvSpPr>
+        <p:spPr>
+          <a:xfrm>
+            <a:off x="3988705" y="1625505"/>
+            <a:ext cx="278451" cy="315673"/>
+          </a:xfrm>
+          <a:prstGeom prst="ellipse">
+            <a:avLst/>
+          </a:prstGeom>
+          <a:solidFill>
+            <a:schemeClr val="accent6"/>
+          </a:solidFill>
+          <a:scene3d>
+            <a:camera prst="orthographicFront"/>
+            <a:lightRig rig="threePt" dir="t"/>
+          </a:scene3d>
+          <a:sp3d extrusionH="107950" contourW="12700" prstMaterial="dkEdge">
+            <a:bevelT w="107950" h="107950"/>
+            <a:bevelB w="107950" h="107950"/>
+          </a:sp3d>
+        </p:spPr>
+        <p:style>
+          <a:lnRef idx="2">
+            <a:schemeClr val="accent1">
+              <a:shade val="50000"/>
+            </a:schemeClr>
+          </a:lnRef>
+          <a:fillRef idx="1">
+            <a:schemeClr val="accent1"/>
+          </a:fillRef>
+          <a:effectRef idx="0">
+            <a:schemeClr val="accent1"/>
+          </a:effectRef>
+          <a:fontRef idx="minor">
+            <a:schemeClr val="lt1"/>
+          </a:fontRef>
+        </p:style>
+        <p:txBody>
+          <a:bodyPr rot="0" spcFirstLastPara="0" vert="horz" wrap="square" lIns="91440" tIns="45720" rIns="91440" bIns="45720" numCol="1" spcCol="0" rtlCol="1" fromWordArt="0" anchor="ctr" anchorCtr="0" forceAA="0" compatLnSpc="1">
+            <a:prstTxWarp prst="textNoShape">
+              <a:avLst/>
+            </a:prstTxWarp>
+            <a:noAutofit/>
+          </a:bodyPr>
+          <a:lstStyle/>
+          <a:p>
+            <a:endParaRPr lang="en-US"/>
+          </a:p>
+        </p:txBody>
+      </p:sp>
+      <p:sp>
+        <p:nvSpPr>
+          <p:cNvPr id="61" name="Oval 60"/>
+          <p:cNvSpPr/>
+          <p:nvPr/>
+        </p:nvSpPr>
+        <p:spPr>
+          <a:xfrm>
+            <a:off x="4357492" y="2003411"/>
+            <a:ext cx="278451" cy="315673"/>
+          </a:xfrm>
+          <a:prstGeom prst="ellipse">
+            <a:avLst/>
+          </a:prstGeom>
+          <a:solidFill>
+            <a:schemeClr val="accent6"/>
+          </a:solidFill>
+          <a:scene3d>
+            <a:camera prst="orthographicFront"/>
+            <a:lightRig rig="threePt" dir="t"/>
+          </a:scene3d>
+          <a:sp3d extrusionH="107950" contourW="12700" prstMaterial="dkEdge">
+            <a:bevelT w="107950" h="107950"/>
+            <a:bevelB w="107950" h="107950"/>
+          </a:sp3d>
+        </p:spPr>
+        <p:style>
+          <a:lnRef idx="2">
+            <a:schemeClr val="accent1">
+              <a:shade val="50000"/>
+            </a:schemeClr>
+          </a:lnRef>
+          <a:fillRef idx="1">
+            <a:schemeClr val="accent1"/>
+          </a:fillRef>
+          <a:effectRef idx="0">
+            <a:schemeClr val="accent1"/>
+          </a:effectRef>
+          <a:fontRef idx="minor">
+            <a:schemeClr val="lt1"/>
+          </a:fontRef>
+        </p:style>
+        <p:txBody>
+          <a:bodyPr rot="0" spcFirstLastPara="0" vert="horz" wrap="square" lIns="91440" tIns="45720" rIns="91440" bIns="45720" numCol="1" spcCol="0" rtlCol="1" fromWordArt="0" anchor="ctr" anchorCtr="0" forceAA="0" compatLnSpc="1">
+            <a:prstTxWarp prst="textNoShape">
+              <a:avLst/>
+            </a:prstTxWarp>
+            <a:noAutofit/>
+          </a:bodyPr>
+          <a:lstStyle/>
+          <a:p>
+            <a:endParaRPr lang="en-US"/>
+          </a:p>
+        </p:txBody>
+      </p:sp>
+      <p:sp>
+        <p:nvSpPr>
+          <p:cNvPr id="62" name="Oval 61"/>
+          <p:cNvSpPr/>
+          <p:nvPr/>
+        </p:nvSpPr>
+        <p:spPr>
+          <a:xfrm>
+            <a:off x="3158920" y="3543352"/>
+            <a:ext cx="278451" cy="315673"/>
+          </a:xfrm>
+          <a:prstGeom prst="ellipse">
+            <a:avLst/>
+          </a:prstGeom>
+          <a:solidFill>
+            <a:schemeClr val="accent6"/>
+          </a:solidFill>
+          <a:scene3d>
+            <a:camera prst="orthographicFront"/>
+            <a:lightRig rig="threePt" dir="t"/>
+          </a:scene3d>
+          <a:sp3d extrusionH="107950" contourW="12700" prstMaterial="dkEdge">
+            <a:bevelT w="107950" h="107950"/>
+            <a:bevelB w="107950" h="107950"/>
+          </a:sp3d>
+        </p:spPr>
+        <p:style>
+          <a:lnRef idx="2">
+            <a:schemeClr val="accent1">
+              <a:shade val="50000"/>
+            </a:schemeClr>
+          </a:lnRef>
+          <a:fillRef idx="1">
+            <a:schemeClr val="accent1"/>
+          </a:fillRef>
+          <a:effectRef idx="0">
+            <a:schemeClr val="accent1"/>
+          </a:effectRef>
+          <a:fontRef idx="minor">
+            <a:schemeClr val="lt1"/>
+          </a:fontRef>
+        </p:style>
+        <p:txBody>
+          <a:bodyPr rot="0" spcFirstLastPara="0" vert="horz" wrap="square" lIns="91440" tIns="45720" rIns="91440" bIns="45720" numCol="1" spcCol="0" rtlCol="1" fromWordArt="0" anchor="ctr" anchorCtr="0" forceAA="0" compatLnSpc="1">
+            <a:prstTxWarp prst="textNoShape">
+              <a:avLst/>
+            </a:prstTxWarp>
+            <a:noAutofit/>
+          </a:bodyPr>
+          <a:lstStyle/>
+          <a:p>
+            <a:endParaRPr lang="en-US"/>
+          </a:p>
+        </p:txBody>
+      </p:sp>
+      <p:sp>
+        <p:nvSpPr>
+          <p:cNvPr id="63" name="Oval 62"/>
+          <p:cNvSpPr/>
+          <p:nvPr/>
+        </p:nvSpPr>
+        <p:spPr>
+          <a:xfrm>
+            <a:off x="3219541" y="3077093"/>
+            <a:ext cx="278451" cy="315673"/>
+          </a:xfrm>
+          <a:prstGeom prst="ellipse">
+            <a:avLst/>
+          </a:prstGeom>
+          <a:solidFill>
+            <a:schemeClr val="accent6"/>
+          </a:solidFill>
+          <a:scene3d>
+            <a:camera prst="orthographicFront"/>
+            <a:lightRig rig="threePt" dir="t"/>
+          </a:scene3d>
+          <a:sp3d extrusionH="107950" contourW="12700" prstMaterial="dkEdge">
+            <a:bevelT w="107950" h="107950"/>
+            <a:bevelB w="107950" h="107950"/>
+          </a:sp3d>
+        </p:spPr>
+        <p:style>
+          <a:lnRef idx="2">
+            <a:schemeClr val="accent1">
+              <a:shade val="50000"/>
+            </a:schemeClr>
+          </a:lnRef>
+          <a:fillRef idx="1">
+            <a:schemeClr val="accent1"/>
+          </a:fillRef>
+          <a:effectRef idx="0">
+            <a:schemeClr val="accent1"/>
+          </a:effectRef>
+          <a:fontRef idx="minor">
+            <a:schemeClr val="lt1"/>
+          </a:fontRef>
+        </p:style>
+        <p:txBody>
+          <a:bodyPr rot="0" spcFirstLastPara="0" vert="horz" wrap="square" lIns="91440" tIns="45720" rIns="91440" bIns="45720" numCol="1" spcCol="0" rtlCol="1" fromWordArt="0" anchor="ctr" anchorCtr="0" forceAA="0" compatLnSpc="1">
+            <a:prstTxWarp prst="textNoShape">
+              <a:avLst/>
+            </a:prstTxWarp>
+            <a:noAutofit/>
+          </a:bodyPr>
+          <a:lstStyle/>
+          <a:p>
+            <a:endParaRPr lang="en-US"/>
+          </a:p>
+        </p:txBody>
+      </p:sp>
+      <p:sp>
+        <p:nvSpPr>
+          <p:cNvPr id="64" name="Oval 63"/>
+          <p:cNvSpPr/>
+          <p:nvPr/>
+        </p:nvSpPr>
+        <p:spPr>
+          <a:xfrm>
+            <a:off x="3272862" y="2597791"/>
+            <a:ext cx="278451" cy="315673"/>
+          </a:xfrm>
+          <a:prstGeom prst="ellipse">
+            <a:avLst/>
+          </a:prstGeom>
+          <a:solidFill>
+            <a:schemeClr val="accent6"/>
+          </a:solidFill>
+          <a:scene3d>
+            <a:camera prst="orthographicFront"/>
+            <a:lightRig rig="threePt" dir="t"/>
+          </a:scene3d>
+          <a:sp3d extrusionH="107950" contourW="12700" prstMaterial="dkEdge">
+            <a:bevelT w="107950" h="107950"/>
+            <a:bevelB w="107950" h="107950"/>
+          </a:sp3d>
+        </p:spPr>
+        <p:style>
+          <a:lnRef idx="2">
+            <a:schemeClr val="accent1">
+              <a:shade val="50000"/>
+            </a:schemeClr>
+          </a:lnRef>
+          <a:fillRef idx="1">
+            <a:schemeClr val="accent1"/>
+          </a:fillRef>
+          <a:effectRef idx="0">
+            <a:schemeClr val="accent1"/>
+          </a:effectRef>
+          <a:fontRef idx="minor">
+            <a:schemeClr val="lt1"/>
+          </a:fontRef>
+        </p:style>
+        <p:txBody>
+          <a:bodyPr rot="0" spcFirstLastPara="0" vert="horz" wrap="square" lIns="91440" tIns="45720" rIns="91440" bIns="45720" numCol="1" spcCol="0" rtlCol="1" fromWordArt="0" anchor="ctr" anchorCtr="0" forceAA="0" compatLnSpc="1">
+            <a:prstTxWarp prst="textNoShape">
+              <a:avLst/>
+            </a:prstTxWarp>
+            <a:noAutofit/>
+          </a:bodyPr>
+          <a:lstStyle/>
+          <a:p>
+            <a:endParaRPr lang="en-US"/>
+          </a:p>
+        </p:txBody>
+      </p:sp>
+      <p:sp>
+        <p:nvSpPr>
+          <p:cNvPr id="65" name="Oval 64"/>
+          <p:cNvSpPr/>
+          <p:nvPr/>
+        </p:nvSpPr>
+        <p:spPr>
+          <a:xfrm>
+            <a:off x="3341033" y="2144009"/>
+            <a:ext cx="278451" cy="315673"/>
+          </a:xfrm>
+          <a:prstGeom prst="ellipse">
+            <a:avLst/>
+          </a:prstGeom>
+          <a:solidFill>
+            <a:schemeClr val="accent6"/>
+          </a:solidFill>
+          <a:scene3d>
+            <a:camera prst="orthographicFront"/>
+            <a:lightRig rig="threePt" dir="t"/>
+          </a:scene3d>
+          <a:sp3d extrusionH="107950" contourW="12700" prstMaterial="dkEdge">
+            <a:bevelT w="107950" h="107950"/>
+            <a:bevelB w="107950" h="107950"/>
+          </a:sp3d>
+        </p:spPr>
+        <p:style>
+          <a:lnRef idx="2">
+            <a:schemeClr val="accent1">
+              <a:shade val="50000"/>
+            </a:schemeClr>
+          </a:lnRef>
+          <a:fillRef idx="1">
+            <a:schemeClr val="accent1"/>
+          </a:fillRef>
+          <a:effectRef idx="0">
+            <a:schemeClr val="accent1"/>
+          </a:effectRef>
+          <a:fontRef idx="minor">
+            <a:schemeClr val="lt1"/>
+          </a:fontRef>
+        </p:style>
+        <p:txBody>
+          <a:bodyPr rot="0" spcFirstLastPara="0" vert="horz" wrap="square" lIns="91440" tIns="45720" rIns="91440" bIns="45720" numCol="1" spcCol="0" rtlCol="1" fromWordArt="0" anchor="ctr" anchorCtr="0" forceAA="0" compatLnSpc="1">
+            <a:prstTxWarp prst="textNoShape">
+              <a:avLst/>
+            </a:prstTxWarp>
+            <a:noAutofit/>
+          </a:bodyPr>
+          <a:lstStyle/>
+          <a:p>
+            <a:endParaRPr lang="en-US"/>
+          </a:p>
+        </p:txBody>
+      </p:sp>
+      <p:sp>
+        <p:nvSpPr>
+          <p:cNvPr id="66" name="Oval 65"/>
+          <p:cNvSpPr/>
+          <p:nvPr/>
+        </p:nvSpPr>
+        <p:spPr>
+          <a:xfrm>
+            <a:off x="3649943" y="3865756"/>
+            <a:ext cx="278451" cy="315673"/>
+          </a:xfrm>
+          <a:prstGeom prst="ellipse">
+            <a:avLst/>
+          </a:prstGeom>
+          <a:solidFill>
+            <a:schemeClr val="accent6"/>
+          </a:solidFill>
+          <a:scene3d>
+            <a:camera prst="orthographicFront"/>
+            <a:lightRig rig="threePt" dir="t"/>
+          </a:scene3d>
+          <a:sp3d extrusionH="107950" contourW="12700" prstMaterial="dkEdge">
+            <a:bevelT w="107950" h="107950"/>
+            <a:bevelB w="107950" h="107950"/>
+          </a:sp3d>
+        </p:spPr>
+        <p:style>
+          <a:lnRef idx="2">
+            <a:schemeClr val="accent1">
+              <a:shade val="50000"/>
+            </a:schemeClr>
+          </a:lnRef>
+          <a:fillRef idx="1">
+            <a:schemeClr val="accent1"/>
+          </a:fillRef>
+          <a:effectRef idx="0">
+            <a:schemeClr val="accent1"/>
+          </a:effectRef>
+          <a:fontRef idx="minor">
+            <a:schemeClr val="lt1"/>
+          </a:fontRef>
+        </p:style>
+        <p:txBody>
+          <a:bodyPr rot="0" spcFirstLastPara="0" vert="horz" wrap="square" lIns="91440" tIns="45720" rIns="91440" bIns="45720" numCol="1" spcCol="0" rtlCol="1" fromWordArt="0" anchor="ctr" anchorCtr="0" forceAA="0" compatLnSpc="1">
+            <a:prstTxWarp prst="textNoShape">
+              <a:avLst/>
+            </a:prstTxWarp>
+            <a:noAutofit/>
+          </a:bodyPr>
+          <a:lstStyle/>
+          <a:p>
+            <a:endParaRPr lang="en-US"/>
+          </a:p>
+        </p:txBody>
+      </p:sp>
+      <p:sp>
+        <p:nvSpPr>
+          <p:cNvPr id="67" name="Oval 66"/>
+          <p:cNvSpPr/>
+          <p:nvPr/>
+        </p:nvSpPr>
+        <p:spPr>
+          <a:xfrm>
+            <a:off x="2368971" y="4002252"/>
+            <a:ext cx="278451" cy="315673"/>
+          </a:xfrm>
+          <a:prstGeom prst="ellipse">
+            <a:avLst/>
+          </a:prstGeom>
+          <a:solidFill>
+            <a:schemeClr val="accent6"/>
+          </a:solidFill>
+          <a:scene3d>
+            <a:camera prst="orthographicFront"/>
+            <a:lightRig rig="threePt" dir="t"/>
+          </a:scene3d>
+          <a:sp3d extrusionH="107950" contourW="12700" prstMaterial="dkEdge">
+            <a:bevelT w="107950" h="107950"/>
+            <a:bevelB w="107950" h="107950"/>
+          </a:sp3d>
+        </p:spPr>
+        <p:style>
+          <a:lnRef idx="2">
+            <a:schemeClr val="accent1">
+              <a:shade val="50000"/>
+            </a:schemeClr>
+          </a:lnRef>
+          <a:fillRef idx="1">
+            <a:schemeClr val="accent1"/>
+          </a:fillRef>
+          <a:effectRef idx="0">
+            <a:schemeClr val="accent1"/>
+          </a:effectRef>
+          <a:fontRef idx="minor">
+            <a:schemeClr val="lt1"/>
+          </a:fontRef>
+        </p:style>
+        <p:txBody>
+          <a:bodyPr rot="0" spcFirstLastPara="0" vert="horz" wrap="square" lIns="91440" tIns="45720" rIns="91440" bIns="45720" numCol="1" spcCol="0" rtlCol="1" fromWordArt="0" anchor="ctr" anchorCtr="0" forceAA="0" compatLnSpc="1">
+            <a:prstTxWarp prst="textNoShape">
+              <a:avLst/>
+            </a:prstTxWarp>
+            <a:noAutofit/>
+          </a:bodyPr>
+          <a:lstStyle/>
+          <a:p>
+            <a:endParaRPr lang="en-US"/>
+          </a:p>
+        </p:txBody>
+      </p:sp>
+      <p:sp>
+        <p:nvSpPr>
+          <p:cNvPr id="68" name="Oval 67"/>
+          <p:cNvSpPr/>
+          <p:nvPr/>
+        </p:nvSpPr>
+        <p:spPr>
+          <a:xfrm>
+            <a:off x="2376510" y="4492672"/>
+            <a:ext cx="278451" cy="315673"/>
+          </a:xfrm>
+          <a:prstGeom prst="ellipse">
+            <a:avLst/>
+          </a:prstGeom>
+          <a:solidFill>
+            <a:schemeClr val="accent6"/>
+          </a:solidFill>
+          <a:scene3d>
+            <a:camera prst="orthographicFront"/>
+            <a:lightRig rig="threePt" dir="t"/>
+          </a:scene3d>
+          <a:sp3d extrusionH="107950" contourW="12700" prstMaterial="dkEdge">
+            <a:bevelT w="107950" h="107950"/>
+            <a:bevelB w="107950" h="107950"/>
+          </a:sp3d>
+        </p:spPr>
+        <p:style>
+          <a:lnRef idx="2">
+            <a:schemeClr val="accent1">
+              <a:shade val="50000"/>
+            </a:schemeClr>
+          </a:lnRef>
+          <a:fillRef idx="1">
+            <a:schemeClr val="accent1"/>
+          </a:fillRef>
+          <a:effectRef idx="0">
+            <a:schemeClr val="accent1"/>
+          </a:effectRef>
+          <a:fontRef idx="minor">
+            <a:schemeClr val="lt1"/>
+          </a:fontRef>
+        </p:style>
+        <p:txBody>
+          <a:bodyPr rot="0" spcFirstLastPara="0" vert="horz" wrap="square" lIns="91440" tIns="45720" rIns="91440" bIns="45720" numCol="1" spcCol="0" rtlCol="1" fromWordArt="0" anchor="ctr" anchorCtr="0" forceAA="0" compatLnSpc="1">
+            <a:prstTxWarp prst="textNoShape">
+              <a:avLst/>
+            </a:prstTxWarp>
+            <a:noAutofit/>
+          </a:bodyPr>
+          <a:lstStyle/>
+          <a:p>
+            <a:endParaRPr lang="en-US"/>
+          </a:p>
+        </p:txBody>
+      </p:sp>
+      <p:sp>
+        <p:nvSpPr>
+          <p:cNvPr id="69" name="Oval 68"/>
+          <p:cNvSpPr/>
+          <p:nvPr/>
+        </p:nvSpPr>
+        <p:spPr>
+          <a:xfrm>
+            <a:off x="2687823" y="4883674"/>
+            <a:ext cx="278451" cy="315673"/>
+          </a:xfrm>
+          <a:prstGeom prst="ellipse">
+            <a:avLst/>
+          </a:prstGeom>
+          <a:solidFill>
+            <a:schemeClr val="accent6"/>
+          </a:solidFill>
+          <a:scene3d>
+            <a:camera prst="orthographicFront"/>
+            <a:lightRig rig="threePt" dir="t"/>
+          </a:scene3d>
+          <a:sp3d extrusionH="107950" contourW="12700" prstMaterial="dkEdge">
+            <a:bevelT w="107950" h="107950"/>
+            <a:bevelB w="107950" h="107950"/>
+          </a:sp3d>
+        </p:spPr>
+        <p:style>
+          <a:lnRef idx="2">
+            <a:schemeClr val="accent1">
+              <a:shade val="50000"/>
+            </a:schemeClr>
+          </a:lnRef>
+          <a:fillRef idx="1">
+            <a:schemeClr val="accent1"/>
+          </a:fillRef>
+          <a:effectRef idx="0">
+            <a:schemeClr val="accent1"/>
+          </a:effectRef>
+          <a:fontRef idx="minor">
+            <a:schemeClr val="lt1"/>
+          </a:fontRef>
+        </p:style>
+        <p:txBody>
+          <a:bodyPr rot="0" spcFirstLastPara="0" vert="horz" wrap="square" lIns="91440" tIns="45720" rIns="91440" bIns="45720" numCol="1" spcCol="0" rtlCol="1" fromWordArt="0" anchor="ctr" anchorCtr="0" forceAA="0" compatLnSpc="1">
+            <a:prstTxWarp prst="textNoShape">
+              <a:avLst/>
+            </a:prstTxWarp>
+            <a:noAutofit/>
+          </a:bodyPr>
+          <a:lstStyle/>
+          <a:p>
+            <a:endParaRPr lang="en-US"/>
+          </a:p>
+        </p:txBody>
+      </p:sp>
+      <p:sp>
+        <p:nvSpPr>
+          <p:cNvPr id="70" name="Oval 69"/>
+          <p:cNvSpPr/>
+          <p:nvPr/>
+        </p:nvSpPr>
+        <p:spPr>
+          <a:xfrm>
+            <a:off x="2966274" y="4515187"/>
+            <a:ext cx="278451" cy="315673"/>
+          </a:xfrm>
+          <a:prstGeom prst="ellipse">
+            <a:avLst/>
+          </a:prstGeom>
+          <a:solidFill>
+            <a:schemeClr val="accent6"/>
+          </a:solidFill>
+          <a:scene3d>
+            <a:camera prst="orthographicFront"/>
+            <a:lightRig rig="threePt" dir="t"/>
+          </a:scene3d>
+          <a:sp3d extrusionH="107950" contourW="12700" prstMaterial="dkEdge">
+            <a:bevelT w="107950" h="107950"/>
+            <a:bevelB w="107950" h="107950"/>
+          </a:sp3d>
+        </p:spPr>
+        <p:style>
+          <a:lnRef idx="2">
+            <a:schemeClr val="accent1">
+              <a:shade val="50000"/>
+            </a:schemeClr>
+          </a:lnRef>
+          <a:fillRef idx="1">
+            <a:schemeClr val="accent1"/>
+          </a:fillRef>
+          <a:effectRef idx="0">
+            <a:schemeClr val="accent1"/>
+          </a:effectRef>
+          <a:fontRef idx="minor">
+            <a:schemeClr val="lt1"/>
+          </a:fontRef>
+        </p:style>
+        <p:txBody>
+          <a:bodyPr rot="0" spcFirstLastPara="0" vert="horz" wrap="square" lIns="91440" tIns="45720" rIns="91440" bIns="45720" numCol="1" spcCol="0" rtlCol="1" fromWordArt="0" anchor="ctr" anchorCtr="0" forceAA="0" compatLnSpc="1">
+            <a:prstTxWarp prst="textNoShape">
+              <a:avLst/>
+            </a:prstTxWarp>
+            <a:noAutofit/>
+          </a:bodyPr>
+          <a:lstStyle/>
+          <a:p>
+            <a:endParaRPr lang="en-US"/>
+          </a:p>
+        </p:txBody>
+      </p:sp>
+      <p:sp>
+        <p:nvSpPr>
+          <p:cNvPr id="71" name="Oval 70"/>
+          <p:cNvSpPr/>
+          <p:nvPr/>
+        </p:nvSpPr>
+        <p:spPr>
+          <a:xfrm>
+            <a:off x="3046044" y="4016862"/>
+            <a:ext cx="278451" cy="315673"/>
+          </a:xfrm>
+          <a:prstGeom prst="ellipse">
+            <a:avLst/>
+          </a:prstGeom>
+          <a:solidFill>
+            <a:schemeClr val="accent6"/>
+          </a:solidFill>
+          <a:scene3d>
+            <a:camera prst="orthographicFront"/>
+            <a:lightRig rig="threePt" dir="t"/>
+          </a:scene3d>
+          <a:sp3d extrusionH="107950" contourW="12700" prstMaterial="dkEdge">
+            <a:bevelT w="107950" h="107950"/>
+            <a:bevelB w="107950" h="107950"/>
+          </a:sp3d>
+        </p:spPr>
+        <p:style>
+          <a:lnRef idx="2">
+            <a:schemeClr val="accent1">
+              <a:shade val="50000"/>
+            </a:schemeClr>
+          </a:lnRef>
+          <a:fillRef idx="1">
+            <a:schemeClr val="accent1"/>
+          </a:fillRef>
+          <a:effectRef idx="0">
+            <a:schemeClr val="accent1"/>
+          </a:effectRef>
+          <a:fontRef idx="minor">
+            <a:schemeClr val="lt1"/>
+          </a:fontRef>
+        </p:style>
+        <p:txBody>
+          <a:bodyPr rot="0" spcFirstLastPara="0" vert="horz" wrap="square" lIns="91440" tIns="45720" rIns="91440" bIns="45720" numCol="1" spcCol="0" rtlCol="1" fromWordArt="0" anchor="ctr" anchorCtr="0" forceAA="0" compatLnSpc="1">
+            <a:prstTxWarp prst="textNoShape">
+              <a:avLst/>
+            </a:prstTxWarp>
+            <a:noAutofit/>
+          </a:bodyPr>
+          <a:lstStyle/>
+          <a:p>
+            <a:endParaRPr lang="en-US"/>
+          </a:p>
+        </p:txBody>
+      </p:sp>
+      <p:sp>
+        <p:nvSpPr>
+          <p:cNvPr id="72" name="Oval 71"/>
+          <p:cNvSpPr/>
+          <p:nvPr/>
+        </p:nvSpPr>
+        <p:spPr>
+          <a:xfrm>
+            <a:off x="4179456" y="3853588"/>
+            <a:ext cx="278451" cy="315673"/>
+          </a:xfrm>
+          <a:prstGeom prst="ellipse">
+            <a:avLst/>
+          </a:prstGeom>
+          <a:solidFill>
+            <a:schemeClr val="accent6"/>
+          </a:solidFill>
+          <a:scene3d>
+            <a:camera prst="orthographicFront"/>
+            <a:lightRig rig="threePt" dir="t"/>
+          </a:scene3d>
+          <a:sp3d extrusionH="107950" contourW="12700" prstMaterial="dkEdge">
+            <a:bevelT w="107950" h="107950"/>
+            <a:bevelB w="107950" h="107950"/>
+          </a:sp3d>
+        </p:spPr>
+        <p:style>
+          <a:lnRef idx="2">
+            <a:schemeClr val="accent1">
+              <a:shade val="50000"/>
+            </a:schemeClr>
+          </a:lnRef>
+          <a:fillRef idx="1">
+            <a:schemeClr val="accent1"/>
+          </a:fillRef>
+          <a:effectRef idx="0">
+            <a:schemeClr val="accent1"/>
+          </a:effectRef>
+          <a:fontRef idx="minor">
+            <a:schemeClr val="lt1"/>
+          </a:fontRef>
+        </p:style>
+        <p:txBody>
+          <a:bodyPr rot="0" spcFirstLastPara="0" vert="horz" wrap="square" lIns="91440" tIns="45720" rIns="91440" bIns="45720" numCol="1" spcCol="0" rtlCol="1" fromWordArt="0" anchor="ctr" anchorCtr="0" forceAA="0" compatLnSpc="1">
+            <a:prstTxWarp prst="textNoShape">
+              <a:avLst/>
+            </a:prstTxWarp>
+            <a:noAutofit/>
+          </a:bodyPr>
+          <a:lstStyle/>
+          <a:p>
+            <a:endParaRPr lang="en-US"/>
+          </a:p>
+        </p:txBody>
+      </p:sp>
+      <p:sp>
+        <p:nvSpPr>
+          <p:cNvPr id="73" name="Oval 72"/>
+          <p:cNvSpPr/>
+          <p:nvPr/>
+        </p:nvSpPr>
+        <p:spPr>
+          <a:xfrm>
+            <a:off x="2660220" y="2326363"/>
+            <a:ext cx="278451" cy="315673"/>
+          </a:xfrm>
+          <a:prstGeom prst="ellipse">
+            <a:avLst/>
+          </a:prstGeom>
+          <a:solidFill>
+            <a:schemeClr val="accent6"/>
+          </a:solidFill>
+          <a:scene3d>
+            <a:camera prst="orthographicFront"/>
+            <a:lightRig rig="threePt" dir="t"/>
+          </a:scene3d>
+          <a:sp3d extrusionH="107950" contourW="12700" prstMaterial="dkEdge">
+            <a:bevelT w="107950" h="107950"/>
+            <a:bevelB w="107950" h="107950"/>
+          </a:sp3d>
+        </p:spPr>
+        <p:style>
+          <a:lnRef idx="2">
+            <a:schemeClr val="accent1">
+              <a:shade val="50000"/>
+            </a:schemeClr>
+          </a:lnRef>
+          <a:fillRef idx="1">
+            <a:schemeClr val="accent1"/>
+          </a:fillRef>
+          <a:effectRef idx="0">
+            <a:schemeClr val="accent1"/>
+          </a:effectRef>
+          <a:fontRef idx="minor">
+            <a:schemeClr val="lt1"/>
+          </a:fontRef>
+        </p:style>
+        <p:txBody>
+          <a:bodyPr rot="0" spcFirstLastPara="0" vert="horz" wrap="square" lIns="91440" tIns="45720" rIns="91440" bIns="45720" numCol="1" spcCol="0" rtlCol="1" fromWordArt="0" anchor="ctr" anchorCtr="0" forceAA="0" compatLnSpc="1">
+            <a:prstTxWarp prst="textNoShape">
+              <a:avLst/>
+            </a:prstTxWarp>
+            <a:noAutofit/>
+          </a:bodyPr>
+          <a:lstStyle/>
+          <a:p>
+            <a:endParaRPr lang="en-US"/>
+          </a:p>
+        </p:txBody>
+      </p:sp>
+      <p:sp>
+        <p:nvSpPr>
+          <p:cNvPr id="74" name="Oval 73"/>
+          <p:cNvSpPr/>
+          <p:nvPr/>
+        </p:nvSpPr>
+        <p:spPr>
+          <a:xfrm>
+            <a:off x="2425015" y="2670627"/>
+            <a:ext cx="278451" cy="315673"/>
+          </a:xfrm>
+          <a:prstGeom prst="ellipse">
+            <a:avLst/>
+          </a:prstGeom>
+          <a:solidFill>
+            <a:schemeClr val="accent6"/>
+          </a:solidFill>
+          <a:scene3d>
+            <a:camera prst="orthographicFront"/>
+            <a:lightRig rig="threePt" dir="t"/>
+          </a:scene3d>
+          <a:sp3d extrusionH="107950" contourW="12700" prstMaterial="dkEdge">
+            <a:bevelT w="107950" h="107950"/>
+            <a:bevelB w="107950" h="107950"/>
+          </a:sp3d>
+        </p:spPr>
+        <p:style>
+          <a:lnRef idx="2">
+            <a:schemeClr val="accent1">
+              <a:shade val="50000"/>
+            </a:schemeClr>
+          </a:lnRef>
+          <a:fillRef idx="1">
+            <a:schemeClr val="accent1"/>
+          </a:fillRef>
+          <a:effectRef idx="0">
+            <a:schemeClr val="accent1"/>
+          </a:effectRef>
+          <a:fontRef idx="minor">
+            <a:schemeClr val="lt1"/>
+          </a:fontRef>
+        </p:style>
+        <p:txBody>
+          <a:bodyPr rot="0" spcFirstLastPara="0" vert="horz" wrap="square" lIns="91440" tIns="45720" rIns="91440" bIns="45720" numCol="1" spcCol="0" rtlCol="1" fromWordArt="0" anchor="ctr" anchorCtr="0" forceAA="0" compatLnSpc="1">
+            <a:prstTxWarp prst="textNoShape">
+              <a:avLst/>
+            </a:prstTxWarp>
+            <a:noAutofit/>
+          </a:bodyPr>
+          <a:lstStyle/>
+          <a:p>
+            <a:endParaRPr lang="en-US"/>
+          </a:p>
+        </p:txBody>
+      </p:sp>
+      <p:sp>
+        <p:nvSpPr>
+          <p:cNvPr id="75" name="Oval 74"/>
+          <p:cNvSpPr/>
+          <p:nvPr/>
+        </p:nvSpPr>
+        <p:spPr>
+          <a:xfrm>
+            <a:off x="2795390" y="3129106"/>
+            <a:ext cx="278451" cy="315673"/>
+          </a:xfrm>
+          <a:prstGeom prst="ellipse">
+            <a:avLst/>
+          </a:prstGeom>
+          <a:solidFill>
+            <a:schemeClr val="accent6"/>
+          </a:solidFill>
+          <a:scene3d>
+            <a:camera prst="orthographicFront"/>
+            <a:lightRig rig="threePt" dir="t"/>
+          </a:scene3d>
+          <a:sp3d extrusionH="107950" contourW="12700" prstMaterial="dkEdge">
+            <a:bevelT w="107950" h="107950"/>
+            <a:bevelB w="107950" h="107950"/>
+          </a:sp3d>
+        </p:spPr>
+        <p:style>
+          <a:lnRef idx="2">
+            <a:schemeClr val="accent1">
+              <a:shade val="50000"/>
+            </a:schemeClr>
+          </a:lnRef>
+          <a:fillRef idx="1">
+            <a:schemeClr val="accent1"/>
+          </a:fillRef>
+          <a:effectRef idx="0">
+            <a:schemeClr val="accent1"/>
+          </a:effectRef>
+          <a:fontRef idx="minor">
+            <a:schemeClr val="lt1"/>
+          </a:fontRef>
+        </p:style>
+        <p:txBody>
+          <a:bodyPr rot="0" spcFirstLastPara="0" vert="horz" wrap="square" lIns="91440" tIns="45720" rIns="91440" bIns="45720" numCol="1" spcCol="0" rtlCol="1" fromWordArt="0" anchor="ctr" anchorCtr="0" forceAA="0" compatLnSpc="1">
+            <a:prstTxWarp prst="textNoShape">
+              <a:avLst/>
+            </a:prstTxWarp>
+            <a:noAutofit/>
+          </a:bodyPr>
+          <a:lstStyle/>
+          <a:p>
+            <a:endParaRPr lang="en-US"/>
+          </a:p>
+        </p:txBody>
+      </p:sp>
+      <p:sp>
+        <p:nvSpPr>
+          <p:cNvPr id="76" name="Oval 75"/>
+          <p:cNvSpPr/>
+          <p:nvPr/>
+        </p:nvSpPr>
+        <p:spPr>
+          <a:xfrm>
+            <a:off x="2384439" y="3065219"/>
+            <a:ext cx="278451" cy="315673"/>
+          </a:xfrm>
+          <a:prstGeom prst="ellipse">
+            <a:avLst/>
+          </a:prstGeom>
+          <a:solidFill>
+            <a:schemeClr val="accent6"/>
+          </a:solidFill>
+          <a:scene3d>
+            <a:camera prst="orthographicFront"/>
+            <a:lightRig rig="threePt" dir="t"/>
+          </a:scene3d>
+          <a:sp3d extrusionH="107950" contourW="12700" prstMaterial="dkEdge">
+            <a:bevelT w="107950" h="107950"/>
+            <a:bevelB w="107950" h="107950"/>
+          </a:sp3d>
+        </p:spPr>
+        <p:style>
+          <a:lnRef idx="2">
+            <a:schemeClr val="accent1">
+              <a:shade val="50000"/>
+            </a:schemeClr>
+          </a:lnRef>
+          <a:fillRef idx="1">
+            <a:schemeClr val="accent1"/>
+          </a:fillRef>
+          <a:effectRef idx="0">
+            <a:schemeClr val="accent1"/>
+          </a:effectRef>
+          <a:fontRef idx="minor">
+            <a:schemeClr val="lt1"/>
+          </a:fontRef>
+        </p:style>
+        <p:txBody>
+          <a:bodyPr rot="0" spcFirstLastPara="0" vert="horz" wrap="square" lIns="91440" tIns="45720" rIns="91440" bIns="45720" numCol="1" spcCol="0" rtlCol="1" fromWordArt="0" anchor="ctr" anchorCtr="0" forceAA="0" compatLnSpc="1">
+            <a:prstTxWarp prst="textNoShape">
+              <a:avLst/>
+            </a:prstTxWarp>
+            <a:noAutofit/>
+          </a:bodyPr>
+          <a:lstStyle/>
+          <a:p>
+            <a:endParaRPr lang="en-US"/>
+          </a:p>
+        </p:txBody>
+      </p:sp>
+      <p:sp>
+        <p:nvSpPr>
+          <p:cNvPr id="77" name="Oval 76"/>
+          <p:cNvSpPr/>
+          <p:nvPr/>
+        </p:nvSpPr>
+        <p:spPr>
+          <a:xfrm>
+            <a:off x="2385743" y="3511430"/>
+            <a:ext cx="278451" cy="315673"/>
+          </a:xfrm>
+          <a:prstGeom prst="ellipse">
+            <a:avLst/>
+          </a:prstGeom>
+          <a:solidFill>
+            <a:schemeClr val="accent6"/>
+          </a:solidFill>
+          <a:scene3d>
+            <a:camera prst="orthographicFront"/>
+            <a:lightRig rig="threePt" dir="t"/>
+          </a:scene3d>
+          <a:sp3d extrusionH="107950" contourW="12700" prstMaterial="dkEdge">
+            <a:bevelT w="107950" h="107950"/>
+            <a:bevelB w="107950" h="107950"/>
+          </a:sp3d>
+        </p:spPr>
+        <p:style>
+          <a:lnRef idx="2">
+            <a:schemeClr val="accent1">
+              <a:shade val="50000"/>
+            </a:schemeClr>
+          </a:lnRef>
+          <a:fillRef idx="1">
+            <a:schemeClr val="accent1"/>
+          </a:fillRef>
+          <a:effectRef idx="0">
+            <a:schemeClr val="accent1"/>
+          </a:effectRef>
+          <a:fontRef idx="minor">
+            <a:schemeClr val="lt1"/>
+          </a:fontRef>
+        </p:style>
+        <p:txBody>
+          <a:bodyPr rot="0" spcFirstLastPara="0" vert="horz" wrap="square" lIns="91440" tIns="45720" rIns="91440" bIns="45720" numCol="1" spcCol="0" rtlCol="1" fromWordArt="0" anchor="ctr" anchorCtr="0" forceAA="0" compatLnSpc="1">
+            <a:prstTxWarp prst="textNoShape">
+              <a:avLst/>
+            </a:prstTxWarp>
+            <a:noAutofit/>
+          </a:bodyPr>
+          <a:lstStyle/>
+          <a:p>
+            <a:endParaRPr lang="en-US"/>
+          </a:p>
+        </p:txBody>
+      </p:sp>
+      <p:sp>
+        <p:nvSpPr>
+          <p:cNvPr id="78" name="Oval 77"/>
+          <p:cNvSpPr/>
+          <p:nvPr/>
+        </p:nvSpPr>
+        <p:spPr>
+          <a:xfrm>
+            <a:off x="1136752" y="1816572"/>
+            <a:ext cx="278451" cy="315673"/>
+          </a:xfrm>
+          <a:prstGeom prst="ellipse">
+            <a:avLst/>
+          </a:prstGeom>
+          <a:solidFill>
+            <a:schemeClr val="accent6"/>
+          </a:solidFill>
+          <a:scene3d>
+            <a:camera prst="orthographicFront"/>
+            <a:lightRig rig="threePt" dir="t"/>
+          </a:scene3d>
+          <a:sp3d extrusionH="107950" contourW="12700" prstMaterial="dkEdge">
+            <a:bevelT w="107950" h="107950"/>
+            <a:bevelB w="107950" h="107950"/>
+          </a:sp3d>
+        </p:spPr>
+        <p:style>
+          <a:lnRef idx="2">
+            <a:schemeClr val="accent1">
+              <a:shade val="50000"/>
+            </a:schemeClr>
+          </a:lnRef>
+          <a:fillRef idx="1">
+            <a:schemeClr val="accent1"/>
+          </a:fillRef>
+          <a:effectRef idx="0">
+            <a:schemeClr val="accent1"/>
+          </a:effectRef>
+          <a:fontRef idx="minor">
+            <a:schemeClr val="lt1"/>
+          </a:fontRef>
+        </p:style>
+        <p:txBody>
+          <a:bodyPr rot="0" spcFirstLastPara="0" vert="horz" wrap="square" lIns="91440" tIns="45720" rIns="91440" bIns="45720" numCol="1" spcCol="0" rtlCol="1" fromWordArt="0" anchor="ctr" anchorCtr="0" forceAA="0" compatLnSpc="1">
+            <a:prstTxWarp prst="textNoShape">
+              <a:avLst/>
+            </a:prstTxWarp>
+            <a:noAutofit/>
+          </a:bodyPr>
+          <a:lstStyle/>
+          <a:p>
+            <a:endParaRPr lang="en-US"/>
+          </a:p>
+        </p:txBody>
+      </p:sp>
+      <p:sp>
+        <p:nvSpPr>
+          <p:cNvPr id="79" name="Oval 78"/>
+          <p:cNvSpPr/>
+          <p:nvPr/>
+        </p:nvSpPr>
+        <p:spPr>
+          <a:xfrm>
+            <a:off x="1659279" y="1870540"/>
+            <a:ext cx="278451" cy="315673"/>
+          </a:xfrm>
+          <a:prstGeom prst="ellipse">
+            <a:avLst/>
+          </a:prstGeom>
+          <a:solidFill>
+            <a:schemeClr val="accent6"/>
+          </a:solidFill>
+          <a:scene3d>
+            <a:camera prst="orthographicFront"/>
+            <a:lightRig rig="threePt" dir="t"/>
+          </a:scene3d>
+          <a:sp3d extrusionH="107950" contourW="12700" prstMaterial="dkEdge">
+            <a:bevelT w="107950" h="107950"/>
+            <a:bevelB w="107950" h="107950"/>
+          </a:sp3d>
+        </p:spPr>
+        <p:style>
+          <a:lnRef idx="2">
+            <a:schemeClr val="accent1">
+              <a:shade val="50000"/>
+            </a:schemeClr>
+          </a:lnRef>
+          <a:fillRef idx="1">
+            <a:schemeClr val="accent1"/>
+          </a:fillRef>
+          <a:effectRef idx="0">
+            <a:schemeClr val="accent1"/>
+          </a:effectRef>
+          <a:fontRef idx="minor">
+            <a:schemeClr val="lt1"/>
+          </a:fontRef>
+        </p:style>
+        <p:txBody>
+          <a:bodyPr rot="0" spcFirstLastPara="0" vert="horz" wrap="square" lIns="91440" tIns="45720" rIns="91440" bIns="45720" numCol="1" spcCol="0" rtlCol="1" fromWordArt="0" anchor="ctr" anchorCtr="0" forceAA="0" compatLnSpc="1">
+            <a:prstTxWarp prst="textNoShape">
+              <a:avLst/>
+            </a:prstTxWarp>
+            <a:noAutofit/>
+          </a:bodyPr>
+          <a:lstStyle/>
+          <a:p>
+            <a:endParaRPr lang="en-US"/>
+          </a:p>
+        </p:txBody>
+      </p:sp>
+      <p:sp>
+        <p:nvSpPr>
+          <p:cNvPr id="80" name="Oval 79"/>
+          <p:cNvSpPr/>
+          <p:nvPr/>
+        </p:nvSpPr>
+        <p:spPr>
+          <a:xfrm>
+            <a:off x="2060651" y="2123830"/>
+            <a:ext cx="278451" cy="315673"/>
+          </a:xfrm>
+          <a:prstGeom prst="ellipse">
+            <a:avLst/>
+          </a:prstGeom>
+          <a:solidFill>
+            <a:schemeClr val="accent6"/>
+          </a:solidFill>
+          <a:scene3d>
+            <a:camera prst="orthographicFront"/>
+            <a:lightRig rig="threePt" dir="t"/>
+          </a:scene3d>
+          <a:sp3d extrusionH="107950" contourW="12700" prstMaterial="dkEdge">
+            <a:bevelT w="107950" h="107950"/>
+            <a:bevelB w="107950" h="107950"/>
+          </a:sp3d>
+        </p:spPr>
+        <p:style>
+          <a:lnRef idx="2">
+            <a:schemeClr val="accent1">
+              <a:shade val="50000"/>
+            </a:schemeClr>
+          </a:lnRef>
+          <a:fillRef idx="1">
+            <a:schemeClr val="accent1"/>
+          </a:fillRef>
+          <a:effectRef idx="0">
+            <a:schemeClr val="accent1"/>
+          </a:effectRef>
+          <a:fontRef idx="minor">
+            <a:schemeClr val="lt1"/>
+          </a:fontRef>
+        </p:style>
+        <p:txBody>
+          <a:bodyPr rot="0" spcFirstLastPara="0" vert="horz" wrap="square" lIns="91440" tIns="45720" rIns="91440" bIns="45720" numCol="1" spcCol="0" rtlCol="1" fromWordArt="0" anchor="ctr" anchorCtr="0" forceAA="0" compatLnSpc="1">
+            <a:prstTxWarp prst="textNoShape">
+              <a:avLst/>
+            </a:prstTxWarp>
+            <a:noAutofit/>
+          </a:bodyPr>
+          <a:lstStyle/>
+          <a:p>
+            <a:endParaRPr lang="en-US"/>
+          </a:p>
+        </p:txBody>
+      </p:sp>
+      <p:sp>
+        <p:nvSpPr>
+          <p:cNvPr id="81" name="Oval 80"/>
+          <p:cNvSpPr/>
+          <p:nvPr/>
+        </p:nvSpPr>
+        <p:spPr>
+          <a:xfrm>
+            <a:off x="2958265" y="2603583"/>
+            <a:ext cx="278451" cy="315673"/>
+          </a:xfrm>
+          <a:prstGeom prst="ellipse">
+            <a:avLst/>
+          </a:prstGeom>
+          <a:solidFill>
+            <a:schemeClr val="accent6"/>
+          </a:solidFill>
+          <a:scene3d>
+            <a:camera prst="orthographicFront"/>
+            <a:lightRig rig="threePt" dir="t"/>
+          </a:scene3d>
+          <a:sp3d extrusionH="107950" contourW="12700" prstMaterial="dkEdge">
+            <a:bevelT w="107950" h="107950"/>
+            <a:bevelB w="107950" h="107950"/>
+          </a:sp3d>
+        </p:spPr>
+        <p:style>
+          <a:lnRef idx="2">
+            <a:schemeClr val="accent1">
+              <a:shade val="50000"/>
+            </a:schemeClr>
+          </a:lnRef>
+          <a:fillRef idx="1">
+            <a:schemeClr val="accent1"/>
+          </a:fillRef>
+          <a:effectRef idx="0">
+            <a:schemeClr val="accent1"/>
+          </a:effectRef>
+          <a:fontRef idx="minor">
+            <a:schemeClr val="lt1"/>
+          </a:fontRef>
+        </p:style>
+        <p:txBody>
+          <a:bodyPr rot="0" spcFirstLastPara="0" vert="horz" wrap="square" lIns="91440" tIns="45720" rIns="91440" bIns="45720" numCol="1" spcCol="0" rtlCol="1" fromWordArt="0" anchor="ctr" anchorCtr="0" forceAA="0" compatLnSpc="1">
+            <a:prstTxWarp prst="textNoShape">
+              <a:avLst/>
+            </a:prstTxWarp>
+            <a:noAutofit/>
+          </a:bodyPr>
+          <a:lstStyle/>
+          <a:p>
+            <a:endParaRPr lang="en-US"/>
+          </a:p>
+        </p:txBody>
+      </p:sp>
+      <p:sp>
+        <p:nvSpPr>
+          <p:cNvPr id="82" name="Oval 81"/>
+          <p:cNvSpPr/>
+          <p:nvPr/>
+        </p:nvSpPr>
+        <p:spPr>
+          <a:xfrm>
+            <a:off x="334544" y="2770398"/>
+            <a:ext cx="278451" cy="315673"/>
+          </a:xfrm>
+          <a:prstGeom prst="ellipse">
+            <a:avLst/>
+          </a:prstGeom>
+          <a:solidFill>
+            <a:schemeClr val="accent6"/>
+          </a:solidFill>
+          <a:scene3d>
+            <a:camera prst="orthographicFront"/>
+            <a:lightRig rig="threePt" dir="t"/>
+          </a:scene3d>
+          <a:sp3d extrusionH="107950" contourW="12700" prstMaterial="dkEdge">
+            <a:bevelT w="107950" h="107950"/>
+            <a:bevelB w="107950" h="107950"/>
+          </a:sp3d>
+        </p:spPr>
+        <p:style>
+          <a:lnRef idx="2">
+            <a:schemeClr val="accent1">
+              <a:shade val="50000"/>
+            </a:schemeClr>
+          </a:lnRef>
+          <a:fillRef idx="1">
+            <a:schemeClr val="accent1"/>
+          </a:fillRef>
+          <a:effectRef idx="0">
+            <a:schemeClr val="accent1"/>
+          </a:effectRef>
+          <a:fontRef idx="minor">
+            <a:schemeClr val="lt1"/>
+          </a:fontRef>
+        </p:style>
+        <p:txBody>
+          <a:bodyPr rot="0" spcFirstLastPara="0" vert="horz" wrap="square" lIns="91440" tIns="45720" rIns="91440" bIns="45720" numCol="1" spcCol="0" rtlCol="1" fromWordArt="0" anchor="ctr" anchorCtr="0" forceAA="0" compatLnSpc="1">
+            <a:prstTxWarp prst="textNoShape">
+              <a:avLst/>
+            </a:prstTxWarp>
+            <a:noAutofit/>
+          </a:bodyPr>
+          <a:lstStyle/>
+          <a:p>
+            <a:endParaRPr lang="en-US"/>
+          </a:p>
+        </p:txBody>
+      </p:sp>
+      <p:sp>
+        <p:nvSpPr>
+          <p:cNvPr id="83" name="Oval 82"/>
+          <p:cNvSpPr/>
+          <p:nvPr/>
+        </p:nvSpPr>
+        <p:spPr>
+          <a:xfrm>
+            <a:off x="415927" y="2286890"/>
+            <a:ext cx="278451" cy="315673"/>
+          </a:xfrm>
+          <a:prstGeom prst="ellipse">
+            <a:avLst/>
+          </a:prstGeom>
+          <a:solidFill>
+            <a:schemeClr val="accent6"/>
+          </a:solidFill>
+          <a:scene3d>
+            <a:camera prst="orthographicFront"/>
+            <a:lightRig rig="threePt" dir="t"/>
+          </a:scene3d>
+          <a:sp3d extrusionH="107950" contourW="12700" prstMaterial="dkEdge">
+            <a:bevelT w="107950" h="107950"/>
+            <a:bevelB w="107950" h="107950"/>
+          </a:sp3d>
+        </p:spPr>
+        <p:style>
+          <a:lnRef idx="2">
+            <a:schemeClr val="accent1">
+              <a:shade val="50000"/>
+            </a:schemeClr>
+          </a:lnRef>
+          <a:fillRef idx="1">
+            <a:schemeClr val="accent1"/>
+          </a:fillRef>
+          <a:effectRef idx="0">
+            <a:schemeClr val="accent1"/>
+          </a:effectRef>
+          <a:fontRef idx="minor">
+            <a:schemeClr val="lt1"/>
+          </a:fontRef>
+        </p:style>
+        <p:txBody>
+          <a:bodyPr rot="0" spcFirstLastPara="0" vert="horz" wrap="square" lIns="91440" tIns="45720" rIns="91440" bIns="45720" numCol="1" spcCol="0" rtlCol="1" fromWordArt="0" anchor="ctr" anchorCtr="0" forceAA="0" compatLnSpc="1">
+            <a:prstTxWarp prst="textNoShape">
+              <a:avLst/>
+            </a:prstTxWarp>
+            <a:noAutofit/>
+          </a:bodyPr>
+          <a:lstStyle/>
+          <a:p>
+            <a:endParaRPr lang="en-US"/>
+          </a:p>
+        </p:txBody>
+      </p:sp>
+      <p:sp>
+        <p:nvSpPr>
+          <p:cNvPr id="84" name="Oval 83"/>
+          <p:cNvSpPr/>
+          <p:nvPr/>
+        </p:nvSpPr>
+        <p:spPr>
+          <a:xfrm>
+            <a:off x="719076" y="1941178"/>
+            <a:ext cx="278451" cy="315673"/>
+          </a:xfrm>
+          <a:prstGeom prst="ellipse">
+            <a:avLst/>
+          </a:prstGeom>
+          <a:solidFill>
+            <a:schemeClr val="accent6"/>
+          </a:solidFill>
+          <a:scene3d>
+            <a:camera prst="orthographicFront"/>
+            <a:lightRig rig="threePt" dir="t"/>
+          </a:scene3d>
+          <a:sp3d extrusionH="107950" contourW="12700" prstMaterial="dkEdge">
+            <a:bevelT w="107950" h="107950"/>
+            <a:bevelB w="107950" h="107950"/>
+          </a:sp3d>
+        </p:spPr>
+        <p:style>
+          <a:lnRef idx="2">
+            <a:schemeClr val="accent1">
+              <a:shade val="50000"/>
+            </a:schemeClr>
+          </a:lnRef>
+          <a:fillRef idx="1">
+            <a:schemeClr val="accent1"/>
+          </a:fillRef>
+          <a:effectRef idx="0">
+            <a:schemeClr val="accent1"/>
+          </a:effectRef>
+          <a:fontRef idx="minor">
+            <a:schemeClr val="lt1"/>
+          </a:fontRef>
+        </p:style>
+        <p:txBody>
+          <a:bodyPr rot="0" spcFirstLastPara="0" vert="horz" wrap="square" lIns="91440" tIns="45720" rIns="91440" bIns="45720" numCol="1" spcCol="0" rtlCol="1" fromWordArt="0" anchor="ctr" anchorCtr="0" forceAA="0" compatLnSpc="1">
+            <a:prstTxWarp prst="textNoShape">
+              <a:avLst/>
+            </a:prstTxWarp>
+            <a:noAutofit/>
+          </a:bodyPr>
+          <a:lstStyle/>
+          <a:p>
+            <a:endParaRPr lang="en-US"/>
+          </a:p>
+        </p:txBody>
+      </p:sp>
+    </p:spTree>
+    <p:extLst>
+      <p:ext uri="{BB962C8B-B14F-4D97-AF65-F5344CB8AC3E}">
+        <p14:creationId xmlns:p14="http://schemas.microsoft.com/office/powerpoint/2010/main" val="3198218699"/>
+      </p:ext>
+    </p:extLst>
+  </p:cSld>
+  <p:clrMapOvr>
+    <a:masterClrMapping/>
+  </p:clrMapOvr>
+</p:sld>
+</file>
+
 <file path=ppt/theme/theme1.xml><?xml version="1.0" encoding="utf-8"?>
 <a:theme xmlns:a="http://schemas.openxmlformats.org/drawingml/2006/main" name="Office Theme">
   <a:themeElements>

--- a/Documents/(article) Random Loop Model to Explain the TAD in CC Experiments/polymerModelWithOneAndTwoFixedLoopsAndInternalConnections.pptx
+++ b/Documents/(article) Random Loop Model to Explain the TAD in CC Experiments/polymerModelWithOneAndTwoFixedLoopsAndInternalConnections.pptx
@@ -9,6 +9,7 @@
     <p:sldId id="257" r:id="rId3"/>
     <p:sldId id="258" r:id="rId4"/>
     <p:sldId id="259" r:id="rId5"/>
+    <p:sldId id="260" r:id="rId6"/>
   </p:sldIdLst>
   <p:sldSz cx="12192000" cy="6858000"/>
   <p:notesSz cx="6858000" cy="9144000"/>
@@ -246,7 +247,7 @@
           <a:p>
             <a:fld id="{11E755D3-E711-4D0A-850C-1C48A3BA9F8A}" type="datetimeFigureOut">
               <a:rPr lang="en-US" smtClean="0"/>
-              <a:t>11/26/2014</a:t>
+              <a:t>11/27/2014</a:t>
             </a:fld>
             <a:endParaRPr lang="en-US"/>
           </a:p>
@@ -416,7 +417,7 @@
           <a:p>
             <a:fld id="{11E755D3-E711-4D0A-850C-1C48A3BA9F8A}" type="datetimeFigureOut">
               <a:rPr lang="en-US" smtClean="0"/>
-              <a:t>11/26/2014</a:t>
+              <a:t>11/27/2014</a:t>
             </a:fld>
             <a:endParaRPr lang="en-US"/>
           </a:p>
@@ -596,7 +597,7 @@
           <a:p>
             <a:fld id="{11E755D3-E711-4D0A-850C-1C48A3BA9F8A}" type="datetimeFigureOut">
               <a:rPr lang="en-US" smtClean="0"/>
-              <a:t>11/26/2014</a:t>
+              <a:t>11/27/2014</a:t>
             </a:fld>
             <a:endParaRPr lang="en-US"/>
           </a:p>
@@ -766,7 +767,7 @@
           <a:p>
             <a:fld id="{11E755D3-E711-4D0A-850C-1C48A3BA9F8A}" type="datetimeFigureOut">
               <a:rPr lang="en-US" smtClean="0"/>
-              <a:t>11/26/2014</a:t>
+              <a:t>11/27/2014</a:t>
             </a:fld>
             <a:endParaRPr lang="en-US"/>
           </a:p>
@@ -1012,7 +1013,7 @@
           <a:p>
             <a:fld id="{11E755D3-E711-4D0A-850C-1C48A3BA9F8A}" type="datetimeFigureOut">
               <a:rPr lang="en-US" smtClean="0"/>
-              <a:t>11/26/2014</a:t>
+              <a:t>11/27/2014</a:t>
             </a:fld>
             <a:endParaRPr lang="en-US"/>
           </a:p>
@@ -1244,7 +1245,7 @@
           <a:p>
             <a:fld id="{11E755D3-E711-4D0A-850C-1C48A3BA9F8A}" type="datetimeFigureOut">
               <a:rPr lang="en-US" smtClean="0"/>
-              <a:t>11/26/2014</a:t>
+              <a:t>11/27/2014</a:t>
             </a:fld>
             <a:endParaRPr lang="en-US"/>
           </a:p>
@@ -1611,7 +1612,7 @@
           <a:p>
             <a:fld id="{11E755D3-E711-4D0A-850C-1C48A3BA9F8A}" type="datetimeFigureOut">
               <a:rPr lang="en-US" smtClean="0"/>
-              <a:t>11/26/2014</a:t>
+              <a:t>11/27/2014</a:t>
             </a:fld>
             <a:endParaRPr lang="en-US"/>
           </a:p>
@@ -1729,7 +1730,7 @@
           <a:p>
             <a:fld id="{11E755D3-E711-4D0A-850C-1C48A3BA9F8A}" type="datetimeFigureOut">
               <a:rPr lang="en-US" smtClean="0"/>
-              <a:t>11/26/2014</a:t>
+              <a:t>11/27/2014</a:t>
             </a:fld>
             <a:endParaRPr lang="en-US"/>
           </a:p>
@@ -1824,7 +1825,7 @@
           <a:p>
             <a:fld id="{11E755D3-E711-4D0A-850C-1C48A3BA9F8A}" type="datetimeFigureOut">
               <a:rPr lang="en-US" smtClean="0"/>
-              <a:t>11/26/2014</a:t>
+              <a:t>11/27/2014</a:t>
             </a:fld>
             <a:endParaRPr lang="en-US"/>
           </a:p>
@@ -2101,7 +2102,7 @@
           <a:p>
             <a:fld id="{11E755D3-E711-4D0A-850C-1C48A3BA9F8A}" type="datetimeFigureOut">
               <a:rPr lang="en-US" smtClean="0"/>
-              <a:t>11/26/2014</a:t>
+              <a:t>11/27/2014</a:t>
             </a:fld>
             <a:endParaRPr lang="en-US"/>
           </a:p>
@@ -2354,7 +2355,7 @@
           <a:p>
             <a:fld id="{11E755D3-E711-4D0A-850C-1C48A3BA9F8A}" type="datetimeFigureOut">
               <a:rPr lang="en-US" smtClean="0"/>
-              <a:t>11/26/2014</a:t>
+              <a:t>11/27/2014</a:t>
             </a:fld>
             <a:endParaRPr lang="en-US"/>
           </a:p>
@@ -2567,7 +2568,7 @@
           <a:p>
             <a:fld id="{11E755D3-E711-4D0A-850C-1C48A3BA9F8A}" type="datetimeFigureOut">
               <a:rPr lang="en-US" smtClean="0"/>
-              <a:t>11/26/2014</a:t>
+              <a:t>11/27/2014</a:t>
             </a:fld>
             <a:endParaRPr lang="en-US"/>
           </a:p>
@@ -18031,6 +18032,1853 @@
 </p:sld>
 </file>
 
+<file path=ppt/slides/slide5.xml><?xml version="1.0" encoding="utf-8"?>
+<p:sld xmlns:a="http://schemas.openxmlformats.org/drawingml/2006/main" xmlns:r="http://schemas.openxmlformats.org/officeDocument/2006/relationships" xmlns:p="http://schemas.openxmlformats.org/presentationml/2006/main">
+  <p:cSld>
+    <p:spTree>
+      <p:nvGrpSpPr>
+        <p:cNvPr id="1" name=""/>
+        <p:cNvGrpSpPr/>
+        <p:nvPr/>
+      </p:nvGrpSpPr>
+      <p:grpSpPr>
+        <a:xfrm>
+          <a:off x="0" y="0"/>
+          <a:ext cx="0" cy="0"/>
+          <a:chOff x="0" y="0"/>
+          <a:chExt cx="0" cy="0"/>
+        </a:xfrm>
+      </p:grpSpPr>
+      <p:sp>
+        <p:nvSpPr>
+          <p:cNvPr id="4" name="Oval 3"/>
+          <p:cNvSpPr/>
+          <p:nvPr/>
+        </p:nvSpPr>
+        <p:spPr>
+          <a:xfrm>
+            <a:off x="1819564" y="1884218"/>
+            <a:ext cx="498763" cy="508000"/>
+          </a:xfrm>
+          <a:prstGeom prst="ellipse">
+            <a:avLst/>
+          </a:prstGeom>
+          <a:solidFill>
+            <a:schemeClr val="accent2">
+              <a:lumMod val="75000"/>
+            </a:schemeClr>
+          </a:solidFill>
+        </p:spPr>
+        <p:style>
+          <a:lnRef idx="2">
+            <a:schemeClr val="accent1">
+              <a:shade val="50000"/>
+            </a:schemeClr>
+          </a:lnRef>
+          <a:fillRef idx="1">
+            <a:schemeClr val="accent1"/>
+          </a:fillRef>
+          <a:effectRef idx="0">
+            <a:schemeClr val="accent1"/>
+          </a:effectRef>
+          <a:fontRef idx="minor">
+            <a:schemeClr val="lt1"/>
+          </a:fontRef>
+        </p:style>
+        <p:txBody>
+          <a:bodyPr rtlCol="0" anchor="ctr"/>
+          <a:lstStyle/>
+          <a:p>
+            <a:pPr algn="ctr"/>
+            <a:r>
+              <a:rPr lang="en-US" dirty="0" smtClean="0"/>
+              <a:t>1</a:t>
+            </a:r>
+            <a:endParaRPr lang="en-US" dirty="0"/>
+          </a:p>
+        </p:txBody>
+      </p:sp>
+      <p:sp>
+        <p:nvSpPr>
+          <p:cNvPr id="5" name="Oval 4"/>
+          <p:cNvSpPr/>
+          <p:nvPr/>
+        </p:nvSpPr>
+        <p:spPr>
+          <a:xfrm>
+            <a:off x="6252510" y="2406072"/>
+            <a:ext cx="498763" cy="508000"/>
+          </a:xfrm>
+          <a:prstGeom prst="ellipse">
+            <a:avLst/>
+          </a:prstGeom>
+        </p:spPr>
+        <p:style>
+          <a:lnRef idx="2">
+            <a:schemeClr val="accent1">
+              <a:shade val="50000"/>
+            </a:schemeClr>
+          </a:lnRef>
+          <a:fillRef idx="1">
+            <a:schemeClr val="accent1"/>
+          </a:fillRef>
+          <a:effectRef idx="0">
+            <a:schemeClr val="accent1"/>
+          </a:effectRef>
+          <a:fontRef idx="minor">
+            <a:schemeClr val="lt1"/>
+          </a:fontRef>
+        </p:style>
+        <p:txBody>
+          <a:bodyPr rtlCol="0" anchor="ctr"/>
+          <a:lstStyle/>
+          <a:p>
+            <a:pPr algn="ctr"/>
+            <a:r>
+              <a:rPr lang="en-US" dirty="0" smtClean="0"/>
+              <a:t>4</a:t>
+            </a:r>
+            <a:endParaRPr lang="en-US" dirty="0"/>
+          </a:p>
+        </p:txBody>
+      </p:sp>
+      <p:sp>
+        <p:nvSpPr>
+          <p:cNvPr id="6" name="Oval 5"/>
+          <p:cNvSpPr/>
+          <p:nvPr/>
+        </p:nvSpPr>
+        <p:spPr>
+          <a:xfrm>
+            <a:off x="4918365" y="2152072"/>
+            <a:ext cx="498763" cy="508000"/>
+          </a:xfrm>
+          <a:prstGeom prst="ellipse">
+            <a:avLst/>
+          </a:prstGeom>
+        </p:spPr>
+        <p:style>
+          <a:lnRef idx="2">
+            <a:schemeClr val="accent1">
+              <a:shade val="50000"/>
+            </a:schemeClr>
+          </a:lnRef>
+          <a:fillRef idx="1">
+            <a:schemeClr val="accent1"/>
+          </a:fillRef>
+          <a:effectRef idx="0">
+            <a:schemeClr val="accent1"/>
+          </a:effectRef>
+          <a:fontRef idx="minor">
+            <a:schemeClr val="lt1"/>
+          </a:fontRef>
+        </p:style>
+        <p:txBody>
+          <a:bodyPr rtlCol="0" anchor="ctr"/>
+          <a:lstStyle/>
+          <a:p>
+            <a:pPr algn="ctr"/>
+            <a:r>
+              <a:rPr lang="en-US" dirty="0" smtClean="0"/>
+              <a:t>3</a:t>
+            </a:r>
+            <a:endParaRPr lang="en-US" dirty="0"/>
+          </a:p>
+        </p:txBody>
+      </p:sp>
+      <p:sp>
+        <p:nvSpPr>
+          <p:cNvPr id="7" name="Oval 6"/>
+          <p:cNvSpPr/>
+          <p:nvPr/>
+        </p:nvSpPr>
+        <p:spPr>
+          <a:xfrm>
+            <a:off x="6117567" y="4596922"/>
+            <a:ext cx="498763" cy="508000"/>
+          </a:xfrm>
+          <a:prstGeom prst="ellipse">
+            <a:avLst/>
+          </a:prstGeom>
+        </p:spPr>
+        <p:style>
+          <a:lnRef idx="2">
+            <a:schemeClr val="accent1">
+              <a:shade val="50000"/>
+            </a:schemeClr>
+          </a:lnRef>
+          <a:fillRef idx="1">
+            <a:schemeClr val="accent1"/>
+          </a:fillRef>
+          <a:effectRef idx="0">
+            <a:schemeClr val="accent1"/>
+          </a:effectRef>
+          <a:fontRef idx="minor">
+            <a:schemeClr val="lt1"/>
+          </a:fontRef>
+        </p:style>
+        <p:txBody>
+          <a:bodyPr rtlCol="0" anchor="ctr"/>
+          <a:lstStyle/>
+          <a:p>
+            <a:pPr algn="ctr"/>
+            <a:r>
+              <a:rPr lang="en-US" dirty="0" smtClean="0"/>
+              <a:t>6</a:t>
+            </a:r>
+            <a:endParaRPr lang="en-US" dirty="0"/>
+          </a:p>
+        </p:txBody>
+      </p:sp>
+      <p:sp>
+        <p:nvSpPr>
+          <p:cNvPr id="8" name="Oval 7"/>
+          <p:cNvSpPr/>
+          <p:nvPr/>
+        </p:nvSpPr>
+        <p:spPr>
+          <a:xfrm>
+            <a:off x="3489807" y="1908531"/>
+            <a:ext cx="498763" cy="508000"/>
+          </a:xfrm>
+          <a:prstGeom prst="ellipse">
+            <a:avLst/>
+          </a:prstGeom>
+        </p:spPr>
+        <p:style>
+          <a:lnRef idx="2">
+            <a:schemeClr val="accent1">
+              <a:shade val="50000"/>
+            </a:schemeClr>
+          </a:lnRef>
+          <a:fillRef idx="1">
+            <a:schemeClr val="accent1"/>
+          </a:fillRef>
+          <a:effectRef idx="0">
+            <a:schemeClr val="accent1"/>
+          </a:effectRef>
+          <a:fontRef idx="minor">
+            <a:schemeClr val="lt1"/>
+          </a:fontRef>
+        </p:style>
+        <p:txBody>
+          <a:bodyPr rtlCol="0" anchor="ctr"/>
+          <a:lstStyle/>
+          <a:p>
+            <a:pPr algn="ctr"/>
+            <a:r>
+              <a:rPr lang="en-US" dirty="0" smtClean="0"/>
+              <a:t>2</a:t>
+            </a:r>
+            <a:endParaRPr lang="en-US" dirty="0"/>
+          </a:p>
+        </p:txBody>
+      </p:sp>
+      <p:sp>
+        <p:nvSpPr>
+          <p:cNvPr id="9" name="Oval 8"/>
+          <p:cNvSpPr/>
+          <p:nvPr/>
+        </p:nvSpPr>
+        <p:spPr>
+          <a:xfrm>
+            <a:off x="8455891" y="3154218"/>
+            <a:ext cx="498763" cy="508000"/>
+          </a:xfrm>
+          <a:prstGeom prst="ellipse">
+            <a:avLst/>
+          </a:prstGeom>
+        </p:spPr>
+        <p:style>
+          <a:lnRef idx="2">
+            <a:schemeClr val="accent1">
+              <a:shade val="50000"/>
+            </a:schemeClr>
+          </a:lnRef>
+          <a:fillRef idx="1">
+            <a:schemeClr val="accent1"/>
+          </a:fillRef>
+          <a:effectRef idx="0">
+            <a:schemeClr val="accent1"/>
+          </a:effectRef>
+          <a:fontRef idx="minor">
+            <a:schemeClr val="lt1"/>
+          </a:fontRef>
+        </p:style>
+        <p:txBody>
+          <a:bodyPr rtlCol="0" anchor="ctr"/>
+          <a:lstStyle/>
+          <a:p>
+            <a:pPr algn="ctr"/>
+            <a:r>
+              <a:rPr lang="en-US" dirty="0" smtClean="0"/>
+              <a:t>9</a:t>
+            </a:r>
+            <a:endParaRPr lang="en-US" dirty="0"/>
+          </a:p>
+        </p:txBody>
+      </p:sp>
+      <p:sp>
+        <p:nvSpPr>
+          <p:cNvPr id="10" name="Oval 9"/>
+          <p:cNvSpPr/>
+          <p:nvPr/>
+        </p:nvSpPr>
+        <p:spPr>
+          <a:xfrm>
+            <a:off x="7745184" y="3990622"/>
+            <a:ext cx="498763" cy="508000"/>
+          </a:xfrm>
+          <a:prstGeom prst="ellipse">
+            <a:avLst/>
+          </a:prstGeom>
+        </p:spPr>
+        <p:style>
+          <a:lnRef idx="2">
+            <a:schemeClr val="accent1">
+              <a:shade val="50000"/>
+            </a:schemeClr>
+          </a:lnRef>
+          <a:fillRef idx="1">
+            <a:schemeClr val="accent1"/>
+          </a:fillRef>
+          <a:effectRef idx="0">
+            <a:schemeClr val="accent1"/>
+          </a:effectRef>
+          <a:fontRef idx="minor">
+            <a:schemeClr val="lt1"/>
+          </a:fontRef>
+        </p:style>
+        <p:txBody>
+          <a:bodyPr rtlCol="0" anchor="ctr"/>
+          <a:lstStyle/>
+          <a:p>
+            <a:pPr algn="ctr"/>
+            <a:r>
+              <a:rPr lang="en-US" dirty="0" smtClean="0"/>
+              <a:t>8</a:t>
+            </a:r>
+            <a:endParaRPr lang="en-US" dirty="0"/>
+          </a:p>
+        </p:txBody>
+      </p:sp>
+      <p:sp>
+        <p:nvSpPr>
+          <p:cNvPr id="11" name="Oval 10"/>
+          <p:cNvSpPr/>
+          <p:nvPr/>
+        </p:nvSpPr>
+        <p:spPr>
+          <a:xfrm>
+            <a:off x="6114703" y="3388780"/>
+            <a:ext cx="498763" cy="508000"/>
+          </a:xfrm>
+          <a:prstGeom prst="ellipse">
+            <a:avLst/>
+          </a:prstGeom>
+        </p:spPr>
+        <p:style>
+          <a:lnRef idx="2">
+            <a:schemeClr val="accent1">
+              <a:shade val="50000"/>
+            </a:schemeClr>
+          </a:lnRef>
+          <a:fillRef idx="1">
+            <a:schemeClr val="accent1"/>
+          </a:fillRef>
+          <a:effectRef idx="0">
+            <a:schemeClr val="accent1"/>
+          </a:effectRef>
+          <a:fontRef idx="minor">
+            <a:schemeClr val="lt1"/>
+          </a:fontRef>
+        </p:style>
+        <p:txBody>
+          <a:bodyPr rtlCol="0" anchor="ctr"/>
+          <a:lstStyle/>
+          <a:p>
+            <a:pPr algn="ctr"/>
+            <a:r>
+              <a:rPr lang="en-US" dirty="0" smtClean="0"/>
+              <a:t>5</a:t>
+            </a:r>
+            <a:endParaRPr lang="en-US" dirty="0"/>
+          </a:p>
+        </p:txBody>
+      </p:sp>
+      <p:sp>
+        <p:nvSpPr>
+          <p:cNvPr id="12" name="Oval 11"/>
+          <p:cNvSpPr/>
+          <p:nvPr/>
+        </p:nvSpPr>
+        <p:spPr>
+          <a:xfrm>
+            <a:off x="7412184" y="1644072"/>
+            <a:ext cx="498763" cy="508000"/>
+          </a:xfrm>
+          <a:prstGeom prst="ellipse">
+            <a:avLst/>
+          </a:prstGeom>
+        </p:spPr>
+        <p:style>
+          <a:lnRef idx="2">
+            <a:schemeClr val="accent1">
+              <a:shade val="50000"/>
+            </a:schemeClr>
+          </a:lnRef>
+          <a:fillRef idx="1">
+            <a:schemeClr val="accent1"/>
+          </a:fillRef>
+          <a:effectRef idx="0">
+            <a:schemeClr val="accent1"/>
+          </a:effectRef>
+          <a:fontRef idx="minor">
+            <a:schemeClr val="lt1"/>
+          </a:fontRef>
+        </p:style>
+        <p:txBody>
+          <a:bodyPr rtlCol="0" anchor="ctr"/>
+          <a:lstStyle/>
+          <a:p>
+            <a:pPr algn="ctr"/>
+            <a:r>
+              <a:rPr lang="en-US" sz="1200" dirty="0" smtClean="0"/>
+              <a:t>11</a:t>
+            </a:r>
+            <a:endParaRPr lang="en-US" sz="1200" dirty="0"/>
+          </a:p>
+        </p:txBody>
+      </p:sp>
+      <p:sp>
+        <p:nvSpPr>
+          <p:cNvPr id="13" name="Oval 12"/>
+          <p:cNvSpPr/>
+          <p:nvPr/>
+        </p:nvSpPr>
+        <p:spPr>
+          <a:xfrm>
+            <a:off x="7082732" y="4882948"/>
+            <a:ext cx="498763" cy="508000"/>
+          </a:xfrm>
+          <a:prstGeom prst="ellipse">
+            <a:avLst/>
+          </a:prstGeom>
+        </p:spPr>
+        <p:style>
+          <a:lnRef idx="2">
+            <a:schemeClr val="accent1">
+              <a:shade val="50000"/>
+            </a:schemeClr>
+          </a:lnRef>
+          <a:fillRef idx="1">
+            <a:schemeClr val="accent1"/>
+          </a:fillRef>
+          <a:effectRef idx="0">
+            <a:schemeClr val="accent1"/>
+          </a:effectRef>
+          <a:fontRef idx="minor">
+            <a:schemeClr val="lt1"/>
+          </a:fontRef>
+        </p:style>
+        <p:txBody>
+          <a:bodyPr rtlCol="0" anchor="ctr"/>
+          <a:lstStyle/>
+          <a:p>
+            <a:pPr algn="ctr"/>
+            <a:r>
+              <a:rPr lang="en-US" dirty="0" smtClean="0"/>
+              <a:t>7</a:t>
+            </a:r>
+            <a:endParaRPr lang="en-US" dirty="0"/>
+          </a:p>
+        </p:txBody>
+      </p:sp>
+      <p:sp>
+        <p:nvSpPr>
+          <p:cNvPr id="14" name="Oval 13"/>
+          <p:cNvSpPr/>
+          <p:nvPr/>
+        </p:nvSpPr>
+        <p:spPr>
+          <a:xfrm>
+            <a:off x="5806605" y="855354"/>
+            <a:ext cx="498763" cy="508000"/>
+          </a:xfrm>
+          <a:prstGeom prst="ellipse">
+            <a:avLst/>
+          </a:prstGeom>
+        </p:spPr>
+        <p:style>
+          <a:lnRef idx="2">
+            <a:schemeClr val="accent1">
+              <a:shade val="50000"/>
+            </a:schemeClr>
+          </a:lnRef>
+          <a:fillRef idx="1">
+            <a:schemeClr val="accent1"/>
+          </a:fillRef>
+          <a:effectRef idx="0">
+            <a:schemeClr val="accent1"/>
+          </a:effectRef>
+          <a:fontRef idx="minor">
+            <a:schemeClr val="lt1"/>
+          </a:fontRef>
+        </p:style>
+        <p:txBody>
+          <a:bodyPr rtlCol="0" anchor="ctr"/>
+          <a:lstStyle/>
+          <a:p>
+            <a:pPr algn="ctr"/>
+            <a:r>
+              <a:rPr lang="en-US" sz="1200" dirty="0" smtClean="0"/>
+              <a:t>12</a:t>
+            </a:r>
+            <a:endParaRPr lang="en-US" sz="1200" dirty="0"/>
+          </a:p>
+        </p:txBody>
+      </p:sp>
+      <p:sp>
+        <p:nvSpPr>
+          <p:cNvPr id="15" name="Oval 14"/>
+          <p:cNvSpPr/>
+          <p:nvPr/>
+        </p:nvSpPr>
+        <p:spPr>
+          <a:xfrm>
+            <a:off x="8557496" y="2138218"/>
+            <a:ext cx="543337" cy="521854"/>
+          </a:xfrm>
+          <a:prstGeom prst="ellipse">
+            <a:avLst/>
+          </a:prstGeom>
+        </p:spPr>
+        <p:style>
+          <a:lnRef idx="2">
+            <a:schemeClr val="accent1">
+              <a:shade val="50000"/>
+            </a:schemeClr>
+          </a:lnRef>
+          <a:fillRef idx="1">
+            <a:schemeClr val="accent1"/>
+          </a:fillRef>
+          <a:effectRef idx="0">
+            <a:schemeClr val="accent1"/>
+          </a:effectRef>
+          <a:fontRef idx="minor">
+            <a:schemeClr val="lt1"/>
+          </a:fontRef>
+        </p:style>
+        <p:txBody>
+          <a:bodyPr rtlCol="0" anchor="ctr"/>
+          <a:lstStyle/>
+          <a:p>
+            <a:r>
+              <a:rPr lang="en-US" sz="1400" dirty="0" smtClean="0"/>
+              <a:t>10</a:t>
+            </a:r>
+            <a:endParaRPr lang="en-US" sz="1400" dirty="0"/>
+          </a:p>
+        </p:txBody>
+      </p:sp>
+      <p:sp>
+        <p:nvSpPr>
+          <p:cNvPr id="16" name="Oval 15"/>
+          <p:cNvSpPr/>
+          <p:nvPr/>
+        </p:nvSpPr>
+        <p:spPr>
+          <a:xfrm>
+            <a:off x="4028606" y="286141"/>
+            <a:ext cx="498763" cy="508000"/>
+          </a:xfrm>
+          <a:prstGeom prst="ellipse">
+            <a:avLst/>
+          </a:prstGeom>
+        </p:spPr>
+        <p:style>
+          <a:lnRef idx="2">
+            <a:schemeClr val="accent1">
+              <a:shade val="50000"/>
+            </a:schemeClr>
+          </a:lnRef>
+          <a:fillRef idx="1">
+            <a:schemeClr val="accent1"/>
+          </a:fillRef>
+          <a:effectRef idx="0">
+            <a:schemeClr val="accent1"/>
+          </a:effectRef>
+          <a:fontRef idx="minor">
+            <a:schemeClr val="lt1"/>
+          </a:fontRef>
+        </p:style>
+        <p:txBody>
+          <a:bodyPr rtlCol="0" anchor="ctr"/>
+          <a:lstStyle/>
+          <a:p>
+            <a:pPr algn="ctr"/>
+            <a:r>
+              <a:rPr lang="en-US" sz="1200" dirty="0" smtClean="0"/>
+              <a:t>13</a:t>
+            </a:r>
+            <a:endParaRPr lang="en-US" sz="1200" dirty="0"/>
+          </a:p>
+        </p:txBody>
+      </p:sp>
+      <p:cxnSp>
+        <p:nvCxnSpPr>
+          <p:cNvPr id="18" name="Straight Connector 17"/>
+          <p:cNvCxnSpPr>
+            <a:stCxn id="4" idx="6"/>
+            <a:endCxn id="8" idx="2"/>
+          </p:cNvCxnSpPr>
+          <p:nvPr/>
+        </p:nvCxnSpPr>
+        <p:spPr>
+          <a:xfrm>
+            <a:off x="2318327" y="2138218"/>
+            <a:ext cx="1171480" cy="24313"/>
+          </a:xfrm>
+          <a:prstGeom prst="line">
+            <a:avLst/>
+          </a:prstGeom>
+          <a:ln w="53975"/>
+          <a:scene3d>
+            <a:camera prst="orthographicFront"/>
+            <a:lightRig rig="threePt" dir="t"/>
+          </a:scene3d>
+          <a:sp3d extrusionH="50800" contourW="12700">
+            <a:bevelT w="88900"/>
+            <a:bevelB w="63500"/>
+            <a:extrusionClr>
+              <a:schemeClr val="accent2">
+                <a:lumMod val="40000"/>
+                <a:lumOff val="60000"/>
+              </a:schemeClr>
+            </a:extrusionClr>
+            <a:contourClr>
+              <a:schemeClr val="accent2">
+                <a:lumMod val="60000"/>
+                <a:lumOff val="40000"/>
+              </a:schemeClr>
+            </a:contourClr>
+          </a:sp3d>
+        </p:spPr>
+        <p:style>
+          <a:lnRef idx="1">
+            <a:schemeClr val="accent1"/>
+          </a:lnRef>
+          <a:fillRef idx="0">
+            <a:schemeClr val="accent1"/>
+          </a:fillRef>
+          <a:effectRef idx="0">
+            <a:schemeClr val="accent1"/>
+          </a:effectRef>
+          <a:fontRef idx="minor">
+            <a:schemeClr val="tx1"/>
+          </a:fontRef>
+        </p:style>
+      </p:cxnSp>
+      <p:cxnSp>
+        <p:nvCxnSpPr>
+          <p:cNvPr id="22" name="Straight Connector 21"/>
+          <p:cNvCxnSpPr>
+            <a:stCxn id="6" idx="6"/>
+            <a:endCxn id="5" idx="2"/>
+          </p:cNvCxnSpPr>
+          <p:nvPr/>
+        </p:nvCxnSpPr>
+        <p:spPr>
+          <a:xfrm>
+            <a:off x="5417128" y="2406072"/>
+            <a:ext cx="835382" cy="254000"/>
+          </a:xfrm>
+          <a:prstGeom prst="line">
+            <a:avLst/>
+          </a:prstGeom>
+          <a:ln w="53975"/>
+          <a:scene3d>
+            <a:camera prst="orthographicFront"/>
+            <a:lightRig rig="threePt" dir="t"/>
+          </a:scene3d>
+          <a:sp3d extrusionH="50800" contourW="12700">
+            <a:bevelT w="88900"/>
+            <a:bevelB w="63500"/>
+            <a:extrusionClr>
+              <a:schemeClr val="accent2">
+                <a:lumMod val="40000"/>
+                <a:lumOff val="60000"/>
+              </a:schemeClr>
+            </a:extrusionClr>
+            <a:contourClr>
+              <a:schemeClr val="accent2">
+                <a:lumMod val="60000"/>
+                <a:lumOff val="40000"/>
+              </a:schemeClr>
+            </a:contourClr>
+          </a:sp3d>
+        </p:spPr>
+        <p:style>
+          <a:lnRef idx="1">
+            <a:schemeClr val="accent1"/>
+          </a:lnRef>
+          <a:fillRef idx="0">
+            <a:schemeClr val="accent1"/>
+          </a:fillRef>
+          <a:effectRef idx="0">
+            <a:schemeClr val="accent1"/>
+          </a:effectRef>
+          <a:fontRef idx="minor">
+            <a:schemeClr val="tx1"/>
+          </a:fontRef>
+        </p:style>
+      </p:cxnSp>
+      <p:cxnSp>
+        <p:nvCxnSpPr>
+          <p:cNvPr id="23" name="Straight Connector 22"/>
+          <p:cNvCxnSpPr>
+            <a:stCxn id="8" idx="6"/>
+            <a:endCxn id="6" idx="2"/>
+          </p:cNvCxnSpPr>
+          <p:nvPr/>
+        </p:nvCxnSpPr>
+        <p:spPr>
+          <a:xfrm>
+            <a:off x="3988570" y="2162531"/>
+            <a:ext cx="929795" cy="243541"/>
+          </a:xfrm>
+          <a:prstGeom prst="line">
+            <a:avLst/>
+          </a:prstGeom>
+          <a:ln w="53975"/>
+          <a:scene3d>
+            <a:camera prst="orthographicFront"/>
+            <a:lightRig rig="threePt" dir="t"/>
+          </a:scene3d>
+          <a:sp3d extrusionH="50800" contourW="12700">
+            <a:bevelT w="88900"/>
+            <a:bevelB w="63500"/>
+            <a:extrusionClr>
+              <a:schemeClr val="accent2">
+                <a:lumMod val="40000"/>
+                <a:lumOff val="60000"/>
+              </a:schemeClr>
+            </a:extrusionClr>
+            <a:contourClr>
+              <a:schemeClr val="accent2">
+                <a:lumMod val="60000"/>
+                <a:lumOff val="40000"/>
+              </a:schemeClr>
+            </a:contourClr>
+          </a:sp3d>
+        </p:spPr>
+        <p:style>
+          <a:lnRef idx="1">
+            <a:schemeClr val="accent1"/>
+          </a:lnRef>
+          <a:fillRef idx="0">
+            <a:schemeClr val="accent1"/>
+          </a:fillRef>
+          <a:effectRef idx="0">
+            <a:schemeClr val="accent1"/>
+          </a:effectRef>
+          <a:fontRef idx="minor">
+            <a:schemeClr val="tx1"/>
+          </a:fontRef>
+        </p:style>
+      </p:cxnSp>
+      <p:cxnSp>
+        <p:nvCxnSpPr>
+          <p:cNvPr id="24" name="Straight Connector 23"/>
+          <p:cNvCxnSpPr>
+            <a:stCxn id="7" idx="5"/>
+            <a:endCxn id="13" idx="2"/>
+          </p:cNvCxnSpPr>
+          <p:nvPr/>
+        </p:nvCxnSpPr>
+        <p:spPr>
+          <a:xfrm>
+            <a:off x="6543288" y="5030527"/>
+            <a:ext cx="539444" cy="106421"/>
+          </a:xfrm>
+          <a:prstGeom prst="line">
+            <a:avLst/>
+          </a:prstGeom>
+          <a:ln w="53975"/>
+          <a:scene3d>
+            <a:camera prst="orthographicFront"/>
+            <a:lightRig rig="threePt" dir="t"/>
+          </a:scene3d>
+          <a:sp3d extrusionH="50800" contourW="12700">
+            <a:bevelT w="88900"/>
+            <a:bevelB w="63500"/>
+            <a:extrusionClr>
+              <a:schemeClr val="accent2">
+                <a:lumMod val="40000"/>
+                <a:lumOff val="60000"/>
+              </a:schemeClr>
+            </a:extrusionClr>
+            <a:contourClr>
+              <a:schemeClr val="accent2">
+                <a:lumMod val="60000"/>
+                <a:lumOff val="40000"/>
+              </a:schemeClr>
+            </a:contourClr>
+          </a:sp3d>
+        </p:spPr>
+        <p:style>
+          <a:lnRef idx="1">
+            <a:schemeClr val="accent1"/>
+          </a:lnRef>
+          <a:fillRef idx="0">
+            <a:schemeClr val="accent1"/>
+          </a:fillRef>
+          <a:effectRef idx="0">
+            <a:schemeClr val="accent1"/>
+          </a:effectRef>
+          <a:fontRef idx="minor">
+            <a:schemeClr val="tx1"/>
+          </a:fontRef>
+        </p:style>
+      </p:cxnSp>
+      <p:cxnSp>
+        <p:nvCxnSpPr>
+          <p:cNvPr id="25" name="Straight Connector 24"/>
+          <p:cNvCxnSpPr>
+            <a:stCxn id="11" idx="3"/>
+            <a:endCxn id="7" idx="0"/>
+          </p:cNvCxnSpPr>
+          <p:nvPr/>
+        </p:nvCxnSpPr>
+        <p:spPr>
+          <a:xfrm>
+            <a:off x="6187745" y="3822385"/>
+            <a:ext cx="179204" cy="774537"/>
+          </a:xfrm>
+          <a:prstGeom prst="line">
+            <a:avLst/>
+          </a:prstGeom>
+          <a:ln w="53975"/>
+          <a:scene3d>
+            <a:camera prst="orthographicFront"/>
+            <a:lightRig rig="threePt" dir="t"/>
+          </a:scene3d>
+          <a:sp3d extrusionH="50800" contourW="12700">
+            <a:bevelT w="88900"/>
+            <a:bevelB w="63500"/>
+            <a:extrusionClr>
+              <a:schemeClr val="accent2">
+                <a:lumMod val="40000"/>
+                <a:lumOff val="60000"/>
+              </a:schemeClr>
+            </a:extrusionClr>
+            <a:contourClr>
+              <a:schemeClr val="accent2">
+                <a:lumMod val="60000"/>
+                <a:lumOff val="40000"/>
+              </a:schemeClr>
+            </a:contourClr>
+          </a:sp3d>
+        </p:spPr>
+        <p:style>
+          <a:lnRef idx="1">
+            <a:schemeClr val="accent1"/>
+          </a:lnRef>
+          <a:fillRef idx="0">
+            <a:schemeClr val="accent1"/>
+          </a:fillRef>
+          <a:effectRef idx="0">
+            <a:schemeClr val="accent1"/>
+          </a:effectRef>
+          <a:fontRef idx="minor">
+            <a:schemeClr val="tx1"/>
+          </a:fontRef>
+        </p:style>
+      </p:cxnSp>
+      <p:cxnSp>
+        <p:nvCxnSpPr>
+          <p:cNvPr id="38" name="Straight Connector 37"/>
+          <p:cNvCxnSpPr>
+            <a:stCxn id="10" idx="7"/>
+            <a:endCxn id="9" idx="3"/>
+          </p:cNvCxnSpPr>
+          <p:nvPr/>
+        </p:nvCxnSpPr>
+        <p:spPr>
+          <a:xfrm flipV="1">
+            <a:off x="8170905" y="3587823"/>
+            <a:ext cx="358028" cy="477194"/>
+          </a:xfrm>
+          <a:prstGeom prst="line">
+            <a:avLst/>
+          </a:prstGeom>
+          <a:ln w="53975"/>
+          <a:scene3d>
+            <a:camera prst="orthographicFront"/>
+            <a:lightRig rig="threePt" dir="t"/>
+          </a:scene3d>
+          <a:sp3d extrusionH="50800" contourW="12700">
+            <a:bevelT w="88900"/>
+            <a:bevelB w="63500"/>
+            <a:extrusionClr>
+              <a:schemeClr val="accent2">
+                <a:lumMod val="40000"/>
+                <a:lumOff val="60000"/>
+              </a:schemeClr>
+            </a:extrusionClr>
+            <a:contourClr>
+              <a:schemeClr val="accent2">
+                <a:lumMod val="60000"/>
+                <a:lumOff val="40000"/>
+              </a:schemeClr>
+            </a:contourClr>
+          </a:sp3d>
+        </p:spPr>
+        <p:style>
+          <a:lnRef idx="1">
+            <a:schemeClr val="accent1"/>
+          </a:lnRef>
+          <a:fillRef idx="0">
+            <a:schemeClr val="accent1"/>
+          </a:fillRef>
+          <a:effectRef idx="0">
+            <a:schemeClr val="accent1"/>
+          </a:effectRef>
+          <a:fontRef idx="minor">
+            <a:schemeClr val="tx1"/>
+          </a:fontRef>
+        </p:style>
+      </p:cxnSp>
+      <p:cxnSp>
+        <p:nvCxnSpPr>
+          <p:cNvPr id="39" name="Straight Connector 38"/>
+          <p:cNvCxnSpPr>
+            <a:stCxn id="13" idx="7"/>
+            <a:endCxn id="10" idx="3"/>
+          </p:cNvCxnSpPr>
+          <p:nvPr/>
+        </p:nvCxnSpPr>
+        <p:spPr>
+          <a:xfrm flipV="1">
+            <a:off x="7508453" y="4424227"/>
+            <a:ext cx="309773" cy="533116"/>
+          </a:xfrm>
+          <a:prstGeom prst="line">
+            <a:avLst/>
+          </a:prstGeom>
+          <a:ln w="53975"/>
+          <a:scene3d>
+            <a:camera prst="orthographicFront"/>
+            <a:lightRig rig="threePt" dir="t"/>
+          </a:scene3d>
+          <a:sp3d extrusionH="50800" contourW="12700">
+            <a:bevelT w="88900"/>
+            <a:bevelB w="63500"/>
+            <a:extrusionClr>
+              <a:schemeClr val="accent2">
+                <a:lumMod val="40000"/>
+                <a:lumOff val="60000"/>
+              </a:schemeClr>
+            </a:extrusionClr>
+            <a:contourClr>
+              <a:schemeClr val="accent2">
+                <a:lumMod val="60000"/>
+                <a:lumOff val="40000"/>
+              </a:schemeClr>
+            </a:contourClr>
+          </a:sp3d>
+        </p:spPr>
+        <p:style>
+          <a:lnRef idx="1">
+            <a:schemeClr val="accent1"/>
+          </a:lnRef>
+          <a:fillRef idx="0">
+            <a:schemeClr val="accent1"/>
+          </a:fillRef>
+          <a:effectRef idx="0">
+            <a:schemeClr val="accent1"/>
+          </a:effectRef>
+          <a:fontRef idx="minor">
+            <a:schemeClr val="tx1"/>
+          </a:fontRef>
+        </p:style>
+      </p:cxnSp>
+      <p:cxnSp>
+        <p:nvCxnSpPr>
+          <p:cNvPr id="40" name="Straight Connector 39"/>
+          <p:cNvCxnSpPr>
+            <a:stCxn id="5" idx="4"/>
+            <a:endCxn id="11" idx="0"/>
+          </p:cNvCxnSpPr>
+          <p:nvPr/>
+        </p:nvCxnSpPr>
+        <p:spPr>
+          <a:xfrm flipH="1">
+            <a:off x="6364085" y="2914072"/>
+            <a:ext cx="137807" cy="474708"/>
+          </a:xfrm>
+          <a:prstGeom prst="line">
+            <a:avLst/>
+          </a:prstGeom>
+          <a:ln w="53975"/>
+          <a:scene3d>
+            <a:camera prst="orthographicFront"/>
+            <a:lightRig rig="threePt" dir="t"/>
+          </a:scene3d>
+          <a:sp3d extrusionH="50800" contourW="12700">
+            <a:bevelT w="88900"/>
+            <a:bevelB w="63500"/>
+            <a:extrusionClr>
+              <a:schemeClr val="accent2">
+                <a:lumMod val="40000"/>
+                <a:lumOff val="60000"/>
+              </a:schemeClr>
+            </a:extrusionClr>
+            <a:contourClr>
+              <a:schemeClr val="accent2">
+                <a:lumMod val="60000"/>
+                <a:lumOff val="40000"/>
+              </a:schemeClr>
+            </a:contourClr>
+          </a:sp3d>
+        </p:spPr>
+        <p:style>
+          <a:lnRef idx="1">
+            <a:schemeClr val="accent1"/>
+          </a:lnRef>
+          <a:fillRef idx="0">
+            <a:schemeClr val="accent1"/>
+          </a:fillRef>
+          <a:effectRef idx="0">
+            <a:schemeClr val="accent1"/>
+          </a:effectRef>
+          <a:fontRef idx="minor">
+            <a:schemeClr val="tx1"/>
+          </a:fontRef>
+        </p:style>
+      </p:cxnSp>
+      <p:cxnSp>
+        <p:nvCxnSpPr>
+          <p:cNvPr id="41" name="Straight Connector 40"/>
+          <p:cNvCxnSpPr>
+            <a:stCxn id="12" idx="5"/>
+            <a:endCxn id="15" idx="2"/>
+          </p:cNvCxnSpPr>
+          <p:nvPr/>
+        </p:nvCxnSpPr>
+        <p:spPr>
+          <a:xfrm>
+            <a:off x="7837905" y="2077677"/>
+            <a:ext cx="719591" cy="321468"/>
+          </a:xfrm>
+          <a:prstGeom prst="line">
+            <a:avLst/>
+          </a:prstGeom>
+          <a:ln w="53975"/>
+          <a:scene3d>
+            <a:camera prst="orthographicFront"/>
+            <a:lightRig rig="threePt" dir="t"/>
+          </a:scene3d>
+          <a:sp3d extrusionH="50800" contourW="12700">
+            <a:bevelT w="88900"/>
+            <a:bevelB w="63500"/>
+            <a:extrusionClr>
+              <a:schemeClr val="accent2">
+                <a:lumMod val="40000"/>
+                <a:lumOff val="60000"/>
+              </a:schemeClr>
+            </a:extrusionClr>
+            <a:contourClr>
+              <a:schemeClr val="accent2">
+                <a:lumMod val="60000"/>
+                <a:lumOff val="40000"/>
+              </a:schemeClr>
+            </a:contourClr>
+          </a:sp3d>
+        </p:spPr>
+        <p:style>
+          <a:lnRef idx="1">
+            <a:schemeClr val="accent1"/>
+          </a:lnRef>
+          <a:fillRef idx="0">
+            <a:schemeClr val="accent1"/>
+          </a:fillRef>
+          <a:effectRef idx="0">
+            <a:schemeClr val="accent1"/>
+          </a:effectRef>
+          <a:fontRef idx="minor">
+            <a:schemeClr val="tx1"/>
+          </a:fontRef>
+        </p:style>
+      </p:cxnSp>
+      <p:cxnSp>
+        <p:nvCxnSpPr>
+          <p:cNvPr id="42" name="Straight Connector 41"/>
+          <p:cNvCxnSpPr>
+            <a:stCxn id="5" idx="7"/>
+            <a:endCxn id="12" idx="3"/>
+          </p:cNvCxnSpPr>
+          <p:nvPr/>
+        </p:nvCxnSpPr>
+        <p:spPr>
+          <a:xfrm flipV="1">
+            <a:off x="6678231" y="2077677"/>
+            <a:ext cx="806995" cy="402790"/>
+          </a:xfrm>
+          <a:prstGeom prst="line">
+            <a:avLst/>
+          </a:prstGeom>
+          <a:ln w="53975">
+            <a:solidFill>
+              <a:schemeClr val="accent2">
+                <a:lumMod val="75000"/>
+              </a:schemeClr>
+            </a:solidFill>
+          </a:ln>
+          <a:scene3d>
+            <a:camera prst="orthographicFront"/>
+            <a:lightRig rig="threePt" dir="t"/>
+          </a:scene3d>
+          <a:sp3d extrusionH="50800" contourW="12700">
+            <a:bevelT w="88900"/>
+            <a:bevelB w="63500"/>
+            <a:extrusionClr>
+              <a:schemeClr val="accent2">
+                <a:lumMod val="40000"/>
+                <a:lumOff val="60000"/>
+              </a:schemeClr>
+            </a:extrusionClr>
+            <a:contourClr>
+              <a:schemeClr val="accent2">
+                <a:lumMod val="60000"/>
+                <a:lumOff val="40000"/>
+              </a:schemeClr>
+            </a:contourClr>
+          </a:sp3d>
+        </p:spPr>
+        <p:style>
+          <a:lnRef idx="1">
+            <a:schemeClr val="accent1"/>
+          </a:lnRef>
+          <a:fillRef idx="0">
+            <a:schemeClr val="accent1"/>
+          </a:fillRef>
+          <a:effectRef idx="0">
+            <a:schemeClr val="accent1"/>
+          </a:effectRef>
+          <a:fontRef idx="minor">
+            <a:schemeClr val="tx1"/>
+          </a:fontRef>
+        </p:style>
+      </p:cxnSp>
+      <p:cxnSp>
+        <p:nvCxnSpPr>
+          <p:cNvPr id="54" name="Straight Connector 53"/>
+          <p:cNvCxnSpPr>
+            <a:stCxn id="14" idx="2"/>
+            <a:endCxn id="16" idx="6"/>
+          </p:cNvCxnSpPr>
+          <p:nvPr/>
+        </p:nvCxnSpPr>
+        <p:spPr>
+          <a:xfrm flipH="1" flipV="1">
+            <a:off x="4527369" y="540141"/>
+            <a:ext cx="1279236" cy="569213"/>
+          </a:xfrm>
+          <a:prstGeom prst="line">
+            <a:avLst/>
+          </a:prstGeom>
+          <a:ln w="53975"/>
+          <a:scene3d>
+            <a:camera prst="orthographicFront"/>
+            <a:lightRig rig="threePt" dir="t"/>
+          </a:scene3d>
+          <a:sp3d extrusionH="50800" contourW="12700">
+            <a:bevelT w="88900"/>
+            <a:bevelB w="63500"/>
+            <a:extrusionClr>
+              <a:schemeClr val="accent2">
+                <a:lumMod val="40000"/>
+                <a:lumOff val="60000"/>
+              </a:schemeClr>
+            </a:extrusionClr>
+            <a:contourClr>
+              <a:schemeClr val="accent2">
+                <a:lumMod val="60000"/>
+                <a:lumOff val="40000"/>
+              </a:schemeClr>
+            </a:contourClr>
+          </a:sp3d>
+        </p:spPr>
+        <p:style>
+          <a:lnRef idx="1">
+            <a:schemeClr val="accent1"/>
+          </a:lnRef>
+          <a:fillRef idx="0">
+            <a:schemeClr val="accent1"/>
+          </a:fillRef>
+          <a:effectRef idx="0">
+            <a:schemeClr val="accent1"/>
+          </a:effectRef>
+          <a:fontRef idx="minor">
+            <a:schemeClr val="tx1"/>
+          </a:fontRef>
+        </p:style>
+      </p:cxnSp>
+      <p:cxnSp>
+        <p:nvCxnSpPr>
+          <p:cNvPr id="55" name="Straight Connector 54"/>
+          <p:cNvCxnSpPr>
+            <a:stCxn id="12" idx="1"/>
+            <a:endCxn id="14" idx="5"/>
+          </p:cNvCxnSpPr>
+          <p:nvPr/>
+        </p:nvCxnSpPr>
+        <p:spPr>
+          <a:xfrm flipH="1" flipV="1">
+            <a:off x="6232326" y="1288959"/>
+            <a:ext cx="1252900" cy="429508"/>
+          </a:xfrm>
+          <a:prstGeom prst="line">
+            <a:avLst/>
+          </a:prstGeom>
+          <a:ln w="53975"/>
+          <a:scene3d>
+            <a:camera prst="orthographicFront"/>
+            <a:lightRig rig="threePt" dir="t"/>
+          </a:scene3d>
+          <a:sp3d extrusionH="50800" contourW="12700">
+            <a:bevelT w="88900"/>
+            <a:bevelB w="63500"/>
+            <a:extrusionClr>
+              <a:schemeClr val="accent2">
+                <a:lumMod val="40000"/>
+                <a:lumOff val="60000"/>
+              </a:schemeClr>
+            </a:extrusionClr>
+            <a:contourClr>
+              <a:schemeClr val="accent2">
+                <a:lumMod val="60000"/>
+                <a:lumOff val="40000"/>
+              </a:schemeClr>
+            </a:contourClr>
+          </a:sp3d>
+        </p:spPr>
+        <p:style>
+          <a:lnRef idx="1">
+            <a:schemeClr val="accent1"/>
+          </a:lnRef>
+          <a:fillRef idx="0">
+            <a:schemeClr val="accent1"/>
+          </a:fillRef>
+          <a:effectRef idx="0">
+            <a:schemeClr val="accent1"/>
+          </a:effectRef>
+          <a:fontRef idx="minor">
+            <a:schemeClr val="tx1"/>
+          </a:fontRef>
+        </p:style>
+      </p:cxnSp>
+      <p:cxnSp>
+        <p:nvCxnSpPr>
+          <p:cNvPr id="56" name="Straight Connector 55"/>
+          <p:cNvCxnSpPr>
+            <a:stCxn id="15" idx="4"/>
+            <a:endCxn id="9" idx="0"/>
+          </p:cNvCxnSpPr>
+          <p:nvPr/>
+        </p:nvCxnSpPr>
+        <p:spPr>
+          <a:xfrm flipH="1">
+            <a:off x="8705273" y="2660072"/>
+            <a:ext cx="123892" cy="494146"/>
+          </a:xfrm>
+          <a:prstGeom prst="line">
+            <a:avLst/>
+          </a:prstGeom>
+          <a:ln w="53975"/>
+          <a:scene3d>
+            <a:camera prst="orthographicFront"/>
+            <a:lightRig rig="threePt" dir="t"/>
+          </a:scene3d>
+          <a:sp3d extrusionH="50800" contourW="12700">
+            <a:bevelT w="88900"/>
+            <a:bevelB w="63500"/>
+            <a:extrusionClr>
+              <a:schemeClr val="accent2">
+                <a:lumMod val="40000"/>
+                <a:lumOff val="60000"/>
+              </a:schemeClr>
+            </a:extrusionClr>
+            <a:contourClr>
+              <a:schemeClr val="accent2">
+                <a:lumMod val="60000"/>
+                <a:lumOff val="40000"/>
+              </a:schemeClr>
+            </a:contourClr>
+          </a:sp3d>
+        </p:spPr>
+        <p:style>
+          <a:lnRef idx="1">
+            <a:schemeClr val="accent1"/>
+          </a:lnRef>
+          <a:fillRef idx="0">
+            <a:schemeClr val="accent1"/>
+          </a:fillRef>
+          <a:effectRef idx="0">
+            <a:schemeClr val="accent1"/>
+          </a:effectRef>
+          <a:fontRef idx="minor">
+            <a:schemeClr val="tx1"/>
+          </a:fontRef>
+        </p:style>
+      </p:cxnSp>
+      <p:sp>
+        <p:nvSpPr>
+          <p:cNvPr id="64" name="TextBox 63"/>
+          <p:cNvSpPr txBox="1"/>
+          <p:nvPr/>
+        </p:nvSpPr>
+        <p:spPr>
+          <a:xfrm>
+            <a:off x="2680926" y="1766441"/>
+            <a:ext cx="327378" cy="369332"/>
+          </a:xfrm>
+          <a:prstGeom prst="rect">
+            <a:avLst/>
+          </a:prstGeom>
+          <a:noFill/>
+        </p:spPr>
+        <p:txBody>
+          <a:bodyPr wrap="square" rtlCol="0">
+            <a:spAutoFit/>
+          </a:bodyPr>
+          <a:lstStyle/>
+          <a:p>
+            <a:r>
+              <a:rPr lang="en-US" dirty="0" smtClean="0"/>
+              <a:t>1</a:t>
+            </a:r>
+            <a:endParaRPr lang="en-US" dirty="0"/>
+          </a:p>
+        </p:txBody>
+      </p:sp>
+      <p:sp>
+        <p:nvSpPr>
+          <p:cNvPr id="65" name="TextBox 64"/>
+          <p:cNvSpPr txBox="1"/>
+          <p:nvPr/>
+        </p:nvSpPr>
+        <p:spPr>
+          <a:xfrm>
+            <a:off x="5625885" y="2111135"/>
+            <a:ext cx="327378" cy="369332"/>
+          </a:xfrm>
+          <a:prstGeom prst="rect">
+            <a:avLst/>
+          </a:prstGeom>
+          <a:noFill/>
+        </p:spPr>
+        <p:txBody>
+          <a:bodyPr wrap="square" rtlCol="0">
+            <a:spAutoFit/>
+          </a:bodyPr>
+          <a:lstStyle/>
+          <a:p>
+            <a:r>
+              <a:rPr lang="en-US" dirty="0" smtClean="0"/>
+              <a:t>3</a:t>
+            </a:r>
+            <a:endParaRPr lang="en-US" dirty="0"/>
+          </a:p>
+        </p:txBody>
+      </p:sp>
+      <p:sp>
+        <p:nvSpPr>
+          <p:cNvPr id="66" name="TextBox 65"/>
+          <p:cNvSpPr txBox="1"/>
+          <p:nvPr/>
+        </p:nvSpPr>
+        <p:spPr>
+          <a:xfrm>
+            <a:off x="4369575" y="1893011"/>
+            <a:ext cx="327378" cy="369332"/>
+          </a:xfrm>
+          <a:prstGeom prst="rect">
+            <a:avLst/>
+          </a:prstGeom>
+          <a:noFill/>
+        </p:spPr>
+        <p:txBody>
+          <a:bodyPr wrap="square" rtlCol="0">
+            <a:spAutoFit/>
+          </a:bodyPr>
+          <a:lstStyle/>
+          <a:p>
+            <a:r>
+              <a:rPr lang="en-US" dirty="0" smtClean="0"/>
+              <a:t>2</a:t>
+            </a:r>
+            <a:endParaRPr lang="en-US" dirty="0"/>
+          </a:p>
+        </p:txBody>
+      </p:sp>
+      <p:sp>
+        <p:nvSpPr>
+          <p:cNvPr id="67" name="TextBox 66"/>
+          <p:cNvSpPr txBox="1"/>
+          <p:nvPr/>
+        </p:nvSpPr>
+        <p:spPr>
+          <a:xfrm>
+            <a:off x="5089750" y="455415"/>
+            <a:ext cx="327378" cy="369332"/>
+          </a:xfrm>
+          <a:prstGeom prst="rect">
+            <a:avLst/>
+          </a:prstGeom>
+          <a:noFill/>
+        </p:spPr>
+        <p:txBody>
+          <a:bodyPr wrap="square" rtlCol="0">
+            <a:spAutoFit/>
+          </a:bodyPr>
+          <a:lstStyle/>
+          <a:p>
+            <a:r>
+              <a:rPr lang="en-US" dirty="0" smtClean="0"/>
+              <a:t>6</a:t>
+            </a:r>
+            <a:endParaRPr lang="en-US" dirty="0"/>
+          </a:p>
+        </p:txBody>
+      </p:sp>
+      <p:sp>
+        <p:nvSpPr>
+          <p:cNvPr id="68" name="TextBox 67"/>
+          <p:cNvSpPr txBox="1"/>
+          <p:nvPr/>
+        </p:nvSpPr>
+        <p:spPr>
+          <a:xfrm>
+            <a:off x="6933430" y="907312"/>
+            <a:ext cx="327378" cy="369332"/>
+          </a:xfrm>
+          <a:prstGeom prst="rect">
+            <a:avLst/>
+          </a:prstGeom>
+          <a:noFill/>
+        </p:spPr>
+        <p:txBody>
+          <a:bodyPr wrap="square" rtlCol="0">
+            <a:spAutoFit/>
+          </a:bodyPr>
+          <a:lstStyle/>
+          <a:p>
+            <a:r>
+              <a:rPr lang="en-US" dirty="0" smtClean="0"/>
+              <a:t>5</a:t>
+            </a:r>
+            <a:endParaRPr lang="en-US" dirty="0"/>
+          </a:p>
+        </p:txBody>
+      </p:sp>
+      <p:sp>
+        <p:nvSpPr>
+          <p:cNvPr id="72" name="TextBox 71"/>
+          <p:cNvSpPr txBox="1"/>
+          <p:nvPr/>
+        </p:nvSpPr>
+        <p:spPr>
+          <a:xfrm>
+            <a:off x="8133644" y="1782740"/>
+            <a:ext cx="327378" cy="369332"/>
+          </a:xfrm>
+          <a:prstGeom prst="rect">
+            <a:avLst/>
+          </a:prstGeom>
+          <a:noFill/>
+        </p:spPr>
+        <p:txBody>
+          <a:bodyPr wrap="square" rtlCol="0">
+            <a:spAutoFit/>
+          </a:bodyPr>
+          <a:lstStyle/>
+          <a:p>
+            <a:r>
+              <a:rPr lang="en-US" dirty="0" smtClean="0"/>
+              <a:t>5</a:t>
+            </a:r>
+            <a:endParaRPr lang="en-US" dirty="0"/>
+          </a:p>
+        </p:txBody>
+      </p:sp>
+      <p:sp>
+        <p:nvSpPr>
+          <p:cNvPr id="73" name="TextBox 72"/>
+          <p:cNvSpPr txBox="1"/>
+          <p:nvPr/>
+        </p:nvSpPr>
+        <p:spPr>
+          <a:xfrm>
+            <a:off x="6831232" y="1893011"/>
+            <a:ext cx="327378" cy="369332"/>
+          </a:xfrm>
+          <a:prstGeom prst="rect">
+            <a:avLst/>
+          </a:prstGeom>
+          <a:noFill/>
+        </p:spPr>
+        <p:txBody>
+          <a:bodyPr wrap="square" rtlCol="0">
+            <a:spAutoFit/>
+          </a:bodyPr>
+          <a:lstStyle/>
+          <a:p>
+            <a:r>
+              <a:rPr lang="en-US" dirty="0" smtClean="0"/>
+              <a:t>4</a:t>
+            </a:r>
+            <a:endParaRPr lang="en-US" dirty="0"/>
+          </a:p>
+        </p:txBody>
+      </p:sp>
+      <p:sp>
+        <p:nvSpPr>
+          <p:cNvPr id="74" name="TextBox 73"/>
+          <p:cNvSpPr txBox="1"/>
+          <p:nvPr/>
+        </p:nvSpPr>
+        <p:spPr>
+          <a:xfrm>
+            <a:off x="6567919" y="5177885"/>
+            <a:ext cx="327378" cy="369332"/>
+          </a:xfrm>
+          <a:prstGeom prst="rect">
+            <a:avLst/>
+          </a:prstGeom>
+          <a:noFill/>
+        </p:spPr>
+        <p:txBody>
+          <a:bodyPr wrap="square" rtlCol="0">
+            <a:spAutoFit/>
+          </a:bodyPr>
+          <a:lstStyle/>
+          <a:p>
+            <a:r>
+              <a:rPr lang="en-US" dirty="0" smtClean="0"/>
+              <a:t>6</a:t>
+            </a:r>
+            <a:endParaRPr lang="en-US" dirty="0"/>
+          </a:p>
+        </p:txBody>
+      </p:sp>
+      <p:sp>
+        <p:nvSpPr>
+          <p:cNvPr id="75" name="TextBox 74"/>
+          <p:cNvSpPr txBox="1"/>
+          <p:nvPr/>
+        </p:nvSpPr>
+        <p:spPr>
+          <a:xfrm>
+            <a:off x="6033699" y="2940049"/>
+            <a:ext cx="375786" cy="369332"/>
+          </a:xfrm>
+          <a:prstGeom prst="rect">
+            <a:avLst/>
+          </a:prstGeom>
+          <a:noFill/>
+        </p:spPr>
+        <p:txBody>
+          <a:bodyPr wrap="square" rtlCol="0">
+            <a:spAutoFit/>
+          </a:bodyPr>
+          <a:lstStyle/>
+          <a:p>
+            <a:r>
+              <a:rPr lang="en-US" dirty="0" smtClean="0"/>
+              <a:t>4</a:t>
+            </a:r>
+            <a:endParaRPr lang="en-US" dirty="0"/>
+          </a:p>
+        </p:txBody>
+      </p:sp>
+      <p:sp>
+        <p:nvSpPr>
+          <p:cNvPr id="76" name="TextBox 75"/>
+          <p:cNvSpPr txBox="1"/>
+          <p:nvPr/>
+        </p:nvSpPr>
+        <p:spPr>
+          <a:xfrm>
+            <a:off x="5977990" y="4074894"/>
+            <a:ext cx="327378" cy="369332"/>
+          </a:xfrm>
+          <a:prstGeom prst="rect">
+            <a:avLst/>
+          </a:prstGeom>
+          <a:noFill/>
+        </p:spPr>
+        <p:txBody>
+          <a:bodyPr wrap="square" rtlCol="0">
+            <a:spAutoFit/>
+          </a:bodyPr>
+          <a:lstStyle/>
+          <a:p>
+            <a:r>
+              <a:rPr lang="en-US" dirty="0" smtClean="0"/>
+              <a:t>5</a:t>
+            </a:r>
+            <a:endParaRPr lang="en-US" dirty="0"/>
+          </a:p>
+        </p:txBody>
+      </p:sp>
+      <p:sp>
+        <p:nvSpPr>
+          <p:cNvPr id="78" name="TextBox 77"/>
+          <p:cNvSpPr txBox="1"/>
+          <p:nvPr/>
+        </p:nvSpPr>
+        <p:spPr>
+          <a:xfrm>
+            <a:off x="8941422" y="2784886"/>
+            <a:ext cx="327378" cy="369332"/>
+          </a:xfrm>
+          <a:prstGeom prst="rect">
+            <a:avLst/>
+          </a:prstGeom>
+          <a:noFill/>
+        </p:spPr>
+        <p:txBody>
+          <a:bodyPr wrap="square" rtlCol="0">
+            <a:spAutoFit/>
+          </a:bodyPr>
+          <a:lstStyle/>
+          <a:p>
+            <a:r>
+              <a:rPr lang="en-US" dirty="0" smtClean="0"/>
+              <a:t>6</a:t>
+            </a:r>
+            <a:endParaRPr lang="en-US" dirty="0"/>
+          </a:p>
+        </p:txBody>
+      </p:sp>
+      <p:sp>
+        <p:nvSpPr>
+          <p:cNvPr id="79" name="TextBox 78"/>
+          <p:cNvSpPr txBox="1"/>
+          <p:nvPr/>
+        </p:nvSpPr>
+        <p:spPr>
+          <a:xfrm>
+            <a:off x="7581495" y="4808553"/>
+            <a:ext cx="327378" cy="369332"/>
+          </a:xfrm>
+          <a:prstGeom prst="rect">
+            <a:avLst/>
+          </a:prstGeom>
+          <a:noFill/>
+        </p:spPr>
+        <p:txBody>
+          <a:bodyPr wrap="square" rtlCol="0">
+            <a:spAutoFit/>
+          </a:bodyPr>
+          <a:lstStyle/>
+          <a:p>
+            <a:r>
+              <a:rPr lang="en-US" dirty="0" smtClean="0"/>
+              <a:t>7</a:t>
+            </a:r>
+            <a:endParaRPr lang="en-US" dirty="0"/>
+          </a:p>
+        </p:txBody>
+      </p:sp>
+      <p:sp>
+        <p:nvSpPr>
+          <p:cNvPr id="80" name="TextBox 79"/>
+          <p:cNvSpPr txBox="1"/>
+          <p:nvPr/>
+        </p:nvSpPr>
+        <p:spPr>
+          <a:xfrm>
+            <a:off x="8557496" y="3925760"/>
+            <a:ext cx="327378" cy="369332"/>
+          </a:xfrm>
+          <a:prstGeom prst="rect">
+            <a:avLst/>
+          </a:prstGeom>
+          <a:noFill/>
+        </p:spPr>
+        <p:txBody>
+          <a:bodyPr wrap="square" rtlCol="0">
+            <a:spAutoFit/>
+          </a:bodyPr>
+          <a:lstStyle/>
+          <a:p>
+            <a:r>
+              <a:rPr lang="en-US" dirty="0" smtClean="0"/>
+              <a:t>7</a:t>
+            </a:r>
+            <a:endParaRPr lang="en-US" dirty="0"/>
+          </a:p>
+        </p:txBody>
+      </p:sp>
+      <p:cxnSp>
+        <p:nvCxnSpPr>
+          <p:cNvPr id="127" name="Straight Connector 126"/>
+          <p:cNvCxnSpPr>
+            <a:stCxn id="4" idx="7"/>
+            <a:endCxn id="16" idx="3"/>
+          </p:cNvCxnSpPr>
+          <p:nvPr/>
+        </p:nvCxnSpPr>
+        <p:spPr>
+          <a:xfrm flipV="1">
+            <a:off x="2245285" y="719746"/>
+            <a:ext cx="1856363" cy="1238867"/>
+          </a:xfrm>
+          <a:prstGeom prst="line">
+            <a:avLst/>
+          </a:prstGeom>
+          <a:ln w="53975">
+            <a:solidFill>
+              <a:schemeClr val="accent2">
+                <a:lumMod val="75000"/>
+              </a:schemeClr>
+            </a:solidFill>
+          </a:ln>
+          <a:scene3d>
+            <a:camera prst="orthographicFront"/>
+            <a:lightRig rig="threePt" dir="t"/>
+          </a:scene3d>
+          <a:sp3d extrusionH="50800" contourW="12700">
+            <a:bevelT w="88900"/>
+            <a:bevelB w="63500"/>
+            <a:extrusionClr>
+              <a:schemeClr val="accent2">
+                <a:lumMod val="40000"/>
+                <a:lumOff val="60000"/>
+              </a:schemeClr>
+            </a:extrusionClr>
+            <a:contourClr>
+              <a:schemeClr val="accent2">
+                <a:lumMod val="60000"/>
+                <a:lumOff val="40000"/>
+              </a:schemeClr>
+            </a:contourClr>
+          </a:sp3d>
+        </p:spPr>
+        <p:style>
+          <a:lnRef idx="1">
+            <a:schemeClr val="accent1"/>
+          </a:lnRef>
+          <a:fillRef idx="0">
+            <a:schemeClr val="accent1"/>
+          </a:fillRef>
+          <a:effectRef idx="0">
+            <a:schemeClr val="accent1"/>
+          </a:effectRef>
+          <a:fontRef idx="minor">
+            <a:schemeClr val="tx1"/>
+          </a:fontRef>
+        </p:style>
+      </p:cxnSp>
+      <p:sp>
+        <p:nvSpPr>
+          <p:cNvPr id="130" name="TextBox 129"/>
+          <p:cNvSpPr txBox="1"/>
+          <p:nvPr/>
+        </p:nvSpPr>
+        <p:spPr>
+          <a:xfrm>
+            <a:off x="2910226" y="824747"/>
+            <a:ext cx="327378" cy="369332"/>
+          </a:xfrm>
+          <a:prstGeom prst="rect">
+            <a:avLst/>
+          </a:prstGeom>
+          <a:noFill/>
+        </p:spPr>
+        <p:txBody>
+          <a:bodyPr wrap="square" rtlCol="0">
+            <a:spAutoFit/>
+          </a:bodyPr>
+          <a:lstStyle/>
+          <a:p>
+            <a:r>
+              <a:rPr lang="en-US" dirty="0" smtClean="0"/>
+              <a:t>1</a:t>
+            </a:r>
+            <a:endParaRPr lang="en-US" dirty="0"/>
+          </a:p>
+        </p:txBody>
+      </p:sp>
+      <p:cxnSp>
+        <p:nvCxnSpPr>
+          <p:cNvPr id="131" name="Straight Connector 130"/>
+          <p:cNvCxnSpPr>
+            <a:endCxn id="16" idx="2"/>
+          </p:cNvCxnSpPr>
+          <p:nvPr/>
+        </p:nvCxnSpPr>
+        <p:spPr>
+          <a:xfrm>
+            <a:off x="3058775" y="176388"/>
+            <a:ext cx="969831" cy="363753"/>
+          </a:xfrm>
+          <a:prstGeom prst="line">
+            <a:avLst/>
+          </a:prstGeom>
+          <a:ln w="53975"/>
+          <a:scene3d>
+            <a:camera prst="orthographicFront"/>
+            <a:lightRig rig="threePt" dir="t"/>
+          </a:scene3d>
+          <a:sp3d extrusionH="50800" contourW="12700">
+            <a:bevelT w="88900"/>
+            <a:bevelB w="63500"/>
+            <a:extrusionClr>
+              <a:schemeClr val="accent2">
+                <a:lumMod val="40000"/>
+                <a:lumOff val="60000"/>
+              </a:schemeClr>
+            </a:extrusionClr>
+            <a:contourClr>
+              <a:schemeClr val="accent2">
+                <a:lumMod val="60000"/>
+                <a:lumOff val="40000"/>
+              </a:schemeClr>
+            </a:contourClr>
+          </a:sp3d>
+        </p:spPr>
+        <p:style>
+          <a:lnRef idx="1">
+            <a:schemeClr val="accent1"/>
+          </a:lnRef>
+          <a:fillRef idx="0">
+            <a:schemeClr val="accent1"/>
+          </a:fillRef>
+          <a:effectRef idx="0">
+            <a:schemeClr val="accent1"/>
+          </a:effectRef>
+          <a:fontRef idx="minor">
+            <a:schemeClr val="tx1"/>
+          </a:fontRef>
+        </p:style>
+      </p:cxnSp>
+    </p:spTree>
+    <p:extLst>
+      <p:ext uri="{BB962C8B-B14F-4D97-AF65-F5344CB8AC3E}">
+        <p14:creationId xmlns:p14="http://schemas.microsoft.com/office/powerpoint/2010/main" val="3670442340"/>
+      </p:ext>
+    </p:extLst>
+  </p:cSld>
+  <p:clrMapOvr>
+    <a:masterClrMapping/>
+  </p:clrMapOvr>
+</p:sld>
+</file>
+
 <file path=ppt/theme/theme1.xml><?xml version="1.0" encoding="utf-8"?>
 <a:theme xmlns:a="http://schemas.openxmlformats.org/drawingml/2006/main" name="Office Theme">
   <a:themeElements>

--- a/Documents/(article) Random Loop Model to Explain the TAD in CC Experiments/polymerModelWithOneAndTwoFixedLoopsAndInternalConnections.pptx
+++ b/Documents/(article) Random Loop Model to Explain the TAD in CC Experiments/polymerModelWithOneAndTwoFixedLoopsAndInternalConnections.pptx
@@ -19727,15 +19727,15 @@
         <p:nvCxnSpPr>
           <p:cNvPr id="127" name="Straight Connector 126"/>
           <p:cNvCxnSpPr>
-            <a:stCxn id="4" idx="7"/>
-            <a:endCxn id="16" idx="3"/>
+            <a:stCxn id="8" idx="0"/>
+            <a:endCxn id="16" idx="4"/>
           </p:cNvCxnSpPr>
           <p:nvPr/>
         </p:nvCxnSpPr>
         <p:spPr>
           <a:xfrm flipV="1">
-            <a:off x="2245285" y="719746"/>
-            <a:ext cx="1856363" cy="1238867"/>
+            <a:off x="3739189" y="794141"/>
+            <a:ext cx="538799" cy="1114390"/>
           </a:xfrm>
           <a:prstGeom prst="line">
             <a:avLst/>

--- a/Documents/(article) Random Loop Model to Explain the TAD in CC Experiments/polymerModelWithOneAndTwoFixedLoopsAndInternalConnections.pptx
+++ b/Documents/(article) Random Loop Model to Explain the TAD in CC Experiments/polymerModelWithOneAndTwoFixedLoopsAndInternalConnections.pptx
@@ -10,6 +10,7 @@
     <p:sldId id="258" r:id="rId4"/>
     <p:sldId id="259" r:id="rId5"/>
     <p:sldId id="260" r:id="rId6"/>
+    <p:sldId id="261" r:id="rId7"/>
   </p:sldIdLst>
   <p:sldSz cx="12192000" cy="6858000"/>
   <p:notesSz cx="6858000" cy="9144000"/>
@@ -247,7 +248,7 @@
           <a:p>
             <a:fld id="{11E755D3-E711-4D0A-850C-1C48A3BA9F8A}" type="datetimeFigureOut">
               <a:rPr lang="en-US" smtClean="0"/>
-              <a:t>11/27/2014</a:t>
+              <a:t>12/8/2014</a:t>
             </a:fld>
             <a:endParaRPr lang="en-US"/>
           </a:p>
@@ -417,7 +418,7 @@
           <a:p>
             <a:fld id="{11E755D3-E711-4D0A-850C-1C48A3BA9F8A}" type="datetimeFigureOut">
               <a:rPr lang="en-US" smtClean="0"/>
-              <a:t>11/27/2014</a:t>
+              <a:t>12/8/2014</a:t>
             </a:fld>
             <a:endParaRPr lang="en-US"/>
           </a:p>
@@ -597,7 +598,7 @@
           <a:p>
             <a:fld id="{11E755D3-E711-4D0A-850C-1C48A3BA9F8A}" type="datetimeFigureOut">
               <a:rPr lang="en-US" smtClean="0"/>
-              <a:t>11/27/2014</a:t>
+              <a:t>12/8/2014</a:t>
             </a:fld>
             <a:endParaRPr lang="en-US"/>
           </a:p>
@@ -767,7 +768,7 @@
           <a:p>
             <a:fld id="{11E755D3-E711-4D0A-850C-1C48A3BA9F8A}" type="datetimeFigureOut">
               <a:rPr lang="en-US" smtClean="0"/>
-              <a:t>11/27/2014</a:t>
+              <a:t>12/8/2014</a:t>
             </a:fld>
             <a:endParaRPr lang="en-US"/>
           </a:p>
@@ -1013,7 +1014,7 @@
           <a:p>
             <a:fld id="{11E755D3-E711-4D0A-850C-1C48A3BA9F8A}" type="datetimeFigureOut">
               <a:rPr lang="en-US" smtClean="0"/>
-              <a:t>11/27/2014</a:t>
+              <a:t>12/8/2014</a:t>
             </a:fld>
             <a:endParaRPr lang="en-US"/>
           </a:p>
@@ -1245,7 +1246,7 @@
           <a:p>
             <a:fld id="{11E755D3-E711-4D0A-850C-1C48A3BA9F8A}" type="datetimeFigureOut">
               <a:rPr lang="en-US" smtClean="0"/>
-              <a:t>11/27/2014</a:t>
+              <a:t>12/8/2014</a:t>
             </a:fld>
             <a:endParaRPr lang="en-US"/>
           </a:p>
@@ -1612,7 +1613,7 @@
           <a:p>
             <a:fld id="{11E755D3-E711-4D0A-850C-1C48A3BA9F8A}" type="datetimeFigureOut">
               <a:rPr lang="en-US" smtClean="0"/>
-              <a:t>11/27/2014</a:t>
+              <a:t>12/8/2014</a:t>
             </a:fld>
             <a:endParaRPr lang="en-US"/>
           </a:p>
@@ -1730,7 +1731,7 @@
           <a:p>
             <a:fld id="{11E755D3-E711-4D0A-850C-1C48A3BA9F8A}" type="datetimeFigureOut">
               <a:rPr lang="en-US" smtClean="0"/>
-              <a:t>11/27/2014</a:t>
+              <a:t>12/8/2014</a:t>
             </a:fld>
             <a:endParaRPr lang="en-US"/>
           </a:p>
@@ -1825,7 +1826,7 @@
           <a:p>
             <a:fld id="{11E755D3-E711-4D0A-850C-1C48A3BA9F8A}" type="datetimeFigureOut">
               <a:rPr lang="en-US" smtClean="0"/>
-              <a:t>11/27/2014</a:t>
+              <a:t>12/8/2014</a:t>
             </a:fld>
             <a:endParaRPr lang="en-US"/>
           </a:p>
@@ -2102,7 +2103,7 @@
           <a:p>
             <a:fld id="{11E755D3-E711-4D0A-850C-1C48A3BA9F8A}" type="datetimeFigureOut">
               <a:rPr lang="en-US" smtClean="0"/>
-              <a:t>11/27/2014</a:t>
+              <a:t>12/8/2014</a:t>
             </a:fld>
             <a:endParaRPr lang="en-US"/>
           </a:p>
@@ -2355,7 +2356,7 @@
           <a:p>
             <a:fld id="{11E755D3-E711-4D0A-850C-1C48A3BA9F8A}" type="datetimeFigureOut">
               <a:rPr lang="en-US" smtClean="0"/>
-              <a:t>11/27/2014</a:t>
+              <a:t>12/8/2014</a:t>
             </a:fld>
             <a:endParaRPr lang="en-US"/>
           </a:p>
@@ -2568,7 +2569,7 @@
           <a:p>
             <a:fld id="{11E755D3-E711-4D0A-850C-1C48A3BA9F8A}" type="datetimeFigureOut">
               <a:rPr lang="en-US" smtClean="0"/>
-              <a:t>11/27/2014</a:t>
+              <a:t>12/8/2014</a:t>
             </a:fld>
             <a:endParaRPr lang="en-US"/>
           </a:p>
@@ -19791,7 +19792,7 @@
         </p:nvSpPr>
         <p:spPr>
           <a:xfrm>
-            <a:off x="2910226" y="824747"/>
+            <a:off x="3560373" y="907312"/>
             <a:ext cx="327378" cy="369332"/>
           </a:xfrm>
           <a:prstGeom prst="rect">
@@ -19870,6 +19871,1063 @@
     <p:extLst>
       <p:ext uri="{BB962C8B-B14F-4D97-AF65-F5344CB8AC3E}">
         <p14:creationId xmlns:p14="http://schemas.microsoft.com/office/powerpoint/2010/main" val="3670442340"/>
+      </p:ext>
+    </p:extLst>
+  </p:cSld>
+  <p:clrMapOvr>
+    <a:masterClrMapping/>
+  </p:clrMapOvr>
+</p:sld>
+</file>
+
+<file path=ppt/slides/slide6.xml><?xml version="1.0" encoding="utf-8"?>
+<p:sld xmlns:a="http://schemas.openxmlformats.org/drawingml/2006/main" xmlns:r="http://schemas.openxmlformats.org/officeDocument/2006/relationships" xmlns:p="http://schemas.openxmlformats.org/presentationml/2006/main">
+  <p:cSld>
+    <p:spTree>
+      <p:nvGrpSpPr>
+        <p:cNvPr id="1" name=""/>
+        <p:cNvGrpSpPr/>
+        <p:nvPr/>
+      </p:nvGrpSpPr>
+      <p:grpSpPr>
+        <a:xfrm>
+          <a:off x="0" y="0"/>
+          <a:ext cx="0" cy="0"/>
+          <a:chOff x="0" y="0"/>
+          <a:chExt cx="0" cy="0"/>
+        </a:xfrm>
+      </p:grpSpPr>
+      <p:pic>
+        <p:nvPicPr>
+          <p:cNvPr id="27" name="Picture 26"/>
+          <p:cNvPicPr>
+            <a:picLocks noChangeAspect="1"/>
+          </p:cNvPicPr>
+          <p:nvPr/>
+        </p:nvPicPr>
+        <p:blipFill>
+          <a:blip r:embed="rId2" cstate="print">
+            <a:extLst>
+              <a:ext uri="{28A0092B-C50C-407E-A947-70E740481C1C}">
+                <a14:useLocalDpi xmlns:a14="http://schemas.microsoft.com/office/drawing/2010/main" val="0"/>
+              </a:ext>
+            </a:extLst>
+          </a:blip>
+          <a:stretch>
+            <a:fillRect/>
+          </a:stretch>
+        </p:blipFill>
+        <p:spPr>
+          <a:xfrm rot="9217269">
+            <a:off x="5872310" y="2904270"/>
+            <a:ext cx="1133931" cy="1212434"/>
+          </a:xfrm>
+          <a:prstGeom prst="rect">
+            <a:avLst/>
+          </a:prstGeom>
+        </p:spPr>
+      </p:pic>
+      <p:pic>
+        <p:nvPicPr>
+          <p:cNvPr id="36" name="Picture 35"/>
+          <p:cNvPicPr>
+            <a:picLocks noChangeAspect="1"/>
+          </p:cNvPicPr>
+          <p:nvPr/>
+        </p:nvPicPr>
+        <p:blipFill>
+          <a:blip r:embed="rId2" cstate="print">
+            <a:extLst>
+              <a:ext uri="{28A0092B-C50C-407E-A947-70E740481C1C}">
+                <a14:useLocalDpi xmlns:a14="http://schemas.microsoft.com/office/drawing/2010/main" val="0"/>
+              </a:ext>
+            </a:extLst>
+          </a:blip>
+          <a:stretch>
+            <a:fillRect/>
+          </a:stretch>
+        </p:blipFill>
+        <p:spPr>
+          <a:xfrm rot="19702509">
+            <a:off x="2318691" y="1722667"/>
+            <a:ext cx="1133931" cy="1212434"/>
+          </a:xfrm>
+          <a:prstGeom prst="rect">
+            <a:avLst/>
+          </a:prstGeom>
+        </p:spPr>
+      </p:pic>
+      <p:pic>
+        <p:nvPicPr>
+          <p:cNvPr id="37" name="Picture 36"/>
+          <p:cNvPicPr>
+            <a:picLocks noChangeAspect="1"/>
+          </p:cNvPicPr>
+          <p:nvPr/>
+        </p:nvPicPr>
+        <p:blipFill>
+          <a:blip r:embed="rId2" cstate="print">
+            <a:extLst>
+              <a:ext uri="{28A0092B-C50C-407E-A947-70E740481C1C}">
+                <a14:useLocalDpi xmlns:a14="http://schemas.microsoft.com/office/drawing/2010/main" val="0"/>
+              </a:ext>
+            </a:extLst>
+          </a:blip>
+          <a:stretch>
+            <a:fillRect/>
+          </a:stretch>
+        </p:blipFill>
+        <p:spPr>
+          <a:xfrm rot="5925403">
+            <a:off x="3973416" y="4298770"/>
+            <a:ext cx="1133931" cy="1212434"/>
+          </a:xfrm>
+          <a:prstGeom prst="rect">
+            <a:avLst/>
+          </a:prstGeom>
+        </p:spPr>
+      </p:pic>
+      <p:pic>
+        <p:nvPicPr>
+          <p:cNvPr id="38" name="Picture 37"/>
+          <p:cNvPicPr>
+            <a:picLocks noChangeAspect="1"/>
+          </p:cNvPicPr>
+          <p:nvPr/>
+        </p:nvPicPr>
+        <p:blipFill>
+          <a:blip r:embed="rId2" cstate="print">
+            <a:extLst>
+              <a:ext uri="{28A0092B-C50C-407E-A947-70E740481C1C}">
+                <a14:useLocalDpi xmlns:a14="http://schemas.microsoft.com/office/drawing/2010/main" val="0"/>
+              </a:ext>
+            </a:extLst>
+          </a:blip>
+          <a:stretch>
+            <a:fillRect/>
+          </a:stretch>
+        </p:blipFill>
+        <p:spPr>
+          <a:xfrm rot="3658259">
+            <a:off x="5326280" y="4542327"/>
+            <a:ext cx="1133931" cy="1212434"/>
+          </a:xfrm>
+          <a:prstGeom prst="rect">
+            <a:avLst/>
+          </a:prstGeom>
+        </p:spPr>
+      </p:pic>
+      <p:pic>
+        <p:nvPicPr>
+          <p:cNvPr id="35" name="Picture 34"/>
+          <p:cNvPicPr>
+            <a:picLocks noChangeAspect="1"/>
+          </p:cNvPicPr>
+          <p:nvPr/>
+        </p:nvPicPr>
+        <p:blipFill>
+          <a:blip r:embed="rId2" cstate="print">
+            <a:extLst>
+              <a:ext uri="{28A0092B-C50C-407E-A947-70E740481C1C}">
+                <a14:useLocalDpi xmlns:a14="http://schemas.microsoft.com/office/drawing/2010/main" val="0"/>
+              </a:ext>
+            </a:extLst>
+          </a:blip>
+          <a:stretch>
+            <a:fillRect/>
+          </a:stretch>
+        </p:blipFill>
+        <p:spPr>
+          <a:xfrm rot="5400000">
+            <a:off x="6847028" y="4524063"/>
+            <a:ext cx="1133931" cy="1212434"/>
+          </a:xfrm>
+          <a:prstGeom prst="rect">
+            <a:avLst/>
+          </a:prstGeom>
+        </p:spPr>
+      </p:pic>
+      <p:pic>
+        <p:nvPicPr>
+          <p:cNvPr id="34" name="Picture 33"/>
+          <p:cNvPicPr>
+            <a:picLocks noChangeAspect="1"/>
+          </p:cNvPicPr>
+          <p:nvPr/>
+        </p:nvPicPr>
+        <p:blipFill>
+          <a:blip r:embed="rId2" cstate="print">
+            <a:extLst>
+              <a:ext uri="{28A0092B-C50C-407E-A947-70E740481C1C}">
+                <a14:useLocalDpi xmlns:a14="http://schemas.microsoft.com/office/drawing/2010/main" val="0"/>
+              </a:ext>
+            </a:extLst>
+          </a:blip>
+          <a:stretch>
+            <a:fillRect/>
+          </a:stretch>
+        </p:blipFill>
+        <p:spPr>
+          <a:xfrm rot="13747068">
+            <a:off x="8267351" y="4753922"/>
+            <a:ext cx="1133931" cy="1212434"/>
+          </a:xfrm>
+          <a:prstGeom prst="rect">
+            <a:avLst/>
+          </a:prstGeom>
+        </p:spPr>
+      </p:pic>
+      <p:pic>
+        <p:nvPicPr>
+          <p:cNvPr id="30" name="Picture 29"/>
+          <p:cNvPicPr>
+            <a:picLocks noChangeAspect="1"/>
+          </p:cNvPicPr>
+          <p:nvPr/>
+        </p:nvPicPr>
+        <p:blipFill>
+          <a:blip r:embed="rId2" cstate="print">
+            <a:extLst>
+              <a:ext uri="{28A0092B-C50C-407E-A947-70E740481C1C}">
+                <a14:useLocalDpi xmlns:a14="http://schemas.microsoft.com/office/drawing/2010/main" val="0"/>
+              </a:ext>
+            </a:extLst>
+          </a:blip>
+          <a:stretch>
+            <a:fillRect/>
+          </a:stretch>
+        </p:blipFill>
+        <p:spPr>
+          <a:xfrm rot="9252549">
+            <a:off x="8878721" y="3499846"/>
+            <a:ext cx="1133931" cy="1212434"/>
+          </a:xfrm>
+          <a:prstGeom prst="rect">
+            <a:avLst/>
+          </a:prstGeom>
+        </p:spPr>
+      </p:pic>
+      <p:pic>
+        <p:nvPicPr>
+          <p:cNvPr id="29" name="Picture 28"/>
+          <p:cNvPicPr>
+            <a:picLocks noChangeAspect="1"/>
+          </p:cNvPicPr>
+          <p:nvPr/>
+        </p:nvPicPr>
+        <p:blipFill>
+          <a:blip r:embed="rId2" cstate="print">
+            <a:extLst>
+              <a:ext uri="{28A0092B-C50C-407E-A947-70E740481C1C}">
+                <a14:useLocalDpi xmlns:a14="http://schemas.microsoft.com/office/drawing/2010/main" val="0"/>
+              </a:ext>
+            </a:extLst>
+          </a:blip>
+          <a:stretch>
+            <a:fillRect/>
+          </a:stretch>
+        </p:blipFill>
+        <p:spPr>
+          <a:xfrm rot="17271773">
+            <a:off x="7740639" y="2546123"/>
+            <a:ext cx="1133931" cy="1212434"/>
+          </a:xfrm>
+          <a:prstGeom prst="rect">
+            <a:avLst/>
+          </a:prstGeom>
+        </p:spPr>
+      </p:pic>
+      <p:pic>
+        <p:nvPicPr>
+          <p:cNvPr id="33" name="Picture 32"/>
+          <p:cNvPicPr>
+            <a:picLocks noChangeAspect="1"/>
+          </p:cNvPicPr>
+          <p:nvPr/>
+        </p:nvPicPr>
+        <p:blipFill>
+          <a:blip r:embed="rId2" cstate="print">
+            <a:extLst>
+              <a:ext uri="{28A0092B-C50C-407E-A947-70E740481C1C}">
+                <a14:useLocalDpi xmlns:a14="http://schemas.microsoft.com/office/drawing/2010/main" val="0"/>
+              </a:ext>
+            </a:extLst>
+          </a:blip>
+          <a:stretch>
+            <a:fillRect/>
+          </a:stretch>
+        </p:blipFill>
+        <p:spPr>
+          <a:xfrm rot="5914170">
+            <a:off x="6399002" y="1505459"/>
+            <a:ext cx="1133931" cy="1212434"/>
+          </a:xfrm>
+          <a:prstGeom prst="rect">
+            <a:avLst/>
+          </a:prstGeom>
+        </p:spPr>
+      </p:pic>
+      <p:pic>
+        <p:nvPicPr>
+          <p:cNvPr id="31" name="Picture 30"/>
+          <p:cNvPicPr>
+            <a:picLocks noChangeAspect="1"/>
+          </p:cNvPicPr>
+          <p:nvPr/>
+        </p:nvPicPr>
+        <p:blipFill>
+          <a:blip r:embed="rId2" cstate="print">
+            <a:extLst>
+              <a:ext uri="{28A0092B-C50C-407E-A947-70E740481C1C}">
+                <a14:useLocalDpi xmlns:a14="http://schemas.microsoft.com/office/drawing/2010/main" val="0"/>
+              </a:ext>
+            </a:extLst>
+          </a:blip>
+          <a:stretch>
+            <a:fillRect/>
+          </a:stretch>
+        </p:blipFill>
+        <p:spPr>
+          <a:xfrm rot="13835836">
+            <a:off x="4938176" y="1641967"/>
+            <a:ext cx="1133931" cy="1212434"/>
+          </a:xfrm>
+          <a:prstGeom prst="rect">
+            <a:avLst/>
+          </a:prstGeom>
+        </p:spPr>
+      </p:pic>
+      <p:pic>
+        <p:nvPicPr>
+          <p:cNvPr id="5" name="Picture 4"/>
+          <p:cNvPicPr>
+            <a:picLocks noChangeAspect="1"/>
+          </p:cNvPicPr>
+          <p:nvPr/>
+        </p:nvPicPr>
+        <p:blipFill>
+          <a:blip r:embed="rId2" cstate="print">
+            <a:extLst>
+              <a:ext uri="{28A0092B-C50C-407E-A947-70E740481C1C}">
+                <a14:useLocalDpi xmlns:a14="http://schemas.microsoft.com/office/drawing/2010/main" val="0"/>
+              </a:ext>
+            </a:extLst>
+          </a:blip>
+          <a:stretch>
+            <a:fillRect/>
+          </a:stretch>
+        </p:blipFill>
+        <p:spPr>
+          <a:xfrm rot="13835836">
+            <a:off x="3379774" y="2373373"/>
+            <a:ext cx="1133931" cy="1212434"/>
+          </a:xfrm>
+          <a:prstGeom prst="rect">
+            <a:avLst/>
+          </a:prstGeom>
+        </p:spPr>
+      </p:pic>
+      <p:sp>
+        <p:nvSpPr>
+          <p:cNvPr id="4" name="Oval 3"/>
+          <p:cNvSpPr/>
+          <p:nvPr/>
+        </p:nvSpPr>
+        <p:spPr>
+          <a:xfrm>
+            <a:off x="2844800" y="2656115"/>
+            <a:ext cx="674105" cy="670518"/>
+          </a:xfrm>
+          <a:prstGeom prst="ellipse">
+            <a:avLst/>
+          </a:prstGeom>
+          <a:solidFill>
+            <a:schemeClr val="accent6"/>
+          </a:solidFill>
+          <a:scene3d>
+            <a:camera prst="orthographicFront"/>
+            <a:lightRig rig="threePt" dir="t"/>
+          </a:scene3d>
+          <a:sp3d extrusionH="107950" contourW="12700" prstMaterial="dkEdge">
+            <a:bevelT w="107950" h="107950"/>
+            <a:bevelB w="107950" h="107950"/>
+          </a:sp3d>
+        </p:spPr>
+        <p:style>
+          <a:lnRef idx="2">
+            <a:schemeClr val="accent1">
+              <a:shade val="50000"/>
+            </a:schemeClr>
+          </a:lnRef>
+          <a:fillRef idx="1">
+            <a:schemeClr val="accent1"/>
+          </a:fillRef>
+          <a:effectRef idx="0">
+            <a:schemeClr val="accent1"/>
+          </a:effectRef>
+          <a:fontRef idx="minor">
+            <a:schemeClr val="lt1"/>
+          </a:fontRef>
+        </p:style>
+        <p:txBody>
+          <a:bodyPr rot="0" spcFirstLastPara="0" vert="horz" wrap="square" lIns="91440" tIns="45720" rIns="91440" bIns="45720" numCol="1" spcCol="0" rtlCol="1" fromWordArt="0" anchor="ctr" anchorCtr="0" forceAA="0" compatLnSpc="1">
+            <a:prstTxWarp prst="textNoShape">
+              <a:avLst/>
+            </a:prstTxWarp>
+            <a:noAutofit/>
+          </a:bodyPr>
+          <a:lstStyle/>
+          <a:p>
+            <a:endParaRPr lang="en-US"/>
+          </a:p>
+        </p:txBody>
+      </p:sp>
+      <p:sp>
+        <p:nvSpPr>
+          <p:cNvPr id="15" name="Oval 14"/>
+          <p:cNvSpPr/>
+          <p:nvPr/>
+        </p:nvSpPr>
+        <p:spPr>
+          <a:xfrm>
+            <a:off x="4326066" y="2219257"/>
+            <a:ext cx="674105" cy="670518"/>
+          </a:xfrm>
+          <a:prstGeom prst="ellipse">
+            <a:avLst/>
+          </a:prstGeom>
+          <a:solidFill>
+            <a:schemeClr val="accent6"/>
+          </a:solidFill>
+          <a:scene3d>
+            <a:camera prst="orthographicFront"/>
+            <a:lightRig rig="threePt" dir="t"/>
+          </a:scene3d>
+          <a:sp3d extrusionH="107950" contourW="12700" prstMaterial="dkEdge">
+            <a:bevelT w="107950" h="107950"/>
+            <a:bevelB w="107950" h="107950"/>
+          </a:sp3d>
+        </p:spPr>
+        <p:style>
+          <a:lnRef idx="2">
+            <a:schemeClr val="accent1">
+              <a:shade val="50000"/>
+            </a:schemeClr>
+          </a:lnRef>
+          <a:fillRef idx="1">
+            <a:schemeClr val="accent1"/>
+          </a:fillRef>
+          <a:effectRef idx="0">
+            <a:schemeClr val="accent1"/>
+          </a:effectRef>
+          <a:fontRef idx="minor">
+            <a:schemeClr val="lt1"/>
+          </a:fontRef>
+        </p:style>
+        <p:txBody>
+          <a:bodyPr rot="0" spcFirstLastPara="0" vert="horz" wrap="square" lIns="91440" tIns="45720" rIns="91440" bIns="45720" numCol="1" spcCol="0" rtlCol="1" fromWordArt="0" anchor="ctr" anchorCtr="0" forceAA="0" compatLnSpc="1">
+            <a:prstTxWarp prst="textNoShape">
+              <a:avLst/>
+            </a:prstTxWarp>
+            <a:noAutofit/>
+          </a:bodyPr>
+          <a:lstStyle/>
+          <a:p>
+            <a:endParaRPr lang="en-US"/>
+          </a:p>
+        </p:txBody>
+      </p:sp>
+      <p:sp>
+        <p:nvSpPr>
+          <p:cNvPr id="17" name="Oval 16"/>
+          <p:cNvSpPr/>
+          <p:nvPr/>
+        </p:nvSpPr>
+        <p:spPr>
+          <a:xfrm>
+            <a:off x="6361375" y="4689621"/>
+            <a:ext cx="674105" cy="670518"/>
+          </a:xfrm>
+          <a:prstGeom prst="ellipse">
+            <a:avLst/>
+          </a:prstGeom>
+          <a:solidFill>
+            <a:schemeClr val="accent6"/>
+          </a:solidFill>
+          <a:scene3d>
+            <a:camera prst="orthographicFront"/>
+            <a:lightRig rig="threePt" dir="t"/>
+          </a:scene3d>
+          <a:sp3d extrusionH="107950" contourW="12700" prstMaterial="dkEdge">
+            <a:bevelT w="107950" h="107950"/>
+            <a:bevelB w="107950" h="107950"/>
+          </a:sp3d>
+        </p:spPr>
+        <p:style>
+          <a:lnRef idx="2">
+            <a:schemeClr val="accent1">
+              <a:shade val="50000"/>
+            </a:schemeClr>
+          </a:lnRef>
+          <a:fillRef idx="1">
+            <a:schemeClr val="accent1"/>
+          </a:fillRef>
+          <a:effectRef idx="0">
+            <a:schemeClr val="accent1"/>
+          </a:effectRef>
+          <a:fontRef idx="minor">
+            <a:schemeClr val="lt1"/>
+          </a:fontRef>
+        </p:style>
+        <p:txBody>
+          <a:bodyPr rot="0" spcFirstLastPara="0" vert="horz" wrap="square" lIns="91440" tIns="45720" rIns="91440" bIns="45720" numCol="1" spcCol="0" rtlCol="1" fromWordArt="0" anchor="ctr" anchorCtr="0" forceAA="0" compatLnSpc="1">
+            <a:prstTxWarp prst="textNoShape">
+              <a:avLst/>
+            </a:prstTxWarp>
+            <a:noAutofit/>
+          </a:bodyPr>
+          <a:lstStyle/>
+          <a:p>
+            <a:endParaRPr lang="en-US"/>
+          </a:p>
+        </p:txBody>
+      </p:sp>
+      <p:sp>
+        <p:nvSpPr>
+          <p:cNvPr id="18" name="Oval 17"/>
+          <p:cNvSpPr/>
+          <p:nvPr/>
+        </p:nvSpPr>
+        <p:spPr>
+          <a:xfrm>
+            <a:off x="7792507" y="5205226"/>
+            <a:ext cx="674105" cy="670518"/>
+          </a:xfrm>
+          <a:prstGeom prst="ellipse">
+            <a:avLst/>
+          </a:prstGeom>
+          <a:solidFill>
+            <a:schemeClr val="accent6"/>
+          </a:solidFill>
+          <a:scene3d>
+            <a:camera prst="orthographicFront"/>
+            <a:lightRig rig="threePt" dir="t"/>
+          </a:scene3d>
+          <a:sp3d extrusionH="107950" contourW="12700" prstMaterial="dkEdge">
+            <a:bevelT w="107950" h="107950"/>
+            <a:bevelB w="107950" h="107950"/>
+          </a:sp3d>
+        </p:spPr>
+        <p:style>
+          <a:lnRef idx="2">
+            <a:schemeClr val="accent1">
+              <a:shade val="50000"/>
+            </a:schemeClr>
+          </a:lnRef>
+          <a:fillRef idx="1">
+            <a:schemeClr val="accent1"/>
+          </a:fillRef>
+          <a:effectRef idx="0">
+            <a:schemeClr val="accent1"/>
+          </a:effectRef>
+          <a:fontRef idx="minor">
+            <a:schemeClr val="lt1"/>
+          </a:fontRef>
+        </p:style>
+        <p:txBody>
+          <a:bodyPr rot="0" spcFirstLastPara="0" vert="horz" wrap="square" lIns="91440" tIns="45720" rIns="91440" bIns="45720" numCol="1" spcCol="0" rtlCol="1" fromWordArt="0" anchor="ctr" anchorCtr="0" forceAA="0" compatLnSpc="1">
+            <a:prstTxWarp prst="textNoShape">
+              <a:avLst/>
+            </a:prstTxWarp>
+            <a:noAutofit/>
+          </a:bodyPr>
+          <a:lstStyle/>
+          <a:p>
+            <a:endParaRPr lang="en-US"/>
+          </a:p>
+        </p:txBody>
+      </p:sp>
+      <p:sp>
+        <p:nvSpPr>
+          <p:cNvPr id="19" name="Oval 18"/>
+          <p:cNvSpPr/>
+          <p:nvPr/>
+        </p:nvSpPr>
+        <p:spPr>
+          <a:xfrm>
+            <a:off x="4845266" y="5027809"/>
+            <a:ext cx="674105" cy="670518"/>
+          </a:xfrm>
+          <a:prstGeom prst="ellipse">
+            <a:avLst/>
+          </a:prstGeom>
+          <a:solidFill>
+            <a:schemeClr val="accent6"/>
+          </a:solidFill>
+          <a:scene3d>
+            <a:camera prst="orthographicFront"/>
+            <a:lightRig rig="threePt" dir="t"/>
+          </a:scene3d>
+          <a:sp3d extrusionH="107950" contourW="12700" prstMaterial="dkEdge">
+            <a:bevelT w="107950" h="107950"/>
+            <a:bevelB w="107950" h="107950"/>
+          </a:sp3d>
+        </p:spPr>
+        <p:style>
+          <a:lnRef idx="2">
+            <a:schemeClr val="accent1">
+              <a:shade val="50000"/>
+            </a:schemeClr>
+          </a:lnRef>
+          <a:fillRef idx="1">
+            <a:schemeClr val="accent1"/>
+          </a:fillRef>
+          <a:effectRef idx="0">
+            <a:schemeClr val="accent1"/>
+          </a:effectRef>
+          <a:fontRef idx="minor">
+            <a:schemeClr val="lt1"/>
+          </a:fontRef>
+        </p:style>
+        <p:txBody>
+          <a:bodyPr rot="0" spcFirstLastPara="0" vert="horz" wrap="square" lIns="91440" tIns="45720" rIns="91440" bIns="45720" numCol="1" spcCol="0" rtlCol="1" fromWordArt="0" anchor="ctr" anchorCtr="0" forceAA="0" compatLnSpc="1">
+            <a:prstTxWarp prst="textNoShape">
+              <a:avLst/>
+            </a:prstTxWarp>
+            <a:noAutofit/>
+          </a:bodyPr>
+          <a:lstStyle/>
+          <a:p>
+            <a:endParaRPr lang="en-US"/>
+          </a:p>
+        </p:txBody>
+      </p:sp>
+      <p:sp>
+        <p:nvSpPr>
+          <p:cNvPr id="20" name="Oval 19"/>
+          <p:cNvSpPr/>
+          <p:nvPr/>
+        </p:nvSpPr>
+        <p:spPr>
+          <a:xfrm>
+            <a:off x="3444539" y="4385800"/>
+            <a:ext cx="674105" cy="670518"/>
+          </a:xfrm>
+          <a:prstGeom prst="ellipse">
+            <a:avLst/>
+          </a:prstGeom>
+          <a:solidFill>
+            <a:schemeClr val="accent6"/>
+          </a:solidFill>
+          <a:scene3d>
+            <a:camera prst="orthographicFront"/>
+            <a:lightRig rig="threePt" dir="t"/>
+          </a:scene3d>
+          <a:sp3d extrusionH="107950" contourW="12700" prstMaterial="dkEdge">
+            <a:bevelT w="107950" h="107950"/>
+            <a:bevelB w="107950" h="107950"/>
+          </a:sp3d>
+        </p:spPr>
+        <p:style>
+          <a:lnRef idx="2">
+            <a:schemeClr val="accent1">
+              <a:shade val="50000"/>
+            </a:schemeClr>
+          </a:lnRef>
+          <a:fillRef idx="1">
+            <a:schemeClr val="accent1"/>
+          </a:fillRef>
+          <a:effectRef idx="0">
+            <a:schemeClr val="accent1"/>
+          </a:effectRef>
+          <a:fontRef idx="minor">
+            <a:schemeClr val="lt1"/>
+          </a:fontRef>
+        </p:style>
+        <p:txBody>
+          <a:bodyPr rot="0" spcFirstLastPara="0" vert="horz" wrap="square" lIns="91440" tIns="45720" rIns="91440" bIns="45720" numCol="1" spcCol="0" rtlCol="1" fromWordArt="0" anchor="ctr" anchorCtr="0" forceAA="0" compatLnSpc="1">
+            <a:prstTxWarp prst="textNoShape">
+              <a:avLst/>
+            </a:prstTxWarp>
+            <a:noAutofit/>
+          </a:bodyPr>
+          <a:lstStyle/>
+          <a:p>
+            <a:endParaRPr lang="en-US"/>
+          </a:p>
+        </p:txBody>
+      </p:sp>
+      <p:sp>
+        <p:nvSpPr>
+          <p:cNvPr id="22" name="Oval 21"/>
+          <p:cNvSpPr/>
+          <p:nvPr/>
+        </p:nvSpPr>
+        <p:spPr>
+          <a:xfrm>
+            <a:off x="7366545" y="2242757"/>
+            <a:ext cx="674105" cy="670518"/>
+          </a:xfrm>
+          <a:prstGeom prst="ellipse">
+            <a:avLst/>
+          </a:prstGeom>
+          <a:solidFill>
+            <a:schemeClr val="accent6"/>
+          </a:solidFill>
+          <a:scene3d>
+            <a:camera prst="orthographicFront"/>
+            <a:lightRig rig="threePt" dir="t"/>
+          </a:scene3d>
+          <a:sp3d extrusionH="107950" contourW="12700" prstMaterial="dkEdge">
+            <a:bevelT w="107950" h="107950"/>
+            <a:bevelB w="107950" h="107950"/>
+          </a:sp3d>
+        </p:spPr>
+        <p:style>
+          <a:lnRef idx="2">
+            <a:schemeClr val="accent1">
+              <a:shade val="50000"/>
+            </a:schemeClr>
+          </a:lnRef>
+          <a:fillRef idx="1">
+            <a:schemeClr val="accent1"/>
+          </a:fillRef>
+          <a:effectRef idx="0">
+            <a:schemeClr val="accent1"/>
+          </a:effectRef>
+          <a:fontRef idx="minor">
+            <a:schemeClr val="lt1"/>
+          </a:fontRef>
+        </p:style>
+        <p:txBody>
+          <a:bodyPr rot="0" spcFirstLastPara="0" vert="horz" wrap="square" lIns="91440" tIns="45720" rIns="91440" bIns="45720" numCol="1" spcCol="0" rtlCol="1" fromWordArt="0" anchor="ctr" anchorCtr="0" forceAA="0" compatLnSpc="1">
+            <a:prstTxWarp prst="textNoShape">
+              <a:avLst/>
+            </a:prstTxWarp>
+            <a:noAutofit/>
+          </a:bodyPr>
+          <a:lstStyle/>
+          <a:p>
+            <a:endParaRPr lang="en-US"/>
+          </a:p>
+        </p:txBody>
+      </p:sp>
+      <p:sp>
+        <p:nvSpPr>
+          <p:cNvPr id="23" name="Oval 22"/>
+          <p:cNvSpPr/>
+          <p:nvPr/>
+        </p:nvSpPr>
+        <p:spPr>
+          <a:xfrm>
+            <a:off x="9058508" y="4534708"/>
+            <a:ext cx="674105" cy="670518"/>
+          </a:xfrm>
+          <a:prstGeom prst="ellipse">
+            <a:avLst/>
+          </a:prstGeom>
+          <a:solidFill>
+            <a:schemeClr val="accent6"/>
+          </a:solidFill>
+          <a:scene3d>
+            <a:camera prst="orthographicFront"/>
+            <a:lightRig rig="threePt" dir="t"/>
+          </a:scene3d>
+          <a:sp3d extrusionH="107950" contourW="12700" prstMaterial="dkEdge">
+            <a:bevelT w="107950" h="107950"/>
+            <a:bevelB w="107950" h="107950"/>
+          </a:sp3d>
+        </p:spPr>
+        <p:style>
+          <a:lnRef idx="2">
+            <a:schemeClr val="accent1">
+              <a:shade val="50000"/>
+            </a:schemeClr>
+          </a:lnRef>
+          <a:fillRef idx="1">
+            <a:schemeClr val="accent1"/>
+          </a:fillRef>
+          <a:effectRef idx="0">
+            <a:schemeClr val="accent1"/>
+          </a:effectRef>
+          <a:fontRef idx="minor">
+            <a:schemeClr val="lt1"/>
+          </a:fontRef>
+        </p:style>
+        <p:txBody>
+          <a:bodyPr rot="0" spcFirstLastPara="0" vert="horz" wrap="square" lIns="91440" tIns="45720" rIns="91440" bIns="45720" numCol="1" spcCol="0" rtlCol="1" fromWordArt="0" anchor="ctr" anchorCtr="0" forceAA="0" compatLnSpc="1">
+            <a:prstTxWarp prst="textNoShape">
+              <a:avLst/>
+            </a:prstTxWarp>
+            <a:noAutofit/>
+          </a:bodyPr>
+          <a:lstStyle/>
+          <a:p>
+            <a:endParaRPr lang="en-US"/>
+          </a:p>
+        </p:txBody>
+      </p:sp>
+      <p:sp>
+        <p:nvSpPr>
+          <p:cNvPr id="24" name="Oval 23"/>
+          <p:cNvSpPr/>
+          <p:nvPr/>
+        </p:nvSpPr>
+        <p:spPr>
+          <a:xfrm>
+            <a:off x="8721456" y="3065268"/>
+            <a:ext cx="674105" cy="670518"/>
+          </a:xfrm>
+          <a:prstGeom prst="ellipse">
+            <a:avLst/>
+          </a:prstGeom>
+          <a:solidFill>
+            <a:schemeClr val="accent6"/>
+          </a:solidFill>
+          <a:scene3d>
+            <a:camera prst="orthographicFront"/>
+            <a:lightRig rig="threePt" dir="t"/>
+          </a:scene3d>
+          <a:sp3d extrusionH="107950" contourW="12700" prstMaterial="dkEdge">
+            <a:bevelT w="107950" h="107950"/>
+            <a:bevelB w="107950" h="107950"/>
+          </a:sp3d>
+        </p:spPr>
+        <p:style>
+          <a:lnRef idx="2">
+            <a:schemeClr val="accent1">
+              <a:shade val="50000"/>
+            </a:schemeClr>
+          </a:lnRef>
+          <a:fillRef idx="1">
+            <a:schemeClr val="accent1"/>
+          </a:fillRef>
+          <a:effectRef idx="0">
+            <a:schemeClr val="accent1"/>
+          </a:effectRef>
+          <a:fontRef idx="minor">
+            <a:schemeClr val="lt1"/>
+          </a:fontRef>
+        </p:style>
+        <p:txBody>
+          <a:bodyPr rot="0" spcFirstLastPara="0" vert="horz" wrap="square" lIns="91440" tIns="45720" rIns="91440" bIns="45720" numCol="1" spcCol="0" rtlCol="1" fromWordArt="0" anchor="ctr" anchorCtr="0" forceAA="0" compatLnSpc="1">
+            <a:prstTxWarp prst="textNoShape">
+              <a:avLst/>
+            </a:prstTxWarp>
+            <a:noAutofit/>
+          </a:bodyPr>
+          <a:lstStyle/>
+          <a:p>
+            <a:endParaRPr lang="en-US"/>
+          </a:p>
+        </p:txBody>
+      </p:sp>
+      <p:sp>
+        <p:nvSpPr>
+          <p:cNvPr id="21" name="Oval 20"/>
+          <p:cNvSpPr/>
+          <p:nvPr/>
+        </p:nvSpPr>
+        <p:spPr>
+          <a:xfrm>
+            <a:off x="5902275" y="1577666"/>
+            <a:ext cx="674105" cy="670518"/>
+          </a:xfrm>
+          <a:prstGeom prst="ellipse">
+            <a:avLst/>
+          </a:prstGeom>
+          <a:solidFill>
+            <a:schemeClr val="accent6"/>
+          </a:solidFill>
+          <a:scene3d>
+            <a:camera prst="orthographicFront"/>
+            <a:lightRig rig="threePt" dir="t"/>
+          </a:scene3d>
+          <a:sp3d extrusionH="107950" contourW="12700" prstMaterial="dkEdge">
+            <a:bevelT w="107950" h="107950"/>
+            <a:bevelB w="107950" h="107950"/>
+          </a:sp3d>
+        </p:spPr>
+        <p:style>
+          <a:lnRef idx="2">
+            <a:schemeClr val="accent1">
+              <a:shade val="50000"/>
+            </a:schemeClr>
+          </a:lnRef>
+          <a:fillRef idx="1">
+            <a:schemeClr val="accent1"/>
+          </a:fillRef>
+          <a:effectRef idx="0">
+            <a:schemeClr val="accent1"/>
+          </a:effectRef>
+          <a:fontRef idx="minor">
+            <a:schemeClr val="lt1"/>
+          </a:fontRef>
+        </p:style>
+        <p:txBody>
+          <a:bodyPr rot="0" spcFirstLastPara="0" vert="horz" wrap="square" lIns="91440" tIns="45720" rIns="91440" bIns="45720" numCol="1" spcCol="0" rtlCol="1" fromWordArt="0" anchor="ctr" anchorCtr="0" forceAA="0" compatLnSpc="1">
+            <a:prstTxWarp prst="textNoShape">
+              <a:avLst/>
+            </a:prstTxWarp>
+            <a:noAutofit/>
+          </a:bodyPr>
+          <a:lstStyle/>
+          <a:p>
+            <a:endParaRPr lang="en-US"/>
+          </a:p>
+        </p:txBody>
+      </p:sp>
+      <p:sp>
+        <p:nvSpPr>
+          <p:cNvPr id="39" name="Oval 38"/>
+          <p:cNvSpPr/>
+          <p:nvPr/>
+        </p:nvSpPr>
+        <p:spPr>
+          <a:xfrm>
+            <a:off x="2507747" y="1230774"/>
+            <a:ext cx="674105" cy="670518"/>
+          </a:xfrm>
+          <a:prstGeom prst="ellipse">
+            <a:avLst/>
+          </a:prstGeom>
+          <a:solidFill>
+            <a:schemeClr val="accent6"/>
+          </a:solidFill>
+          <a:scene3d>
+            <a:camera prst="orthographicFront"/>
+            <a:lightRig rig="threePt" dir="t"/>
+          </a:scene3d>
+          <a:sp3d extrusionH="107950" contourW="12700" prstMaterial="dkEdge">
+            <a:bevelT w="107950" h="107950"/>
+            <a:bevelB w="107950" h="107950"/>
+          </a:sp3d>
+        </p:spPr>
+        <p:style>
+          <a:lnRef idx="2">
+            <a:schemeClr val="accent1">
+              <a:shade val="50000"/>
+            </a:schemeClr>
+          </a:lnRef>
+          <a:fillRef idx="1">
+            <a:schemeClr val="accent1"/>
+          </a:fillRef>
+          <a:effectRef idx="0">
+            <a:schemeClr val="accent1"/>
+          </a:effectRef>
+          <a:fontRef idx="minor">
+            <a:schemeClr val="lt1"/>
+          </a:fontRef>
+        </p:style>
+        <p:txBody>
+          <a:bodyPr rot="0" spcFirstLastPara="0" vert="horz" wrap="square" lIns="91440" tIns="45720" rIns="91440" bIns="45720" numCol="1" spcCol="0" rtlCol="1" fromWordArt="0" anchor="ctr" anchorCtr="0" forceAA="0" compatLnSpc="1">
+            <a:prstTxWarp prst="textNoShape">
+              <a:avLst/>
+            </a:prstTxWarp>
+            <a:noAutofit/>
+          </a:bodyPr>
+          <a:lstStyle/>
+          <a:p>
+            <a:endParaRPr lang="en-US"/>
+          </a:p>
+        </p:txBody>
+      </p:sp>
+      <p:cxnSp>
+        <p:nvCxnSpPr>
+          <p:cNvPr id="3" name="Straight Arrow Connector 2"/>
+          <p:cNvCxnSpPr/>
+          <p:nvPr/>
+        </p:nvCxnSpPr>
+        <p:spPr>
+          <a:xfrm>
+            <a:off x="6292105" y="2385366"/>
+            <a:ext cx="294345" cy="2179435"/>
+          </a:xfrm>
+          <a:prstGeom prst="straightConnector1">
+            <a:avLst/>
+          </a:prstGeom>
+          <a:ln w="50800">
+            <a:tailEnd type="triangle"/>
+          </a:ln>
+        </p:spPr>
+        <p:style>
+          <a:lnRef idx="1">
+            <a:schemeClr val="accent1"/>
+          </a:lnRef>
+          <a:fillRef idx="0">
+            <a:schemeClr val="accent1"/>
+          </a:fillRef>
+          <a:effectRef idx="0">
+            <a:schemeClr val="accent1"/>
+          </a:effectRef>
+          <a:fontRef idx="minor">
+            <a:schemeClr val="tx1"/>
+          </a:fontRef>
+        </p:style>
+      </p:cxnSp>
+      <p:sp>
+        <p:nvSpPr>
+          <p:cNvPr id="6" name="TextBox 5"/>
+          <p:cNvSpPr txBox="1"/>
+          <p:nvPr/>
+        </p:nvSpPr>
+        <p:spPr>
+          <a:xfrm>
+            <a:off x="6095893" y="1738122"/>
+            <a:ext cx="237566" cy="369332"/>
+          </a:xfrm>
+          <a:prstGeom prst="rect">
+            <a:avLst/>
+          </a:prstGeom>
+          <a:noFill/>
+        </p:spPr>
+        <p:txBody>
+          <a:bodyPr wrap="none" rtlCol="0">
+            <a:spAutoFit/>
+          </a:bodyPr>
+          <a:lstStyle/>
+          <a:p>
+            <a:r>
+              <a:rPr lang="en-US" dirty="0" err="1" smtClean="0"/>
+              <a:t>i</a:t>
+            </a:r>
+            <a:endParaRPr lang="en-US" dirty="0"/>
+          </a:p>
+        </p:txBody>
+      </p:sp>
+      <p:sp>
+        <p:nvSpPr>
+          <p:cNvPr id="7" name="TextBox 6"/>
+          <p:cNvSpPr txBox="1"/>
+          <p:nvPr/>
+        </p:nvSpPr>
+        <p:spPr>
+          <a:xfrm>
+            <a:off x="6565279" y="4850764"/>
+            <a:ext cx="237566" cy="369332"/>
+          </a:xfrm>
+          <a:prstGeom prst="rect">
+            <a:avLst/>
+          </a:prstGeom>
+          <a:noFill/>
+        </p:spPr>
+        <p:txBody>
+          <a:bodyPr wrap="none" rtlCol="0">
+            <a:spAutoFit/>
+          </a:bodyPr>
+          <a:lstStyle/>
+          <a:p>
+            <a:r>
+              <a:rPr lang="en-US" dirty="0"/>
+              <a:t>l</a:t>
+            </a:r>
+          </a:p>
+        </p:txBody>
+      </p:sp>
+    </p:spTree>
+    <p:extLst>
+      <p:ext uri="{BB962C8B-B14F-4D97-AF65-F5344CB8AC3E}">
+        <p14:creationId xmlns:p14="http://schemas.microsoft.com/office/powerpoint/2010/main" val="2442680453"/>
       </p:ext>
     </p:extLst>
   </p:cSld>

--- a/Documents/(article) Random Loop Model to Explain the TAD in CC Experiments/polymerModelWithOneAndTwoFixedLoopsAndInternalConnections.pptx
+++ b/Documents/(article) Random Loop Model to Explain the TAD in CC Experiments/polymerModelWithOneAndTwoFixedLoopsAndInternalConnections.pptx
@@ -11,6 +11,7 @@
     <p:sldId id="259" r:id="rId5"/>
     <p:sldId id="260" r:id="rId6"/>
     <p:sldId id="261" r:id="rId7"/>
+    <p:sldId id="262" r:id="rId8"/>
   </p:sldIdLst>
   <p:sldSz cx="12192000" cy="6858000"/>
   <p:notesSz cx="6858000" cy="9144000"/>
@@ -248,7 +249,7 @@
           <a:p>
             <a:fld id="{11E755D3-E711-4D0A-850C-1C48A3BA9F8A}" type="datetimeFigureOut">
               <a:rPr lang="en-US" smtClean="0"/>
-              <a:t>12/8/2014</a:t>
+              <a:t>12/29/2014</a:t>
             </a:fld>
             <a:endParaRPr lang="en-US"/>
           </a:p>
@@ -418,7 +419,7 @@
           <a:p>
             <a:fld id="{11E755D3-E711-4D0A-850C-1C48A3BA9F8A}" type="datetimeFigureOut">
               <a:rPr lang="en-US" smtClean="0"/>
-              <a:t>12/8/2014</a:t>
+              <a:t>12/29/2014</a:t>
             </a:fld>
             <a:endParaRPr lang="en-US"/>
           </a:p>
@@ -598,7 +599,7 @@
           <a:p>
             <a:fld id="{11E755D3-E711-4D0A-850C-1C48A3BA9F8A}" type="datetimeFigureOut">
               <a:rPr lang="en-US" smtClean="0"/>
-              <a:t>12/8/2014</a:t>
+              <a:t>12/29/2014</a:t>
             </a:fld>
             <a:endParaRPr lang="en-US"/>
           </a:p>
@@ -768,7 +769,7 @@
           <a:p>
             <a:fld id="{11E755D3-E711-4D0A-850C-1C48A3BA9F8A}" type="datetimeFigureOut">
               <a:rPr lang="en-US" smtClean="0"/>
-              <a:t>12/8/2014</a:t>
+              <a:t>12/29/2014</a:t>
             </a:fld>
             <a:endParaRPr lang="en-US"/>
           </a:p>
@@ -1014,7 +1015,7 @@
           <a:p>
             <a:fld id="{11E755D3-E711-4D0A-850C-1C48A3BA9F8A}" type="datetimeFigureOut">
               <a:rPr lang="en-US" smtClean="0"/>
-              <a:t>12/8/2014</a:t>
+              <a:t>12/29/2014</a:t>
             </a:fld>
             <a:endParaRPr lang="en-US"/>
           </a:p>
@@ -1246,7 +1247,7 @@
           <a:p>
             <a:fld id="{11E755D3-E711-4D0A-850C-1C48A3BA9F8A}" type="datetimeFigureOut">
               <a:rPr lang="en-US" smtClean="0"/>
-              <a:t>12/8/2014</a:t>
+              <a:t>12/29/2014</a:t>
             </a:fld>
             <a:endParaRPr lang="en-US"/>
           </a:p>
@@ -1613,7 +1614,7 @@
           <a:p>
             <a:fld id="{11E755D3-E711-4D0A-850C-1C48A3BA9F8A}" type="datetimeFigureOut">
               <a:rPr lang="en-US" smtClean="0"/>
-              <a:t>12/8/2014</a:t>
+              <a:t>12/29/2014</a:t>
             </a:fld>
             <a:endParaRPr lang="en-US"/>
           </a:p>
@@ -1731,7 +1732,7 @@
           <a:p>
             <a:fld id="{11E755D3-E711-4D0A-850C-1C48A3BA9F8A}" type="datetimeFigureOut">
               <a:rPr lang="en-US" smtClean="0"/>
-              <a:t>12/8/2014</a:t>
+              <a:t>12/29/2014</a:t>
             </a:fld>
             <a:endParaRPr lang="en-US"/>
           </a:p>
@@ -1826,7 +1827,7 @@
           <a:p>
             <a:fld id="{11E755D3-E711-4D0A-850C-1C48A3BA9F8A}" type="datetimeFigureOut">
               <a:rPr lang="en-US" smtClean="0"/>
-              <a:t>12/8/2014</a:t>
+              <a:t>12/29/2014</a:t>
             </a:fld>
             <a:endParaRPr lang="en-US"/>
           </a:p>
@@ -2103,7 +2104,7 @@
           <a:p>
             <a:fld id="{11E755D3-E711-4D0A-850C-1C48A3BA9F8A}" type="datetimeFigureOut">
               <a:rPr lang="en-US" smtClean="0"/>
-              <a:t>12/8/2014</a:t>
+              <a:t>12/29/2014</a:t>
             </a:fld>
             <a:endParaRPr lang="en-US"/>
           </a:p>
@@ -2356,7 +2357,7 @@
           <a:p>
             <a:fld id="{11E755D3-E711-4D0A-850C-1C48A3BA9F8A}" type="datetimeFigureOut">
               <a:rPr lang="en-US" smtClean="0"/>
-              <a:t>12/8/2014</a:t>
+              <a:t>12/29/2014</a:t>
             </a:fld>
             <a:endParaRPr lang="en-US"/>
           </a:p>
@@ -2569,7 +2570,7 @@
           <a:p>
             <a:fld id="{11E755D3-E711-4D0A-850C-1C48A3BA9F8A}" type="datetimeFigureOut">
               <a:rPr lang="en-US" smtClean="0"/>
-              <a:t>12/8/2014</a:t>
+              <a:t>12/29/2014</a:t>
             </a:fld>
             <a:endParaRPr lang="en-US"/>
           </a:p>
@@ -20937,6 +20938,2038 @@
 </p:sld>
 </file>
 
+<file path=ppt/slides/slide7.xml><?xml version="1.0" encoding="utf-8"?>
+<p:sld xmlns:a="http://schemas.openxmlformats.org/drawingml/2006/main" xmlns:r="http://schemas.openxmlformats.org/officeDocument/2006/relationships" xmlns:p="http://schemas.openxmlformats.org/presentationml/2006/main">
+  <p:cSld>
+    <p:spTree>
+      <p:nvGrpSpPr>
+        <p:cNvPr id="1" name=""/>
+        <p:cNvGrpSpPr/>
+        <p:nvPr/>
+      </p:nvGrpSpPr>
+      <p:grpSpPr>
+        <a:xfrm>
+          <a:off x="0" y="0"/>
+          <a:ext cx="0" cy="0"/>
+          <a:chOff x="0" y="0"/>
+          <a:chExt cx="0" cy="0"/>
+        </a:xfrm>
+      </p:grpSpPr>
+      <p:sp>
+        <p:nvSpPr>
+          <p:cNvPr id="53" name="Freeform 52"/>
+          <p:cNvSpPr/>
+          <p:nvPr/>
+        </p:nvSpPr>
+        <p:spPr>
+          <a:xfrm>
+            <a:off x="1682046" y="576616"/>
+            <a:ext cx="7391450" cy="4947783"/>
+          </a:xfrm>
+          <a:custGeom>
+            <a:avLst/>
+            <a:gdLst>
+              <a:gd name="connsiteX0" fmla="*/ 0 w 7476541"/>
+              <a:gd name="connsiteY0" fmla="*/ 4489182 h 5016986"/>
+              <a:gd name="connsiteX1" fmla="*/ 3943927 w 7476541"/>
+              <a:gd name="connsiteY1" fmla="*/ 4766273 h 5016986"/>
+              <a:gd name="connsiteX2" fmla="*/ 7472218 w 7476541"/>
+              <a:gd name="connsiteY2" fmla="*/ 1339582 h 5016986"/>
+              <a:gd name="connsiteX3" fmla="*/ 4608946 w 7476541"/>
+              <a:gd name="connsiteY3" fmla="*/ 309 h 5016986"/>
+              <a:gd name="connsiteX4" fmla="*/ 1921164 w 7476541"/>
+              <a:gd name="connsiteY4" fmla="*/ 1431945 h 5016986"/>
+              <a:gd name="connsiteX5" fmla="*/ 3971636 w 7476541"/>
+              <a:gd name="connsiteY5" fmla="*/ 4803218 h 5016986"/>
+            </a:gdLst>
+            <a:ahLst/>
+            <a:cxnLst>
+              <a:cxn ang="0">
+                <a:pos x="connsiteX0" y="connsiteY0"/>
+              </a:cxn>
+              <a:cxn ang="0">
+                <a:pos x="connsiteX1" y="connsiteY1"/>
+              </a:cxn>
+              <a:cxn ang="0">
+                <a:pos x="connsiteX2" y="connsiteY2"/>
+              </a:cxn>
+              <a:cxn ang="0">
+                <a:pos x="connsiteX3" y="connsiteY3"/>
+              </a:cxn>
+              <a:cxn ang="0">
+                <a:pos x="connsiteX4" y="connsiteY4"/>
+              </a:cxn>
+              <a:cxn ang="0">
+                <a:pos x="connsiteX5" y="connsiteY5"/>
+              </a:cxn>
+            </a:cxnLst>
+            <a:rect l="l" t="t" r="r" b="b"/>
+            <a:pathLst>
+              <a:path w="7476541" h="5016986">
+                <a:moveTo>
+                  <a:pt x="0" y="4489182"/>
+                </a:moveTo>
+                <a:cubicBezTo>
+                  <a:pt x="1349278" y="4890194"/>
+                  <a:pt x="2698557" y="5291206"/>
+                  <a:pt x="3943927" y="4766273"/>
+                </a:cubicBezTo>
+                <a:cubicBezTo>
+                  <a:pt x="5189297" y="4241340"/>
+                  <a:pt x="7361382" y="2133909"/>
+                  <a:pt x="7472218" y="1339582"/>
+                </a:cubicBezTo>
+                <a:cubicBezTo>
+                  <a:pt x="7583054" y="545255"/>
+                  <a:pt x="5534122" y="-15085"/>
+                  <a:pt x="4608946" y="309"/>
+                </a:cubicBezTo>
+                <a:cubicBezTo>
+                  <a:pt x="3683770" y="15703"/>
+                  <a:pt x="2027382" y="631460"/>
+                  <a:pt x="1921164" y="1431945"/>
+                </a:cubicBezTo>
+                <a:cubicBezTo>
+                  <a:pt x="1814946" y="2232430"/>
+                  <a:pt x="2893291" y="3517824"/>
+                  <a:pt x="3971636" y="4803218"/>
+                </a:cubicBezTo>
+              </a:path>
+            </a:pathLst>
+          </a:custGeom>
+          <a:noFill/>
+          <a:ln w="57150"/>
+          <a:scene3d>
+            <a:camera prst="orthographicFront"/>
+            <a:lightRig rig="threePt" dir="t"/>
+          </a:scene3d>
+          <a:sp3d>
+            <a:bevelT w="69850" h="165100"/>
+            <a:bevelB w="82550" h="190500"/>
+          </a:sp3d>
+        </p:spPr>
+        <p:style>
+          <a:lnRef idx="2">
+            <a:schemeClr val="accent1">
+              <a:shade val="50000"/>
+            </a:schemeClr>
+          </a:lnRef>
+          <a:fillRef idx="1">
+            <a:schemeClr val="accent1"/>
+          </a:fillRef>
+          <a:effectRef idx="0">
+            <a:schemeClr val="accent1"/>
+          </a:effectRef>
+          <a:fontRef idx="minor">
+            <a:schemeClr val="lt1"/>
+          </a:fontRef>
+        </p:style>
+        <p:txBody>
+          <a:bodyPr rtlCol="0" anchor="ctr"/>
+          <a:lstStyle/>
+          <a:p>
+            <a:pPr algn="ctr"/>
+            <a:endParaRPr lang="en-US"/>
+          </a:p>
+        </p:txBody>
+      </p:sp>
+      <p:grpSp>
+        <p:nvGrpSpPr>
+          <p:cNvPr id="4" name="Group 3"/>
+          <p:cNvGrpSpPr/>
+          <p:nvPr/>
+        </p:nvGrpSpPr>
+        <p:grpSpPr>
+          <a:xfrm>
+            <a:off x="1625185" y="327402"/>
+            <a:ext cx="7603133" cy="5377595"/>
+            <a:chOff x="1744637" y="1165225"/>
+            <a:chExt cx="4178643" cy="2877439"/>
+          </a:xfrm>
+        </p:grpSpPr>
+        <p:sp>
+          <p:nvSpPr>
+            <p:cNvPr id="6" name="Oval 5"/>
+            <p:cNvSpPr/>
+            <p:nvPr/>
+          </p:nvSpPr>
+          <p:spPr>
+            <a:xfrm>
+              <a:off x="3197225" y="1468755"/>
+              <a:ext cx="153035" cy="168910"/>
+            </a:xfrm>
+            <a:prstGeom prst="ellipse">
+              <a:avLst/>
+            </a:prstGeom>
+            <a:solidFill>
+              <a:schemeClr val="accent6"/>
+            </a:solidFill>
+            <a:scene3d>
+              <a:camera prst="orthographicFront"/>
+              <a:lightRig rig="threePt" dir="t"/>
+            </a:scene3d>
+            <a:sp3d extrusionH="107950" contourW="12700" prstMaterial="dkEdge">
+              <a:bevelT w="107950" h="107950"/>
+              <a:bevelB w="107950" h="107950"/>
+            </a:sp3d>
+          </p:spPr>
+          <p:style>
+            <a:lnRef idx="2">
+              <a:schemeClr val="accent1">
+                <a:shade val="50000"/>
+              </a:schemeClr>
+            </a:lnRef>
+            <a:fillRef idx="1">
+              <a:schemeClr val="accent1"/>
+            </a:fillRef>
+            <a:effectRef idx="0">
+              <a:schemeClr val="accent1"/>
+            </a:effectRef>
+            <a:fontRef idx="minor">
+              <a:schemeClr val="lt1"/>
+            </a:fontRef>
+          </p:style>
+          <p:txBody>
+            <a:bodyPr rot="0" spcFirstLastPara="0" vert="horz" wrap="square" lIns="91440" tIns="45720" rIns="91440" bIns="45720" numCol="1" spcCol="0" rtlCol="1" fromWordArt="0" anchor="ctr" anchorCtr="0" forceAA="0" compatLnSpc="1">
+              <a:prstTxWarp prst="textNoShape">
+                <a:avLst/>
+              </a:prstTxWarp>
+              <a:noAutofit/>
+            </a:bodyPr>
+            <a:lstStyle/>
+            <a:p>
+              <a:endParaRPr lang="en-US"/>
+            </a:p>
+          </p:txBody>
+        </p:sp>
+        <p:sp>
+          <p:nvSpPr>
+            <p:cNvPr id="7" name="Oval 6"/>
+            <p:cNvSpPr/>
+            <p:nvPr/>
+          </p:nvSpPr>
+          <p:spPr>
+            <a:xfrm>
+              <a:off x="1744637" y="3587115"/>
+              <a:ext cx="153035" cy="168910"/>
+            </a:xfrm>
+            <a:prstGeom prst="ellipse">
+              <a:avLst/>
+            </a:prstGeom>
+            <a:solidFill>
+              <a:schemeClr val="accent6"/>
+            </a:solidFill>
+            <a:scene3d>
+              <a:camera prst="orthographicFront"/>
+              <a:lightRig rig="threePt" dir="t"/>
+            </a:scene3d>
+            <a:sp3d extrusionH="107950" contourW="12700" prstMaterial="dkEdge">
+              <a:bevelT w="107950" h="107950"/>
+              <a:bevelB w="107950" h="107950"/>
+            </a:sp3d>
+          </p:spPr>
+          <p:style>
+            <a:lnRef idx="2">
+              <a:schemeClr val="accent1">
+                <a:shade val="50000"/>
+              </a:schemeClr>
+            </a:lnRef>
+            <a:fillRef idx="1">
+              <a:schemeClr val="accent1"/>
+            </a:fillRef>
+            <a:effectRef idx="0">
+              <a:schemeClr val="accent1"/>
+            </a:effectRef>
+            <a:fontRef idx="minor">
+              <a:schemeClr val="lt1"/>
+            </a:fontRef>
+          </p:style>
+          <p:txBody>
+            <a:bodyPr rot="0" spcFirstLastPara="0" vert="horz" wrap="square" lIns="91440" tIns="45720" rIns="91440" bIns="45720" numCol="1" spcCol="0" rtlCol="1" fromWordArt="0" anchor="ctr" anchorCtr="0" forceAA="0" compatLnSpc="1">
+              <a:prstTxWarp prst="textNoShape">
+                <a:avLst/>
+              </a:prstTxWarp>
+              <a:noAutofit/>
+            </a:bodyPr>
+            <a:lstStyle/>
+            <a:p>
+              <a:endParaRPr lang="en-US"/>
+            </a:p>
+          </p:txBody>
+        </p:sp>
+        <p:sp>
+          <p:nvSpPr>
+            <p:cNvPr id="8" name="Oval 7"/>
+            <p:cNvSpPr/>
+            <p:nvPr/>
+          </p:nvSpPr>
+          <p:spPr>
+            <a:xfrm>
+              <a:off x="2068019" y="3701373"/>
+              <a:ext cx="153035" cy="168910"/>
+            </a:xfrm>
+            <a:prstGeom prst="ellipse">
+              <a:avLst/>
+            </a:prstGeom>
+            <a:solidFill>
+              <a:schemeClr val="accent6"/>
+            </a:solidFill>
+            <a:scene3d>
+              <a:camera prst="orthographicFront"/>
+              <a:lightRig rig="threePt" dir="t"/>
+            </a:scene3d>
+            <a:sp3d extrusionH="107950" contourW="12700" prstMaterial="dkEdge">
+              <a:bevelT w="107950" h="107950"/>
+              <a:bevelB w="107950" h="107950"/>
+            </a:sp3d>
+          </p:spPr>
+          <p:style>
+            <a:lnRef idx="2">
+              <a:schemeClr val="accent1">
+                <a:shade val="50000"/>
+              </a:schemeClr>
+            </a:lnRef>
+            <a:fillRef idx="1">
+              <a:schemeClr val="accent1"/>
+            </a:fillRef>
+            <a:effectRef idx="0">
+              <a:schemeClr val="accent1"/>
+            </a:effectRef>
+            <a:fontRef idx="minor">
+              <a:schemeClr val="lt1"/>
+            </a:fontRef>
+          </p:style>
+          <p:txBody>
+            <a:bodyPr rot="0" spcFirstLastPara="0" vert="horz" wrap="square" lIns="91440" tIns="45720" rIns="91440" bIns="45720" numCol="1" spcCol="0" rtlCol="1" fromWordArt="0" anchor="ctr" anchorCtr="0" forceAA="0" compatLnSpc="1">
+              <a:prstTxWarp prst="textNoShape">
+                <a:avLst/>
+              </a:prstTxWarp>
+              <a:noAutofit/>
+            </a:bodyPr>
+            <a:lstStyle/>
+            <a:p>
+              <a:endParaRPr lang="en-US"/>
+            </a:p>
+          </p:txBody>
+        </p:sp>
+        <p:sp>
+          <p:nvSpPr>
+            <p:cNvPr id="9" name="Oval 8"/>
+            <p:cNvSpPr/>
+            <p:nvPr/>
+          </p:nvSpPr>
+          <p:spPr>
+            <a:xfrm>
+              <a:off x="2385013" y="3785828"/>
+              <a:ext cx="153035" cy="168910"/>
+            </a:xfrm>
+            <a:prstGeom prst="ellipse">
+              <a:avLst/>
+            </a:prstGeom>
+            <a:solidFill>
+              <a:schemeClr val="accent6"/>
+            </a:solidFill>
+            <a:scene3d>
+              <a:camera prst="orthographicFront"/>
+              <a:lightRig rig="threePt" dir="t"/>
+            </a:scene3d>
+            <a:sp3d extrusionH="107950" contourW="12700" prstMaterial="dkEdge">
+              <a:bevelT w="107950" h="107950"/>
+              <a:bevelB w="107950" h="107950"/>
+            </a:sp3d>
+          </p:spPr>
+          <p:style>
+            <a:lnRef idx="2">
+              <a:schemeClr val="accent1">
+                <a:shade val="50000"/>
+              </a:schemeClr>
+            </a:lnRef>
+            <a:fillRef idx="1">
+              <a:schemeClr val="accent1"/>
+            </a:fillRef>
+            <a:effectRef idx="0">
+              <a:schemeClr val="accent1"/>
+            </a:effectRef>
+            <a:fontRef idx="minor">
+              <a:schemeClr val="lt1"/>
+            </a:fontRef>
+          </p:style>
+          <p:txBody>
+            <a:bodyPr rot="0" spcFirstLastPara="0" vert="horz" wrap="square" lIns="91440" tIns="45720" rIns="91440" bIns="45720" numCol="1" spcCol="0" rtlCol="1" fromWordArt="0" anchor="ctr" anchorCtr="0" forceAA="0" compatLnSpc="1">
+              <a:prstTxWarp prst="textNoShape">
+                <a:avLst/>
+              </a:prstTxWarp>
+              <a:noAutofit/>
+            </a:bodyPr>
+            <a:lstStyle/>
+            <a:p>
+              <a:endParaRPr lang="en-US"/>
+            </a:p>
+          </p:txBody>
+        </p:sp>
+        <p:sp>
+          <p:nvSpPr>
+            <p:cNvPr id="10" name="Oval 9"/>
+            <p:cNvSpPr/>
+            <p:nvPr/>
+          </p:nvSpPr>
+          <p:spPr>
+            <a:xfrm>
+              <a:off x="2726181" y="3850104"/>
+              <a:ext cx="153035" cy="168910"/>
+            </a:xfrm>
+            <a:prstGeom prst="ellipse">
+              <a:avLst/>
+            </a:prstGeom>
+            <a:solidFill>
+              <a:schemeClr val="accent6"/>
+            </a:solidFill>
+            <a:scene3d>
+              <a:camera prst="orthographicFront"/>
+              <a:lightRig rig="threePt" dir="t"/>
+            </a:scene3d>
+            <a:sp3d extrusionH="107950" contourW="12700" prstMaterial="dkEdge">
+              <a:bevelT w="107950" h="107950"/>
+              <a:bevelB w="107950" h="107950"/>
+            </a:sp3d>
+          </p:spPr>
+          <p:style>
+            <a:lnRef idx="2">
+              <a:schemeClr val="accent1">
+                <a:shade val="50000"/>
+              </a:schemeClr>
+            </a:lnRef>
+            <a:fillRef idx="1">
+              <a:schemeClr val="accent1"/>
+            </a:fillRef>
+            <a:effectRef idx="0">
+              <a:schemeClr val="accent1"/>
+            </a:effectRef>
+            <a:fontRef idx="minor">
+              <a:schemeClr val="lt1"/>
+            </a:fontRef>
+          </p:style>
+          <p:txBody>
+            <a:bodyPr rot="0" spcFirstLastPara="0" vert="horz" wrap="square" lIns="91440" tIns="45720" rIns="91440" bIns="45720" numCol="1" spcCol="0" rtlCol="1" fromWordArt="0" anchor="ctr" anchorCtr="0" forceAA="0" compatLnSpc="1">
+              <a:prstTxWarp prst="textNoShape">
+                <a:avLst/>
+              </a:prstTxWarp>
+              <a:noAutofit/>
+            </a:bodyPr>
+            <a:lstStyle/>
+            <a:p>
+              <a:endParaRPr lang="en-US"/>
+            </a:p>
+          </p:txBody>
+        </p:sp>
+        <p:sp>
+          <p:nvSpPr>
+            <p:cNvPr id="11" name="Oval 10"/>
+            <p:cNvSpPr/>
+            <p:nvPr/>
+          </p:nvSpPr>
+          <p:spPr>
+            <a:xfrm>
+              <a:off x="3025491" y="3873754"/>
+              <a:ext cx="153035" cy="168910"/>
+            </a:xfrm>
+            <a:prstGeom prst="ellipse">
+              <a:avLst/>
+            </a:prstGeom>
+            <a:solidFill>
+              <a:schemeClr val="accent6"/>
+            </a:solidFill>
+            <a:scene3d>
+              <a:camera prst="orthographicFront"/>
+              <a:lightRig rig="threePt" dir="t"/>
+            </a:scene3d>
+            <a:sp3d extrusionH="107950" contourW="12700" prstMaterial="dkEdge">
+              <a:bevelT w="107950" h="107950"/>
+              <a:bevelB w="107950" h="107950"/>
+            </a:sp3d>
+          </p:spPr>
+          <p:style>
+            <a:lnRef idx="2">
+              <a:schemeClr val="accent1">
+                <a:shade val="50000"/>
+              </a:schemeClr>
+            </a:lnRef>
+            <a:fillRef idx="1">
+              <a:schemeClr val="accent1"/>
+            </a:fillRef>
+            <a:effectRef idx="0">
+              <a:schemeClr val="accent1"/>
+            </a:effectRef>
+            <a:fontRef idx="minor">
+              <a:schemeClr val="lt1"/>
+            </a:fontRef>
+          </p:style>
+          <p:txBody>
+            <a:bodyPr rot="0" spcFirstLastPara="0" vert="horz" wrap="square" lIns="91440" tIns="45720" rIns="91440" bIns="45720" numCol="1" spcCol="0" rtlCol="1" fromWordArt="0" anchor="ctr" anchorCtr="0" forceAA="0" compatLnSpc="1">
+              <a:prstTxWarp prst="textNoShape">
+                <a:avLst/>
+              </a:prstTxWarp>
+              <a:noAutofit/>
+            </a:bodyPr>
+            <a:lstStyle/>
+            <a:p>
+              <a:endParaRPr lang="en-US"/>
+            </a:p>
+          </p:txBody>
+        </p:sp>
+        <p:sp>
+          <p:nvSpPr>
+            <p:cNvPr id="12" name="Oval 11"/>
+            <p:cNvSpPr/>
+            <p:nvPr/>
+          </p:nvSpPr>
+          <p:spPr>
+            <a:xfrm>
+              <a:off x="3344024" y="3868875"/>
+              <a:ext cx="153035" cy="168910"/>
+            </a:xfrm>
+            <a:prstGeom prst="ellipse">
+              <a:avLst/>
+            </a:prstGeom>
+            <a:solidFill>
+              <a:schemeClr val="accent6"/>
+            </a:solidFill>
+            <a:scene3d>
+              <a:camera prst="orthographicFront"/>
+              <a:lightRig rig="threePt" dir="t"/>
+            </a:scene3d>
+            <a:sp3d extrusionH="107950" contourW="12700" prstMaterial="dkEdge">
+              <a:bevelT w="107950" h="107950"/>
+              <a:bevelB w="107950" h="107950"/>
+            </a:sp3d>
+          </p:spPr>
+          <p:style>
+            <a:lnRef idx="2">
+              <a:schemeClr val="accent1">
+                <a:shade val="50000"/>
+              </a:schemeClr>
+            </a:lnRef>
+            <a:fillRef idx="1">
+              <a:schemeClr val="accent1"/>
+            </a:fillRef>
+            <a:effectRef idx="0">
+              <a:schemeClr val="accent1"/>
+            </a:effectRef>
+            <a:fontRef idx="minor">
+              <a:schemeClr val="lt1"/>
+            </a:fontRef>
+          </p:style>
+          <p:txBody>
+            <a:bodyPr rot="0" spcFirstLastPara="0" vert="horz" wrap="square" lIns="91440" tIns="45720" rIns="91440" bIns="45720" numCol="1" spcCol="0" rtlCol="1" fromWordArt="0" anchor="ctr" anchorCtr="0" forceAA="0" compatLnSpc="1">
+              <a:prstTxWarp prst="textNoShape">
+                <a:avLst/>
+              </a:prstTxWarp>
+              <a:noAutofit/>
+            </a:bodyPr>
+            <a:lstStyle/>
+            <a:p>
+              <a:endParaRPr lang="en-US"/>
+            </a:p>
+          </p:txBody>
+        </p:sp>
+        <p:sp>
+          <p:nvSpPr>
+            <p:cNvPr id="13" name="Oval 12"/>
+            <p:cNvSpPr/>
+            <p:nvPr/>
+          </p:nvSpPr>
+          <p:spPr>
+            <a:xfrm>
+              <a:off x="3631247" y="3819253"/>
+              <a:ext cx="153035" cy="168910"/>
+            </a:xfrm>
+            <a:prstGeom prst="ellipse">
+              <a:avLst/>
+            </a:prstGeom>
+            <a:solidFill>
+              <a:schemeClr val="accent6"/>
+            </a:solidFill>
+            <a:scene3d>
+              <a:camera prst="orthographicFront"/>
+              <a:lightRig rig="threePt" dir="t"/>
+            </a:scene3d>
+            <a:sp3d extrusionH="107950" contourW="12700" prstMaterial="dkEdge">
+              <a:bevelT w="107950" h="107950"/>
+              <a:bevelB w="107950" h="107950"/>
+            </a:sp3d>
+          </p:spPr>
+          <p:style>
+            <a:lnRef idx="2">
+              <a:schemeClr val="accent1">
+                <a:shade val="50000"/>
+              </a:schemeClr>
+            </a:lnRef>
+            <a:fillRef idx="1">
+              <a:schemeClr val="accent1"/>
+            </a:fillRef>
+            <a:effectRef idx="0">
+              <a:schemeClr val="accent1"/>
+            </a:effectRef>
+            <a:fontRef idx="minor">
+              <a:schemeClr val="lt1"/>
+            </a:fontRef>
+          </p:style>
+          <p:txBody>
+            <a:bodyPr rot="0" spcFirstLastPara="0" vert="horz" wrap="square" lIns="91440" tIns="45720" rIns="91440" bIns="45720" numCol="1" spcCol="0" rtlCol="1" fromWordArt="0" anchor="ctr" anchorCtr="0" forceAA="0" compatLnSpc="1">
+              <a:prstTxWarp prst="textNoShape">
+                <a:avLst/>
+              </a:prstTxWarp>
+              <a:noAutofit/>
+            </a:bodyPr>
+            <a:lstStyle/>
+            <a:p>
+              <a:endParaRPr lang="en-US"/>
+            </a:p>
+          </p:txBody>
+        </p:sp>
+        <p:sp>
+          <p:nvSpPr>
+            <p:cNvPr id="14" name="Oval 13"/>
+            <p:cNvSpPr/>
+            <p:nvPr/>
+          </p:nvSpPr>
+          <p:spPr>
+            <a:xfrm>
+              <a:off x="3602187" y="3478245"/>
+              <a:ext cx="153035" cy="168910"/>
+            </a:xfrm>
+            <a:prstGeom prst="ellipse">
+              <a:avLst/>
+            </a:prstGeom>
+            <a:solidFill>
+              <a:schemeClr val="accent6">
+                <a:lumMod val="50000"/>
+              </a:schemeClr>
+            </a:solidFill>
+            <a:ln>
+              <a:solidFill>
+                <a:schemeClr val="accent6">
+                  <a:lumMod val="50000"/>
+                </a:schemeClr>
+              </a:solidFill>
+            </a:ln>
+            <a:scene3d>
+              <a:camera prst="orthographicFront"/>
+              <a:lightRig rig="threePt" dir="t"/>
+            </a:scene3d>
+            <a:sp3d extrusionH="107950" contourW="12700" prstMaterial="dkEdge">
+              <a:bevelT w="107950" h="107950"/>
+              <a:bevelB w="107950" h="107950"/>
+            </a:sp3d>
+          </p:spPr>
+          <p:style>
+            <a:lnRef idx="2">
+              <a:schemeClr val="accent1">
+                <a:shade val="50000"/>
+              </a:schemeClr>
+            </a:lnRef>
+            <a:fillRef idx="1">
+              <a:schemeClr val="accent1"/>
+            </a:fillRef>
+            <a:effectRef idx="0">
+              <a:schemeClr val="accent1"/>
+            </a:effectRef>
+            <a:fontRef idx="minor">
+              <a:schemeClr val="lt1"/>
+            </a:fontRef>
+          </p:style>
+          <p:txBody>
+            <a:bodyPr rot="0" spcFirstLastPara="0" vert="horz" wrap="square" lIns="91440" tIns="45720" rIns="91440" bIns="45720" numCol="1" spcCol="0" rtlCol="1" fromWordArt="0" anchor="ctr" anchorCtr="0" forceAA="0" compatLnSpc="1">
+              <a:prstTxWarp prst="textNoShape">
+                <a:avLst/>
+              </a:prstTxWarp>
+              <a:noAutofit/>
+            </a:bodyPr>
+            <a:lstStyle/>
+            <a:p>
+              <a:endParaRPr lang="en-US"/>
+            </a:p>
+          </p:txBody>
+        </p:sp>
+        <p:sp>
+          <p:nvSpPr>
+            <p:cNvPr id="15" name="Oval 14"/>
+            <p:cNvSpPr/>
+            <p:nvPr/>
+          </p:nvSpPr>
+          <p:spPr>
+            <a:xfrm>
+              <a:off x="3344024" y="3164205"/>
+              <a:ext cx="153035" cy="168910"/>
+            </a:xfrm>
+            <a:prstGeom prst="ellipse">
+              <a:avLst/>
+            </a:prstGeom>
+            <a:solidFill>
+              <a:schemeClr val="accent6"/>
+            </a:solidFill>
+            <a:scene3d>
+              <a:camera prst="orthographicFront"/>
+              <a:lightRig rig="threePt" dir="t"/>
+            </a:scene3d>
+            <a:sp3d extrusionH="107950" contourW="12700" prstMaterial="dkEdge">
+              <a:bevelT w="107950" h="107950"/>
+              <a:bevelB w="107950" h="107950"/>
+            </a:sp3d>
+          </p:spPr>
+          <p:style>
+            <a:lnRef idx="2">
+              <a:schemeClr val="accent1">
+                <a:shade val="50000"/>
+              </a:schemeClr>
+            </a:lnRef>
+            <a:fillRef idx="1">
+              <a:schemeClr val="accent1"/>
+            </a:fillRef>
+            <a:effectRef idx="0">
+              <a:schemeClr val="accent1"/>
+            </a:effectRef>
+            <a:fontRef idx="minor">
+              <a:schemeClr val="lt1"/>
+            </a:fontRef>
+          </p:style>
+          <p:txBody>
+            <a:bodyPr rot="0" spcFirstLastPara="0" vert="horz" wrap="square" lIns="91440" tIns="45720" rIns="91440" bIns="45720" numCol="1" spcCol="0" rtlCol="1" fromWordArt="0" anchor="ctr" anchorCtr="0" forceAA="0" compatLnSpc="1">
+              <a:prstTxWarp prst="textNoShape">
+                <a:avLst/>
+              </a:prstTxWarp>
+              <a:noAutofit/>
+            </a:bodyPr>
+            <a:lstStyle/>
+            <a:p>
+              <a:endParaRPr lang="en-US"/>
+            </a:p>
+          </p:txBody>
+        </p:sp>
+        <p:sp>
+          <p:nvSpPr>
+            <p:cNvPr id="16" name="Oval 15"/>
+            <p:cNvSpPr/>
+            <p:nvPr/>
+          </p:nvSpPr>
+          <p:spPr>
+            <a:xfrm>
+              <a:off x="3079115" y="2862580"/>
+              <a:ext cx="153035" cy="168910"/>
+            </a:xfrm>
+            <a:prstGeom prst="ellipse">
+              <a:avLst/>
+            </a:prstGeom>
+            <a:solidFill>
+              <a:schemeClr val="accent6"/>
+            </a:solidFill>
+            <a:scene3d>
+              <a:camera prst="orthographicFront"/>
+              <a:lightRig rig="threePt" dir="t"/>
+            </a:scene3d>
+            <a:sp3d extrusionH="107950" contourW="12700" prstMaterial="dkEdge">
+              <a:bevelT w="107950" h="107950"/>
+              <a:bevelB w="107950" h="107950"/>
+            </a:sp3d>
+          </p:spPr>
+          <p:style>
+            <a:lnRef idx="2">
+              <a:schemeClr val="accent1">
+                <a:shade val="50000"/>
+              </a:schemeClr>
+            </a:lnRef>
+            <a:fillRef idx="1">
+              <a:schemeClr val="accent1"/>
+            </a:fillRef>
+            <a:effectRef idx="0">
+              <a:schemeClr val="accent1"/>
+            </a:effectRef>
+            <a:fontRef idx="minor">
+              <a:schemeClr val="lt1"/>
+            </a:fontRef>
+          </p:style>
+          <p:txBody>
+            <a:bodyPr rot="0" spcFirstLastPara="0" vert="horz" wrap="square" lIns="91440" tIns="45720" rIns="91440" bIns="45720" numCol="1" spcCol="0" rtlCol="1" fromWordArt="0" anchor="ctr" anchorCtr="0" forceAA="0" compatLnSpc="1">
+              <a:prstTxWarp prst="textNoShape">
+                <a:avLst/>
+              </a:prstTxWarp>
+              <a:noAutofit/>
+            </a:bodyPr>
+            <a:lstStyle/>
+            <a:p>
+              <a:endParaRPr lang="en-US"/>
+            </a:p>
+          </p:txBody>
+        </p:sp>
+        <p:sp>
+          <p:nvSpPr>
+            <p:cNvPr id="17" name="Oval 16"/>
+            <p:cNvSpPr/>
+            <p:nvPr/>
+          </p:nvSpPr>
+          <p:spPr>
+            <a:xfrm>
+              <a:off x="2917825" y="2561590"/>
+              <a:ext cx="153035" cy="168910"/>
+            </a:xfrm>
+            <a:prstGeom prst="ellipse">
+              <a:avLst/>
+            </a:prstGeom>
+            <a:solidFill>
+              <a:schemeClr val="accent6"/>
+            </a:solidFill>
+            <a:scene3d>
+              <a:camera prst="orthographicFront"/>
+              <a:lightRig rig="threePt" dir="t"/>
+            </a:scene3d>
+            <a:sp3d extrusionH="107950" contourW="12700" prstMaterial="dkEdge">
+              <a:bevelT w="107950" h="107950"/>
+              <a:bevelB w="107950" h="107950"/>
+            </a:sp3d>
+          </p:spPr>
+          <p:style>
+            <a:lnRef idx="2">
+              <a:schemeClr val="accent1">
+                <a:shade val="50000"/>
+              </a:schemeClr>
+            </a:lnRef>
+            <a:fillRef idx="1">
+              <a:schemeClr val="accent1"/>
+            </a:fillRef>
+            <a:effectRef idx="0">
+              <a:schemeClr val="accent1"/>
+            </a:effectRef>
+            <a:fontRef idx="minor">
+              <a:schemeClr val="lt1"/>
+            </a:fontRef>
+          </p:style>
+          <p:txBody>
+            <a:bodyPr rot="0" spcFirstLastPara="0" vert="horz" wrap="square" lIns="91440" tIns="45720" rIns="91440" bIns="45720" numCol="1" spcCol="0" rtlCol="1" fromWordArt="0" anchor="ctr" anchorCtr="0" forceAA="0" compatLnSpc="1">
+              <a:prstTxWarp prst="textNoShape">
+                <a:avLst/>
+              </a:prstTxWarp>
+              <a:noAutofit/>
+            </a:bodyPr>
+            <a:lstStyle/>
+            <a:p>
+              <a:endParaRPr lang="en-US"/>
+            </a:p>
+          </p:txBody>
+        </p:sp>
+        <p:sp>
+          <p:nvSpPr>
+            <p:cNvPr id="18" name="Oval 17"/>
+            <p:cNvSpPr/>
+            <p:nvPr/>
+          </p:nvSpPr>
+          <p:spPr>
+            <a:xfrm>
+              <a:off x="2804795" y="2292350"/>
+              <a:ext cx="153035" cy="168910"/>
+            </a:xfrm>
+            <a:prstGeom prst="ellipse">
+              <a:avLst/>
+            </a:prstGeom>
+            <a:solidFill>
+              <a:schemeClr val="accent6"/>
+            </a:solidFill>
+            <a:scene3d>
+              <a:camera prst="orthographicFront"/>
+              <a:lightRig rig="threePt" dir="t"/>
+            </a:scene3d>
+            <a:sp3d extrusionH="107950" contourW="12700" prstMaterial="dkEdge">
+              <a:bevelT w="107950" h="107950"/>
+              <a:bevelB w="107950" h="107950"/>
+            </a:sp3d>
+          </p:spPr>
+          <p:style>
+            <a:lnRef idx="2">
+              <a:schemeClr val="accent1">
+                <a:shade val="50000"/>
+              </a:schemeClr>
+            </a:lnRef>
+            <a:fillRef idx="1">
+              <a:schemeClr val="accent1"/>
+            </a:fillRef>
+            <a:effectRef idx="0">
+              <a:schemeClr val="accent1"/>
+            </a:effectRef>
+            <a:fontRef idx="minor">
+              <a:schemeClr val="lt1"/>
+            </a:fontRef>
+          </p:style>
+          <p:txBody>
+            <a:bodyPr rot="0" spcFirstLastPara="0" vert="horz" wrap="square" lIns="91440" tIns="45720" rIns="91440" bIns="45720" numCol="1" spcCol="0" rtlCol="1" fromWordArt="0" anchor="ctr" anchorCtr="0" forceAA="0" compatLnSpc="1">
+              <a:prstTxWarp prst="textNoShape">
+                <a:avLst/>
+              </a:prstTxWarp>
+              <a:noAutofit/>
+            </a:bodyPr>
+            <a:lstStyle/>
+            <a:p>
+              <a:endParaRPr lang="en-US"/>
+            </a:p>
+          </p:txBody>
+        </p:sp>
+        <p:sp>
+          <p:nvSpPr>
+            <p:cNvPr id="19" name="Oval 18"/>
+            <p:cNvSpPr/>
+            <p:nvPr/>
+          </p:nvSpPr>
+          <p:spPr>
+            <a:xfrm>
+              <a:off x="2762885" y="1943100"/>
+              <a:ext cx="153035" cy="168910"/>
+            </a:xfrm>
+            <a:prstGeom prst="ellipse">
+              <a:avLst/>
+            </a:prstGeom>
+            <a:solidFill>
+              <a:schemeClr val="accent6"/>
+            </a:solidFill>
+            <a:scene3d>
+              <a:camera prst="orthographicFront"/>
+              <a:lightRig rig="threePt" dir="t"/>
+            </a:scene3d>
+            <a:sp3d extrusionH="107950" contourW="12700" prstMaterial="dkEdge">
+              <a:bevelT w="107950" h="107950"/>
+              <a:bevelB w="107950" h="107950"/>
+            </a:sp3d>
+          </p:spPr>
+          <p:style>
+            <a:lnRef idx="2">
+              <a:schemeClr val="accent1">
+                <a:shade val="50000"/>
+              </a:schemeClr>
+            </a:lnRef>
+            <a:fillRef idx="1">
+              <a:schemeClr val="accent1"/>
+            </a:fillRef>
+            <a:effectRef idx="0">
+              <a:schemeClr val="accent1"/>
+            </a:effectRef>
+            <a:fontRef idx="minor">
+              <a:schemeClr val="lt1"/>
+            </a:fontRef>
+          </p:style>
+          <p:txBody>
+            <a:bodyPr rot="0" spcFirstLastPara="0" vert="horz" wrap="square" lIns="91440" tIns="45720" rIns="91440" bIns="45720" numCol="1" spcCol="0" rtlCol="1" fromWordArt="0" anchor="ctr" anchorCtr="0" forceAA="0" compatLnSpc="1">
+              <a:prstTxWarp prst="textNoShape">
+                <a:avLst/>
+              </a:prstTxWarp>
+              <a:noAutofit/>
+            </a:bodyPr>
+            <a:lstStyle/>
+            <a:p>
+              <a:endParaRPr lang="en-US"/>
+            </a:p>
+          </p:txBody>
+        </p:sp>
+        <p:sp>
+          <p:nvSpPr>
+            <p:cNvPr id="20" name="Oval 19"/>
+            <p:cNvSpPr/>
+            <p:nvPr/>
+          </p:nvSpPr>
+          <p:spPr>
+            <a:xfrm>
+              <a:off x="2900045" y="1684655"/>
+              <a:ext cx="153035" cy="168910"/>
+            </a:xfrm>
+            <a:prstGeom prst="ellipse">
+              <a:avLst/>
+            </a:prstGeom>
+            <a:solidFill>
+              <a:schemeClr val="accent6"/>
+            </a:solidFill>
+            <a:scene3d>
+              <a:camera prst="orthographicFront"/>
+              <a:lightRig rig="threePt" dir="t"/>
+            </a:scene3d>
+            <a:sp3d extrusionH="107950" contourW="12700" prstMaterial="dkEdge">
+              <a:bevelT w="107950" h="107950"/>
+              <a:bevelB w="107950" h="107950"/>
+            </a:sp3d>
+          </p:spPr>
+          <p:style>
+            <a:lnRef idx="2">
+              <a:schemeClr val="accent1">
+                <a:shade val="50000"/>
+              </a:schemeClr>
+            </a:lnRef>
+            <a:fillRef idx="1">
+              <a:schemeClr val="accent1"/>
+            </a:fillRef>
+            <a:effectRef idx="0">
+              <a:schemeClr val="accent1"/>
+            </a:effectRef>
+            <a:fontRef idx="minor">
+              <a:schemeClr val="lt1"/>
+            </a:fontRef>
+          </p:style>
+          <p:txBody>
+            <a:bodyPr rot="0" spcFirstLastPara="0" vert="horz" wrap="square" lIns="91440" tIns="45720" rIns="91440" bIns="45720" numCol="1" spcCol="0" rtlCol="1" fromWordArt="0" anchor="ctr" anchorCtr="0" forceAA="0" compatLnSpc="1">
+              <a:prstTxWarp prst="textNoShape">
+                <a:avLst/>
+              </a:prstTxWarp>
+              <a:noAutofit/>
+            </a:bodyPr>
+            <a:lstStyle/>
+            <a:p>
+              <a:endParaRPr lang="en-US"/>
+            </a:p>
+          </p:txBody>
+        </p:sp>
+        <p:sp>
+          <p:nvSpPr>
+            <p:cNvPr id="21" name="Oval 20"/>
+            <p:cNvSpPr/>
+            <p:nvPr/>
+          </p:nvSpPr>
+          <p:spPr>
+            <a:xfrm>
+              <a:off x="4231005" y="1165225"/>
+              <a:ext cx="153035" cy="168910"/>
+            </a:xfrm>
+            <a:prstGeom prst="ellipse">
+              <a:avLst/>
+            </a:prstGeom>
+            <a:solidFill>
+              <a:schemeClr val="accent6"/>
+            </a:solidFill>
+            <a:scene3d>
+              <a:camera prst="orthographicFront"/>
+              <a:lightRig rig="threePt" dir="t"/>
+            </a:scene3d>
+            <a:sp3d extrusionH="107950" contourW="12700" prstMaterial="dkEdge">
+              <a:bevelT w="107950" h="107950"/>
+              <a:bevelB w="107950" h="107950"/>
+            </a:sp3d>
+          </p:spPr>
+          <p:style>
+            <a:lnRef idx="2">
+              <a:schemeClr val="accent1">
+                <a:shade val="50000"/>
+              </a:schemeClr>
+            </a:lnRef>
+            <a:fillRef idx="1">
+              <a:schemeClr val="accent1"/>
+            </a:fillRef>
+            <a:effectRef idx="0">
+              <a:schemeClr val="accent1"/>
+            </a:effectRef>
+            <a:fontRef idx="minor">
+              <a:schemeClr val="lt1"/>
+            </a:fontRef>
+          </p:style>
+          <p:txBody>
+            <a:bodyPr rot="0" spcFirstLastPara="0" vert="horz" wrap="square" lIns="91440" tIns="45720" rIns="91440" bIns="45720" numCol="1" spcCol="0" rtlCol="1" fromWordArt="0" anchor="ctr" anchorCtr="0" forceAA="0" compatLnSpc="1">
+              <a:prstTxWarp prst="textNoShape">
+                <a:avLst/>
+              </a:prstTxWarp>
+              <a:noAutofit/>
+            </a:bodyPr>
+            <a:lstStyle/>
+            <a:p>
+              <a:endParaRPr lang="en-US"/>
+            </a:p>
+          </p:txBody>
+        </p:sp>
+        <p:sp>
+          <p:nvSpPr>
+            <p:cNvPr id="22" name="Oval 21"/>
+            <p:cNvSpPr/>
+            <p:nvPr/>
+          </p:nvSpPr>
+          <p:spPr>
+            <a:xfrm>
+              <a:off x="3871594" y="1213686"/>
+              <a:ext cx="153035" cy="168910"/>
+            </a:xfrm>
+            <a:prstGeom prst="ellipse">
+              <a:avLst/>
+            </a:prstGeom>
+            <a:solidFill>
+              <a:schemeClr val="accent6"/>
+            </a:solidFill>
+            <a:scene3d>
+              <a:camera prst="orthographicFront"/>
+              <a:lightRig rig="threePt" dir="t"/>
+            </a:scene3d>
+            <a:sp3d extrusionH="107950" contourW="12700" prstMaterial="dkEdge">
+              <a:bevelT w="107950" h="107950"/>
+              <a:bevelB w="107950" h="107950"/>
+            </a:sp3d>
+          </p:spPr>
+          <p:style>
+            <a:lnRef idx="2">
+              <a:schemeClr val="accent1">
+                <a:shade val="50000"/>
+              </a:schemeClr>
+            </a:lnRef>
+            <a:fillRef idx="1">
+              <a:schemeClr val="accent1"/>
+            </a:fillRef>
+            <a:effectRef idx="0">
+              <a:schemeClr val="accent1"/>
+            </a:effectRef>
+            <a:fontRef idx="minor">
+              <a:schemeClr val="lt1"/>
+            </a:fontRef>
+          </p:style>
+          <p:txBody>
+            <a:bodyPr rot="0" spcFirstLastPara="0" vert="horz" wrap="square" lIns="91440" tIns="45720" rIns="91440" bIns="45720" numCol="1" spcCol="0" rtlCol="1" fromWordArt="0" anchor="ctr" anchorCtr="0" forceAA="0" compatLnSpc="1">
+              <a:prstTxWarp prst="textNoShape">
+                <a:avLst/>
+              </a:prstTxWarp>
+              <a:noAutofit/>
+            </a:bodyPr>
+            <a:lstStyle/>
+            <a:p>
+              <a:endParaRPr lang="en-US"/>
+            </a:p>
+          </p:txBody>
+        </p:sp>
+        <p:sp>
+          <p:nvSpPr>
+            <p:cNvPr id="23" name="Oval 22"/>
+            <p:cNvSpPr/>
+            <p:nvPr/>
+          </p:nvSpPr>
+          <p:spPr>
+            <a:xfrm>
+              <a:off x="3497580" y="1298575"/>
+              <a:ext cx="153035" cy="168910"/>
+            </a:xfrm>
+            <a:prstGeom prst="ellipse">
+              <a:avLst/>
+            </a:prstGeom>
+            <a:solidFill>
+              <a:schemeClr val="accent6"/>
+            </a:solidFill>
+            <a:scene3d>
+              <a:camera prst="orthographicFront"/>
+              <a:lightRig rig="threePt" dir="t"/>
+            </a:scene3d>
+            <a:sp3d extrusionH="107950" contourW="12700" prstMaterial="dkEdge">
+              <a:bevelT w="107950" h="107950"/>
+              <a:bevelB w="107950" h="107950"/>
+            </a:sp3d>
+          </p:spPr>
+          <p:style>
+            <a:lnRef idx="2">
+              <a:schemeClr val="accent1">
+                <a:shade val="50000"/>
+              </a:schemeClr>
+            </a:lnRef>
+            <a:fillRef idx="1">
+              <a:schemeClr val="accent1"/>
+            </a:fillRef>
+            <a:effectRef idx="0">
+              <a:schemeClr val="accent1"/>
+            </a:effectRef>
+            <a:fontRef idx="minor">
+              <a:schemeClr val="lt1"/>
+            </a:fontRef>
+          </p:style>
+          <p:txBody>
+            <a:bodyPr rot="0" spcFirstLastPara="0" vert="horz" wrap="square" lIns="91440" tIns="45720" rIns="91440" bIns="45720" numCol="1" spcCol="0" rtlCol="1" fromWordArt="0" anchor="ctr" anchorCtr="0" forceAA="0" compatLnSpc="1">
+              <a:prstTxWarp prst="textNoShape">
+                <a:avLst/>
+              </a:prstTxWarp>
+              <a:noAutofit/>
+            </a:bodyPr>
+            <a:lstStyle/>
+            <a:p>
+              <a:endParaRPr lang="en-US"/>
+            </a:p>
+          </p:txBody>
+        </p:sp>
+        <p:sp>
+          <p:nvSpPr>
+            <p:cNvPr id="24" name="Oval 23"/>
+            <p:cNvSpPr/>
+            <p:nvPr/>
+          </p:nvSpPr>
+          <p:spPr>
+            <a:xfrm>
+              <a:off x="4078605" y="3618865"/>
+              <a:ext cx="153035" cy="168910"/>
+            </a:xfrm>
+            <a:prstGeom prst="ellipse">
+              <a:avLst/>
+            </a:prstGeom>
+            <a:solidFill>
+              <a:schemeClr val="accent6"/>
+            </a:solidFill>
+            <a:scene3d>
+              <a:camera prst="orthographicFront"/>
+              <a:lightRig rig="threePt" dir="t"/>
+            </a:scene3d>
+            <a:sp3d extrusionH="107950" contourW="12700" prstMaterial="dkEdge">
+              <a:bevelT w="107950" h="107950"/>
+              <a:bevelB w="107950" h="107950"/>
+            </a:sp3d>
+          </p:spPr>
+          <p:style>
+            <a:lnRef idx="2">
+              <a:schemeClr val="accent1">
+                <a:shade val="50000"/>
+              </a:schemeClr>
+            </a:lnRef>
+            <a:fillRef idx="1">
+              <a:schemeClr val="accent1"/>
+            </a:fillRef>
+            <a:effectRef idx="0">
+              <a:schemeClr val="accent1"/>
+            </a:effectRef>
+            <a:fontRef idx="minor">
+              <a:schemeClr val="lt1"/>
+            </a:fontRef>
+          </p:style>
+          <p:txBody>
+            <a:bodyPr rot="0" spcFirstLastPara="0" vert="horz" wrap="square" lIns="91440" tIns="45720" rIns="91440" bIns="45720" numCol="1" spcCol="0" rtlCol="1" fromWordArt="0" anchor="ctr" anchorCtr="0" forceAA="0" compatLnSpc="1">
+              <a:prstTxWarp prst="textNoShape">
+                <a:avLst/>
+              </a:prstTxWarp>
+              <a:noAutofit/>
+            </a:bodyPr>
+            <a:lstStyle/>
+            <a:p>
+              <a:endParaRPr lang="en-US"/>
+            </a:p>
+          </p:txBody>
+        </p:sp>
+        <p:sp>
+          <p:nvSpPr>
+            <p:cNvPr id="25" name="Oval 24"/>
+            <p:cNvSpPr/>
+            <p:nvPr/>
+          </p:nvSpPr>
+          <p:spPr>
+            <a:xfrm>
+              <a:off x="4321810" y="3465830"/>
+              <a:ext cx="153035" cy="168910"/>
+            </a:xfrm>
+            <a:prstGeom prst="ellipse">
+              <a:avLst/>
+            </a:prstGeom>
+            <a:solidFill>
+              <a:schemeClr val="accent6"/>
+            </a:solidFill>
+            <a:scene3d>
+              <a:camera prst="orthographicFront"/>
+              <a:lightRig rig="threePt" dir="t"/>
+            </a:scene3d>
+            <a:sp3d extrusionH="107950" contourW="12700" prstMaterial="dkEdge">
+              <a:bevelT w="107950" h="107950"/>
+              <a:bevelB w="107950" h="107950"/>
+            </a:sp3d>
+          </p:spPr>
+          <p:style>
+            <a:lnRef idx="2">
+              <a:schemeClr val="accent1">
+                <a:shade val="50000"/>
+              </a:schemeClr>
+            </a:lnRef>
+            <a:fillRef idx="1">
+              <a:schemeClr val="accent1"/>
+            </a:fillRef>
+            <a:effectRef idx="0">
+              <a:schemeClr val="accent1"/>
+            </a:effectRef>
+            <a:fontRef idx="minor">
+              <a:schemeClr val="lt1"/>
+            </a:fontRef>
+          </p:style>
+          <p:txBody>
+            <a:bodyPr rot="0" spcFirstLastPara="0" vert="horz" wrap="square" lIns="91440" tIns="45720" rIns="91440" bIns="45720" numCol="1" spcCol="0" rtlCol="1" fromWordArt="0" anchor="ctr" anchorCtr="0" forceAA="0" compatLnSpc="1">
+              <a:prstTxWarp prst="textNoShape">
+                <a:avLst/>
+              </a:prstTxWarp>
+              <a:noAutofit/>
+            </a:bodyPr>
+            <a:lstStyle/>
+            <a:p>
+              <a:endParaRPr lang="en-US"/>
+            </a:p>
+          </p:txBody>
+        </p:sp>
+        <p:sp>
+          <p:nvSpPr>
+            <p:cNvPr id="26" name="Oval 25"/>
+            <p:cNvSpPr/>
+            <p:nvPr/>
+          </p:nvSpPr>
+          <p:spPr>
+            <a:xfrm>
+              <a:off x="4585970" y="3285490"/>
+              <a:ext cx="153035" cy="168910"/>
+            </a:xfrm>
+            <a:prstGeom prst="ellipse">
+              <a:avLst/>
+            </a:prstGeom>
+            <a:solidFill>
+              <a:schemeClr val="accent6"/>
+            </a:solidFill>
+            <a:scene3d>
+              <a:camera prst="orthographicFront"/>
+              <a:lightRig rig="threePt" dir="t"/>
+            </a:scene3d>
+            <a:sp3d extrusionH="107950" contourW="12700" prstMaterial="dkEdge">
+              <a:bevelT w="107950" h="107950"/>
+              <a:bevelB w="107950" h="107950"/>
+            </a:sp3d>
+          </p:spPr>
+          <p:style>
+            <a:lnRef idx="2">
+              <a:schemeClr val="accent1">
+                <a:shade val="50000"/>
+              </a:schemeClr>
+            </a:lnRef>
+            <a:fillRef idx="1">
+              <a:schemeClr val="accent1"/>
+            </a:fillRef>
+            <a:effectRef idx="0">
+              <a:schemeClr val="accent1"/>
+            </a:effectRef>
+            <a:fontRef idx="minor">
+              <a:schemeClr val="lt1"/>
+            </a:fontRef>
+          </p:style>
+          <p:txBody>
+            <a:bodyPr rot="0" spcFirstLastPara="0" vert="horz" wrap="square" lIns="91440" tIns="45720" rIns="91440" bIns="45720" numCol="1" spcCol="0" rtlCol="1" fromWordArt="0" anchor="ctr" anchorCtr="0" forceAA="0" compatLnSpc="1">
+              <a:prstTxWarp prst="textNoShape">
+                <a:avLst/>
+              </a:prstTxWarp>
+              <a:noAutofit/>
+            </a:bodyPr>
+            <a:lstStyle/>
+            <a:p>
+              <a:endParaRPr lang="en-US"/>
+            </a:p>
+          </p:txBody>
+        </p:sp>
+        <p:sp>
+          <p:nvSpPr>
+            <p:cNvPr id="27" name="Oval 26"/>
+            <p:cNvSpPr/>
+            <p:nvPr/>
+          </p:nvSpPr>
+          <p:spPr>
+            <a:xfrm>
+              <a:off x="4863465" y="3079750"/>
+              <a:ext cx="153035" cy="168910"/>
+            </a:xfrm>
+            <a:prstGeom prst="ellipse">
+              <a:avLst/>
+            </a:prstGeom>
+            <a:solidFill>
+              <a:schemeClr val="accent6"/>
+            </a:solidFill>
+            <a:scene3d>
+              <a:camera prst="orthographicFront"/>
+              <a:lightRig rig="threePt" dir="t"/>
+            </a:scene3d>
+            <a:sp3d extrusionH="107950" contourW="12700" prstMaterial="dkEdge">
+              <a:bevelT w="107950" h="107950"/>
+              <a:bevelB w="107950" h="107950"/>
+            </a:sp3d>
+          </p:spPr>
+          <p:style>
+            <a:lnRef idx="2">
+              <a:schemeClr val="accent1">
+                <a:shade val="50000"/>
+              </a:schemeClr>
+            </a:lnRef>
+            <a:fillRef idx="1">
+              <a:schemeClr val="accent1"/>
+            </a:fillRef>
+            <a:effectRef idx="0">
+              <a:schemeClr val="accent1"/>
+            </a:effectRef>
+            <a:fontRef idx="minor">
+              <a:schemeClr val="lt1"/>
+            </a:fontRef>
+          </p:style>
+          <p:txBody>
+            <a:bodyPr rot="0" spcFirstLastPara="0" vert="horz" wrap="square" lIns="91440" tIns="45720" rIns="91440" bIns="45720" numCol="1" spcCol="0" rtlCol="1" fromWordArt="0" anchor="ctr" anchorCtr="0" forceAA="0" compatLnSpc="1">
+              <a:prstTxWarp prst="textNoShape">
+                <a:avLst/>
+              </a:prstTxWarp>
+              <a:noAutofit/>
+            </a:bodyPr>
+            <a:lstStyle/>
+            <a:p>
+              <a:endParaRPr lang="en-US"/>
+            </a:p>
+          </p:txBody>
+        </p:sp>
+        <p:sp>
+          <p:nvSpPr>
+            <p:cNvPr id="28" name="Oval 27"/>
+            <p:cNvSpPr/>
+            <p:nvPr/>
+          </p:nvSpPr>
+          <p:spPr>
+            <a:xfrm>
+              <a:off x="5088255" y="2889250"/>
+              <a:ext cx="153035" cy="168910"/>
+            </a:xfrm>
+            <a:prstGeom prst="ellipse">
+              <a:avLst/>
+            </a:prstGeom>
+            <a:solidFill>
+              <a:schemeClr val="accent6"/>
+            </a:solidFill>
+            <a:scene3d>
+              <a:camera prst="orthographicFront"/>
+              <a:lightRig rig="threePt" dir="t"/>
+            </a:scene3d>
+            <a:sp3d extrusionH="107950" contourW="12700" prstMaterial="dkEdge">
+              <a:bevelT w="107950" h="107950"/>
+              <a:bevelB w="107950" h="107950"/>
+            </a:sp3d>
+          </p:spPr>
+          <p:style>
+            <a:lnRef idx="2">
+              <a:schemeClr val="accent1">
+                <a:shade val="50000"/>
+              </a:schemeClr>
+            </a:lnRef>
+            <a:fillRef idx="1">
+              <a:schemeClr val="accent1"/>
+            </a:fillRef>
+            <a:effectRef idx="0">
+              <a:schemeClr val="accent1"/>
+            </a:effectRef>
+            <a:fontRef idx="minor">
+              <a:schemeClr val="lt1"/>
+            </a:fontRef>
+          </p:style>
+          <p:txBody>
+            <a:bodyPr rot="0" spcFirstLastPara="0" vert="horz" wrap="square" lIns="91440" tIns="45720" rIns="91440" bIns="45720" numCol="1" spcCol="0" rtlCol="1" fromWordArt="0" anchor="ctr" anchorCtr="0" forceAA="0" compatLnSpc="1">
+              <a:prstTxWarp prst="textNoShape">
+                <a:avLst/>
+              </a:prstTxWarp>
+              <a:noAutofit/>
+            </a:bodyPr>
+            <a:lstStyle/>
+            <a:p>
+              <a:endParaRPr lang="en-US"/>
+            </a:p>
+          </p:txBody>
+        </p:sp>
+        <p:sp>
+          <p:nvSpPr>
+            <p:cNvPr id="29" name="Oval 28"/>
+            <p:cNvSpPr/>
+            <p:nvPr/>
+          </p:nvSpPr>
+          <p:spPr>
+            <a:xfrm>
+              <a:off x="5315585" y="2640965"/>
+              <a:ext cx="153035" cy="168910"/>
+            </a:xfrm>
+            <a:prstGeom prst="ellipse">
+              <a:avLst/>
+            </a:prstGeom>
+            <a:solidFill>
+              <a:schemeClr val="accent6"/>
+            </a:solidFill>
+            <a:scene3d>
+              <a:camera prst="orthographicFront"/>
+              <a:lightRig rig="threePt" dir="t"/>
+            </a:scene3d>
+            <a:sp3d extrusionH="107950" contourW="12700" prstMaterial="dkEdge">
+              <a:bevelT w="107950" h="107950"/>
+              <a:bevelB w="107950" h="107950"/>
+            </a:sp3d>
+          </p:spPr>
+          <p:style>
+            <a:lnRef idx="2">
+              <a:schemeClr val="accent1">
+                <a:shade val="50000"/>
+              </a:schemeClr>
+            </a:lnRef>
+            <a:fillRef idx="1">
+              <a:schemeClr val="accent1"/>
+            </a:fillRef>
+            <a:effectRef idx="0">
+              <a:schemeClr val="accent1"/>
+            </a:effectRef>
+            <a:fontRef idx="minor">
+              <a:schemeClr val="lt1"/>
+            </a:fontRef>
+          </p:style>
+          <p:txBody>
+            <a:bodyPr rot="0" spcFirstLastPara="0" vert="horz" wrap="square" lIns="91440" tIns="45720" rIns="91440" bIns="45720" numCol="1" spcCol="0" rtlCol="1" fromWordArt="0" anchor="ctr" anchorCtr="0" forceAA="0" compatLnSpc="1">
+              <a:prstTxWarp prst="textNoShape">
+                <a:avLst/>
+              </a:prstTxWarp>
+              <a:noAutofit/>
+            </a:bodyPr>
+            <a:lstStyle/>
+            <a:p>
+              <a:endParaRPr lang="en-US"/>
+            </a:p>
+          </p:txBody>
+        </p:sp>
+        <p:sp>
+          <p:nvSpPr>
+            <p:cNvPr id="30" name="Oval 29"/>
+            <p:cNvSpPr/>
+            <p:nvPr/>
+          </p:nvSpPr>
+          <p:spPr>
+            <a:xfrm>
+              <a:off x="5511165" y="2408555"/>
+              <a:ext cx="153035" cy="168910"/>
+            </a:xfrm>
+            <a:prstGeom prst="ellipse">
+              <a:avLst/>
+            </a:prstGeom>
+            <a:solidFill>
+              <a:schemeClr val="accent6"/>
+            </a:solidFill>
+            <a:scene3d>
+              <a:camera prst="orthographicFront"/>
+              <a:lightRig rig="threePt" dir="t"/>
+            </a:scene3d>
+            <a:sp3d extrusionH="107950" contourW="12700" prstMaterial="dkEdge">
+              <a:bevelT w="107950" h="107950"/>
+              <a:bevelB w="107950" h="107950"/>
+            </a:sp3d>
+          </p:spPr>
+          <p:style>
+            <a:lnRef idx="2">
+              <a:schemeClr val="accent1">
+                <a:shade val="50000"/>
+              </a:schemeClr>
+            </a:lnRef>
+            <a:fillRef idx="1">
+              <a:schemeClr val="accent1"/>
+            </a:fillRef>
+            <a:effectRef idx="0">
+              <a:schemeClr val="accent1"/>
+            </a:effectRef>
+            <a:fontRef idx="minor">
+              <a:schemeClr val="lt1"/>
+            </a:fontRef>
+          </p:style>
+          <p:txBody>
+            <a:bodyPr rot="0" spcFirstLastPara="0" vert="horz" wrap="square" lIns="91440" tIns="45720" rIns="91440" bIns="45720" numCol="1" spcCol="0" rtlCol="1" fromWordArt="0" anchor="ctr" anchorCtr="0" forceAA="0" compatLnSpc="1">
+              <a:prstTxWarp prst="textNoShape">
+                <a:avLst/>
+              </a:prstTxWarp>
+              <a:noAutofit/>
+            </a:bodyPr>
+            <a:lstStyle/>
+            <a:p>
+              <a:endParaRPr lang="en-US"/>
+            </a:p>
+          </p:txBody>
+        </p:sp>
+        <p:sp>
+          <p:nvSpPr>
+            <p:cNvPr id="31" name="Oval 30"/>
+            <p:cNvSpPr/>
+            <p:nvPr/>
+          </p:nvSpPr>
+          <p:spPr>
+            <a:xfrm>
+              <a:off x="5685155" y="2159000"/>
+              <a:ext cx="153035" cy="168910"/>
+            </a:xfrm>
+            <a:prstGeom prst="ellipse">
+              <a:avLst/>
+            </a:prstGeom>
+            <a:solidFill>
+              <a:schemeClr val="accent6"/>
+            </a:solidFill>
+            <a:scene3d>
+              <a:camera prst="orthographicFront"/>
+              <a:lightRig rig="threePt" dir="t"/>
+            </a:scene3d>
+            <a:sp3d extrusionH="107950" contourW="12700" prstMaterial="dkEdge">
+              <a:bevelT w="107950" h="107950"/>
+              <a:bevelB w="107950" h="107950"/>
+            </a:sp3d>
+          </p:spPr>
+          <p:style>
+            <a:lnRef idx="2">
+              <a:schemeClr val="accent1">
+                <a:shade val="50000"/>
+              </a:schemeClr>
+            </a:lnRef>
+            <a:fillRef idx="1">
+              <a:schemeClr val="accent1"/>
+            </a:fillRef>
+            <a:effectRef idx="0">
+              <a:schemeClr val="accent1"/>
+            </a:effectRef>
+            <a:fontRef idx="minor">
+              <a:schemeClr val="lt1"/>
+            </a:fontRef>
+          </p:style>
+          <p:txBody>
+            <a:bodyPr rot="0" spcFirstLastPara="0" vert="horz" wrap="square" lIns="91440" tIns="45720" rIns="91440" bIns="45720" numCol="1" spcCol="0" rtlCol="1" fromWordArt="0" anchor="ctr" anchorCtr="0" forceAA="0" compatLnSpc="1">
+              <a:prstTxWarp prst="textNoShape">
+                <a:avLst/>
+              </a:prstTxWarp>
+              <a:noAutofit/>
+            </a:bodyPr>
+            <a:lstStyle/>
+            <a:p>
+              <a:endParaRPr lang="en-US"/>
+            </a:p>
+          </p:txBody>
+        </p:sp>
+        <p:sp>
+          <p:nvSpPr>
+            <p:cNvPr id="32" name="Oval 31"/>
+            <p:cNvSpPr/>
+            <p:nvPr/>
+          </p:nvSpPr>
+          <p:spPr>
+            <a:xfrm>
+              <a:off x="5770245" y="1863725"/>
+              <a:ext cx="153035" cy="168910"/>
+            </a:xfrm>
+            <a:prstGeom prst="ellipse">
+              <a:avLst/>
+            </a:prstGeom>
+            <a:solidFill>
+              <a:schemeClr val="accent6"/>
+            </a:solidFill>
+            <a:scene3d>
+              <a:camera prst="orthographicFront"/>
+              <a:lightRig rig="threePt" dir="t"/>
+            </a:scene3d>
+            <a:sp3d extrusionH="107950" contourW="12700" prstMaterial="dkEdge">
+              <a:bevelT w="107950" h="107950"/>
+              <a:bevelB w="107950" h="107950"/>
+            </a:sp3d>
+          </p:spPr>
+          <p:style>
+            <a:lnRef idx="2">
+              <a:schemeClr val="accent1">
+                <a:shade val="50000"/>
+              </a:schemeClr>
+            </a:lnRef>
+            <a:fillRef idx="1">
+              <a:schemeClr val="accent1"/>
+            </a:fillRef>
+            <a:effectRef idx="0">
+              <a:schemeClr val="accent1"/>
+            </a:effectRef>
+            <a:fontRef idx="minor">
+              <a:schemeClr val="lt1"/>
+            </a:fontRef>
+          </p:style>
+          <p:txBody>
+            <a:bodyPr rot="0" spcFirstLastPara="0" vert="horz" wrap="square" lIns="91440" tIns="45720" rIns="91440" bIns="45720" numCol="1" spcCol="0" rtlCol="1" fromWordArt="0" anchor="ctr" anchorCtr="0" forceAA="0" compatLnSpc="1">
+              <a:prstTxWarp prst="textNoShape">
+                <a:avLst/>
+              </a:prstTxWarp>
+              <a:noAutofit/>
+            </a:bodyPr>
+            <a:lstStyle/>
+            <a:p>
+              <a:endParaRPr lang="en-US"/>
+            </a:p>
+          </p:txBody>
+        </p:sp>
+        <p:sp>
+          <p:nvSpPr>
+            <p:cNvPr id="33" name="Oval 32"/>
+            <p:cNvSpPr/>
+            <p:nvPr/>
+          </p:nvSpPr>
+          <p:spPr>
+            <a:xfrm>
+              <a:off x="4575810" y="1207770"/>
+              <a:ext cx="153035" cy="168910"/>
+            </a:xfrm>
+            <a:prstGeom prst="ellipse">
+              <a:avLst/>
+            </a:prstGeom>
+            <a:solidFill>
+              <a:schemeClr val="accent6"/>
+            </a:solidFill>
+            <a:scene3d>
+              <a:camera prst="orthographicFront"/>
+              <a:lightRig rig="threePt" dir="t"/>
+            </a:scene3d>
+            <a:sp3d extrusionH="107950" contourW="12700" prstMaterial="dkEdge">
+              <a:bevelT w="107950" h="107950"/>
+              <a:bevelB w="107950" h="107950"/>
+            </a:sp3d>
+          </p:spPr>
+          <p:style>
+            <a:lnRef idx="2">
+              <a:schemeClr val="accent1">
+                <a:shade val="50000"/>
+              </a:schemeClr>
+            </a:lnRef>
+            <a:fillRef idx="1">
+              <a:schemeClr val="accent1"/>
+            </a:fillRef>
+            <a:effectRef idx="0">
+              <a:schemeClr val="accent1"/>
+            </a:effectRef>
+            <a:fontRef idx="minor">
+              <a:schemeClr val="lt1"/>
+            </a:fontRef>
+          </p:style>
+          <p:txBody>
+            <a:bodyPr rot="0" spcFirstLastPara="0" vert="horz" wrap="square" lIns="91440" tIns="45720" rIns="91440" bIns="45720" numCol="1" spcCol="0" rtlCol="1" fromWordArt="0" anchor="ctr" anchorCtr="0" forceAA="0" compatLnSpc="1">
+              <a:prstTxWarp prst="textNoShape">
+                <a:avLst/>
+              </a:prstTxWarp>
+              <a:noAutofit/>
+            </a:bodyPr>
+            <a:lstStyle/>
+            <a:p>
+              <a:endParaRPr lang="en-US"/>
+            </a:p>
+          </p:txBody>
+        </p:sp>
+        <p:sp>
+          <p:nvSpPr>
+            <p:cNvPr id="34" name="Oval 33"/>
+            <p:cNvSpPr/>
+            <p:nvPr/>
+          </p:nvSpPr>
+          <p:spPr>
+            <a:xfrm>
+              <a:off x="4924425" y="1299210"/>
+              <a:ext cx="153035" cy="168910"/>
+            </a:xfrm>
+            <a:prstGeom prst="ellipse">
+              <a:avLst/>
+            </a:prstGeom>
+            <a:solidFill>
+              <a:schemeClr val="accent6"/>
+            </a:solidFill>
+            <a:scene3d>
+              <a:camera prst="orthographicFront"/>
+              <a:lightRig rig="threePt" dir="t"/>
+            </a:scene3d>
+            <a:sp3d extrusionH="107950" contourW="12700" prstMaterial="dkEdge">
+              <a:bevelT w="107950" h="107950"/>
+              <a:bevelB w="107950" h="107950"/>
+            </a:sp3d>
+          </p:spPr>
+          <p:style>
+            <a:lnRef idx="2">
+              <a:schemeClr val="accent1">
+                <a:shade val="50000"/>
+              </a:schemeClr>
+            </a:lnRef>
+            <a:fillRef idx="1">
+              <a:schemeClr val="accent1"/>
+            </a:fillRef>
+            <a:effectRef idx="0">
+              <a:schemeClr val="accent1"/>
+            </a:effectRef>
+            <a:fontRef idx="minor">
+              <a:schemeClr val="lt1"/>
+            </a:fontRef>
+          </p:style>
+          <p:txBody>
+            <a:bodyPr rot="0" spcFirstLastPara="0" vert="horz" wrap="square" lIns="91440" tIns="45720" rIns="91440" bIns="45720" numCol="1" spcCol="0" rtlCol="1" fromWordArt="0" anchor="ctr" anchorCtr="0" forceAA="0" compatLnSpc="1">
+              <a:prstTxWarp prst="textNoShape">
+                <a:avLst/>
+              </a:prstTxWarp>
+              <a:noAutofit/>
+            </a:bodyPr>
+            <a:lstStyle/>
+            <a:p>
+              <a:endParaRPr lang="en-US"/>
+            </a:p>
+          </p:txBody>
+        </p:sp>
+        <p:sp>
+          <p:nvSpPr>
+            <p:cNvPr id="35" name="Oval 34"/>
+            <p:cNvSpPr/>
+            <p:nvPr/>
+          </p:nvSpPr>
+          <p:spPr>
+            <a:xfrm>
+              <a:off x="5283835" y="1457325"/>
+              <a:ext cx="153035" cy="168910"/>
+            </a:xfrm>
+            <a:prstGeom prst="ellipse">
+              <a:avLst/>
+            </a:prstGeom>
+            <a:solidFill>
+              <a:schemeClr val="accent6"/>
+            </a:solidFill>
+            <a:scene3d>
+              <a:camera prst="orthographicFront"/>
+              <a:lightRig rig="threePt" dir="t"/>
+            </a:scene3d>
+            <a:sp3d extrusionH="107950" contourW="12700" prstMaterial="dkEdge">
+              <a:bevelT w="107950" h="107950"/>
+              <a:bevelB w="107950" h="107950"/>
+            </a:sp3d>
+          </p:spPr>
+          <p:style>
+            <a:lnRef idx="2">
+              <a:schemeClr val="accent1">
+                <a:shade val="50000"/>
+              </a:schemeClr>
+            </a:lnRef>
+            <a:fillRef idx="1">
+              <a:schemeClr val="accent1"/>
+            </a:fillRef>
+            <a:effectRef idx="0">
+              <a:schemeClr val="accent1"/>
+            </a:effectRef>
+            <a:fontRef idx="minor">
+              <a:schemeClr val="lt1"/>
+            </a:fontRef>
+          </p:style>
+          <p:txBody>
+            <a:bodyPr rot="0" spcFirstLastPara="0" vert="horz" wrap="square" lIns="91440" tIns="45720" rIns="91440" bIns="45720" numCol="1" spcCol="0" rtlCol="1" fromWordArt="0" anchor="ctr" anchorCtr="0" forceAA="0" compatLnSpc="1">
+              <a:prstTxWarp prst="textNoShape">
+                <a:avLst/>
+              </a:prstTxWarp>
+              <a:noAutofit/>
+            </a:bodyPr>
+            <a:lstStyle/>
+            <a:p>
+              <a:endParaRPr lang="en-US"/>
+            </a:p>
+          </p:txBody>
+        </p:sp>
+        <p:sp>
+          <p:nvSpPr>
+            <p:cNvPr id="36" name="Oval 35"/>
+            <p:cNvSpPr/>
+            <p:nvPr/>
+          </p:nvSpPr>
+          <p:spPr>
+            <a:xfrm>
+              <a:off x="5563870" y="1626235"/>
+              <a:ext cx="153035" cy="168910"/>
+            </a:xfrm>
+            <a:prstGeom prst="ellipse">
+              <a:avLst/>
+            </a:prstGeom>
+            <a:solidFill>
+              <a:schemeClr val="accent6"/>
+            </a:solidFill>
+            <a:scene3d>
+              <a:camera prst="orthographicFront"/>
+              <a:lightRig rig="threePt" dir="t"/>
+            </a:scene3d>
+            <a:sp3d extrusionH="107950" contourW="12700" prstMaterial="dkEdge">
+              <a:bevelT w="107950" h="107950"/>
+              <a:bevelB w="107950" h="107950"/>
+            </a:sp3d>
+          </p:spPr>
+          <p:style>
+            <a:lnRef idx="2">
+              <a:schemeClr val="accent1">
+                <a:shade val="50000"/>
+              </a:schemeClr>
+            </a:lnRef>
+            <a:fillRef idx="1">
+              <a:schemeClr val="accent1"/>
+            </a:fillRef>
+            <a:effectRef idx="0">
+              <a:schemeClr val="accent1"/>
+            </a:effectRef>
+            <a:fontRef idx="minor">
+              <a:schemeClr val="lt1"/>
+            </a:fontRef>
+          </p:style>
+          <p:txBody>
+            <a:bodyPr rot="0" spcFirstLastPara="0" vert="horz" wrap="square" lIns="91440" tIns="45720" rIns="91440" bIns="45720" numCol="1" spcCol="0" rtlCol="1" fromWordArt="0" anchor="ctr" anchorCtr="0" forceAA="0" compatLnSpc="1">
+              <a:prstTxWarp prst="textNoShape">
+                <a:avLst/>
+              </a:prstTxWarp>
+              <a:noAutofit/>
+            </a:bodyPr>
+            <a:lstStyle/>
+            <a:p>
+              <a:endParaRPr lang="en-US"/>
+            </a:p>
+          </p:txBody>
+        </p:sp>
+        <p:sp>
+          <p:nvSpPr>
+            <p:cNvPr id="45" name="Oval 44"/>
+            <p:cNvSpPr/>
+            <p:nvPr/>
+          </p:nvSpPr>
+          <p:spPr>
+            <a:xfrm>
+              <a:off x="3840061" y="3738892"/>
+              <a:ext cx="153035" cy="168910"/>
+            </a:xfrm>
+            <a:prstGeom prst="ellipse">
+              <a:avLst/>
+            </a:prstGeom>
+            <a:solidFill>
+              <a:schemeClr val="accent6">
+                <a:lumMod val="50000"/>
+              </a:schemeClr>
+            </a:solidFill>
+            <a:scene3d>
+              <a:camera prst="orthographicFront"/>
+              <a:lightRig rig="threePt" dir="t"/>
+            </a:scene3d>
+            <a:sp3d extrusionH="107950" contourW="12700" prstMaterial="dkEdge">
+              <a:bevelT w="107950" h="107950"/>
+              <a:bevelB w="107950" h="107950"/>
+            </a:sp3d>
+          </p:spPr>
+          <p:style>
+            <a:lnRef idx="2">
+              <a:schemeClr val="accent1">
+                <a:shade val="50000"/>
+              </a:schemeClr>
+            </a:lnRef>
+            <a:fillRef idx="1">
+              <a:schemeClr val="accent1"/>
+            </a:fillRef>
+            <a:effectRef idx="0">
+              <a:schemeClr val="accent1"/>
+            </a:effectRef>
+            <a:fontRef idx="minor">
+              <a:schemeClr val="lt1"/>
+            </a:fontRef>
+          </p:style>
+          <p:txBody>
+            <a:bodyPr rot="0" spcFirstLastPara="0" vert="horz" wrap="square" lIns="91440" tIns="45720" rIns="91440" bIns="45720" numCol="1" spcCol="0" rtlCol="1" fromWordArt="0" anchor="ctr" anchorCtr="0" forceAA="0" compatLnSpc="1">
+              <a:prstTxWarp prst="textNoShape">
+                <a:avLst/>
+              </a:prstTxWarp>
+              <a:noAutofit/>
+            </a:bodyPr>
+            <a:lstStyle/>
+            <a:p>
+              <a:endParaRPr lang="en-US"/>
+            </a:p>
+          </p:txBody>
+        </p:sp>
+      </p:grpSp>
+      <p:sp>
+        <p:nvSpPr>
+          <p:cNvPr id="54" name="TextBox 53"/>
+          <p:cNvSpPr txBox="1"/>
+          <p:nvPr/>
+        </p:nvSpPr>
+        <p:spPr>
+          <a:xfrm>
+            <a:off x="1534076" y="4289928"/>
+            <a:ext cx="278451" cy="646331"/>
+          </a:xfrm>
+          <a:prstGeom prst="rect">
+            <a:avLst/>
+          </a:prstGeom>
+          <a:noFill/>
+        </p:spPr>
+        <p:txBody>
+          <a:bodyPr wrap="square" rtlCol="0">
+            <a:spAutoFit/>
+          </a:bodyPr>
+          <a:lstStyle/>
+          <a:p>
+            <a:r>
+              <a:rPr lang="en-US" sz="3600" dirty="0" smtClean="0"/>
+              <a:t>1</a:t>
+            </a:r>
+            <a:endParaRPr lang="en-US" sz="3600" dirty="0"/>
+          </a:p>
+        </p:txBody>
+      </p:sp>
+      <p:sp>
+        <p:nvSpPr>
+          <p:cNvPr id="55" name="TextBox 54"/>
+          <p:cNvSpPr txBox="1"/>
+          <p:nvPr/>
+        </p:nvSpPr>
+        <p:spPr>
+          <a:xfrm>
+            <a:off x="5476571" y="5341676"/>
+            <a:ext cx="1015779" cy="646331"/>
+          </a:xfrm>
+          <a:prstGeom prst="rect">
+            <a:avLst/>
+          </a:prstGeom>
+          <a:noFill/>
+        </p:spPr>
+        <p:txBody>
+          <a:bodyPr wrap="square" rtlCol="0">
+            <a:spAutoFit/>
+          </a:bodyPr>
+          <a:lstStyle/>
+          <a:p>
+            <a:r>
+              <a:rPr lang="en-US" sz="3600" dirty="0" err="1" smtClean="0"/>
+              <a:t>N_c</a:t>
+            </a:r>
+            <a:endParaRPr lang="en-US" sz="3600" dirty="0"/>
+          </a:p>
+        </p:txBody>
+      </p:sp>
+      <p:sp>
+        <p:nvSpPr>
+          <p:cNvPr id="58" name="TextBox 57"/>
+          <p:cNvSpPr txBox="1"/>
+          <p:nvPr/>
+        </p:nvSpPr>
+        <p:spPr>
+          <a:xfrm>
+            <a:off x="3079865" y="4380667"/>
+            <a:ext cx="2013290" cy="646331"/>
+          </a:xfrm>
+          <a:prstGeom prst="rect">
+            <a:avLst/>
+          </a:prstGeom>
+          <a:noFill/>
+        </p:spPr>
+        <p:txBody>
+          <a:bodyPr wrap="square" rtlCol="0">
+            <a:spAutoFit/>
+          </a:bodyPr>
+          <a:lstStyle/>
+          <a:p>
+            <a:r>
+              <a:rPr lang="en-US" sz="3600" dirty="0" err="1" smtClean="0"/>
+              <a:t>N_c</a:t>
+            </a:r>
+            <a:r>
+              <a:rPr lang="en-US" sz="3600" dirty="0" smtClean="0"/>
+              <a:t> + </a:t>
+            </a:r>
+            <a:r>
+              <a:rPr lang="en-US" sz="3600" dirty="0" err="1" smtClean="0"/>
+              <a:t>N_r</a:t>
+            </a:r>
+            <a:endParaRPr lang="en-US" sz="3600" dirty="0"/>
+          </a:p>
+        </p:txBody>
+      </p:sp>
+    </p:spTree>
+    <p:extLst>
+      <p:ext uri="{BB962C8B-B14F-4D97-AF65-F5344CB8AC3E}">
+        <p14:creationId xmlns:p14="http://schemas.microsoft.com/office/powerpoint/2010/main" val="3533286823"/>
+      </p:ext>
+    </p:extLst>
+  </p:cSld>
+  <p:clrMapOvr>
+    <a:masterClrMapping/>
+  </p:clrMapOvr>
+</p:sld>
+</file>
+
 <file path=ppt/theme/theme1.xml><?xml version="1.0" encoding="utf-8"?>
 <a:theme xmlns:a="http://schemas.openxmlformats.org/drawingml/2006/main" name="Office Theme">
   <a:themeElements>

--- a/Documents/(article) Random Loop Model to Explain the TAD in CC Experiments/polymerModelWithOneAndTwoFixedLoopsAndInternalConnections.pptx
+++ b/Documents/(article) Random Loop Model to Explain the TAD in CC Experiments/polymerModelWithOneAndTwoFixedLoopsAndInternalConnections.pptx
@@ -16,6 +16,7 @@
     <p:sldId id="264" r:id="rId10"/>
     <p:sldId id="265" r:id="rId11"/>
     <p:sldId id="266" r:id="rId12"/>
+    <p:sldId id="267" r:id="rId13"/>
   </p:sldIdLst>
   <p:sldSz cx="12192000" cy="6858000"/>
   <p:notesSz cx="6858000" cy="9144000"/>
@@ -17260,6 +17261,1935 @@
 </p:sld>
 </file>
 
+<file path=ppt/slides/slide12.xml><?xml version="1.0" encoding="utf-8"?>
+<p:sld xmlns:a="http://schemas.openxmlformats.org/drawingml/2006/main" xmlns:r="http://schemas.openxmlformats.org/officeDocument/2006/relationships" xmlns:p="http://schemas.openxmlformats.org/presentationml/2006/main">
+  <p:cSld>
+    <p:spTree>
+      <p:nvGrpSpPr>
+        <p:cNvPr id="1" name=""/>
+        <p:cNvGrpSpPr/>
+        <p:nvPr/>
+      </p:nvGrpSpPr>
+      <p:grpSpPr>
+        <a:xfrm>
+          <a:off x="0" y="0"/>
+          <a:ext cx="0" cy="0"/>
+          <a:chOff x="0" y="0"/>
+          <a:chExt cx="0" cy="0"/>
+        </a:xfrm>
+      </p:grpSpPr>
+      <p:grpSp>
+        <p:nvGrpSpPr>
+          <p:cNvPr id="23" name="Group 22"/>
+          <p:cNvGrpSpPr/>
+          <p:nvPr/>
+        </p:nvGrpSpPr>
+        <p:grpSpPr>
+          <a:xfrm>
+            <a:off x="1614311" y="293511"/>
+            <a:ext cx="9849556" cy="5565422"/>
+            <a:chOff x="1524000" y="654756"/>
+            <a:chExt cx="9849556" cy="5565422"/>
+          </a:xfrm>
+        </p:grpSpPr>
+        <p:grpSp>
+          <p:nvGrpSpPr>
+            <p:cNvPr id="8" name="Group 7"/>
+            <p:cNvGrpSpPr/>
+            <p:nvPr/>
+          </p:nvGrpSpPr>
+          <p:grpSpPr>
+            <a:xfrm>
+              <a:off x="1524000" y="654756"/>
+              <a:ext cx="9155289" cy="5554133"/>
+              <a:chOff x="1524000" y="654756"/>
+              <a:chExt cx="9155289" cy="5554133"/>
+            </a:xfrm>
+          </p:grpSpPr>
+          <p:cxnSp>
+            <p:nvCxnSpPr>
+              <p:cNvPr id="5" name="Straight Connector 4"/>
+              <p:cNvCxnSpPr/>
+              <p:nvPr/>
+            </p:nvCxnSpPr>
+            <p:spPr>
+              <a:xfrm>
+                <a:off x="1524000" y="654756"/>
+                <a:ext cx="0" cy="5554133"/>
+              </a:xfrm>
+              <a:prstGeom prst="line">
+                <a:avLst/>
+              </a:prstGeom>
+              <a:ln w="63500"/>
+            </p:spPr>
+            <p:style>
+              <a:lnRef idx="1">
+                <a:schemeClr val="accent1"/>
+              </a:lnRef>
+              <a:fillRef idx="0">
+                <a:schemeClr val="accent1"/>
+              </a:fillRef>
+              <a:effectRef idx="0">
+                <a:schemeClr val="accent1"/>
+              </a:effectRef>
+              <a:fontRef idx="minor">
+                <a:schemeClr val="tx1"/>
+              </a:fontRef>
+            </p:style>
+          </p:cxnSp>
+          <p:cxnSp>
+            <p:nvCxnSpPr>
+              <p:cNvPr id="7" name="Straight Connector 6"/>
+              <p:cNvCxnSpPr/>
+              <p:nvPr/>
+            </p:nvCxnSpPr>
+            <p:spPr>
+              <a:xfrm>
+                <a:off x="1524000" y="6208889"/>
+                <a:ext cx="9155289" cy="0"/>
+              </a:xfrm>
+              <a:prstGeom prst="line">
+                <a:avLst/>
+              </a:prstGeom>
+              <a:ln w="63500"/>
+            </p:spPr>
+            <p:style>
+              <a:lnRef idx="1">
+                <a:schemeClr val="accent1"/>
+              </a:lnRef>
+              <a:fillRef idx="0">
+                <a:schemeClr val="accent1"/>
+              </a:fillRef>
+              <a:effectRef idx="0">
+                <a:schemeClr val="accent1"/>
+              </a:effectRef>
+              <a:fontRef idx="minor">
+                <a:schemeClr val="tx1"/>
+              </a:fontRef>
+            </p:style>
+          </p:cxnSp>
+        </p:grpSp>
+        <p:sp>
+          <p:nvSpPr>
+            <p:cNvPr id="9" name="Freeform 8"/>
+            <p:cNvSpPr/>
+            <p:nvPr/>
+          </p:nvSpPr>
+          <p:spPr>
+            <a:xfrm>
+              <a:off x="1670756" y="812800"/>
+              <a:ext cx="8985955" cy="5226756"/>
+            </a:xfrm>
+            <a:custGeom>
+              <a:avLst/>
+              <a:gdLst>
+                <a:gd name="connsiteX0" fmla="*/ 0 w 8985955"/>
+                <a:gd name="connsiteY0" fmla="*/ 0 h 5226756"/>
+                <a:gd name="connsiteX1" fmla="*/ 970844 w 8985955"/>
+                <a:gd name="connsiteY1" fmla="*/ 4222044 h 5226756"/>
+                <a:gd name="connsiteX2" fmla="*/ 3872088 w 8985955"/>
+                <a:gd name="connsiteY2" fmla="*/ 3544711 h 5226756"/>
+                <a:gd name="connsiteX3" fmla="*/ 5633155 w 8985955"/>
+                <a:gd name="connsiteY3" fmla="*/ 4820356 h 5226756"/>
+                <a:gd name="connsiteX4" fmla="*/ 6987822 w 8985955"/>
+                <a:gd name="connsiteY4" fmla="*/ 3996267 h 5226756"/>
+                <a:gd name="connsiteX5" fmla="*/ 7924800 w 8985955"/>
+                <a:gd name="connsiteY5" fmla="*/ 4763911 h 5226756"/>
+                <a:gd name="connsiteX6" fmla="*/ 8985955 w 8985955"/>
+                <a:gd name="connsiteY6" fmla="*/ 5226756 h 5226756"/>
+              </a:gdLst>
+              <a:ahLst/>
+              <a:cxnLst>
+                <a:cxn ang="0">
+                  <a:pos x="connsiteX0" y="connsiteY0"/>
+                </a:cxn>
+                <a:cxn ang="0">
+                  <a:pos x="connsiteX1" y="connsiteY1"/>
+                </a:cxn>
+                <a:cxn ang="0">
+                  <a:pos x="connsiteX2" y="connsiteY2"/>
+                </a:cxn>
+                <a:cxn ang="0">
+                  <a:pos x="connsiteX3" y="connsiteY3"/>
+                </a:cxn>
+                <a:cxn ang="0">
+                  <a:pos x="connsiteX4" y="connsiteY4"/>
+                </a:cxn>
+                <a:cxn ang="0">
+                  <a:pos x="connsiteX5" y="connsiteY5"/>
+                </a:cxn>
+                <a:cxn ang="0">
+                  <a:pos x="connsiteX6" y="connsiteY6"/>
+                </a:cxn>
+              </a:cxnLst>
+              <a:rect l="l" t="t" r="r" b="b"/>
+              <a:pathLst>
+                <a:path w="8985955" h="5226756">
+                  <a:moveTo>
+                    <a:pt x="0" y="0"/>
+                  </a:moveTo>
+                  <a:cubicBezTo>
+                    <a:pt x="162748" y="1815629"/>
+                    <a:pt x="325496" y="3631259"/>
+                    <a:pt x="970844" y="4222044"/>
+                  </a:cubicBezTo>
+                  <a:cubicBezTo>
+                    <a:pt x="1616192" y="4812829"/>
+                    <a:pt x="3095036" y="3444992"/>
+                    <a:pt x="3872088" y="3544711"/>
+                  </a:cubicBezTo>
+                  <a:cubicBezTo>
+                    <a:pt x="4649140" y="3644430"/>
+                    <a:pt x="5113866" y="4745097"/>
+                    <a:pt x="5633155" y="4820356"/>
+                  </a:cubicBezTo>
+                  <a:cubicBezTo>
+                    <a:pt x="6152444" y="4895615"/>
+                    <a:pt x="6605881" y="4005674"/>
+                    <a:pt x="6987822" y="3996267"/>
+                  </a:cubicBezTo>
+                  <a:cubicBezTo>
+                    <a:pt x="7369763" y="3986860"/>
+                    <a:pt x="7591778" y="4558830"/>
+                    <a:pt x="7924800" y="4763911"/>
+                  </a:cubicBezTo>
+                  <a:cubicBezTo>
+                    <a:pt x="8257822" y="4968992"/>
+                    <a:pt x="8829792" y="5149615"/>
+                    <a:pt x="8985955" y="5226756"/>
+                  </a:cubicBezTo>
+                </a:path>
+              </a:pathLst>
+            </a:custGeom>
+            <a:noFill/>
+            <a:ln w="82550">
+              <a:solidFill>
+                <a:schemeClr val="tx1"/>
+              </a:solidFill>
+            </a:ln>
+          </p:spPr>
+          <p:style>
+            <a:lnRef idx="2">
+              <a:schemeClr val="accent1">
+                <a:shade val="50000"/>
+              </a:schemeClr>
+            </a:lnRef>
+            <a:fillRef idx="1">
+              <a:schemeClr val="accent1"/>
+            </a:fillRef>
+            <a:effectRef idx="0">
+              <a:schemeClr val="accent1"/>
+            </a:effectRef>
+            <a:fontRef idx="minor">
+              <a:schemeClr val="lt1"/>
+            </a:fontRef>
+          </p:style>
+          <p:txBody>
+            <a:bodyPr rtlCol="0" anchor="ctr"/>
+            <a:lstStyle/>
+            <a:p>
+              <a:pPr algn="ctr"/>
+              <a:endParaRPr lang="en-US"/>
+            </a:p>
+          </p:txBody>
+        </p:sp>
+        <p:cxnSp>
+          <p:nvCxnSpPr>
+            <p:cNvPr id="11" name="Straight Connector 10"/>
+            <p:cNvCxnSpPr>
+              <a:stCxn id="9" idx="2"/>
+            </p:cNvCxnSpPr>
+            <p:nvPr/>
+          </p:nvCxnSpPr>
+          <p:spPr>
+            <a:xfrm flipH="1">
+              <a:off x="2246489" y="4357511"/>
+              <a:ext cx="3296355" cy="22578"/>
+            </a:xfrm>
+            <a:prstGeom prst="line">
+              <a:avLst/>
+            </a:prstGeom>
+          </p:spPr>
+          <p:style>
+            <a:lnRef idx="1">
+              <a:schemeClr val="accent1"/>
+            </a:lnRef>
+            <a:fillRef idx="0">
+              <a:schemeClr val="accent1"/>
+            </a:fillRef>
+            <a:effectRef idx="0">
+              <a:schemeClr val="accent1"/>
+            </a:effectRef>
+            <a:fontRef idx="minor">
+              <a:schemeClr val="tx1"/>
+            </a:fontRef>
+          </p:style>
+        </p:cxnSp>
+        <p:cxnSp>
+          <p:nvCxnSpPr>
+            <p:cNvPr id="13" name="Straight Connector 12"/>
+            <p:cNvCxnSpPr>
+              <a:stCxn id="9" idx="4"/>
+            </p:cNvCxnSpPr>
+            <p:nvPr/>
+          </p:nvCxnSpPr>
+          <p:spPr>
+            <a:xfrm flipH="1">
+              <a:off x="6423378" y="4809067"/>
+              <a:ext cx="2235200" cy="45155"/>
+            </a:xfrm>
+            <a:prstGeom prst="line">
+              <a:avLst/>
+            </a:prstGeom>
+          </p:spPr>
+          <p:style>
+            <a:lnRef idx="1">
+              <a:schemeClr val="accent1"/>
+            </a:lnRef>
+            <a:fillRef idx="0">
+              <a:schemeClr val="accent1"/>
+            </a:fillRef>
+            <a:effectRef idx="0">
+              <a:schemeClr val="accent1"/>
+            </a:effectRef>
+            <a:fontRef idx="minor">
+              <a:schemeClr val="tx1"/>
+            </a:fontRef>
+          </p:style>
+        </p:cxnSp>
+        <p:sp>
+          <p:nvSpPr>
+            <p:cNvPr id="15" name="Freeform 14"/>
+            <p:cNvSpPr/>
+            <p:nvPr/>
+          </p:nvSpPr>
+          <p:spPr>
+            <a:xfrm>
+              <a:off x="2246488" y="4334933"/>
+              <a:ext cx="3296355" cy="1862667"/>
+            </a:xfrm>
+            <a:custGeom>
+              <a:avLst/>
+              <a:gdLst>
+                <a:gd name="connsiteX0" fmla="*/ 0 w 2946400"/>
+                <a:gd name="connsiteY0" fmla="*/ 0 h 1806222"/>
+                <a:gd name="connsiteX1" fmla="*/ 33867 w 2946400"/>
+                <a:gd name="connsiteY1" fmla="*/ 1806222 h 1806222"/>
+                <a:gd name="connsiteX2" fmla="*/ 2946400 w 2946400"/>
+                <a:gd name="connsiteY2" fmla="*/ 1806222 h 1806222"/>
+                <a:gd name="connsiteX3" fmla="*/ 2901244 w 2946400"/>
+                <a:gd name="connsiteY3" fmla="*/ 0 h 1806222"/>
+                <a:gd name="connsiteX4" fmla="*/ 2032000 w 2946400"/>
+                <a:gd name="connsiteY4" fmla="*/ 383822 h 1806222"/>
+                <a:gd name="connsiteX5" fmla="*/ 1095022 w 2946400"/>
+                <a:gd name="connsiteY5" fmla="*/ 756355 h 1806222"/>
+                <a:gd name="connsiteX6" fmla="*/ 677333 w 2946400"/>
+                <a:gd name="connsiteY6" fmla="*/ 767644 h 1806222"/>
+                <a:gd name="connsiteX7" fmla="*/ 270933 w 2946400"/>
+                <a:gd name="connsiteY7" fmla="*/ 519289 h 1806222"/>
+                <a:gd name="connsiteX8" fmla="*/ 0 w 2946400"/>
+                <a:gd name="connsiteY8" fmla="*/ 0 h 1806222"/>
+              </a:gdLst>
+              <a:ahLst/>
+              <a:cxnLst>
+                <a:cxn ang="0">
+                  <a:pos x="connsiteX0" y="connsiteY0"/>
+                </a:cxn>
+                <a:cxn ang="0">
+                  <a:pos x="connsiteX1" y="connsiteY1"/>
+                </a:cxn>
+                <a:cxn ang="0">
+                  <a:pos x="connsiteX2" y="connsiteY2"/>
+                </a:cxn>
+                <a:cxn ang="0">
+                  <a:pos x="connsiteX3" y="connsiteY3"/>
+                </a:cxn>
+                <a:cxn ang="0">
+                  <a:pos x="connsiteX4" y="connsiteY4"/>
+                </a:cxn>
+                <a:cxn ang="0">
+                  <a:pos x="connsiteX5" y="connsiteY5"/>
+                </a:cxn>
+                <a:cxn ang="0">
+                  <a:pos x="connsiteX6" y="connsiteY6"/>
+                </a:cxn>
+                <a:cxn ang="0">
+                  <a:pos x="connsiteX7" y="connsiteY7"/>
+                </a:cxn>
+                <a:cxn ang="0">
+                  <a:pos x="connsiteX8" y="connsiteY8"/>
+                </a:cxn>
+              </a:cxnLst>
+              <a:rect l="l" t="t" r="r" b="b"/>
+              <a:pathLst>
+                <a:path w="2946400" h="1806222">
+                  <a:moveTo>
+                    <a:pt x="0" y="0"/>
+                  </a:moveTo>
+                  <a:lnTo>
+                    <a:pt x="33867" y="1806222"/>
+                  </a:lnTo>
+                  <a:lnTo>
+                    <a:pt x="2946400" y="1806222"/>
+                  </a:lnTo>
+                  <a:lnTo>
+                    <a:pt x="2901244" y="0"/>
+                  </a:lnTo>
+                  <a:lnTo>
+                    <a:pt x="2032000" y="383822"/>
+                  </a:lnTo>
+                  <a:lnTo>
+                    <a:pt x="1095022" y="756355"/>
+                  </a:lnTo>
+                  <a:lnTo>
+                    <a:pt x="677333" y="767644"/>
+                  </a:lnTo>
+                  <a:lnTo>
+                    <a:pt x="270933" y="519289"/>
+                  </a:lnTo>
+                  <a:lnTo>
+                    <a:pt x="0" y="0"/>
+                  </a:lnTo>
+                  <a:close/>
+                </a:path>
+              </a:pathLst>
+            </a:custGeom>
+            <a:solidFill>
+              <a:schemeClr val="accent4">
+                <a:alpha val="40000"/>
+              </a:schemeClr>
+            </a:solidFill>
+            <a:ln>
+              <a:solidFill>
+                <a:schemeClr val="accent4"/>
+              </a:solidFill>
+            </a:ln>
+          </p:spPr>
+          <p:style>
+            <a:lnRef idx="2">
+              <a:schemeClr val="accent1">
+                <a:shade val="50000"/>
+              </a:schemeClr>
+            </a:lnRef>
+            <a:fillRef idx="1">
+              <a:schemeClr val="accent1"/>
+            </a:fillRef>
+            <a:effectRef idx="0">
+              <a:schemeClr val="accent1"/>
+            </a:effectRef>
+            <a:fontRef idx="minor">
+              <a:schemeClr val="lt1"/>
+            </a:fontRef>
+          </p:style>
+          <p:txBody>
+            <a:bodyPr rtlCol="0" anchor="ctr"/>
+            <a:lstStyle/>
+            <a:p>
+              <a:pPr algn="ctr"/>
+              <a:r>
+                <a:rPr lang="en-US" sz="4000" dirty="0" smtClean="0">
+                  <a:solidFill>
+                    <a:schemeClr val="tx1"/>
+                  </a:solidFill>
+                </a:rPr>
+                <a:t>D2</a:t>
+              </a:r>
+              <a:endParaRPr lang="en-US" sz="4000" dirty="0">
+                <a:solidFill>
+                  <a:schemeClr val="tx1"/>
+                </a:solidFill>
+              </a:endParaRPr>
+            </a:p>
+          </p:txBody>
+        </p:sp>
+        <p:sp>
+          <p:nvSpPr>
+            <p:cNvPr id="16" name="Freeform 15"/>
+            <p:cNvSpPr/>
+            <p:nvPr/>
+          </p:nvSpPr>
+          <p:spPr>
+            <a:xfrm>
+              <a:off x="8370712" y="2212623"/>
+              <a:ext cx="3002844" cy="2167466"/>
+            </a:xfrm>
+            <a:custGeom>
+              <a:avLst/>
+              <a:gdLst>
+                <a:gd name="connsiteX0" fmla="*/ 0 w 1873955"/>
+                <a:gd name="connsiteY0" fmla="*/ 0 h 1275644"/>
+                <a:gd name="connsiteX1" fmla="*/ 90311 w 1873955"/>
+                <a:gd name="connsiteY1" fmla="*/ 90311 h 1275644"/>
+                <a:gd name="connsiteX2" fmla="*/ 248355 w 1873955"/>
+                <a:gd name="connsiteY2" fmla="*/ 180622 h 1275644"/>
+                <a:gd name="connsiteX3" fmla="*/ 282222 w 1873955"/>
+                <a:gd name="connsiteY3" fmla="*/ 203200 h 1275644"/>
+                <a:gd name="connsiteX4" fmla="*/ 316089 w 1873955"/>
+                <a:gd name="connsiteY4" fmla="*/ 237066 h 1275644"/>
+                <a:gd name="connsiteX5" fmla="*/ 349955 w 1873955"/>
+                <a:gd name="connsiteY5" fmla="*/ 248355 h 1275644"/>
+                <a:gd name="connsiteX6" fmla="*/ 383822 w 1873955"/>
+                <a:gd name="connsiteY6" fmla="*/ 270933 h 1275644"/>
+                <a:gd name="connsiteX7" fmla="*/ 462844 w 1873955"/>
+                <a:gd name="connsiteY7" fmla="*/ 293511 h 1275644"/>
+                <a:gd name="connsiteX8" fmla="*/ 496711 w 1873955"/>
+                <a:gd name="connsiteY8" fmla="*/ 316089 h 1275644"/>
+                <a:gd name="connsiteX9" fmla="*/ 508000 w 1873955"/>
+                <a:gd name="connsiteY9" fmla="*/ 349955 h 1275644"/>
+                <a:gd name="connsiteX10" fmla="*/ 575733 w 1873955"/>
+                <a:gd name="connsiteY10" fmla="*/ 372533 h 1275644"/>
+                <a:gd name="connsiteX11" fmla="*/ 643466 w 1873955"/>
+                <a:gd name="connsiteY11" fmla="*/ 440266 h 1275644"/>
+                <a:gd name="connsiteX12" fmla="*/ 677333 w 1873955"/>
+                <a:gd name="connsiteY12" fmla="*/ 462844 h 1275644"/>
+                <a:gd name="connsiteX13" fmla="*/ 722489 w 1873955"/>
+                <a:gd name="connsiteY13" fmla="*/ 496711 h 1275644"/>
+                <a:gd name="connsiteX14" fmla="*/ 756355 w 1873955"/>
+                <a:gd name="connsiteY14" fmla="*/ 519289 h 1275644"/>
+                <a:gd name="connsiteX15" fmla="*/ 812800 w 1873955"/>
+                <a:gd name="connsiteY15" fmla="*/ 587022 h 1275644"/>
+                <a:gd name="connsiteX16" fmla="*/ 880533 w 1873955"/>
+                <a:gd name="connsiteY16" fmla="*/ 620889 h 1275644"/>
+                <a:gd name="connsiteX17" fmla="*/ 959555 w 1873955"/>
+                <a:gd name="connsiteY17" fmla="*/ 654755 h 1275644"/>
+                <a:gd name="connsiteX18" fmla="*/ 970844 w 1873955"/>
+                <a:gd name="connsiteY18" fmla="*/ 688622 h 1275644"/>
+                <a:gd name="connsiteX19" fmla="*/ 1004711 w 1873955"/>
+                <a:gd name="connsiteY19" fmla="*/ 699911 h 1275644"/>
+                <a:gd name="connsiteX20" fmla="*/ 1095022 w 1873955"/>
+                <a:gd name="connsiteY20" fmla="*/ 733777 h 1275644"/>
+                <a:gd name="connsiteX21" fmla="*/ 1140178 w 1873955"/>
+                <a:gd name="connsiteY21" fmla="*/ 756355 h 1275644"/>
+                <a:gd name="connsiteX22" fmla="*/ 1174044 w 1873955"/>
+                <a:gd name="connsiteY22" fmla="*/ 790222 h 1275644"/>
+                <a:gd name="connsiteX23" fmla="*/ 1298222 w 1873955"/>
+                <a:gd name="connsiteY23" fmla="*/ 846666 h 1275644"/>
+                <a:gd name="connsiteX24" fmla="*/ 1354666 w 1873955"/>
+                <a:gd name="connsiteY24" fmla="*/ 857955 h 1275644"/>
+                <a:gd name="connsiteX25" fmla="*/ 1444978 w 1873955"/>
+                <a:gd name="connsiteY25" fmla="*/ 880533 h 1275644"/>
+                <a:gd name="connsiteX26" fmla="*/ 1670755 w 1873955"/>
+                <a:gd name="connsiteY26" fmla="*/ 869244 h 1275644"/>
+                <a:gd name="connsiteX27" fmla="*/ 1704622 w 1873955"/>
+                <a:gd name="connsiteY27" fmla="*/ 857955 h 1275644"/>
+                <a:gd name="connsiteX28" fmla="*/ 1772355 w 1873955"/>
+                <a:gd name="connsiteY28" fmla="*/ 812800 h 1275644"/>
+                <a:gd name="connsiteX29" fmla="*/ 1806222 w 1873955"/>
+                <a:gd name="connsiteY29" fmla="*/ 790222 h 1275644"/>
+                <a:gd name="connsiteX30" fmla="*/ 1862666 w 1873955"/>
+                <a:gd name="connsiteY30" fmla="*/ 688622 h 1275644"/>
+                <a:gd name="connsiteX31" fmla="*/ 1873955 w 1873955"/>
+                <a:gd name="connsiteY31" fmla="*/ 632177 h 1275644"/>
+                <a:gd name="connsiteX32" fmla="*/ 1862666 w 1873955"/>
+                <a:gd name="connsiteY32" fmla="*/ 383822 h 1275644"/>
+                <a:gd name="connsiteX33" fmla="*/ 1806222 w 1873955"/>
+                <a:gd name="connsiteY33" fmla="*/ 282222 h 1275644"/>
+                <a:gd name="connsiteX34" fmla="*/ 1772355 w 1873955"/>
+                <a:gd name="connsiteY34" fmla="*/ 270933 h 1275644"/>
+                <a:gd name="connsiteX35" fmla="*/ 1738489 w 1873955"/>
+                <a:gd name="connsiteY35" fmla="*/ 248355 h 1275644"/>
+                <a:gd name="connsiteX36" fmla="*/ 1580444 w 1873955"/>
+                <a:gd name="connsiteY36" fmla="*/ 225777 h 1275644"/>
+                <a:gd name="connsiteX37" fmla="*/ 1377244 w 1873955"/>
+                <a:gd name="connsiteY37" fmla="*/ 248355 h 1275644"/>
+                <a:gd name="connsiteX38" fmla="*/ 1207911 w 1873955"/>
+                <a:gd name="connsiteY38" fmla="*/ 282222 h 1275644"/>
+                <a:gd name="connsiteX39" fmla="*/ 1174044 w 1873955"/>
+                <a:gd name="connsiteY39" fmla="*/ 304800 h 1275644"/>
+                <a:gd name="connsiteX40" fmla="*/ 1151466 w 1873955"/>
+                <a:gd name="connsiteY40" fmla="*/ 338666 h 1275644"/>
+                <a:gd name="connsiteX41" fmla="*/ 1117600 w 1873955"/>
+                <a:gd name="connsiteY41" fmla="*/ 349955 h 1275644"/>
+                <a:gd name="connsiteX42" fmla="*/ 1049866 w 1873955"/>
+                <a:gd name="connsiteY42" fmla="*/ 395111 h 1275644"/>
+                <a:gd name="connsiteX43" fmla="*/ 1004711 w 1873955"/>
+                <a:gd name="connsiteY43" fmla="*/ 462844 h 1275644"/>
+                <a:gd name="connsiteX44" fmla="*/ 982133 w 1873955"/>
+                <a:gd name="connsiteY44" fmla="*/ 530577 h 1275644"/>
+                <a:gd name="connsiteX45" fmla="*/ 970844 w 1873955"/>
+                <a:gd name="connsiteY45" fmla="*/ 970844 h 1275644"/>
+                <a:gd name="connsiteX46" fmla="*/ 993422 w 1873955"/>
+                <a:gd name="connsiteY46" fmla="*/ 1004711 h 1275644"/>
+                <a:gd name="connsiteX47" fmla="*/ 1061155 w 1873955"/>
+                <a:gd name="connsiteY47" fmla="*/ 1027289 h 1275644"/>
+                <a:gd name="connsiteX48" fmla="*/ 1083733 w 1873955"/>
+                <a:gd name="connsiteY48" fmla="*/ 1061155 h 1275644"/>
+                <a:gd name="connsiteX49" fmla="*/ 1117600 w 1873955"/>
+                <a:gd name="connsiteY49" fmla="*/ 1072444 h 1275644"/>
+                <a:gd name="connsiteX50" fmla="*/ 1128889 w 1873955"/>
+                <a:gd name="connsiteY50" fmla="*/ 1106311 h 1275644"/>
+                <a:gd name="connsiteX51" fmla="*/ 1151466 w 1873955"/>
+                <a:gd name="connsiteY51" fmla="*/ 1151466 h 1275644"/>
+                <a:gd name="connsiteX52" fmla="*/ 1140178 w 1873955"/>
+                <a:gd name="connsiteY52" fmla="*/ 1253066 h 1275644"/>
+                <a:gd name="connsiteX53" fmla="*/ 1072444 w 1873955"/>
+                <a:gd name="connsiteY53" fmla="*/ 1275644 h 1275644"/>
+                <a:gd name="connsiteX54" fmla="*/ 993422 w 1873955"/>
+                <a:gd name="connsiteY54" fmla="*/ 1264355 h 1275644"/>
+                <a:gd name="connsiteX55" fmla="*/ 959555 w 1873955"/>
+                <a:gd name="connsiteY55" fmla="*/ 1253066 h 1275644"/>
+                <a:gd name="connsiteX56" fmla="*/ 936978 w 1873955"/>
+                <a:gd name="connsiteY56" fmla="*/ 1219200 h 1275644"/>
+                <a:gd name="connsiteX57" fmla="*/ 925689 w 1873955"/>
+                <a:gd name="connsiteY57" fmla="*/ 1185333 h 1275644"/>
+                <a:gd name="connsiteX58" fmla="*/ 925689 w 1873955"/>
+                <a:gd name="connsiteY58" fmla="*/ 1004711 h 1275644"/>
+                <a:gd name="connsiteX59" fmla="*/ 959555 w 1873955"/>
+                <a:gd name="connsiteY59" fmla="*/ 993422 h 1275644"/>
+                <a:gd name="connsiteX60" fmla="*/ 1286933 w 1873955"/>
+                <a:gd name="connsiteY60" fmla="*/ 1004711 h 1275644"/>
+                <a:gd name="connsiteX61" fmla="*/ 1354666 w 1873955"/>
+                <a:gd name="connsiteY61" fmla="*/ 1038577 h 1275644"/>
+                <a:gd name="connsiteX62" fmla="*/ 1388533 w 1873955"/>
+                <a:gd name="connsiteY62" fmla="*/ 1049866 h 1275644"/>
+                <a:gd name="connsiteX63" fmla="*/ 1399822 w 1873955"/>
+                <a:gd name="connsiteY63" fmla="*/ 1083733 h 1275644"/>
+                <a:gd name="connsiteX64" fmla="*/ 1467555 w 1873955"/>
+                <a:gd name="connsiteY64" fmla="*/ 1106311 h 1275644"/>
+                <a:gd name="connsiteX65" fmla="*/ 1524000 w 1873955"/>
+                <a:gd name="connsiteY65" fmla="*/ 1162755 h 1275644"/>
+                <a:gd name="connsiteX66" fmla="*/ 1591733 w 1873955"/>
+                <a:gd name="connsiteY66" fmla="*/ 1185333 h 1275644"/>
+                <a:gd name="connsiteX67" fmla="*/ 1659466 w 1873955"/>
+                <a:gd name="connsiteY67" fmla="*/ 1174044 h 1275644"/>
+                <a:gd name="connsiteX68" fmla="*/ 1693333 w 1873955"/>
+                <a:gd name="connsiteY68" fmla="*/ 1151466 h 1275644"/>
+              </a:gdLst>
+              <a:ahLst/>
+              <a:cxnLst>
+                <a:cxn ang="0">
+                  <a:pos x="connsiteX0" y="connsiteY0"/>
+                </a:cxn>
+                <a:cxn ang="0">
+                  <a:pos x="connsiteX1" y="connsiteY1"/>
+                </a:cxn>
+                <a:cxn ang="0">
+                  <a:pos x="connsiteX2" y="connsiteY2"/>
+                </a:cxn>
+                <a:cxn ang="0">
+                  <a:pos x="connsiteX3" y="connsiteY3"/>
+                </a:cxn>
+                <a:cxn ang="0">
+                  <a:pos x="connsiteX4" y="connsiteY4"/>
+                </a:cxn>
+                <a:cxn ang="0">
+                  <a:pos x="connsiteX5" y="connsiteY5"/>
+                </a:cxn>
+                <a:cxn ang="0">
+                  <a:pos x="connsiteX6" y="connsiteY6"/>
+                </a:cxn>
+                <a:cxn ang="0">
+                  <a:pos x="connsiteX7" y="connsiteY7"/>
+                </a:cxn>
+                <a:cxn ang="0">
+                  <a:pos x="connsiteX8" y="connsiteY8"/>
+                </a:cxn>
+                <a:cxn ang="0">
+                  <a:pos x="connsiteX9" y="connsiteY9"/>
+                </a:cxn>
+                <a:cxn ang="0">
+                  <a:pos x="connsiteX10" y="connsiteY10"/>
+                </a:cxn>
+                <a:cxn ang="0">
+                  <a:pos x="connsiteX11" y="connsiteY11"/>
+                </a:cxn>
+                <a:cxn ang="0">
+                  <a:pos x="connsiteX12" y="connsiteY12"/>
+                </a:cxn>
+                <a:cxn ang="0">
+                  <a:pos x="connsiteX13" y="connsiteY13"/>
+                </a:cxn>
+                <a:cxn ang="0">
+                  <a:pos x="connsiteX14" y="connsiteY14"/>
+                </a:cxn>
+                <a:cxn ang="0">
+                  <a:pos x="connsiteX15" y="connsiteY15"/>
+                </a:cxn>
+                <a:cxn ang="0">
+                  <a:pos x="connsiteX16" y="connsiteY16"/>
+                </a:cxn>
+                <a:cxn ang="0">
+                  <a:pos x="connsiteX17" y="connsiteY17"/>
+                </a:cxn>
+                <a:cxn ang="0">
+                  <a:pos x="connsiteX18" y="connsiteY18"/>
+                </a:cxn>
+                <a:cxn ang="0">
+                  <a:pos x="connsiteX19" y="connsiteY19"/>
+                </a:cxn>
+                <a:cxn ang="0">
+                  <a:pos x="connsiteX20" y="connsiteY20"/>
+                </a:cxn>
+                <a:cxn ang="0">
+                  <a:pos x="connsiteX21" y="connsiteY21"/>
+                </a:cxn>
+                <a:cxn ang="0">
+                  <a:pos x="connsiteX22" y="connsiteY22"/>
+                </a:cxn>
+                <a:cxn ang="0">
+                  <a:pos x="connsiteX23" y="connsiteY23"/>
+                </a:cxn>
+                <a:cxn ang="0">
+                  <a:pos x="connsiteX24" y="connsiteY24"/>
+                </a:cxn>
+                <a:cxn ang="0">
+                  <a:pos x="connsiteX25" y="connsiteY25"/>
+                </a:cxn>
+                <a:cxn ang="0">
+                  <a:pos x="connsiteX26" y="connsiteY26"/>
+                </a:cxn>
+                <a:cxn ang="0">
+                  <a:pos x="connsiteX27" y="connsiteY27"/>
+                </a:cxn>
+                <a:cxn ang="0">
+                  <a:pos x="connsiteX28" y="connsiteY28"/>
+                </a:cxn>
+                <a:cxn ang="0">
+                  <a:pos x="connsiteX29" y="connsiteY29"/>
+                </a:cxn>
+                <a:cxn ang="0">
+                  <a:pos x="connsiteX30" y="connsiteY30"/>
+                </a:cxn>
+                <a:cxn ang="0">
+                  <a:pos x="connsiteX31" y="connsiteY31"/>
+                </a:cxn>
+                <a:cxn ang="0">
+                  <a:pos x="connsiteX32" y="connsiteY32"/>
+                </a:cxn>
+                <a:cxn ang="0">
+                  <a:pos x="connsiteX33" y="connsiteY33"/>
+                </a:cxn>
+                <a:cxn ang="0">
+                  <a:pos x="connsiteX34" y="connsiteY34"/>
+                </a:cxn>
+                <a:cxn ang="0">
+                  <a:pos x="connsiteX35" y="connsiteY35"/>
+                </a:cxn>
+                <a:cxn ang="0">
+                  <a:pos x="connsiteX36" y="connsiteY36"/>
+                </a:cxn>
+                <a:cxn ang="0">
+                  <a:pos x="connsiteX37" y="connsiteY37"/>
+                </a:cxn>
+                <a:cxn ang="0">
+                  <a:pos x="connsiteX38" y="connsiteY38"/>
+                </a:cxn>
+                <a:cxn ang="0">
+                  <a:pos x="connsiteX39" y="connsiteY39"/>
+                </a:cxn>
+                <a:cxn ang="0">
+                  <a:pos x="connsiteX40" y="connsiteY40"/>
+                </a:cxn>
+                <a:cxn ang="0">
+                  <a:pos x="connsiteX41" y="connsiteY41"/>
+                </a:cxn>
+                <a:cxn ang="0">
+                  <a:pos x="connsiteX42" y="connsiteY42"/>
+                </a:cxn>
+                <a:cxn ang="0">
+                  <a:pos x="connsiteX43" y="connsiteY43"/>
+                </a:cxn>
+                <a:cxn ang="0">
+                  <a:pos x="connsiteX44" y="connsiteY44"/>
+                </a:cxn>
+                <a:cxn ang="0">
+                  <a:pos x="connsiteX45" y="connsiteY45"/>
+                </a:cxn>
+                <a:cxn ang="0">
+                  <a:pos x="connsiteX46" y="connsiteY46"/>
+                </a:cxn>
+                <a:cxn ang="0">
+                  <a:pos x="connsiteX47" y="connsiteY47"/>
+                </a:cxn>
+                <a:cxn ang="0">
+                  <a:pos x="connsiteX48" y="connsiteY48"/>
+                </a:cxn>
+                <a:cxn ang="0">
+                  <a:pos x="connsiteX49" y="connsiteY49"/>
+                </a:cxn>
+                <a:cxn ang="0">
+                  <a:pos x="connsiteX50" y="connsiteY50"/>
+                </a:cxn>
+                <a:cxn ang="0">
+                  <a:pos x="connsiteX51" y="connsiteY51"/>
+                </a:cxn>
+                <a:cxn ang="0">
+                  <a:pos x="connsiteX52" y="connsiteY52"/>
+                </a:cxn>
+                <a:cxn ang="0">
+                  <a:pos x="connsiteX53" y="connsiteY53"/>
+                </a:cxn>
+                <a:cxn ang="0">
+                  <a:pos x="connsiteX54" y="connsiteY54"/>
+                </a:cxn>
+                <a:cxn ang="0">
+                  <a:pos x="connsiteX55" y="connsiteY55"/>
+                </a:cxn>
+                <a:cxn ang="0">
+                  <a:pos x="connsiteX56" y="connsiteY56"/>
+                </a:cxn>
+                <a:cxn ang="0">
+                  <a:pos x="connsiteX57" y="connsiteY57"/>
+                </a:cxn>
+                <a:cxn ang="0">
+                  <a:pos x="connsiteX58" y="connsiteY58"/>
+                </a:cxn>
+                <a:cxn ang="0">
+                  <a:pos x="connsiteX59" y="connsiteY59"/>
+                </a:cxn>
+                <a:cxn ang="0">
+                  <a:pos x="connsiteX60" y="connsiteY60"/>
+                </a:cxn>
+                <a:cxn ang="0">
+                  <a:pos x="connsiteX61" y="connsiteY61"/>
+                </a:cxn>
+                <a:cxn ang="0">
+                  <a:pos x="connsiteX62" y="connsiteY62"/>
+                </a:cxn>
+                <a:cxn ang="0">
+                  <a:pos x="connsiteX63" y="connsiteY63"/>
+                </a:cxn>
+                <a:cxn ang="0">
+                  <a:pos x="connsiteX64" y="connsiteY64"/>
+                </a:cxn>
+                <a:cxn ang="0">
+                  <a:pos x="connsiteX65" y="connsiteY65"/>
+                </a:cxn>
+                <a:cxn ang="0">
+                  <a:pos x="connsiteX66" y="connsiteY66"/>
+                </a:cxn>
+                <a:cxn ang="0">
+                  <a:pos x="connsiteX67" y="connsiteY67"/>
+                </a:cxn>
+                <a:cxn ang="0">
+                  <a:pos x="connsiteX68" y="connsiteY68"/>
+                </a:cxn>
+              </a:cxnLst>
+              <a:rect l="l" t="t" r="r" b="b"/>
+              <a:pathLst>
+                <a:path w="1873955" h="1275644">
+                  <a:moveTo>
+                    <a:pt x="0" y="0"/>
+                  </a:moveTo>
+                  <a:cubicBezTo>
+                    <a:pt x="30104" y="30104"/>
+                    <a:pt x="52233" y="71271"/>
+                    <a:pt x="90311" y="90311"/>
+                  </a:cubicBezTo>
+                  <a:cubicBezTo>
+                    <a:pt x="155184" y="122748"/>
+                    <a:pt x="171970" y="129698"/>
+                    <a:pt x="248355" y="180622"/>
+                  </a:cubicBezTo>
+                  <a:cubicBezTo>
+                    <a:pt x="259644" y="188148"/>
+                    <a:pt x="271799" y="194514"/>
+                    <a:pt x="282222" y="203200"/>
+                  </a:cubicBezTo>
+                  <a:cubicBezTo>
+                    <a:pt x="294487" y="213420"/>
+                    <a:pt x="302805" y="228210"/>
+                    <a:pt x="316089" y="237066"/>
+                  </a:cubicBezTo>
+                  <a:cubicBezTo>
+                    <a:pt x="325990" y="243667"/>
+                    <a:pt x="339312" y="243033"/>
+                    <a:pt x="349955" y="248355"/>
+                  </a:cubicBezTo>
+                  <a:cubicBezTo>
+                    <a:pt x="362090" y="254423"/>
+                    <a:pt x="371351" y="265588"/>
+                    <a:pt x="383822" y="270933"/>
+                  </a:cubicBezTo>
+                  <a:cubicBezTo>
+                    <a:pt x="434461" y="292635"/>
+                    <a:pt x="418907" y="271542"/>
+                    <a:pt x="462844" y="293511"/>
+                  </a:cubicBezTo>
+                  <a:cubicBezTo>
+                    <a:pt x="474979" y="299579"/>
+                    <a:pt x="485422" y="308563"/>
+                    <a:pt x="496711" y="316089"/>
+                  </a:cubicBezTo>
+                  <a:cubicBezTo>
+                    <a:pt x="500474" y="327378"/>
+                    <a:pt x="498317" y="343039"/>
+                    <a:pt x="508000" y="349955"/>
+                  </a:cubicBezTo>
+                  <a:cubicBezTo>
+                    <a:pt x="527366" y="363788"/>
+                    <a:pt x="575733" y="372533"/>
+                    <a:pt x="575733" y="372533"/>
+                  </a:cubicBezTo>
+                  <a:cubicBezTo>
+                    <a:pt x="723313" y="483218"/>
+                    <a:pt x="544422" y="341222"/>
+                    <a:pt x="643466" y="440266"/>
+                  </a:cubicBezTo>
+                  <a:cubicBezTo>
+                    <a:pt x="653060" y="449860"/>
+                    <a:pt x="666293" y="454958"/>
+                    <a:pt x="677333" y="462844"/>
+                  </a:cubicBezTo>
+                  <a:cubicBezTo>
+                    <a:pt x="692643" y="473780"/>
+                    <a:pt x="707179" y="485775"/>
+                    <a:pt x="722489" y="496711"/>
+                  </a:cubicBezTo>
+                  <a:cubicBezTo>
+                    <a:pt x="733529" y="504597"/>
+                    <a:pt x="745932" y="510603"/>
+                    <a:pt x="756355" y="519289"/>
+                  </a:cubicBezTo>
+                  <a:cubicBezTo>
+                    <a:pt x="867312" y="611753"/>
+                    <a:pt x="724005" y="498225"/>
+                    <a:pt x="812800" y="587022"/>
+                  </a:cubicBezTo>
+                  <a:cubicBezTo>
+                    <a:pt x="839918" y="614140"/>
+                    <a:pt x="848398" y="607117"/>
+                    <a:pt x="880533" y="620889"/>
+                  </a:cubicBezTo>
+                  <a:cubicBezTo>
+                    <a:pt x="978186" y="662739"/>
+                    <a:pt x="880130" y="628279"/>
+                    <a:pt x="959555" y="654755"/>
+                  </a:cubicBezTo>
+                  <a:cubicBezTo>
+                    <a:pt x="963318" y="666044"/>
+                    <a:pt x="962430" y="680208"/>
+                    <a:pt x="970844" y="688622"/>
+                  </a:cubicBezTo>
+                  <a:cubicBezTo>
+                    <a:pt x="979258" y="697036"/>
+                    <a:pt x="994068" y="694589"/>
+                    <a:pt x="1004711" y="699911"/>
+                  </a:cubicBezTo>
+                  <a:cubicBezTo>
+                    <a:pt x="1082226" y="738668"/>
+                    <a:pt x="986125" y="711999"/>
+                    <a:pt x="1095022" y="733777"/>
+                  </a:cubicBezTo>
+                  <a:cubicBezTo>
+                    <a:pt x="1110074" y="741303"/>
+                    <a:pt x="1126484" y="746573"/>
+                    <a:pt x="1140178" y="756355"/>
+                  </a:cubicBezTo>
+                  <a:cubicBezTo>
+                    <a:pt x="1153169" y="765634"/>
+                    <a:pt x="1160575" y="781651"/>
+                    <a:pt x="1174044" y="790222"/>
+                  </a:cubicBezTo>
+                  <a:cubicBezTo>
+                    <a:pt x="1199228" y="806248"/>
+                    <a:pt x="1259215" y="836914"/>
+                    <a:pt x="1298222" y="846666"/>
+                  </a:cubicBezTo>
+                  <a:cubicBezTo>
+                    <a:pt x="1316836" y="851320"/>
+                    <a:pt x="1335970" y="853641"/>
+                    <a:pt x="1354666" y="857955"/>
+                  </a:cubicBezTo>
+                  <a:cubicBezTo>
+                    <a:pt x="1384902" y="864933"/>
+                    <a:pt x="1444978" y="880533"/>
+                    <a:pt x="1444978" y="880533"/>
+                  </a:cubicBezTo>
+                  <a:cubicBezTo>
+                    <a:pt x="1520237" y="876770"/>
+                    <a:pt x="1595685" y="875772"/>
+                    <a:pt x="1670755" y="869244"/>
+                  </a:cubicBezTo>
+                  <a:cubicBezTo>
+                    <a:pt x="1682610" y="868213"/>
+                    <a:pt x="1694220" y="863734"/>
+                    <a:pt x="1704622" y="857955"/>
+                  </a:cubicBezTo>
+                  <a:cubicBezTo>
+                    <a:pt x="1728342" y="844777"/>
+                    <a:pt x="1749777" y="827852"/>
+                    <a:pt x="1772355" y="812800"/>
+                  </a:cubicBezTo>
+                  <a:lnTo>
+                    <a:pt x="1806222" y="790222"/>
+                  </a:lnTo>
+                  <a:cubicBezTo>
+                    <a:pt x="1839859" y="739767"/>
+                    <a:pt x="1850744" y="736313"/>
+                    <a:pt x="1862666" y="688622"/>
+                  </a:cubicBezTo>
+                  <a:cubicBezTo>
+                    <a:pt x="1867319" y="670007"/>
+                    <a:pt x="1870192" y="650992"/>
+                    <a:pt x="1873955" y="632177"/>
+                  </a:cubicBezTo>
+                  <a:cubicBezTo>
+                    <a:pt x="1870192" y="549392"/>
+                    <a:pt x="1869274" y="466429"/>
+                    <a:pt x="1862666" y="383822"/>
+                  </a:cubicBezTo>
+                  <a:cubicBezTo>
+                    <a:pt x="1860487" y="356588"/>
+                    <a:pt x="1817640" y="286028"/>
+                    <a:pt x="1806222" y="282222"/>
+                  </a:cubicBezTo>
+                  <a:lnTo>
+                    <a:pt x="1772355" y="270933"/>
+                  </a:lnTo>
+                  <a:cubicBezTo>
+                    <a:pt x="1761066" y="263407"/>
+                    <a:pt x="1750624" y="254423"/>
+                    <a:pt x="1738489" y="248355"/>
+                  </a:cubicBezTo>
+                  <a:cubicBezTo>
+                    <a:pt x="1695054" y="226637"/>
+                    <a:pt x="1612167" y="228661"/>
+                    <a:pt x="1580444" y="225777"/>
+                  </a:cubicBezTo>
+                  <a:cubicBezTo>
+                    <a:pt x="1512711" y="233303"/>
+                    <a:pt x="1443359" y="231826"/>
+                    <a:pt x="1377244" y="248355"/>
+                  </a:cubicBezTo>
+                  <a:cubicBezTo>
+                    <a:pt x="1261119" y="277386"/>
+                    <a:pt x="1317651" y="266545"/>
+                    <a:pt x="1207911" y="282222"/>
+                  </a:cubicBezTo>
+                  <a:cubicBezTo>
+                    <a:pt x="1196622" y="289748"/>
+                    <a:pt x="1183638" y="295206"/>
+                    <a:pt x="1174044" y="304800"/>
+                  </a:cubicBezTo>
+                  <a:cubicBezTo>
+                    <a:pt x="1164450" y="314394"/>
+                    <a:pt x="1162060" y="330191"/>
+                    <a:pt x="1151466" y="338666"/>
+                  </a:cubicBezTo>
+                  <a:cubicBezTo>
+                    <a:pt x="1142174" y="346099"/>
+                    <a:pt x="1128002" y="344176"/>
+                    <a:pt x="1117600" y="349955"/>
+                  </a:cubicBezTo>
+                  <a:cubicBezTo>
+                    <a:pt x="1093879" y="363133"/>
+                    <a:pt x="1049866" y="395111"/>
+                    <a:pt x="1049866" y="395111"/>
+                  </a:cubicBezTo>
+                  <a:cubicBezTo>
+                    <a:pt x="1012525" y="507142"/>
+                    <a:pt x="1075174" y="336012"/>
+                    <a:pt x="1004711" y="462844"/>
+                  </a:cubicBezTo>
+                  <a:cubicBezTo>
+                    <a:pt x="993153" y="483648"/>
+                    <a:pt x="982133" y="530577"/>
+                    <a:pt x="982133" y="530577"/>
+                  </a:cubicBezTo>
+                  <a:cubicBezTo>
+                    <a:pt x="960390" y="726258"/>
+                    <a:pt x="945202" y="765708"/>
+                    <a:pt x="970844" y="970844"/>
+                  </a:cubicBezTo>
+                  <a:cubicBezTo>
+                    <a:pt x="972527" y="984307"/>
+                    <a:pt x="981917" y="997520"/>
+                    <a:pt x="993422" y="1004711"/>
+                  </a:cubicBezTo>
+                  <a:cubicBezTo>
+                    <a:pt x="1013603" y="1017325"/>
+                    <a:pt x="1061155" y="1027289"/>
+                    <a:pt x="1061155" y="1027289"/>
+                  </a:cubicBezTo>
+                  <a:cubicBezTo>
+                    <a:pt x="1068681" y="1038578"/>
+                    <a:pt x="1073139" y="1052680"/>
+                    <a:pt x="1083733" y="1061155"/>
+                  </a:cubicBezTo>
+                  <a:cubicBezTo>
+                    <a:pt x="1093025" y="1068589"/>
+                    <a:pt x="1109186" y="1064030"/>
+                    <a:pt x="1117600" y="1072444"/>
+                  </a:cubicBezTo>
+                  <a:cubicBezTo>
+                    <a:pt x="1126014" y="1080858"/>
+                    <a:pt x="1124202" y="1095373"/>
+                    <a:pt x="1128889" y="1106311"/>
+                  </a:cubicBezTo>
+                  <a:cubicBezTo>
+                    <a:pt x="1135518" y="1121779"/>
+                    <a:pt x="1143940" y="1136414"/>
+                    <a:pt x="1151466" y="1151466"/>
+                  </a:cubicBezTo>
+                  <a:cubicBezTo>
+                    <a:pt x="1147703" y="1185333"/>
+                    <a:pt x="1158472" y="1224318"/>
+                    <a:pt x="1140178" y="1253066"/>
+                  </a:cubicBezTo>
+                  <a:cubicBezTo>
+                    <a:pt x="1127401" y="1273145"/>
+                    <a:pt x="1072444" y="1275644"/>
+                    <a:pt x="1072444" y="1275644"/>
+                  </a:cubicBezTo>
+                  <a:cubicBezTo>
+                    <a:pt x="1046103" y="1271881"/>
+                    <a:pt x="1019513" y="1269573"/>
+                    <a:pt x="993422" y="1264355"/>
+                  </a:cubicBezTo>
+                  <a:cubicBezTo>
+                    <a:pt x="981753" y="1262021"/>
+                    <a:pt x="968847" y="1260500"/>
+                    <a:pt x="959555" y="1253066"/>
+                  </a:cubicBezTo>
+                  <a:cubicBezTo>
+                    <a:pt x="948961" y="1244591"/>
+                    <a:pt x="943045" y="1231335"/>
+                    <a:pt x="936978" y="1219200"/>
+                  </a:cubicBezTo>
+                  <a:cubicBezTo>
+                    <a:pt x="931656" y="1208557"/>
+                    <a:pt x="929452" y="1196622"/>
+                    <a:pt x="925689" y="1185333"/>
+                  </a:cubicBezTo>
+                  <a:cubicBezTo>
+                    <a:pt x="917182" y="1125787"/>
+                    <a:pt x="901727" y="1064616"/>
+                    <a:pt x="925689" y="1004711"/>
+                  </a:cubicBezTo>
+                  <a:cubicBezTo>
+                    <a:pt x="930108" y="993663"/>
+                    <a:pt x="948266" y="997185"/>
+                    <a:pt x="959555" y="993422"/>
+                  </a:cubicBezTo>
+                  <a:cubicBezTo>
+                    <a:pt x="1068681" y="997185"/>
+                    <a:pt x="1177955" y="997900"/>
+                    <a:pt x="1286933" y="1004711"/>
+                  </a:cubicBezTo>
+                  <a:cubicBezTo>
+                    <a:pt x="1319361" y="1006738"/>
+                    <a:pt x="1327214" y="1024851"/>
+                    <a:pt x="1354666" y="1038577"/>
+                  </a:cubicBezTo>
+                  <a:cubicBezTo>
+                    <a:pt x="1365309" y="1043899"/>
+                    <a:pt x="1377244" y="1046103"/>
+                    <a:pt x="1388533" y="1049866"/>
+                  </a:cubicBezTo>
+                  <a:cubicBezTo>
+                    <a:pt x="1392296" y="1061155"/>
+                    <a:pt x="1390139" y="1076816"/>
+                    <a:pt x="1399822" y="1083733"/>
+                  </a:cubicBezTo>
+                  <a:cubicBezTo>
+                    <a:pt x="1419188" y="1097566"/>
+                    <a:pt x="1467555" y="1106311"/>
+                    <a:pt x="1467555" y="1106311"/>
+                  </a:cubicBezTo>
+                  <a:cubicBezTo>
+                    <a:pt x="1488153" y="1137207"/>
+                    <a:pt x="1488351" y="1146911"/>
+                    <a:pt x="1524000" y="1162755"/>
+                  </a:cubicBezTo>
+                  <a:cubicBezTo>
+                    <a:pt x="1545748" y="1172421"/>
+                    <a:pt x="1591733" y="1185333"/>
+                    <a:pt x="1591733" y="1185333"/>
+                  </a:cubicBezTo>
+                  <a:cubicBezTo>
+                    <a:pt x="1614311" y="1181570"/>
+                    <a:pt x="1637752" y="1181282"/>
+                    <a:pt x="1659466" y="1174044"/>
+                  </a:cubicBezTo>
+                  <a:cubicBezTo>
+                    <a:pt x="1672337" y="1169753"/>
+                    <a:pt x="1693333" y="1151466"/>
+                    <a:pt x="1693333" y="1151466"/>
+                  </a:cubicBezTo>
+                </a:path>
+              </a:pathLst>
+            </a:custGeom>
+            <a:noFill/>
+            <a:ln w="47625"/>
+          </p:spPr>
+          <p:style>
+            <a:lnRef idx="2">
+              <a:schemeClr val="accent1">
+                <a:shade val="50000"/>
+              </a:schemeClr>
+            </a:lnRef>
+            <a:fillRef idx="1">
+              <a:schemeClr val="accent1"/>
+            </a:fillRef>
+            <a:effectRef idx="0">
+              <a:schemeClr val="accent1"/>
+            </a:effectRef>
+            <a:fontRef idx="minor">
+              <a:schemeClr val="lt1"/>
+            </a:fontRef>
+          </p:style>
+          <p:txBody>
+            <a:bodyPr rtlCol="0" anchor="ctr"/>
+            <a:lstStyle/>
+            <a:p>
+              <a:pPr algn="ctr"/>
+              <a:endParaRPr lang="en-US"/>
+            </a:p>
+          </p:txBody>
+        </p:sp>
+        <p:sp>
+          <p:nvSpPr>
+            <p:cNvPr id="17" name="Freeform 16"/>
+            <p:cNvSpPr/>
+            <p:nvPr/>
+          </p:nvSpPr>
+          <p:spPr>
+            <a:xfrm>
+              <a:off x="5508978" y="4334933"/>
+              <a:ext cx="891822" cy="1885245"/>
+            </a:xfrm>
+            <a:custGeom>
+              <a:avLst/>
+              <a:gdLst>
+                <a:gd name="connsiteX0" fmla="*/ 0 w 891822"/>
+                <a:gd name="connsiteY0" fmla="*/ 0 h 1885245"/>
+                <a:gd name="connsiteX1" fmla="*/ 293511 w 891822"/>
+                <a:gd name="connsiteY1" fmla="*/ 90311 h 1885245"/>
+                <a:gd name="connsiteX2" fmla="*/ 846666 w 891822"/>
+                <a:gd name="connsiteY2" fmla="*/ 519289 h 1885245"/>
+                <a:gd name="connsiteX3" fmla="*/ 891822 w 891822"/>
+                <a:gd name="connsiteY3" fmla="*/ 1885245 h 1885245"/>
+                <a:gd name="connsiteX4" fmla="*/ 45155 w 891822"/>
+                <a:gd name="connsiteY4" fmla="*/ 1851378 h 1885245"/>
+                <a:gd name="connsiteX5" fmla="*/ 0 w 891822"/>
+                <a:gd name="connsiteY5" fmla="*/ 0 h 1885245"/>
+              </a:gdLst>
+              <a:ahLst/>
+              <a:cxnLst>
+                <a:cxn ang="0">
+                  <a:pos x="connsiteX0" y="connsiteY0"/>
+                </a:cxn>
+                <a:cxn ang="0">
+                  <a:pos x="connsiteX1" y="connsiteY1"/>
+                </a:cxn>
+                <a:cxn ang="0">
+                  <a:pos x="connsiteX2" y="connsiteY2"/>
+                </a:cxn>
+                <a:cxn ang="0">
+                  <a:pos x="connsiteX3" y="connsiteY3"/>
+                </a:cxn>
+                <a:cxn ang="0">
+                  <a:pos x="connsiteX4" y="connsiteY4"/>
+                </a:cxn>
+                <a:cxn ang="0">
+                  <a:pos x="connsiteX5" y="connsiteY5"/>
+                </a:cxn>
+              </a:cxnLst>
+              <a:rect l="l" t="t" r="r" b="b"/>
+              <a:pathLst>
+                <a:path w="891822" h="1885245">
+                  <a:moveTo>
+                    <a:pt x="0" y="0"/>
+                  </a:moveTo>
+                  <a:lnTo>
+                    <a:pt x="293511" y="90311"/>
+                  </a:lnTo>
+                  <a:lnTo>
+                    <a:pt x="846666" y="519289"/>
+                  </a:lnTo>
+                  <a:lnTo>
+                    <a:pt x="891822" y="1885245"/>
+                  </a:lnTo>
+                  <a:lnTo>
+                    <a:pt x="45155" y="1851378"/>
+                  </a:lnTo>
+                  <a:lnTo>
+                    <a:pt x="0" y="0"/>
+                  </a:lnTo>
+                  <a:close/>
+                </a:path>
+              </a:pathLst>
+            </a:custGeom>
+            <a:solidFill>
+              <a:schemeClr val="accent2">
+                <a:alpha val="65000"/>
+              </a:schemeClr>
+            </a:solidFill>
+          </p:spPr>
+          <p:style>
+            <a:lnRef idx="2">
+              <a:schemeClr val="accent1">
+                <a:shade val="50000"/>
+              </a:schemeClr>
+            </a:lnRef>
+            <a:fillRef idx="1">
+              <a:schemeClr val="accent1"/>
+            </a:fillRef>
+            <a:effectRef idx="0">
+              <a:schemeClr val="accent1"/>
+            </a:effectRef>
+            <a:fontRef idx="minor">
+              <a:schemeClr val="lt1"/>
+            </a:fontRef>
+          </p:style>
+          <p:txBody>
+            <a:bodyPr rtlCol="0" anchor="ctr"/>
+            <a:lstStyle/>
+            <a:p>
+              <a:pPr algn="ctr"/>
+              <a:r>
+                <a:rPr lang="en-US" sz="4000" dirty="0" smtClean="0">
+                  <a:solidFill>
+                    <a:schemeClr val="tx1"/>
+                  </a:solidFill>
+                </a:rPr>
+                <a:t>D1</a:t>
+              </a:r>
+              <a:endParaRPr lang="en-US" sz="4000" dirty="0">
+                <a:solidFill>
+                  <a:schemeClr val="tx1"/>
+                </a:solidFill>
+              </a:endParaRPr>
+            </a:p>
+          </p:txBody>
+        </p:sp>
+        <p:sp>
+          <p:nvSpPr>
+            <p:cNvPr id="18" name="Freeform 17"/>
+            <p:cNvSpPr/>
+            <p:nvPr/>
+          </p:nvSpPr>
+          <p:spPr>
+            <a:xfrm>
+              <a:off x="6389511" y="4809067"/>
+              <a:ext cx="2404532" cy="1399822"/>
+            </a:xfrm>
+            <a:custGeom>
+              <a:avLst/>
+              <a:gdLst>
+                <a:gd name="connsiteX0" fmla="*/ 0 w 2336800"/>
+                <a:gd name="connsiteY0" fmla="*/ 56444 h 1399822"/>
+                <a:gd name="connsiteX1" fmla="*/ 22578 w 2336800"/>
+                <a:gd name="connsiteY1" fmla="*/ 1388533 h 1399822"/>
+                <a:gd name="connsiteX2" fmla="*/ 2336800 w 2336800"/>
+                <a:gd name="connsiteY2" fmla="*/ 1399822 h 1399822"/>
+                <a:gd name="connsiteX3" fmla="*/ 2291645 w 2336800"/>
+                <a:gd name="connsiteY3" fmla="*/ 0 h 1399822"/>
+                <a:gd name="connsiteX4" fmla="*/ 2167467 w 2336800"/>
+                <a:gd name="connsiteY4" fmla="*/ 22577 h 1399822"/>
+                <a:gd name="connsiteX5" fmla="*/ 1704622 w 2336800"/>
+                <a:gd name="connsiteY5" fmla="*/ 383822 h 1399822"/>
+                <a:gd name="connsiteX6" fmla="*/ 1298222 w 2336800"/>
+                <a:gd name="connsiteY6" fmla="*/ 711200 h 1399822"/>
+                <a:gd name="connsiteX7" fmla="*/ 1016000 w 2336800"/>
+                <a:gd name="connsiteY7" fmla="*/ 835377 h 1399822"/>
+                <a:gd name="connsiteX8" fmla="*/ 643467 w 2336800"/>
+                <a:gd name="connsiteY8" fmla="*/ 699911 h 1399822"/>
+                <a:gd name="connsiteX9" fmla="*/ 0 w 2336800"/>
+                <a:gd name="connsiteY9" fmla="*/ 56444 h 1399822"/>
+              </a:gdLst>
+              <a:ahLst/>
+              <a:cxnLst>
+                <a:cxn ang="0">
+                  <a:pos x="connsiteX0" y="connsiteY0"/>
+                </a:cxn>
+                <a:cxn ang="0">
+                  <a:pos x="connsiteX1" y="connsiteY1"/>
+                </a:cxn>
+                <a:cxn ang="0">
+                  <a:pos x="connsiteX2" y="connsiteY2"/>
+                </a:cxn>
+                <a:cxn ang="0">
+                  <a:pos x="connsiteX3" y="connsiteY3"/>
+                </a:cxn>
+                <a:cxn ang="0">
+                  <a:pos x="connsiteX4" y="connsiteY4"/>
+                </a:cxn>
+                <a:cxn ang="0">
+                  <a:pos x="connsiteX5" y="connsiteY5"/>
+                </a:cxn>
+                <a:cxn ang="0">
+                  <a:pos x="connsiteX6" y="connsiteY6"/>
+                </a:cxn>
+                <a:cxn ang="0">
+                  <a:pos x="connsiteX7" y="connsiteY7"/>
+                </a:cxn>
+                <a:cxn ang="0">
+                  <a:pos x="connsiteX8" y="connsiteY8"/>
+                </a:cxn>
+                <a:cxn ang="0">
+                  <a:pos x="connsiteX9" y="connsiteY9"/>
+                </a:cxn>
+              </a:cxnLst>
+              <a:rect l="l" t="t" r="r" b="b"/>
+              <a:pathLst>
+                <a:path w="2336800" h="1399822">
+                  <a:moveTo>
+                    <a:pt x="0" y="56444"/>
+                  </a:moveTo>
+                  <a:lnTo>
+                    <a:pt x="22578" y="1388533"/>
+                  </a:lnTo>
+                  <a:lnTo>
+                    <a:pt x="2336800" y="1399822"/>
+                  </a:lnTo>
+                  <a:lnTo>
+                    <a:pt x="2291645" y="0"/>
+                  </a:lnTo>
+                  <a:lnTo>
+                    <a:pt x="2167467" y="22577"/>
+                  </a:lnTo>
+                  <a:lnTo>
+                    <a:pt x="1704622" y="383822"/>
+                  </a:lnTo>
+                  <a:lnTo>
+                    <a:pt x="1298222" y="711200"/>
+                  </a:lnTo>
+                  <a:lnTo>
+                    <a:pt x="1016000" y="835377"/>
+                  </a:lnTo>
+                  <a:lnTo>
+                    <a:pt x="643467" y="699911"/>
+                  </a:lnTo>
+                  <a:lnTo>
+                    <a:pt x="0" y="56444"/>
+                  </a:lnTo>
+                  <a:close/>
+                </a:path>
+              </a:pathLst>
+            </a:custGeom>
+            <a:solidFill>
+              <a:schemeClr val="accent4">
+                <a:alpha val="40000"/>
+              </a:schemeClr>
+            </a:solidFill>
+          </p:spPr>
+          <p:style>
+            <a:lnRef idx="2">
+              <a:schemeClr val="accent1">
+                <a:shade val="50000"/>
+              </a:schemeClr>
+            </a:lnRef>
+            <a:fillRef idx="1">
+              <a:schemeClr val="accent1"/>
+            </a:fillRef>
+            <a:effectRef idx="0">
+              <a:schemeClr val="accent1"/>
+            </a:effectRef>
+            <a:fontRef idx="minor">
+              <a:schemeClr val="lt1"/>
+            </a:fontRef>
+          </p:style>
+          <p:txBody>
+            <a:bodyPr rtlCol="0" anchor="ctr"/>
+            <a:lstStyle/>
+            <a:p>
+              <a:pPr algn="ctr"/>
+              <a:r>
+                <a:rPr lang="en-US" dirty="0" smtClean="0"/>
+                <a:t/>
+              </a:r>
+              <a:br>
+                <a:rPr lang="en-US" dirty="0" smtClean="0"/>
+              </a:br>
+              <a:r>
+                <a:rPr lang="en-US" dirty="0" smtClean="0"/>
+                <a:t/>
+              </a:r>
+              <a:br>
+                <a:rPr lang="en-US" dirty="0" smtClean="0"/>
+              </a:br>
+              <a:r>
+                <a:rPr lang="en-US" dirty="0" smtClean="0"/>
+                <a:t/>
+              </a:r>
+              <a:br>
+                <a:rPr lang="en-US" dirty="0" smtClean="0"/>
+              </a:br>
+              <a:r>
+                <a:rPr lang="en-US" sz="4000" dirty="0" smtClean="0">
+                  <a:solidFill>
+                    <a:schemeClr val="tx1"/>
+                  </a:solidFill>
+                </a:rPr>
+                <a:t>D2</a:t>
+              </a:r>
+              <a:endParaRPr lang="en-US" sz="4000" dirty="0">
+                <a:solidFill>
+                  <a:schemeClr val="tx1"/>
+                </a:solidFill>
+              </a:endParaRPr>
+            </a:p>
+          </p:txBody>
+        </p:sp>
+        <p:sp>
+          <p:nvSpPr>
+            <p:cNvPr id="19" name="Freeform 18"/>
+            <p:cNvSpPr/>
+            <p:nvPr/>
+          </p:nvSpPr>
+          <p:spPr>
+            <a:xfrm>
+              <a:off x="8737600" y="4809067"/>
+              <a:ext cx="1907822" cy="1399822"/>
+            </a:xfrm>
+            <a:custGeom>
+              <a:avLst/>
+              <a:gdLst>
+                <a:gd name="connsiteX0" fmla="*/ 0 w 1907822"/>
+                <a:gd name="connsiteY0" fmla="*/ 0 h 1399822"/>
+                <a:gd name="connsiteX1" fmla="*/ 11289 w 1907822"/>
+                <a:gd name="connsiteY1" fmla="*/ 1399822 h 1399822"/>
+                <a:gd name="connsiteX2" fmla="*/ 1907822 w 1907822"/>
+                <a:gd name="connsiteY2" fmla="*/ 1399822 h 1399822"/>
+                <a:gd name="connsiteX3" fmla="*/ 1907822 w 1907822"/>
+                <a:gd name="connsiteY3" fmla="*/ 1196622 h 1399822"/>
+                <a:gd name="connsiteX4" fmla="*/ 936978 w 1907822"/>
+                <a:gd name="connsiteY4" fmla="*/ 824089 h 1399822"/>
+                <a:gd name="connsiteX5" fmla="*/ 711200 w 1907822"/>
+                <a:gd name="connsiteY5" fmla="*/ 677333 h 1399822"/>
+                <a:gd name="connsiteX6" fmla="*/ 293511 w 1907822"/>
+                <a:gd name="connsiteY6" fmla="*/ 191911 h 1399822"/>
+                <a:gd name="connsiteX7" fmla="*/ 0 w 1907822"/>
+                <a:gd name="connsiteY7" fmla="*/ 0 h 1399822"/>
+              </a:gdLst>
+              <a:ahLst/>
+              <a:cxnLst>
+                <a:cxn ang="0">
+                  <a:pos x="connsiteX0" y="connsiteY0"/>
+                </a:cxn>
+                <a:cxn ang="0">
+                  <a:pos x="connsiteX1" y="connsiteY1"/>
+                </a:cxn>
+                <a:cxn ang="0">
+                  <a:pos x="connsiteX2" y="connsiteY2"/>
+                </a:cxn>
+                <a:cxn ang="0">
+                  <a:pos x="connsiteX3" y="connsiteY3"/>
+                </a:cxn>
+                <a:cxn ang="0">
+                  <a:pos x="connsiteX4" y="connsiteY4"/>
+                </a:cxn>
+                <a:cxn ang="0">
+                  <a:pos x="connsiteX5" y="connsiteY5"/>
+                </a:cxn>
+                <a:cxn ang="0">
+                  <a:pos x="connsiteX6" y="connsiteY6"/>
+                </a:cxn>
+                <a:cxn ang="0">
+                  <a:pos x="connsiteX7" y="connsiteY7"/>
+                </a:cxn>
+              </a:cxnLst>
+              <a:rect l="l" t="t" r="r" b="b"/>
+              <a:pathLst>
+                <a:path w="1907822" h="1399822">
+                  <a:moveTo>
+                    <a:pt x="0" y="0"/>
+                  </a:moveTo>
+                  <a:lnTo>
+                    <a:pt x="11289" y="1399822"/>
+                  </a:lnTo>
+                  <a:lnTo>
+                    <a:pt x="1907822" y="1399822"/>
+                  </a:lnTo>
+                  <a:lnTo>
+                    <a:pt x="1907822" y="1196622"/>
+                  </a:lnTo>
+                  <a:lnTo>
+                    <a:pt x="936978" y="824089"/>
+                  </a:lnTo>
+                  <a:lnTo>
+                    <a:pt x="711200" y="677333"/>
+                  </a:lnTo>
+                  <a:lnTo>
+                    <a:pt x="293511" y="191911"/>
+                  </a:lnTo>
+                  <a:lnTo>
+                    <a:pt x="0" y="0"/>
+                  </a:lnTo>
+                  <a:close/>
+                </a:path>
+              </a:pathLst>
+            </a:custGeom>
+            <a:solidFill>
+              <a:schemeClr val="accent2">
+                <a:alpha val="63000"/>
+              </a:schemeClr>
+            </a:solidFill>
+          </p:spPr>
+          <p:style>
+            <a:lnRef idx="2">
+              <a:schemeClr val="accent1">
+                <a:shade val="50000"/>
+              </a:schemeClr>
+            </a:lnRef>
+            <a:fillRef idx="1">
+              <a:schemeClr val="accent1"/>
+            </a:fillRef>
+            <a:effectRef idx="0">
+              <a:schemeClr val="accent1"/>
+            </a:effectRef>
+            <a:fontRef idx="minor">
+              <a:schemeClr val="lt1"/>
+            </a:fontRef>
+          </p:style>
+          <p:txBody>
+            <a:bodyPr rtlCol="0" anchor="ctr"/>
+            <a:lstStyle/>
+            <a:p>
+              <a:pPr algn="ctr"/>
+              <a:r>
+                <a:rPr lang="en-US" dirty="0" smtClean="0"/>
+                <a:t/>
+              </a:r>
+              <a:br>
+                <a:rPr lang="en-US" dirty="0" smtClean="0"/>
+              </a:br>
+              <a:r>
+                <a:rPr lang="en-US" dirty="0" smtClean="0"/>
+                <a:t/>
+              </a:r>
+              <a:br>
+                <a:rPr lang="en-US" dirty="0" smtClean="0"/>
+              </a:br>
+              <a:r>
+                <a:rPr lang="en-US" dirty="0" smtClean="0"/>
+                <a:t/>
+              </a:r>
+              <a:br>
+                <a:rPr lang="en-US" dirty="0" smtClean="0"/>
+              </a:br>
+              <a:r>
+                <a:rPr lang="en-US" sz="4000" dirty="0" smtClean="0">
+                  <a:solidFill>
+                    <a:schemeClr val="tx1"/>
+                  </a:solidFill>
+                </a:rPr>
+                <a:t>D1</a:t>
+              </a:r>
+              <a:endParaRPr lang="en-US" sz="4000" dirty="0">
+                <a:solidFill>
+                  <a:schemeClr val="tx1"/>
+                </a:solidFill>
+              </a:endParaRPr>
+            </a:p>
+          </p:txBody>
+        </p:sp>
+        <p:sp>
+          <p:nvSpPr>
+            <p:cNvPr id="20" name="Freeform 19"/>
+            <p:cNvSpPr/>
+            <p:nvPr/>
+          </p:nvSpPr>
+          <p:spPr>
+            <a:xfrm>
+              <a:off x="1625598" y="824089"/>
+              <a:ext cx="620889" cy="5396089"/>
+            </a:xfrm>
+            <a:custGeom>
+              <a:avLst/>
+              <a:gdLst>
+                <a:gd name="connsiteX0" fmla="*/ 33867 w 620889"/>
+                <a:gd name="connsiteY0" fmla="*/ 0 h 5396089"/>
+                <a:gd name="connsiteX1" fmla="*/ 270933 w 620889"/>
+                <a:gd name="connsiteY1" fmla="*/ 2167466 h 5396089"/>
+                <a:gd name="connsiteX2" fmla="*/ 587022 w 620889"/>
+                <a:gd name="connsiteY2" fmla="*/ 3544711 h 5396089"/>
+                <a:gd name="connsiteX3" fmla="*/ 620889 w 620889"/>
+                <a:gd name="connsiteY3" fmla="*/ 5396089 h 5396089"/>
+                <a:gd name="connsiteX4" fmla="*/ 0 w 620889"/>
+                <a:gd name="connsiteY4" fmla="*/ 5362222 h 5396089"/>
+                <a:gd name="connsiteX5" fmla="*/ 33867 w 620889"/>
+                <a:gd name="connsiteY5" fmla="*/ 0 h 5396089"/>
+              </a:gdLst>
+              <a:ahLst/>
+              <a:cxnLst>
+                <a:cxn ang="0">
+                  <a:pos x="connsiteX0" y="connsiteY0"/>
+                </a:cxn>
+                <a:cxn ang="0">
+                  <a:pos x="connsiteX1" y="connsiteY1"/>
+                </a:cxn>
+                <a:cxn ang="0">
+                  <a:pos x="connsiteX2" y="connsiteY2"/>
+                </a:cxn>
+                <a:cxn ang="0">
+                  <a:pos x="connsiteX3" y="connsiteY3"/>
+                </a:cxn>
+                <a:cxn ang="0">
+                  <a:pos x="connsiteX4" y="connsiteY4"/>
+                </a:cxn>
+                <a:cxn ang="0">
+                  <a:pos x="connsiteX5" y="connsiteY5"/>
+                </a:cxn>
+              </a:cxnLst>
+              <a:rect l="l" t="t" r="r" b="b"/>
+              <a:pathLst>
+                <a:path w="620889" h="5396089">
+                  <a:moveTo>
+                    <a:pt x="33867" y="0"/>
+                  </a:moveTo>
+                  <a:lnTo>
+                    <a:pt x="270933" y="2167466"/>
+                  </a:lnTo>
+                  <a:lnTo>
+                    <a:pt x="587022" y="3544711"/>
+                  </a:lnTo>
+                  <a:lnTo>
+                    <a:pt x="620889" y="5396089"/>
+                  </a:lnTo>
+                  <a:lnTo>
+                    <a:pt x="0" y="5362222"/>
+                  </a:lnTo>
+                  <a:lnTo>
+                    <a:pt x="33867" y="0"/>
+                  </a:lnTo>
+                  <a:close/>
+                </a:path>
+              </a:pathLst>
+            </a:custGeom>
+            <a:solidFill>
+              <a:schemeClr val="accent2">
+                <a:alpha val="52000"/>
+              </a:schemeClr>
+            </a:solidFill>
+          </p:spPr>
+          <p:style>
+            <a:lnRef idx="2">
+              <a:schemeClr val="accent1">
+                <a:shade val="50000"/>
+              </a:schemeClr>
+            </a:lnRef>
+            <a:fillRef idx="1">
+              <a:schemeClr val="accent1"/>
+            </a:fillRef>
+            <a:effectRef idx="0">
+              <a:schemeClr val="accent1"/>
+            </a:effectRef>
+            <a:fontRef idx="minor">
+              <a:schemeClr val="lt1"/>
+            </a:fontRef>
+          </p:style>
+          <p:txBody>
+            <a:bodyPr rtlCol="0" anchor="ctr"/>
+            <a:lstStyle/>
+            <a:p>
+              <a:pPr algn="ctr"/>
+              <a:r>
+                <a:rPr lang="en-US" dirty="0" smtClean="0"/>
+                <a:t/>
+              </a:r>
+              <a:br>
+                <a:rPr lang="en-US" dirty="0" smtClean="0"/>
+              </a:br>
+              <a:r>
+                <a:rPr lang="en-US" dirty="0" smtClean="0"/>
+                <a:t/>
+              </a:r>
+              <a:br>
+                <a:rPr lang="en-US" dirty="0" smtClean="0"/>
+              </a:br>
+              <a:r>
+                <a:rPr lang="en-US" dirty="0" smtClean="0"/>
+                <a:t/>
+              </a:r>
+              <a:br>
+                <a:rPr lang="en-US" dirty="0" smtClean="0"/>
+              </a:br>
+              <a:r>
+                <a:rPr lang="en-US" dirty="0" smtClean="0"/>
+                <a:t/>
+              </a:r>
+              <a:br>
+                <a:rPr lang="en-US" dirty="0" smtClean="0"/>
+              </a:br>
+              <a:r>
+                <a:rPr lang="en-US" dirty="0" smtClean="0"/>
+                <a:t/>
+              </a:r>
+              <a:br>
+                <a:rPr lang="en-US" dirty="0" smtClean="0"/>
+              </a:br>
+              <a:r>
+                <a:rPr lang="en-US" dirty="0" smtClean="0"/>
+                <a:t/>
+              </a:r>
+              <a:br>
+                <a:rPr lang="en-US" dirty="0" smtClean="0"/>
+              </a:br>
+              <a:r>
+                <a:rPr lang="en-US" dirty="0" smtClean="0"/>
+                <a:t/>
+              </a:r>
+              <a:br>
+                <a:rPr lang="en-US" dirty="0" smtClean="0"/>
+              </a:br>
+              <a:r>
+                <a:rPr lang="en-US" dirty="0" smtClean="0"/>
+                <a:t/>
+              </a:r>
+              <a:br>
+                <a:rPr lang="en-US" dirty="0" smtClean="0"/>
+              </a:br>
+              <a:r>
+                <a:rPr lang="en-US" dirty="0" smtClean="0"/>
+                <a:t/>
+              </a:r>
+              <a:br>
+                <a:rPr lang="en-US" dirty="0" smtClean="0"/>
+              </a:br>
+              <a:r>
+                <a:rPr lang="en-US" dirty="0" smtClean="0"/>
+                <a:t/>
+              </a:r>
+              <a:br>
+                <a:rPr lang="en-US" dirty="0" smtClean="0"/>
+              </a:br>
+              <a:r>
+                <a:rPr lang="en-US" dirty="0" smtClean="0"/>
+                <a:t/>
+              </a:r>
+              <a:br>
+                <a:rPr lang="en-US" dirty="0" smtClean="0"/>
+              </a:br>
+              <a:r>
+                <a:rPr lang="en-US" dirty="0" smtClean="0"/>
+                <a:t/>
+              </a:r>
+              <a:br>
+                <a:rPr lang="en-US" dirty="0" smtClean="0"/>
+              </a:br>
+              <a:r>
+                <a:rPr lang="en-US" sz="2800" dirty="0" smtClean="0">
+                  <a:solidFill>
+                    <a:schemeClr val="tx1"/>
+                  </a:solidFill>
+                </a:rPr>
+                <a:t>D1</a:t>
+              </a:r>
+              <a:endParaRPr lang="en-US" sz="2800" dirty="0">
+                <a:solidFill>
+                  <a:schemeClr val="tx1"/>
+                </a:solidFill>
+              </a:endParaRPr>
+            </a:p>
+          </p:txBody>
+        </p:sp>
+      </p:grpSp>
+      <p:sp>
+        <p:nvSpPr>
+          <p:cNvPr id="21" name="TextBox 20"/>
+          <p:cNvSpPr txBox="1"/>
+          <p:nvPr/>
+        </p:nvSpPr>
+        <p:spPr>
+          <a:xfrm rot="16200000">
+            <a:off x="-1080532" y="2462635"/>
+            <a:ext cx="4323647" cy="707886"/>
+          </a:xfrm>
+          <a:prstGeom prst="rect">
+            <a:avLst/>
+          </a:prstGeom>
+          <a:noFill/>
+        </p:spPr>
+        <p:txBody>
+          <a:bodyPr wrap="square" rtlCol="0">
+            <a:spAutoFit/>
+          </a:bodyPr>
+          <a:lstStyle/>
+          <a:p>
+            <a:r>
+              <a:rPr lang="en-US" sz="4000" dirty="0" smtClean="0"/>
+              <a:t>Encounter Prob.</a:t>
+            </a:r>
+            <a:endParaRPr lang="en-US" sz="4000" dirty="0"/>
+          </a:p>
+        </p:txBody>
+      </p:sp>
+      <p:sp>
+        <p:nvSpPr>
+          <p:cNvPr id="22" name="TextBox 21"/>
+          <p:cNvSpPr txBox="1"/>
+          <p:nvPr/>
+        </p:nvSpPr>
+        <p:spPr>
+          <a:xfrm>
+            <a:off x="3273778" y="5990946"/>
+            <a:ext cx="6479822" cy="830997"/>
+          </a:xfrm>
+          <a:prstGeom prst="rect">
+            <a:avLst/>
+          </a:prstGeom>
+          <a:noFill/>
+        </p:spPr>
+        <p:txBody>
+          <a:bodyPr wrap="square" rtlCol="0">
+            <a:spAutoFit/>
+          </a:bodyPr>
+          <a:lstStyle/>
+          <a:p>
+            <a:r>
+              <a:rPr lang="en-US" sz="4800" dirty="0" smtClean="0"/>
+              <a:t>Distance [bead]</a:t>
+            </a:r>
+            <a:endParaRPr lang="en-US" sz="4800" dirty="0"/>
+          </a:p>
+        </p:txBody>
+      </p:sp>
+      <p:sp>
+        <p:nvSpPr>
+          <p:cNvPr id="24" name="TextBox 23"/>
+          <p:cNvSpPr txBox="1"/>
+          <p:nvPr/>
+        </p:nvSpPr>
+        <p:spPr>
+          <a:xfrm>
+            <a:off x="6355645" y="347316"/>
+            <a:ext cx="6626578" cy="1323439"/>
+          </a:xfrm>
+          <a:prstGeom prst="rect">
+            <a:avLst/>
+          </a:prstGeom>
+          <a:noFill/>
+        </p:spPr>
+        <p:txBody>
+          <a:bodyPr wrap="square" rtlCol="0">
+            <a:spAutoFit/>
+          </a:bodyPr>
+          <a:lstStyle/>
+          <a:p>
+            <a:r>
+              <a:rPr lang="en-US" sz="4000" dirty="0" smtClean="0"/>
+              <a:t>D1- chain encounter prob.</a:t>
+            </a:r>
+            <a:br>
+              <a:rPr lang="en-US" sz="4000" dirty="0" smtClean="0"/>
+            </a:br>
+            <a:r>
+              <a:rPr lang="en-US" sz="4000" dirty="0" smtClean="0"/>
+              <a:t>D2- ring encounter Prob</a:t>
+            </a:r>
+            <a:r>
+              <a:rPr lang="en-US" sz="4000" dirty="0"/>
+              <a:t>.</a:t>
+            </a:r>
+          </a:p>
+        </p:txBody>
+      </p:sp>
+    </p:spTree>
+    <p:extLst>
+      <p:ext uri="{BB962C8B-B14F-4D97-AF65-F5344CB8AC3E}">
+        <p14:creationId xmlns:p14="http://schemas.microsoft.com/office/powerpoint/2010/main" val="1576815365"/>
+      </p:ext>
+    </p:extLst>
+  </p:cSld>
+  <p:clrMapOvr>
+    <a:masterClrMapping/>
+  </p:clrMapOvr>
+</p:sld>
+</file>
+
 <file path=ppt/slides/slide2.xml><?xml version="1.0" encoding="utf-8"?>
 <p:sld xmlns:a="http://schemas.openxmlformats.org/drawingml/2006/main" xmlns:r="http://schemas.openxmlformats.org/officeDocument/2006/relationships" xmlns:p="http://schemas.openxmlformats.org/presentationml/2006/main">
   <p:cSld>

--- a/Documents/(article) Random Loop Model to Explain the TAD in CC Experiments/polymerModelWithOneAndTwoFixedLoopsAndInternalConnections.pptx
+++ b/Documents/(article) Random Loop Model to Explain the TAD in CC Experiments/polymerModelWithOneAndTwoFixedLoopsAndInternalConnections.pptx
@@ -17286,10 +17286,10 @@
         </p:nvGrpSpPr>
         <p:grpSpPr>
           <a:xfrm>
-            <a:off x="1614311" y="293511"/>
-            <a:ext cx="9849556" cy="5565422"/>
+            <a:off x="1483606" y="410247"/>
+            <a:ext cx="10239021" cy="5565422"/>
             <a:chOff x="1524000" y="654756"/>
-            <a:chExt cx="9849556" cy="5565422"/>
+            <a:chExt cx="10239021" cy="5565422"/>
           </a:xfrm>
         </p:grpSpPr>
         <p:grpSp>
@@ -17710,7 +17710,7 @@
           </p:nvSpPr>
           <p:spPr>
             <a:xfrm>
-              <a:off x="8370712" y="2212623"/>
+              <a:off x="8760177" y="3007171"/>
               <a:ext cx="3002844" cy="2167466"/>
             </a:xfrm>
             <a:custGeom>
@@ -19077,16 +19077,138 @@
           </p:txBody>
         </p:sp>
       </p:grpSp>
+      <p:grpSp>
+        <p:nvGrpSpPr>
+          <p:cNvPr id="26" name="Group 25"/>
+          <p:cNvGrpSpPr/>
+          <p:nvPr/>
+        </p:nvGrpSpPr>
+        <p:grpSpPr>
+          <a:xfrm>
+            <a:off x="775720" y="564443"/>
+            <a:ext cx="11408204" cy="6167189"/>
+            <a:chOff x="727349" y="654754"/>
+            <a:chExt cx="11408204" cy="6167189"/>
+          </a:xfrm>
+        </p:grpSpPr>
+        <p:sp>
+          <p:nvSpPr>
+            <p:cNvPr id="21" name="TextBox 20"/>
+            <p:cNvSpPr txBox="1"/>
+            <p:nvPr/>
+          </p:nvSpPr>
+          <p:spPr>
+            <a:xfrm rot="16200000">
+              <a:off x="-1080532" y="2462635"/>
+              <a:ext cx="4323647" cy="707886"/>
+            </a:xfrm>
+            <a:prstGeom prst="rect">
+              <a:avLst/>
+            </a:prstGeom>
+            <a:noFill/>
+          </p:spPr>
+          <p:txBody>
+            <a:bodyPr wrap="square" rtlCol="0">
+              <a:spAutoFit/>
+            </a:bodyPr>
+            <a:lstStyle/>
+            <a:p>
+              <a:r>
+                <a:rPr lang="en-US" sz="4000" dirty="0" smtClean="0"/>
+                <a:t>Encounter Prob.</a:t>
+              </a:r>
+              <a:endParaRPr lang="en-US" sz="4000" dirty="0"/>
+            </a:p>
+          </p:txBody>
+        </p:sp>
+        <p:sp>
+          <p:nvSpPr>
+            <p:cNvPr id="22" name="TextBox 21"/>
+            <p:cNvSpPr txBox="1"/>
+            <p:nvPr/>
+          </p:nvSpPr>
+          <p:spPr>
+            <a:xfrm>
+              <a:off x="3273778" y="5990946"/>
+              <a:ext cx="6479822" cy="830997"/>
+            </a:xfrm>
+            <a:prstGeom prst="rect">
+              <a:avLst/>
+            </a:prstGeom>
+            <a:noFill/>
+          </p:spPr>
+          <p:txBody>
+            <a:bodyPr wrap="square" rtlCol="0">
+              <a:spAutoFit/>
+            </a:bodyPr>
+            <a:lstStyle/>
+            <a:p>
+              <a:r>
+                <a:rPr lang="en-US" sz="4800" dirty="0" smtClean="0"/>
+                <a:t>Distance [bead]</a:t>
+              </a:r>
+              <a:endParaRPr lang="en-US" sz="4800" dirty="0"/>
+            </a:p>
+          </p:txBody>
+        </p:sp>
+        <p:sp>
+          <p:nvSpPr>
+            <p:cNvPr id="24" name="TextBox 23"/>
+            <p:cNvSpPr txBox="1"/>
+            <p:nvPr/>
+          </p:nvSpPr>
+          <p:spPr>
+            <a:xfrm>
+              <a:off x="6479822" y="1051552"/>
+              <a:ext cx="5655731" cy="1323439"/>
+            </a:xfrm>
+            <a:prstGeom prst="rect">
+              <a:avLst/>
+            </a:prstGeom>
+            <a:noFill/>
+            <a:ln w="31750">
+              <a:solidFill>
+                <a:schemeClr val="accent1">
+                  <a:shade val="50000"/>
+                </a:schemeClr>
+              </a:solidFill>
+            </a:ln>
+          </p:spPr>
+          <p:txBody>
+            <a:bodyPr wrap="square" rtlCol="0">
+              <a:spAutoFit/>
+            </a:bodyPr>
+            <a:lstStyle/>
+            <a:p>
+              <a:r>
+                <a:rPr lang="en-US" sz="4000" dirty="0" smtClean="0"/>
+                <a:t>D1- chain encounter prob.</a:t>
+              </a:r>
+              <a:br>
+                <a:rPr lang="en-US" sz="4000" dirty="0" smtClean="0"/>
+              </a:br>
+              <a:r>
+                <a:rPr lang="en-US" sz="4000" dirty="0" smtClean="0"/>
+                <a:t>D2- ring encounter Prob</a:t>
+              </a:r>
+              <a:r>
+                <a:rPr lang="en-US" sz="4000" dirty="0"/>
+                <a:t>.</a:t>
+              </a:r>
+            </a:p>
+          </p:txBody>
+        </p:sp>
+      </p:grpSp>
       <p:sp>
         <p:nvSpPr>
-          <p:cNvPr id="21" name="TextBox 20"/>
+          <p:cNvPr id="25" name="TextBox 24"/>
           <p:cNvSpPr txBox="1"/>
           <p:nvPr/>
         </p:nvSpPr>
         <p:spPr>
-          <a:xfrm rot="16200000">
-            <a:off x="-1080532" y="2462635"/>
-            <a:ext cx="4323647" cy="707886"/>
+          <a:xfrm>
+            <a:off x="2822222" y="0"/>
+            <a:ext cx="5283200" cy="707886"/>
           </a:xfrm>
           <a:prstGeom prst="rect">
             <a:avLst/>
@@ -19101,79 +19223,9 @@
           <a:p>
             <a:r>
               <a:rPr lang="en-US" sz="4000" dirty="0" smtClean="0"/>
-              <a:t>Encounter Prob.</a:t>
+              <a:t>Encounter Prob. bead 1</a:t>
             </a:r>
             <a:endParaRPr lang="en-US" sz="4000" dirty="0"/>
-          </a:p>
-        </p:txBody>
-      </p:sp>
-      <p:sp>
-        <p:nvSpPr>
-          <p:cNvPr id="22" name="TextBox 21"/>
-          <p:cNvSpPr txBox="1"/>
-          <p:nvPr/>
-        </p:nvSpPr>
-        <p:spPr>
-          <a:xfrm>
-            <a:off x="3273778" y="5990946"/>
-            <a:ext cx="6479822" cy="830997"/>
-          </a:xfrm>
-          <a:prstGeom prst="rect">
-            <a:avLst/>
-          </a:prstGeom>
-          <a:noFill/>
-        </p:spPr>
-        <p:txBody>
-          <a:bodyPr wrap="square" rtlCol="0">
-            <a:spAutoFit/>
-          </a:bodyPr>
-          <a:lstStyle/>
-          <a:p>
-            <a:r>
-              <a:rPr lang="en-US" sz="4800" dirty="0" smtClean="0"/>
-              <a:t>Distance [bead]</a:t>
-            </a:r>
-            <a:endParaRPr lang="en-US" sz="4800" dirty="0"/>
-          </a:p>
-        </p:txBody>
-      </p:sp>
-      <p:sp>
-        <p:nvSpPr>
-          <p:cNvPr id="24" name="TextBox 23"/>
-          <p:cNvSpPr txBox="1"/>
-          <p:nvPr/>
-        </p:nvSpPr>
-        <p:spPr>
-          <a:xfrm>
-            <a:off x="6355645" y="347316"/>
-            <a:ext cx="6626578" cy="1323439"/>
-          </a:xfrm>
-          <a:prstGeom prst="rect">
-            <a:avLst/>
-          </a:prstGeom>
-          <a:noFill/>
-        </p:spPr>
-        <p:txBody>
-          <a:bodyPr wrap="square" rtlCol="0">
-            <a:spAutoFit/>
-          </a:bodyPr>
-          <a:lstStyle/>
-          <a:p>
-            <a:r>
-              <a:rPr lang="en-US" sz="4000" dirty="0" smtClean="0"/>
-              <a:t>D1- chain encounter prob.</a:t>
-            </a:r>
-            <a:br>
-              <a:rPr lang="en-US" sz="4000" dirty="0" smtClean="0"/>
-            </a:br>
-            <a:r>
-              <a:rPr lang="en-US" sz="4000" dirty="0" smtClean="0"/>
-              <a:t>D2- ring encounter Prob</a:t>
-            </a:r>
-            <a:r>
-              <a:rPr lang="en-US" sz="4000" dirty="0"/>
-              <a:t>.</a:t>
-            </a:r>
           </a:p>
         </p:txBody>
       </p:sp>

--- a/Documents/(article) Random Loop Model to Explain the TAD in CC Experiments/polymerModelWithOneAndTwoFixedLoopsAndInternalConnections.pptx
+++ b/Documents/(article) Random Loop Model to Explain the TAD in CC Experiments/polymerModelWithOneAndTwoFixedLoopsAndInternalConnections.pptx
@@ -17,6 +17,7 @@
     <p:sldId id="265" r:id="rId11"/>
     <p:sldId id="266" r:id="rId12"/>
     <p:sldId id="267" r:id="rId13"/>
+    <p:sldId id="268" r:id="rId14"/>
   </p:sldIdLst>
   <p:sldSz cx="12192000" cy="6858000"/>
   <p:notesSz cx="6858000" cy="9144000"/>
@@ -254,7 +255,7 @@
           <a:p>
             <a:fld id="{11E755D3-E711-4D0A-850C-1C48A3BA9F8A}" type="datetimeFigureOut">
               <a:rPr lang="en-US" smtClean="0"/>
-              <a:t>1/8/2015</a:t>
+              <a:t>3/11/2015</a:t>
             </a:fld>
             <a:endParaRPr lang="en-US"/>
           </a:p>
@@ -424,7 +425,7 @@
           <a:p>
             <a:fld id="{11E755D3-E711-4D0A-850C-1C48A3BA9F8A}" type="datetimeFigureOut">
               <a:rPr lang="en-US" smtClean="0"/>
-              <a:t>1/8/2015</a:t>
+              <a:t>3/11/2015</a:t>
             </a:fld>
             <a:endParaRPr lang="en-US"/>
           </a:p>
@@ -604,7 +605,7 @@
           <a:p>
             <a:fld id="{11E755D3-E711-4D0A-850C-1C48A3BA9F8A}" type="datetimeFigureOut">
               <a:rPr lang="en-US" smtClean="0"/>
-              <a:t>1/8/2015</a:t>
+              <a:t>3/11/2015</a:t>
             </a:fld>
             <a:endParaRPr lang="en-US"/>
           </a:p>
@@ -774,7 +775,7 @@
           <a:p>
             <a:fld id="{11E755D3-E711-4D0A-850C-1C48A3BA9F8A}" type="datetimeFigureOut">
               <a:rPr lang="en-US" smtClean="0"/>
-              <a:t>1/8/2015</a:t>
+              <a:t>3/11/2015</a:t>
             </a:fld>
             <a:endParaRPr lang="en-US"/>
           </a:p>
@@ -1020,7 +1021,7 @@
           <a:p>
             <a:fld id="{11E755D3-E711-4D0A-850C-1C48A3BA9F8A}" type="datetimeFigureOut">
               <a:rPr lang="en-US" smtClean="0"/>
-              <a:t>1/8/2015</a:t>
+              <a:t>3/11/2015</a:t>
             </a:fld>
             <a:endParaRPr lang="en-US"/>
           </a:p>
@@ -1252,7 +1253,7 @@
           <a:p>
             <a:fld id="{11E755D3-E711-4D0A-850C-1C48A3BA9F8A}" type="datetimeFigureOut">
               <a:rPr lang="en-US" smtClean="0"/>
-              <a:t>1/8/2015</a:t>
+              <a:t>3/11/2015</a:t>
             </a:fld>
             <a:endParaRPr lang="en-US"/>
           </a:p>
@@ -1619,7 +1620,7 @@
           <a:p>
             <a:fld id="{11E755D3-E711-4D0A-850C-1C48A3BA9F8A}" type="datetimeFigureOut">
               <a:rPr lang="en-US" smtClean="0"/>
-              <a:t>1/8/2015</a:t>
+              <a:t>3/11/2015</a:t>
             </a:fld>
             <a:endParaRPr lang="en-US"/>
           </a:p>
@@ -1737,7 +1738,7 @@
           <a:p>
             <a:fld id="{11E755D3-E711-4D0A-850C-1C48A3BA9F8A}" type="datetimeFigureOut">
               <a:rPr lang="en-US" smtClean="0"/>
-              <a:t>1/8/2015</a:t>
+              <a:t>3/11/2015</a:t>
             </a:fld>
             <a:endParaRPr lang="en-US"/>
           </a:p>
@@ -1832,7 +1833,7 @@
           <a:p>
             <a:fld id="{11E755D3-E711-4D0A-850C-1C48A3BA9F8A}" type="datetimeFigureOut">
               <a:rPr lang="en-US" smtClean="0"/>
-              <a:t>1/8/2015</a:t>
+              <a:t>3/11/2015</a:t>
             </a:fld>
             <a:endParaRPr lang="en-US"/>
           </a:p>
@@ -2109,7 +2110,7 @@
           <a:p>
             <a:fld id="{11E755D3-E711-4D0A-850C-1C48A3BA9F8A}" type="datetimeFigureOut">
               <a:rPr lang="en-US" smtClean="0"/>
-              <a:t>1/8/2015</a:t>
+              <a:t>3/11/2015</a:t>
             </a:fld>
             <a:endParaRPr lang="en-US"/>
           </a:p>
@@ -2362,7 +2363,7 @@
           <a:p>
             <a:fld id="{11E755D3-E711-4D0A-850C-1C48A3BA9F8A}" type="datetimeFigureOut">
               <a:rPr lang="en-US" smtClean="0"/>
-              <a:t>1/8/2015</a:t>
+              <a:t>3/11/2015</a:t>
             </a:fld>
             <a:endParaRPr lang="en-US"/>
           </a:p>
@@ -2575,7 +2576,7 @@
           <a:p>
             <a:fld id="{11E755D3-E711-4D0A-850C-1C48A3BA9F8A}" type="datetimeFigureOut">
               <a:rPr lang="en-US" smtClean="0"/>
-              <a:t>1/8/2015</a:t>
+              <a:t>3/11/2015</a:t>
             </a:fld>
             <a:endParaRPr lang="en-US"/>
           </a:p>
@@ -7440,7 +7441,7 @@
         </p:nvGrpSpPr>
         <p:grpSpPr>
           <a:xfrm>
-            <a:off x="866266" y="1057501"/>
+            <a:off x="829933" y="1040519"/>
             <a:ext cx="10287156" cy="5207832"/>
             <a:chOff x="866266" y="1057501"/>
             <a:chExt cx="10287156" cy="5207832"/>
@@ -9579,16 +9580,12 @@
               <a:lstStyle/>
               <a:p>
                 <a:r>
-                  <a:rPr lang="en-US" sz="6000" dirty="0" err="1" smtClean="0"/>
-                  <a:t>R</a:t>
-                </a:r>
-                <a:r>
-                  <a:rPr lang="en-US" sz="3200" dirty="0" err="1"/>
-                  <a:t>n</a:t>
+                  <a:rPr lang="en-US" sz="6000" dirty="0" err="1"/>
+                  <a:t>r</a:t>
                 </a:r>
                 <a:r>
                   <a:rPr lang="en-US" sz="3200" dirty="0" err="1" smtClean="0"/>
-                  <a:t>N</a:t>
+                  <a:t>nN</a:t>
                 </a:r>
                 <a:r>
                   <a:rPr lang="en-US" sz="2400" dirty="0" err="1" smtClean="0"/>
@@ -9606,7 +9603,7 @@
             </p:nvCxnSpPr>
             <p:spPr>
               <a:xfrm>
-                <a:off x="7168450" y="3131462"/>
+                <a:off x="7033769" y="3206854"/>
                 <a:ext cx="324956" cy="0"/>
               </a:xfrm>
               <a:prstGeom prst="straightConnector1">
@@ -10949,8 +10946,8 @@
             </p:nvSpPr>
             <p:spPr>
               <a:xfrm>
-                <a:off x="5700801" y="2544807"/>
-                <a:ext cx="1291979" cy="1313564"/>
+                <a:off x="5700800" y="2544807"/>
+                <a:ext cx="2387602" cy="1313564"/>
               </a:xfrm>
               <a:prstGeom prst="rect">
                 <a:avLst/>
@@ -10966,6 +10963,14 @@
                 <a:r>
                   <a:rPr lang="en-US" sz="7200" dirty="0" err="1" smtClean="0"/>
                   <a:t>r</a:t>
+                </a:r>
+                <a:r>
+                  <a:rPr lang="en-US" sz="4400" dirty="0" err="1" smtClean="0"/>
+                  <a:t>N</a:t>
+                </a:r>
+                <a:r>
+                  <a:rPr lang="en-US" sz="2800" dirty="0" err="1" smtClean="0"/>
+                  <a:t>c</a:t>
                 </a:r>
                 <a:r>
                   <a:rPr lang="en-US" sz="3600" dirty="0" err="1" smtClean="0"/>
@@ -12093,6 +12098,76 @@
           </p:style>
         </p:cxnSp>
       </p:grpSp>
+      <p:sp>
+        <p:nvSpPr>
+          <p:cNvPr id="2" name="TextBox 1"/>
+          <p:cNvSpPr txBox="1"/>
+          <p:nvPr/>
+        </p:nvSpPr>
+        <p:spPr>
+          <a:xfrm>
+            <a:off x="5973511" y="2659550"/>
+            <a:ext cx="801824" cy="984885"/>
+          </a:xfrm>
+          <a:prstGeom prst="rect">
+            <a:avLst/>
+          </a:prstGeom>
+          <a:noFill/>
+        </p:spPr>
+        <p:txBody>
+          <a:bodyPr wrap="square" rtlCol="1">
+            <a:spAutoFit/>
+          </a:bodyPr>
+          <a:lstStyle/>
+          <a:p>
+            <a:r>
+              <a:rPr lang="en-US" sz="4000" dirty="0" err="1"/>
+              <a:t>N</a:t>
+            </a:r>
+            <a:r>
+              <a:rPr lang="en-US" sz="3200" dirty="0" err="1"/>
+              <a:t>c</a:t>
+            </a:r>
+            <a:endParaRPr lang="en-US" sz="3200" dirty="0"/>
+          </a:p>
+          <a:p>
+            <a:endParaRPr lang="he-IL" dirty="0"/>
+          </a:p>
+        </p:txBody>
+      </p:sp>
+      <p:cxnSp>
+        <p:nvCxnSpPr>
+          <p:cNvPr id="58" name="Straight Arrow Connector 57"/>
+          <p:cNvCxnSpPr/>
+          <p:nvPr/>
+        </p:nvCxnSpPr>
+        <p:spPr>
+          <a:xfrm>
+            <a:off x="3103068" y="2950470"/>
+            <a:ext cx="206573" cy="0"/>
+          </a:xfrm>
+          <a:prstGeom prst="straightConnector1">
+            <a:avLst/>
+          </a:prstGeom>
+          <a:ln w="31750">
+            <a:tailEnd type="triangle"/>
+          </a:ln>
+        </p:spPr>
+        <p:style>
+          <a:lnRef idx="1">
+            <a:schemeClr val="accent1"/>
+          </a:lnRef>
+          <a:fillRef idx="0">
+            <a:schemeClr val="accent1"/>
+          </a:fillRef>
+          <a:effectRef idx="0">
+            <a:schemeClr val="accent1"/>
+          </a:effectRef>
+          <a:fontRef idx="minor">
+            <a:schemeClr val="tx1"/>
+          </a:fontRef>
+        </p:style>
+      </p:cxnSp>
     </p:spTree>
     <p:extLst>
       <p:ext uri="{BB962C8B-B14F-4D97-AF65-F5344CB8AC3E}">
@@ -19233,6 +19308,2514 @@
     <p:extLst>
       <p:ext uri="{BB962C8B-B14F-4D97-AF65-F5344CB8AC3E}">
         <p14:creationId xmlns:p14="http://schemas.microsoft.com/office/powerpoint/2010/main" val="1576815365"/>
+      </p:ext>
+    </p:extLst>
+  </p:cSld>
+  <p:clrMapOvr>
+    <a:masterClrMapping/>
+  </p:clrMapOvr>
+</p:sld>
+</file>
+
+<file path=ppt/slides/slide13.xml><?xml version="1.0" encoding="utf-8"?>
+<p:sld xmlns:a="http://schemas.openxmlformats.org/drawingml/2006/main" xmlns:r="http://schemas.openxmlformats.org/officeDocument/2006/relationships" xmlns:p="http://schemas.openxmlformats.org/presentationml/2006/main">
+  <p:cSld>
+    <p:spTree>
+      <p:nvGrpSpPr>
+        <p:cNvPr id="1" name=""/>
+        <p:cNvGrpSpPr/>
+        <p:nvPr/>
+      </p:nvGrpSpPr>
+      <p:grpSpPr>
+        <a:xfrm>
+          <a:off x="0" y="0"/>
+          <a:ext cx="0" cy="0"/>
+          <a:chOff x="0" y="0"/>
+          <a:chExt cx="0" cy="0"/>
+        </a:xfrm>
+      </p:grpSpPr>
+      <p:grpSp>
+        <p:nvGrpSpPr>
+          <p:cNvPr id="30" name="Group 29"/>
+          <p:cNvGrpSpPr/>
+          <p:nvPr/>
+        </p:nvGrpSpPr>
+        <p:grpSpPr>
+          <a:xfrm>
+            <a:off x="2576946" y="633845"/>
+            <a:ext cx="7113364" cy="5421409"/>
+            <a:chOff x="6423378" y="1320799"/>
+            <a:chExt cx="5210031" cy="4786409"/>
+          </a:xfrm>
+        </p:grpSpPr>
+        <p:grpSp>
+          <p:nvGrpSpPr>
+            <p:cNvPr id="4" name="Group 3"/>
+            <p:cNvGrpSpPr/>
+            <p:nvPr/>
+          </p:nvGrpSpPr>
+          <p:grpSpPr>
+            <a:xfrm>
+              <a:off x="6423378" y="1320799"/>
+              <a:ext cx="5210031" cy="4786409"/>
+              <a:chOff x="6423378" y="1320799"/>
+              <a:chExt cx="5210031" cy="4786409"/>
+            </a:xfrm>
+          </p:grpSpPr>
+          <p:grpSp>
+            <p:nvGrpSpPr>
+              <p:cNvPr id="5" name="Group 4"/>
+              <p:cNvGrpSpPr/>
+              <p:nvPr/>
+            </p:nvGrpSpPr>
+            <p:grpSpPr>
+              <a:xfrm>
+                <a:off x="6542665" y="1498643"/>
+                <a:ext cx="5090744" cy="4477102"/>
+                <a:chOff x="3239911" y="993355"/>
+                <a:chExt cx="6220178" cy="4899456"/>
+              </a:xfrm>
+            </p:grpSpPr>
+            <p:sp>
+              <p:nvSpPr>
+                <p:cNvPr id="25" name="Freeform 24"/>
+                <p:cNvSpPr/>
+                <p:nvPr/>
+              </p:nvSpPr>
+              <p:spPr>
+                <a:xfrm>
+                  <a:off x="3239911" y="993355"/>
+                  <a:ext cx="5973098" cy="4899456"/>
+                </a:xfrm>
+                <a:custGeom>
+                  <a:avLst/>
+                  <a:gdLst>
+                    <a:gd name="connsiteX0" fmla="*/ 598311 w 5973098"/>
+                    <a:gd name="connsiteY0" fmla="*/ 2969045 h 4899456"/>
+                    <a:gd name="connsiteX1" fmla="*/ 519289 w 5973098"/>
+                    <a:gd name="connsiteY1" fmla="*/ 2867445 h 4899456"/>
+                    <a:gd name="connsiteX2" fmla="*/ 508000 w 5973098"/>
+                    <a:gd name="connsiteY2" fmla="*/ 2833578 h 4899456"/>
+                    <a:gd name="connsiteX3" fmla="*/ 462845 w 5973098"/>
+                    <a:gd name="connsiteY3" fmla="*/ 2788423 h 4899456"/>
+                    <a:gd name="connsiteX4" fmla="*/ 440267 w 5973098"/>
+                    <a:gd name="connsiteY4" fmla="*/ 2743267 h 4899456"/>
+                    <a:gd name="connsiteX5" fmla="*/ 383822 w 5973098"/>
+                    <a:gd name="connsiteY5" fmla="*/ 2675534 h 4899456"/>
+                    <a:gd name="connsiteX6" fmla="*/ 338667 w 5973098"/>
+                    <a:gd name="connsiteY6" fmla="*/ 2573934 h 4899456"/>
+                    <a:gd name="connsiteX7" fmla="*/ 316089 w 5973098"/>
+                    <a:gd name="connsiteY7" fmla="*/ 2506201 h 4899456"/>
+                    <a:gd name="connsiteX8" fmla="*/ 293511 w 5973098"/>
+                    <a:gd name="connsiteY8" fmla="*/ 2472334 h 4899456"/>
+                    <a:gd name="connsiteX9" fmla="*/ 225778 w 5973098"/>
+                    <a:gd name="connsiteY9" fmla="*/ 2382023 h 4899456"/>
+                    <a:gd name="connsiteX10" fmla="*/ 169333 w 5973098"/>
+                    <a:gd name="connsiteY10" fmla="*/ 2257845 h 4899456"/>
+                    <a:gd name="connsiteX11" fmla="*/ 146756 w 5973098"/>
+                    <a:gd name="connsiteY11" fmla="*/ 2223978 h 4899456"/>
+                    <a:gd name="connsiteX12" fmla="*/ 101600 w 5973098"/>
+                    <a:gd name="connsiteY12" fmla="*/ 2065934 h 4899456"/>
+                    <a:gd name="connsiteX13" fmla="*/ 56445 w 5973098"/>
+                    <a:gd name="connsiteY13" fmla="*/ 1953045 h 4899456"/>
+                    <a:gd name="connsiteX14" fmla="*/ 22578 w 5973098"/>
+                    <a:gd name="connsiteY14" fmla="*/ 1817578 h 4899456"/>
+                    <a:gd name="connsiteX15" fmla="*/ 11289 w 5973098"/>
+                    <a:gd name="connsiteY15" fmla="*/ 1659534 h 4899456"/>
+                    <a:gd name="connsiteX16" fmla="*/ 0 w 5973098"/>
+                    <a:gd name="connsiteY16" fmla="*/ 1603089 h 4899456"/>
+                    <a:gd name="connsiteX17" fmla="*/ 11289 w 5973098"/>
+                    <a:gd name="connsiteY17" fmla="*/ 711267 h 4899456"/>
+                    <a:gd name="connsiteX18" fmla="*/ 22578 w 5973098"/>
+                    <a:gd name="connsiteY18" fmla="*/ 654823 h 4899456"/>
+                    <a:gd name="connsiteX19" fmla="*/ 45156 w 5973098"/>
+                    <a:gd name="connsiteY19" fmla="*/ 620956 h 4899456"/>
+                    <a:gd name="connsiteX20" fmla="*/ 67733 w 5973098"/>
+                    <a:gd name="connsiteY20" fmla="*/ 575801 h 4899456"/>
+                    <a:gd name="connsiteX21" fmla="*/ 101600 w 5973098"/>
+                    <a:gd name="connsiteY21" fmla="*/ 541934 h 4899456"/>
+                    <a:gd name="connsiteX22" fmla="*/ 169333 w 5973098"/>
+                    <a:gd name="connsiteY22" fmla="*/ 440334 h 4899456"/>
+                    <a:gd name="connsiteX23" fmla="*/ 180622 w 5973098"/>
+                    <a:gd name="connsiteY23" fmla="*/ 406467 h 4899456"/>
+                    <a:gd name="connsiteX24" fmla="*/ 270933 w 5973098"/>
+                    <a:gd name="connsiteY24" fmla="*/ 316156 h 4899456"/>
+                    <a:gd name="connsiteX25" fmla="*/ 361245 w 5973098"/>
+                    <a:gd name="connsiteY25" fmla="*/ 271001 h 4899456"/>
+                    <a:gd name="connsiteX26" fmla="*/ 485422 w 5973098"/>
+                    <a:gd name="connsiteY26" fmla="*/ 248423 h 4899456"/>
+                    <a:gd name="connsiteX27" fmla="*/ 903111 w 5973098"/>
+                    <a:gd name="connsiteY27" fmla="*/ 282289 h 4899456"/>
+                    <a:gd name="connsiteX28" fmla="*/ 970845 w 5973098"/>
+                    <a:gd name="connsiteY28" fmla="*/ 304867 h 4899456"/>
+                    <a:gd name="connsiteX29" fmla="*/ 1027289 w 5973098"/>
+                    <a:gd name="connsiteY29" fmla="*/ 316156 h 4899456"/>
+                    <a:gd name="connsiteX30" fmla="*/ 1140178 w 5973098"/>
+                    <a:gd name="connsiteY30" fmla="*/ 361312 h 4899456"/>
+                    <a:gd name="connsiteX31" fmla="*/ 1253067 w 5973098"/>
+                    <a:gd name="connsiteY31" fmla="*/ 406467 h 4899456"/>
+                    <a:gd name="connsiteX32" fmla="*/ 1298222 w 5973098"/>
+                    <a:gd name="connsiteY32" fmla="*/ 429045 h 4899456"/>
+                    <a:gd name="connsiteX33" fmla="*/ 1365956 w 5973098"/>
+                    <a:gd name="connsiteY33" fmla="*/ 440334 h 4899456"/>
+                    <a:gd name="connsiteX34" fmla="*/ 1478845 w 5973098"/>
+                    <a:gd name="connsiteY34" fmla="*/ 474201 h 4899456"/>
+                    <a:gd name="connsiteX35" fmla="*/ 1569156 w 5973098"/>
+                    <a:gd name="connsiteY35" fmla="*/ 496778 h 4899456"/>
+                    <a:gd name="connsiteX36" fmla="*/ 1727200 w 5973098"/>
+                    <a:gd name="connsiteY36" fmla="*/ 508067 h 4899456"/>
+                    <a:gd name="connsiteX37" fmla="*/ 1806222 w 5973098"/>
+                    <a:gd name="connsiteY37" fmla="*/ 519356 h 4899456"/>
+                    <a:gd name="connsiteX38" fmla="*/ 2325511 w 5973098"/>
+                    <a:gd name="connsiteY38" fmla="*/ 496778 h 4899456"/>
+                    <a:gd name="connsiteX39" fmla="*/ 2404533 w 5973098"/>
+                    <a:gd name="connsiteY39" fmla="*/ 406467 h 4899456"/>
+                    <a:gd name="connsiteX40" fmla="*/ 2483556 w 5973098"/>
+                    <a:gd name="connsiteY40" fmla="*/ 338734 h 4899456"/>
+                    <a:gd name="connsiteX41" fmla="*/ 2630311 w 5973098"/>
+                    <a:gd name="connsiteY41" fmla="*/ 203267 h 4899456"/>
+                    <a:gd name="connsiteX42" fmla="*/ 2652889 w 5973098"/>
+                    <a:gd name="connsiteY42" fmla="*/ 169401 h 4899456"/>
+                    <a:gd name="connsiteX43" fmla="*/ 2765778 w 5973098"/>
+                    <a:gd name="connsiteY43" fmla="*/ 90378 h 4899456"/>
+                    <a:gd name="connsiteX44" fmla="*/ 2810933 w 5973098"/>
+                    <a:gd name="connsiteY44" fmla="*/ 56512 h 4899456"/>
+                    <a:gd name="connsiteX45" fmla="*/ 2844800 w 5973098"/>
+                    <a:gd name="connsiteY45" fmla="*/ 45223 h 4899456"/>
+                    <a:gd name="connsiteX46" fmla="*/ 2878667 w 5973098"/>
+                    <a:gd name="connsiteY46" fmla="*/ 22645 h 4899456"/>
+                    <a:gd name="connsiteX47" fmla="*/ 3059289 w 5973098"/>
+                    <a:gd name="connsiteY47" fmla="*/ 67 h 4899456"/>
+                    <a:gd name="connsiteX48" fmla="*/ 3601156 w 5973098"/>
+                    <a:gd name="connsiteY48" fmla="*/ 22645 h 4899456"/>
+                    <a:gd name="connsiteX49" fmla="*/ 3826933 w 5973098"/>
+                    <a:gd name="connsiteY49" fmla="*/ 67801 h 4899456"/>
+                    <a:gd name="connsiteX50" fmla="*/ 3951111 w 5973098"/>
+                    <a:gd name="connsiteY50" fmla="*/ 112956 h 4899456"/>
+                    <a:gd name="connsiteX51" fmla="*/ 4075289 w 5973098"/>
+                    <a:gd name="connsiteY51" fmla="*/ 146823 h 4899456"/>
+                    <a:gd name="connsiteX52" fmla="*/ 4199467 w 5973098"/>
+                    <a:gd name="connsiteY52" fmla="*/ 203267 h 4899456"/>
+                    <a:gd name="connsiteX53" fmla="*/ 4459111 w 5973098"/>
+                    <a:gd name="connsiteY53" fmla="*/ 259712 h 4899456"/>
+                    <a:gd name="connsiteX54" fmla="*/ 4605867 w 5973098"/>
+                    <a:gd name="connsiteY54" fmla="*/ 350023 h 4899456"/>
+                    <a:gd name="connsiteX55" fmla="*/ 4752622 w 5973098"/>
+                    <a:gd name="connsiteY55" fmla="*/ 474201 h 4899456"/>
+                    <a:gd name="connsiteX56" fmla="*/ 4876800 w 5973098"/>
+                    <a:gd name="connsiteY56" fmla="*/ 620956 h 4899456"/>
+                    <a:gd name="connsiteX57" fmla="*/ 4967111 w 5973098"/>
+                    <a:gd name="connsiteY57" fmla="*/ 677401 h 4899456"/>
+                    <a:gd name="connsiteX58" fmla="*/ 5147733 w 5973098"/>
+                    <a:gd name="connsiteY58" fmla="*/ 869312 h 4899456"/>
+                    <a:gd name="connsiteX59" fmla="*/ 5226756 w 5973098"/>
+                    <a:gd name="connsiteY59" fmla="*/ 937045 h 4899456"/>
+                    <a:gd name="connsiteX60" fmla="*/ 5418667 w 5973098"/>
+                    <a:gd name="connsiteY60" fmla="*/ 1151534 h 4899456"/>
+                    <a:gd name="connsiteX61" fmla="*/ 5621867 w 5973098"/>
+                    <a:gd name="connsiteY61" fmla="*/ 1354734 h 4899456"/>
+                    <a:gd name="connsiteX62" fmla="*/ 5700889 w 5973098"/>
+                    <a:gd name="connsiteY62" fmla="*/ 1445045 h 4899456"/>
+                    <a:gd name="connsiteX63" fmla="*/ 5870222 w 5973098"/>
+                    <a:gd name="connsiteY63" fmla="*/ 1603089 h 4899456"/>
+                    <a:gd name="connsiteX64" fmla="*/ 5926667 w 5973098"/>
+                    <a:gd name="connsiteY64" fmla="*/ 1670823 h 4899456"/>
+                    <a:gd name="connsiteX65" fmla="*/ 5915378 w 5973098"/>
+                    <a:gd name="connsiteY65" fmla="*/ 2370734 h 4899456"/>
+                    <a:gd name="connsiteX66" fmla="*/ 5746045 w 5973098"/>
+                    <a:gd name="connsiteY66" fmla="*/ 2664245 h 4899456"/>
+                    <a:gd name="connsiteX67" fmla="*/ 5678311 w 5973098"/>
+                    <a:gd name="connsiteY67" fmla="*/ 2822289 h 4899456"/>
+                    <a:gd name="connsiteX68" fmla="*/ 5655733 w 5973098"/>
+                    <a:gd name="connsiteY68" fmla="*/ 2923889 h 4899456"/>
+                    <a:gd name="connsiteX69" fmla="*/ 5610578 w 5973098"/>
+                    <a:gd name="connsiteY69" fmla="*/ 3149667 h 4899456"/>
+                    <a:gd name="connsiteX70" fmla="*/ 5565422 w 5973098"/>
+                    <a:gd name="connsiteY70" fmla="*/ 3510912 h 4899456"/>
+                    <a:gd name="connsiteX71" fmla="*/ 5542845 w 5973098"/>
+                    <a:gd name="connsiteY71" fmla="*/ 3556067 h 4899456"/>
+                    <a:gd name="connsiteX72" fmla="*/ 5520267 w 5973098"/>
+                    <a:gd name="connsiteY72" fmla="*/ 3623801 h 4899456"/>
+                    <a:gd name="connsiteX73" fmla="*/ 5508978 w 5973098"/>
+                    <a:gd name="connsiteY73" fmla="*/ 3759267 h 4899456"/>
+                    <a:gd name="connsiteX74" fmla="*/ 5497689 w 5973098"/>
+                    <a:gd name="connsiteY74" fmla="*/ 3962467 h 4899456"/>
+                    <a:gd name="connsiteX75" fmla="*/ 5475111 w 5973098"/>
+                    <a:gd name="connsiteY75" fmla="*/ 3996334 h 4899456"/>
+                    <a:gd name="connsiteX76" fmla="*/ 5418667 w 5973098"/>
+                    <a:gd name="connsiteY76" fmla="*/ 4052778 h 4899456"/>
+                    <a:gd name="connsiteX77" fmla="*/ 5260622 w 5973098"/>
+                    <a:gd name="connsiteY77" fmla="*/ 4222112 h 4899456"/>
+                    <a:gd name="connsiteX78" fmla="*/ 5181600 w 5973098"/>
+                    <a:gd name="connsiteY78" fmla="*/ 4335001 h 4899456"/>
+                    <a:gd name="connsiteX79" fmla="*/ 5113867 w 5973098"/>
+                    <a:gd name="connsiteY79" fmla="*/ 4368867 h 4899456"/>
+                    <a:gd name="connsiteX80" fmla="*/ 4933245 w 5973098"/>
+                    <a:gd name="connsiteY80" fmla="*/ 4481756 h 4899456"/>
+                    <a:gd name="connsiteX81" fmla="*/ 4797778 w 5973098"/>
+                    <a:gd name="connsiteY81" fmla="*/ 4526912 h 4899456"/>
+                    <a:gd name="connsiteX82" fmla="*/ 4775200 w 5973098"/>
+                    <a:gd name="connsiteY82" fmla="*/ 4617223 h 4899456"/>
+                    <a:gd name="connsiteX83" fmla="*/ 4752622 w 5973098"/>
+                    <a:gd name="connsiteY83" fmla="*/ 4775267 h 4899456"/>
+                    <a:gd name="connsiteX84" fmla="*/ 4718756 w 5973098"/>
+                    <a:gd name="connsiteY84" fmla="*/ 4797845 h 4899456"/>
+                    <a:gd name="connsiteX85" fmla="*/ 4605867 w 5973098"/>
+                    <a:gd name="connsiteY85" fmla="*/ 4854289 h 4899456"/>
+                    <a:gd name="connsiteX86" fmla="*/ 4549422 w 5973098"/>
+                    <a:gd name="connsiteY86" fmla="*/ 4865578 h 4899456"/>
+                    <a:gd name="connsiteX87" fmla="*/ 4492978 w 5973098"/>
+                    <a:gd name="connsiteY87" fmla="*/ 4888156 h 4899456"/>
+                    <a:gd name="connsiteX88" fmla="*/ 4413956 w 5973098"/>
+                    <a:gd name="connsiteY88" fmla="*/ 4899445 h 4899456"/>
+                    <a:gd name="connsiteX89" fmla="*/ 3454400 w 5973098"/>
+                    <a:gd name="connsiteY89" fmla="*/ 4876867 h 4899456"/>
+                    <a:gd name="connsiteX90" fmla="*/ 3375378 w 5973098"/>
+                    <a:gd name="connsiteY90" fmla="*/ 4843001 h 4899456"/>
+                    <a:gd name="connsiteX91" fmla="*/ 3296356 w 5973098"/>
+                    <a:gd name="connsiteY91" fmla="*/ 4809134 h 4899456"/>
+                    <a:gd name="connsiteX92" fmla="*/ 2630311 w 5973098"/>
+                    <a:gd name="connsiteY92" fmla="*/ 4820423 h 4899456"/>
+                    <a:gd name="connsiteX93" fmla="*/ 2573867 w 5973098"/>
+                    <a:gd name="connsiteY93" fmla="*/ 4831712 h 4899456"/>
+                    <a:gd name="connsiteX94" fmla="*/ 2506133 w 5973098"/>
+                    <a:gd name="connsiteY94" fmla="*/ 4843001 h 4899456"/>
+                    <a:gd name="connsiteX95" fmla="*/ 2269067 w 5973098"/>
+                    <a:gd name="connsiteY95" fmla="*/ 4831712 h 4899456"/>
+                    <a:gd name="connsiteX96" fmla="*/ 2235200 w 5973098"/>
+                    <a:gd name="connsiteY96" fmla="*/ 4820423 h 4899456"/>
+                    <a:gd name="connsiteX97" fmla="*/ 1614311 w 5973098"/>
+                    <a:gd name="connsiteY97" fmla="*/ 4809134 h 4899456"/>
+                    <a:gd name="connsiteX98" fmla="*/ 1524000 w 5973098"/>
+                    <a:gd name="connsiteY98" fmla="*/ 4763978 h 4899456"/>
+                    <a:gd name="connsiteX99" fmla="*/ 1411111 w 5973098"/>
+                    <a:gd name="connsiteY99" fmla="*/ 4651089 h 4899456"/>
+                    <a:gd name="connsiteX100" fmla="*/ 1264356 w 5973098"/>
+                    <a:gd name="connsiteY100" fmla="*/ 4436601 h 4899456"/>
+                    <a:gd name="connsiteX101" fmla="*/ 1253067 w 5973098"/>
+                    <a:gd name="connsiteY101" fmla="*/ 4402734 h 4899456"/>
+                    <a:gd name="connsiteX102" fmla="*/ 1230489 w 5973098"/>
+                    <a:gd name="connsiteY102" fmla="*/ 4278556 h 4899456"/>
+                    <a:gd name="connsiteX103" fmla="*/ 1241778 w 5973098"/>
+                    <a:gd name="connsiteY103" fmla="*/ 4075356 h 4899456"/>
+                    <a:gd name="connsiteX104" fmla="*/ 1241778 w 5973098"/>
+                    <a:gd name="connsiteY104" fmla="*/ 3657667 h 4899456"/>
+                    <a:gd name="connsiteX105" fmla="*/ 1196622 w 5973098"/>
+                    <a:gd name="connsiteY105" fmla="*/ 3601223 h 4899456"/>
+                    <a:gd name="connsiteX106" fmla="*/ 1083733 w 5973098"/>
+                    <a:gd name="connsiteY106" fmla="*/ 3454467 h 4899456"/>
+                    <a:gd name="connsiteX107" fmla="*/ 1049867 w 5973098"/>
+                    <a:gd name="connsiteY107" fmla="*/ 3420601 h 4899456"/>
+                    <a:gd name="connsiteX108" fmla="*/ 1016000 w 5973098"/>
+                    <a:gd name="connsiteY108" fmla="*/ 3386734 h 4899456"/>
+                    <a:gd name="connsiteX109" fmla="*/ 970845 w 5973098"/>
+                    <a:gd name="connsiteY109" fmla="*/ 3296423 h 4899456"/>
+                    <a:gd name="connsiteX110" fmla="*/ 948267 w 5973098"/>
+                    <a:gd name="connsiteY110" fmla="*/ 3262556 h 4899456"/>
+                    <a:gd name="connsiteX111" fmla="*/ 903111 w 5973098"/>
+                    <a:gd name="connsiteY111" fmla="*/ 3239978 h 4899456"/>
+                    <a:gd name="connsiteX112" fmla="*/ 869245 w 5973098"/>
+                    <a:gd name="connsiteY112" fmla="*/ 3206112 h 4899456"/>
+                    <a:gd name="connsiteX113" fmla="*/ 846667 w 5973098"/>
+                    <a:gd name="connsiteY113" fmla="*/ 3172245 h 4899456"/>
+                    <a:gd name="connsiteX114" fmla="*/ 812800 w 5973098"/>
+                    <a:gd name="connsiteY114" fmla="*/ 3160956 h 4899456"/>
+                    <a:gd name="connsiteX115" fmla="*/ 778933 w 5973098"/>
+                    <a:gd name="connsiteY115" fmla="*/ 3127089 h 4899456"/>
+                    <a:gd name="connsiteX116" fmla="*/ 745067 w 5973098"/>
+                    <a:gd name="connsiteY116" fmla="*/ 3104512 h 4899456"/>
+                    <a:gd name="connsiteX117" fmla="*/ 722489 w 5973098"/>
+                    <a:gd name="connsiteY117" fmla="*/ 3070645 h 4899456"/>
+                    <a:gd name="connsiteX118" fmla="*/ 654756 w 5973098"/>
+                    <a:gd name="connsiteY118" fmla="*/ 3014201 h 4899456"/>
+                    <a:gd name="connsiteX119" fmla="*/ 598311 w 5973098"/>
+                    <a:gd name="connsiteY119" fmla="*/ 2969045 h 4899456"/>
+                  </a:gdLst>
+                  <a:ahLst/>
+                  <a:cxnLst>
+                    <a:cxn ang="0">
+                      <a:pos x="connsiteX0" y="connsiteY0"/>
+                    </a:cxn>
+                    <a:cxn ang="0">
+                      <a:pos x="connsiteX1" y="connsiteY1"/>
+                    </a:cxn>
+                    <a:cxn ang="0">
+                      <a:pos x="connsiteX2" y="connsiteY2"/>
+                    </a:cxn>
+                    <a:cxn ang="0">
+                      <a:pos x="connsiteX3" y="connsiteY3"/>
+                    </a:cxn>
+                    <a:cxn ang="0">
+                      <a:pos x="connsiteX4" y="connsiteY4"/>
+                    </a:cxn>
+                    <a:cxn ang="0">
+                      <a:pos x="connsiteX5" y="connsiteY5"/>
+                    </a:cxn>
+                    <a:cxn ang="0">
+                      <a:pos x="connsiteX6" y="connsiteY6"/>
+                    </a:cxn>
+                    <a:cxn ang="0">
+                      <a:pos x="connsiteX7" y="connsiteY7"/>
+                    </a:cxn>
+                    <a:cxn ang="0">
+                      <a:pos x="connsiteX8" y="connsiteY8"/>
+                    </a:cxn>
+                    <a:cxn ang="0">
+                      <a:pos x="connsiteX9" y="connsiteY9"/>
+                    </a:cxn>
+                    <a:cxn ang="0">
+                      <a:pos x="connsiteX10" y="connsiteY10"/>
+                    </a:cxn>
+                    <a:cxn ang="0">
+                      <a:pos x="connsiteX11" y="connsiteY11"/>
+                    </a:cxn>
+                    <a:cxn ang="0">
+                      <a:pos x="connsiteX12" y="connsiteY12"/>
+                    </a:cxn>
+                    <a:cxn ang="0">
+                      <a:pos x="connsiteX13" y="connsiteY13"/>
+                    </a:cxn>
+                    <a:cxn ang="0">
+                      <a:pos x="connsiteX14" y="connsiteY14"/>
+                    </a:cxn>
+                    <a:cxn ang="0">
+                      <a:pos x="connsiteX15" y="connsiteY15"/>
+                    </a:cxn>
+                    <a:cxn ang="0">
+                      <a:pos x="connsiteX16" y="connsiteY16"/>
+                    </a:cxn>
+                    <a:cxn ang="0">
+                      <a:pos x="connsiteX17" y="connsiteY17"/>
+                    </a:cxn>
+                    <a:cxn ang="0">
+                      <a:pos x="connsiteX18" y="connsiteY18"/>
+                    </a:cxn>
+                    <a:cxn ang="0">
+                      <a:pos x="connsiteX19" y="connsiteY19"/>
+                    </a:cxn>
+                    <a:cxn ang="0">
+                      <a:pos x="connsiteX20" y="connsiteY20"/>
+                    </a:cxn>
+                    <a:cxn ang="0">
+                      <a:pos x="connsiteX21" y="connsiteY21"/>
+                    </a:cxn>
+                    <a:cxn ang="0">
+                      <a:pos x="connsiteX22" y="connsiteY22"/>
+                    </a:cxn>
+                    <a:cxn ang="0">
+                      <a:pos x="connsiteX23" y="connsiteY23"/>
+                    </a:cxn>
+                    <a:cxn ang="0">
+                      <a:pos x="connsiteX24" y="connsiteY24"/>
+                    </a:cxn>
+                    <a:cxn ang="0">
+                      <a:pos x="connsiteX25" y="connsiteY25"/>
+                    </a:cxn>
+                    <a:cxn ang="0">
+                      <a:pos x="connsiteX26" y="connsiteY26"/>
+                    </a:cxn>
+                    <a:cxn ang="0">
+                      <a:pos x="connsiteX27" y="connsiteY27"/>
+                    </a:cxn>
+                    <a:cxn ang="0">
+                      <a:pos x="connsiteX28" y="connsiteY28"/>
+                    </a:cxn>
+                    <a:cxn ang="0">
+                      <a:pos x="connsiteX29" y="connsiteY29"/>
+                    </a:cxn>
+                    <a:cxn ang="0">
+                      <a:pos x="connsiteX30" y="connsiteY30"/>
+                    </a:cxn>
+                    <a:cxn ang="0">
+                      <a:pos x="connsiteX31" y="connsiteY31"/>
+                    </a:cxn>
+                    <a:cxn ang="0">
+                      <a:pos x="connsiteX32" y="connsiteY32"/>
+                    </a:cxn>
+                    <a:cxn ang="0">
+                      <a:pos x="connsiteX33" y="connsiteY33"/>
+                    </a:cxn>
+                    <a:cxn ang="0">
+                      <a:pos x="connsiteX34" y="connsiteY34"/>
+                    </a:cxn>
+                    <a:cxn ang="0">
+                      <a:pos x="connsiteX35" y="connsiteY35"/>
+                    </a:cxn>
+                    <a:cxn ang="0">
+                      <a:pos x="connsiteX36" y="connsiteY36"/>
+                    </a:cxn>
+                    <a:cxn ang="0">
+                      <a:pos x="connsiteX37" y="connsiteY37"/>
+                    </a:cxn>
+                    <a:cxn ang="0">
+                      <a:pos x="connsiteX38" y="connsiteY38"/>
+                    </a:cxn>
+                    <a:cxn ang="0">
+                      <a:pos x="connsiteX39" y="connsiteY39"/>
+                    </a:cxn>
+                    <a:cxn ang="0">
+                      <a:pos x="connsiteX40" y="connsiteY40"/>
+                    </a:cxn>
+                    <a:cxn ang="0">
+                      <a:pos x="connsiteX41" y="connsiteY41"/>
+                    </a:cxn>
+                    <a:cxn ang="0">
+                      <a:pos x="connsiteX42" y="connsiteY42"/>
+                    </a:cxn>
+                    <a:cxn ang="0">
+                      <a:pos x="connsiteX43" y="connsiteY43"/>
+                    </a:cxn>
+                    <a:cxn ang="0">
+                      <a:pos x="connsiteX44" y="connsiteY44"/>
+                    </a:cxn>
+                    <a:cxn ang="0">
+                      <a:pos x="connsiteX45" y="connsiteY45"/>
+                    </a:cxn>
+                    <a:cxn ang="0">
+                      <a:pos x="connsiteX46" y="connsiteY46"/>
+                    </a:cxn>
+                    <a:cxn ang="0">
+                      <a:pos x="connsiteX47" y="connsiteY47"/>
+                    </a:cxn>
+                    <a:cxn ang="0">
+                      <a:pos x="connsiteX48" y="connsiteY48"/>
+                    </a:cxn>
+                    <a:cxn ang="0">
+                      <a:pos x="connsiteX49" y="connsiteY49"/>
+                    </a:cxn>
+                    <a:cxn ang="0">
+                      <a:pos x="connsiteX50" y="connsiteY50"/>
+                    </a:cxn>
+                    <a:cxn ang="0">
+                      <a:pos x="connsiteX51" y="connsiteY51"/>
+                    </a:cxn>
+                    <a:cxn ang="0">
+                      <a:pos x="connsiteX52" y="connsiteY52"/>
+                    </a:cxn>
+                    <a:cxn ang="0">
+                      <a:pos x="connsiteX53" y="connsiteY53"/>
+                    </a:cxn>
+                    <a:cxn ang="0">
+                      <a:pos x="connsiteX54" y="connsiteY54"/>
+                    </a:cxn>
+                    <a:cxn ang="0">
+                      <a:pos x="connsiteX55" y="connsiteY55"/>
+                    </a:cxn>
+                    <a:cxn ang="0">
+                      <a:pos x="connsiteX56" y="connsiteY56"/>
+                    </a:cxn>
+                    <a:cxn ang="0">
+                      <a:pos x="connsiteX57" y="connsiteY57"/>
+                    </a:cxn>
+                    <a:cxn ang="0">
+                      <a:pos x="connsiteX58" y="connsiteY58"/>
+                    </a:cxn>
+                    <a:cxn ang="0">
+                      <a:pos x="connsiteX59" y="connsiteY59"/>
+                    </a:cxn>
+                    <a:cxn ang="0">
+                      <a:pos x="connsiteX60" y="connsiteY60"/>
+                    </a:cxn>
+                    <a:cxn ang="0">
+                      <a:pos x="connsiteX61" y="connsiteY61"/>
+                    </a:cxn>
+                    <a:cxn ang="0">
+                      <a:pos x="connsiteX62" y="connsiteY62"/>
+                    </a:cxn>
+                    <a:cxn ang="0">
+                      <a:pos x="connsiteX63" y="connsiteY63"/>
+                    </a:cxn>
+                    <a:cxn ang="0">
+                      <a:pos x="connsiteX64" y="connsiteY64"/>
+                    </a:cxn>
+                    <a:cxn ang="0">
+                      <a:pos x="connsiteX65" y="connsiteY65"/>
+                    </a:cxn>
+                    <a:cxn ang="0">
+                      <a:pos x="connsiteX66" y="connsiteY66"/>
+                    </a:cxn>
+                    <a:cxn ang="0">
+                      <a:pos x="connsiteX67" y="connsiteY67"/>
+                    </a:cxn>
+                    <a:cxn ang="0">
+                      <a:pos x="connsiteX68" y="connsiteY68"/>
+                    </a:cxn>
+                    <a:cxn ang="0">
+                      <a:pos x="connsiteX69" y="connsiteY69"/>
+                    </a:cxn>
+                    <a:cxn ang="0">
+                      <a:pos x="connsiteX70" y="connsiteY70"/>
+                    </a:cxn>
+                    <a:cxn ang="0">
+                      <a:pos x="connsiteX71" y="connsiteY71"/>
+                    </a:cxn>
+                    <a:cxn ang="0">
+                      <a:pos x="connsiteX72" y="connsiteY72"/>
+                    </a:cxn>
+                    <a:cxn ang="0">
+                      <a:pos x="connsiteX73" y="connsiteY73"/>
+                    </a:cxn>
+                    <a:cxn ang="0">
+                      <a:pos x="connsiteX74" y="connsiteY74"/>
+                    </a:cxn>
+                    <a:cxn ang="0">
+                      <a:pos x="connsiteX75" y="connsiteY75"/>
+                    </a:cxn>
+                    <a:cxn ang="0">
+                      <a:pos x="connsiteX76" y="connsiteY76"/>
+                    </a:cxn>
+                    <a:cxn ang="0">
+                      <a:pos x="connsiteX77" y="connsiteY77"/>
+                    </a:cxn>
+                    <a:cxn ang="0">
+                      <a:pos x="connsiteX78" y="connsiteY78"/>
+                    </a:cxn>
+                    <a:cxn ang="0">
+                      <a:pos x="connsiteX79" y="connsiteY79"/>
+                    </a:cxn>
+                    <a:cxn ang="0">
+                      <a:pos x="connsiteX80" y="connsiteY80"/>
+                    </a:cxn>
+                    <a:cxn ang="0">
+                      <a:pos x="connsiteX81" y="connsiteY81"/>
+                    </a:cxn>
+                    <a:cxn ang="0">
+                      <a:pos x="connsiteX82" y="connsiteY82"/>
+                    </a:cxn>
+                    <a:cxn ang="0">
+                      <a:pos x="connsiteX83" y="connsiteY83"/>
+                    </a:cxn>
+                    <a:cxn ang="0">
+                      <a:pos x="connsiteX84" y="connsiteY84"/>
+                    </a:cxn>
+                    <a:cxn ang="0">
+                      <a:pos x="connsiteX85" y="connsiteY85"/>
+                    </a:cxn>
+                    <a:cxn ang="0">
+                      <a:pos x="connsiteX86" y="connsiteY86"/>
+                    </a:cxn>
+                    <a:cxn ang="0">
+                      <a:pos x="connsiteX87" y="connsiteY87"/>
+                    </a:cxn>
+                    <a:cxn ang="0">
+                      <a:pos x="connsiteX88" y="connsiteY88"/>
+                    </a:cxn>
+                    <a:cxn ang="0">
+                      <a:pos x="connsiteX89" y="connsiteY89"/>
+                    </a:cxn>
+                    <a:cxn ang="0">
+                      <a:pos x="connsiteX90" y="connsiteY90"/>
+                    </a:cxn>
+                    <a:cxn ang="0">
+                      <a:pos x="connsiteX91" y="connsiteY91"/>
+                    </a:cxn>
+                    <a:cxn ang="0">
+                      <a:pos x="connsiteX92" y="connsiteY92"/>
+                    </a:cxn>
+                    <a:cxn ang="0">
+                      <a:pos x="connsiteX93" y="connsiteY93"/>
+                    </a:cxn>
+                    <a:cxn ang="0">
+                      <a:pos x="connsiteX94" y="connsiteY94"/>
+                    </a:cxn>
+                    <a:cxn ang="0">
+                      <a:pos x="connsiteX95" y="connsiteY95"/>
+                    </a:cxn>
+                    <a:cxn ang="0">
+                      <a:pos x="connsiteX96" y="connsiteY96"/>
+                    </a:cxn>
+                    <a:cxn ang="0">
+                      <a:pos x="connsiteX97" y="connsiteY97"/>
+                    </a:cxn>
+                    <a:cxn ang="0">
+                      <a:pos x="connsiteX98" y="connsiteY98"/>
+                    </a:cxn>
+                    <a:cxn ang="0">
+                      <a:pos x="connsiteX99" y="connsiteY99"/>
+                    </a:cxn>
+                    <a:cxn ang="0">
+                      <a:pos x="connsiteX100" y="connsiteY100"/>
+                    </a:cxn>
+                    <a:cxn ang="0">
+                      <a:pos x="connsiteX101" y="connsiteY101"/>
+                    </a:cxn>
+                    <a:cxn ang="0">
+                      <a:pos x="connsiteX102" y="connsiteY102"/>
+                    </a:cxn>
+                    <a:cxn ang="0">
+                      <a:pos x="connsiteX103" y="connsiteY103"/>
+                    </a:cxn>
+                    <a:cxn ang="0">
+                      <a:pos x="connsiteX104" y="connsiteY104"/>
+                    </a:cxn>
+                    <a:cxn ang="0">
+                      <a:pos x="connsiteX105" y="connsiteY105"/>
+                    </a:cxn>
+                    <a:cxn ang="0">
+                      <a:pos x="connsiteX106" y="connsiteY106"/>
+                    </a:cxn>
+                    <a:cxn ang="0">
+                      <a:pos x="connsiteX107" y="connsiteY107"/>
+                    </a:cxn>
+                    <a:cxn ang="0">
+                      <a:pos x="connsiteX108" y="connsiteY108"/>
+                    </a:cxn>
+                    <a:cxn ang="0">
+                      <a:pos x="connsiteX109" y="connsiteY109"/>
+                    </a:cxn>
+                    <a:cxn ang="0">
+                      <a:pos x="connsiteX110" y="connsiteY110"/>
+                    </a:cxn>
+                    <a:cxn ang="0">
+                      <a:pos x="connsiteX111" y="connsiteY111"/>
+                    </a:cxn>
+                    <a:cxn ang="0">
+                      <a:pos x="connsiteX112" y="connsiteY112"/>
+                    </a:cxn>
+                    <a:cxn ang="0">
+                      <a:pos x="connsiteX113" y="connsiteY113"/>
+                    </a:cxn>
+                    <a:cxn ang="0">
+                      <a:pos x="connsiteX114" y="connsiteY114"/>
+                    </a:cxn>
+                    <a:cxn ang="0">
+                      <a:pos x="connsiteX115" y="connsiteY115"/>
+                    </a:cxn>
+                    <a:cxn ang="0">
+                      <a:pos x="connsiteX116" y="connsiteY116"/>
+                    </a:cxn>
+                    <a:cxn ang="0">
+                      <a:pos x="connsiteX117" y="connsiteY117"/>
+                    </a:cxn>
+                    <a:cxn ang="0">
+                      <a:pos x="connsiteX118" y="connsiteY118"/>
+                    </a:cxn>
+                    <a:cxn ang="0">
+                      <a:pos x="connsiteX119" y="connsiteY119"/>
+                    </a:cxn>
+                  </a:cxnLst>
+                  <a:rect l="l" t="t" r="r" b="b"/>
+                  <a:pathLst>
+                    <a:path w="5973098" h="4899456">
+                      <a:moveTo>
+                        <a:pt x="598311" y="2969045"/>
+                      </a:moveTo>
+                      <a:cubicBezTo>
+                        <a:pt x="575733" y="2944586"/>
+                        <a:pt x="532857" y="2908148"/>
+                        <a:pt x="519289" y="2867445"/>
+                      </a:cubicBezTo>
+                      <a:cubicBezTo>
+                        <a:pt x="515526" y="2856156"/>
+                        <a:pt x="514917" y="2843261"/>
+                        <a:pt x="508000" y="2833578"/>
+                      </a:cubicBezTo>
+                      <a:cubicBezTo>
+                        <a:pt x="495628" y="2816257"/>
+                        <a:pt x="475617" y="2805452"/>
+                        <a:pt x="462845" y="2788423"/>
+                      </a:cubicBezTo>
+                      <a:cubicBezTo>
+                        <a:pt x="452748" y="2774960"/>
+                        <a:pt x="448616" y="2757878"/>
+                        <a:pt x="440267" y="2743267"/>
+                      </a:cubicBezTo>
+                      <a:cubicBezTo>
+                        <a:pt x="419312" y="2706597"/>
+                        <a:pt x="414951" y="2706663"/>
+                        <a:pt x="383822" y="2675534"/>
+                      </a:cubicBezTo>
+                      <a:cubicBezTo>
+                        <a:pt x="358559" y="2549220"/>
+                        <a:pt x="394129" y="2684859"/>
+                        <a:pt x="338667" y="2573934"/>
+                      </a:cubicBezTo>
+                      <a:cubicBezTo>
+                        <a:pt x="328024" y="2552648"/>
+                        <a:pt x="325755" y="2527949"/>
+                        <a:pt x="316089" y="2506201"/>
+                      </a:cubicBezTo>
+                      <a:cubicBezTo>
+                        <a:pt x="310579" y="2493803"/>
+                        <a:pt x="300242" y="2484114"/>
+                        <a:pt x="293511" y="2472334"/>
+                      </a:cubicBezTo>
+                      <a:cubicBezTo>
+                        <a:pt x="250714" y="2397440"/>
+                        <a:pt x="296366" y="2452611"/>
+                        <a:pt x="225778" y="2382023"/>
+                      </a:cubicBezTo>
+                      <a:cubicBezTo>
+                        <a:pt x="203670" y="2326752"/>
+                        <a:pt x="199999" y="2313045"/>
+                        <a:pt x="169333" y="2257845"/>
+                      </a:cubicBezTo>
+                      <a:cubicBezTo>
+                        <a:pt x="162744" y="2245985"/>
+                        <a:pt x="151974" y="2236502"/>
+                        <a:pt x="146756" y="2223978"/>
+                      </a:cubicBezTo>
+                      <a:cubicBezTo>
+                        <a:pt x="33326" y="1951742"/>
+                        <a:pt x="159393" y="2239313"/>
+                        <a:pt x="101600" y="2065934"/>
+                      </a:cubicBezTo>
+                      <a:cubicBezTo>
+                        <a:pt x="88784" y="2027485"/>
+                        <a:pt x="64393" y="1992786"/>
+                        <a:pt x="56445" y="1953045"/>
+                      </a:cubicBezTo>
+                      <a:cubicBezTo>
+                        <a:pt x="39783" y="1869738"/>
+                        <a:pt x="50427" y="1915050"/>
+                        <a:pt x="22578" y="1817578"/>
+                      </a:cubicBezTo>
+                      <a:cubicBezTo>
+                        <a:pt x="18815" y="1764897"/>
+                        <a:pt x="16818" y="1712059"/>
+                        <a:pt x="11289" y="1659534"/>
+                      </a:cubicBezTo>
+                      <a:cubicBezTo>
+                        <a:pt x="9280" y="1640452"/>
+                        <a:pt x="0" y="1622277"/>
+                        <a:pt x="0" y="1603089"/>
+                      </a:cubicBezTo>
+                      <a:cubicBezTo>
+                        <a:pt x="0" y="1305791"/>
+                        <a:pt x="4212" y="1008481"/>
+                        <a:pt x="11289" y="711267"/>
+                      </a:cubicBezTo>
+                      <a:cubicBezTo>
+                        <a:pt x="11746" y="692085"/>
+                        <a:pt x="15841" y="672789"/>
+                        <a:pt x="22578" y="654823"/>
+                      </a:cubicBezTo>
+                      <a:cubicBezTo>
+                        <a:pt x="27342" y="642119"/>
+                        <a:pt x="38425" y="632736"/>
+                        <a:pt x="45156" y="620956"/>
+                      </a:cubicBezTo>
+                      <a:cubicBezTo>
+                        <a:pt x="53505" y="606345"/>
+                        <a:pt x="57952" y="589495"/>
+                        <a:pt x="67733" y="575801"/>
+                      </a:cubicBezTo>
+                      <a:cubicBezTo>
+                        <a:pt x="77012" y="562810"/>
+                        <a:pt x="92320" y="554925"/>
+                        <a:pt x="101600" y="541934"/>
+                      </a:cubicBezTo>
+                      <a:cubicBezTo>
+                        <a:pt x="268372" y="308453"/>
+                        <a:pt x="-77357" y="748698"/>
+                        <a:pt x="169333" y="440334"/>
+                      </a:cubicBezTo>
+                      <a:cubicBezTo>
+                        <a:pt x="173096" y="429045"/>
+                        <a:pt x="174315" y="416558"/>
+                        <a:pt x="180622" y="406467"/>
+                      </a:cubicBezTo>
+                      <a:cubicBezTo>
+                        <a:pt x="204411" y="368405"/>
+                        <a:pt x="232365" y="338654"/>
+                        <a:pt x="270933" y="316156"/>
+                      </a:cubicBezTo>
+                      <a:cubicBezTo>
+                        <a:pt x="300005" y="299197"/>
+                        <a:pt x="328241" y="277602"/>
+                        <a:pt x="361245" y="271001"/>
+                      </a:cubicBezTo>
+                      <a:cubicBezTo>
+                        <a:pt x="440134" y="255223"/>
+                        <a:pt x="398763" y="262866"/>
+                        <a:pt x="485422" y="248423"/>
+                      </a:cubicBezTo>
+                      <a:cubicBezTo>
+                        <a:pt x="595625" y="255102"/>
+                        <a:pt x="771911" y="242930"/>
+                        <a:pt x="903111" y="282289"/>
+                      </a:cubicBezTo>
+                      <a:cubicBezTo>
+                        <a:pt x="925907" y="289128"/>
+                        <a:pt x="947884" y="298605"/>
+                        <a:pt x="970845" y="304867"/>
+                      </a:cubicBezTo>
+                      <a:cubicBezTo>
+                        <a:pt x="989356" y="309916"/>
+                        <a:pt x="1009086" y="310088"/>
+                        <a:pt x="1027289" y="316156"/>
+                      </a:cubicBezTo>
+                      <a:cubicBezTo>
+                        <a:pt x="1065738" y="328972"/>
+                        <a:pt x="1102548" y="346260"/>
+                        <a:pt x="1140178" y="361312"/>
+                      </a:cubicBezTo>
+                      <a:cubicBezTo>
+                        <a:pt x="1140187" y="361316"/>
+                        <a:pt x="1253059" y="406463"/>
+                        <a:pt x="1253067" y="406467"/>
+                      </a:cubicBezTo>
+                      <a:cubicBezTo>
+                        <a:pt x="1268119" y="413993"/>
+                        <a:pt x="1282103" y="424209"/>
+                        <a:pt x="1298222" y="429045"/>
+                      </a:cubicBezTo>
+                      <a:cubicBezTo>
+                        <a:pt x="1320146" y="435622"/>
+                        <a:pt x="1343378" y="436571"/>
+                        <a:pt x="1365956" y="440334"/>
+                      </a:cubicBezTo>
+                      <a:cubicBezTo>
+                        <a:pt x="1454866" y="475898"/>
+                        <a:pt x="1388657" y="453389"/>
+                        <a:pt x="1478845" y="474201"/>
+                      </a:cubicBezTo>
+                      <a:cubicBezTo>
+                        <a:pt x="1509080" y="481178"/>
+                        <a:pt x="1538410" y="492585"/>
+                        <a:pt x="1569156" y="496778"/>
+                      </a:cubicBezTo>
+                      <a:cubicBezTo>
+                        <a:pt x="1621487" y="503914"/>
+                        <a:pt x="1674622" y="503060"/>
+                        <a:pt x="1727200" y="508067"/>
+                      </a:cubicBezTo>
+                      <a:cubicBezTo>
+                        <a:pt x="1753688" y="510590"/>
+                        <a:pt x="1779881" y="515593"/>
+                        <a:pt x="1806222" y="519356"/>
+                      </a:cubicBezTo>
+                      <a:cubicBezTo>
+                        <a:pt x="1979318" y="511830"/>
+                        <a:pt x="2153438" y="517022"/>
+                        <a:pt x="2325511" y="496778"/>
+                      </a:cubicBezTo>
+                      <a:cubicBezTo>
+                        <a:pt x="2380417" y="490319"/>
+                        <a:pt x="2381434" y="438806"/>
+                        <a:pt x="2404533" y="406467"/>
+                      </a:cubicBezTo>
+                      <a:cubicBezTo>
+                        <a:pt x="2430295" y="370400"/>
+                        <a:pt x="2450859" y="369095"/>
+                        <a:pt x="2483556" y="338734"/>
+                      </a:cubicBezTo>
+                      <a:cubicBezTo>
+                        <a:pt x="2639446" y="193979"/>
+                        <a:pt x="2543650" y="261043"/>
+                        <a:pt x="2630311" y="203267"/>
+                      </a:cubicBezTo>
+                      <a:cubicBezTo>
+                        <a:pt x="2637837" y="191978"/>
+                        <a:pt x="2643295" y="178995"/>
+                        <a:pt x="2652889" y="169401"/>
+                      </a:cubicBezTo>
+                      <a:cubicBezTo>
+                        <a:pt x="2672161" y="150129"/>
+                        <a:pt x="2751028" y="101441"/>
+                        <a:pt x="2765778" y="90378"/>
+                      </a:cubicBezTo>
+                      <a:cubicBezTo>
+                        <a:pt x="2780830" y="79089"/>
+                        <a:pt x="2794597" y="65847"/>
+                        <a:pt x="2810933" y="56512"/>
+                      </a:cubicBezTo>
+                      <a:cubicBezTo>
+                        <a:pt x="2821265" y="50608"/>
+                        <a:pt x="2834157" y="50545"/>
+                        <a:pt x="2844800" y="45223"/>
+                      </a:cubicBezTo>
+                      <a:cubicBezTo>
+                        <a:pt x="2856935" y="39155"/>
+                        <a:pt x="2865390" y="25440"/>
+                        <a:pt x="2878667" y="22645"/>
+                      </a:cubicBezTo>
+                      <a:cubicBezTo>
+                        <a:pt x="2938041" y="10145"/>
+                        <a:pt x="3059289" y="67"/>
+                        <a:pt x="3059289" y="67"/>
+                      </a:cubicBezTo>
+                      <a:cubicBezTo>
+                        <a:pt x="3321208" y="6303"/>
+                        <a:pt x="3411523" y="-13823"/>
+                        <a:pt x="3601156" y="22645"/>
+                      </a:cubicBezTo>
+                      <a:cubicBezTo>
+                        <a:pt x="3676524" y="37139"/>
+                        <a:pt x="3754804" y="41573"/>
+                        <a:pt x="3826933" y="67801"/>
+                      </a:cubicBezTo>
+                      <a:cubicBezTo>
+                        <a:pt x="3868326" y="82853"/>
+                        <a:pt x="3909140" y="99602"/>
+                        <a:pt x="3951111" y="112956"/>
+                      </a:cubicBezTo>
+                      <a:cubicBezTo>
+                        <a:pt x="3991996" y="125965"/>
+                        <a:pt x="4034968" y="132161"/>
+                        <a:pt x="4075289" y="146823"/>
+                      </a:cubicBezTo>
+                      <a:cubicBezTo>
+                        <a:pt x="4118020" y="162361"/>
+                        <a:pt x="4156332" y="188889"/>
+                        <a:pt x="4199467" y="203267"/>
+                      </a:cubicBezTo>
+                      <a:cubicBezTo>
+                        <a:pt x="4241965" y="217433"/>
+                        <a:pt x="4405267" y="248943"/>
+                        <a:pt x="4459111" y="259712"/>
+                      </a:cubicBezTo>
+                      <a:cubicBezTo>
+                        <a:pt x="4503148" y="284876"/>
+                        <a:pt x="4565256" y="317961"/>
+                        <a:pt x="4605867" y="350023"/>
+                      </a:cubicBezTo>
+                      <a:cubicBezTo>
+                        <a:pt x="4656163" y="389730"/>
+                        <a:pt x="4711229" y="425283"/>
+                        <a:pt x="4752622" y="474201"/>
+                      </a:cubicBezTo>
+                      <a:cubicBezTo>
+                        <a:pt x="4794015" y="523119"/>
+                        <a:pt x="4822460" y="586993"/>
+                        <a:pt x="4876800" y="620956"/>
+                      </a:cubicBezTo>
+                      <a:cubicBezTo>
+                        <a:pt x="4906904" y="639771"/>
+                        <a:pt x="4939559" y="655015"/>
+                        <a:pt x="4967111" y="677401"/>
+                      </a:cubicBezTo>
+                      <a:cubicBezTo>
+                        <a:pt x="5041399" y="737760"/>
+                        <a:pt x="5080294" y="801873"/>
+                        <a:pt x="5147733" y="869312"/>
+                      </a:cubicBezTo>
+                      <a:cubicBezTo>
+                        <a:pt x="5172265" y="893844"/>
+                        <a:pt x="5202730" y="912018"/>
+                        <a:pt x="5226756" y="937045"/>
+                      </a:cubicBezTo>
+                      <a:cubicBezTo>
+                        <a:pt x="5293196" y="1006253"/>
+                        <a:pt x="5350829" y="1083696"/>
+                        <a:pt x="5418667" y="1151534"/>
+                      </a:cubicBezTo>
+                      <a:cubicBezTo>
+                        <a:pt x="5486400" y="1219267"/>
+                        <a:pt x="5558789" y="1282645"/>
+                        <a:pt x="5621867" y="1354734"/>
+                      </a:cubicBezTo>
+                      <a:cubicBezTo>
+                        <a:pt x="5648208" y="1384838"/>
+                        <a:pt x="5673670" y="1415733"/>
+                        <a:pt x="5700889" y="1445045"/>
+                      </a:cubicBezTo>
+                      <a:cubicBezTo>
+                        <a:pt x="5828592" y="1582571"/>
+                        <a:pt x="5705122" y="1437989"/>
+                        <a:pt x="5870222" y="1603089"/>
+                      </a:cubicBezTo>
+                      <a:cubicBezTo>
+                        <a:pt x="5891004" y="1623871"/>
+                        <a:pt x="5907852" y="1648245"/>
+                        <a:pt x="5926667" y="1670823"/>
+                      </a:cubicBezTo>
+                      <a:cubicBezTo>
+                        <a:pt x="5986986" y="1912095"/>
+                        <a:pt x="5993893" y="1922077"/>
+                        <a:pt x="5915378" y="2370734"/>
+                      </a:cubicBezTo>
+                      <a:cubicBezTo>
+                        <a:pt x="5877805" y="2585434"/>
+                        <a:pt x="5815160" y="2553659"/>
+                        <a:pt x="5746045" y="2664245"/>
+                      </a:cubicBezTo>
+                      <a:cubicBezTo>
+                        <a:pt x="5724818" y="2698209"/>
+                        <a:pt x="5682814" y="2808028"/>
+                        <a:pt x="5678311" y="2822289"/>
+                      </a:cubicBezTo>
+                      <a:cubicBezTo>
+                        <a:pt x="5667864" y="2855371"/>
+                        <a:pt x="5662762" y="2889916"/>
+                        <a:pt x="5655733" y="2923889"/>
+                      </a:cubicBezTo>
+                      <a:cubicBezTo>
+                        <a:pt x="5640183" y="2999047"/>
+                        <a:pt x="5618215" y="3073298"/>
+                        <a:pt x="5610578" y="3149667"/>
+                      </a:cubicBezTo>
+                      <a:cubicBezTo>
+                        <a:pt x="5598816" y="3267287"/>
+                        <a:pt x="5587076" y="3398310"/>
+                        <a:pt x="5565422" y="3510912"/>
+                      </a:cubicBezTo>
+                      <a:cubicBezTo>
+                        <a:pt x="5562244" y="3527437"/>
+                        <a:pt x="5549095" y="3540442"/>
+                        <a:pt x="5542845" y="3556067"/>
+                      </a:cubicBezTo>
+                      <a:cubicBezTo>
+                        <a:pt x="5534006" y="3578164"/>
+                        <a:pt x="5527793" y="3601223"/>
+                        <a:pt x="5520267" y="3623801"/>
+                      </a:cubicBezTo>
+                      <a:cubicBezTo>
+                        <a:pt x="5516504" y="3668956"/>
+                        <a:pt x="5511992" y="3714056"/>
+                        <a:pt x="5508978" y="3759267"/>
+                      </a:cubicBezTo>
+                      <a:cubicBezTo>
+                        <a:pt x="5504465" y="3826955"/>
+                        <a:pt x="5507283" y="3895311"/>
+                        <a:pt x="5497689" y="3962467"/>
+                      </a:cubicBezTo>
+                      <a:cubicBezTo>
+                        <a:pt x="5495770" y="3975898"/>
+                        <a:pt x="5484045" y="3986123"/>
+                        <a:pt x="5475111" y="3996334"/>
+                      </a:cubicBezTo>
+                      <a:cubicBezTo>
+                        <a:pt x="5457590" y="4016359"/>
+                        <a:pt x="5435854" y="4032466"/>
+                        <a:pt x="5418667" y="4052778"/>
+                      </a:cubicBezTo>
+                      <a:cubicBezTo>
+                        <a:pt x="5281631" y="4214729"/>
+                        <a:pt x="5427408" y="4076173"/>
+                        <a:pt x="5260622" y="4222112"/>
+                      </a:cubicBezTo>
+                      <a:cubicBezTo>
+                        <a:pt x="5234478" y="4274401"/>
+                        <a:pt x="5230066" y="4301075"/>
+                        <a:pt x="5181600" y="4335001"/>
+                      </a:cubicBezTo>
+                      <a:cubicBezTo>
+                        <a:pt x="5160920" y="4349477"/>
+                        <a:pt x="5135512" y="4355880"/>
+                        <a:pt x="5113867" y="4368867"/>
+                      </a:cubicBezTo>
+                      <a:cubicBezTo>
+                        <a:pt x="5068697" y="4395969"/>
+                        <a:pt x="4986733" y="4459235"/>
+                        <a:pt x="4933245" y="4481756"/>
+                      </a:cubicBezTo>
+                      <a:cubicBezTo>
+                        <a:pt x="4889377" y="4500227"/>
+                        <a:pt x="4797778" y="4526912"/>
+                        <a:pt x="4797778" y="4526912"/>
+                      </a:cubicBezTo>
+                      <a:cubicBezTo>
+                        <a:pt x="4790252" y="4557016"/>
+                        <a:pt x="4780751" y="4586693"/>
+                        <a:pt x="4775200" y="4617223"/>
+                      </a:cubicBezTo>
+                      <a:cubicBezTo>
+                        <a:pt x="4765680" y="4669581"/>
+                        <a:pt x="4768495" y="4724473"/>
+                        <a:pt x="4752622" y="4775267"/>
+                      </a:cubicBezTo>
+                      <a:cubicBezTo>
+                        <a:pt x="4748575" y="4788217"/>
+                        <a:pt x="4730261" y="4790654"/>
+                        <a:pt x="4718756" y="4797845"/>
+                      </a:cubicBezTo>
+                      <a:cubicBezTo>
+                        <a:pt x="4676206" y="4824439"/>
+                        <a:pt x="4653804" y="4839908"/>
+                        <a:pt x="4605867" y="4854289"/>
+                      </a:cubicBezTo>
+                      <a:cubicBezTo>
+                        <a:pt x="4587489" y="4859802"/>
+                        <a:pt x="4568237" y="4861815"/>
+                        <a:pt x="4549422" y="4865578"/>
+                      </a:cubicBezTo>
+                      <a:cubicBezTo>
+                        <a:pt x="4530607" y="4873104"/>
+                        <a:pt x="4512637" y="4883241"/>
+                        <a:pt x="4492978" y="4888156"/>
+                      </a:cubicBezTo>
+                      <a:cubicBezTo>
+                        <a:pt x="4467164" y="4894610"/>
+                        <a:pt x="4440563" y="4899734"/>
+                        <a:pt x="4413956" y="4899445"/>
+                      </a:cubicBezTo>
+                      <a:cubicBezTo>
+                        <a:pt x="4094034" y="4895968"/>
+                        <a:pt x="3774252" y="4884393"/>
+                        <a:pt x="3454400" y="4876867"/>
+                      </a:cubicBezTo>
+                      <a:cubicBezTo>
+                        <a:pt x="3428059" y="4865578"/>
+                        <a:pt x="3401010" y="4855817"/>
+                        <a:pt x="3375378" y="4843001"/>
+                      </a:cubicBezTo>
+                      <a:cubicBezTo>
+                        <a:pt x="3297416" y="4804020"/>
+                        <a:pt x="3390336" y="4832629"/>
+                        <a:pt x="3296356" y="4809134"/>
+                      </a:cubicBezTo>
+                      <a:lnTo>
+                        <a:pt x="2630311" y="4820423"/>
+                      </a:lnTo>
+                      <a:cubicBezTo>
+                        <a:pt x="2611133" y="4821022"/>
+                        <a:pt x="2592745" y="4828280"/>
+                        <a:pt x="2573867" y="4831712"/>
+                      </a:cubicBezTo>
+                      <a:cubicBezTo>
+                        <a:pt x="2551347" y="4835807"/>
+                        <a:pt x="2528711" y="4839238"/>
+                        <a:pt x="2506133" y="4843001"/>
+                      </a:cubicBezTo>
+                      <a:cubicBezTo>
+                        <a:pt x="2427111" y="4839238"/>
+                        <a:pt x="2347905" y="4838282"/>
+                        <a:pt x="2269067" y="4831712"/>
+                      </a:cubicBezTo>
+                      <a:cubicBezTo>
+                        <a:pt x="2257208" y="4830724"/>
+                        <a:pt x="2247093" y="4820833"/>
+                        <a:pt x="2235200" y="4820423"/>
+                      </a:cubicBezTo>
+                      <a:cubicBezTo>
+                        <a:pt x="2028326" y="4813289"/>
+                        <a:pt x="1821274" y="4812897"/>
+                        <a:pt x="1614311" y="4809134"/>
+                      </a:cubicBezTo>
+                      <a:cubicBezTo>
+                        <a:pt x="1584207" y="4794082"/>
+                        <a:pt x="1550567" y="4784641"/>
+                        <a:pt x="1524000" y="4763978"/>
+                      </a:cubicBezTo>
+                      <a:cubicBezTo>
+                        <a:pt x="1481994" y="4731306"/>
+                        <a:pt x="1443783" y="4693096"/>
+                        <a:pt x="1411111" y="4651089"/>
+                      </a:cubicBezTo>
+                      <a:cubicBezTo>
+                        <a:pt x="1334416" y="4552481"/>
+                        <a:pt x="1324227" y="4547789"/>
+                        <a:pt x="1264356" y="4436601"/>
+                      </a:cubicBezTo>
+                      <a:cubicBezTo>
+                        <a:pt x="1258714" y="4426124"/>
+                        <a:pt x="1255560" y="4414370"/>
+                        <a:pt x="1253067" y="4402734"/>
+                      </a:cubicBezTo>
+                      <a:cubicBezTo>
+                        <a:pt x="1244252" y="4361597"/>
+                        <a:pt x="1238015" y="4319949"/>
+                        <a:pt x="1230489" y="4278556"/>
+                      </a:cubicBezTo>
+                      <a:cubicBezTo>
+                        <a:pt x="1234252" y="4210823"/>
+                        <a:pt x="1236144" y="4142959"/>
+                        <a:pt x="1241778" y="4075356"/>
+                      </a:cubicBezTo>
+                      <a:cubicBezTo>
+                        <a:pt x="1259807" y="3859011"/>
+                        <a:pt x="1317277" y="4201253"/>
+                        <a:pt x="1241778" y="3657667"/>
+                      </a:cubicBezTo>
+                      <a:cubicBezTo>
+                        <a:pt x="1238463" y="3633801"/>
+                        <a:pt x="1211674" y="3620038"/>
+                        <a:pt x="1196622" y="3601223"/>
+                      </a:cubicBezTo>
+                      <a:cubicBezTo>
+                        <a:pt x="1158234" y="3505249"/>
+                        <a:pt x="1188374" y="3559107"/>
+                        <a:pt x="1083733" y="3454467"/>
+                      </a:cubicBezTo>
+                      <a:lnTo>
+                        <a:pt x="1049867" y="3420601"/>
+                      </a:lnTo>
+                      <a:cubicBezTo>
+                        <a:pt x="1038578" y="3409312"/>
+                        <a:pt x="1023140" y="3401014"/>
+                        <a:pt x="1016000" y="3386734"/>
+                      </a:cubicBezTo>
+                      <a:cubicBezTo>
+                        <a:pt x="1000948" y="3356630"/>
+                        <a:pt x="989514" y="3324427"/>
+                        <a:pt x="970845" y="3296423"/>
+                      </a:cubicBezTo>
+                      <a:cubicBezTo>
+                        <a:pt x="963319" y="3285134"/>
+                        <a:pt x="958690" y="3271242"/>
+                        <a:pt x="948267" y="3262556"/>
+                      </a:cubicBezTo>
+                      <a:cubicBezTo>
+                        <a:pt x="935339" y="3251783"/>
+                        <a:pt x="916805" y="3249759"/>
+                        <a:pt x="903111" y="3239978"/>
+                      </a:cubicBezTo>
+                      <a:cubicBezTo>
+                        <a:pt x="890120" y="3230699"/>
+                        <a:pt x="879465" y="3218376"/>
+                        <a:pt x="869245" y="3206112"/>
+                      </a:cubicBezTo>
+                      <a:cubicBezTo>
+                        <a:pt x="860559" y="3195689"/>
+                        <a:pt x="857262" y="3180721"/>
+                        <a:pt x="846667" y="3172245"/>
+                      </a:cubicBezTo>
+                      <a:cubicBezTo>
+                        <a:pt x="837375" y="3164811"/>
+                        <a:pt x="824089" y="3164719"/>
+                        <a:pt x="812800" y="3160956"/>
+                      </a:cubicBezTo>
+                      <a:cubicBezTo>
+                        <a:pt x="801511" y="3149667"/>
+                        <a:pt x="791198" y="3137310"/>
+                        <a:pt x="778933" y="3127089"/>
+                      </a:cubicBezTo>
+                      <a:cubicBezTo>
+                        <a:pt x="768510" y="3118403"/>
+                        <a:pt x="754660" y="3114105"/>
+                        <a:pt x="745067" y="3104512"/>
+                      </a:cubicBezTo>
+                      <a:cubicBezTo>
+                        <a:pt x="735473" y="3094918"/>
+                        <a:pt x="731175" y="3081068"/>
+                        <a:pt x="722489" y="3070645"/>
+                      </a:cubicBezTo>
+                      <a:cubicBezTo>
+                        <a:pt x="695326" y="3038049"/>
+                        <a:pt x="688056" y="3036401"/>
+                        <a:pt x="654756" y="3014201"/>
+                      </a:cubicBezTo>
+                      <a:cubicBezTo>
+                        <a:pt x="630091" y="2977203"/>
+                        <a:pt x="620889" y="2993504"/>
+                        <a:pt x="598311" y="2969045"/>
+                      </a:cubicBezTo>
+                      <a:close/>
+                    </a:path>
+                  </a:pathLst>
+                </a:custGeom>
+                <a:noFill/>
+                <a:ln w="73025"/>
+                <a:scene3d>
+                  <a:camera prst="orthographicFront"/>
+                  <a:lightRig rig="threePt" dir="t"/>
+                </a:scene3d>
+                <a:sp3d>
+                  <a:bevelT w="88900" h="114300"/>
+                </a:sp3d>
+              </p:spPr>
+              <p:style>
+                <a:lnRef idx="2">
+                  <a:schemeClr val="accent1">
+                    <a:shade val="50000"/>
+                  </a:schemeClr>
+                </a:lnRef>
+                <a:fillRef idx="1">
+                  <a:schemeClr val="accent1"/>
+                </a:fillRef>
+                <a:effectRef idx="0">
+                  <a:schemeClr val="accent1"/>
+                </a:effectRef>
+                <a:fontRef idx="minor">
+                  <a:schemeClr val="lt1"/>
+                </a:fontRef>
+              </p:style>
+              <p:txBody>
+                <a:bodyPr rtlCol="0" anchor="ctr"/>
+                <a:lstStyle/>
+                <a:p>
+                  <a:pPr algn="ctr"/>
+                  <a:endParaRPr lang="en-US"/>
+                </a:p>
+              </p:txBody>
+            </p:sp>
+            <p:cxnSp>
+              <p:nvCxnSpPr>
+                <p:cNvPr id="26" name="Straight Arrow Connector 25"/>
+                <p:cNvCxnSpPr>
+                  <a:stCxn id="23" idx="7"/>
+                </p:cNvCxnSpPr>
+                <p:nvPr/>
+              </p:nvCxnSpPr>
+              <p:spPr>
+                <a:xfrm flipV="1">
+                  <a:off x="4615155" y="2511687"/>
+                  <a:ext cx="4072857" cy="2729318"/>
+                </a:xfrm>
+                <a:prstGeom prst="straightConnector1">
+                  <a:avLst/>
+                </a:prstGeom>
+                <a:ln w="63500">
+                  <a:solidFill>
+                    <a:schemeClr val="accent2">
+                      <a:lumMod val="75000"/>
+                    </a:schemeClr>
+                  </a:solidFill>
+                  <a:tailEnd type="triangle"/>
+                </a:ln>
+              </p:spPr>
+              <p:style>
+                <a:lnRef idx="1">
+                  <a:schemeClr val="accent1"/>
+                </a:lnRef>
+                <a:fillRef idx="0">
+                  <a:schemeClr val="accent1"/>
+                </a:fillRef>
+                <a:effectRef idx="0">
+                  <a:schemeClr val="accent1"/>
+                </a:effectRef>
+                <a:fontRef idx="minor">
+                  <a:schemeClr val="tx1"/>
+                </a:fontRef>
+              </p:style>
+            </p:cxnSp>
+            <p:sp>
+              <p:nvSpPr>
+                <p:cNvPr id="27" name="TextBox 26"/>
+                <p:cNvSpPr txBox="1"/>
+                <p:nvPr/>
+              </p:nvSpPr>
+              <p:spPr>
+                <a:xfrm>
+                  <a:off x="5255978" y="2842918"/>
+                  <a:ext cx="1419400" cy="1313564"/>
+                </a:xfrm>
+                <a:prstGeom prst="rect">
+                  <a:avLst/>
+                </a:prstGeom>
+                <a:noFill/>
+              </p:spPr>
+              <p:txBody>
+                <a:bodyPr wrap="square" rtlCol="0">
+                  <a:spAutoFit/>
+                </a:bodyPr>
+                <a:lstStyle/>
+                <a:p>
+                  <a:r>
+                    <a:rPr lang="en-US" sz="7200" dirty="0" smtClean="0"/>
+                    <a:t>r</a:t>
+                  </a:r>
+                  <a:r>
+                    <a:rPr lang="en-US" sz="3600" dirty="0" smtClean="0"/>
+                    <a:t>1m</a:t>
+                  </a:r>
+                  <a:endParaRPr lang="en-US" sz="3600" dirty="0"/>
+                </a:p>
+              </p:txBody>
+            </p:sp>
+            <p:sp>
+              <p:nvSpPr>
+                <p:cNvPr id="28" name="TextBox 27"/>
+                <p:cNvSpPr txBox="1"/>
+                <p:nvPr/>
+              </p:nvSpPr>
+              <p:spPr>
+                <a:xfrm>
+                  <a:off x="9012968" y="1800487"/>
+                  <a:ext cx="447121" cy="830997"/>
+                </a:xfrm>
+                <a:prstGeom prst="rect">
+                  <a:avLst/>
+                </a:prstGeom>
+                <a:noFill/>
+              </p:spPr>
+              <p:txBody>
+                <a:bodyPr wrap="square" rtlCol="0">
+                  <a:spAutoFit/>
+                </a:bodyPr>
+                <a:lstStyle/>
+                <a:p>
+                  <a:r>
+                    <a:rPr lang="en-US" sz="4800" dirty="0" smtClean="0"/>
+                    <a:t>m</a:t>
+                  </a:r>
+                  <a:endParaRPr lang="en-US" sz="4800" dirty="0"/>
+                </a:p>
+              </p:txBody>
+            </p:sp>
+          </p:grpSp>
+          <p:sp>
+            <p:nvSpPr>
+              <p:cNvPr id="6" name="Oval 5"/>
+              <p:cNvSpPr/>
+              <p:nvPr/>
+            </p:nvSpPr>
+            <p:spPr>
+              <a:xfrm>
+                <a:off x="6441855" y="1903699"/>
+                <a:ext cx="265952" cy="309307"/>
+              </a:xfrm>
+              <a:prstGeom prst="ellipse">
+                <a:avLst/>
+              </a:prstGeom>
+              <a:solidFill>
+                <a:schemeClr val="accent6"/>
+              </a:solidFill>
+              <a:scene3d>
+                <a:camera prst="orthographicFront"/>
+                <a:lightRig rig="threePt" dir="t"/>
+              </a:scene3d>
+              <a:sp3d extrusionH="107950" contourW="12700" prstMaterial="dkEdge">
+                <a:bevelT w="107950" h="107950"/>
+                <a:bevelB w="107950" h="107950"/>
+              </a:sp3d>
+            </p:spPr>
+            <p:style>
+              <a:lnRef idx="2">
+                <a:schemeClr val="accent1">
+                  <a:shade val="50000"/>
+                </a:schemeClr>
+              </a:lnRef>
+              <a:fillRef idx="1">
+                <a:schemeClr val="accent1"/>
+              </a:fillRef>
+              <a:effectRef idx="0">
+                <a:schemeClr val="accent1"/>
+              </a:effectRef>
+              <a:fontRef idx="minor">
+                <a:schemeClr val="lt1"/>
+              </a:fontRef>
+            </p:style>
+            <p:txBody>
+              <a:bodyPr rot="0" spcFirstLastPara="0" vert="horz" wrap="square" lIns="91440" tIns="45720" rIns="91440" bIns="45720" numCol="1" spcCol="0" rtlCol="1" fromWordArt="0" anchor="ctr" anchorCtr="0" forceAA="0" compatLnSpc="1">
+                <a:prstTxWarp prst="textNoShape">
+                  <a:avLst/>
+                </a:prstTxWarp>
+                <a:noAutofit/>
+              </a:bodyPr>
+              <a:lstStyle/>
+              <a:p>
+                <a:endParaRPr lang="en-US"/>
+              </a:p>
+            </p:txBody>
+          </p:sp>
+          <p:sp>
+            <p:nvSpPr>
+              <p:cNvPr id="7" name="Oval 6"/>
+              <p:cNvSpPr/>
+              <p:nvPr/>
+            </p:nvSpPr>
+            <p:spPr>
+              <a:xfrm>
+                <a:off x="8770110" y="5669037"/>
+                <a:ext cx="265952" cy="309307"/>
+              </a:xfrm>
+              <a:prstGeom prst="ellipse">
+                <a:avLst/>
+              </a:prstGeom>
+              <a:solidFill>
+                <a:schemeClr val="accent6"/>
+              </a:solidFill>
+              <a:scene3d>
+                <a:camera prst="orthographicFront"/>
+                <a:lightRig rig="threePt" dir="t"/>
+              </a:scene3d>
+              <a:sp3d extrusionH="107950" contourW="12700" prstMaterial="dkEdge">
+                <a:bevelT w="107950" h="107950"/>
+                <a:bevelB w="107950" h="107950"/>
+              </a:sp3d>
+            </p:spPr>
+            <p:style>
+              <a:lnRef idx="2">
+                <a:schemeClr val="accent1">
+                  <a:shade val="50000"/>
+                </a:schemeClr>
+              </a:lnRef>
+              <a:fillRef idx="1">
+                <a:schemeClr val="accent1"/>
+              </a:fillRef>
+              <a:effectRef idx="0">
+                <a:schemeClr val="accent1"/>
+              </a:effectRef>
+              <a:fontRef idx="minor">
+                <a:schemeClr val="lt1"/>
+              </a:fontRef>
+            </p:style>
+            <p:txBody>
+              <a:bodyPr rot="0" spcFirstLastPara="0" vert="horz" wrap="square" lIns="91440" tIns="45720" rIns="91440" bIns="45720" numCol="1" spcCol="0" rtlCol="1" fromWordArt="0" anchor="ctr" anchorCtr="0" forceAA="0" compatLnSpc="1">
+                <a:prstTxWarp prst="textNoShape">
+                  <a:avLst/>
+                </a:prstTxWarp>
+                <a:noAutofit/>
+              </a:bodyPr>
+              <a:lstStyle/>
+              <a:p>
+                <a:endParaRPr lang="en-US"/>
+              </a:p>
+            </p:txBody>
+          </p:sp>
+          <p:sp>
+            <p:nvSpPr>
+              <p:cNvPr id="8" name="Oval 7"/>
+              <p:cNvSpPr/>
+              <p:nvPr/>
+            </p:nvSpPr>
+            <p:spPr>
+              <a:xfrm>
+                <a:off x="9521803" y="5797901"/>
+                <a:ext cx="265952" cy="309307"/>
+              </a:xfrm>
+              <a:prstGeom prst="ellipse">
+                <a:avLst/>
+              </a:prstGeom>
+              <a:solidFill>
+                <a:schemeClr val="accent6"/>
+              </a:solidFill>
+              <a:scene3d>
+                <a:camera prst="orthographicFront"/>
+                <a:lightRig rig="threePt" dir="t"/>
+              </a:scene3d>
+              <a:sp3d extrusionH="107950" contourW="12700" prstMaterial="dkEdge">
+                <a:bevelT w="107950" h="107950"/>
+                <a:bevelB w="107950" h="107950"/>
+              </a:sp3d>
+            </p:spPr>
+            <p:style>
+              <a:lnRef idx="2">
+                <a:schemeClr val="accent1">
+                  <a:shade val="50000"/>
+                </a:schemeClr>
+              </a:lnRef>
+              <a:fillRef idx="1">
+                <a:schemeClr val="accent1"/>
+              </a:fillRef>
+              <a:effectRef idx="0">
+                <a:schemeClr val="accent1"/>
+              </a:effectRef>
+              <a:fontRef idx="minor">
+                <a:schemeClr val="lt1"/>
+              </a:fontRef>
+            </p:style>
+            <p:txBody>
+              <a:bodyPr rot="0" spcFirstLastPara="0" vert="horz" wrap="square" lIns="91440" tIns="45720" rIns="91440" bIns="45720" numCol="1" spcCol="0" rtlCol="1" fromWordArt="0" anchor="ctr" anchorCtr="0" forceAA="0" compatLnSpc="1">
+                <a:prstTxWarp prst="textNoShape">
+                  <a:avLst/>
+                </a:prstTxWarp>
+                <a:noAutofit/>
+              </a:bodyPr>
+              <a:lstStyle/>
+              <a:p>
+                <a:endParaRPr lang="en-US"/>
+              </a:p>
+            </p:txBody>
+          </p:sp>
+          <p:sp>
+            <p:nvSpPr>
+              <p:cNvPr id="9" name="Oval 8"/>
+              <p:cNvSpPr/>
+              <p:nvPr/>
+            </p:nvSpPr>
+            <p:spPr>
+              <a:xfrm>
+                <a:off x="10317658" y="5771946"/>
+                <a:ext cx="265952" cy="309307"/>
+              </a:xfrm>
+              <a:prstGeom prst="ellipse">
+                <a:avLst/>
+              </a:prstGeom>
+              <a:solidFill>
+                <a:schemeClr val="accent6"/>
+              </a:solidFill>
+              <a:scene3d>
+                <a:camera prst="orthographicFront"/>
+                <a:lightRig rig="threePt" dir="t"/>
+              </a:scene3d>
+              <a:sp3d extrusionH="107950" contourW="12700" prstMaterial="dkEdge">
+                <a:bevelT w="107950" h="107950"/>
+                <a:bevelB w="107950" h="107950"/>
+              </a:sp3d>
+            </p:spPr>
+            <p:style>
+              <a:lnRef idx="2">
+                <a:schemeClr val="accent1">
+                  <a:shade val="50000"/>
+                </a:schemeClr>
+              </a:lnRef>
+              <a:fillRef idx="1">
+                <a:schemeClr val="accent1"/>
+              </a:fillRef>
+              <a:effectRef idx="0">
+                <a:schemeClr val="accent1"/>
+              </a:effectRef>
+              <a:fontRef idx="minor">
+                <a:schemeClr val="lt1"/>
+              </a:fontRef>
+            </p:style>
+            <p:txBody>
+              <a:bodyPr rot="0" spcFirstLastPara="0" vert="horz" wrap="square" lIns="91440" tIns="45720" rIns="91440" bIns="45720" numCol="1" spcCol="0" rtlCol="1" fromWordArt="0" anchor="ctr" anchorCtr="0" forceAA="0" compatLnSpc="1">
+                <a:prstTxWarp prst="textNoShape">
+                  <a:avLst/>
+                </a:prstTxWarp>
+                <a:noAutofit/>
+              </a:bodyPr>
+              <a:lstStyle/>
+              <a:p>
+                <a:endParaRPr lang="en-US"/>
+              </a:p>
+            </p:txBody>
+          </p:sp>
+          <p:sp>
+            <p:nvSpPr>
+              <p:cNvPr id="10" name="Oval 9"/>
+              <p:cNvSpPr/>
+              <p:nvPr/>
+            </p:nvSpPr>
+            <p:spPr>
+              <a:xfrm>
+                <a:off x="10770543" y="5167328"/>
+                <a:ext cx="265952" cy="309307"/>
+              </a:xfrm>
+              <a:prstGeom prst="ellipse">
+                <a:avLst/>
+              </a:prstGeom>
+              <a:solidFill>
+                <a:schemeClr val="accent6"/>
+              </a:solidFill>
+              <a:scene3d>
+                <a:camera prst="orthographicFront"/>
+                <a:lightRig rig="threePt" dir="t"/>
+              </a:scene3d>
+              <a:sp3d extrusionH="107950" contourW="12700" prstMaterial="dkEdge">
+                <a:bevelT w="107950" h="107950"/>
+                <a:bevelB w="107950" h="107950"/>
+              </a:sp3d>
+            </p:spPr>
+            <p:style>
+              <a:lnRef idx="2">
+                <a:schemeClr val="accent1">
+                  <a:shade val="50000"/>
+                </a:schemeClr>
+              </a:lnRef>
+              <a:fillRef idx="1">
+                <a:schemeClr val="accent1"/>
+              </a:fillRef>
+              <a:effectRef idx="0">
+                <a:schemeClr val="accent1"/>
+              </a:effectRef>
+              <a:fontRef idx="minor">
+                <a:schemeClr val="lt1"/>
+              </a:fontRef>
+            </p:style>
+            <p:txBody>
+              <a:bodyPr rot="0" spcFirstLastPara="0" vert="horz" wrap="square" lIns="91440" tIns="45720" rIns="91440" bIns="45720" numCol="1" spcCol="0" rtlCol="1" fromWordArt="0" anchor="ctr" anchorCtr="0" forceAA="0" compatLnSpc="1">
+                <a:prstTxWarp prst="textNoShape">
+                  <a:avLst/>
+                </a:prstTxWarp>
+                <a:noAutofit/>
+              </a:bodyPr>
+              <a:lstStyle/>
+              <a:p>
+                <a:endParaRPr lang="en-US"/>
+              </a:p>
+            </p:txBody>
+          </p:sp>
+          <p:sp>
+            <p:nvSpPr>
+              <p:cNvPr id="11" name="Oval 10"/>
+              <p:cNvSpPr/>
+              <p:nvPr/>
+            </p:nvSpPr>
+            <p:spPr>
+              <a:xfrm>
+                <a:off x="11033688" y="4382101"/>
+                <a:ext cx="265952" cy="309307"/>
+              </a:xfrm>
+              <a:prstGeom prst="ellipse">
+                <a:avLst/>
+              </a:prstGeom>
+              <a:solidFill>
+                <a:schemeClr val="accent6"/>
+              </a:solidFill>
+              <a:scene3d>
+                <a:camera prst="orthographicFront"/>
+                <a:lightRig rig="threePt" dir="t"/>
+              </a:scene3d>
+              <a:sp3d extrusionH="107950" contourW="12700" prstMaterial="dkEdge">
+                <a:bevelT w="107950" h="107950"/>
+                <a:bevelB w="107950" h="107950"/>
+              </a:sp3d>
+            </p:spPr>
+            <p:style>
+              <a:lnRef idx="2">
+                <a:schemeClr val="accent1">
+                  <a:shade val="50000"/>
+                </a:schemeClr>
+              </a:lnRef>
+              <a:fillRef idx="1">
+                <a:schemeClr val="accent1"/>
+              </a:fillRef>
+              <a:effectRef idx="0">
+                <a:schemeClr val="accent1"/>
+              </a:effectRef>
+              <a:fontRef idx="minor">
+                <a:schemeClr val="lt1"/>
+              </a:fontRef>
+            </p:style>
+            <p:txBody>
+              <a:bodyPr rot="0" spcFirstLastPara="0" vert="horz" wrap="square" lIns="91440" tIns="45720" rIns="91440" bIns="45720" numCol="1" spcCol="0" rtlCol="1" fromWordArt="0" anchor="ctr" anchorCtr="0" forceAA="0" compatLnSpc="1">
+                <a:prstTxWarp prst="textNoShape">
+                  <a:avLst/>
+                </a:prstTxWarp>
+                <a:noAutofit/>
+              </a:bodyPr>
+              <a:lstStyle/>
+              <a:p>
+                <a:endParaRPr lang="en-US"/>
+              </a:p>
+            </p:txBody>
+          </p:sp>
+          <p:sp>
+            <p:nvSpPr>
+              <p:cNvPr id="12" name="Oval 11"/>
+              <p:cNvSpPr/>
+              <p:nvPr/>
+            </p:nvSpPr>
+            <p:spPr>
+              <a:xfrm>
+                <a:off x="11299640" y="3440579"/>
+                <a:ext cx="265952" cy="309307"/>
+              </a:xfrm>
+              <a:prstGeom prst="ellipse">
+                <a:avLst/>
+              </a:prstGeom>
+              <a:solidFill>
+                <a:schemeClr val="accent6"/>
+              </a:solidFill>
+              <a:scene3d>
+                <a:camera prst="orthographicFront"/>
+                <a:lightRig rig="threePt" dir="t"/>
+              </a:scene3d>
+              <a:sp3d extrusionH="107950" contourW="12700" prstMaterial="dkEdge">
+                <a:bevelT w="107950" h="107950"/>
+                <a:bevelB w="107950" h="107950"/>
+              </a:sp3d>
+            </p:spPr>
+            <p:style>
+              <a:lnRef idx="2">
+                <a:schemeClr val="accent1">
+                  <a:shade val="50000"/>
+                </a:schemeClr>
+              </a:lnRef>
+              <a:fillRef idx="1">
+                <a:schemeClr val="accent1"/>
+              </a:fillRef>
+              <a:effectRef idx="0">
+                <a:schemeClr val="accent1"/>
+              </a:effectRef>
+              <a:fontRef idx="minor">
+                <a:schemeClr val="lt1"/>
+              </a:fontRef>
+            </p:style>
+            <p:txBody>
+              <a:bodyPr rot="0" spcFirstLastPara="0" vert="horz" wrap="square" lIns="91440" tIns="45720" rIns="91440" bIns="45720" numCol="1" spcCol="0" rtlCol="1" fromWordArt="0" anchor="ctr" anchorCtr="0" forceAA="0" compatLnSpc="1">
+                <a:prstTxWarp prst="textNoShape">
+                  <a:avLst/>
+                </a:prstTxWarp>
+                <a:noAutofit/>
+              </a:bodyPr>
+              <a:lstStyle/>
+              <a:p>
+                <a:endParaRPr lang="en-US"/>
+              </a:p>
+            </p:txBody>
+          </p:sp>
+          <p:sp>
+            <p:nvSpPr>
+              <p:cNvPr id="13" name="Oval 12"/>
+              <p:cNvSpPr/>
+              <p:nvPr/>
+            </p:nvSpPr>
+            <p:spPr>
+              <a:xfrm>
+                <a:off x="11033688" y="2553591"/>
+                <a:ext cx="265952" cy="309307"/>
+              </a:xfrm>
+              <a:prstGeom prst="ellipse">
+                <a:avLst/>
+              </a:prstGeom>
+              <a:solidFill>
+                <a:schemeClr val="accent6"/>
+              </a:solidFill>
+              <a:scene3d>
+                <a:camera prst="orthographicFront"/>
+                <a:lightRig rig="threePt" dir="t"/>
+              </a:scene3d>
+              <a:sp3d extrusionH="107950" contourW="12700" prstMaterial="dkEdge">
+                <a:bevelT w="107950" h="107950"/>
+                <a:bevelB w="107950" h="107950"/>
+              </a:sp3d>
+            </p:spPr>
+            <p:style>
+              <a:lnRef idx="2">
+                <a:schemeClr val="accent1">
+                  <a:shade val="50000"/>
+                </a:schemeClr>
+              </a:lnRef>
+              <a:fillRef idx="1">
+                <a:schemeClr val="accent1"/>
+              </a:fillRef>
+              <a:effectRef idx="0">
+                <a:schemeClr val="accent1"/>
+              </a:effectRef>
+              <a:fontRef idx="minor">
+                <a:schemeClr val="lt1"/>
+              </a:fontRef>
+            </p:style>
+            <p:txBody>
+              <a:bodyPr rot="0" spcFirstLastPara="0" vert="horz" wrap="square" lIns="91440" tIns="45720" rIns="91440" bIns="45720" numCol="1" spcCol="0" rtlCol="1" fromWordArt="0" anchor="ctr" anchorCtr="0" forceAA="0" compatLnSpc="1">
+                <a:prstTxWarp prst="textNoShape">
+                  <a:avLst/>
+                </a:prstTxWarp>
+                <a:noAutofit/>
+              </a:bodyPr>
+              <a:lstStyle/>
+              <a:p>
+                <a:endParaRPr lang="en-US"/>
+              </a:p>
+            </p:txBody>
+          </p:sp>
+          <p:sp>
+            <p:nvSpPr>
+              <p:cNvPr id="14" name="Oval 13"/>
+              <p:cNvSpPr/>
+              <p:nvPr/>
+            </p:nvSpPr>
+            <p:spPr>
+              <a:xfrm>
+                <a:off x="10317658" y="1748963"/>
+                <a:ext cx="265952" cy="309307"/>
+              </a:xfrm>
+              <a:prstGeom prst="ellipse">
+                <a:avLst/>
+              </a:prstGeom>
+              <a:solidFill>
+                <a:schemeClr val="accent6"/>
+              </a:solidFill>
+              <a:scene3d>
+                <a:camera prst="orthographicFront"/>
+                <a:lightRig rig="threePt" dir="t"/>
+              </a:scene3d>
+              <a:sp3d extrusionH="107950" contourW="12700" prstMaterial="dkEdge">
+                <a:bevelT w="107950" h="107950"/>
+                <a:bevelB w="107950" h="107950"/>
+              </a:sp3d>
+            </p:spPr>
+            <p:style>
+              <a:lnRef idx="2">
+                <a:schemeClr val="accent1">
+                  <a:shade val="50000"/>
+                </a:schemeClr>
+              </a:lnRef>
+              <a:fillRef idx="1">
+                <a:schemeClr val="accent1"/>
+              </a:fillRef>
+              <a:effectRef idx="0">
+                <a:schemeClr val="accent1"/>
+              </a:effectRef>
+              <a:fontRef idx="minor">
+                <a:schemeClr val="lt1"/>
+              </a:fontRef>
+            </p:style>
+            <p:txBody>
+              <a:bodyPr rot="0" spcFirstLastPara="0" vert="horz" wrap="square" lIns="91440" tIns="45720" rIns="91440" bIns="45720" numCol="1" spcCol="0" rtlCol="1" fromWordArt="0" anchor="ctr" anchorCtr="0" forceAA="0" compatLnSpc="1">
+                <a:prstTxWarp prst="textNoShape">
+                  <a:avLst/>
+                </a:prstTxWarp>
+                <a:noAutofit/>
+              </a:bodyPr>
+              <a:lstStyle/>
+              <a:p>
+                <a:endParaRPr lang="en-US"/>
+              </a:p>
+            </p:txBody>
+          </p:sp>
+          <p:sp>
+            <p:nvSpPr>
+              <p:cNvPr id="15" name="Oval 14"/>
+              <p:cNvSpPr/>
+              <p:nvPr/>
+            </p:nvSpPr>
+            <p:spPr>
+              <a:xfrm>
+                <a:off x="9521803" y="1320799"/>
+                <a:ext cx="265952" cy="309307"/>
+              </a:xfrm>
+              <a:prstGeom prst="ellipse">
+                <a:avLst/>
+              </a:prstGeom>
+              <a:solidFill>
+                <a:schemeClr val="accent6"/>
+              </a:solidFill>
+              <a:scene3d>
+                <a:camera prst="orthographicFront"/>
+                <a:lightRig rig="threePt" dir="t"/>
+              </a:scene3d>
+              <a:sp3d extrusionH="107950" contourW="12700" prstMaterial="dkEdge">
+                <a:bevelT w="107950" h="107950"/>
+                <a:bevelB w="107950" h="107950"/>
+              </a:sp3d>
+            </p:spPr>
+            <p:style>
+              <a:lnRef idx="2">
+                <a:schemeClr val="accent1">
+                  <a:shade val="50000"/>
+                </a:schemeClr>
+              </a:lnRef>
+              <a:fillRef idx="1">
+                <a:schemeClr val="accent1"/>
+              </a:fillRef>
+              <a:effectRef idx="0">
+                <a:schemeClr val="accent1"/>
+              </a:effectRef>
+              <a:fontRef idx="minor">
+                <a:schemeClr val="lt1"/>
+              </a:fontRef>
+            </p:style>
+            <p:txBody>
+              <a:bodyPr rot="0" spcFirstLastPara="0" vert="horz" wrap="square" lIns="91440" tIns="45720" rIns="91440" bIns="45720" numCol="1" spcCol="0" rtlCol="1" fromWordArt="0" anchor="ctr" anchorCtr="0" forceAA="0" compatLnSpc="1">
+                <a:prstTxWarp prst="textNoShape">
+                  <a:avLst/>
+                </a:prstTxWarp>
+                <a:noAutofit/>
+              </a:bodyPr>
+              <a:lstStyle/>
+              <a:p>
+                <a:endParaRPr lang="en-US"/>
+              </a:p>
+            </p:txBody>
+          </p:sp>
+          <p:sp>
+            <p:nvSpPr>
+              <p:cNvPr id="16" name="Oval 15"/>
+              <p:cNvSpPr/>
+              <p:nvPr/>
+            </p:nvSpPr>
+            <p:spPr>
+              <a:xfrm>
+                <a:off x="8760570" y="1320799"/>
+                <a:ext cx="265952" cy="309307"/>
+              </a:xfrm>
+              <a:prstGeom prst="ellipse">
+                <a:avLst/>
+              </a:prstGeom>
+              <a:solidFill>
+                <a:schemeClr val="accent6"/>
+              </a:solidFill>
+              <a:scene3d>
+                <a:camera prst="orthographicFront"/>
+                <a:lightRig rig="threePt" dir="t"/>
+              </a:scene3d>
+              <a:sp3d extrusionH="107950" contourW="12700" prstMaterial="dkEdge">
+                <a:bevelT w="107950" h="107950"/>
+                <a:bevelB w="107950" h="107950"/>
+              </a:sp3d>
+            </p:spPr>
+            <p:style>
+              <a:lnRef idx="2">
+                <a:schemeClr val="accent1">
+                  <a:shade val="50000"/>
+                </a:schemeClr>
+              </a:lnRef>
+              <a:fillRef idx="1">
+                <a:schemeClr val="accent1"/>
+              </a:fillRef>
+              <a:effectRef idx="0">
+                <a:schemeClr val="accent1"/>
+              </a:effectRef>
+              <a:fontRef idx="minor">
+                <a:schemeClr val="lt1"/>
+              </a:fontRef>
+            </p:style>
+            <p:txBody>
+              <a:bodyPr rot="0" spcFirstLastPara="0" vert="horz" wrap="square" lIns="91440" tIns="45720" rIns="91440" bIns="45720" numCol="1" spcCol="0" rtlCol="1" fromWordArt="0" anchor="ctr" anchorCtr="0" forceAA="0" compatLnSpc="1">
+                <a:prstTxWarp prst="textNoShape">
+                  <a:avLst/>
+                </a:prstTxWarp>
+                <a:noAutofit/>
+              </a:bodyPr>
+              <a:lstStyle/>
+              <a:p>
+                <a:endParaRPr lang="en-US"/>
+              </a:p>
+            </p:txBody>
+          </p:sp>
+          <p:sp>
+            <p:nvSpPr>
+              <p:cNvPr id="17" name="Oval 16"/>
+              <p:cNvSpPr/>
+              <p:nvPr/>
+            </p:nvSpPr>
+            <p:spPr>
+              <a:xfrm>
+                <a:off x="8192663" y="1748963"/>
+                <a:ext cx="265952" cy="309307"/>
+              </a:xfrm>
+              <a:prstGeom prst="ellipse">
+                <a:avLst/>
+              </a:prstGeom>
+              <a:solidFill>
+                <a:schemeClr val="accent6"/>
+              </a:solidFill>
+              <a:scene3d>
+                <a:camera prst="orthographicFront"/>
+                <a:lightRig rig="threePt" dir="t"/>
+              </a:scene3d>
+              <a:sp3d extrusionH="107950" contourW="12700" prstMaterial="dkEdge">
+                <a:bevelT w="107950" h="107950"/>
+                <a:bevelB w="107950" h="107950"/>
+              </a:sp3d>
+            </p:spPr>
+            <p:style>
+              <a:lnRef idx="2">
+                <a:schemeClr val="accent1">
+                  <a:shade val="50000"/>
+                </a:schemeClr>
+              </a:lnRef>
+              <a:fillRef idx="1">
+                <a:schemeClr val="accent1"/>
+              </a:fillRef>
+              <a:effectRef idx="0">
+                <a:schemeClr val="accent1"/>
+              </a:effectRef>
+              <a:fontRef idx="minor">
+                <a:schemeClr val="lt1"/>
+              </a:fontRef>
+            </p:style>
+            <p:txBody>
+              <a:bodyPr rot="0" spcFirstLastPara="0" vert="horz" wrap="square" lIns="91440" tIns="45720" rIns="91440" bIns="45720" numCol="1" spcCol="0" rtlCol="1" fromWordArt="0" anchor="ctr" anchorCtr="0" forceAA="0" compatLnSpc="1">
+                <a:prstTxWarp prst="textNoShape">
+                  <a:avLst/>
+                </a:prstTxWarp>
+                <a:noAutofit/>
+              </a:bodyPr>
+              <a:lstStyle/>
+              <a:p>
+                <a:endParaRPr lang="en-US"/>
+              </a:p>
+            </p:txBody>
+          </p:sp>
+          <p:sp>
+            <p:nvSpPr>
+              <p:cNvPr id="18" name="Oval 17"/>
+              <p:cNvSpPr/>
+              <p:nvPr/>
+            </p:nvSpPr>
+            <p:spPr>
+              <a:xfrm>
+                <a:off x="7572653" y="1748963"/>
+                <a:ext cx="265952" cy="309307"/>
+              </a:xfrm>
+              <a:prstGeom prst="ellipse">
+                <a:avLst/>
+              </a:prstGeom>
+              <a:solidFill>
+                <a:schemeClr val="accent6"/>
+              </a:solidFill>
+              <a:scene3d>
+                <a:camera prst="orthographicFront"/>
+                <a:lightRig rig="threePt" dir="t"/>
+              </a:scene3d>
+              <a:sp3d extrusionH="107950" contourW="12700" prstMaterial="dkEdge">
+                <a:bevelT w="107950" h="107950"/>
+                <a:bevelB w="107950" h="107950"/>
+              </a:sp3d>
+            </p:spPr>
+            <p:style>
+              <a:lnRef idx="2">
+                <a:schemeClr val="accent1">
+                  <a:shade val="50000"/>
+                </a:schemeClr>
+              </a:lnRef>
+              <a:fillRef idx="1">
+                <a:schemeClr val="accent1"/>
+              </a:fillRef>
+              <a:effectRef idx="0">
+                <a:schemeClr val="accent1"/>
+              </a:effectRef>
+              <a:fontRef idx="minor">
+                <a:schemeClr val="lt1"/>
+              </a:fontRef>
+            </p:style>
+            <p:txBody>
+              <a:bodyPr rot="0" spcFirstLastPara="0" vert="horz" wrap="square" lIns="91440" tIns="45720" rIns="91440" bIns="45720" numCol="1" spcCol="0" rtlCol="1" fromWordArt="0" anchor="ctr" anchorCtr="0" forceAA="0" compatLnSpc="1">
+                <a:prstTxWarp prst="textNoShape">
+                  <a:avLst/>
+                </a:prstTxWarp>
+                <a:noAutofit/>
+              </a:bodyPr>
+              <a:lstStyle/>
+              <a:p>
+                <a:endParaRPr lang="en-US"/>
+              </a:p>
+            </p:txBody>
+          </p:sp>
+          <p:sp>
+            <p:nvSpPr>
+              <p:cNvPr id="19" name="Oval 18"/>
+              <p:cNvSpPr/>
+              <p:nvPr/>
+            </p:nvSpPr>
+            <p:spPr>
+              <a:xfrm>
+                <a:off x="6952644" y="1594309"/>
+                <a:ext cx="265952" cy="309307"/>
+              </a:xfrm>
+              <a:prstGeom prst="ellipse">
+                <a:avLst/>
+              </a:prstGeom>
+              <a:solidFill>
+                <a:schemeClr val="accent6"/>
+              </a:solidFill>
+              <a:scene3d>
+                <a:camera prst="orthographicFront"/>
+                <a:lightRig rig="threePt" dir="t"/>
+              </a:scene3d>
+              <a:sp3d extrusionH="107950" contourW="12700" prstMaterial="dkEdge">
+                <a:bevelT w="107950" h="107950"/>
+                <a:bevelB w="107950" h="107950"/>
+              </a:sp3d>
+            </p:spPr>
+            <p:style>
+              <a:lnRef idx="2">
+                <a:schemeClr val="accent1">
+                  <a:shade val="50000"/>
+                </a:schemeClr>
+              </a:lnRef>
+              <a:fillRef idx="1">
+                <a:schemeClr val="accent1"/>
+              </a:fillRef>
+              <a:effectRef idx="0">
+                <a:schemeClr val="accent1"/>
+              </a:effectRef>
+              <a:fontRef idx="minor">
+                <a:schemeClr val="lt1"/>
+              </a:fontRef>
+            </p:style>
+            <p:txBody>
+              <a:bodyPr rot="0" spcFirstLastPara="0" vert="horz" wrap="square" lIns="91440" tIns="45720" rIns="91440" bIns="45720" numCol="1" spcCol="0" rtlCol="1" fromWordArt="0" anchor="ctr" anchorCtr="0" forceAA="0" compatLnSpc="1">
+                <a:prstTxWarp prst="textNoShape">
+                  <a:avLst/>
+                </a:prstTxWarp>
+                <a:noAutofit/>
+              </a:bodyPr>
+              <a:lstStyle/>
+              <a:p>
+                <a:endParaRPr lang="en-US"/>
+              </a:p>
+            </p:txBody>
+          </p:sp>
+          <p:sp>
+            <p:nvSpPr>
+              <p:cNvPr id="20" name="Oval 19"/>
+              <p:cNvSpPr/>
+              <p:nvPr/>
+            </p:nvSpPr>
+            <p:spPr>
+              <a:xfrm>
+                <a:off x="6423378" y="2773053"/>
+                <a:ext cx="265952" cy="309307"/>
+              </a:xfrm>
+              <a:prstGeom prst="ellipse">
+                <a:avLst/>
+              </a:prstGeom>
+              <a:solidFill>
+                <a:schemeClr val="accent6"/>
+              </a:solidFill>
+              <a:scene3d>
+                <a:camera prst="orthographicFront"/>
+                <a:lightRig rig="threePt" dir="t"/>
+              </a:scene3d>
+              <a:sp3d extrusionH="107950" contourW="12700" prstMaterial="dkEdge">
+                <a:bevelT w="107950" h="107950"/>
+                <a:bevelB w="107950" h="107950"/>
+              </a:sp3d>
+            </p:spPr>
+            <p:style>
+              <a:lnRef idx="2">
+                <a:schemeClr val="accent1">
+                  <a:shade val="50000"/>
+                </a:schemeClr>
+              </a:lnRef>
+              <a:fillRef idx="1">
+                <a:schemeClr val="accent1"/>
+              </a:fillRef>
+              <a:effectRef idx="0">
+                <a:schemeClr val="accent1"/>
+              </a:effectRef>
+              <a:fontRef idx="minor">
+                <a:schemeClr val="lt1"/>
+              </a:fontRef>
+            </p:style>
+            <p:txBody>
+              <a:bodyPr rot="0" spcFirstLastPara="0" vert="horz" wrap="square" lIns="91440" tIns="45720" rIns="91440" bIns="45720" numCol="1" spcCol="0" rtlCol="1" fromWordArt="0" anchor="ctr" anchorCtr="0" forceAA="0" compatLnSpc="1">
+                <a:prstTxWarp prst="textNoShape">
+                  <a:avLst/>
+                </a:prstTxWarp>
+                <a:noAutofit/>
+              </a:bodyPr>
+              <a:lstStyle/>
+              <a:p>
+                <a:endParaRPr lang="en-US"/>
+              </a:p>
+            </p:txBody>
+          </p:sp>
+          <p:sp>
+            <p:nvSpPr>
+              <p:cNvPr id="21" name="Oval 20"/>
+              <p:cNvSpPr/>
+              <p:nvPr/>
+            </p:nvSpPr>
+            <p:spPr>
+              <a:xfrm>
+                <a:off x="6686692" y="3595233"/>
+                <a:ext cx="265952" cy="309307"/>
+              </a:xfrm>
+              <a:prstGeom prst="ellipse">
+                <a:avLst/>
+              </a:prstGeom>
+              <a:solidFill>
+                <a:schemeClr val="accent6"/>
+              </a:solidFill>
+              <a:scene3d>
+                <a:camera prst="orthographicFront"/>
+                <a:lightRig rig="threePt" dir="t"/>
+              </a:scene3d>
+              <a:sp3d extrusionH="107950" contourW="12700" prstMaterial="dkEdge">
+                <a:bevelT w="107950" h="107950"/>
+                <a:bevelB w="107950" h="107950"/>
+              </a:sp3d>
+            </p:spPr>
+            <p:style>
+              <a:lnRef idx="2">
+                <a:schemeClr val="accent1">
+                  <a:shade val="50000"/>
+                </a:schemeClr>
+              </a:lnRef>
+              <a:fillRef idx="1">
+                <a:schemeClr val="accent1"/>
+              </a:fillRef>
+              <a:effectRef idx="0">
+                <a:schemeClr val="accent1"/>
+              </a:effectRef>
+              <a:fontRef idx="minor">
+                <a:schemeClr val="lt1"/>
+              </a:fontRef>
+            </p:style>
+            <p:txBody>
+              <a:bodyPr rot="0" spcFirstLastPara="0" vert="horz" wrap="square" lIns="91440" tIns="45720" rIns="91440" bIns="45720" numCol="1" spcCol="0" rtlCol="1" fromWordArt="0" anchor="ctr" anchorCtr="0" forceAA="0" compatLnSpc="1">
+                <a:prstTxWarp prst="textNoShape">
+                  <a:avLst/>
+                </a:prstTxWarp>
+                <a:noAutofit/>
+              </a:bodyPr>
+              <a:lstStyle/>
+              <a:p>
+                <a:endParaRPr lang="en-US"/>
+              </a:p>
+            </p:txBody>
+          </p:sp>
+          <p:sp>
+            <p:nvSpPr>
+              <p:cNvPr id="22" name="Oval 21"/>
+              <p:cNvSpPr/>
+              <p:nvPr/>
+            </p:nvSpPr>
+            <p:spPr>
+              <a:xfrm>
+                <a:off x="7264793" y="4376943"/>
+                <a:ext cx="265952" cy="309307"/>
+              </a:xfrm>
+              <a:prstGeom prst="ellipse">
+                <a:avLst/>
+              </a:prstGeom>
+              <a:solidFill>
+                <a:schemeClr val="accent6"/>
+              </a:solidFill>
+              <a:scene3d>
+                <a:camera prst="orthographicFront"/>
+                <a:lightRig rig="threePt" dir="t"/>
+              </a:scene3d>
+              <a:sp3d extrusionH="107950" contourW="12700" prstMaterial="dkEdge">
+                <a:bevelT w="107950" h="107950"/>
+                <a:bevelB w="107950" h="107950"/>
+              </a:sp3d>
+            </p:spPr>
+            <p:style>
+              <a:lnRef idx="2">
+                <a:schemeClr val="accent1">
+                  <a:shade val="50000"/>
+                </a:schemeClr>
+              </a:lnRef>
+              <a:fillRef idx="1">
+                <a:schemeClr val="accent1"/>
+              </a:fillRef>
+              <a:effectRef idx="0">
+                <a:schemeClr val="accent1"/>
+              </a:effectRef>
+              <a:fontRef idx="minor">
+                <a:schemeClr val="lt1"/>
+              </a:fontRef>
+            </p:style>
+            <p:txBody>
+              <a:bodyPr rot="0" spcFirstLastPara="0" vert="horz" wrap="square" lIns="91440" tIns="45720" rIns="91440" bIns="45720" numCol="1" spcCol="0" rtlCol="1" fromWordArt="0" anchor="ctr" anchorCtr="0" forceAA="0" compatLnSpc="1">
+                <a:prstTxWarp prst="textNoShape">
+                  <a:avLst/>
+                </a:prstTxWarp>
+                <a:noAutofit/>
+              </a:bodyPr>
+              <a:lstStyle/>
+              <a:p>
+                <a:endParaRPr lang="en-US"/>
+              </a:p>
+            </p:txBody>
+          </p:sp>
+          <p:sp>
+            <p:nvSpPr>
+              <p:cNvPr id="23" name="Oval 22"/>
+              <p:cNvSpPr/>
+              <p:nvPr/>
+            </p:nvSpPr>
+            <p:spPr>
+              <a:xfrm>
+                <a:off x="7473360" y="5311640"/>
+                <a:ext cx="265952" cy="309307"/>
+              </a:xfrm>
+              <a:prstGeom prst="ellipse">
+                <a:avLst/>
+              </a:prstGeom>
+              <a:solidFill>
+                <a:schemeClr val="accent6"/>
+              </a:solidFill>
+              <a:scene3d>
+                <a:camera prst="orthographicFront"/>
+                <a:lightRig rig="threePt" dir="t"/>
+              </a:scene3d>
+              <a:sp3d extrusionH="107950" contourW="12700" prstMaterial="dkEdge">
+                <a:bevelT w="107950" h="107950"/>
+                <a:bevelB w="107950" h="107950"/>
+              </a:sp3d>
+            </p:spPr>
+            <p:style>
+              <a:lnRef idx="2">
+                <a:schemeClr val="accent1">
+                  <a:shade val="50000"/>
+                </a:schemeClr>
+              </a:lnRef>
+              <a:fillRef idx="1">
+                <a:schemeClr val="accent1"/>
+              </a:fillRef>
+              <a:effectRef idx="0">
+                <a:schemeClr val="accent1"/>
+              </a:effectRef>
+              <a:fontRef idx="minor">
+                <a:schemeClr val="lt1"/>
+              </a:fontRef>
+            </p:style>
+            <p:txBody>
+              <a:bodyPr rot="0" spcFirstLastPara="0" vert="horz" wrap="square" lIns="91440" tIns="45720" rIns="91440" bIns="45720" numCol="1" spcCol="0" rtlCol="1" fromWordArt="0" anchor="ctr" anchorCtr="0" forceAA="0" compatLnSpc="1">
+                <a:prstTxWarp prst="textNoShape">
+                  <a:avLst/>
+                </a:prstTxWarp>
+                <a:noAutofit/>
+              </a:bodyPr>
+              <a:lstStyle/>
+              <a:p>
+                <a:endParaRPr lang="en-US"/>
+              </a:p>
+            </p:txBody>
+          </p:sp>
+          <p:sp>
+            <p:nvSpPr>
+              <p:cNvPr id="24" name="Oval 23"/>
+              <p:cNvSpPr/>
+              <p:nvPr/>
+            </p:nvSpPr>
+            <p:spPr>
+              <a:xfrm>
+                <a:off x="8018417" y="5684428"/>
+                <a:ext cx="265952" cy="309307"/>
+              </a:xfrm>
+              <a:prstGeom prst="ellipse">
+                <a:avLst/>
+              </a:prstGeom>
+              <a:solidFill>
+                <a:schemeClr val="accent6"/>
+              </a:solidFill>
+              <a:scene3d>
+                <a:camera prst="orthographicFront"/>
+                <a:lightRig rig="threePt" dir="t"/>
+              </a:scene3d>
+              <a:sp3d extrusionH="107950" contourW="12700" prstMaterial="dkEdge">
+                <a:bevelT w="107950" h="107950"/>
+                <a:bevelB w="107950" h="107950"/>
+              </a:sp3d>
+            </p:spPr>
+            <p:style>
+              <a:lnRef idx="2">
+                <a:schemeClr val="accent1">
+                  <a:shade val="50000"/>
+                </a:schemeClr>
+              </a:lnRef>
+              <a:fillRef idx="1">
+                <a:schemeClr val="accent1"/>
+              </a:fillRef>
+              <a:effectRef idx="0">
+                <a:schemeClr val="accent1"/>
+              </a:effectRef>
+              <a:fontRef idx="minor">
+                <a:schemeClr val="lt1"/>
+              </a:fontRef>
+            </p:style>
+            <p:txBody>
+              <a:bodyPr rot="0" spcFirstLastPara="0" vert="horz" wrap="square" lIns="91440" tIns="45720" rIns="91440" bIns="45720" numCol="1" spcCol="0" rtlCol="1" fromWordArt="0" anchor="ctr" anchorCtr="0" forceAA="0" compatLnSpc="1">
+                <a:prstTxWarp prst="textNoShape">
+                  <a:avLst/>
+                </a:prstTxWarp>
+                <a:noAutofit/>
+              </a:bodyPr>
+              <a:lstStyle/>
+              <a:p>
+                <a:endParaRPr lang="en-US"/>
+              </a:p>
+            </p:txBody>
+          </p:sp>
+        </p:grpSp>
+        <p:sp>
+          <p:nvSpPr>
+            <p:cNvPr id="29" name="TextBox 28"/>
+            <p:cNvSpPr txBox="1"/>
+            <p:nvPr/>
+          </p:nvSpPr>
+          <p:spPr>
+            <a:xfrm>
+              <a:off x="6951518" y="5247409"/>
+              <a:ext cx="374073" cy="707886"/>
+            </a:xfrm>
+            <a:prstGeom prst="rect">
+              <a:avLst/>
+            </a:prstGeom>
+            <a:noFill/>
+          </p:spPr>
+          <p:txBody>
+            <a:bodyPr wrap="square" rtlCol="1">
+              <a:spAutoFit/>
+            </a:bodyPr>
+            <a:lstStyle/>
+            <a:p>
+              <a:r>
+                <a:rPr lang="en-US" sz="4000" dirty="0" smtClean="0"/>
+                <a:t>1</a:t>
+              </a:r>
+              <a:endParaRPr lang="he-IL" sz="4000" dirty="0"/>
+            </a:p>
+          </p:txBody>
+        </p:sp>
+      </p:grpSp>
+    </p:spTree>
+    <p:extLst>
+      <p:ext uri="{BB962C8B-B14F-4D97-AF65-F5344CB8AC3E}">
+        <p14:creationId xmlns:p14="http://schemas.microsoft.com/office/powerpoint/2010/main" val="1304246405"/>
       </p:ext>
     </p:extLst>
   </p:cSld>
@@ -34819,2196 +37402,2211 @@
           <a:chExt cx="0" cy="0"/>
         </a:xfrm>
       </p:grpSpPr>
-      <p:sp>
-        <p:nvSpPr>
-          <p:cNvPr id="5" name="Freeform 4"/>
-          <p:cNvSpPr/>
+      <p:grpSp>
+        <p:nvGrpSpPr>
+          <p:cNvPr id="2" name="Group 1"/>
+          <p:cNvGrpSpPr/>
           <p:nvPr/>
-        </p:nvSpPr>
-        <p:spPr>
+        </p:nvGrpSpPr>
+        <p:grpSpPr>
           <a:xfrm>
-            <a:off x="2167468" y="1038578"/>
-            <a:ext cx="8128000" cy="5125155"/>
+            <a:off x="1921863" y="838163"/>
+            <a:ext cx="8452956" cy="5396088"/>
+            <a:chOff x="2004990" y="869335"/>
+            <a:chExt cx="8452956" cy="5396088"/>
           </a:xfrm>
-          <a:custGeom>
-            <a:avLst/>
-            <a:gdLst>
-              <a:gd name="connsiteX0" fmla="*/ 0 w 6276663"/>
-              <a:gd name="connsiteY0" fmla="*/ 1676827 h 4679672"/>
-              <a:gd name="connsiteX1" fmla="*/ 22578 w 6276663"/>
-              <a:gd name="connsiteY1" fmla="*/ 2060649 h 4679672"/>
-              <a:gd name="connsiteX2" fmla="*/ 45156 w 6276663"/>
-              <a:gd name="connsiteY2" fmla="*/ 2128383 h 4679672"/>
-              <a:gd name="connsiteX3" fmla="*/ 79023 w 6276663"/>
-              <a:gd name="connsiteY3" fmla="*/ 2173538 h 4679672"/>
-              <a:gd name="connsiteX4" fmla="*/ 90312 w 6276663"/>
-              <a:gd name="connsiteY4" fmla="*/ 2207405 h 4679672"/>
-              <a:gd name="connsiteX5" fmla="*/ 282223 w 6276663"/>
-              <a:gd name="connsiteY5" fmla="*/ 2399316 h 4679672"/>
-              <a:gd name="connsiteX6" fmla="*/ 474134 w 6276663"/>
-              <a:gd name="connsiteY6" fmla="*/ 2568649 h 4679672"/>
-              <a:gd name="connsiteX7" fmla="*/ 598312 w 6276663"/>
-              <a:gd name="connsiteY7" fmla="*/ 2625094 h 4679672"/>
-              <a:gd name="connsiteX8" fmla="*/ 745067 w 6276663"/>
-              <a:gd name="connsiteY8" fmla="*/ 2692827 h 4679672"/>
-              <a:gd name="connsiteX9" fmla="*/ 880534 w 6276663"/>
-              <a:gd name="connsiteY9" fmla="*/ 2704116 h 4679672"/>
-              <a:gd name="connsiteX10" fmla="*/ 948267 w 6276663"/>
-              <a:gd name="connsiteY10" fmla="*/ 2726694 h 4679672"/>
-              <a:gd name="connsiteX11" fmla="*/ 1275645 w 6276663"/>
-              <a:gd name="connsiteY11" fmla="*/ 2749272 h 4679672"/>
-              <a:gd name="connsiteX12" fmla="*/ 1659467 w 6276663"/>
-              <a:gd name="connsiteY12" fmla="*/ 2726694 h 4679672"/>
-              <a:gd name="connsiteX13" fmla="*/ 1772356 w 6276663"/>
-              <a:gd name="connsiteY13" fmla="*/ 2658961 h 4679672"/>
-              <a:gd name="connsiteX14" fmla="*/ 1851378 w 6276663"/>
-              <a:gd name="connsiteY14" fmla="*/ 2602516 h 4679672"/>
-              <a:gd name="connsiteX15" fmla="*/ 1952978 w 6276663"/>
-              <a:gd name="connsiteY15" fmla="*/ 2500916 h 4679672"/>
-              <a:gd name="connsiteX16" fmla="*/ 2009423 w 6276663"/>
-              <a:gd name="connsiteY16" fmla="*/ 2433183 h 4679672"/>
-              <a:gd name="connsiteX17" fmla="*/ 2032000 w 6276663"/>
-              <a:gd name="connsiteY17" fmla="*/ 2388027 h 4679672"/>
-              <a:gd name="connsiteX18" fmla="*/ 2065867 w 6276663"/>
-              <a:gd name="connsiteY18" fmla="*/ 2342872 h 4679672"/>
-              <a:gd name="connsiteX19" fmla="*/ 2088445 w 6276663"/>
-              <a:gd name="connsiteY19" fmla="*/ 2286427 h 4679672"/>
-              <a:gd name="connsiteX20" fmla="*/ 2156178 w 6276663"/>
-              <a:gd name="connsiteY20" fmla="*/ 2173538 h 4679672"/>
-              <a:gd name="connsiteX21" fmla="*/ 2235200 w 6276663"/>
-              <a:gd name="connsiteY21" fmla="*/ 2038072 h 4679672"/>
-              <a:gd name="connsiteX22" fmla="*/ 2269067 w 6276663"/>
-              <a:gd name="connsiteY22" fmla="*/ 1970338 h 4679672"/>
-              <a:gd name="connsiteX23" fmla="*/ 2325512 w 6276663"/>
-              <a:gd name="connsiteY23" fmla="*/ 1913894 h 4679672"/>
-              <a:gd name="connsiteX24" fmla="*/ 2370667 w 6276663"/>
-              <a:gd name="connsiteY24" fmla="*/ 1834872 h 4679672"/>
-              <a:gd name="connsiteX25" fmla="*/ 2506134 w 6276663"/>
-              <a:gd name="connsiteY25" fmla="*/ 1676827 h 4679672"/>
-              <a:gd name="connsiteX26" fmla="*/ 2585156 w 6276663"/>
-              <a:gd name="connsiteY26" fmla="*/ 1507494 h 4679672"/>
-              <a:gd name="connsiteX27" fmla="*/ 2698045 w 6276663"/>
-              <a:gd name="connsiteY27" fmla="*/ 1326872 h 4679672"/>
-              <a:gd name="connsiteX28" fmla="*/ 2731912 w 6276663"/>
-              <a:gd name="connsiteY28" fmla="*/ 1225272 h 4679672"/>
-              <a:gd name="connsiteX29" fmla="*/ 2788356 w 6276663"/>
-              <a:gd name="connsiteY29" fmla="*/ 1134961 h 4679672"/>
-              <a:gd name="connsiteX30" fmla="*/ 2833512 w 6276663"/>
-              <a:gd name="connsiteY30" fmla="*/ 1044649 h 4679672"/>
-              <a:gd name="connsiteX31" fmla="*/ 2935112 w 6276663"/>
-              <a:gd name="connsiteY31" fmla="*/ 852738 h 4679672"/>
-              <a:gd name="connsiteX32" fmla="*/ 2968978 w 6276663"/>
-              <a:gd name="connsiteY32" fmla="*/ 785005 h 4679672"/>
-              <a:gd name="connsiteX33" fmla="*/ 3127023 w 6276663"/>
-              <a:gd name="connsiteY33" fmla="*/ 536649 h 4679672"/>
-              <a:gd name="connsiteX34" fmla="*/ 3194756 w 6276663"/>
-              <a:gd name="connsiteY34" fmla="*/ 480205 h 4679672"/>
-              <a:gd name="connsiteX35" fmla="*/ 3262489 w 6276663"/>
-              <a:gd name="connsiteY35" fmla="*/ 412472 h 4679672"/>
-              <a:gd name="connsiteX36" fmla="*/ 3375378 w 6276663"/>
-              <a:gd name="connsiteY36" fmla="*/ 288294 h 4679672"/>
-              <a:gd name="connsiteX37" fmla="*/ 3431823 w 6276663"/>
-              <a:gd name="connsiteY37" fmla="*/ 254427 h 4679672"/>
-              <a:gd name="connsiteX38" fmla="*/ 3499556 w 6276663"/>
-              <a:gd name="connsiteY38" fmla="*/ 197983 h 4679672"/>
-              <a:gd name="connsiteX39" fmla="*/ 3635023 w 6276663"/>
-              <a:gd name="connsiteY39" fmla="*/ 118961 h 4679672"/>
-              <a:gd name="connsiteX40" fmla="*/ 3702756 w 6276663"/>
-              <a:gd name="connsiteY40" fmla="*/ 73805 h 4679672"/>
-              <a:gd name="connsiteX41" fmla="*/ 3770489 w 6276663"/>
-              <a:gd name="connsiteY41" fmla="*/ 62516 h 4679672"/>
-              <a:gd name="connsiteX42" fmla="*/ 3860800 w 6276663"/>
-              <a:gd name="connsiteY42" fmla="*/ 28649 h 4679672"/>
-              <a:gd name="connsiteX43" fmla="*/ 4718756 w 6276663"/>
-              <a:gd name="connsiteY43" fmla="*/ 17361 h 4679672"/>
-              <a:gd name="connsiteX44" fmla="*/ 5023556 w 6276663"/>
-              <a:gd name="connsiteY44" fmla="*/ 39938 h 4679672"/>
-              <a:gd name="connsiteX45" fmla="*/ 5170312 w 6276663"/>
-              <a:gd name="connsiteY45" fmla="*/ 62516 h 4679672"/>
-              <a:gd name="connsiteX46" fmla="*/ 5317067 w 6276663"/>
-              <a:gd name="connsiteY46" fmla="*/ 73805 h 4679672"/>
-              <a:gd name="connsiteX47" fmla="*/ 5452534 w 6276663"/>
-              <a:gd name="connsiteY47" fmla="*/ 130249 h 4679672"/>
-              <a:gd name="connsiteX48" fmla="*/ 5689600 w 6276663"/>
-              <a:gd name="connsiteY48" fmla="*/ 220561 h 4679672"/>
-              <a:gd name="connsiteX49" fmla="*/ 5757334 w 6276663"/>
-              <a:gd name="connsiteY49" fmla="*/ 277005 h 4679672"/>
-              <a:gd name="connsiteX50" fmla="*/ 6118578 w 6276663"/>
-              <a:gd name="connsiteY50" fmla="*/ 739849 h 4679672"/>
-              <a:gd name="connsiteX51" fmla="*/ 6186312 w 6276663"/>
-              <a:gd name="connsiteY51" fmla="*/ 1044649 h 4679672"/>
-              <a:gd name="connsiteX52" fmla="*/ 6242756 w 6276663"/>
-              <a:gd name="connsiteY52" fmla="*/ 1270427 h 4679672"/>
-              <a:gd name="connsiteX53" fmla="*/ 6276623 w 6276663"/>
-              <a:gd name="connsiteY53" fmla="*/ 1733272 h 4679672"/>
-              <a:gd name="connsiteX54" fmla="*/ 6254045 w 6276663"/>
-              <a:gd name="connsiteY54" fmla="*/ 2105805 h 4679672"/>
-              <a:gd name="connsiteX55" fmla="*/ 6050845 w 6276663"/>
-              <a:gd name="connsiteY55" fmla="*/ 2489627 h 4679672"/>
-              <a:gd name="connsiteX56" fmla="*/ 6016978 w 6276663"/>
-              <a:gd name="connsiteY56" fmla="*/ 2557361 h 4679672"/>
-              <a:gd name="connsiteX57" fmla="*/ 5949245 w 6276663"/>
-              <a:gd name="connsiteY57" fmla="*/ 2602516 h 4679672"/>
-              <a:gd name="connsiteX58" fmla="*/ 5746045 w 6276663"/>
-              <a:gd name="connsiteY58" fmla="*/ 2828294 h 4679672"/>
-              <a:gd name="connsiteX59" fmla="*/ 5633156 w 6276663"/>
-              <a:gd name="connsiteY59" fmla="*/ 2941183 h 4679672"/>
-              <a:gd name="connsiteX60" fmla="*/ 5542845 w 6276663"/>
-              <a:gd name="connsiteY60" fmla="*/ 2975049 h 4679672"/>
-              <a:gd name="connsiteX61" fmla="*/ 5283200 w 6276663"/>
-              <a:gd name="connsiteY61" fmla="*/ 2986338 h 4679672"/>
-              <a:gd name="connsiteX62" fmla="*/ 5204178 w 6276663"/>
-              <a:gd name="connsiteY62" fmla="*/ 2997627 h 4679672"/>
-              <a:gd name="connsiteX63" fmla="*/ 5080000 w 6276663"/>
-              <a:gd name="connsiteY63" fmla="*/ 3042783 h 4679672"/>
-              <a:gd name="connsiteX64" fmla="*/ 5034845 w 6276663"/>
-              <a:gd name="connsiteY64" fmla="*/ 3065361 h 4679672"/>
-              <a:gd name="connsiteX65" fmla="*/ 4899378 w 6276663"/>
-              <a:gd name="connsiteY65" fmla="*/ 3110516 h 4679672"/>
-              <a:gd name="connsiteX66" fmla="*/ 4775200 w 6276663"/>
-              <a:gd name="connsiteY66" fmla="*/ 3155672 h 4679672"/>
-              <a:gd name="connsiteX67" fmla="*/ 4684889 w 6276663"/>
-              <a:gd name="connsiteY67" fmla="*/ 3223405 h 4679672"/>
-              <a:gd name="connsiteX68" fmla="*/ 4639734 w 6276663"/>
-              <a:gd name="connsiteY68" fmla="*/ 3245983 h 4679672"/>
-              <a:gd name="connsiteX69" fmla="*/ 4594578 w 6276663"/>
-              <a:gd name="connsiteY69" fmla="*/ 3302427 h 4679672"/>
-              <a:gd name="connsiteX70" fmla="*/ 4572000 w 6276663"/>
-              <a:gd name="connsiteY70" fmla="*/ 3347583 h 4679672"/>
-              <a:gd name="connsiteX71" fmla="*/ 4526845 w 6276663"/>
-              <a:gd name="connsiteY71" fmla="*/ 3392738 h 4679672"/>
-              <a:gd name="connsiteX72" fmla="*/ 4481689 w 6276663"/>
-              <a:gd name="connsiteY72" fmla="*/ 3471761 h 4679672"/>
-              <a:gd name="connsiteX73" fmla="*/ 4425245 w 6276663"/>
-              <a:gd name="connsiteY73" fmla="*/ 3539494 h 4679672"/>
-              <a:gd name="connsiteX74" fmla="*/ 4391378 w 6276663"/>
-              <a:gd name="connsiteY74" fmla="*/ 3595938 h 4679672"/>
-              <a:gd name="connsiteX75" fmla="*/ 4357512 w 6276663"/>
-              <a:gd name="connsiteY75" fmla="*/ 3641094 h 4679672"/>
-              <a:gd name="connsiteX76" fmla="*/ 4301067 w 6276663"/>
-              <a:gd name="connsiteY76" fmla="*/ 3731405 h 4679672"/>
-              <a:gd name="connsiteX77" fmla="*/ 4278489 w 6276663"/>
-              <a:gd name="connsiteY77" fmla="*/ 3787849 h 4679672"/>
-              <a:gd name="connsiteX78" fmla="*/ 4255912 w 6276663"/>
-              <a:gd name="connsiteY78" fmla="*/ 3889449 h 4679672"/>
-              <a:gd name="connsiteX79" fmla="*/ 4233334 w 6276663"/>
-              <a:gd name="connsiteY79" fmla="*/ 4047494 h 4679672"/>
-              <a:gd name="connsiteX80" fmla="*/ 4244623 w 6276663"/>
-              <a:gd name="connsiteY80" fmla="*/ 4431316 h 4679672"/>
-              <a:gd name="connsiteX81" fmla="*/ 4255912 w 6276663"/>
-              <a:gd name="connsiteY81" fmla="*/ 4465183 h 4679672"/>
-              <a:gd name="connsiteX82" fmla="*/ 4278489 w 6276663"/>
-              <a:gd name="connsiteY82" fmla="*/ 4499049 h 4679672"/>
-              <a:gd name="connsiteX83" fmla="*/ 4312356 w 6276663"/>
-              <a:gd name="connsiteY83" fmla="*/ 4544205 h 4679672"/>
-              <a:gd name="connsiteX84" fmla="*/ 4368800 w 6276663"/>
-              <a:gd name="connsiteY84" fmla="*/ 4611938 h 4679672"/>
-              <a:gd name="connsiteX85" fmla="*/ 4425245 w 6276663"/>
-              <a:gd name="connsiteY85" fmla="*/ 4679672 h 4679672"/>
-              <a:gd name="connsiteX86" fmla="*/ 4459112 w 6276663"/>
-              <a:gd name="connsiteY86" fmla="*/ 4668383 h 4679672"/>
-            </a:gdLst>
-            <a:ahLst/>
-            <a:cxnLst>
-              <a:cxn ang="0">
-                <a:pos x="connsiteX0" y="connsiteY0"/>
-              </a:cxn>
-              <a:cxn ang="0">
-                <a:pos x="connsiteX1" y="connsiteY1"/>
-              </a:cxn>
-              <a:cxn ang="0">
-                <a:pos x="connsiteX2" y="connsiteY2"/>
-              </a:cxn>
-              <a:cxn ang="0">
-                <a:pos x="connsiteX3" y="connsiteY3"/>
-              </a:cxn>
-              <a:cxn ang="0">
-                <a:pos x="connsiteX4" y="connsiteY4"/>
-              </a:cxn>
-              <a:cxn ang="0">
-                <a:pos x="connsiteX5" y="connsiteY5"/>
-              </a:cxn>
-              <a:cxn ang="0">
-                <a:pos x="connsiteX6" y="connsiteY6"/>
-              </a:cxn>
-              <a:cxn ang="0">
-                <a:pos x="connsiteX7" y="connsiteY7"/>
-              </a:cxn>
-              <a:cxn ang="0">
-                <a:pos x="connsiteX8" y="connsiteY8"/>
-              </a:cxn>
-              <a:cxn ang="0">
-                <a:pos x="connsiteX9" y="connsiteY9"/>
-              </a:cxn>
-              <a:cxn ang="0">
-                <a:pos x="connsiteX10" y="connsiteY10"/>
-              </a:cxn>
-              <a:cxn ang="0">
-                <a:pos x="connsiteX11" y="connsiteY11"/>
-              </a:cxn>
-              <a:cxn ang="0">
-                <a:pos x="connsiteX12" y="connsiteY12"/>
-              </a:cxn>
-              <a:cxn ang="0">
-                <a:pos x="connsiteX13" y="connsiteY13"/>
-              </a:cxn>
-              <a:cxn ang="0">
-                <a:pos x="connsiteX14" y="connsiteY14"/>
-              </a:cxn>
-              <a:cxn ang="0">
-                <a:pos x="connsiteX15" y="connsiteY15"/>
-              </a:cxn>
-              <a:cxn ang="0">
-                <a:pos x="connsiteX16" y="connsiteY16"/>
-              </a:cxn>
-              <a:cxn ang="0">
-                <a:pos x="connsiteX17" y="connsiteY17"/>
-              </a:cxn>
-              <a:cxn ang="0">
-                <a:pos x="connsiteX18" y="connsiteY18"/>
-              </a:cxn>
-              <a:cxn ang="0">
-                <a:pos x="connsiteX19" y="connsiteY19"/>
-              </a:cxn>
-              <a:cxn ang="0">
-                <a:pos x="connsiteX20" y="connsiteY20"/>
-              </a:cxn>
-              <a:cxn ang="0">
-                <a:pos x="connsiteX21" y="connsiteY21"/>
-              </a:cxn>
-              <a:cxn ang="0">
-                <a:pos x="connsiteX22" y="connsiteY22"/>
-              </a:cxn>
-              <a:cxn ang="0">
-                <a:pos x="connsiteX23" y="connsiteY23"/>
-              </a:cxn>
-              <a:cxn ang="0">
-                <a:pos x="connsiteX24" y="connsiteY24"/>
-              </a:cxn>
-              <a:cxn ang="0">
-                <a:pos x="connsiteX25" y="connsiteY25"/>
-              </a:cxn>
-              <a:cxn ang="0">
-                <a:pos x="connsiteX26" y="connsiteY26"/>
-              </a:cxn>
-              <a:cxn ang="0">
-                <a:pos x="connsiteX27" y="connsiteY27"/>
-              </a:cxn>
-              <a:cxn ang="0">
-                <a:pos x="connsiteX28" y="connsiteY28"/>
-              </a:cxn>
-              <a:cxn ang="0">
-                <a:pos x="connsiteX29" y="connsiteY29"/>
-              </a:cxn>
-              <a:cxn ang="0">
-                <a:pos x="connsiteX30" y="connsiteY30"/>
-              </a:cxn>
-              <a:cxn ang="0">
-                <a:pos x="connsiteX31" y="connsiteY31"/>
-              </a:cxn>
-              <a:cxn ang="0">
-                <a:pos x="connsiteX32" y="connsiteY32"/>
-              </a:cxn>
-              <a:cxn ang="0">
-                <a:pos x="connsiteX33" y="connsiteY33"/>
-              </a:cxn>
-              <a:cxn ang="0">
-                <a:pos x="connsiteX34" y="connsiteY34"/>
-              </a:cxn>
-              <a:cxn ang="0">
-                <a:pos x="connsiteX35" y="connsiteY35"/>
-              </a:cxn>
-              <a:cxn ang="0">
-                <a:pos x="connsiteX36" y="connsiteY36"/>
-              </a:cxn>
-              <a:cxn ang="0">
-                <a:pos x="connsiteX37" y="connsiteY37"/>
-              </a:cxn>
-              <a:cxn ang="0">
-                <a:pos x="connsiteX38" y="connsiteY38"/>
-              </a:cxn>
-              <a:cxn ang="0">
-                <a:pos x="connsiteX39" y="connsiteY39"/>
-              </a:cxn>
-              <a:cxn ang="0">
-                <a:pos x="connsiteX40" y="connsiteY40"/>
-              </a:cxn>
-              <a:cxn ang="0">
-                <a:pos x="connsiteX41" y="connsiteY41"/>
-              </a:cxn>
-              <a:cxn ang="0">
-                <a:pos x="connsiteX42" y="connsiteY42"/>
-              </a:cxn>
-              <a:cxn ang="0">
-                <a:pos x="connsiteX43" y="connsiteY43"/>
-              </a:cxn>
-              <a:cxn ang="0">
-                <a:pos x="connsiteX44" y="connsiteY44"/>
-              </a:cxn>
-              <a:cxn ang="0">
-                <a:pos x="connsiteX45" y="connsiteY45"/>
-              </a:cxn>
-              <a:cxn ang="0">
-                <a:pos x="connsiteX46" y="connsiteY46"/>
-              </a:cxn>
-              <a:cxn ang="0">
-                <a:pos x="connsiteX47" y="connsiteY47"/>
-              </a:cxn>
-              <a:cxn ang="0">
-                <a:pos x="connsiteX48" y="connsiteY48"/>
-              </a:cxn>
-              <a:cxn ang="0">
-                <a:pos x="connsiteX49" y="connsiteY49"/>
-              </a:cxn>
-              <a:cxn ang="0">
-                <a:pos x="connsiteX50" y="connsiteY50"/>
-              </a:cxn>
-              <a:cxn ang="0">
-                <a:pos x="connsiteX51" y="connsiteY51"/>
-              </a:cxn>
-              <a:cxn ang="0">
-                <a:pos x="connsiteX52" y="connsiteY52"/>
-              </a:cxn>
-              <a:cxn ang="0">
-                <a:pos x="connsiteX53" y="connsiteY53"/>
-              </a:cxn>
-              <a:cxn ang="0">
-                <a:pos x="connsiteX54" y="connsiteY54"/>
-              </a:cxn>
-              <a:cxn ang="0">
-                <a:pos x="connsiteX55" y="connsiteY55"/>
-              </a:cxn>
-              <a:cxn ang="0">
-                <a:pos x="connsiteX56" y="connsiteY56"/>
-              </a:cxn>
-              <a:cxn ang="0">
-                <a:pos x="connsiteX57" y="connsiteY57"/>
-              </a:cxn>
-              <a:cxn ang="0">
-                <a:pos x="connsiteX58" y="connsiteY58"/>
-              </a:cxn>
-              <a:cxn ang="0">
-                <a:pos x="connsiteX59" y="connsiteY59"/>
-              </a:cxn>
-              <a:cxn ang="0">
-                <a:pos x="connsiteX60" y="connsiteY60"/>
-              </a:cxn>
-              <a:cxn ang="0">
-                <a:pos x="connsiteX61" y="connsiteY61"/>
-              </a:cxn>
-              <a:cxn ang="0">
-                <a:pos x="connsiteX62" y="connsiteY62"/>
-              </a:cxn>
-              <a:cxn ang="0">
-                <a:pos x="connsiteX63" y="connsiteY63"/>
-              </a:cxn>
-              <a:cxn ang="0">
-                <a:pos x="connsiteX64" y="connsiteY64"/>
-              </a:cxn>
-              <a:cxn ang="0">
-                <a:pos x="connsiteX65" y="connsiteY65"/>
-              </a:cxn>
-              <a:cxn ang="0">
-                <a:pos x="connsiteX66" y="connsiteY66"/>
-              </a:cxn>
-              <a:cxn ang="0">
-                <a:pos x="connsiteX67" y="connsiteY67"/>
-              </a:cxn>
-              <a:cxn ang="0">
-                <a:pos x="connsiteX68" y="connsiteY68"/>
-              </a:cxn>
-              <a:cxn ang="0">
-                <a:pos x="connsiteX69" y="connsiteY69"/>
-              </a:cxn>
-              <a:cxn ang="0">
-                <a:pos x="connsiteX70" y="connsiteY70"/>
-              </a:cxn>
-              <a:cxn ang="0">
-                <a:pos x="connsiteX71" y="connsiteY71"/>
-              </a:cxn>
-              <a:cxn ang="0">
-                <a:pos x="connsiteX72" y="connsiteY72"/>
-              </a:cxn>
-              <a:cxn ang="0">
-                <a:pos x="connsiteX73" y="connsiteY73"/>
-              </a:cxn>
-              <a:cxn ang="0">
-                <a:pos x="connsiteX74" y="connsiteY74"/>
-              </a:cxn>
-              <a:cxn ang="0">
-                <a:pos x="connsiteX75" y="connsiteY75"/>
-              </a:cxn>
-              <a:cxn ang="0">
-                <a:pos x="connsiteX76" y="connsiteY76"/>
-              </a:cxn>
-              <a:cxn ang="0">
-                <a:pos x="connsiteX77" y="connsiteY77"/>
-              </a:cxn>
-              <a:cxn ang="0">
-                <a:pos x="connsiteX78" y="connsiteY78"/>
-              </a:cxn>
-              <a:cxn ang="0">
-                <a:pos x="connsiteX79" y="connsiteY79"/>
-              </a:cxn>
-              <a:cxn ang="0">
-                <a:pos x="connsiteX80" y="connsiteY80"/>
-              </a:cxn>
-              <a:cxn ang="0">
-                <a:pos x="connsiteX81" y="connsiteY81"/>
-              </a:cxn>
-              <a:cxn ang="0">
-                <a:pos x="connsiteX82" y="connsiteY82"/>
-              </a:cxn>
-              <a:cxn ang="0">
-                <a:pos x="connsiteX83" y="connsiteY83"/>
-              </a:cxn>
-              <a:cxn ang="0">
-                <a:pos x="connsiteX84" y="connsiteY84"/>
-              </a:cxn>
-              <a:cxn ang="0">
-                <a:pos x="connsiteX85" y="connsiteY85"/>
-              </a:cxn>
-              <a:cxn ang="0">
-                <a:pos x="connsiteX86" y="connsiteY86"/>
-              </a:cxn>
-            </a:cxnLst>
-            <a:rect l="l" t="t" r="r" b="b"/>
-            <a:pathLst>
-              <a:path w="6276663" h="4679672">
-                <a:moveTo>
-                  <a:pt x="0" y="1676827"/>
-                </a:moveTo>
-                <a:cubicBezTo>
-                  <a:pt x="1120" y="1708182"/>
-                  <a:pt x="-3659" y="1955703"/>
-                  <a:pt x="22578" y="2060649"/>
-                </a:cubicBezTo>
-                <a:cubicBezTo>
-                  <a:pt x="28350" y="2083738"/>
-                  <a:pt x="34513" y="2107096"/>
-                  <a:pt x="45156" y="2128383"/>
-                </a:cubicBezTo>
-                <a:cubicBezTo>
-                  <a:pt x="53570" y="2145211"/>
-                  <a:pt x="67734" y="2158486"/>
-                  <a:pt x="79023" y="2173538"/>
-                </a:cubicBezTo>
-                <a:cubicBezTo>
-                  <a:pt x="82786" y="2184827"/>
-                  <a:pt x="83539" y="2197621"/>
-                  <a:pt x="90312" y="2207405"/>
-                </a:cubicBezTo>
-                <a:cubicBezTo>
-                  <a:pt x="234608" y="2415833"/>
-                  <a:pt x="118383" y="2235476"/>
-                  <a:pt x="282223" y="2399316"/>
-                </a:cubicBezTo>
-                <a:cubicBezTo>
-                  <a:pt x="331208" y="2448301"/>
-                  <a:pt x="419991" y="2541577"/>
-                  <a:pt x="474134" y="2568649"/>
-                </a:cubicBezTo>
-                <a:cubicBezTo>
-                  <a:pt x="719147" y="2691158"/>
-                  <a:pt x="390663" y="2529257"/>
-                  <a:pt x="598312" y="2625094"/>
-                </a:cubicBezTo>
-                <a:cubicBezTo>
-                  <a:pt x="607164" y="2629179"/>
-                  <a:pt x="717331" y="2687932"/>
-                  <a:pt x="745067" y="2692827"/>
-                </a:cubicBezTo>
-                <a:cubicBezTo>
-                  <a:pt x="789690" y="2700702"/>
-                  <a:pt x="835378" y="2700353"/>
-                  <a:pt x="880534" y="2704116"/>
-                </a:cubicBezTo>
-                <a:cubicBezTo>
-                  <a:pt x="903112" y="2711642"/>
-                  <a:pt x="925077" y="2721343"/>
-                  <a:pt x="948267" y="2726694"/>
-                </a:cubicBezTo>
-                <a:cubicBezTo>
-                  <a:pt x="1032921" y="2746230"/>
-                  <a:pt x="1238674" y="2747591"/>
-                  <a:pt x="1275645" y="2749272"/>
-                </a:cubicBezTo>
-                <a:cubicBezTo>
-                  <a:pt x="1403586" y="2741746"/>
-                  <a:pt x="1532295" y="2742591"/>
-                  <a:pt x="1659467" y="2726694"/>
-                </a:cubicBezTo>
-                <a:cubicBezTo>
-                  <a:pt x="1695527" y="2722186"/>
-                  <a:pt x="1743157" y="2679817"/>
-                  <a:pt x="1772356" y="2658961"/>
-                </a:cubicBezTo>
-                <a:cubicBezTo>
-                  <a:pt x="1799693" y="2639435"/>
-                  <a:pt x="1826134" y="2625819"/>
-                  <a:pt x="1851378" y="2602516"/>
-                </a:cubicBezTo>
-                <a:cubicBezTo>
-                  <a:pt x="1886571" y="2570030"/>
-                  <a:pt x="1931558" y="2543754"/>
-                  <a:pt x="1952978" y="2500916"/>
-                </a:cubicBezTo>
-                <a:cubicBezTo>
-                  <a:pt x="1981624" y="2443626"/>
-                  <a:pt x="1961554" y="2465096"/>
-                  <a:pt x="2009423" y="2433183"/>
-                </a:cubicBezTo>
-                <a:cubicBezTo>
-                  <a:pt x="2016949" y="2418131"/>
-                  <a:pt x="2023081" y="2402298"/>
-                  <a:pt x="2032000" y="2388027"/>
-                </a:cubicBezTo>
-                <a:cubicBezTo>
-                  <a:pt x="2041972" y="2372072"/>
-                  <a:pt x="2056730" y="2359319"/>
-                  <a:pt x="2065867" y="2342872"/>
-                </a:cubicBezTo>
-                <a:cubicBezTo>
-                  <a:pt x="2075708" y="2325158"/>
-                  <a:pt x="2078909" y="2304307"/>
-                  <a:pt x="2088445" y="2286427"/>
-                </a:cubicBezTo>
-                <a:cubicBezTo>
-                  <a:pt x="2109096" y="2247706"/>
-                  <a:pt x="2142301" y="2215169"/>
-                  <a:pt x="2156178" y="2173538"/>
-                </a:cubicBezTo>
-                <a:cubicBezTo>
-                  <a:pt x="2199659" y="2043096"/>
-                  <a:pt x="2149184" y="2167097"/>
-                  <a:pt x="2235200" y="2038072"/>
-                </a:cubicBezTo>
-                <a:cubicBezTo>
-                  <a:pt x="2249202" y="2017069"/>
-                  <a:pt x="2254220" y="1990753"/>
-                  <a:pt x="2269067" y="1970338"/>
-                </a:cubicBezTo>
-                <a:cubicBezTo>
-                  <a:pt x="2284717" y="1948819"/>
-                  <a:pt x="2309547" y="1935181"/>
-                  <a:pt x="2325512" y="1913894"/>
-                </a:cubicBezTo>
-                <a:cubicBezTo>
-                  <a:pt x="2343715" y="1889624"/>
-                  <a:pt x="2353839" y="1860115"/>
-                  <a:pt x="2370667" y="1834872"/>
-                </a:cubicBezTo>
-                <a:cubicBezTo>
-                  <a:pt x="2428594" y="1747981"/>
-                  <a:pt x="2436369" y="1746592"/>
-                  <a:pt x="2506134" y="1676827"/>
-                </a:cubicBezTo>
-                <a:cubicBezTo>
-                  <a:pt x="2532760" y="1605823"/>
-                  <a:pt x="2540932" y="1569407"/>
-                  <a:pt x="2585156" y="1507494"/>
-                </a:cubicBezTo>
-                <a:cubicBezTo>
-                  <a:pt x="2680085" y="1374593"/>
-                  <a:pt x="2635511" y="1487672"/>
-                  <a:pt x="2698045" y="1326872"/>
-                </a:cubicBezTo>
-                <a:cubicBezTo>
-                  <a:pt x="2710984" y="1293601"/>
-                  <a:pt x="2716712" y="1257573"/>
-                  <a:pt x="2731912" y="1225272"/>
-                </a:cubicBezTo>
-                <a:cubicBezTo>
-                  <a:pt x="2747028" y="1193151"/>
-                  <a:pt x="2770952" y="1165902"/>
-                  <a:pt x="2788356" y="1134961"/>
-                </a:cubicBezTo>
-                <a:cubicBezTo>
-                  <a:pt x="2804857" y="1105626"/>
-                  <a:pt x="2820022" y="1075484"/>
-                  <a:pt x="2833512" y="1044649"/>
-                </a:cubicBezTo>
-                <a:cubicBezTo>
-                  <a:pt x="2929504" y="825237"/>
-                  <a:pt x="2788985" y="1096283"/>
-                  <a:pt x="2935112" y="852738"/>
-                </a:cubicBezTo>
-                <a:cubicBezTo>
-                  <a:pt x="2948099" y="831093"/>
-                  <a:pt x="2956454" y="806922"/>
-                  <a:pt x="2968978" y="785005"/>
-                </a:cubicBezTo>
-                <a:cubicBezTo>
-                  <a:pt x="2981967" y="762275"/>
-                  <a:pt x="3084084" y="583491"/>
-                  <a:pt x="3127023" y="536649"/>
-                </a:cubicBezTo>
-                <a:cubicBezTo>
-                  <a:pt x="3146882" y="514984"/>
-                  <a:pt x="3173091" y="500064"/>
-                  <a:pt x="3194756" y="480205"/>
-                </a:cubicBezTo>
-                <a:cubicBezTo>
-                  <a:pt x="3218293" y="458629"/>
-                  <a:pt x="3240913" y="436009"/>
-                  <a:pt x="3262489" y="412472"/>
-                </a:cubicBezTo>
-                <a:cubicBezTo>
-                  <a:pt x="3304878" y="366229"/>
-                  <a:pt x="3326299" y="327557"/>
-                  <a:pt x="3375378" y="288294"/>
-                </a:cubicBezTo>
-                <a:cubicBezTo>
-                  <a:pt x="3392512" y="274587"/>
-                  <a:pt x="3414078" y="267333"/>
-                  <a:pt x="3431823" y="254427"/>
-                </a:cubicBezTo>
-                <a:cubicBezTo>
-                  <a:pt x="3455591" y="237141"/>
-                  <a:pt x="3476044" y="215617"/>
-                  <a:pt x="3499556" y="197983"/>
-                </a:cubicBezTo>
-                <a:cubicBezTo>
-                  <a:pt x="3593385" y="127611"/>
-                  <a:pt x="3538281" y="175394"/>
-                  <a:pt x="3635023" y="118961"/>
-                </a:cubicBezTo>
-                <a:cubicBezTo>
-                  <a:pt x="3658462" y="105288"/>
-                  <a:pt x="3677708" y="84242"/>
-                  <a:pt x="3702756" y="73805"/>
-                </a:cubicBezTo>
-                <a:cubicBezTo>
-                  <a:pt x="3723884" y="65001"/>
-                  <a:pt x="3747911" y="66279"/>
-                  <a:pt x="3770489" y="62516"/>
-                </a:cubicBezTo>
-                <a:cubicBezTo>
-                  <a:pt x="3800593" y="51227"/>
-                  <a:pt x="3829383" y="35479"/>
-                  <a:pt x="3860800" y="28649"/>
-                </a:cubicBezTo>
-                <a:cubicBezTo>
-                  <a:pt x="4114982" y="-26607"/>
-                  <a:pt x="4548535" y="14570"/>
-                  <a:pt x="4718756" y="17361"/>
-                </a:cubicBezTo>
-                <a:cubicBezTo>
-                  <a:pt x="4820356" y="24887"/>
-                  <a:pt x="4922183" y="29801"/>
-                  <a:pt x="5023556" y="39938"/>
-                </a:cubicBezTo>
-                <a:cubicBezTo>
-                  <a:pt x="5072805" y="44863"/>
-                  <a:pt x="5121144" y="56843"/>
-                  <a:pt x="5170312" y="62516"/>
-                </a:cubicBezTo>
-                <a:cubicBezTo>
-                  <a:pt x="5219051" y="68140"/>
-                  <a:pt x="5268149" y="70042"/>
-                  <a:pt x="5317067" y="73805"/>
-                </a:cubicBezTo>
-                <a:cubicBezTo>
-                  <a:pt x="5362223" y="92620"/>
-                  <a:pt x="5406561" y="113531"/>
-                  <a:pt x="5452534" y="130249"/>
-                </a:cubicBezTo>
-                <a:cubicBezTo>
-                  <a:pt x="5571039" y="173341"/>
-                  <a:pt x="5573561" y="152303"/>
-                  <a:pt x="5689600" y="220561"/>
-                </a:cubicBezTo>
-                <a:cubicBezTo>
-                  <a:pt x="5714932" y="235462"/>
-                  <a:pt x="5736552" y="256223"/>
-                  <a:pt x="5757334" y="277005"/>
-                </a:cubicBezTo>
-                <a:cubicBezTo>
-                  <a:pt x="5952340" y="472010"/>
-                  <a:pt x="5991937" y="502397"/>
-                  <a:pt x="6118578" y="739849"/>
-                </a:cubicBezTo>
-                <a:cubicBezTo>
-                  <a:pt x="6161392" y="820125"/>
-                  <a:pt x="6171135" y="972559"/>
-                  <a:pt x="6186312" y="1044649"/>
-                </a:cubicBezTo>
-                <a:cubicBezTo>
-                  <a:pt x="6202293" y="1120560"/>
-                  <a:pt x="6223941" y="1195168"/>
-                  <a:pt x="6242756" y="1270427"/>
-                </a:cubicBezTo>
-                <a:cubicBezTo>
-                  <a:pt x="6245270" y="1300596"/>
-                  <a:pt x="6277963" y="1666295"/>
-                  <a:pt x="6276623" y="1733272"/>
-                </a:cubicBezTo>
-                <a:cubicBezTo>
-                  <a:pt x="6274135" y="1857653"/>
-                  <a:pt x="6272372" y="1982757"/>
-                  <a:pt x="6254045" y="2105805"/>
-                </a:cubicBezTo>
-                <a:cubicBezTo>
-                  <a:pt x="6232165" y="2252712"/>
-                  <a:pt x="6124182" y="2370454"/>
-                  <a:pt x="6050845" y="2489627"/>
-                </a:cubicBezTo>
-                <a:cubicBezTo>
-                  <a:pt x="6037615" y="2511125"/>
-                  <a:pt x="6033865" y="2538598"/>
-                  <a:pt x="6016978" y="2557361"/>
-                </a:cubicBezTo>
-                <a:cubicBezTo>
-                  <a:pt x="5998826" y="2577530"/>
-                  <a:pt x="5968432" y="2583329"/>
-                  <a:pt x="5949245" y="2602516"/>
-                </a:cubicBezTo>
-                <a:cubicBezTo>
-                  <a:pt x="5877650" y="2674111"/>
-                  <a:pt x="5813312" y="2752618"/>
-                  <a:pt x="5746045" y="2828294"/>
-                </a:cubicBezTo>
-                <a:cubicBezTo>
-                  <a:pt x="5714511" y="2863770"/>
-                  <a:pt x="5679794" y="2917864"/>
-                  <a:pt x="5633156" y="2941183"/>
-                </a:cubicBezTo>
-                <a:cubicBezTo>
-                  <a:pt x="5604400" y="2955561"/>
-                  <a:pt x="5574731" y="2970935"/>
-                  <a:pt x="5542845" y="2975049"/>
-                </a:cubicBezTo>
-                <a:cubicBezTo>
-                  <a:pt x="5456927" y="2986135"/>
-                  <a:pt x="5369748" y="2982575"/>
-                  <a:pt x="5283200" y="2986338"/>
-                </a:cubicBezTo>
-                <a:cubicBezTo>
-                  <a:pt x="5256859" y="2990101"/>
-                  <a:pt x="5230105" y="2991644"/>
-                  <a:pt x="5204178" y="2997627"/>
-                </a:cubicBezTo>
-                <a:cubicBezTo>
-                  <a:pt x="5178149" y="3003634"/>
-                  <a:pt x="5106663" y="3030933"/>
-                  <a:pt x="5080000" y="3042783"/>
-                </a:cubicBezTo>
-                <a:cubicBezTo>
-                  <a:pt x="5064622" y="3049618"/>
-                  <a:pt x="5050379" y="3058889"/>
-                  <a:pt x="5034845" y="3065361"/>
-                </a:cubicBezTo>
-                <a:cubicBezTo>
-                  <a:pt x="4956220" y="3098121"/>
-                  <a:pt x="4963075" y="3094592"/>
-                  <a:pt x="4899378" y="3110516"/>
-                </a:cubicBezTo>
-                <a:cubicBezTo>
-                  <a:pt x="4751917" y="3198994"/>
-                  <a:pt x="4939051" y="3096091"/>
-                  <a:pt x="4775200" y="3155672"/>
-                </a:cubicBezTo>
-                <a:cubicBezTo>
-                  <a:pt x="4697044" y="3184092"/>
-                  <a:pt x="4740108" y="3183962"/>
-                  <a:pt x="4684889" y="3223405"/>
-                </a:cubicBezTo>
-                <a:cubicBezTo>
-                  <a:pt x="4671195" y="3233186"/>
-                  <a:pt x="4654786" y="3238457"/>
-                  <a:pt x="4639734" y="3245983"/>
-                </a:cubicBezTo>
-                <a:cubicBezTo>
-                  <a:pt x="4624682" y="3264798"/>
-                  <a:pt x="4607943" y="3282379"/>
-                  <a:pt x="4594578" y="3302427"/>
-                </a:cubicBezTo>
-                <a:cubicBezTo>
-                  <a:pt x="4585243" y="3316429"/>
-                  <a:pt x="4582097" y="3334120"/>
-                  <a:pt x="4572000" y="3347583"/>
-                </a:cubicBezTo>
-                <a:cubicBezTo>
-                  <a:pt x="4559228" y="3364612"/>
-                  <a:pt x="4540698" y="3376576"/>
-                  <a:pt x="4526845" y="3392738"/>
-                </a:cubicBezTo>
-                <a:cubicBezTo>
-                  <a:pt x="4503271" y="3420242"/>
-                  <a:pt x="4499992" y="3439730"/>
-                  <a:pt x="4481689" y="3471761"/>
-                </a:cubicBezTo>
-                <a:cubicBezTo>
-                  <a:pt x="4439571" y="3545468"/>
-                  <a:pt x="4481279" y="3464783"/>
-                  <a:pt x="4425245" y="3539494"/>
-                </a:cubicBezTo>
-                <a:cubicBezTo>
-                  <a:pt x="4412080" y="3557047"/>
-                  <a:pt x="4403549" y="3577681"/>
-                  <a:pt x="4391378" y="3595938"/>
-                </a:cubicBezTo>
-                <a:cubicBezTo>
-                  <a:pt x="4380941" y="3611593"/>
-                  <a:pt x="4366649" y="3624647"/>
-                  <a:pt x="4357512" y="3641094"/>
-                </a:cubicBezTo>
-                <a:cubicBezTo>
-                  <a:pt x="4304063" y="3737303"/>
-                  <a:pt x="4368913" y="3663559"/>
-                  <a:pt x="4301067" y="3731405"/>
-                </a:cubicBezTo>
-                <a:cubicBezTo>
-                  <a:pt x="4293541" y="3750220"/>
-                  <a:pt x="4284897" y="3768625"/>
-                  <a:pt x="4278489" y="3787849"/>
-                </a:cubicBezTo>
-                <a:cubicBezTo>
-                  <a:pt x="4271963" y="3807426"/>
-                  <a:pt x="4258597" y="3872444"/>
-                  <a:pt x="4255912" y="3889449"/>
-                </a:cubicBezTo>
-                <a:cubicBezTo>
-                  <a:pt x="4247612" y="3942014"/>
-                  <a:pt x="4233334" y="4047494"/>
-                  <a:pt x="4233334" y="4047494"/>
-                </a:cubicBezTo>
-                <a:cubicBezTo>
-                  <a:pt x="4237097" y="4175435"/>
-                  <a:pt x="4237714" y="4303507"/>
-                  <a:pt x="4244623" y="4431316"/>
-                </a:cubicBezTo>
-                <a:cubicBezTo>
-                  <a:pt x="4245265" y="4443198"/>
-                  <a:pt x="4250590" y="4454540"/>
-                  <a:pt x="4255912" y="4465183"/>
-                </a:cubicBezTo>
-                <a:cubicBezTo>
-                  <a:pt x="4261979" y="4477318"/>
-                  <a:pt x="4270603" y="4488009"/>
-                  <a:pt x="4278489" y="4499049"/>
-                </a:cubicBezTo>
-                <a:cubicBezTo>
-                  <a:pt x="4289425" y="4514359"/>
-                  <a:pt x="4302384" y="4528250"/>
-                  <a:pt x="4312356" y="4544205"/>
-                </a:cubicBezTo>
-                <a:cubicBezTo>
-                  <a:pt x="4353278" y="4609680"/>
-                  <a:pt x="4311034" y="4573428"/>
-                  <a:pt x="4368800" y="4611938"/>
-                </a:cubicBezTo>
-                <a:cubicBezTo>
-                  <a:pt x="4379128" y="4627431"/>
-                  <a:pt x="4406619" y="4673463"/>
-                  <a:pt x="4425245" y="4679672"/>
-                </a:cubicBezTo>
-                <a:lnTo>
-                  <a:pt x="4459112" y="4668383"/>
-                </a:lnTo>
-              </a:path>
-            </a:pathLst>
-          </a:custGeom>
-          <a:noFill/>
-          <a:ln w="95250"/>
-          <a:scene3d>
-            <a:camera prst="orthographicFront"/>
-            <a:lightRig rig="threePt" dir="t"/>
-          </a:scene3d>
-          <a:sp3d>
-            <a:bevelT h="146050"/>
-          </a:sp3d>
-        </p:spPr>
-        <p:style>
-          <a:lnRef idx="2">
-            <a:schemeClr val="accent1">
-              <a:shade val="50000"/>
-            </a:schemeClr>
-          </a:lnRef>
-          <a:fillRef idx="1">
-            <a:schemeClr val="accent1"/>
-          </a:fillRef>
-          <a:effectRef idx="0">
-            <a:schemeClr val="accent1"/>
-          </a:effectRef>
-          <a:fontRef idx="minor">
-            <a:schemeClr val="lt1"/>
-          </a:fontRef>
-        </p:style>
-        <p:txBody>
-          <a:bodyPr rtlCol="0" anchor="ctr"/>
-          <a:lstStyle/>
-          <a:p>
-            <a:pPr algn="ctr"/>
-            <a:endParaRPr lang="en-US"/>
-          </a:p>
-        </p:txBody>
-      </p:sp>
-      <p:sp>
-        <p:nvSpPr>
-          <p:cNvPr id="6" name="Oval 5"/>
-          <p:cNvSpPr/>
-          <p:nvPr/>
-        </p:nvSpPr>
-        <p:spPr>
-          <a:xfrm>
-            <a:off x="2004990" y="2805379"/>
-            <a:ext cx="324956" cy="338486"/>
-          </a:xfrm>
-          <a:prstGeom prst="ellipse">
-            <a:avLst/>
-          </a:prstGeom>
-          <a:solidFill>
-            <a:schemeClr val="accent6"/>
-          </a:solidFill>
-          <a:scene3d>
-            <a:camera prst="orthographicFront"/>
-            <a:lightRig rig="threePt" dir="t"/>
-          </a:scene3d>
-          <a:sp3d extrusionH="107950" contourW="12700" prstMaterial="dkEdge">
-            <a:bevelT w="107950" h="107950"/>
-            <a:bevelB w="107950" h="107950"/>
-          </a:sp3d>
-        </p:spPr>
-        <p:style>
-          <a:lnRef idx="2">
-            <a:schemeClr val="accent1">
-              <a:shade val="50000"/>
-            </a:schemeClr>
-          </a:lnRef>
-          <a:fillRef idx="1">
-            <a:schemeClr val="accent1"/>
-          </a:fillRef>
-          <a:effectRef idx="0">
-            <a:schemeClr val="accent1"/>
-          </a:effectRef>
-          <a:fontRef idx="minor">
-            <a:schemeClr val="lt1"/>
-          </a:fontRef>
-        </p:style>
-        <p:txBody>
-          <a:bodyPr rot="0" spcFirstLastPara="0" vert="horz" wrap="square" lIns="91440" tIns="45720" rIns="91440" bIns="45720" numCol="1" spcCol="0" rtlCol="1" fromWordArt="0" anchor="ctr" anchorCtr="0" forceAA="0" compatLnSpc="1">
-            <a:prstTxWarp prst="textNoShape">
+        </p:grpSpPr>
+        <p:sp>
+          <p:nvSpPr>
+            <p:cNvPr id="5" name="Freeform 4"/>
+            <p:cNvSpPr/>
+            <p:nvPr/>
+          </p:nvSpPr>
+          <p:spPr>
+            <a:xfrm>
+              <a:off x="2167468" y="1038578"/>
+              <a:ext cx="8128000" cy="5125155"/>
+            </a:xfrm>
+            <a:custGeom>
               <a:avLst/>
-            </a:prstTxWarp>
-            <a:noAutofit/>
-          </a:bodyPr>
-          <a:lstStyle/>
-          <a:p>
-            <a:endParaRPr lang="en-US"/>
-          </a:p>
-        </p:txBody>
-      </p:sp>
-      <p:sp>
-        <p:nvSpPr>
-          <p:cNvPr id="7" name="Oval 6"/>
-          <p:cNvSpPr/>
-          <p:nvPr/>
-        </p:nvSpPr>
-        <p:spPr>
-          <a:xfrm>
-            <a:off x="4995334" y="2974622"/>
-            <a:ext cx="324956" cy="338486"/>
-          </a:xfrm>
-          <a:prstGeom prst="ellipse">
-            <a:avLst/>
-          </a:prstGeom>
-          <a:solidFill>
-            <a:schemeClr val="accent6"/>
-          </a:solidFill>
-          <a:scene3d>
-            <a:camera prst="orthographicFront"/>
-            <a:lightRig rig="threePt" dir="t"/>
-          </a:scene3d>
-          <a:sp3d extrusionH="107950" contourW="12700" prstMaterial="dkEdge">
-            <a:bevelT w="107950" h="107950"/>
-            <a:bevelB w="107950" h="107950"/>
-          </a:sp3d>
-        </p:spPr>
-        <p:style>
-          <a:lnRef idx="2">
-            <a:schemeClr val="accent1">
-              <a:shade val="50000"/>
-            </a:schemeClr>
-          </a:lnRef>
-          <a:fillRef idx="1">
-            <a:schemeClr val="accent1"/>
-          </a:fillRef>
-          <a:effectRef idx="0">
-            <a:schemeClr val="accent1"/>
-          </a:effectRef>
-          <a:fontRef idx="minor">
-            <a:schemeClr val="lt1"/>
-          </a:fontRef>
-        </p:style>
-        <p:txBody>
-          <a:bodyPr rot="0" spcFirstLastPara="0" vert="horz" wrap="square" lIns="91440" tIns="45720" rIns="91440" bIns="45720" numCol="1" spcCol="0" rtlCol="1" fromWordArt="0" anchor="ctr" anchorCtr="0" forceAA="0" compatLnSpc="1">
-            <a:prstTxWarp prst="textNoShape">
+              <a:gdLst>
+                <a:gd name="connsiteX0" fmla="*/ 0 w 6276663"/>
+                <a:gd name="connsiteY0" fmla="*/ 1676827 h 4679672"/>
+                <a:gd name="connsiteX1" fmla="*/ 22578 w 6276663"/>
+                <a:gd name="connsiteY1" fmla="*/ 2060649 h 4679672"/>
+                <a:gd name="connsiteX2" fmla="*/ 45156 w 6276663"/>
+                <a:gd name="connsiteY2" fmla="*/ 2128383 h 4679672"/>
+                <a:gd name="connsiteX3" fmla="*/ 79023 w 6276663"/>
+                <a:gd name="connsiteY3" fmla="*/ 2173538 h 4679672"/>
+                <a:gd name="connsiteX4" fmla="*/ 90312 w 6276663"/>
+                <a:gd name="connsiteY4" fmla="*/ 2207405 h 4679672"/>
+                <a:gd name="connsiteX5" fmla="*/ 282223 w 6276663"/>
+                <a:gd name="connsiteY5" fmla="*/ 2399316 h 4679672"/>
+                <a:gd name="connsiteX6" fmla="*/ 474134 w 6276663"/>
+                <a:gd name="connsiteY6" fmla="*/ 2568649 h 4679672"/>
+                <a:gd name="connsiteX7" fmla="*/ 598312 w 6276663"/>
+                <a:gd name="connsiteY7" fmla="*/ 2625094 h 4679672"/>
+                <a:gd name="connsiteX8" fmla="*/ 745067 w 6276663"/>
+                <a:gd name="connsiteY8" fmla="*/ 2692827 h 4679672"/>
+                <a:gd name="connsiteX9" fmla="*/ 880534 w 6276663"/>
+                <a:gd name="connsiteY9" fmla="*/ 2704116 h 4679672"/>
+                <a:gd name="connsiteX10" fmla="*/ 948267 w 6276663"/>
+                <a:gd name="connsiteY10" fmla="*/ 2726694 h 4679672"/>
+                <a:gd name="connsiteX11" fmla="*/ 1275645 w 6276663"/>
+                <a:gd name="connsiteY11" fmla="*/ 2749272 h 4679672"/>
+                <a:gd name="connsiteX12" fmla="*/ 1659467 w 6276663"/>
+                <a:gd name="connsiteY12" fmla="*/ 2726694 h 4679672"/>
+                <a:gd name="connsiteX13" fmla="*/ 1772356 w 6276663"/>
+                <a:gd name="connsiteY13" fmla="*/ 2658961 h 4679672"/>
+                <a:gd name="connsiteX14" fmla="*/ 1851378 w 6276663"/>
+                <a:gd name="connsiteY14" fmla="*/ 2602516 h 4679672"/>
+                <a:gd name="connsiteX15" fmla="*/ 1952978 w 6276663"/>
+                <a:gd name="connsiteY15" fmla="*/ 2500916 h 4679672"/>
+                <a:gd name="connsiteX16" fmla="*/ 2009423 w 6276663"/>
+                <a:gd name="connsiteY16" fmla="*/ 2433183 h 4679672"/>
+                <a:gd name="connsiteX17" fmla="*/ 2032000 w 6276663"/>
+                <a:gd name="connsiteY17" fmla="*/ 2388027 h 4679672"/>
+                <a:gd name="connsiteX18" fmla="*/ 2065867 w 6276663"/>
+                <a:gd name="connsiteY18" fmla="*/ 2342872 h 4679672"/>
+                <a:gd name="connsiteX19" fmla="*/ 2088445 w 6276663"/>
+                <a:gd name="connsiteY19" fmla="*/ 2286427 h 4679672"/>
+                <a:gd name="connsiteX20" fmla="*/ 2156178 w 6276663"/>
+                <a:gd name="connsiteY20" fmla="*/ 2173538 h 4679672"/>
+                <a:gd name="connsiteX21" fmla="*/ 2235200 w 6276663"/>
+                <a:gd name="connsiteY21" fmla="*/ 2038072 h 4679672"/>
+                <a:gd name="connsiteX22" fmla="*/ 2269067 w 6276663"/>
+                <a:gd name="connsiteY22" fmla="*/ 1970338 h 4679672"/>
+                <a:gd name="connsiteX23" fmla="*/ 2325512 w 6276663"/>
+                <a:gd name="connsiteY23" fmla="*/ 1913894 h 4679672"/>
+                <a:gd name="connsiteX24" fmla="*/ 2370667 w 6276663"/>
+                <a:gd name="connsiteY24" fmla="*/ 1834872 h 4679672"/>
+                <a:gd name="connsiteX25" fmla="*/ 2506134 w 6276663"/>
+                <a:gd name="connsiteY25" fmla="*/ 1676827 h 4679672"/>
+                <a:gd name="connsiteX26" fmla="*/ 2585156 w 6276663"/>
+                <a:gd name="connsiteY26" fmla="*/ 1507494 h 4679672"/>
+                <a:gd name="connsiteX27" fmla="*/ 2698045 w 6276663"/>
+                <a:gd name="connsiteY27" fmla="*/ 1326872 h 4679672"/>
+                <a:gd name="connsiteX28" fmla="*/ 2731912 w 6276663"/>
+                <a:gd name="connsiteY28" fmla="*/ 1225272 h 4679672"/>
+                <a:gd name="connsiteX29" fmla="*/ 2788356 w 6276663"/>
+                <a:gd name="connsiteY29" fmla="*/ 1134961 h 4679672"/>
+                <a:gd name="connsiteX30" fmla="*/ 2833512 w 6276663"/>
+                <a:gd name="connsiteY30" fmla="*/ 1044649 h 4679672"/>
+                <a:gd name="connsiteX31" fmla="*/ 2935112 w 6276663"/>
+                <a:gd name="connsiteY31" fmla="*/ 852738 h 4679672"/>
+                <a:gd name="connsiteX32" fmla="*/ 2968978 w 6276663"/>
+                <a:gd name="connsiteY32" fmla="*/ 785005 h 4679672"/>
+                <a:gd name="connsiteX33" fmla="*/ 3127023 w 6276663"/>
+                <a:gd name="connsiteY33" fmla="*/ 536649 h 4679672"/>
+                <a:gd name="connsiteX34" fmla="*/ 3194756 w 6276663"/>
+                <a:gd name="connsiteY34" fmla="*/ 480205 h 4679672"/>
+                <a:gd name="connsiteX35" fmla="*/ 3262489 w 6276663"/>
+                <a:gd name="connsiteY35" fmla="*/ 412472 h 4679672"/>
+                <a:gd name="connsiteX36" fmla="*/ 3375378 w 6276663"/>
+                <a:gd name="connsiteY36" fmla="*/ 288294 h 4679672"/>
+                <a:gd name="connsiteX37" fmla="*/ 3431823 w 6276663"/>
+                <a:gd name="connsiteY37" fmla="*/ 254427 h 4679672"/>
+                <a:gd name="connsiteX38" fmla="*/ 3499556 w 6276663"/>
+                <a:gd name="connsiteY38" fmla="*/ 197983 h 4679672"/>
+                <a:gd name="connsiteX39" fmla="*/ 3635023 w 6276663"/>
+                <a:gd name="connsiteY39" fmla="*/ 118961 h 4679672"/>
+                <a:gd name="connsiteX40" fmla="*/ 3702756 w 6276663"/>
+                <a:gd name="connsiteY40" fmla="*/ 73805 h 4679672"/>
+                <a:gd name="connsiteX41" fmla="*/ 3770489 w 6276663"/>
+                <a:gd name="connsiteY41" fmla="*/ 62516 h 4679672"/>
+                <a:gd name="connsiteX42" fmla="*/ 3860800 w 6276663"/>
+                <a:gd name="connsiteY42" fmla="*/ 28649 h 4679672"/>
+                <a:gd name="connsiteX43" fmla="*/ 4718756 w 6276663"/>
+                <a:gd name="connsiteY43" fmla="*/ 17361 h 4679672"/>
+                <a:gd name="connsiteX44" fmla="*/ 5023556 w 6276663"/>
+                <a:gd name="connsiteY44" fmla="*/ 39938 h 4679672"/>
+                <a:gd name="connsiteX45" fmla="*/ 5170312 w 6276663"/>
+                <a:gd name="connsiteY45" fmla="*/ 62516 h 4679672"/>
+                <a:gd name="connsiteX46" fmla="*/ 5317067 w 6276663"/>
+                <a:gd name="connsiteY46" fmla="*/ 73805 h 4679672"/>
+                <a:gd name="connsiteX47" fmla="*/ 5452534 w 6276663"/>
+                <a:gd name="connsiteY47" fmla="*/ 130249 h 4679672"/>
+                <a:gd name="connsiteX48" fmla="*/ 5689600 w 6276663"/>
+                <a:gd name="connsiteY48" fmla="*/ 220561 h 4679672"/>
+                <a:gd name="connsiteX49" fmla="*/ 5757334 w 6276663"/>
+                <a:gd name="connsiteY49" fmla="*/ 277005 h 4679672"/>
+                <a:gd name="connsiteX50" fmla="*/ 6118578 w 6276663"/>
+                <a:gd name="connsiteY50" fmla="*/ 739849 h 4679672"/>
+                <a:gd name="connsiteX51" fmla="*/ 6186312 w 6276663"/>
+                <a:gd name="connsiteY51" fmla="*/ 1044649 h 4679672"/>
+                <a:gd name="connsiteX52" fmla="*/ 6242756 w 6276663"/>
+                <a:gd name="connsiteY52" fmla="*/ 1270427 h 4679672"/>
+                <a:gd name="connsiteX53" fmla="*/ 6276623 w 6276663"/>
+                <a:gd name="connsiteY53" fmla="*/ 1733272 h 4679672"/>
+                <a:gd name="connsiteX54" fmla="*/ 6254045 w 6276663"/>
+                <a:gd name="connsiteY54" fmla="*/ 2105805 h 4679672"/>
+                <a:gd name="connsiteX55" fmla="*/ 6050845 w 6276663"/>
+                <a:gd name="connsiteY55" fmla="*/ 2489627 h 4679672"/>
+                <a:gd name="connsiteX56" fmla="*/ 6016978 w 6276663"/>
+                <a:gd name="connsiteY56" fmla="*/ 2557361 h 4679672"/>
+                <a:gd name="connsiteX57" fmla="*/ 5949245 w 6276663"/>
+                <a:gd name="connsiteY57" fmla="*/ 2602516 h 4679672"/>
+                <a:gd name="connsiteX58" fmla="*/ 5746045 w 6276663"/>
+                <a:gd name="connsiteY58" fmla="*/ 2828294 h 4679672"/>
+                <a:gd name="connsiteX59" fmla="*/ 5633156 w 6276663"/>
+                <a:gd name="connsiteY59" fmla="*/ 2941183 h 4679672"/>
+                <a:gd name="connsiteX60" fmla="*/ 5542845 w 6276663"/>
+                <a:gd name="connsiteY60" fmla="*/ 2975049 h 4679672"/>
+                <a:gd name="connsiteX61" fmla="*/ 5283200 w 6276663"/>
+                <a:gd name="connsiteY61" fmla="*/ 2986338 h 4679672"/>
+                <a:gd name="connsiteX62" fmla="*/ 5204178 w 6276663"/>
+                <a:gd name="connsiteY62" fmla="*/ 2997627 h 4679672"/>
+                <a:gd name="connsiteX63" fmla="*/ 5080000 w 6276663"/>
+                <a:gd name="connsiteY63" fmla="*/ 3042783 h 4679672"/>
+                <a:gd name="connsiteX64" fmla="*/ 5034845 w 6276663"/>
+                <a:gd name="connsiteY64" fmla="*/ 3065361 h 4679672"/>
+                <a:gd name="connsiteX65" fmla="*/ 4899378 w 6276663"/>
+                <a:gd name="connsiteY65" fmla="*/ 3110516 h 4679672"/>
+                <a:gd name="connsiteX66" fmla="*/ 4775200 w 6276663"/>
+                <a:gd name="connsiteY66" fmla="*/ 3155672 h 4679672"/>
+                <a:gd name="connsiteX67" fmla="*/ 4684889 w 6276663"/>
+                <a:gd name="connsiteY67" fmla="*/ 3223405 h 4679672"/>
+                <a:gd name="connsiteX68" fmla="*/ 4639734 w 6276663"/>
+                <a:gd name="connsiteY68" fmla="*/ 3245983 h 4679672"/>
+                <a:gd name="connsiteX69" fmla="*/ 4594578 w 6276663"/>
+                <a:gd name="connsiteY69" fmla="*/ 3302427 h 4679672"/>
+                <a:gd name="connsiteX70" fmla="*/ 4572000 w 6276663"/>
+                <a:gd name="connsiteY70" fmla="*/ 3347583 h 4679672"/>
+                <a:gd name="connsiteX71" fmla="*/ 4526845 w 6276663"/>
+                <a:gd name="connsiteY71" fmla="*/ 3392738 h 4679672"/>
+                <a:gd name="connsiteX72" fmla="*/ 4481689 w 6276663"/>
+                <a:gd name="connsiteY72" fmla="*/ 3471761 h 4679672"/>
+                <a:gd name="connsiteX73" fmla="*/ 4425245 w 6276663"/>
+                <a:gd name="connsiteY73" fmla="*/ 3539494 h 4679672"/>
+                <a:gd name="connsiteX74" fmla="*/ 4391378 w 6276663"/>
+                <a:gd name="connsiteY74" fmla="*/ 3595938 h 4679672"/>
+                <a:gd name="connsiteX75" fmla="*/ 4357512 w 6276663"/>
+                <a:gd name="connsiteY75" fmla="*/ 3641094 h 4679672"/>
+                <a:gd name="connsiteX76" fmla="*/ 4301067 w 6276663"/>
+                <a:gd name="connsiteY76" fmla="*/ 3731405 h 4679672"/>
+                <a:gd name="connsiteX77" fmla="*/ 4278489 w 6276663"/>
+                <a:gd name="connsiteY77" fmla="*/ 3787849 h 4679672"/>
+                <a:gd name="connsiteX78" fmla="*/ 4255912 w 6276663"/>
+                <a:gd name="connsiteY78" fmla="*/ 3889449 h 4679672"/>
+                <a:gd name="connsiteX79" fmla="*/ 4233334 w 6276663"/>
+                <a:gd name="connsiteY79" fmla="*/ 4047494 h 4679672"/>
+                <a:gd name="connsiteX80" fmla="*/ 4244623 w 6276663"/>
+                <a:gd name="connsiteY80" fmla="*/ 4431316 h 4679672"/>
+                <a:gd name="connsiteX81" fmla="*/ 4255912 w 6276663"/>
+                <a:gd name="connsiteY81" fmla="*/ 4465183 h 4679672"/>
+                <a:gd name="connsiteX82" fmla="*/ 4278489 w 6276663"/>
+                <a:gd name="connsiteY82" fmla="*/ 4499049 h 4679672"/>
+                <a:gd name="connsiteX83" fmla="*/ 4312356 w 6276663"/>
+                <a:gd name="connsiteY83" fmla="*/ 4544205 h 4679672"/>
+                <a:gd name="connsiteX84" fmla="*/ 4368800 w 6276663"/>
+                <a:gd name="connsiteY84" fmla="*/ 4611938 h 4679672"/>
+                <a:gd name="connsiteX85" fmla="*/ 4425245 w 6276663"/>
+                <a:gd name="connsiteY85" fmla="*/ 4679672 h 4679672"/>
+                <a:gd name="connsiteX86" fmla="*/ 4459112 w 6276663"/>
+                <a:gd name="connsiteY86" fmla="*/ 4668383 h 4679672"/>
+              </a:gdLst>
+              <a:ahLst/>
+              <a:cxnLst>
+                <a:cxn ang="0">
+                  <a:pos x="connsiteX0" y="connsiteY0"/>
+                </a:cxn>
+                <a:cxn ang="0">
+                  <a:pos x="connsiteX1" y="connsiteY1"/>
+                </a:cxn>
+                <a:cxn ang="0">
+                  <a:pos x="connsiteX2" y="connsiteY2"/>
+                </a:cxn>
+                <a:cxn ang="0">
+                  <a:pos x="connsiteX3" y="connsiteY3"/>
+                </a:cxn>
+                <a:cxn ang="0">
+                  <a:pos x="connsiteX4" y="connsiteY4"/>
+                </a:cxn>
+                <a:cxn ang="0">
+                  <a:pos x="connsiteX5" y="connsiteY5"/>
+                </a:cxn>
+                <a:cxn ang="0">
+                  <a:pos x="connsiteX6" y="connsiteY6"/>
+                </a:cxn>
+                <a:cxn ang="0">
+                  <a:pos x="connsiteX7" y="connsiteY7"/>
+                </a:cxn>
+                <a:cxn ang="0">
+                  <a:pos x="connsiteX8" y="connsiteY8"/>
+                </a:cxn>
+                <a:cxn ang="0">
+                  <a:pos x="connsiteX9" y="connsiteY9"/>
+                </a:cxn>
+                <a:cxn ang="0">
+                  <a:pos x="connsiteX10" y="connsiteY10"/>
+                </a:cxn>
+                <a:cxn ang="0">
+                  <a:pos x="connsiteX11" y="connsiteY11"/>
+                </a:cxn>
+                <a:cxn ang="0">
+                  <a:pos x="connsiteX12" y="connsiteY12"/>
+                </a:cxn>
+                <a:cxn ang="0">
+                  <a:pos x="connsiteX13" y="connsiteY13"/>
+                </a:cxn>
+                <a:cxn ang="0">
+                  <a:pos x="connsiteX14" y="connsiteY14"/>
+                </a:cxn>
+                <a:cxn ang="0">
+                  <a:pos x="connsiteX15" y="connsiteY15"/>
+                </a:cxn>
+                <a:cxn ang="0">
+                  <a:pos x="connsiteX16" y="connsiteY16"/>
+                </a:cxn>
+                <a:cxn ang="0">
+                  <a:pos x="connsiteX17" y="connsiteY17"/>
+                </a:cxn>
+                <a:cxn ang="0">
+                  <a:pos x="connsiteX18" y="connsiteY18"/>
+                </a:cxn>
+                <a:cxn ang="0">
+                  <a:pos x="connsiteX19" y="connsiteY19"/>
+                </a:cxn>
+                <a:cxn ang="0">
+                  <a:pos x="connsiteX20" y="connsiteY20"/>
+                </a:cxn>
+                <a:cxn ang="0">
+                  <a:pos x="connsiteX21" y="connsiteY21"/>
+                </a:cxn>
+                <a:cxn ang="0">
+                  <a:pos x="connsiteX22" y="connsiteY22"/>
+                </a:cxn>
+                <a:cxn ang="0">
+                  <a:pos x="connsiteX23" y="connsiteY23"/>
+                </a:cxn>
+                <a:cxn ang="0">
+                  <a:pos x="connsiteX24" y="connsiteY24"/>
+                </a:cxn>
+                <a:cxn ang="0">
+                  <a:pos x="connsiteX25" y="connsiteY25"/>
+                </a:cxn>
+                <a:cxn ang="0">
+                  <a:pos x="connsiteX26" y="connsiteY26"/>
+                </a:cxn>
+                <a:cxn ang="0">
+                  <a:pos x="connsiteX27" y="connsiteY27"/>
+                </a:cxn>
+                <a:cxn ang="0">
+                  <a:pos x="connsiteX28" y="connsiteY28"/>
+                </a:cxn>
+                <a:cxn ang="0">
+                  <a:pos x="connsiteX29" y="connsiteY29"/>
+                </a:cxn>
+                <a:cxn ang="0">
+                  <a:pos x="connsiteX30" y="connsiteY30"/>
+                </a:cxn>
+                <a:cxn ang="0">
+                  <a:pos x="connsiteX31" y="connsiteY31"/>
+                </a:cxn>
+                <a:cxn ang="0">
+                  <a:pos x="connsiteX32" y="connsiteY32"/>
+                </a:cxn>
+                <a:cxn ang="0">
+                  <a:pos x="connsiteX33" y="connsiteY33"/>
+                </a:cxn>
+                <a:cxn ang="0">
+                  <a:pos x="connsiteX34" y="connsiteY34"/>
+                </a:cxn>
+                <a:cxn ang="0">
+                  <a:pos x="connsiteX35" y="connsiteY35"/>
+                </a:cxn>
+                <a:cxn ang="0">
+                  <a:pos x="connsiteX36" y="connsiteY36"/>
+                </a:cxn>
+                <a:cxn ang="0">
+                  <a:pos x="connsiteX37" y="connsiteY37"/>
+                </a:cxn>
+                <a:cxn ang="0">
+                  <a:pos x="connsiteX38" y="connsiteY38"/>
+                </a:cxn>
+                <a:cxn ang="0">
+                  <a:pos x="connsiteX39" y="connsiteY39"/>
+                </a:cxn>
+                <a:cxn ang="0">
+                  <a:pos x="connsiteX40" y="connsiteY40"/>
+                </a:cxn>
+                <a:cxn ang="0">
+                  <a:pos x="connsiteX41" y="connsiteY41"/>
+                </a:cxn>
+                <a:cxn ang="0">
+                  <a:pos x="connsiteX42" y="connsiteY42"/>
+                </a:cxn>
+                <a:cxn ang="0">
+                  <a:pos x="connsiteX43" y="connsiteY43"/>
+                </a:cxn>
+                <a:cxn ang="0">
+                  <a:pos x="connsiteX44" y="connsiteY44"/>
+                </a:cxn>
+                <a:cxn ang="0">
+                  <a:pos x="connsiteX45" y="connsiteY45"/>
+                </a:cxn>
+                <a:cxn ang="0">
+                  <a:pos x="connsiteX46" y="connsiteY46"/>
+                </a:cxn>
+                <a:cxn ang="0">
+                  <a:pos x="connsiteX47" y="connsiteY47"/>
+                </a:cxn>
+                <a:cxn ang="0">
+                  <a:pos x="connsiteX48" y="connsiteY48"/>
+                </a:cxn>
+                <a:cxn ang="0">
+                  <a:pos x="connsiteX49" y="connsiteY49"/>
+                </a:cxn>
+                <a:cxn ang="0">
+                  <a:pos x="connsiteX50" y="connsiteY50"/>
+                </a:cxn>
+                <a:cxn ang="0">
+                  <a:pos x="connsiteX51" y="connsiteY51"/>
+                </a:cxn>
+                <a:cxn ang="0">
+                  <a:pos x="connsiteX52" y="connsiteY52"/>
+                </a:cxn>
+                <a:cxn ang="0">
+                  <a:pos x="connsiteX53" y="connsiteY53"/>
+                </a:cxn>
+                <a:cxn ang="0">
+                  <a:pos x="connsiteX54" y="connsiteY54"/>
+                </a:cxn>
+                <a:cxn ang="0">
+                  <a:pos x="connsiteX55" y="connsiteY55"/>
+                </a:cxn>
+                <a:cxn ang="0">
+                  <a:pos x="connsiteX56" y="connsiteY56"/>
+                </a:cxn>
+                <a:cxn ang="0">
+                  <a:pos x="connsiteX57" y="connsiteY57"/>
+                </a:cxn>
+                <a:cxn ang="0">
+                  <a:pos x="connsiteX58" y="connsiteY58"/>
+                </a:cxn>
+                <a:cxn ang="0">
+                  <a:pos x="connsiteX59" y="connsiteY59"/>
+                </a:cxn>
+                <a:cxn ang="0">
+                  <a:pos x="connsiteX60" y="connsiteY60"/>
+                </a:cxn>
+                <a:cxn ang="0">
+                  <a:pos x="connsiteX61" y="connsiteY61"/>
+                </a:cxn>
+                <a:cxn ang="0">
+                  <a:pos x="connsiteX62" y="connsiteY62"/>
+                </a:cxn>
+                <a:cxn ang="0">
+                  <a:pos x="connsiteX63" y="connsiteY63"/>
+                </a:cxn>
+                <a:cxn ang="0">
+                  <a:pos x="connsiteX64" y="connsiteY64"/>
+                </a:cxn>
+                <a:cxn ang="0">
+                  <a:pos x="connsiteX65" y="connsiteY65"/>
+                </a:cxn>
+                <a:cxn ang="0">
+                  <a:pos x="connsiteX66" y="connsiteY66"/>
+                </a:cxn>
+                <a:cxn ang="0">
+                  <a:pos x="connsiteX67" y="connsiteY67"/>
+                </a:cxn>
+                <a:cxn ang="0">
+                  <a:pos x="connsiteX68" y="connsiteY68"/>
+                </a:cxn>
+                <a:cxn ang="0">
+                  <a:pos x="connsiteX69" y="connsiteY69"/>
+                </a:cxn>
+                <a:cxn ang="0">
+                  <a:pos x="connsiteX70" y="connsiteY70"/>
+                </a:cxn>
+                <a:cxn ang="0">
+                  <a:pos x="connsiteX71" y="connsiteY71"/>
+                </a:cxn>
+                <a:cxn ang="0">
+                  <a:pos x="connsiteX72" y="connsiteY72"/>
+                </a:cxn>
+                <a:cxn ang="0">
+                  <a:pos x="connsiteX73" y="connsiteY73"/>
+                </a:cxn>
+                <a:cxn ang="0">
+                  <a:pos x="connsiteX74" y="connsiteY74"/>
+                </a:cxn>
+                <a:cxn ang="0">
+                  <a:pos x="connsiteX75" y="connsiteY75"/>
+                </a:cxn>
+                <a:cxn ang="0">
+                  <a:pos x="connsiteX76" y="connsiteY76"/>
+                </a:cxn>
+                <a:cxn ang="0">
+                  <a:pos x="connsiteX77" y="connsiteY77"/>
+                </a:cxn>
+                <a:cxn ang="0">
+                  <a:pos x="connsiteX78" y="connsiteY78"/>
+                </a:cxn>
+                <a:cxn ang="0">
+                  <a:pos x="connsiteX79" y="connsiteY79"/>
+                </a:cxn>
+                <a:cxn ang="0">
+                  <a:pos x="connsiteX80" y="connsiteY80"/>
+                </a:cxn>
+                <a:cxn ang="0">
+                  <a:pos x="connsiteX81" y="connsiteY81"/>
+                </a:cxn>
+                <a:cxn ang="0">
+                  <a:pos x="connsiteX82" y="connsiteY82"/>
+                </a:cxn>
+                <a:cxn ang="0">
+                  <a:pos x="connsiteX83" y="connsiteY83"/>
+                </a:cxn>
+                <a:cxn ang="0">
+                  <a:pos x="connsiteX84" y="connsiteY84"/>
+                </a:cxn>
+                <a:cxn ang="0">
+                  <a:pos x="connsiteX85" y="connsiteY85"/>
+                </a:cxn>
+                <a:cxn ang="0">
+                  <a:pos x="connsiteX86" y="connsiteY86"/>
+                </a:cxn>
+              </a:cxnLst>
+              <a:rect l="l" t="t" r="r" b="b"/>
+              <a:pathLst>
+                <a:path w="6276663" h="4679672">
+                  <a:moveTo>
+                    <a:pt x="0" y="1676827"/>
+                  </a:moveTo>
+                  <a:cubicBezTo>
+                    <a:pt x="1120" y="1708182"/>
+                    <a:pt x="-3659" y="1955703"/>
+                    <a:pt x="22578" y="2060649"/>
+                  </a:cubicBezTo>
+                  <a:cubicBezTo>
+                    <a:pt x="28350" y="2083738"/>
+                    <a:pt x="34513" y="2107096"/>
+                    <a:pt x="45156" y="2128383"/>
+                  </a:cubicBezTo>
+                  <a:cubicBezTo>
+                    <a:pt x="53570" y="2145211"/>
+                    <a:pt x="67734" y="2158486"/>
+                    <a:pt x="79023" y="2173538"/>
+                  </a:cubicBezTo>
+                  <a:cubicBezTo>
+                    <a:pt x="82786" y="2184827"/>
+                    <a:pt x="83539" y="2197621"/>
+                    <a:pt x="90312" y="2207405"/>
+                  </a:cubicBezTo>
+                  <a:cubicBezTo>
+                    <a:pt x="234608" y="2415833"/>
+                    <a:pt x="118383" y="2235476"/>
+                    <a:pt x="282223" y="2399316"/>
+                  </a:cubicBezTo>
+                  <a:cubicBezTo>
+                    <a:pt x="331208" y="2448301"/>
+                    <a:pt x="419991" y="2541577"/>
+                    <a:pt x="474134" y="2568649"/>
+                  </a:cubicBezTo>
+                  <a:cubicBezTo>
+                    <a:pt x="719147" y="2691158"/>
+                    <a:pt x="390663" y="2529257"/>
+                    <a:pt x="598312" y="2625094"/>
+                  </a:cubicBezTo>
+                  <a:cubicBezTo>
+                    <a:pt x="607164" y="2629179"/>
+                    <a:pt x="717331" y="2687932"/>
+                    <a:pt x="745067" y="2692827"/>
+                  </a:cubicBezTo>
+                  <a:cubicBezTo>
+                    <a:pt x="789690" y="2700702"/>
+                    <a:pt x="835378" y="2700353"/>
+                    <a:pt x="880534" y="2704116"/>
+                  </a:cubicBezTo>
+                  <a:cubicBezTo>
+                    <a:pt x="903112" y="2711642"/>
+                    <a:pt x="925077" y="2721343"/>
+                    <a:pt x="948267" y="2726694"/>
+                  </a:cubicBezTo>
+                  <a:cubicBezTo>
+                    <a:pt x="1032921" y="2746230"/>
+                    <a:pt x="1238674" y="2747591"/>
+                    <a:pt x="1275645" y="2749272"/>
+                  </a:cubicBezTo>
+                  <a:cubicBezTo>
+                    <a:pt x="1403586" y="2741746"/>
+                    <a:pt x="1532295" y="2742591"/>
+                    <a:pt x="1659467" y="2726694"/>
+                  </a:cubicBezTo>
+                  <a:cubicBezTo>
+                    <a:pt x="1695527" y="2722186"/>
+                    <a:pt x="1743157" y="2679817"/>
+                    <a:pt x="1772356" y="2658961"/>
+                  </a:cubicBezTo>
+                  <a:cubicBezTo>
+                    <a:pt x="1799693" y="2639435"/>
+                    <a:pt x="1826134" y="2625819"/>
+                    <a:pt x="1851378" y="2602516"/>
+                  </a:cubicBezTo>
+                  <a:cubicBezTo>
+                    <a:pt x="1886571" y="2570030"/>
+                    <a:pt x="1931558" y="2543754"/>
+                    <a:pt x="1952978" y="2500916"/>
+                  </a:cubicBezTo>
+                  <a:cubicBezTo>
+                    <a:pt x="1981624" y="2443626"/>
+                    <a:pt x="1961554" y="2465096"/>
+                    <a:pt x="2009423" y="2433183"/>
+                  </a:cubicBezTo>
+                  <a:cubicBezTo>
+                    <a:pt x="2016949" y="2418131"/>
+                    <a:pt x="2023081" y="2402298"/>
+                    <a:pt x="2032000" y="2388027"/>
+                  </a:cubicBezTo>
+                  <a:cubicBezTo>
+                    <a:pt x="2041972" y="2372072"/>
+                    <a:pt x="2056730" y="2359319"/>
+                    <a:pt x="2065867" y="2342872"/>
+                  </a:cubicBezTo>
+                  <a:cubicBezTo>
+                    <a:pt x="2075708" y="2325158"/>
+                    <a:pt x="2078909" y="2304307"/>
+                    <a:pt x="2088445" y="2286427"/>
+                  </a:cubicBezTo>
+                  <a:cubicBezTo>
+                    <a:pt x="2109096" y="2247706"/>
+                    <a:pt x="2142301" y="2215169"/>
+                    <a:pt x="2156178" y="2173538"/>
+                  </a:cubicBezTo>
+                  <a:cubicBezTo>
+                    <a:pt x="2199659" y="2043096"/>
+                    <a:pt x="2149184" y="2167097"/>
+                    <a:pt x="2235200" y="2038072"/>
+                  </a:cubicBezTo>
+                  <a:cubicBezTo>
+                    <a:pt x="2249202" y="2017069"/>
+                    <a:pt x="2254220" y="1990753"/>
+                    <a:pt x="2269067" y="1970338"/>
+                  </a:cubicBezTo>
+                  <a:cubicBezTo>
+                    <a:pt x="2284717" y="1948819"/>
+                    <a:pt x="2309547" y="1935181"/>
+                    <a:pt x="2325512" y="1913894"/>
+                  </a:cubicBezTo>
+                  <a:cubicBezTo>
+                    <a:pt x="2343715" y="1889624"/>
+                    <a:pt x="2353839" y="1860115"/>
+                    <a:pt x="2370667" y="1834872"/>
+                  </a:cubicBezTo>
+                  <a:cubicBezTo>
+                    <a:pt x="2428594" y="1747981"/>
+                    <a:pt x="2436369" y="1746592"/>
+                    <a:pt x="2506134" y="1676827"/>
+                  </a:cubicBezTo>
+                  <a:cubicBezTo>
+                    <a:pt x="2532760" y="1605823"/>
+                    <a:pt x="2540932" y="1569407"/>
+                    <a:pt x="2585156" y="1507494"/>
+                  </a:cubicBezTo>
+                  <a:cubicBezTo>
+                    <a:pt x="2680085" y="1374593"/>
+                    <a:pt x="2635511" y="1487672"/>
+                    <a:pt x="2698045" y="1326872"/>
+                  </a:cubicBezTo>
+                  <a:cubicBezTo>
+                    <a:pt x="2710984" y="1293601"/>
+                    <a:pt x="2716712" y="1257573"/>
+                    <a:pt x="2731912" y="1225272"/>
+                  </a:cubicBezTo>
+                  <a:cubicBezTo>
+                    <a:pt x="2747028" y="1193151"/>
+                    <a:pt x="2770952" y="1165902"/>
+                    <a:pt x="2788356" y="1134961"/>
+                  </a:cubicBezTo>
+                  <a:cubicBezTo>
+                    <a:pt x="2804857" y="1105626"/>
+                    <a:pt x="2820022" y="1075484"/>
+                    <a:pt x="2833512" y="1044649"/>
+                  </a:cubicBezTo>
+                  <a:cubicBezTo>
+                    <a:pt x="2929504" y="825237"/>
+                    <a:pt x="2788985" y="1096283"/>
+                    <a:pt x="2935112" y="852738"/>
+                  </a:cubicBezTo>
+                  <a:cubicBezTo>
+                    <a:pt x="2948099" y="831093"/>
+                    <a:pt x="2956454" y="806922"/>
+                    <a:pt x="2968978" y="785005"/>
+                  </a:cubicBezTo>
+                  <a:cubicBezTo>
+                    <a:pt x="2981967" y="762275"/>
+                    <a:pt x="3084084" y="583491"/>
+                    <a:pt x="3127023" y="536649"/>
+                  </a:cubicBezTo>
+                  <a:cubicBezTo>
+                    <a:pt x="3146882" y="514984"/>
+                    <a:pt x="3173091" y="500064"/>
+                    <a:pt x="3194756" y="480205"/>
+                  </a:cubicBezTo>
+                  <a:cubicBezTo>
+                    <a:pt x="3218293" y="458629"/>
+                    <a:pt x="3240913" y="436009"/>
+                    <a:pt x="3262489" y="412472"/>
+                  </a:cubicBezTo>
+                  <a:cubicBezTo>
+                    <a:pt x="3304878" y="366229"/>
+                    <a:pt x="3326299" y="327557"/>
+                    <a:pt x="3375378" y="288294"/>
+                  </a:cubicBezTo>
+                  <a:cubicBezTo>
+                    <a:pt x="3392512" y="274587"/>
+                    <a:pt x="3414078" y="267333"/>
+                    <a:pt x="3431823" y="254427"/>
+                  </a:cubicBezTo>
+                  <a:cubicBezTo>
+                    <a:pt x="3455591" y="237141"/>
+                    <a:pt x="3476044" y="215617"/>
+                    <a:pt x="3499556" y="197983"/>
+                  </a:cubicBezTo>
+                  <a:cubicBezTo>
+                    <a:pt x="3593385" y="127611"/>
+                    <a:pt x="3538281" y="175394"/>
+                    <a:pt x="3635023" y="118961"/>
+                  </a:cubicBezTo>
+                  <a:cubicBezTo>
+                    <a:pt x="3658462" y="105288"/>
+                    <a:pt x="3677708" y="84242"/>
+                    <a:pt x="3702756" y="73805"/>
+                  </a:cubicBezTo>
+                  <a:cubicBezTo>
+                    <a:pt x="3723884" y="65001"/>
+                    <a:pt x="3747911" y="66279"/>
+                    <a:pt x="3770489" y="62516"/>
+                  </a:cubicBezTo>
+                  <a:cubicBezTo>
+                    <a:pt x="3800593" y="51227"/>
+                    <a:pt x="3829383" y="35479"/>
+                    <a:pt x="3860800" y="28649"/>
+                  </a:cubicBezTo>
+                  <a:cubicBezTo>
+                    <a:pt x="4114982" y="-26607"/>
+                    <a:pt x="4548535" y="14570"/>
+                    <a:pt x="4718756" y="17361"/>
+                  </a:cubicBezTo>
+                  <a:cubicBezTo>
+                    <a:pt x="4820356" y="24887"/>
+                    <a:pt x="4922183" y="29801"/>
+                    <a:pt x="5023556" y="39938"/>
+                  </a:cubicBezTo>
+                  <a:cubicBezTo>
+                    <a:pt x="5072805" y="44863"/>
+                    <a:pt x="5121144" y="56843"/>
+                    <a:pt x="5170312" y="62516"/>
+                  </a:cubicBezTo>
+                  <a:cubicBezTo>
+                    <a:pt x="5219051" y="68140"/>
+                    <a:pt x="5268149" y="70042"/>
+                    <a:pt x="5317067" y="73805"/>
+                  </a:cubicBezTo>
+                  <a:cubicBezTo>
+                    <a:pt x="5362223" y="92620"/>
+                    <a:pt x="5406561" y="113531"/>
+                    <a:pt x="5452534" y="130249"/>
+                  </a:cubicBezTo>
+                  <a:cubicBezTo>
+                    <a:pt x="5571039" y="173341"/>
+                    <a:pt x="5573561" y="152303"/>
+                    <a:pt x="5689600" y="220561"/>
+                  </a:cubicBezTo>
+                  <a:cubicBezTo>
+                    <a:pt x="5714932" y="235462"/>
+                    <a:pt x="5736552" y="256223"/>
+                    <a:pt x="5757334" y="277005"/>
+                  </a:cubicBezTo>
+                  <a:cubicBezTo>
+                    <a:pt x="5952340" y="472010"/>
+                    <a:pt x="5991937" y="502397"/>
+                    <a:pt x="6118578" y="739849"/>
+                  </a:cubicBezTo>
+                  <a:cubicBezTo>
+                    <a:pt x="6161392" y="820125"/>
+                    <a:pt x="6171135" y="972559"/>
+                    <a:pt x="6186312" y="1044649"/>
+                  </a:cubicBezTo>
+                  <a:cubicBezTo>
+                    <a:pt x="6202293" y="1120560"/>
+                    <a:pt x="6223941" y="1195168"/>
+                    <a:pt x="6242756" y="1270427"/>
+                  </a:cubicBezTo>
+                  <a:cubicBezTo>
+                    <a:pt x="6245270" y="1300596"/>
+                    <a:pt x="6277963" y="1666295"/>
+                    <a:pt x="6276623" y="1733272"/>
+                  </a:cubicBezTo>
+                  <a:cubicBezTo>
+                    <a:pt x="6274135" y="1857653"/>
+                    <a:pt x="6272372" y="1982757"/>
+                    <a:pt x="6254045" y="2105805"/>
+                  </a:cubicBezTo>
+                  <a:cubicBezTo>
+                    <a:pt x="6232165" y="2252712"/>
+                    <a:pt x="6124182" y="2370454"/>
+                    <a:pt x="6050845" y="2489627"/>
+                  </a:cubicBezTo>
+                  <a:cubicBezTo>
+                    <a:pt x="6037615" y="2511125"/>
+                    <a:pt x="6033865" y="2538598"/>
+                    <a:pt x="6016978" y="2557361"/>
+                  </a:cubicBezTo>
+                  <a:cubicBezTo>
+                    <a:pt x="5998826" y="2577530"/>
+                    <a:pt x="5968432" y="2583329"/>
+                    <a:pt x="5949245" y="2602516"/>
+                  </a:cubicBezTo>
+                  <a:cubicBezTo>
+                    <a:pt x="5877650" y="2674111"/>
+                    <a:pt x="5813312" y="2752618"/>
+                    <a:pt x="5746045" y="2828294"/>
+                  </a:cubicBezTo>
+                  <a:cubicBezTo>
+                    <a:pt x="5714511" y="2863770"/>
+                    <a:pt x="5679794" y="2917864"/>
+                    <a:pt x="5633156" y="2941183"/>
+                  </a:cubicBezTo>
+                  <a:cubicBezTo>
+                    <a:pt x="5604400" y="2955561"/>
+                    <a:pt x="5574731" y="2970935"/>
+                    <a:pt x="5542845" y="2975049"/>
+                  </a:cubicBezTo>
+                  <a:cubicBezTo>
+                    <a:pt x="5456927" y="2986135"/>
+                    <a:pt x="5369748" y="2982575"/>
+                    <a:pt x="5283200" y="2986338"/>
+                  </a:cubicBezTo>
+                  <a:cubicBezTo>
+                    <a:pt x="5256859" y="2990101"/>
+                    <a:pt x="5230105" y="2991644"/>
+                    <a:pt x="5204178" y="2997627"/>
+                  </a:cubicBezTo>
+                  <a:cubicBezTo>
+                    <a:pt x="5178149" y="3003634"/>
+                    <a:pt x="5106663" y="3030933"/>
+                    <a:pt x="5080000" y="3042783"/>
+                  </a:cubicBezTo>
+                  <a:cubicBezTo>
+                    <a:pt x="5064622" y="3049618"/>
+                    <a:pt x="5050379" y="3058889"/>
+                    <a:pt x="5034845" y="3065361"/>
+                  </a:cubicBezTo>
+                  <a:cubicBezTo>
+                    <a:pt x="4956220" y="3098121"/>
+                    <a:pt x="4963075" y="3094592"/>
+                    <a:pt x="4899378" y="3110516"/>
+                  </a:cubicBezTo>
+                  <a:cubicBezTo>
+                    <a:pt x="4751917" y="3198994"/>
+                    <a:pt x="4939051" y="3096091"/>
+                    <a:pt x="4775200" y="3155672"/>
+                  </a:cubicBezTo>
+                  <a:cubicBezTo>
+                    <a:pt x="4697044" y="3184092"/>
+                    <a:pt x="4740108" y="3183962"/>
+                    <a:pt x="4684889" y="3223405"/>
+                  </a:cubicBezTo>
+                  <a:cubicBezTo>
+                    <a:pt x="4671195" y="3233186"/>
+                    <a:pt x="4654786" y="3238457"/>
+                    <a:pt x="4639734" y="3245983"/>
+                  </a:cubicBezTo>
+                  <a:cubicBezTo>
+                    <a:pt x="4624682" y="3264798"/>
+                    <a:pt x="4607943" y="3282379"/>
+                    <a:pt x="4594578" y="3302427"/>
+                  </a:cubicBezTo>
+                  <a:cubicBezTo>
+                    <a:pt x="4585243" y="3316429"/>
+                    <a:pt x="4582097" y="3334120"/>
+                    <a:pt x="4572000" y="3347583"/>
+                  </a:cubicBezTo>
+                  <a:cubicBezTo>
+                    <a:pt x="4559228" y="3364612"/>
+                    <a:pt x="4540698" y="3376576"/>
+                    <a:pt x="4526845" y="3392738"/>
+                  </a:cubicBezTo>
+                  <a:cubicBezTo>
+                    <a:pt x="4503271" y="3420242"/>
+                    <a:pt x="4499992" y="3439730"/>
+                    <a:pt x="4481689" y="3471761"/>
+                  </a:cubicBezTo>
+                  <a:cubicBezTo>
+                    <a:pt x="4439571" y="3545468"/>
+                    <a:pt x="4481279" y="3464783"/>
+                    <a:pt x="4425245" y="3539494"/>
+                  </a:cubicBezTo>
+                  <a:cubicBezTo>
+                    <a:pt x="4412080" y="3557047"/>
+                    <a:pt x="4403549" y="3577681"/>
+                    <a:pt x="4391378" y="3595938"/>
+                  </a:cubicBezTo>
+                  <a:cubicBezTo>
+                    <a:pt x="4380941" y="3611593"/>
+                    <a:pt x="4366649" y="3624647"/>
+                    <a:pt x="4357512" y="3641094"/>
+                  </a:cubicBezTo>
+                  <a:cubicBezTo>
+                    <a:pt x="4304063" y="3737303"/>
+                    <a:pt x="4368913" y="3663559"/>
+                    <a:pt x="4301067" y="3731405"/>
+                  </a:cubicBezTo>
+                  <a:cubicBezTo>
+                    <a:pt x="4293541" y="3750220"/>
+                    <a:pt x="4284897" y="3768625"/>
+                    <a:pt x="4278489" y="3787849"/>
+                  </a:cubicBezTo>
+                  <a:cubicBezTo>
+                    <a:pt x="4271963" y="3807426"/>
+                    <a:pt x="4258597" y="3872444"/>
+                    <a:pt x="4255912" y="3889449"/>
+                  </a:cubicBezTo>
+                  <a:cubicBezTo>
+                    <a:pt x="4247612" y="3942014"/>
+                    <a:pt x="4233334" y="4047494"/>
+                    <a:pt x="4233334" y="4047494"/>
+                  </a:cubicBezTo>
+                  <a:cubicBezTo>
+                    <a:pt x="4237097" y="4175435"/>
+                    <a:pt x="4237714" y="4303507"/>
+                    <a:pt x="4244623" y="4431316"/>
+                  </a:cubicBezTo>
+                  <a:cubicBezTo>
+                    <a:pt x="4245265" y="4443198"/>
+                    <a:pt x="4250590" y="4454540"/>
+                    <a:pt x="4255912" y="4465183"/>
+                  </a:cubicBezTo>
+                  <a:cubicBezTo>
+                    <a:pt x="4261979" y="4477318"/>
+                    <a:pt x="4270603" y="4488009"/>
+                    <a:pt x="4278489" y="4499049"/>
+                  </a:cubicBezTo>
+                  <a:cubicBezTo>
+                    <a:pt x="4289425" y="4514359"/>
+                    <a:pt x="4302384" y="4528250"/>
+                    <a:pt x="4312356" y="4544205"/>
+                  </a:cubicBezTo>
+                  <a:cubicBezTo>
+                    <a:pt x="4353278" y="4609680"/>
+                    <a:pt x="4311034" y="4573428"/>
+                    <a:pt x="4368800" y="4611938"/>
+                  </a:cubicBezTo>
+                  <a:cubicBezTo>
+                    <a:pt x="4379128" y="4627431"/>
+                    <a:pt x="4406619" y="4673463"/>
+                    <a:pt x="4425245" y="4679672"/>
+                  </a:cubicBezTo>
+                  <a:lnTo>
+                    <a:pt x="4459112" y="4668383"/>
+                  </a:lnTo>
+                </a:path>
+              </a:pathLst>
+            </a:custGeom>
+            <a:noFill/>
+            <a:ln w="95250"/>
+            <a:scene3d>
+              <a:camera prst="orthographicFront"/>
+              <a:lightRig rig="threePt" dir="t"/>
+            </a:scene3d>
+            <a:sp3d>
+              <a:bevelT h="146050"/>
+            </a:sp3d>
+          </p:spPr>
+          <p:style>
+            <a:lnRef idx="2">
+              <a:schemeClr val="accent1">
+                <a:shade val="50000"/>
+              </a:schemeClr>
+            </a:lnRef>
+            <a:fillRef idx="1">
+              <a:schemeClr val="accent1"/>
+            </a:fillRef>
+            <a:effectRef idx="0">
+              <a:schemeClr val="accent1"/>
+            </a:effectRef>
+            <a:fontRef idx="minor">
+              <a:schemeClr val="lt1"/>
+            </a:fontRef>
+          </p:style>
+          <p:txBody>
+            <a:bodyPr rtlCol="0" anchor="ctr"/>
+            <a:lstStyle/>
+            <a:p>
+              <a:pPr algn="ctr"/>
+              <a:endParaRPr lang="en-US"/>
+            </a:p>
+          </p:txBody>
+        </p:sp>
+        <p:sp>
+          <p:nvSpPr>
+            <p:cNvPr id="6" name="Oval 5"/>
+            <p:cNvSpPr/>
+            <p:nvPr/>
+          </p:nvSpPr>
+          <p:spPr>
+            <a:xfrm>
+              <a:off x="2004990" y="2805379"/>
+              <a:ext cx="324956" cy="338486"/>
+            </a:xfrm>
+            <a:prstGeom prst="ellipse">
               <a:avLst/>
-            </a:prstTxWarp>
-            <a:noAutofit/>
-          </a:bodyPr>
-          <a:lstStyle/>
-          <a:p>
-            <a:endParaRPr lang="en-US"/>
-          </a:p>
-        </p:txBody>
-      </p:sp>
-      <p:sp>
-        <p:nvSpPr>
-          <p:cNvPr id="8" name="Oval 7"/>
-          <p:cNvSpPr/>
-          <p:nvPr/>
-        </p:nvSpPr>
-        <p:spPr>
-          <a:xfrm>
-            <a:off x="5554135" y="2269427"/>
-            <a:ext cx="324956" cy="338486"/>
-          </a:xfrm>
-          <a:prstGeom prst="ellipse">
-            <a:avLst/>
-          </a:prstGeom>
-          <a:solidFill>
-            <a:schemeClr val="accent6"/>
-          </a:solidFill>
-          <a:scene3d>
-            <a:camera prst="orthographicFront"/>
-            <a:lightRig rig="threePt" dir="t"/>
-          </a:scene3d>
-          <a:sp3d extrusionH="107950" contourW="12700" prstMaterial="dkEdge">
-            <a:bevelT w="107950" h="107950"/>
-            <a:bevelB w="107950" h="107950"/>
-          </a:sp3d>
-        </p:spPr>
-        <p:style>
-          <a:lnRef idx="2">
-            <a:schemeClr val="accent1">
-              <a:shade val="50000"/>
-            </a:schemeClr>
-          </a:lnRef>
-          <a:fillRef idx="1">
-            <a:schemeClr val="accent1"/>
-          </a:fillRef>
-          <a:effectRef idx="0">
-            <a:schemeClr val="accent1"/>
-          </a:effectRef>
-          <a:fontRef idx="minor">
-            <a:schemeClr val="lt1"/>
-          </a:fontRef>
-        </p:style>
-        <p:txBody>
-          <a:bodyPr rot="0" spcFirstLastPara="0" vert="horz" wrap="square" lIns="91440" tIns="45720" rIns="91440" bIns="45720" numCol="1" spcCol="0" rtlCol="1" fromWordArt="0" anchor="ctr" anchorCtr="0" forceAA="0" compatLnSpc="1">
-            <a:prstTxWarp prst="textNoShape">
+            </a:prstGeom>
+            <a:solidFill>
+              <a:schemeClr val="accent6"/>
+            </a:solidFill>
+            <a:scene3d>
+              <a:camera prst="orthographicFront"/>
+              <a:lightRig rig="threePt" dir="t"/>
+            </a:scene3d>
+            <a:sp3d extrusionH="107950" contourW="12700" prstMaterial="dkEdge">
+              <a:bevelT w="107950" h="107950"/>
+              <a:bevelB w="107950" h="107950"/>
+            </a:sp3d>
+          </p:spPr>
+          <p:style>
+            <a:lnRef idx="2">
+              <a:schemeClr val="accent1">
+                <a:shade val="50000"/>
+              </a:schemeClr>
+            </a:lnRef>
+            <a:fillRef idx="1">
+              <a:schemeClr val="accent1"/>
+            </a:fillRef>
+            <a:effectRef idx="0">
+              <a:schemeClr val="accent1"/>
+            </a:effectRef>
+            <a:fontRef idx="minor">
+              <a:schemeClr val="lt1"/>
+            </a:fontRef>
+          </p:style>
+          <p:txBody>
+            <a:bodyPr rot="0" spcFirstLastPara="0" vert="horz" wrap="square" lIns="91440" tIns="45720" rIns="91440" bIns="45720" numCol="1" spcCol="0" rtlCol="1" fromWordArt="0" anchor="ctr" anchorCtr="0" forceAA="0" compatLnSpc="1">
+              <a:prstTxWarp prst="textNoShape">
+                <a:avLst/>
+              </a:prstTxWarp>
+              <a:noAutofit/>
+            </a:bodyPr>
+            <a:lstStyle/>
+            <a:p>
+              <a:endParaRPr lang="en-US"/>
+            </a:p>
+          </p:txBody>
+        </p:sp>
+        <p:sp>
+          <p:nvSpPr>
+            <p:cNvPr id="7" name="Oval 6"/>
+            <p:cNvSpPr/>
+            <p:nvPr/>
+          </p:nvSpPr>
+          <p:spPr>
+            <a:xfrm>
+              <a:off x="4995334" y="2974622"/>
+              <a:ext cx="324956" cy="338486"/>
+            </a:xfrm>
+            <a:prstGeom prst="ellipse">
               <a:avLst/>
-            </a:prstTxWarp>
-            <a:noAutofit/>
-          </a:bodyPr>
-          <a:lstStyle/>
-          <a:p>
-            <a:endParaRPr lang="en-US"/>
-          </a:p>
-        </p:txBody>
-      </p:sp>
-      <p:sp>
-        <p:nvSpPr>
-          <p:cNvPr id="9" name="Oval 8"/>
-          <p:cNvSpPr/>
-          <p:nvPr/>
-        </p:nvSpPr>
-        <p:spPr>
-          <a:xfrm>
-            <a:off x="6068990" y="1400003"/>
-            <a:ext cx="324956" cy="338486"/>
-          </a:xfrm>
-          <a:prstGeom prst="ellipse">
-            <a:avLst/>
-          </a:prstGeom>
-          <a:solidFill>
-            <a:schemeClr val="accent6"/>
-          </a:solidFill>
-          <a:scene3d>
-            <a:camera prst="orthographicFront"/>
-            <a:lightRig rig="threePt" dir="t"/>
-          </a:scene3d>
-          <a:sp3d extrusionH="107950" contourW="12700" prstMaterial="dkEdge">
-            <a:bevelT w="107950" h="107950"/>
-            <a:bevelB w="107950" h="107950"/>
-          </a:sp3d>
-        </p:spPr>
-        <p:style>
-          <a:lnRef idx="2">
-            <a:schemeClr val="accent1">
-              <a:shade val="50000"/>
-            </a:schemeClr>
-          </a:lnRef>
-          <a:fillRef idx="1">
-            <a:schemeClr val="accent1"/>
-          </a:fillRef>
-          <a:effectRef idx="0">
-            <a:schemeClr val="accent1"/>
-          </a:effectRef>
-          <a:fontRef idx="minor">
-            <a:schemeClr val="lt1"/>
-          </a:fontRef>
-        </p:style>
-        <p:txBody>
-          <a:bodyPr rot="0" spcFirstLastPara="0" vert="horz" wrap="square" lIns="91440" tIns="45720" rIns="91440" bIns="45720" numCol="1" spcCol="0" rtlCol="1" fromWordArt="0" anchor="ctr" anchorCtr="0" forceAA="0" compatLnSpc="1">
-            <a:prstTxWarp prst="textNoShape">
+            </a:prstGeom>
+            <a:solidFill>
+              <a:schemeClr val="accent6"/>
+            </a:solidFill>
+            <a:scene3d>
+              <a:camera prst="orthographicFront"/>
+              <a:lightRig rig="threePt" dir="t"/>
+            </a:scene3d>
+            <a:sp3d extrusionH="107950" contourW="12700" prstMaterial="dkEdge">
+              <a:bevelT w="107950" h="107950"/>
+              <a:bevelB w="107950" h="107950"/>
+            </a:sp3d>
+          </p:spPr>
+          <p:style>
+            <a:lnRef idx="2">
+              <a:schemeClr val="accent1">
+                <a:shade val="50000"/>
+              </a:schemeClr>
+            </a:lnRef>
+            <a:fillRef idx="1">
+              <a:schemeClr val="accent1"/>
+            </a:fillRef>
+            <a:effectRef idx="0">
+              <a:schemeClr val="accent1"/>
+            </a:effectRef>
+            <a:fontRef idx="minor">
+              <a:schemeClr val="lt1"/>
+            </a:fontRef>
+          </p:style>
+          <p:txBody>
+            <a:bodyPr rot="0" spcFirstLastPara="0" vert="horz" wrap="square" lIns="91440" tIns="45720" rIns="91440" bIns="45720" numCol="1" spcCol="0" rtlCol="1" fromWordArt="0" anchor="ctr" anchorCtr="0" forceAA="0" compatLnSpc="1">
+              <a:prstTxWarp prst="textNoShape">
+                <a:avLst/>
+              </a:prstTxWarp>
+              <a:noAutofit/>
+            </a:bodyPr>
+            <a:lstStyle/>
+            <a:p>
+              <a:endParaRPr lang="en-US"/>
+            </a:p>
+          </p:txBody>
+        </p:sp>
+        <p:sp>
+          <p:nvSpPr>
+            <p:cNvPr id="8" name="Oval 7"/>
+            <p:cNvSpPr/>
+            <p:nvPr/>
+          </p:nvSpPr>
+          <p:spPr>
+            <a:xfrm>
+              <a:off x="5554135" y="2269427"/>
+              <a:ext cx="324956" cy="338486"/>
+            </a:xfrm>
+            <a:prstGeom prst="ellipse">
               <a:avLst/>
-            </a:prstTxWarp>
-            <a:noAutofit/>
-          </a:bodyPr>
-          <a:lstStyle/>
-          <a:p>
-            <a:endParaRPr lang="en-US"/>
-          </a:p>
-        </p:txBody>
-      </p:sp>
-      <p:sp>
-        <p:nvSpPr>
-          <p:cNvPr id="10" name="Oval 9"/>
-          <p:cNvSpPr/>
-          <p:nvPr/>
-        </p:nvSpPr>
-        <p:spPr>
-          <a:xfrm>
-            <a:off x="6935405" y="965470"/>
-            <a:ext cx="324956" cy="338486"/>
-          </a:xfrm>
-          <a:prstGeom prst="ellipse">
-            <a:avLst/>
-          </a:prstGeom>
-          <a:solidFill>
-            <a:schemeClr val="accent6"/>
-          </a:solidFill>
-          <a:scene3d>
-            <a:camera prst="orthographicFront"/>
-            <a:lightRig rig="threePt" dir="t"/>
-          </a:scene3d>
-          <a:sp3d extrusionH="107950" contourW="12700" prstMaterial="dkEdge">
-            <a:bevelT w="107950" h="107950"/>
-            <a:bevelB w="107950" h="107950"/>
-          </a:sp3d>
-        </p:spPr>
-        <p:style>
-          <a:lnRef idx="2">
-            <a:schemeClr val="accent1">
-              <a:shade val="50000"/>
-            </a:schemeClr>
-          </a:lnRef>
-          <a:fillRef idx="1">
-            <a:schemeClr val="accent1"/>
-          </a:fillRef>
-          <a:effectRef idx="0">
-            <a:schemeClr val="accent1"/>
-          </a:effectRef>
-          <a:fontRef idx="minor">
-            <a:schemeClr val="lt1"/>
-          </a:fontRef>
-        </p:style>
-        <p:txBody>
-          <a:bodyPr rot="0" spcFirstLastPara="0" vert="horz" wrap="square" lIns="91440" tIns="45720" rIns="91440" bIns="45720" numCol="1" spcCol="0" rtlCol="1" fromWordArt="0" anchor="ctr" anchorCtr="0" forceAA="0" compatLnSpc="1">
-            <a:prstTxWarp prst="textNoShape">
+            </a:prstGeom>
+            <a:solidFill>
+              <a:schemeClr val="accent6"/>
+            </a:solidFill>
+            <a:scene3d>
+              <a:camera prst="orthographicFront"/>
+              <a:lightRig rig="threePt" dir="t"/>
+            </a:scene3d>
+            <a:sp3d extrusionH="107950" contourW="12700" prstMaterial="dkEdge">
+              <a:bevelT w="107950" h="107950"/>
+              <a:bevelB w="107950" h="107950"/>
+            </a:sp3d>
+          </p:spPr>
+          <p:style>
+            <a:lnRef idx="2">
+              <a:schemeClr val="accent1">
+                <a:shade val="50000"/>
+              </a:schemeClr>
+            </a:lnRef>
+            <a:fillRef idx="1">
+              <a:schemeClr val="accent1"/>
+            </a:fillRef>
+            <a:effectRef idx="0">
+              <a:schemeClr val="accent1"/>
+            </a:effectRef>
+            <a:fontRef idx="minor">
+              <a:schemeClr val="lt1"/>
+            </a:fontRef>
+          </p:style>
+          <p:txBody>
+            <a:bodyPr rot="0" spcFirstLastPara="0" vert="horz" wrap="square" lIns="91440" tIns="45720" rIns="91440" bIns="45720" numCol="1" spcCol="0" rtlCol="1" fromWordArt="0" anchor="ctr" anchorCtr="0" forceAA="0" compatLnSpc="1">
+              <a:prstTxWarp prst="textNoShape">
+                <a:avLst/>
+              </a:prstTxWarp>
+              <a:noAutofit/>
+            </a:bodyPr>
+            <a:lstStyle/>
+            <a:p>
+              <a:endParaRPr lang="en-US"/>
+            </a:p>
+          </p:txBody>
+        </p:sp>
+        <p:sp>
+          <p:nvSpPr>
+            <p:cNvPr id="9" name="Oval 8"/>
+            <p:cNvSpPr/>
+            <p:nvPr/>
+          </p:nvSpPr>
+          <p:spPr>
+            <a:xfrm>
+              <a:off x="6068990" y="1400003"/>
+              <a:ext cx="324956" cy="338486"/>
+            </a:xfrm>
+            <a:prstGeom prst="ellipse">
               <a:avLst/>
-            </a:prstTxWarp>
-            <a:noAutofit/>
-          </a:bodyPr>
-          <a:lstStyle/>
-          <a:p>
-            <a:endParaRPr lang="en-US"/>
-          </a:p>
-        </p:txBody>
-      </p:sp>
-      <p:sp>
-        <p:nvSpPr>
-          <p:cNvPr id="11" name="Oval 10"/>
-          <p:cNvSpPr/>
-          <p:nvPr/>
-        </p:nvSpPr>
-        <p:spPr>
-          <a:xfrm>
-            <a:off x="7796992" y="869335"/>
-            <a:ext cx="324956" cy="338486"/>
-          </a:xfrm>
-          <a:prstGeom prst="ellipse">
-            <a:avLst/>
-          </a:prstGeom>
-          <a:solidFill>
-            <a:schemeClr val="accent6"/>
-          </a:solidFill>
-          <a:scene3d>
-            <a:camera prst="orthographicFront"/>
-            <a:lightRig rig="threePt" dir="t"/>
-          </a:scene3d>
-          <a:sp3d extrusionH="107950" contourW="12700" prstMaterial="dkEdge">
-            <a:bevelT w="107950" h="107950"/>
-            <a:bevelB w="107950" h="107950"/>
-          </a:sp3d>
-        </p:spPr>
-        <p:style>
-          <a:lnRef idx="2">
-            <a:schemeClr val="accent1">
-              <a:shade val="50000"/>
-            </a:schemeClr>
-          </a:lnRef>
-          <a:fillRef idx="1">
-            <a:schemeClr val="accent1"/>
-          </a:fillRef>
-          <a:effectRef idx="0">
-            <a:schemeClr val="accent1"/>
-          </a:effectRef>
-          <a:fontRef idx="minor">
-            <a:schemeClr val="lt1"/>
-          </a:fontRef>
-        </p:style>
-        <p:txBody>
-          <a:bodyPr rot="0" spcFirstLastPara="0" vert="horz" wrap="square" lIns="91440" tIns="45720" rIns="91440" bIns="45720" numCol="1" spcCol="0" rtlCol="1" fromWordArt="0" anchor="ctr" anchorCtr="0" forceAA="0" compatLnSpc="1">
-            <a:prstTxWarp prst="textNoShape">
+            </a:prstGeom>
+            <a:solidFill>
+              <a:schemeClr val="accent6"/>
+            </a:solidFill>
+            <a:scene3d>
+              <a:camera prst="orthographicFront"/>
+              <a:lightRig rig="threePt" dir="t"/>
+            </a:scene3d>
+            <a:sp3d extrusionH="107950" contourW="12700" prstMaterial="dkEdge">
+              <a:bevelT w="107950" h="107950"/>
+              <a:bevelB w="107950" h="107950"/>
+            </a:sp3d>
+          </p:spPr>
+          <p:style>
+            <a:lnRef idx="2">
+              <a:schemeClr val="accent1">
+                <a:shade val="50000"/>
+              </a:schemeClr>
+            </a:lnRef>
+            <a:fillRef idx="1">
+              <a:schemeClr val="accent1"/>
+            </a:fillRef>
+            <a:effectRef idx="0">
+              <a:schemeClr val="accent1"/>
+            </a:effectRef>
+            <a:fontRef idx="minor">
+              <a:schemeClr val="lt1"/>
+            </a:fontRef>
+          </p:style>
+          <p:txBody>
+            <a:bodyPr rot="0" spcFirstLastPara="0" vert="horz" wrap="square" lIns="91440" tIns="45720" rIns="91440" bIns="45720" numCol="1" spcCol="0" rtlCol="1" fromWordArt="0" anchor="ctr" anchorCtr="0" forceAA="0" compatLnSpc="1">
+              <a:prstTxWarp prst="textNoShape">
+                <a:avLst/>
+              </a:prstTxWarp>
+              <a:noAutofit/>
+            </a:bodyPr>
+            <a:lstStyle/>
+            <a:p>
+              <a:endParaRPr lang="en-US"/>
+            </a:p>
+          </p:txBody>
+        </p:sp>
+        <p:sp>
+          <p:nvSpPr>
+            <p:cNvPr id="10" name="Oval 9"/>
+            <p:cNvSpPr/>
+            <p:nvPr/>
+          </p:nvSpPr>
+          <p:spPr>
+            <a:xfrm>
+              <a:off x="6935405" y="965470"/>
+              <a:ext cx="324956" cy="338486"/>
+            </a:xfrm>
+            <a:prstGeom prst="ellipse">
               <a:avLst/>
-            </a:prstTxWarp>
-            <a:noAutofit/>
-          </a:bodyPr>
-          <a:lstStyle/>
-          <a:p>
-            <a:endParaRPr lang="en-US"/>
-          </a:p>
-        </p:txBody>
-      </p:sp>
-      <p:sp>
-        <p:nvSpPr>
-          <p:cNvPr id="12" name="Oval 11"/>
-          <p:cNvSpPr/>
-          <p:nvPr/>
-        </p:nvSpPr>
-        <p:spPr>
-          <a:xfrm>
-            <a:off x="8658579" y="869335"/>
-            <a:ext cx="324956" cy="338486"/>
-          </a:xfrm>
-          <a:prstGeom prst="ellipse">
-            <a:avLst/>
-          </a:prstGeom>
-          <a:solidFill>
-            <a:schemeClr val="accent6"/>
-          </a:solidFill>
-          <a:scene3d>
-            <a:camera prst="orthographicFront"/>
-            <a:lightRig rig="threePt" dir="t"/>
-          </a:scene3d>
-          <a:sp3d extrusionH="107950" contourW="12700" prstMaterial="dkEdge">
-            <a:bevelT w="107950" h="107950"/>
-            <a:bevelB w="107950" h="107950"/>
-          </a:sp3d>
-        </p:spPr>
-        <p:style>
-          <a:lnRef idx="2">
-            <a:schemeClr val="accent1">
-              <a:shade val="50000"/>
-            </a:schemeClr>
-          </a:lnRef>
-          <a:fillRef idx="1">
-            <a:schemeClr val="accent1"/>
-          </a:fillRef>
-          <a:effectRef idx="0">
-            <a:schemeClr val="accent1"/>
-          </a:effectRef>
-          <a:fontRef idx="minor">
-            <a:schemeClr val="lt1"/>
-          </a:fontRef>
-        </p:style>
-        <p:txBody>
-          <a:bodyPr rot="0" spcFirstLastPara="0" vert="horz" wrap="square" lIns="91440" tIns="45720" rIns="91440" bIns="45720" numCol="1" spcCol="0" rtlCol="1" fromWordArt="0" anchor="ctr" anchorCtr="0" forceAA="0" compatLnSpc="1">
-            <a:prstTxWarp prst="textNoShape">
+            </a:prstGeom>
+            <a:solidFill>
+              <a:schemeClr val="accent6"/>
+            </a:solidFill>
+            <a:scene3d>
+              <a:camera prst="orthographicFront"/>
+              <a:lightRig rig="threePt" dir="t"/>
+            </a:scene3d>
+            <a:sp3d extrusionH="107950" contourW="12700" prstMaterial="dkEdge">
+              <a:bevelT w="107950" h="107950"/>
+              <a:bevelB w="107950" h="107950"/>
+            </a:sp3d>
+          </p:spPr>
+          <p:style>
+            <a:lnRef idx="2">
+              <a:schemeClr val="accent1">
+                <a:shade val="50000"/>
+              </a:schemeClr>
+            </a:lnRef>
+            <a:fillRef idx="1">
+              <a:schemeClr val="accent1"/>
+            </a:fillRef>
+            <a:effectRef idx="0">
+              <a:schemeClr val="accent1"/>
+            </a:effectRef>
+            <a:fontRef idx="minor">
+              <a:schemeClr val="lt1"/>
+            </a:fontRef>
+          </p:style>
+          <p:txBody>
+            <a:bodyPr rot="0" spcFirstLastPara="0" vert="horz" wrap="square" lIns="91440" tIns="45720" rIns="91440" bIns="45720" numCol="1" spcCol="0" rtlCol="1" fromWordArt="0" anchor="ctr" anchorCtr="0" forceAA="0" compatLnSpc="1">
+              <a:prstTxWarp prst="textNoShape">
+                <a:avLst/>
+              </a:prstTxWarp>
+              <a:noAutofit/>
+            </a:bodyPr>
+            <a:lstStyle/>
+            <a:p>
+              <a:endParaRPr lang="en-US"/>
+            </a:p>
+          </p:txBody>
+        </p:sp>
+        <p:sp>
+          <p:nvSpPr>
+            <p:cNvPr id="11" name="Oval 10"/>
+            <p:cNvSpPr/>
+            <p:nvPr/>
+          </p:nvSpPr>
+          <p:spPr>
+            <a:xfrm>
+              <a:off x="7796992" y="869335"/>
+              <a:ext cx="324956" cy="338486"/>
+            </a:xfrm>
+            <a:prstGeom prst="ellipse">
               <a:avLst/>
-            </a:prstTxWarp>
-            <a:noAutofit/>
-          </a:bodyPr>
-          <a:lstStyle/>
-          <a:p>
-            <a:endParaRPr lang="en-US"/>
-          </a:p>
-        </p:txBody>
-      </p:sp>
-      <p:sp>
-        <p:nvSpPr>
-          <p:cNvPr id="13" name="Oval 12"/>
-          <p:cNvSpPr/>
-          <p:nvPr/>
-        </p:nvSpPr>
-        <p:spPr>
-          <a:xfrm>
-            <a:off x="9463314" y="1134713"/>
-            <a:ext cx="324956" cy="338486"/>
-          </a:xfrm>
-          <a:prstGeom prst="ellipse">
-            <a:avLst/>
-          </a:prstGeom>
-          <a:solidFill>
-            <a:schemeClr val="accent6"/>
-          </a:solidFill>
-          <a:scene3d>
-            <a:camera prst="orthographicFront"/>
-            <a:lightRig rig="threePt" dir="t"/>
-          </a:scene3d>
-          <a:sp3d extrusionH="107950" contourW="12700" prstMaterial="dkEdge">
-            <a:bevelT w="107950" h="107950"/>
-            <a:bevelB w="107950" h="107950"/>
-          </a:sp3d>
-        </p:spPr>
-        <p:style>
-          <a:lnRef idx="2">
-            <a:schemeClr val="accent1">
-              <a:shade val="50000"/>
-            </a:schemeClr>
-          </a:lnRef>
-          <a:fillRef idx="1">
-            <a:schemeClr val="accent1"/>
-          </a:fillRef>
-          <a:effectRef idx="0">
-            <a:schemeClr val="accent1"/>
-          </a:effectRef>
-          <a:fontRef idx="minor">
-            <a:schemeClr val="lt1"/>
-          </a:fontRef>
-        </p:style>
-        <p:txBody>
-          <a:bodyPr rot="0" spcFirstLastPara="0" vert="horz" wrap="square" lIns="91440" tIns="45720" rIns="91440" bIns="45720" numCol="1" spcCol="0" rtlCol="1" fromWordArt="0" anchor="ctr" anchorCtr="0" forceAA="0" compatLnSpc="1">
-            <a:prstTxWarp prst="textNoShape">
+            </a:prstGeom>
+            <a:solidFill>
+              <a:schemeClr val="accent6"/>
+            </a:solidFill>
+            <a:scene3d>
+              <a:camera prst="orthographicFront"/>
+              <a:lightRig rig="threePt" dir="t"/>
+            </a:scene3d>
+            <a:sp3d extrusionH="107950" contourW="12700" prstMaterial="dkEdge">
+              <a:bevelT w="107950" h="107950"/>
+              <a:bevelB w="107950" h="107950"/>
+            </a:sp3d>
+          </p:spPr>
+          <p:style>
+            <a:lnRef idx="2">
+              <a:schemeClr val="accent1">
+                <a:shade val="50000"/>
+              </a:schemeClr>
+            </a:lnRef>
+            <a:fillRef idx="1">
+              <a:schemeClr val="accent1"/>
+            </a:fillRef>
+            <a:effectRef idx="0">
+              <a:schemeClr val="accent1"/>
+            </a:effectRef>
+            <a:fontRef idx="minor">
+              <a:schemeClr val="lt1"/>
+            </a:fontRef>
+          </p:style>
+          <p:txBody>
+            <a:bodyPr rot="0" spcFirstLastPara="0" vert="horz" wrap="square" lIns="91440" tIns="45720" rIns="91440" bIns="45720" numCol="1" spcCol="0" rtlCol="1" fromWordArt="0" anchor="ctr" anchorCtr="0" forceAA="0" compatLnSpc="1">
+              <a:prstTxWarp prst="textNoShape">
+                <a:avLst/>
+              </a:prstTxWarp>
+              <a:noAutofit/>
+            </a:bodyPr>
+            <a:lstStyle/>
+            <a:p>
+              <a:endParaRPr lang="en-US"/>
+            </a:p>
+          </p:txBody>
+        </p:sp>
+        <p:sp>
+          <p:nvSpPr>
+            <p:cNvPr id="12" name="Oval 11"/>
+            <p:cNvSpPr/>
+            <p:nvPr/>
+          </p:nvSpPr>
+          <p:spPr>
+            <a:xfrm>
+              <a:off x="8658579" y="869335"/>
+              <a:ext cx="324956" cy="338486"/>
+            </a:xfrm>
+            <a:prstGeom prst="ellipse">
               <a:avLst/>
-            </a:prstTxWarp>
-            <a:noAutofit/>
-          </a:bodyPr>
-          <a:lstStyle/>
-          <a:p>
-            <a:endParaRPr lang="en-US"/>
-          </a:p>
-        </p:txBody>
-      </p:sp>
-      <p:sp>
-        <p:nvSpPr>
-          <p:cNvPr id="14" name="Oval 13"/>
-          <p:cNvSpPr/>
-          <p:nvPr/>
-        </p:nvSpPr>
-        <p:spPr>
-          <a:xfrm>
-            <a:off x="10008814" y="1738489"/>
-            <a:ext cx="324956" cy="338486"/>
-          </a:xfrm>
-          <a:prstGeom prst="ellipse">
-            <a:avLst/>
-          </a:prstGeom>
-          <a:solidFill>
-            <a:schemeClr val="accent6"/>
-          </a:solidFill>
-          <a:scene3d>
-            <a:camera prst="orthographicFront"/>
-            <a:lightRig rig="threePt" dir="t"/>
-          </a:scene3d>
-          <a:sp3d extrusionH="107950" contourW="12700" prstMaterial="dkEdge">
-            <a:bevelT w="107950" h="107950"/>
-            <a:bevelB w="107950" h="107950"/>
-          </a:sp3d>
-        </p:spPr>
-        <p:style>
-          <a:lnRef idx="2">
-            <a:schemeClr val="accent1">
-              <a:shade val="50000"/>
-            </a:schemeClr>
-          </a:lnRef>
-          <a:fillRef idx="1">
-            <a:schemeClr val="accent1"/>
-          </a:fillRef>
-          <a:effectRef idx="0">
-            <a:schemeClr val="accent1"/>
-          </a:effectRef>
-          <a:fontRef idx="minor">
-            <a:schemeClr val="lt1"/>
-          </a:fontRef>
-        </p:style>
-        <p:txBody>
-          <a:bodyPr rot="0" spcFirstLastPara="0" vert="horz" wrap="square" lIns="91440" tIns="45720" rIns="91440" bIns="45720" numCol="1" spcCol="0" rtlCol="1" fromWordArt="0" anchor="ctr" anchorCtr="0" forceAA="0" compatLnSpc="1">
-            <a:prstTxWarp prst="textNoShape">
+            </a:prstGeom>
+            <a:solidFill>
+              <a:schemeClr val="accent6"/>
+            </a:solidFill>
+            <a:scene3d>
+              <a:camera prst="orthographicFront"/>
+              <a:lightRig rig="threePt" dir="t"/>
+            </a:scene3d>
+            <a:sp3d extrusionH="107950" contourW="12700" prstMaterial="dkEdge">
+              <a:bevelT w="107950" h="107950"/>
+              <a:bevelB w="107950" h="107950"/>
+            </a:sp3d>
+          </p:spPr>
+          <p:style>
+            <a:lnRef idx="2">
+              <a:schemeClr val="accent1">
+                <a:shade val="50000"/>
+              </a:schemeClr>
+            </a:lnRef>
+            <a:fillRef idx="1">
+              <a:schemeClr val="accent1"/>
+            </a:fillRef>
+            <a:effectRef idx="0">
+              <a:schemeClr val="accent1"/>
+            </a:effectRef>
+            <a:fontRef idx="minor">
+              <a:schemeClr val="lt1"/>
+            </a:fontRef>
+          </p:style>
+          <p:txBody>
+            <a:bodyPr rot="0" spcFirstLastPara="0" vert="horz" wrap="square" lIns="91440" tIns="45720" rIns="91440" bIns="45720" numCol="1" spcCol="0" rtlCol="1" fromWordArt="0" anchor="ctr" anchorCtr="0" forceAA="0" compatLnSpc="1">
+              <a:prstTxWarp prst="textNoShape">
+                <a:avLst/>
+              </a:prstTxWarp>
+              <a:noAutofit/>
+            </a:bodyPr>
+            <a:lstStyle/>
+            <a:p>
+              <a:endParaRPr lang="en-US"/>
+            </a:p>
+          </p:txBody>
+        </p:sp>
+        <p:sp>
+          <p:nvSpPr>
+            <p:cNvPr id="13" name="Oval 12"/>
+            <p:cNvSpPr/>
+            <p:nvPr/>
+          </p:nvSpPr>
+          <p:spPr>
+            <a:xfrm>
+              <a:off x="9463314" y="1134713"/>
+              <a:ext cx="324956" cy="338486"/>
+            </a:xfrm>
+            <a:prstGeom prst="ellipse">
               <a:avLst/>
-            </a:prstTxWarp>
-            <a:noAutofit/>
-          </a:bodyPr>
-          <a:lstStyle/>
-          <a:p>
-            <a:endParaRPr lang="en-US"/>
-          </a:p>
-        </p:txBody>
-      </p:sp>
-      <p:sp>
-        <p:nvSpPr>
-          <p:cNvPr id="15" name="Oval 14"/>
-          <p:cNvSpPr/>
-          <p:nvPr/>
-        </p:nvSpPr>
-        <p:spPr>
-          <a:xfrm>
-            <a:off x="10132990" y="2636136"/>
-            <a:ext cx="324956" cy="338486"/>
-          </a:xfrm>
-          <a:prstGeom prst="ellipse">
-            <a:avLst/>
-          </a:prstGeom>
-          <a:solidFill>
-            <a:schemeClr val="accent6"/>
-          </a:solidFill>
-          <a:scene3d>
-            <a:camera prst="orthographicFront"/>
-            <a:lightRig rig="threePt" dir="t"/>
-          </a:scene3d>
-          <a:sp3d extrusionH="107950" contourW="12700" prstMaterial="dkEdge">
-            <a:bevelT w="107950" h="107950"/>
-            <a:bevelB w="107950" h="107950"/>
-          </a:sp3d>
-        </p:spPr>
-        <p:style>
-          <a:lnRef idx="2">
-            <a:schemeClr val="accent1">
-              <a:shade val="50000"/>
-            </a:schemeClr>
-          </a:lnRef>
-          <a:fillRef idx="1">
-            <a:schemeClr val="accent1"/>
-          </a:fillRef>
-          <a:effectRef idx="0">
-            <a:schemeClr val="accent1"/>
-          </a:effectRef>
-          <a:fontRef idx="minor">
-            <a:schemeClr val="lt1"/>
-          </a:fontRef>
-        </p:style>
-        <p:txBody>
-          <a:bodyPr rot="0" spcFirstLastPara="0" vert="horz" wrap="square" lIns="91440" tIns="45720" rIns="91440" bIns="45720" numCol="1" spcCol="0" rtlCol="1" fromWordArt="0" anchor="ctr" anchorCtr="0" forceAA="0" compatLnSpc="1">
-            <a:prstTxWarp prst="textNoShape">
+            </a:prstGeom>
+            <a:solidFill>
+              <a:schemeClr val="accent6"/>
+            </a:solidFill>
+            <a:scene3d>
+              <a:camera prst="orthographicFront"/>
+              <a:lightRig rig="threePt" dir="t"/>
+            </a:scene3d>
+            <a:sp3d extrusionH="107950" contourW="12700" prstMaterial="dkEdge">
+              <a:bevelT w="107950" h="107950"/>
+              <a:bevelB w="107950" h="107950"/>
+            </a:sp3d>
+          </p:spPr>
+          <p:style>
+            <a:lnRef idx="2">
+              <a:schemeClr val="accent1">
+                <a:shade val="50000"/>
+              </a:schemeClr>
+            </a:lnRef>
+            <a:fillRef idx="1">
+              <a:schemeClr val="accent1"/>
+            </a:fillRef>
+            <a:effectRef idx="0">
+              <a:schemeClr val="accent1"/>
+            </a:effectRef>
+            <a:fontRef idx="minor">
+              <a:schemeClr val="lt1"/>
+            </a:fontRef>
+          </p:style>
+          <p:txBody>
+            <a:bodyPr rot="0" spcFirstLastPara="0" vert="horz" wrap="square" lIns="91440" tIns="45720" rIns="91440" bIns="45720" numCol="1" spcCol="0" rtlCol="1" fromWordArt="0" anchor="ctr" anchorCtr="0" forceAA="0" compatLnSpc="1">
+              <a:prstTxWarp prst="textNoShape">
+                <a:avLst/>
+              </a:prstTxWarp>
+              <a:noAutofit/>
+            </a:bodyPr>
+            <a:lstStyle/>
+            <a:p>
+              <a:endParaRPr lang="en-US"/>
+            </a:p>
+          </p:txBody>
+        </p:sp>
+        <p:sp>
+          <p:nvSpPr>
+            <p:cNvPr id="14" name="Oval 13"/>
+            <p:cNvSpPr/>
+            <p:nvPr/>
+          </p:nvSpPr>
+          <p:spPr>
+            <a:xfrm>
+              <a:off x="10008814" y="1738489"/>
+              <a:ext cx="324956" cy="338486"/>
+            </a:xfrm>
+            <a:prstGeom prst="ellipse">
               <a:avLst/>
-            </a:prstTxWarp>
-            <a:noAutofit/>
-          </a:bodyPr>
-          <a:lstStyle/>
-          <a:p>
-            <a:endParaRPr lang="en-US"/>
-          </a:p>
-        </p:txBody>
-      </p:sp>
-      <p:sp>
-        <p:nvSpPr>
-          <p:cNvPr id="16" name="Oval 15"/>
-          <p:cNvSpPr/>
-          <p:nvPr/>
-        </p:nvSpPr>
-        <p:spPr>
-          <a:xfrm>
-            <a:off x="9899958" y="3533783"/>
-            <a:ext cx="324956" cy="338486"/>
-          </a:xfrm>
-          <a:prstGeom prst="ellipse">
-            <a:avLst/>
-          </a:prstGeom>
-          <a:solidFill>
-            <a:schemeClr val="accent6"/>
-          </a:solidFill>
-          <a:scene3d>
-            <a:camera prst="orthographicFront"/>
-            <a:lightRig rig="threePt" dir="t"/>
-          </a:scene3d>
-          <a:sp3d extrusionH="107950" contourW="12700" prstMaterial="dkEdge">
-            <a:bevelT w="107950" h="107950"/>
-            <a:bevelB w="107950" h="107950"/>
-          </a:sp3d>
-        </p:spPr>
-        <p:style>
-          <a:lnRef idx="2">
-            <a:schemeClr val="accent1">
-              <a:shade val="50000"/>
-            </a:schemeClr>
-          </a:lnRef>
-          <a:fillRef idx="1">
-            <a:schemeClr val="accent1"/>
-          </a:fillRef>
-          <a:effectRef idx="0">
-            <a:schemeClr val="accent1"/>
-          </a:effectRef>
-          <a:fontRef idx="minor">
-            <a:schemeClr val="lt1"/>
-          </a:fontRef>
-        </p:style>
-        <p:txBody>
-          <a:bodyPr rot="0" spcFirstLastPara="0" vert="horz" wrap="square" lIns="91440" tIns="45720" rIns="91440" bIns="45720" numCol="1" spcCol="0" rtlCol="1" fromWordArt="0" anchor="ctr" anchorCtr="0" forceAA="0" compatLnSpc="1">
-            <a:prstTxWarp prst="textNoShape">
+            </a:prstGeom>
+            <a:solidFill>
+              <a:schemeClr val="accent6"/>
+            </a:solidFill>
+            <a:scene3d>
+              <a:camera prst="orthographicFront"/>
+              <a:lightRig rig="threePt" dir="t"/>
+            </a:scene3d>
+            <a:sp3d extrusionH="107950" contourW="12700" prstMaterial="dkEdge">
+              <a:bevelT w="107950" h="107950"/>
+              <a:bevelB w="107950" h="107950"/>
+            </a:sp3d>
+          </p:spPr>
+          <p:style>
+            <a:lnRef idx="2">
+              <a:schemeClr val="accent1">
+                <a:shade val="50000"/>
+              </a:schemeClr>
+            </a:lnRef>
+            <a:fillRef idx="1">
+              <a:schemeClr val="accent1"/>
+            </a:fillRef>
+            <a:effectRef idx="0">
+              <a:schemeClr val="accent1"/>
+            </a:effectRef>
+            <a:fontRef idx="minor">
+              <a:schemeClr val="lt1"/>
+            </a:fontRef>
+          </p:style>
+          <p:txBody>
+            <a:bodyPr rot="0" spcFirstLastPara="0" vert="horz" wrap="square" lIns="91440" tIns="45720" rIns="91440" bIns="45720" numCol="1" spcCol="0" rtlCol="1" fromWordArt="0" anchor="ctr" anchorCtr="0" forceAA="0" compatLnSpc="1">
+              <a:prstTxWarp prst="textNoShape">
+                <a:avLst/>
+              </a:prstTxWarp>
+              <a:noAutofit/>
+            </a:bodyPr>
+            <a:lstStyle/>
+            <a:p>
+              <a:endParaRPr lang="en-US"/>
+            </a:p>
+          </p:txBody>
+        </p:sp>
+        <p:sp>
+          <p:nvSpPr>
+            <p:cNvPr id="15" name="Oval 14"/>
+            <p:cNvSpPr/>
+            <p:nvPr/>
+          </p:nvSpPr>
+          <p:spPr>
+            <a:xfrm>
+              <a:off x="10132990" y="2636136"/>
+              <a:ext cx="324956" cy="338486"/>
+            </a:xfrm>
+            <a:prstGeom prst="ellipse">
               <a:avLst/>
-            </a:prstTxWarp>
-            <a:noAutofit/>
-          </a:bodyPr>
-          <a:lstStyle/>
-          <a:p>
-            <a:endParaRPr lang="en-US"/>
-          </a:p>
-        </p:txBody>
-      </p:sp>
-      <p:sp>
-        <p:nvSpPr>
-          <p:cNvPr id="17" name="Oval 16"/>
-          <p:cNvSpPr/>
-          <p:nvPr/>
-        </p:nvSpPr>
-        <p:spPr>
-          <a:xfrm>
-            <a:off x="9314545" y="4024669"/>
-            <a:ext cx="324956" cy="338486"/>
-          </a:xfrm>
-          <a:prstGeom prst="ellipse">
-            <a:avLst/>
-          </a:prstGeom>
-          <a:solidFill>
-            <a:schemeClr val="accent6"/>
-          </a:solidFill>
-          <a:scene3d>
-            <a:camera prst="orthographicFront"/>
-            <a:lightRig rig="threePt" dir="t"/>
-          </a:scene3d>
-          <a:sp3d extrusionH="107950" contourW="12700" prstMaterial="dkEdge">
-            <a:bevelT w="107950" h="107950"/>
-            <a:bevelB w="107950" h="107950"/>
-          </a:sp3d>
-        </p:spPr>
-        <p:style>
-          <a:lnRef idx="2">
-            <a:schemeClr val="accent1">
-              <a:shade val="50000"/>
-            </a:schemeClr>
-          </a:lnRef>
-          <a:fillRef idx="1">
-            <a:schemeClr val="accent1"/>
-          </a:fillRef>
-          <a:effectRef idx="0">
-            <a:schemeClr val="accent1"/>
-          </a:effectRef>
-          <a:fontRef idx="minor">
-            <a:schemeClr val="lt1"/>
-          </a:fontRef>
-        </p:style>
-        <p:txBody>
-          <a:bodyPr rot="0" spcFirstLastPara="0" vert="horz" wrap="square" lIns="91440" tIns="45720" rIns="91440" bIns="45720" numCol="1" spcCol="0" rtlCol="1" fromWordArt="0" anchor="ctr" anchorCtr="0" forceAA="0" compatLnSpc="1">
-            <a:prstTxWarp prst="textNoShape">
+            </a:prstGeom>
+            <a:solidFill>
+              <a:schemeClr val="accent6"/>
+            </a:solidFill>
+            <a:scene3d>
+              <a:camera prst="orthographicFront"/>
+              <a:lightRig rig="threePt" dir="t"/>
+            </a:scene3d>
+            <a:sp3d extrusionH="107950" contourW="12700" prstMaterial="dkEdge">
+              <a:bevelT w="107950" h="107950"/>
+              <a:bevelB w="107950" h="107950"/>
+            </a:sp3d>
+          </p:spPr>
+          <p:style>
+            <a:lnRef idx="2">
+              <a:schemeClr val="accent1">
+                <a:shade val="50000"/>
+              </a:schemeClr>
+            </a:lnRef>
+            <a:fillRef idx="1">
+              <a:schemeClr val="accent1"/>
+            </a:fillRef>
+            <a:effectRef idx="0">
+              <a:schemeClr val="accent1"/>
+            </a:effectRef>
+            <a:fontRef idx="minor">
+              <a:schemeClr val="lt1"/>
+            </a:fontRef>
+          </p:style>
+          <p:txBody>
+            <a:bodyPr rot="0" spcFirstLastPara="0" vert="horz" wrap="square" lIns="91440" tIns="45720" rIns="91440" bIns="45720" numCol="1" spcCol="0" rtlCol="1" fromWordArt="0" anchor="ctr" anchorCtr="0" forceAA="0" compatLnSpc="1">
+              <a:prstTxWarp prst="textNoShape">
+                <a:avLst/>
+              </a:prstTxWarp>
+              <a:noAutofit/>
+            </a:bodyPr>
+            <a:lstStyle/>
+            <a:p>
+              <a:endParaRPr lang="en-US"/>
+            </a:p>
+          </p:txBody>
+        </p:sp>
+        <p:sp>
+          <p:nvSpPr>
+            <p:cNvPr id="16" name="Oval 15"/>
+            <p:cNvSpPr/>
+            <p:nvPr/>
+          </p:nvSpPr>
+          <p:spPr>
+            <a:xfrm>
+              <a:off x="9899958" y="3533783"/>
+              <a:ext cx="324956" cy="338486"/>
+            </a:xfrm>
+            <a:prstGeom prst="ellipse">
               <a:avLst/>
-            </a:prstTxWarp>
-            <a:noAutofit/>
-          </a:bodyPr>
-          <a:lstStyle/>
-          <a:p>
-            <a:endParaRPr lang="en-US"/>
-          </a:p>
-        </p:txBody>
-      </p:sp>
-      <p:sp>
-        <p:nvSpPr>
-          <p:cNvPr id="18" name="Oval 17"/>
-          <p:cNvSpPr/>
-          <p:nvPr/>
-        </p:nvSpPr>
-        <p:spPr>
-          <a:xfrm>
-            <a:off x="8590447" y="4177069"/>
-            <a:ext cx="324956" cy="338486"/>
-          </a:xfrm>
-          <a:prstGeom prst="ellipse">
-            <a:avLst/>
-          </a:prstGeom>
-          <a:solidFill>
-            <a:schemeClr val="accent6"/>
-          </a:solidFill>
-          <a:scene3d>
-            <a:camera prst="orthographicFront"/>
-            <a:lightRig rig="threePt" dir="t"/>
-          </a:scene3d>
-          <a:sp3d extrusionH="107950" contourW="12700" prstMaterial="dkEdge">
-            <a:bevelT w="107950" h="107950"/>
-            <a:bevelB w="107950" h="107950"/>
-          </a:sp3d>
-        </p:spPr>
-        <p:style>
-          <a:lnRef idx="2">
-            <a:schemeClr val="accent1">
-              <a:shade val="50000"/>
-            </a:schemeClr>
-          </a:lnRef>
-          <a:fillRef idx="1">
-            <a:schemeClr val="accent1"/>
-          </a:fillRef>
-          <a:effectRef idx="0">
-            <a:schemeClr val="accent1"/>
-          </a:effectRef>
-          <a:fontRef idx="minor">
-            <a:schemeClr val="lt1"/>
-          </a:fontRef>
-        </p:style>
-        <p:txBody>
-          <a:bodyPr rot="0" spcFirstLastPara="0" vert="horz" wrap="square" lIns="91440" tIns="45720" rIns="91440" bIns="45720" numCol="1" spcCol="0" rtlCol="1" fromWordArt="0" anchor="ctr" anchorCtr="0" forceAA="0" compatLnSpc="1">
-            <a:prstTxWarp prst="textNoShape">
+            </a:prstGeom>
+            <a:solidFill>
+              <a:schemeClr val="accent6"/>
+            </a:solidFill>
+            <a:scene3d>
+              <a:camera prst="orthographicFront"/>
+              <a:lightRig rig="threePt" dir="t"/>
+            </a:scene3d>
+            <a:sp3d extrusionH="107950" contourW="12700" prstMaterial="dkEdge">
+              <a:bevelT w="107950" h="107950"/>
+              <a:bevelB w="107950" h="107950"/>
+            </a:sp3d>
+          </p:spPr>
+          <p:style>
+            <a:lnRef idx="2">
+              <a:schemeClr val="accent1">
+                <a:shade val="50000"/>
+              </a:schemeClr>
+            </a:lnRef>
+            <a:fillRef idx="1">
+              <a:schemeClr val="accent1"/>
+            </a:fillRef>
+            <a:effectRef idx="0">
+              <a:schemeClr val="accent1"/>
+            </a:effectRef>
+            <a:fontRef idx="minor">
+              <a:schemeClr val="lt1"/>
+            </a:fontRef>
+          </p:style>
+          <p:txBody>
+            <a:bodyPr rot="0" spcFirstLastPara="0" vert="horz" wrap="square" lIns="91440" tIns="45720" rIns="91440" bIns="45720" numCol="1" spcCol="0" rtlCol="1" fromWordArt="0" anchor="ctr" anchorCtr="0" forceAA="0" compatLnSpc="1">
+              <a:prstTxWarp prst="textNoShape">
+                <a:avLst/>
+              </a:prstTxWarp>
+              <a:noAutofit/>
+            </a:bodyPr>
+            <a:lstStyle/>
+            <a:p>
+              <a:endParaRPr lang="en-US"/>
+            </a:p>
+          </p:txBody>
+        </p:sp>
+        <p:sp>
+          <p:nvSpPr>
+            <p:cNvPr id="17" name="Oval 16"/>
+            <p:cNvSpPr/>
+            <p:nvPr/>
+          </p:nvSpPr>
+          <p:spPr>
+            <a:xfrm>
+              <a:off x="9314545" y="4024669"/>
+              <a:ext cx="324956" cy="338486"/>
+            </a:xfrm>
+            <a:prstGeom prst="ellipse">
               <a:avLst/>
-            </a:prstTxWarp>
-            <a:noAutofit/>
-          </a:bodyPr>
-          <a:lstStyle/>
-          <a:p>
-            <a:endParaRPr lang="en-US"/>
-          </a:p>
-        </p:txBody>
-      </p:sp>
-      <p:sp>
-        <p:nvSpPr>
-          <p:cNvPr id="19" name="Oval 18"/>
-          <p:cNvSpPr/>
-          <p:nvPr/>
-        </p:nvSpPr>
-        <p:spPr>
-          <a:xfrm>
-            <a:off x="7874006" y="4515555"/>
-            <a:ext cx="324956" cy="338486"/>
-          </a:xfrm>
-          <a:prstGeom prst="ellipse">
-            <a:avLst/>
-          </a:prstGeom>
-          <a:solidFill>
-            <a:schemeClr val="accent6"/>
-          </a:solidFill>
-          <a:scene3d>
-            <a:camera prst="orthographicFront"/>
-            <a:lightRig rig="threePt" dir="t"/>
-          </a:scene3d>
-          <a:sp3d extrusionH="107950" contourW="12700" prstMaterial="dkEdge">
-            <a:bevelT w="107950" h="107950"/>
-            <a:bevelB w="107950" h="107950"/>
-          </a:sp3d>
-        </p:spPr>
-        <p:style>
-          <a:lnRef idx="2">
-            <a:schemeClr val="accent1">
-              <a:shade val="50000"/>
-            </a:schemeClr>
-          </a:lnRef>
-          <a:fillRef idx="1">
-            <a:schemeClr val="accent1"/>
-          </a:fillRef>
-          <a:effectRef idx="0">
-            <a:schemeClr val="accent1"/>
-          </a:effectRef>
-          <a:fontRef idx="minor">
-            <a:schemeClr val="lt1"/>
-          </a:fontRef>
-        </p:style>
-        <p:txBody>
-          <a:bodyPr rot="0" spcFirstLastPara="0" vert="horz" wrap="square" lIns="91440" tIns="45720" rIns="91440" bIns="45720" numCol="1" spcCol="0" rtlCol="1" fromWordArt="0" anchor="ctr" anchorCtr="0" forceAA="0" compatLnSpc="1">
-            <a:prstTxWarp prst="textNoShape">
+            </a:prstGeom>
+            <a:solidFill>
+              <a:schemeClr val="accent6"/>
+            </a:solidFill>
+            <a:scene3d>
+              <a:camera prst="orthographicFront"/>
+              <a:lightRig rig="threePt" dir="t"/>
+            </a:scene3d>
+            <a:sp3d extrusionH="107950" contourW="12700" prstMaterial="dkEdge">
+              <a:bevelT w="107950" h="107950"/>
+              <a:bevelB w="107950" h="107950"/>
+            </a:sp3d>
+          </p:spPr>
+          <p:style>
+            <a:lnRef idx="2">
+              <a:schemeClr val="accent1">
+                <a:shade val="50000"/>
+              </a:schemeClr>
+            </a:lnRef>
+            <a:fillRef idx="1">
+              <a:schemeClr val="accent1"/>
+            </a:fillRef>
+            <a:effectRef idx="0">
+              <a:schemeClr val="accent1"/>
+            </a:effectRef>
+            <a:fontRef idx="minor">
+              <a:schemeClr val="lt1"/>
+            </a:fontRef>
+          </p:style>
+          <p:txBody>
+            <a:bodyPr rot="0" spcFirstLastPara="0" vert="horz" wrap="square" lIns="91440" tIns="45720" rIns="91440" bIns="45720" numCol="1" spcCol="0" rtlCol="1" fromWordArt="0" anchor="ctr" anchorCtr="0" forceAA="0" compatLnSpc="1">
+              <a:prstTxWarp prst="textNoShape">
+                <a:avLst/>
+              </a:prstTxWarp>
+              <a:noAutofit/>
+            </a:bodyPr>
+            <a:lstStyle/>
+            <a:p>
+              <a:endParaRPr lang="en-US"/>
+            </a:p>
+          </p:txBody>
+        </p:sp>
+        <p:sp>
+          <p:nvSpPr>
+            <p:cNvPr id="18" name="Oval 17"/>
+            <p:cNvSpPr/>
+            <p:nvPr/>
+          </p:nvSpPr>
+          <p:spPr>
+            <a:xfrm>
+              <a:off x="8590447" y="4177069"/>
+              <a:ext cx="324956" cy="338486"/>
+            </a:xfrm>
+            <a:prstGeom prst="ellipse">
               <a:avLst/>
-            </a:prstTxWarp>
-            <a:noAutofit/>
-          </a:bodyPr>
-          <a:lstStyle/>
-          <a:p>
-            <a:endParaRPr lang="en-US"/>
-          </a:p>
-        </p:txBody>
-      </p:sp>
-      <p:sp>
-        <p:nvSpPr>
-          <p:cNvPr id="20" name="Oval 19"/>
-          <p:cNvSpPr/>
-          <p:nvPr/>
-        </p:nvSpPr>
-        <p:spPr>
-          <a:xfrm>
-            <a:off x="7493405" y="5272045"/>
-            <a:ext cx="324956" cy="338486"/>
-          </a:xfrm>
-          <a:prstGeom prst="ellipse">
-            <a:avLst/>
-          </a:prstGeom>
-          <a:solidFill>
-            <a:schemeClr val="accent6"/>
-          </a:solidFill>
-          <a:scene3d>
-            <a:camera prst="orthographicFront"/>
-            <a:lightRig rig="threePt" dir="t"/>
-          </a:scene3d>
-          <a:sp3d extrusionH="107950" contourW="12700" prstMaterial="dkEdge">
-            <a:bevelT w="107950" h="107950"/>
-            <a:bevelB w="107950" h="107950"/>
-          </a:sp3d>
-        </p:spPr>
-        <p:style>
-          <a:lnRef idx="2">
-            <a:schemeClr val="accent1">
-              <a:shade val="50000"/>
-            </a:schemeClr>
-          </a:lnRef>
-          <a:fillRef idx="1">
-            <a:schemeClr val="accent1"/>
-          </a:fillRef>
-          <a:effectRef idx="0">
-            <a:schemeClr val="accent1"/>
-          </a:effectRef>
-          <a:fontRef idx="minor">
-            <a:schemeClr val="lt1"/>
-          </a:fontRef>
-        </p:style>
-        <p:txBody>
-          <a:bodyPr rot="0" spcFirstLastPara="0" vert="horz" wrap="square" lIns="91440" tIns="45720" rIns="91440" bIns="45720" numCol="1" spcCol="0" rtlCol="1" fromWordArt="0" anchor="ctr" anchorCtr="0" forceAA="0" compatLnSpc="1">
-            <a:prstTxWarp prst="textNoShape">
+            </a:prstGeom>
+            <a:solidFill>
+              <a:schemeClr val="accent6"/>
+            </a:solidFill>
+            <a:scene3d>
+              <a:camera prst="orthographicFront"/>
+              <a:lightRig rig="threePt" dir="t"/>
+            </a:scene3d>
+            <a:sp3d extrusionH="107950" contourW="12700" prstMaterial="dkEdge">
+              <a:bevelT w="107950" h="107950"/>
+              <a:bevelB w="107950" h="107950"/>
+            </a:sp3d>
+          </p:spPr>
+          <p:style>
+            <a:lnRef idx="2">
+              <a:schemeClr val="accent1">
+                <a:shade val="50000"/>
+              </a:schemeClr>
+            </a:lnRef>
+            <a:fillRef idx="1">
+              <a:schemeClr val="accent1"/>
+            </a:fillRef>
+            <a:effectRef idx="0">
+              <a:schemeClr val="accent1"/>
+            </a:effectRef>
+            <a:fontRef idx="minor">
+              <a:schemeClr val="lt1"/>
+            </a:fontRef>
+          </p:style>
+          <p:txBody>
+            <a:bodyPr rot="0" spcFirstLastPara="0" vert="horz" wrap="square" lIns="91440" tIns="45720" rIns="91440" bIns="45720" numCol="1" spcCol="0" rtlCol="1" fromWordArt="0" anchor="ctr" anchorCtr="0" forceAA="0" compatLnSpc="1">
+              <a:prstTxWarp prst="textNoShape">
+                <a:avLst/>
+              </a:prstTxWarp>
+              <a:noAutofit/>
+            </a:bodyPr>
+            <a:lstStyle/>
+            <a:p>
+              <a:endParaRPr lang="en-US"/>
+            </a:p>
+          </p:txBody>
+        </p:sp>
+        <p:sp>
+          <p:nvSpPr>
+            <p:cNvPr id="19" name="Oval 18"/>
+            <p:cNvSpPr/>
+            <p:nvPr/>
+          </p:nvSpPr>
+          <p:spPr>
+            <a:xfrm>
+              <a:off x="7874006" y="4515555"/>
+              <a:ext cx="324956" cy="338486"/>
+            </a:xfrm>
+            <a:prstGeom prst="ellipse">
               <a:avLst/>
-            </a:prstTxWarp>
-            <a:noAutofit/>
-          </a:bodyPr>
-          <a:lstStyle/>
-          <a:p>
-            <a:endParaRPr lang="en-US"/>
-          </a:p>
-        </p:txBody>
-      </p:sp>
-      <p:sp>
-        <p:nvSpPr>
-          <p:cNvPr id="21" name="Oval 20"/>
-          <p:cNvSpPr/>
-          <p:nvPr/>
-        </p:nvSpPr>
-        <p:spPr>
-          <a:xfrm>
-            <a:off x="7703464" y="5926937"/>
-            <a:ext cx="324956" cy="338486"/>
-          </a:xfrm>
-          <a:prstGeom prst="ellipse">
-            <a:avLst/>
-          </a:prstGeom>
-          <a:solidFill>
-            <a:schemeClr val="accent6"/>
-          </a:solidFill>
-          <a:scene3d>
-            <a:camera prst="orthographicFront"/>
-            <a:lightRig rig="threePt" dir="t"/>
-          </a:scene3d>
-          <a:sp3d extrusionH="107950" contourW="12700" prstMaterial="dkEdge">
-            <a:bevelT w="107950" h="107950"/>
-            <a:bevelB w="107950" h="107950"/>
-          </a:sp3d>
-        </p:spPr>
-        <p:style>
-          <a:lnRef idx="2">
-            <a:schemeClr val="accent1">
-              <a:shade val="50000"/>
-            </a:schemeClr>
-          </a:lnRef>
-          <a:fillRef idx="1">
-            <a:schemeClr val="accent1"/>
-          </a:fillRef>
-          <a:effectRef idx="0">
-            <a:schemeClr val="accent1"/>
-          </a:effectRef>
-          <a:fontRef idx="minor">
-            <a:schemeClr val="lt1"/>
-          </a:fontRef>
-        </p:style>
-        <p:txBody>
-          <a:bodyPr rot="0" spcFirstLastPara="0" vert="horz" wrap="square" lIns="91440" tIns="45720" rIns="91440" bIns="45720" numCol="1" spcCol="0" rtlCol="1" fromWordArt="0" anchor="ctr" anchorCtr="0" forceAA="0" compatLnSpc="1">
-            <a:prstTxWarp prst="textNoShape">
+            </a:prstGeom>
+            <a:solidFill>
+              <a:schemeClr val="accent6"/>
+            </a:solidFill>
+            <a:scene3d>
+              <a:camera prst="orthographicFront"/>
+              <a:lightRig rig="threePt" dir="t"/>
+            </a:scene3d>
+            <a:sp3d extrusionH="107950" contourW="12700" prstMaterial="dkEdge">
+              <a:bevelT w="107950" h="107950"/>
+              <a:bevelB w="107950" h="107950"/>
+            </a:sp3d>
+          </p:spPr>
+          <p:style>
+            <a:lnRef idx="2">
+              <a:schemeClr val="accent1">
+                <a:shade val="50000"/>
+              </a:schemeClr>
+            </a:lnRef>
+            <a:fillRef idx="1">
+              <a:schemeClr val="accent1"/>
+            </a:fillRef>
+            <a:effectRef idx="0">
+              <a:schemeClr val="accent1"/>
+            </a:effectRef>
+            <a:fontRef idx="minor">
+              <a:schemeClr val="lt1"/>
+            </a:fontRef>
+          </p:style>
+          <p:txBody>
+            <a:bodyPr rot="0" spcFirstLastPara="0" vert="horz" wrap="square" lIns="91440" tIns="45720" rIns="91440" bIns="45720" numCol="1" spcCol="0" rtlCol="1" fromWordArt="0" anchor="ctr" anchorCtr="0" forceAA="0" compatLnSpc="1">
+              <a:prstTxWarp prst="textNoShape">
+                <a:avLst/>
+              </a:prstTxWarp>
+              <a:noAutofit/>
+            </a:bodyPr>
+            <a:lstStyle/>
+            <a:p>
+              <a:endParaRPr lang="en-US"/>
+            </a:p>
+          </p:txBody>
+        </p:sp>
+        <p:sp>
+          <p:nvSpPr>
+            <p:cNvPr id="20" name="Oval 19"/>
+            <p:cNvSpPr/>
+            <p:nvPr/>
+          </p:nvSpPr>
+          <p:spPr>
+            <a:xfrm>
+              <a:off x="7493405" y="5272045"/>
+              <a:ext cx="324956" cy="338486"/>
+            </a:xfrm>
+            <a:prstGeom prst="ellipse">
               <a:avLst/>
-            </a:prstTxWarp>
-            <a:noAutofit/>
-          </a:bodyPr>
-          <a:lstStyle/>
-          <a:p>
-            <a:endParaRPr lang="en-US"/>
-          </a:p>
-        </p:txBody>
-      </p:sp>
-      <p:sp>
-        <p:nvSpPr>
-          <p:cNvPr id="22" name="Oval 21"/>
-          <p:cNvSpPr/>
-          <p:nvPr/>
-        </p:nvSpPr>
-        <p:spPr>
-          <a:xfrm>
-            <a:off x="2376917" y="3516939"/>
-            <a:ext cx="324956" cy="338486"/>
-          </a:xfrm>
-          <a:prstGeom prst="ellipse">
-            <a:avLst/>
-          </a:prstGeom>
-          <a:solidFill>
-            <a:schemeClr val="accent6"/>
-          </a:solidFill>
-          <a:scene3d>
-            <a:camera prst="orthographicFront"/>
-            <a:lightRig rig="threePt" dir="t"/>
-          </a:scene3d>
-          <a:sp3d extrusionH="107950" contourW="12700" prstMaterial="dkEdge">
-            <a:bevelT w="107950" h="107950"/>
-            <a:bevelB w="107950" h="107950"/>
-          </a:sp3d>
-        </p:spPr>
-        <p:style>
-          <a:lnRef idx="2">
-            <a:schemeClr val="accent1">
-              <a:shade val="50000"/>
-            </a:schemeClr>
-          </a:lnRef>
-          <a:fillRef idx="1">
-            <a:schemeClr val="accent1"/>
-          </a:fillRef>
-          <a:effectRef idx="0">
-            <a:schemeClr val="accent1"/>
-          </a:effectRef>
-          <a:fontRef idx="minor">
-            <a:schemeClr val="lt1"/>
-          </a:fontRef>
-        </p:style>
-        <p:txBody>
-          <a:bodyPr rot="0" spcFirstLastPara="0" vert="horz" wrap="square" lIns="91440" tIns="45720" rIns="91440" bIns="45720" numCol="1" spcCol="0" rtlCol="1" fromWordArt="0" anchor="ctr" anchorCtr="0" forceAA="0" compatLnSpc="1">
-            <a:prstTxWarp prst="textNoShape">
+            </a:prstGeom>
+            <a:solidFill>
+              <a:schemeClr val="accent6"/>
+            </a:solidFill>
+            <a:scene3d>
+              <a:camera prst="orthographicFront"/>
+              <a:lightRig rig="threePt" dir="t"/>
+            </a:scene3d>
+            <a:sp3d extrusionH="107950" contourW="12700" prstMaterial="dkEdge">
+              <a:bevelT w="107950" h="107950"/>
+              <a:bevelB w="107950" h="107950"/>
+            </a:sp3d>
+          </p:spPr>
+          <p:style>
+            <a:lnRef idx="2">
+              <a:schemeClr val="accent1">
+                <a:shade val="50000"/>
+              </a:schemeClr>
+            </a:lnRef>
+            <a:fillRef idx="1">
+              <a:schemeClr val="accent1"/>
+            </a:fillRef>
+            <a:effectRef idx="0">
+              <a:schemeClr val="accent1"/>
+            </a:effectRef>
+            <a:fontRef idx="minor">
+              <a:schemeClr val="lt1"/>
+            </a:fontRef>
+          </p:style>
+          <p:txBody>
+            <a:bodyPr rot="0" spcFirstLastPara="0" vert="horz" wrap="square" lIns="91440" tIns="45720" rIns="91440" bIns="45720" numCol="1" spcCol="0" rtlCol="1" fromWordArt="0" anchor="ctr" anchorCtr="0" forceAA="0" compatLnSpc="1">
+              <a:prstTxWarp prst="textNoShape">
+                <a:avLst/>
+              </a:prstTxWarp>
+              <a:noAutofit/>
+            </a:bodyPr>
+            <a:lstStyle/>
+            <a:p>
+              <a:endParaRPr lang="en-US"/>
+            </a:p>
+          </p:txBody>
+        </p:sp>
+        <p:sp>
+          <p:nvSpPr>
+            <p:cNvPr id="21" name="Oval 20"/>
+            <p:cNvSpPr/>
+            <p:nvPr/>
+          </p:nvSpPr>
+          <p:spPr>
+            <a:xfrm>
+              <a:off x="7703464" y="5926937"/>
+              <a:ext cx="324956" cy="338486"/>
+            </a:xfrm>
+            <a:prstGeom prst="ellipse">
               <a:avLst/>
-            </a:prstTxWarp>
-            <a:noAutofit/>
-          </a:bodyPr>
-          <a:lstStyle/>
-          <a:p>
-            <a:endParaRPr lang="en-US"/>
-          </a:p>
-        </p:txBody>
-      </p:sp>
-      <p:sp>
-        <p:nvSpPr>
-          <p:cNvPr id="23" name="Oval 22"/>
-          <p:cNvSpPr/>
-          <p:nvPr/>
-        </p:nvSpPr>
-        <p:spPr>
-          <a:xfrm>
-            <a:off x="3119769" y="3855425"/>
-            <a:ext cx="324956" cy="338486"/>
-          </a:xfrm>
-          <a:prstGeom prst="ellipse">
-            <a:avLst/>
-          </a:prstGeom>
-          <a:solidFill>
-            <a:schemeClr val="accent6"/>
-          </a:solidFill>
-          <a:scene3d>
-            <a:camera prst="orthographicFront"/>
-            <a:lightRig rig="threePt" dir="t"/>
-          </a:scene3d>
-          <a:sp3d extrusionH="107950" contourW="12700" prstMaterial="dkEdge">
-            <a:bevelT w="107950" h="107950"/>
-            <a:bevelB w="107950" h="107950"/>
-          </a:sp3d>
-        </p:spPr>
-        <p:style>
-          <a:lnRef idx="2">
-            <a:schemeClr val="accent1">
-              <a:shade val="50000"/>
-            </a:schemeClr>
-          </a:lnRef>
-          <a:fillRef idx="1">
-            <a:schemeClr val="accent1"/>
-          </a:fillRef>
-          <a:effectRef idx="0">
-            <a:schemeClr val="accent1"/>
-          </a:effectRef>
-          <a:fontRef idx="minor">
-            <a:schemeClr val="lt1"/>
-          </a:fontRef>
-        </p:style>
-        <p:txBody>
-          <a:bodyPr rot="0" spcFirstLastPara="0" vert="horz" wrap="square" lIns="91440" tIns="45720" rIns="91440" bIns="45720" numCol="1" spcCol="0" rtlCol="1" fromWordArt="0" anchor="ctr" anchorCtr="0" forceAA="0" compatLnSpc="1">
-            <a:prstTxWarp prst="textNoShape">
+            </a:prstGeom>
+            <a:solidFill>
+              <a:schemeClr val="accent6"/>
+            </a:solidFill>
+            <a:scene3d>
+              <a:camera prst="orthographicFront"/>
+              <a:lightRig rig="threePt" dir="t"/>
+            </a:scene3d>
+            <a:sp3d extrusionH="107950" contourW="12700" prstMaterial="dkEdge">
+              <a:bevelT w="107950" h="107950"/>
+              <a:bevelB w="107950" h="107950"/>
+            </a:sp3d>
+          </p:spPr>
+          <p:style>
+            <a:lnRef idx="2">
+              <a:schemeClr val="accent1">
+                <a:shade val="50000"/>
+              </a:schemeClr>
+            </a:lnRef>
+            <a:fillRef idx="1">
+              <a:schemeClr val="accent1"/>
+            </a:fillRef>
+            <a:effectRef idx="0">
+              <a:schemeClr val="accent1"/>
+            </a:effectRef>
+            <a:fontRef idx="minor">
+              <a:schemeClr val="lt1"/>
+            </a:fontRef>
+          </p:style>
+          <p:txBody>
+            <a:bodyPr rot="0" spcFirstLastPara="0" vert="horz" wrap="square" lIns="91440" tIns="45720" rIns="91440" bIns="45720" numCol="1" spcCol="0" rtlCol="1" fromWordArt="0" anchor="ctr" anchorCtr="0" forceAA="0" compatLnSpc="1">
+              <a:prstTxWarp prst="textNoShape">
+                <a:avLst/>
+              </a:prstTxWarp>
+              <a:noAutofit/>
+            </a:bodyPr>
+            <a:lstStyle/>
+            <a:p>
+              <a:endParaRPr lang="en-US"/>
+            </a:p>
+          </p:txBody>
+        </p:sp>
+        <p:sp>
+          <p:nvSpPr>
+            <p:cNvPr id="22" name="Oval 21"/>
+            <p:cNvSpPr/>
+            <p:nvPr/>
+          </p:nvSpPr>
+          <p:spPr>
+            <a:xfrm>
+              <a:off x="2376917" y="3516939"/>
+              <a:ext cx="324956" cy="338486"/>
+            </a:xfrm>
+            <a:prstGeom prst="ellipse">
               <a:avLst/>
-            </a:prstTxWarp>
-            <a:noAutofit/>
-          </a:bodyPr>
-          <a:lstStyle/>
-          <a:p>
-            <a:endParaRPr lang="en-US"/>
-          </a:p>
-        </p:txBody>
-      </p:sp>
-      <p:sp>
-        <p:nvSpPr>
-          <p:cNvPr id="24" name="Oval 23"/>
-          <p:cNvSpPr/>
-          <p:nvPr/>
-        </p:nvSpPr>
-        <p:spPr>
-          <a:xfrm>
-            <a:off x="3904746" y="3855425"/>
-            <a:ext cx="324956" cy="338486"/>
-          </a:xfrm>
-          <a:prstGeom prst="ellipse">
-            <a:avLst/>
-          </a:prstGeom>
-          <a:solidFill>
-            <a:schemeClr val="accent6"/>
-          </a:solidFill>
-          <a:scene3d>
-            <a:camera prst="orthographicFront"/>
-            <a:lightRig rig="threePt" dir="t"/>
-          </a:scene3d>
-          <a:sp3d extrusionH="107950" contourW="12700" prstMaterial="dkEdge">
-            <a:bevelT w="107950" h="107950"/>
-            <a:bevelB w="107950" h="107950"/>
-          </a:sp3d>
-        </p:spPr>
-        <p:style>
-          <a:lnRef idx="2">
-            <a:schemeClr val="accent1">
-              <a:shade val="50000"/>
-            </a:schemeClr>
-          </a:lnRef>
-          <a:fillRef idx="1">
-            <a:schemeClr val="accent1"/>
-          </a:fillRef>
-          <a:effectRef idx="0">
-            <a:schemeClr val="accent1"/>
-          </a:effectRef>
-          <a:fontRef idx="minor">
-            <a:schemeClr val="lt1"/>
-          </a:fontRef>
-        </p:style>
-        <p:txBody>
-          <a:bodyPr rot="0" spcFirstLastPara="0" vert="horz" wrap="square" lIns="91440" tIns="45720" rIns="91440" bIns="45720" numCol="1" spcCol="0" rtlCol="1" fromWordArt="0" anchor="ctr" anchorCtr="0" forceAA="0" compatLnSpc="1">
-            <a:prstTxWarp prst="textNoShape">
+            </a:prstGeom>
+            <a:solidFill>
+              <a:schemeClr val="accent6"/>
+            </a:solidFill>
+            <a:scene3d>
+              <a:camera prst="orthographicFront"/>
+              <a:lightRig rig="threePt" dir="t"/>
+            </a:scene3d>
+            <a:sp3d extrusionH="107950" contourW="12700" prstMaterial="dkEdge">
+              <a:bevelT w="107950" h="107950"/>
+              <a:bevelB w="107950" h="107950"/>
+            </a:sp3d>
+          </p:spPr>
+          <p:style>
+            <a:lnRef idx="2">
+              <a:schemeClr val="accent1">
+                <a:shade val="50000"/>
+              </a:schemeClr>
+            </a:lnRef>
+            <a:fillRef idx="1">
+              <a:schemeClr val="accent1"/>
+            </a:fillRef>
+            <a:effectRef idx="0">
+              <a:schemeClr val="accent1"/>
+            </a:effectRef>
+            <a:fontRef idx="minor">
+              <a:schemeClr val="lt1"/>
+            </a:fontRef>
+          </p:style>
+          <p:txBody>
+            <a:bodyPr rot="0" spcFirstLastPara="0" vert="horz" wrap="square" lIns="91440" tIns="45720" rIns="91440" bIns="45720" numCol="1" spcCol="0" rtlCol="1" fromWordArt="0" anchor="ctr" anchorCtr="0" forceAA="0" compatLnSpc="1">
+              <a:prstTxWarp prst="textNoShape">
+                <a:avLst/>
+              </a:prstTxWarp>
+              <a:noAutofit/>
+            </a:bodyPr>
+            <a:lstStyle/>
+            <a:p>
+              <a:endParaRPr lang="en-US"/>
+            </a:p>
+          </p:txBody>
+        </p:sp>
+        <p:sp>
+          <p:nvSpPr>
+            <p:cNvPr id="23" name="Oval 22"/>
+            <p:cNvSpPr/>
+            <p:nvPr/>
+          </p:nvSpPr>
+          <p:spPr>
+            <a:xfrm>
+              <a:off x="3119769" y="3855425"/>
+              <a:ext cx="324956" cy="338486"/>
+            </a:xfrm>
+            <a:prstGeom prst="ellipse">
               <a:avLst/>
-            </a:prstTxWarp>
-            <a:noAutofit/>
-          </a:bodyPr>
-          <a:lstStyle/>
-          <a:p>
-            <a:endParaRPr lang="en-US"/>
-          </a:p>
-        </p:txBody>
-      </p:sp>
-      <p:sp>
-        <p:nvSpPr>
-          <p:cNvPr id="25" name="Oval 24"/>
-          <p:cNvSpPr/>
-          <p:nvPr/>
-        </p:nvSpPr>
-        <p:spPr>
-          <a:xfrm>
-            <a:off x="4550438" y="3539878"/>
-            <a:ext cx="324956" cy="338486"/>
-          </a:xfrm>
-          <a:prstGeom prst="ellipse">
-            <a:avLst/>
-          </a:prstGeom>
-          <a:solidFill>
-            <a:schemeClr val="accent6"/>
-          </a:solidFill>
-          <a:scene3d>
-            <a:camera prst="orthographicFront"/>
-            <a:lightRig rig="threePt" dir="t"/>
-          </a:scene3d>
-          <a:sp3d extrusionH="107950" contourW="12700" prstMaterial="dkEdge">
-            <a:bevelT w="107950" h="107950"/>
-            <a:bevelB w="107950" h="107950"/>
-          </a:sp3d>
-        </p:spPr>
-        <p:style>
-          <a:lnRef idx="2">
-            <a:schemeClr val="accent1">
-              <a:shade val="50000"/>
-            </a:schemeClr>
-          </a:lnRef>
-          <a:fillRef idx="1">
-            <a:schemeClr val="accent1"/>
-          </a:fillRef>
-          <a:effectRef idx="0">
-            <a:schemeClr val="accent1"/>
-          </a:effectRef>
-          <a:fontRef idx="minor">
-            <a:schemeClr val="lt1"/>
-          </a:fontRef>
-        </p:style>
-        <p:txBody>
-          <a:bodyPr rot="0" spcFirstLastPara="0" vert="horz" wrap="square" lIns="91440" tIns="45720" rIns="91440" bIns="45720" numCol="1" spcCol="0" rtlCol="1" fromWordArt="0" anchor="ctr" anchorCtr="0" forceAA="0" compatLnSpc="1">
-            <a:prstTxWarp prst="textNoShape">
+            </a:prstGeom>
+            <a:solidFill>
+              <a:schemeClr val="accent6"/>
+            </a:solidFill>
+            <a:scene3d>
+              <a:camera prst="orthographicFront"/>
+              <a:lightRig rig="threePt" dir="t"/>
+            </a:scene3d>
+            <a:sp3d extrusionH="107950" contourW="12700" prstMaterial="dkEdge">
+              <a:bevelT w="107950" h="107950"/>
+              <a:bevelB w="107950" h="107950"/>
+            </a:sp3d>
+          </p:spPr>
+          <p:style>
+            <a:lnRef idx="2">
+              <a:schemeClr val="accent1">
+                <a:shade val="50000"/>
+              </a:schemeClr>
+            </a:lnRef>
+            <a:fillRef idx="1">
+              <a:schemeClr val="accent1"/>
+            </a:fillRef>
+            <a:effectRef idx="0">
+              <a:schemeClr val="accent1"/>
+            </a:effectRef>
+            <a:fontRef idx="minor">
+              <a:schemeClr val="lt1"/>
+            </a:fontRef>
+          </p:style>
+          <p:txBody>
+            <a:bodyPr rot="0" spcFirstLastPara="0" vert="horz" wrap="square" lIns="91440" tIns="45720" rIns="91440" bIns="45720" numCol="1" spcCol="0" rtlCol="1" fromWordArt="0" anchor="ctr" anchorCtr="0" forceAA="0" compatLnSpc="1">
+              <a:prstTxWarp prst="textNoShape">
+                <a:avLst/>
+              </a:prstTxWarp>
+              <a:noAutofit/>
+            </a:bodyPr>
+            <a:lstStyle/>
+            <a:p>
+              <a:endParaRPr lang="en-US"/>
+            </a:p>
+          </p:txBody>
+        </p:sp>
+        <p:sp>
+          <p:nvSpPr>
+            <p:cNvPr id="24" name="Oval 23"/>
+            <p:cNvSpPr/>
+            <p:nvPr/>
+          </p:nvSpPr>
+          <p:spPr>
+            <a:xfrm>
+              <a:off x="3904746" y="3855425"/>
+              <a:ext cx="324956" cy="338486"/>
+            </a:xfrm>
+            <a:prstGeom prst="ellipse">
               <a:avLst/>
-            </a:prstTxWarp>
-            <a:noAutofit/>
-          </a:bodyPr>
-          <a:lstStyle/>
-          <a:p>
-            <a:endParaRPr lang="en-US"/>
-          </a:p>
-        </p:txBody>
-      </p:sp>
-      <p:sp>
-        <p:nvSpPr>
-          <p:cNvPr id="26" name="TextBox 25"/>
-          <p:cNvSpPr txBox="1"/>
-          <p:nvPr/>
-        </p:nvSpPr>
-        <p:spPr>
-          <a:xfrm>
-            <a:off x="4995334" y="1553073"/>
-            <a:ext cx="558801" cy="923330"/>
-          </a:xfrm>
-          <a:prstGeom prst="rect">
-            <a:avLst/>
-          </a:prstGeom>
-          <a:noFill/>
-        </p:spPr>
-        <p:txBody>
-          <a:bodyPr wrap="square" rtlCol="0">
-            <a:spAutoFit/>
-          </a:bodyPr>
-          <a:lstStyle/>
-          <a:p>
-            <a:r>
-              <a:rPr lang="en-US" sz="5400" dirty="0" smtClean="0"/>
-              <a:t>m</a:t>
-            </a:r>
-            <a:endParaRPr lang="en-US" sz="5400" dirty="0"/>
-          </a:p>
-        </p:txBody>
-      </p:sp>
-      <p:sp>
-        <p:nvSpPr>
-          <p:cNvPr id="27" name="TextBox 26"/>
-          <p:cNvSpPr txBox="1"/>
-          <p:nvPr/>
-        </p:nvSpPr>
-        <p:spPr>
-          <a:xfrm>
-            <a:off x="8146144" y="4416314"/>
-            <a:ext cx="606781" cy="923330"/>
-          </a:xfrm>
-          <a:prstGeom prst="rect">
-            <a:avLst/>
-          </a:prstGeom>
-          <a:noFill/>
-        </p:spPr>
-        <p:txBody>
-          <a:bodyPr wrap="square" rtlCol="0">
-            <a:spAutoFit/>
-          </a:bodyPr>
-          <a:lstStyle/>
-          <a:p>
-            <a:r>
-              <a:rPr lang="en-US" sz="5400" dirty="0" smtClean="0"/>
-              <a:t>n</a:t>
-            </a:r>
-            <a:endParaRPr lang="en-US" sz="5400" dirty="0"/>
-          </a:p>
-        </p:txBody>
-      </p:sp>
-      <p:cxnSp>
-        <p:nvCxnSpPr>
-          <p:cNvPr id="29" name="Straight Arrow Connector 28"/>
-          <p:cNvCxnSpPr/>
-          <p:nvPr/>
-        </p:nvCxnSpPr>
-        <p:spPr>
-          <a:xfrm>
-            <a:off x="5879091" y="2576868"/>
-            <a:ext cx="1986851" cy="1938687"/>
-          </a:xfrm>
-          <a:prstGeom prst="straightConnector1">
-            <a:avLst/>
-          </a:prstGeom>
-          <a:ln w="73025">
+            </a:prstGeom>
             <a:solidFill>
-              <a:schemeClr val="accent2">
-                <a:lumMod val="75000"/>
+              <a:schemeClr val="accent6"/>
+            </a:solidFill>
+            <a:scene3d>
+              <a:camera prst="orthographicFront"/>
+              <a:lightRig rig="threePt" dir="t"/>
+            </a:scene3d>
+            <a:sp3d extrusionH="107950" contourW="12700" prstMaterial="dkEdge">
+              <a:bevelT w="107950" h="107950"/>
+              <a:bevelB w="107950" h="107950"/>
+            </a:sp3d>
+          </p:spPr>
+          <p:style>
+            <a:lnRef idx="2">
+              <a:schemeClr val="accent1">
+                <a:shade val="50000"/>
               </a:schemeClr>
+            </a:lnRef>
+            <a:fillRef idx="1">
+              <a:schemeClr val="accent1"/>
+            </a:fillRef>
+            <a:effectRef idx="0">
+              <a:schemeClr val="accent1"/>
+            </a:effectRef>
+            <a:fontRef idx="minor">
+              <a:schemeClr val="lt1"/>
+            </a:fontRef>
+          </p:style>
+          <p:txBody>
+            <a:bodyPr rot="0" spcFirstLastPara="0" vert="horz" wrap="square" lIns="91440" tIns="45720" rIns="91440" bIns="45720" numCol="1" spcCol="0" rtlCol="1" fromWordArt="0" anchor="ctr" anchorCtr="0" forceAA="0" compatLnSpc="1">
+              <a:prstTxWarp prst="textNoShape">
+                <a:avLst/>
+              </a:prstTxWarp>
+              <a:noAutofit/>
+            </a:bodyPr>
+            <a:lstStyle/>
+            <a:p>
+              <a:endParaRPr lang="en-US"/>
+            </a:p>
+          </p:txBody>
+        </p:sp>
+        <p:sp>
+          <p:nvSpPr>
+            <p:cNvPr id="25" name="Oval 24"/>
+            <p:cNvSpPr/>
+            <p:nvPr/>
+          </p:nvSpPr>
+          <p:spPr>
+            <a:xfrm>
+              <a:off x="4550438" y="3539878"/>
+              <a:ext cx="324956" cy="338486"/>
+            </a:xfrm>
+            <a:prstGeom prst="ellipse">
+              <a:avLst/>
+            </a:prstGeom>
+            <a:solidFill>
+              <a:schemeClr val="accent6"/>
             </a:solidFill>
-            <a:tailEnd type="triangle"/>
-          </a:ln>
-        </p:spPr>
-        <p:style>
-          <a:lnRef idx="1">
-            <a:schemeClr val="accent1"/>
-          </a:lnRef>
-          <a:fillRef idx="0">
-            <a:schemeClr val="accent1"/>
-          </a:fillRef>
-          <a:effectRef idx="0">
-            <a:schemeClr val="accent1"/>
-          </a:effectRef>
-          <a:fontRef idx="minor">
-            <a:schemeClr val="tx1"/>
-          </a:fontRef>
-        </p:style>
-      </p:cxnSp>
-      <p:sp>
-        <p:nvSpPr>
-          <p:cNvPr id="31" name="TextBox 30"/>
-          <p:cNvSpPr txBox="1"/>
-          <p:nvPr/>
-        </p:nvSpPr>
-        <p:spPr>
-          <a:xfrm>
-            <a:off x="6858390" y="2825312"/>
-            <a:ext cx="1263557" cy="1015663"/>
-          </a:xfrm>
-          <a:prstGeom prst="rect">
-            <a:avLst/>
-          </a:prstGeom>
-          <a:noFill/>
-        </p:spPr>
-        <p:txBody>
-          <a:bodyPr wrap="square" rtlCol="0">
-            <a:spAutoFit/>
-          </a:bodyPr>
-          <a:lstStyle/>
-          <a:p>
-            <a:r>
-              <a:rPr lang="en-US" sz="6000" dirty="0" err="1" smtClean="0"/>
-              <a:t>R</a:t>
-            </a:r>
-            <a:r>
-              <a:rPr lang="en-US" sz="3200" dirty="0" err="1" smtClean="0"/>
-              <a:t>mn</a:t>
-            </a:r>
-            <a:endParaRPr lang="en-US" sz="3200" dirty="0"/>
-          </a:p>
-        </p:txBody>
-      </p:sp>
-      <p:cxnSp>
-        <p:nvCxnSpPr>
-          <p:cNvPr id="33" name="Straight Arrow Connector 32"/>
-          <p:cNvCxnSpPr/>
-          <p:nvPr/>
-        </p:nvCxnSpPr>
-        <p:spPr>
-          <a:xfrm>
-            <a:off x="6935405" y="2974622"/>
-            <a:ext cx="324956" cy="0"/>
-          </a:xfrm>
-          <a:prstGeom prst="straightConnector1">
-            <a:avLst/>
-          </a:prstGeom>
-          <a:ln w="31750">
-            <a:tailEnd type="triangle"/>
-          </a:ln>
-        </p:spPr>
-        <p:style>
-          <a:lnRef idx="1">
-            <a:schemeClr val="accent1"/>
-          </a:lnRef>
-          <a:fillRef idx="0">
-            <a:schemeClr val="accent1"/>
-          </a:fillRef>
-          <a:effectRef idx="0">
-            <a:schemeClr val="accent1"/>
-          </a:effectRef>
-          <a:fontRef idx="minor">
-            <a:schemeClr val="tx1"/>
-          </a:fontRef>
-        </p:style>
-      </p:cxnSp>
+            <a:scene3d>
+              <a:camera prst="orthographicFront"/>
+              <a:lightRig rig="threePt" dir="t"/>
+            </a:scene3d>
+            <a:sp3d extrusionH="107950" contourW="12700" prstMaterial="dkEdge">
+              <a:bevelT w="107950" h="107950"/>
+              <a:bevelB w="107950" h="107950"/>
+            </a:sp3d>
+          </p:spPr>
+          <p:style>
+            <a:lnRef idx="2">
+              <a:schemeClr val="accent1">
+                <a:shade val="50000"/>
+              </a:schemeClr>
+            </a:lnRef>
+            <a:fillRef idx="1">
+              <a:schemeClr val="accent1"/>
+            </a:fillRef>
+            <a:effectRef idx="0">
+              <a:schemeClr val="accent1"/>
+            </a:effectRef>
+            <a:fontRef idx="minor">
+              <a:schemeClr val="lt1"/>
+            </a:fontRef>
+          </p:style>
+          <p:txBody>
+            <a:bodyPr rot="0" spcFirstLastPara="0" vert="horz" wrap="square" lIns="91440" tIns="45720" rIns="91440" bIns="45720" numCol="1" spcCol="0" rtlCol="1" fromWordArt="0" anchor="ctr" anchorCtr="0" forceAA="0" compatLnSpc="1">
+              <a:prstTxWarp prst="textNoShape">
+                <a:avLst/>
+              </a:prstTxWarp>
+              <a:noAutofit/>
+            </a:bodyPr>
+            <a:lstStyle/>
+            <a:p>
+              <a:endParaRPr lang="en-US"/>
+            </a:p>
+          </p:txBody>
+        </p:sp>
+        <p:sp>
+          <p:nvSpPr>
+            <p:cNvPr id="26" name="TextBox 25"/>
+            <p:cNvSpPr txBox="1"/>
+            <p:nvPr/>
+          </p:nvSpPr>
+          <p:spPr>
+            <a:xfrm>
+              <a:off x="4995334" y="1553073"/>
+              <a:ext cx="558801" cy="923330"/>
+            </a:xfrm>
+            <a:prstGeom prst="rect">
+              <a:avLst/>
+            </a:prstGeom>
+            <a:noFill/>
+          </p:spPr>
+          <p:txBody>
+            <a:bodyPr wrap="square" rtlCol="0">
+              <a:spAutoFit/>
+            </a:bodyPr>
+            <a:lstStyle/>
+            <a:p>
+              <a:r>
+                <a:rPr lang="en-US" sz="5400" dirty="0" smtClean="0"/>
+                <a:t>m</a:t>
+              </a:r>
+              <a:endParaRPr lang="en-US" sz="5400" dirty="0"/>
+            </a:p>
+          </p:txBody>
+        </p:sp>
+        <p:sp>
+          <p:nvSpPr>
+            <p:cNvPr id="27" name="TextBox 26"/>
+            <p:cNvSpPr txBox="1"/>
+            <p:nvPr/>
+          </p:nvSpPr>
+          <p:spPr>
+            <a:xfrm>
+              <a:off x="8146144" y="4416314"/>
+              <a:ext cx="606781" cy="923330"/>
+            </a:xfrm>
+            <a:prstGeom prst="rect">
+              <a:avLst/>
+            </a:prstGeom>
+            <a:noFill/>
+          </p:spPr>
+          <p:txBody>
+            <a:bodyPr wrap="square" rtlCol="0">
+              <a:spAutoFit/>
+            </a:bodyPr>
+            <a:lstStyle/>
+            <a:p>
+              <a:r>
+                <a:rPr lang="en-US" sz="5400" dirty="0" smtClean="0"/>
+                <a:t>n</a:t>
+              </a:r>
+              <a:endParaRPr lang="en-US" sz="5400" dirty="0"/>
+            </a:p>
+          </p:txBody>
+        </p:sp>
+        <p:cxnSp>
+          <p:nvCxnSpPr>
+            <p:cNvPr id="29" name="Straight Arrow Connector 28"/>
+            <p:cNvCxnSpPr/>
+            <p:nvPr/>
+          </p:nvCxnSpPr>
+          <p:spPr>
+            <a:xfrm>
+              <a:off x="5879091" y="2576868"/>
+              <a:ext cx="1986851" cy="1938687"/>
+            </a:xfrm>
+            <a:prstGeom prst="straightConnector1">
+              <a:avLst/>
+            </a:prstGeom>
+            <a:ln w="73025">
+              <a:solidFill>
+                <a:schemeClr val="accent2">
+                  <a:lumMod val="75000"/>
+                </a:schemeClr>
+              </a:solidFill>
+              <a:tailEnd type="triangle"/>
+            </a:ln>
+          </p:spPr>
+          <p:style>
+            <a:lnRef idx="1">
+              <a:schemeClr val="accent1"/>
+            </a:lnRef>
+            <a:fillRef idx="0">
+              <a:schemeClr val="accent1"/>
+            </a:fillRef>
+            <a:effectRef idx="0">
+              <a:schemeClr val="accent1"/>
+            </a:effectRef>
+            <a:fontRef idx="minor">
+              <a:schemeClr val="tx1"/>
+            </a:fontRef>
+          </p:style>
+        </p:cxnSp>
+        <p:sp>
+          <p:nvSpPr>
+            <p:cNvPr id="31" name="TextBox 30"/>
+            <p:cNvSpPr txBox="1"/>
+            <p:nvPr/>
+          </p:nvSpPr>
+          <p:spPr>
+            <a:xfrm>
+              <a:off x="6858390" y="2825312"/>
+              <a:ext cx="1263557" cy="1015663"/>
+            </a:xfrm>
+            <a:prstGeom prst="rect">
+              <a:avLst/>
+            </a:prstGeom>
+            <a:noFill/>
+          </p:spPr>
+          <p:txBody>
+            <a:bodyPr wrap="square" rtlCol="0">
+              <a:spAutoFit/>
+            </a:bodyPr>
+            <a:lstStyle/>
+            <a:p>
+              <a:r>
+                <a:rPr lang="en-US" sz="6000" dirty="0" err="1" smtClean="0"/>
+                <a:t>r</a:t>
+              </a:r>
+              <a:r>
+                <a:rPr lang="en-US" sz="3200" dirty="0" err="1" smtClean="0"/>
+                <a:t>mn</a:t>
+              </a:r>
+              <a:endParaRPr lang="en-US" sz="3200" dirty="0"/>
+            </a:p>
+          </p:txBody>
+        </p:sp>
+        <p:cxnSp>
+          <p:nvCxnSpPr>
+            <p:cNvPr id="33" name="Straight Arrow Connector 32"/>
+            <p:cNvCxnSpPr/>
+            <p:nvPr/>
+          </p:nvCxnSpPr>
+          <p:spPr>
+            <a:xfrm>
+              <a:off x="6935405" y="2974622"/>
+              <a:ext cx="324956" cy="0"/>
+            </a:xfrm>
+            <a:prstGeom prst="straightConnector1">
+              <a:avLst/>
+            </a:prstGeom>
+            <a:ln w="31750">
+              <a:tailEnd type="triangle"/>
+            </a:ln>
+          </p:spPr>
+          <p:style>
+            <a:lnRef idx="1">
+              <a:schemeClr val="accent1"/>
+            </a:lnRef>
+            <a:fillRef idx="0">
+              <a:schemeClr val="accent1"/>
+            </a:fillRef>
+            <a:effectRef idx="0">
+              <a:schemeClr val="accent1"/>
+            </a:effectRef>
+            <a:fontRef idx="minor">
+              <a:schemeClr val="tx1"/>
+            </a:fontRef>
+          </p:style>
+        </p:cxnSp>
+      </p:grpSp>
     </p:spTree>
     <p:extLst>
       <p:ext uri="{BB962C8B-B14F-4D97-AF65-F5344CB8AC3E}">
@@ -38399,8 +40997,8 @@
             </p:nvSpPr>
             <p:spPr>
               <a:xfrm>
-                <a:off x="5756914" y="2842918"/>
-                <a:ext cx="918464" cy="1200329"/>
+                <a:off x="5255978" y="2842918"/>
+                <a:ext cx="1419400" cy="1313564"/>
               </a:xfrm>
               <a:prstGeom prst="rect">
                 <a:avLst/>
@@ -38414,12 +41012,12 @@
               <a:lstStyle/>
               <a:p>
                 <a:r>
-                  <a:rPr lang="en-US" sz="7200" dirty="0" err="1" smtClean="0"/>
+                  <a:rPr lang="en-US" sz="7200" dirty="0" smtClean="0"/>
                   <a:t>r</a:t>
                 </a:r>
                 <a:r>
-                  <a:rPr lang="en-US" sz="3600" dirty="0" err="1" smtClean="0"/>
-                  <a:t>m</a:t>
+                  <a:rPr lang="en-US" sz="3600" dirty="0" smtClean="0"/>
+                  <a:t>1m</a:t>
                 </a:r>
                 <a:endParaRPr lang="en-US" sz="3600" dirty="0"/>
               </a:p>
@@ -39502,6 +42100,36 @@
           </p:txBody>
         </p:sp>
       </p:grpSp>
+      <p:sp>
+        <p:nvSpPr>
+          <p:cNvPr id="2" name="TextBox 1"/>
+          <p:cNvSpPr txBox="1"/>
+          <p:nvPr/>
+        </p:nvSpPr>
+        <p:spPr>
+          <a:xfrm>
+            <a:off x="6874199" y="5311640"/>
+            <a:ext cx="599161" cy="769441"/>
+          </a:xfrm>
+          <a:prstGeom prst="rect">
+            <a:avLst/>
+          </a:prstGeom>
+          <a:noFill/>
+        </p:spPr>
+        <p:txBody>
+          <a:bodyPr wrap="square" rtlCol="1">
+            <a:spAutoFit/>
+          </a:bodyPr>
+          <a:lstStyle/>
+          <a:p>
+            <a:r>
+              <a:rPr lang="en-US" sz="4400" dirty="0" smtClean="0"/>
+              <a:t>1</a:t>
+            </a:r>
+            <a:endParaRPr lang="he-IL" sz="4400" dirty="0"/>
+          </a:p>
+        </p:txBody>
+      </p:sp>
     </p:spTree>
     <p:extLst>
       <p:ext uri="{BB962C8B-B14F-4D97-AF65-F5344CB8AC3E}">

--- a/Documents/(article) Random Loop Model to Explain the TAD in CC Experiments/polymerModelWithOneAndTwoFixedLoopsAndInternalConnections.pptx
+++ b/Documents/(article) Random Loop Model to Explain the TAD in CC Experiments/polymerModelWithOneAndTwoFixedLoopsAndInternalConnections.pptx
@@ -18,6 +18,7 @@
     <p:sldId id="266" r:id="rId12"/>
     <p:sldId id="267" r:id="rId13"/>
     <p:sldId id="268" r:id="rId14"/>
+    <p:sldId id="269" r:id="rId15"/>
   </p:sldIdLst>
   <p:sldSz cx="12192000" cy="6858000"/>
   <p:notesSz cx="6858000" cy="9144000"/>
@@ -21816,6 +21817,591 @@
     <p:extLst>
       <p:ext uri="{BB962C8B-B14F-4D97-AF65-F5344CB8AC3E}">
         <p14:creationId xmlns:p14="http://schemas.microsoft.com/office/powerpoint/2010/main" val="1304246405"/>
+      </p:ext>
+    </p:extLst>
+  </p:cSld>
+  <p:clrMapOvr>
+    <a:masterClrMapping/>
+  </p:clrMapOvr>
+</p:sld>
+</file>
+
+<file path=ppt/slides/slide14.xml><?xml version="1.0" encoding="utf-8"?>
+<p:sld xmlns:a="http://schemas.openxmlformats.org/drawingml/2006/main" xmlns:r="http://schemas.openxmlformats.org/officeDocument/2006/relationships" xmlns:p="http://schemas.openxmlformats.org/presentationml/2006/main">
+  <p:cSld>
+    <p:spTree>
+      <p:nvGrpSpPr>
+        <p:cNvPr id="1" name=""/>
+        <p:cNvGrpSpPr/>
+        <p:nvPr/>
+      </p:nvGrpSpPr>
+      <p:grpSpPr>
+        <a:xfrm>
+          <a:off x="0" y="0"/>
+          <a:ext cx="0" cy="0"/>
+          <a:chOff x="0" y="0"/>
+          <a:chExt cx="0" cy="0"/>
+        </a:xfrm>
+      </p:grpSpPr>
+      <p:cxnSp>
+        <p:nvCxnSpPr>
+          <p:cNvPr id="5" name="Straight Connector 4"/>
+          <p:cNvCxnSpPr/>
+          <p:nvPr/>
+        </p:nvCxnSpPr>
+        <p:spPr>
+          <a:xfrm>
+            <a:off x="1122218" y="498763"/>
+            <a:ext cx="0" cy="5434446"/>
+          </a:xfrm>
+          <a:prstGeom prst="line">
+            <a:avLst/>
+          </a:prstGeom>
+          <a:ln w="57150"/>
+        </p:spPr>
+        <p:style>
+          <a:lnRef idx="1">
+            <a:schemeClr val="accent1"/>
+          </a:lnRef>
+          <a:fillRef idx="0">
+            <a:schemeClr val="accent1"/>
+          </a:fillRef>
+          <a:effectRef idx="0">
+            <a:schemeClr val="accent1"/>
+          </a:effectRef>
+          <a:fontRef idx="minor">
+            <a:schemeClr val="tx1"/>
+          </a:fontRef>
+        </p:style>
+      </p:cxnSp>
+      <p:cxnSp>
+        <p:nvCxnSpPr>
+          <p:cNvPr id="7" name="Straight Connector 6"/>
+          <p:cNvCxnSpPr/>
+          <p:nvPr/>
+        </p:nvCxnSpPr>
+        <p:spPr>
+          <a:xfrm>
+            <a:off x="1132609" y="5933209"/>
+            <a:ext cx="8468591" cy="0"/>
+          </a:xfrm>
+          <a:prstGeom prst="line">
+            <a:avLst/>
+          </a:prstGeom>
+          <a:ln w="57150"/>
+        </p:spPr>
+        <p:style>
+          <a:lnRef idx="1">
+            <a:schemeClr val="accent1"/>
+          </a:lnRef>
+          <a:fillRef idx="0">
+            <a:schemeClr val="accent1"/>
+          </a:fillRef>
+          <a:effectRef idx="0">
+            <a:schemeClr val="accent1"/>
+          </a:effectRef>
+          <a:fontRef idx="minor">
+            <a:schemeClr val="tx1"/>
+          </a:fontRef>
+        </p:style>
+      </p:cxnSp>
+      <p:sp>
+        <p:nvSpPr>
+          <p:cNvPr id="9" name="Freeform 8"/>
+          <p:cNvSpPr/>
+          <p:nvPr/>
+        </p:nvSpPr>
+        <p:spPr>
+          <a:xfrm>
+            <a:off x="1215736" y="1220752"/>
+            <a:ext cx="8551719" cy="4504639"/>
+          </a:xfrm>
+          <a:custGeom>
+            <a:avLst/>
+            <a:gdLst>
+              <a:gd name="connsiteX0" fmla="*/ 0 w 8551719"/>
+              <a:gd name="connsiteY0" fmla="*/ 1013293 h 4504639"/>
+              <a:gd name="connsiteX1" fmla="*/ 519546 w 8551719"/>
+              <a:gd name="connsiteY1" fmla="*/ 2436848 h 4504639"/>
+              <a:gd name="connsiteX2" fmla="*/ 1662546 w 8551719"/>
+              <a:gd name="connsiteY2" fmla="*/ 3309684 h 4504639"/>
+              <a:gd name="connsiteX3" fmla="*/ 2514600 w 8551719"/>
+              <a:gd name="connsiteY3" fmla="*/ 3060303 h 4504639"/>
+              <a:gd name="connsiteX4" fmla="*/ 2930237 w 8551719"/>
+              <a:gd name="connsiteY4" fmla="*/ 3247339 h 4504639"/>
+              <a:gd name="connsiteX5" fmla="*/ 3709555 w 8551719"/>
+              <a:gd name="connsiteY5" fmla="*/ 2956393 h 4504639"/>
+              <a:gd name="connsiteX6" fmla="*/ 4540828 w 8551719"/>
+              <a:gd name="connsiteY6" fmla="*/ 2021212 h 4504639"/>
+              <a:gd name="connsiteX7" fmla="*/ 5538355 w 8551719"/>
+              <a:gd name="connsiteY7" fmla="*/ 15766 h 4504639"/>
+              <a:gd name="connsiteX8" fmla="*/ 6431973 w 8551719"/>
+              <a:gd name="connsiteY8" fmla="*/ 3205775 h 4504639"/>
+              <a:gd name="connsiteX9" fmla="*/ 8551719 w 8551719"/>
+              <a:gd name="connsiteY9" fmla="*/ 4504639 h 4504639"/>
+            </a:gdLst>
+            <a:ahLst/>
+            <a:cxnLst>
+              <a:cxn ang="0">
+                <a:pos x="connsiteX0" y="connsiteY0"/>
+              </a:cxn>
+              <a:cxn ang="0">
+                <a:pos x="connsiteX1" y="connsiteY1"/>
+              </a:cxn>
+              <a:cxn ang="0">
+                <a:pos x="connsiteX2" y="connsiteY2"/>
+              </a:cxn>
+              <a:cxn ang="0">
+                <a:pos x="connsiteX3" y="connsiteY3"/>
+              </a:cxn>
+              <a:cxn ang="0">
+                <a:pos x="connsiteX4" y="connsiteY4"/>
+              </a:cxn>
+              <a:cxn ang="0">
+                <a:pos x="connsiteX5" y="connsiteY5"/>
+              </a:cxn>
+              <a:cxn ang="0">
+                <a:pos x="connsiteX6" y="connsiteY6"/>
+              </a:cxn>
+              <a:cxn ang="0">
+                <a:pos x="connsiteX7" y="connsiteY7"/>
+              </a:cxn>
+              <a:cxn ang="0">
+                <a:pos x="connsiteX8" y="connsiteY8"/>
+              </a:cxn>
+              <a:cxn ang="0">
+                <a:pos x="connsiteX9" y="connsiteY9"/>
+              </a:cxn>
+            </a:cxnLst>
+            <a:rect l="l" t="t" r="r" b="b"/>
+            <a:pathLst>
+              <a:path w="8551719" h="4504639">
+                <a:moveTo>
+                  <a:pt x="0" y="1013293"/>
+                </a:moveTo>
+                <a:cubicBezTo>
+                  <a:pt x="121227" y="1533704"/>
+                  <a:pt x="242455" y="2054116"/>
+                  <a:pt x="519546" y="2436848"/>
+                </a:cubicBezTo>
+                <a:cubicBezTo>
+                  <a:pt x="796637" y="2819580"/>
+                  <a:pt x="1330037" y="3205775"/>
+                  <a:pt x="1662546" y="3309684"/>
+                </a:cubicBezTo>
+                <a:cubicBezTo>
+                  <a:pt x="1995055" y="3413593"/>
+                  <a:pt x="2303318" y="3070694"/>
+                  <a:pt x="2514600" y="3060303"/>
+                </a:cubicBezTo>
+                <a:cubicBezTo>
+                  <a:pt x="2725882" y="3049912"/>
+                  <a:pt x="2731078" y="3264657"/>
+                  <a:pt x="2930237" y="3247339"/>
+                </a:cubicBezTo>
+                <a:cubicBezTo>
+                  <a:pt x="3129396" y="3230021"/>
+                  <a:pt x="3441123" y="3160747"/>
+                  <a:pt x="3709555" y="2956393"/>
+                </a:cubicBezTo>
+                <a:cubicBezTo>
+                  <a:pt x="3977987" y="2752039"/>
+                  <a:pt x="4236028" y="2511316"/>
+                  <a:pt x="4540828" y="2021212"/>
+                </a:cubicBezTo>
+                <a:cubicBezTo>
+                  <a:pt x="4845628" y="1531108"/>
+                  <a:pt x="5223164" y="-181661"/>
+                  <a:pt x="5538355" y="15766"/>
+                </a:cubicBezTo>
+                <a:cubicBezTo>
+                  <a:pt x="5853546" y="213193"/>
+                  <a:pt x="5929746" y="2457630"/>
+                  <a:pt x="6431973" y="3205775"/>
+                </a:cubicBezTo>
+                <a:cubicBezTo>
+                  <a:pt x="6934200" y="3953921"/>
+                  <a:pt x="7742959" y="4229280"/>
+                  <a:pt x="8551719" y="4504639"/>
+                </a:cubicBezTo>
+              </a:path>
+            </a:pathLst>
+          </a:custGeom>
+          <a:ln w="57150"/>
+        </p:spPr>
+        <p:style>
+          <a:lnRef idx="1">
+            <a:schemeClr val="dk1"/>
+          </a:lnRef>
+          <a:fillRef idx="0">
+            <a:schemeClr val="dk1"/>
+          </a:fillRef>
+          <a:effectRef idx="0">
+            <a:schemeClr val="dk1"/>
+          </a:effectRef>
+          <a:fontRef idx="minor">
+            <a:schemeClr val="tx1"/>
+          </a:fontRef>
+        </p:style>
+        <p:txBody>
+          <a:bodyPr rtlCol="1" anchor="ctr"/>
+          <a:lstStyle/>
+          <a:p>
+            <a:pPr algn="ctr"/>
+            <a:endParaRPr lang="he-IL"/>
+          </a:p>
+        </p:txBody>
+      </p:sp>
+      <p:sp>
+        <p:nvSpPr>
+          <p:cNvPr id="10" name="TextBox 9"/>
+          <p:cNvSpPr txBox="1"/>
+          <p:nvPr/>
+        </p:nvSpPr>
+        <p:spPr>
+          <a:xfrm>
+            <a:off x="0" y="3449781"/>
+            <a:ext cx="1558636" cy="646331"/>
+          </a:xfrm>
+          <a:prstGeom prst="rect">
+            <a:avLst/>
+          </a:prstGeom>
+          <a:noFill/>
+        </p:spPr>
+        <p:txBody>
+          <a:bodyPr wrap="square" rtlCol="1">
+            <a:spAutoFit/>
+          </a:bodyPr>
+          <a:lstStyle/>
+          <a:p>
+            <a:r>
+              <a:rPr lang="en-US" sz="3600" dirty="0" smtClean="0"/>
+              <a:t>Prob.</a:t>
+            </a:r>
+            <a:endParaRPr lang="he-IL" sz="3600" dirty="0"/>
+          </a:p>
+        </p:txBody>
+      </p:sp>
+      <p:sp>
+        <p:nvSpPr>
+          <p:cNvPr id="11" name="TextBox 10"/>
+          <p:cNvSpPr txBox="1"/>
+          <p:nvPr/>
+        </p:nvSpPr>
+        <p:spPr>
+          <a:xfrm>
+            <a:off x="2826327" y="6211669"/>
+            <a:ext cx="3927764" cy="646331"/>
+          </a:xfrm>
+          <a:prstGeom prst="rect">
+            <a:avLst/>
+          </a:prstGeom>
+          <a:noFill/>
+        </p:spPr>
+        <p:txBody>
+          <a:bodyPr wrap="square" rtlCol="1">
+            <a:spAutoFit/>
+          </a:bodyPr>
+          <a:lstStyle/>
+          <a:p>
+            <a:r>
+              <a:rPr lang="en-US" sz="3600" dirty="0" smtClean="0"/>
+              <a:t>Distance [beads]</a:t>
+            </a:r>
+            <a:endParaRPr lang="he-IL" sz="3600" dirty="0"/>
+          </a:p>
+        </p:txBody>
+      </p:sp>
+      <p:cxnSp>
+        <p:nvCxnSpPr>
+          <p:cNvPr id="13" name="Straight Connector 12"/>
+          <p:cNvCxnSpPr>
+            <a:stCxn id="9" idx="7"/>
+          </p:cNvCxnSpPr>
+          <p:nvPr/>
+        </p:nvCxnSpPr>
+        <p:spPr>
+          <a:xfrm flipH="1" flipV="1">
+            <a:off x="1132609" y="1220752"/>
+            <a:ext cx="5621482" cy="15766"/>
+          </a:xfrm>
+          <a:prstGeom prst="line">
+            <a:avLst/>
+          </a:prstGeom>
+          <a:ln w="57150">
+            <a:prstDash val="lgDash"/>
+          </a:ln>
+        </p:spPr>
+        <p:style>
+          <a:lnRef idx="1">
+            <a:schemeClr val="accent6"/>
+          </a:lnRef>
+          <a:fillRef idx="0">
+            <a:schemeClr val="accent6"/>
+          </a:fillRef>
+          <a:effectRef idx="0">
+            <a:schemeClr val="accent6"/>
+          </a:effectRef>
+          <a:fontRef idx="minor">
+            <a:schemeClr val="tx1"/>
+          </a:fontRef>
+        </p:style>
+      </p:cxnSp>
+      <p:cxnSp>
+        <p:nvCxnSpPr>
+          <p:cNvPr id="15" name="Straight Connector 14"/>
+          <p:cNvCxnSpPr/>
+          <p:nvPr/>
+        </p:nvCxnSpPr>
+        <p:spPr>
+          <a:xfrm>
+            <a:off x="1293668" y="2389909"/>
+            <a:ext cx="25977" cy="3543300"/>
+          </a:xfrm>
+          <a:prstGeom prst="line">
+            <a:avLst/>
+          </a:prstGeom>
+          <a:ln w="38100">
+            <a:solidFill>
+              <a:schemeClr val="accent2">
+                <a:lumMod val="75000"/>
+              </a:schemeClr>
+            </a:solidFill>
+            <a:prstDash val="lgDash"/>
+          </a:ln>
+        </p:spPr>
+        <p:style>
+          <a:lnRef idx="1">
+            <a:schemeClr val="accent1"/>
+          </a:lnRef>
+          <a:fillRef idx="0">
+            <a:schemeClr val="accent1"/>
+          </a:fillRef>
+          <a:effectRef idx="0">
+            <a:schemeClr val="accent1"/>
+          </a:effectRef>
+          <a:fontRef idx="minor">
+            <a:schemeClr val="tx1"/>
+          </a:fontRef>
+        </p:style>
+      </p:cxnSp>
+      <p:sp>
+        <p:nvSpPr>
+          <p:cNvPr id="17" name="TextBox 16"/>
+          <p:cNvSpPr txBox="1"/>
+          <p:nvPr/>
+        </p:nvSpPr>
+        <p:spPr>
+          <a:xfrm>
+            <a:off x="1132609" y="6009699"/>
+            <a:ext cx="498764" cy="584775"/>
+          </a:xfrm>
+          <a:prstGeom prst="rect">
+            <a:avLst/>
+          </a:prstGeom>
+          <a:noFill/>
+        </p:spPr>
+        <p:txBody>
+          <a:bodyPr wrap="square" rtlCol="1">
+            <a:spAutoFit/>
+          </a:bodyPr>
+          <a:lstStyle/>
+          <a:p>
+            <a:r>
+              <a:rPr lang="en-US" sz="3200" dirty="0" smtClean="0"/>
+              <a:t>1</a:t>
+            </a:r>
+            <a:endParaRPr lang="he-IL" sz="3200" dirty="0"/>
+          </a:p>
+        </p:txBody>
+      </p:sp>
+      <p:sp>
+        <p:nvSpPr>
+          <p:cNvPr id="18" name="TextBox 17"/>
+          <p:cNvSpPr txBox="1"/>
+          <p:nvPr/>
+        </p:nvSpPr>
+        <p:spPr>
+          <a:xfrm>
+            <a:off x="213015" y="2014393"/>
+            <a:ext cx="987136" cy="584775"/>
+          </a:xfrm>
+          <a:prstGeom prst="rect">
+            <a:avLst/>
+          </a:prstGeom>
+          <a:noFill/>
+        </p:spPr>
+        <p:txBody>
+          <a:bodyPr wrap="square" rtlCol="1">
+            <a:spAutoFit/>
+          </a:bodyPr>
+          <a:lstStyle/>
+          <a:p>
+            <a:r>
+              <a:rPr lang="en-US" sz="3200" dirty="0" smtClean="0">
+                <a:solidFill>
+                  <a:schemeClr val="accent2">
+                    <a:lumMod val="75000"/>
+                  </a:schemeClr>
+                </a:solidFill>
+              </a:rPr>
+              <a:t>P(1)</a:t>
+            </a:r>
+            <a:endParaRPr lang="he-IL" sz="3200" dirty="0">
+              <a:solidFill>
+                <a:schemeClr val="accent2">
+                  <a:lumMod val="75000"/>
+                </a:schemeClr>
+              </a:solidFill>
+            </a:endParaRPr>
+          </a:p>
+        </p:txBody>
+      </p:sp>
+      <p:sp>
+        <p:nvSpPr>
+          <p:cNvPr id="20" name="TextBox 19"/>
+          <p:cNvSpPr txBox="1"/>
+          <p:nvPr/>
+        </p:nvSpPr>
+        <p:spPr>
+          <a:xfrm>
+            <a:off x="197430" y="979114"/>
+            <a:ext cx="971547" cy="584775"/>
+          </a:xfrm>
+          <a:prstGeom prst="rect">
+            <a:avLst/>
+          </a:prstGeom>
+          <a:noFill/>
+        </p:spPr>
+        <p:txBody>
+          <a:bodyPr wrap="square" rtlCol="1">
+            <a:spAutoFit/>
+          </a:bodyPr>
+          <a:lstStyle/>
+          <a:p>
+            <a:r>
+              <a:rPr lang="en-US" sz="3200" dirty="0" smtClean="0">
+                <a:solidFill>
+                  <a:schemeClr val="accent6"/>
+                </a:solidFill>
+              </a:rPr>
+              <a:t>P(n)</a:t>
+            </a:r>
+            <a:endParaRPr lang="he-IL" sz="3200" dirty="0">
+              <a:solidFill>
+                <a:schemeClr val="accent6"/>
+              </a:solidFill>
+            </a:endParaRPr>
+          </a:p>
+        </p:txBody>
+      </p:sp>
+      <p:sp>
+        <p:nvSpPr>
+          <p:cNvPr id="21" name="TextBox 20"/>
+          <p:cNvSpPr txBox="1"/>
+          <p:nvPr/>
+        </p:nvSpPr>
+        <p:spPr>
+          <a:xfrm>
+            <a:off x="6619009" y="6141027"/>
+            <a:ext cx="457200" cy="584775"/>
+          </a:xfrm>
+          <a:prstGeom prst="rect">
+            <a:avLst/>
+          </a:prstGeom>
+          <a:noFill/>
+        </p:spPr>
+        <p:txBody>
+          <a:bodyPr wrap="square" rtlCol="1">
+            <a:spAutoFit/>
+          </a:bodyPr>
+          <a:lstStyle/>
+          <a:p>
+            <a:r>
+              <a:rPr lang="en-US" sz="3200" dirty="0" smtClean="0"/>
+              <a:t>n</a:t>
+            </a:r>
+            <a:endParaRPr lang="he-IL" sz="3200" dirty="0"/>
+          </a:p>
+        </p:txBody>
+      </p:sp>
+      <p:cxnSp>
+        <p:nvCxnSpPr>
+          <p:cNvPr id="22" name="Straight Connector 21"/>
+          <p:cNvCxnSpPr>
+            <a:stCxn id="9" idx="7"/>
+          </p:cNvCxnSpPr>
+          <p:nvPr/>
+        </p:nvCxnSpPr>
+        <p:spPr>
+          <a:xfrm>
+            <a:off x="6754091" y="1236518"/>
+            <a:ext cx="0" cy="4696691"/>
+          </a:xfrm>
+          <a:prstGeom prst="line">
+            <a:avLst/>
+          </a:prstGeom>
+          <a:ln w="57150">
+            <a:prstDash val="lgDash"/>
+          </a:ln>
+        </p:spPr>
+        <p:style>
+          <a:lnRef idx="1">
+            <a:schemeClr val="accent6"/>
+          </a:lnRef>
+          <a:fillRef idx="0">
+            <a:schemeClr val="accent6"/>
+          </a:fillRef>
+          <a:effectRef idx="0">
+            <a:schemeClr val="accent6"/>
+          </a:effectRef>
+          <a:fontRef idx="minor">
+            <a:schemeClr val="tx1"/>
+          </a:fontRef>
+        </p:style>
+      </p:cxnSp>
+      <p:cxnSp>
+        <p:nvCxnSpPr>
+          <p:cNvPr id="25" name="Straight Connector 24"/>
+          <p:cNvCxnSpPr/>
+          <p:nvPr/>
+        </p:nvCxnSpPr>
+        <p:spPr>
+          <a:xfrm flipH="1">
+            <a:off x="1070262" y="2389909"/>
+            <a:ext cx="223406" cy="0"/>
+          </a:xfrm>
+          <a:prstGeom prst="line">
+            <a:avLst/>
+          </a:prstGeom>
+          <a:ln w="38100">
+            <a:solidFill>
+              <a:schemeClr val="accent2">
+                <a:lumMod val="75000"/>
+              </a:schemeClr>
+            </a:solidFill>
+            <a:prstDash val="lgDash"/>
+          </a:ln>
+        </p:spPr>
+        <p:style>
+          <a:lnRef idx="1">
+            <a:schemeClr val="accent1"/>
+          </a:lnRef>
+          <a:fillRef idx="0">
+            <a:schemeClr val="accent1"/>
+          </a:fillRef>
+          <a:effectRef idx="0">
+            <a:schemeClr val="accent1"/>
+          </a:effectRef>
+          <a:fontRef idx="minor">
+            <a:schemeClr val="tx1"/>
+          </a:fontRef>
+        </p:style>
+      </p:cxnSp>
+    </p:spTree>
+    <p:extLst>
+      <p:ext uri="{BB962C8B-B14F-4D97-AF65-F5344CB8AC3E}">
+        <p14:creationId xmlns:p14="http://schemas.microsoft.com/office/powerpoint/2010/main" val="340101426"/>
       </p:ext>
     </p:extLst>
   </p:cSld>

--- a/Documents/(article) Random Loop Model to Explain the TAD in CC Experiments/polymerModelWithOneAndTwoFixedLoopsAndInternalConnections.pptx
+++ b/Documents/(article) Random Loop Model to Explain the TAD in CC Experiments/polymerModelWithOneAndTwoFixedLoopsAndInternalConnections.pptx
@@ -256,7 +256,7 @@
           <a:p>
             <a:fld id="{11E755D3-E711-4D0A-850C-1C48A3BA9F8A}" type="datetimeFigureOut">
               <a:rPr lang="en-US" smtClean="0"/>
-              <a:t>3/11/2015</a:t>
+              <a:t>3/23/2015</a:t>
             </a:fld>
             <a:endParaRPr lang="en-US"/>
           </a:p>
@@ -426,7 +426,7 @@
           <a:p>
             <a:fld id="{11E755D3-E711-4D0A-850C-1C48A3BA9F8A}" type="datetimeFigureOut">
               <a:rPr lang="en-US" smtClean="0"/>
-              <a:t>3/11/2015</a:t>
+              <a:t>3/23/2015</a:t>
             </a:fld>
             <a:endParaRPr lang="en-US"/>
           </a:p>
@@ -606,7 +606,7 @@
           <a:p>
             <a:fld id="{11E755D3-E711-4D0A-850C-1C48A3BA9F8A}" type="datetimeFigureOut">
               <a:rPr lang="en-US" smtClean="0"/>
-              <a:t>3/11/2015</a:t>
+              <a:t>3/23/2015</a:t>
             </a:fld>
             <a:endParaRPr lang="en-US"/>
           </a:p>
@@ -776,7 +776,7 @@
           <a:p>
             <a:fld id="{11E755D3-E711-4D0A-850C-1C48A3BA9F8A}" type="datetimeFigureOut">
               <a:rPr lang="en-US" smtClean="0"/>
-              <a:t>3/11/2015</a:t>
+              <a:t>3/23/2015</a:t>
             </a:fld>
             <a:endParaRPr lang="en-US"/>
           </a:p>
@@ -1022,7 +1022,7 @@
           <a:p>
             <a:fld id="{11E755D3-E711-4D0A-850C-1C48A3BA9F8A}" type="datetimeFigureOut">
               <a:rPr lang="en-US" smtClean="0"/>
-              <a:t>3/11/2015</a:t>
+              <a:t>3/23/2015</a:t>
             </a:fld>
             <a:endParaRPr lang="en-US"/>
           </a:p>
@@ -1254,7 +1254,7 @@
           <a:p>
             <a:fld id="{11E755D3-E711-4D0A-850C-1C48A3BA9F8A}" type="datetimeFigureOut">
               <a:rPr lang="en-US" smtClean="0"/>
-              <a:t>3/11/2015</a:t>
+              <a:t>3/23/2015</a:t>
             </a:fld>
             <a:endParaRPr lang="en-US"/>
           </a:p>
@@ -1621,7 +1621,7 @@
           <a:p>
             <a:fld id="{11E755D3-E711-4D0A-850C-1C48A3BA9F8A}" type="datetimeFigureOut">
               <a:rPr lang="en-US" smtClean="0"/>
-              <a:t>3/11/2015</a:t>
+              <a:t>3/23/2015</a:t>
             </a:fld>
             <a:endParaRPr lang="en-US"/>
           </a:p>
@@ -1739,7 +1739,7 @@
           <a:p>
             <a:fld id="{11E755D3-E711-4D0A-850C-1C48A3BA9F8A}" type="datetimeFigureOut">
               <a:rPr lang="en-US" smtClean="0"/>
-              <a:t>3/11/2015</a:t>
+              <a:t>3/23/2015</a:t>
             </a:fld>
             <a:endParaRPr lang="en-US"/>
           </a:p>
@@ -1834,7 +1834,7 @@
           <a:p>
             <a:fld id="{11E755D3-E711-4D0A-850C-1C48A3BA9F8A}" type="datetimeFigureOut">
               <a:rPr lang="en-US" smtClean="0"/>
-              <a:t>3/11/2015</a:t>
+              <a:t>3/23/2015</a:t>
             </a:fld>
             <a:endParaRPr lang="en-US"/>
           </a:p>
@@ -2111,7 +2111,7 @@
           <a:p>
             <a:fld id="{11E755D3-E711-4D0A-850C-1C48A3BA9F8A}" type="datetimeFigureOut">
               <a:rPr lang="en-US" smtClean="0"/>
-              <a:t>3/11/2015</a:t>
+              <a:t>3/23/2015</a:t>
             </a:fld>
             <a:endParaRPr lang="en-US"/>
           </a:p>
@@ -2364,7 +2364,7 @@
           <a:p>
             <a:fld id="{11E755D3-E711-4D0A-850C-1C48A3BA9F8A}" type="datetimeFigureOut">
               <a:rPr lang="en-US" smtClean="0"/>
-              <a:t>3/11/2015</a:t>
+              <a:t>3/23/2015</a:t>
             </a:fld>
             <a:endParaRPr lang="en-US"/>
           </a:p>
@@ -2577,7 +2577,7 @@
           <a:p>
             <a:fld id="{11E755D3-E711-4D0A-850C-1C48A3BA9F8A}" type="datetimeFigureOut">
               <a:rPr lang="en-US" smtClean="0"/>
-              <a:t>3/11/2015</a:t>
+              <a:t>3/23/2015</a:t>
             </a:fld>
             <a:endParaRPr lang="en-US"/>
           </a:p>
@@ -9487,36 +9487,89 @@
               </a:p>
             </p:txBody>
           </p:sp>
-          <p:sp>
-            <p:nvSpPr>
-              <p:cNvPr id="26" name="TextBox 25"/>
-              <p:cNvSpPr txBox="1"/>
-              <p:nvPr/>
-            </p:nvSpPr>
-            <p:spPr>
-              <a:xfrm>
-                <a:off x="8695265" y="4229072"/>
-                <a:ext cx="606780" cy="923329"/>
-              </a:xfrm>
-              <a:prstGeom prst="rect">
-                <a:avLst/>
-              </a:prstGeom>
-              <a:noFill/>
-            </p:spPr>
-            <p:txBody>
-              <a:bodyPr wrap="square" rtlCol="0">
-                <a:spAutoFit/>
-              </a:bodyPr>
-              <a:lstStyle/>
-              <a:p>
-                <a:r>
-                  <a:rPr lang="en-US" sz="5400" dirty="0" smtClean="0"/>
-                  <a:t>n</a:t>
-                </a:r>
-                <a:endParaRPr lang="en-US" sz="5400" dirty="0"/>
-              </a:p>
-            </p:txBody>
-          </p:sp>
+          <mc:AlternateContent xmlns:mc="http://schemas.openxmlformats.org/markup-compatibility/2006">
+            <mc:Choice xmlns:a14="http://schemas.microsoft.com/office/drawing/2010/main" Requires="a14">
+              <p:sp>
+                <p:nvSpPr>
+                  <p:cNvPr id="26" name="TextBox 25"/>
+                  <p:cNvSpPr txBox="1"/>
+                  <p:nvPr/>
+                </p:nvSpPr>
+                <p:spPr>
+                  <a:xfrm>
+                    <a:off x="8695264" y="4229072"/>
+                    <a:ext cx="606780" cy="1024018"/>
+                  </a:xfrm>
+                  <a:prstGeom prst="rect">
+                    <a:avLst/>
+                  </a:prstGeom>
+                  <a:noFill/>
+                </p:spPr>
+                <p:txBody>
+                  <a:bodyPr wrap="square" rtlCol="0">
+                    <a:spAutoFit/>
+                  </a:bodyPr>
+                  <a:lstStyle/>
+                  <a:p>
+                    <a14:m>
+                      <m:oMathPara xmlns:m="http://schemas.openxmlformats.org/officeDocument/2006/math">
+                        <m:oMathParaPr>
+                          <m:jc m:val="centerGroup"/>
+                        </m:oMathParaPr>
+                        <m:oMath xmlns:m="http://schemas.openxmlformats.org/officeDocument/2006/math">
+                          <m:r>
+                            <a:rPr lang="en-US" sz="5400" i="1" dirty="0" smtClean="0">
+                              <a:latin typeface="Cambria Math" panose="02040503050406030204" pitchFamily="18" charset="0"/>
+                            </a:rPr>
+                            <m:t>𝑛</m:t>
+                          </m:r>
+                        </m:oMath>
+                      </m:oMathPara>
+                    </a14:m>
+                    <a:endParaRPr lang="en-US" sz="5400" dirty="0"/>
+                  </a:p>
+                </p:txBody>
+              </p:sp>
+            </mc:Choice>
+            <mc:Fallback>
+              <p:sp>
+                <p:nvSpPr>
+                  <p:cNvPr id="26" name="TextBox 25"/>
+                  <p:cNvSpPr txBox="1">
+                    <a:spLocks noRot="1" noChangeAspect="1" noMove="1" noResize="1" noEditPoints="1" noAdjustHandles="1" noChangeArrowheads="1" noChangeShapeType="1" noTextEdit="1"/>
+                  </p:cNvSpPr>
+                  <p:nvPr/>
+                </p:nvSpPr>
+                <p:spPr>
+                  <a:xfrm>
+                    <a:off x="8695264" y="4229072"/>
+                    <a:ext cx="606780" cy="1024018"/>
+                  </a:xfrm>
+                  <a:prstGeom prst="rect">
+                    <a:avLst/>
+                  </a:prstGeom>
+                  <a:blipFill rotWithShape="0">
+                    <a:blip r:embed="rId2"/>
+                    <a:stretch>
+                      <a:fillRect r="-25397"/>
+                    </a:stretch>
+                  </a:blipFill>
+                </p:spPr>
+                <p:txBody>
+                  <a:bodyPr/>
+                  <a:lstStyle/>
+                  <a:p>
+                    <a:r>
+                      <a:rPr lang="en-US">
+                        <a:noFill/>
+                      </a:rPr>
+                      <a:t> </a:t>
+                    </a:r>
+                  </a:p>
+                </p:txBody>
+              </p:sp>
+            </mc:Fallback>
+          </mc:AlternateContent>
           <p:cxnSp>
             <p:nvCxnSpPr>
               <p:cNvPr id="27" name="Straight Arrow Connector 26"/>
@@ -9558,77 +9611,145 @@
               </a:fontRef>
             </p:style>
           </p:cxnSp>
-          <p:sp>
-            <p:nvSpPr>
-              <p:cNvPr id="28" name="TextBox 27"/>
-              <p:cNvSpPr txBox="1"/>
-              <p:nvPr/>
-            </p:nvSpPr>
-            <p:spPr>
-              <a:xfrm>
-                <a:off x="6814413" y="2944450"/>
-                <a:ext cx="2321727" cy="1126420"/>
-              </a:xfrm>
-              <a:prstGeom prst="rect">
-                <a:avLst/>
-              </a:prstGeom>
-              <a:noFill/>
-            </p:spPr>
-            <p:txBody>
-              <a:bodyPr wrap="square" rtlCol="0">
-                <a:spAutoFit/>
-              </a:bodyPr>
-              <a:lstStyle/>
-              <a:p>
-                <a:r>
-                  <a:rPr lang="en-US" sz="6000" dirty="0" err="1"/>
-                  <a:t>r</a:t>
-                </a:r>
-                <a:r>
-                  <a:rPr lang="en-US" sz="3200" dirty="0" err="1" smtClean="0"/>
-                  <a:t>nN</a:t>
-                </a:r>
-                <a:r>
-                  <a:rPr lang="en-US" sz="2400" dirty="0" err="1" smtClean="0"/>
-                  <a:t>c</a:t>
-                </a:r>
-                <a:endParaRPr lang="en-US" sz="2400" dirty="0"/>
-              </a:p>
-            </p:txBody>
-          </p:sp>
-          <p:cxnSp>
-            <p:nvCxnSpPr>
-              <p:cNvPr id="29" name="Straight Arrow Connector 28"/>
-              <p:cNvCxnSpPr/>
-              <p:nvPr/>
-            </p:nvCxnSpPr>
-            <p:spPr>
-              <a:xfrm>
-                <a:off x="7033769" y="3206854"/>
-                <a:ext cx="324956" cy="0"/>
-              </a:xfrm>
-              <a:prstGeom prst="straightConnector1">
-                <a:avLst/>
-              </a:prstGeom>
-              <a:ln w="31750">
-                <a:tailEnd type="triangle"/>
-              </a:ln>
-            </p:spPr>
-            <p:style>
-              <a:lnRef idx="1">
-                <a:schemeClr val="accent1"/>
-              </a:lnRef>
-              <a:fillRef idx="0">
-                <a:schemeClr val="accent1"/>
-              </a:fillRef>
-              <a:effectRef idx="0">
-                <a:schemeClr val="accent1"/>
-              </a:effectRef>
-              <a:fontRef idx="minor">
-                <a:schemeClr val="tx1"/>
-              </a:fontRef>
-            </p:style>
-          </p:cxnSp>
+          <mc:AlternateContent xmlns:mc="http://schemas.openxmlformats.org/markup-compatibility/2006">
+            <mc:Choice xmlns:a14="http://schemas.microsoft.com/office/drawing/2010/main" Requires="a14">
+              <p:sp>
+                <p:nvSpPr>
+                  <p:cNvPr id="28" name="TextBox 27"/>
+                  <p:cNvSpPr txBox="1"/>
+                  <p:nvPr/>
+                </p:nvSpPr>
+                <p:spPr>
+                  <a:xfrm>
+                    <a:off x="6821560" y="2767658"/>
+                    <a:ext cx="2321727" cy="1219790"/>
+                  </a:xfrm>
+                  <a:prstGeom prst="rect">
+                    <a:avLst/>
+                  </a:prstGeom>
+                  <a:noFill/>
+                </p:spPr>
+                <p:txBody>
+                  <a:bodyPr wrap="square" rtlCol="0">
+                    <a:spAutoFit/>
+                  </a:bodyPr>
+                  <a:lstStyle/>
+                  <a:p>
+                    <a14:m>
+                      <m:oMathPara xmlns:m="http://schemas.openxmlformats.org/officeDocument/2006/math">
+                        <m:oMathParaPr>
+                          <m:jc m:val="centerGroup"/>
+                        </m:oMathParaPr>
+                        <m:oMath xmlns:m="http://schemas.openxmlformats.org/officeDocument/2006/math">
+                          <m:sSub>
+                            <m:sSubPr>
+                              <m:ctrlPr>
+                                <a:rPr lang="en-US" sz="6000" b="0" i="1" smtClean="0">
+                                  <a:latin typeface="Cambria Math" panose="02040503050406030204" pitchFamily="18" charset="0"/>
+                                </a:rPr>
+                              </m:ctrlPr>
+                            </m:sSubPr>
+                            <m:e>
+                              <m:acc>
+                                <m:accPr>
+                                  <m:chr m:val="⃗"/>
+                                  <m:ctrlPr>
+                                    <a:rPr lang="en-US" sz="6000" i="1" smtClean="0">
+                                      <a:latin typeface="Cambria Math" panose="02040503050406030204" pitchFamily="18" charset="0"/>
+                                    </a:rPr>
+                                  </m:ctrlPr>
+                                </m:accPr>
+                                <m:e>
+                                  <m:r>
+                                    <a:rPr lang="en-US" sz="6000" b="0" i="1" smtClean="0">
+                                      <a:latin typeface="Cambria Math" panose="02040503050406030204" pitchFamily="18" charset="0"/>
+                                    </a:rPr>
+                                    <m:t>𝑟</m:t>
+                                  </m:r>
+                                </m:e>
+                              </m:acc>
+                            </m:e>
+                            <m:sub>
+                              <m:r>
+                                <a:rPr lang="en-US" sz="6000" b="0" i="1" smtClean="0">
+                                  <a:latin typeface="Cambria Math" panose="02040503050406030204" pitchFamily="18" charset="0"/>
+                                </a:rPr>
+                                <m:t>𝑛</m:t>
+                              </m:r>
+                              <m:sSub>
+                                <m:sSubPr>
+                                  <m:ctrlPr>
+                                    <a:rPr lang="en-US" sz="6000" b="0" i="1" smtClean="0">
+                                      <a:latin typeface="Cambria Math" panose="02040503050406030204" pitchFamily="18" charset="0"/>
+                                    </a:rPr>
+                                  </m:ctrlPr>
+                                </m:sSubPr>
+                                <m:e>
+                                  <m:r>
+                                    <a:rPr lang="en-US" sz="6000" b="0" i="1" smtClean="0">
+                                      <a:latin typeface="Cambria Math" panose="02040503050406030204" pitchFamily="18" charset="0"/>
+                                    </a:rPr>
+                                    <m:t>𝑁</m:t>
+                                  </m:r>
+                                </m:e>
+                                <m:sub>
+                                  <m:r>
+                                    <a:rPr lang="en-US" sz="6000" b="0" i="1" smtClean="0">
+                                      <a:latin typeface="Cambria Math" panose="02040503050406030204" pitchFamily="18" charset="0"/>
+                                    </a:rPr>
+                                    <m:t>𝑐</m:t>
+                                  </m:r>
+                                </m:sub>
+                              </m:sSub>
+                            </m:sub>
+                          </m:sSub>
+                        </m:oMath>
+                      </m:oMathPara>
+                    </a14:m>
+                    <a:endParaRPr lang="en-US" sz="2400" dirty="0"/>
+                  </a:p>
+                </p:txBody>
+              </p:sp>
+            </mc:Choice>
+            <mc:Fallback>
+              <p:sp>
+                <p:nvSpPr>
+                  <p:cNvPr id="28" name="TextBox 27"/>
+                  <p:cNvSpPr txBox="1">
+                    <a:spLocks noRot="1" noChangeAspect="1" noMove="1" noResize="1" noEditPoints="1" noAdjustHandles="1" noChangeArrowheads="1" noChangeShapeType="1" noTextEdit="1"/>
+                  </p:cNvSpPr>
+                  <p:nvPr/>
+                </p:nvSpPr>
+                <p:spPr>
+                  <a:xfrm>
+                    <a:off x="6821560" y="2767658"/>
+                    <a:ext cx="2321727" cy="1219790"/>
+                  </a:xfrm>
+                  <a:prstGeom prst="rect">
+                    <a:avLst/>
+                  </a:prstGeom>
+                  <a:blipFill rotWithShape="0">
+                    <a:blip r:embed="rId3"/>
+                    <a:stretch>
+                      <a:fillRect/>
+                    </a:stretch>
+                  </a:blipFill>
+                </p:spPr>
+                <p:txBody>
+                  <a:bodyPr/>
+                  <a:lstStyle/>
+                  <a:p>
+                    <a:r>
+                      <a:rPr lang="en-US">
+                        <a:noFill/>
+                      </a:rPr>
+                      <a:t> </a:t>
+                    </a:r>
+                  </a:p>
+                </p:txBody>
+              </p:sp>
+            </mc:Fallback>
+          </mc:AlternateContent>
         </p:grpSp>
         <p:grpSp>
           <p:nvGrpSpPr>
@@ -10939,78 +11060,228 @@
               </a:fontRef>
             </p:style>
           </p:cxnSp>
-          <p:sp>
-            <p:nvSpPr>
-              <p:cNvPr id="56" name="TextBox 55"/>
-              <p:cNvSpPr txBox="1"/>
-              <p:nvPr/>
-            </p:nvSpPr>
-            <p:spPr>
-              <a:xfrm>
-                <a:off x="5700800" y="2544807"/>
-                <a:ext cx="2387602" cy="1313564"/>
-              </a:xfrm>
-              <a:prstGeom prst="rect">
-                <a:avLst/>
-              </a:prstGeom>
-              <a:noFill/>
-            </p:spPr>
-            <p:txBody>
-              <a:bodyPr wrap="square" rtlCol="0">
-                <a:spAutoFit/>
-              </a:bodyPr>
-              <a:lstStyle/>
-              <a:p>
-                <a:r>
-                  <a:rPr lang="en-US" sz="7200" dirty="0" err="1" smtClean="0"/>
-                  <a:t>r</a:t>
-                </a:r>
-                <a:r>
-                  <a:rPr lang="en-US" sz="4400" dirty="0" err="1" smtClean="0"/>
-                  <a:t>N</a:t>
-                </a:r>
-                <a:r>
-                  <a:rPr lang="en-US" sz="2800" dirty="0" err="1" smtClean="0"/>
-                  <a:t>c</a:t>
-                </a:r>
-                <a:r>
-                  <a:rPr lang="en-US" sz="3600" dirty="0" err="1" smtClean="0"/>
-                  <a:t>m</a:t>
-                </a:r>
-                <a:endParaRPr lang="en-US" sz="3600" dirty="0"/>
-              </a:p>
-            </p:txBody>
-          </p:sp>
-          <p:sp>
-            <p:nvSpPr>
-              <p:cNvPr id="57" name="TextBox 56"/>
-              <p:cNvSpPr txBox="1"/>
-              <p:nvPr/>
-            </p:nvSpPr>
-            <p:spPr>
-              <a:xfrm>
-                <a:off x="3261502" y="3928515"/>
-                <a:ext cx="447121" cy="830998"/>
-              </a:xfrm>
-              <a:prstGeom prst="rect">
-                <a:avLst/>
-              </a:prstGeom>
-              <a:noFill/>
-            </p:spPr>
-            <p:txBody>
-              <a:bodyPr wrap="square" rtlCol="0">
-                <a:spAutoFit/>
-              </a:bodyPr>
-              <a:lstStyle/>
-              <a:p>
-                <a:r>
-                  <a:rPr lang="en-US" sz="4800" dirty="0" smtClean="0"/>
-                  <a:t>m</a:t>
-                </a:r>
-                <a:endParaRPr lang="en-US" sz="4800" dirty="0"/>
-              </a:p>
-            </p:txBody>
-          </p:sp>
+          <mc:AlternateContent xmlns:mc="http://schemas.openxmlformats.org/markup-compatibility/2006">
+            <mc:Choice xmlns:a14="http://schemas.microsoft.com/office/drawing/2010/main" Requires="a14">
+              <p:sp>
+                <p:nvSpPr>
+                  <p:cNvPr id="56" name="TextBox 55"/>
+                  <p:cNvSpPr txBox="1"/>
+                  <p:nvPr/>
+                </p:nvSpPr>
+                <p:spPr>
+                  <a:xfrm>
+                    <a:off x="5349401" y="2332136"/>
+                    <a:ext cx="2387602" cy="1424150"/>
+                  </a:xfrm>
+                  <a:prstGeom prst="rect">
+                    <a:avLst/>
+                  </a:prstGeom>
+                  <a:noFill/>
+                </p:spPr>
+                <p:txBody>
+                  <a:bodyPr wrap="square" rtlCol="0">
+                    <a:spAutoFit/>
+                  </a:bodyPr>
+                  <a:lstStyle/>
+                  <a:p>
+                    <a14:m>
+                      <m:oMathPara xmlns:m="http://schemas.openxmlformats.org/officeDocument/2006/math">
+                        <m:oMathParaPr>
+                          <m:jc m:val="centerGroup"/>
+                        </m:oMathParaPr>
+                        <m:oMath xmlns:m="http://schemas.openxmlformats.org/officeDocument/2006/math">
+                          <m:sSub>
+                            <m:sSubPr>
+                              <m:ctrlPr>
+                                <a:rPr lang="en-US" sz="7200" b="0" i="1" smtClean="0">
+                                  <a:latin typeface="Cambria Math" panose="02040503050406030204" pitchFamily="18" charset="0"/>
+                                </a:rPr>
+                              </m:ctrlPr>
+                            </m:sSubPr>
+                            <m:e>
+                              <m:acc>
+                                <m:accPr>
+                                  <m:chr m:val="⃗"/>
+                                  <m:ctrlPr>
+                                    <a:rPr lang="en-US" sz="7200" i="1" smtClean="0">
+                                      <a:latin typeface="Cambria Math" panose="02040503050406030204" pitchFamily="18" charset="0"/>
+                                    </a:rPr>
+                                  </m:ctrlPr>
+                                </m:accPr>
+                                <m:e>
+                                  <m:r>
+                                    <a:rPr lang="en-US" sz="7200" b="0" i="1" smtClean="0">
+                                      <a:latin typeface="Cambria Math" panose="02040503050406030204" pitchFamily="18" charset="0"/>
+                                    </a:rPr>
+                                    <m:t>𝑟</m:t>
+                                  </m:r>
+                                </m:e>
+                              </m:acc>
+                            </m:e>
+                            <m:sub>
+                              <m:sSub>
+                                <m:sSubPr>
+                                  <m:ctrlPr>
+                                    <a:rPr lang="en-US" sz="7200" b="0" i="1" smtClean="0">
+                                      <a:latin typeface="Cambria Math" panose="02040503050406030204" pitchFamily="18" charset="0"/>
+                                    </a:rPr>
+                                  </m:ctrlPr>
+                                </m:sSubPr>
+                                <m:e>
+                                  <m:r>
+                                    <a:rPr lang="en-US" sz="7200" b="0" i="1" smtClean="0">
+                                      <a:latin typeface="Cambria Math" panose="02040503050406030204" pitchFamily="18" charset="0"/>
+                                    </a:rPr>
+                                    <m:t>𝑁</m:t>
+                                  </m:r>
+                                </m:e>
+                                <m:sub>
+                                  <m:r>
+                                    <a:rPr lang="en-US" sz="7200" b="0" i="1" smtClean="0">
+                                      <a:latin typeface="Cambria Math" panose="02040503050406030204" pitchFamily="18" charset="0"/>
+                                    </a:rPr>
+                                    <m:t>𝑐</m:t>
+                                  </m:r>
+                                </m:sub>
+                              </m:sSub>
+                              <m:r>
+                                <a:rPr lang="en-US" sz="7200" b="0" i="1" smtClean="0">
+                                  <a:latin typeface="Cambria Math" panose="02040503050406030204" pitchFamily="18" charset="0"/>
+                                </a:rPr>
+                                <m:t>𝑚</m:t>
+                              </m:r>
+                            </m:sub>
+                          </m:sSub>
+                        </m:oMath>
+                      </m:oMathPara>
+                    </a14:m>
+                    <a:endParaRPr lang="en-US" sz="3600" dirty="0"/>
+                  </a:p>
+                </p:txBody>
+              </p:sp>
+            </mc:Choice>
+            <mc:Fallback>
+              <p:sp>
+                <p:nvSpPr>
+                  <p:cNvPr id="56" name="TextBox 55"/>
+                  <p:cNvSpPr txBox="1">
+                    <a:spLocks noRot="1" noChangeAspect="1" noMove="1" noResize="1" noEditPoints="1" noAdjustHandles="1" noChangeArrowheads="1" noChangeShapeType="1" noTextEdit="1"/>
+                  </p:cNvSpPr>
+                  <p:nvPr/>
+                </p:nvSpPr>
+                <p:spPr>
+                  <a:xfrm>
+                    <a:off x="5349401" y="2332136"/>
+                    <a:ext cx="2387602" cy="1424150"/>
+                  </a:xfrm>
+                  <a:prstGeom prst="rect">
+                    <a:avLst/>
+                  </a:prstGeom>
+                  <a:blipFill rotWithShape="0">
+                    <a:blip r:embed="rId4"/>
+                    <a:stretch>
+                      <a:fillRect/>
+                    </a:stretch>
+                  </a:blipFill>
+                </p:spPr>
+                <p:txBody>
+                  <a:bodyPr/>
+                  <a:lstStyle/>
+                  <a:p>
+                    <a:r>
+                      <a:rPr lang="en-US">
+                        <a:noFill/>
+                      </a:rPr>
+                      <a:t> </a:t>
+                    </a:r>
+                  </a:p>
+                </p:txBody>
+              </p:sp>
+            </mc:Fallback>
+          </mc:AlternateContent>
+          <mc:AlternateContent xmlns:mc="http://schemas.openxmlformats.org/markup-compatibility/2006">
+            <mc:Choice xmlns:a14="http://schemas.microsoft.com/office/drawing/2010/main" Requires="a14">
+              <p:sp>
+                <p:nvSpPr>
+                  <p:cNvPr id="57" name="TextBox 56"/>
+                  <p:cNvSpPr txBox="1"/>
+                  <p:nvPr/>
+                </p:nvSpPr>
+                <p:spPr>
+                  <a:xfrm>
+                    <a:off x="3261502" y="3928515"/>
+                    <a:ext cx="447121" cy="909390"/>
+                  </a:xfrm>
+                  <a:prstGeom prst="rect">
+                    <a:avLst/>
+                  </a:prstGeom>
+                  <a:noFill/>
+                </p:spPr>
+                <p:txBody>
+                  <a:bodyPr wrap="square" rtlCol="0">
+                    <a:spAutoFit/>
+                  </a:bodyPr>
+                  <a:lstStyle/>
+                  <a:p>
+                    <a14:m>
+                      <m:oMathPara xmlns:m="http://schemas.openxmlformats.org/officeDocument/2006/math">
+                        <m:oMathParaPr>
+                          <m:jc m:val="centerGroup"/>
+                        </m:oMathParaPr>
+                        <m:oMath xmlns:m="http://schemas.openxmlformats.org/officeDocument/2006/math">
+                          <m:r>
+                            <a:rPr lang="en-US" sz="4800" i="1" dirty="0" smtClean="0">
+                              <a:latin typeface="Cambria Math" panose="02040503050406030204" pitchFamily="18" charset="0"/>
+                            </a:rPr>
+                            <m:t>𝑚</m:t>
+                          </m:r>
+                        </m:oMath>
+                      </m:oMathPara>
+                    </a14:m>
+                    <a:endParaRPr lang="en-US" sz="4800" dirty="0"/>
+                  </a:p>
+                </p:txBody>
+              </p:sp>
+            </mc:Choice>
+            <mc:Fallback>
+              <p:sp>
+                <p:nvSpPr>
+                  <p:cNvPr id="57" name="TextBox 56"/>
+                  <p:cNvSpPr txBox="1">
+                    <a:spLocks noRot="1" noChangeAspect="1" noMove="1" noResize="1" noEditPoints="1" noAdjustHandles="1" noChangeArrowheads="1" noChangeShapeType="1" noTextEdit="1"/>
+                  </p:cNvSpPr>
+                  <p:nvPr/>
+                </p:nvSpPr>
+                <p:spPr>
+                  <a:xfrm>
+                    <a:off x="3261502" y="3928515"/>
+                    <a:ext cx="447121" cy="909390"/>
+                  </a:xfrm>
+                  <a:prstGeom prst="rect">
+                    <a:avLst/>
+                  </a:prstGeom>
+                  <a:blipFill rotWithShape="0">
+                    <a:blip r:embed="rId5"/>
+                    <a:stretch>
+                      <a:fillRect r="-63333"/>
+                    </a:stretch>
+                  </a:blipFill>
+                </p:spPr>
+                <p:txBody>
+                  <a:bodyPr/>
+                  <a:lstStyle/>
+                  <a:p>
+                    <a:r>
+                      <a:rPr lang="en-US">
+                        <a:noFill/>
+                      </a:rPr>
+                      <a:t> </a:t>
+                    </a:r>
+                  </a:p>
+                </p:txBody>
+              </p:sp>
+            </mc:Fallback>
+          </mc:AlternateContent>
         </p:grpSp>
         <p:sp>
           <p:nvSpPr>
@@ -12099,76 +12370,98 @@
           </p:style>
         </p:cxnSp>
       </p:grpSp>
-      <p:sp>
-        <p:nvSpPr>
-          <p:cNvPr id="2" name="TextBox 1"/>
-          <p:cNvSpPr txBox="1"/>
-          <p:nvPr/>
-        </p:nvSpPr>
-        <p:spPr>
-          <a:xfrm>
-            <a:off x="5973511" y="2659550"/>
-            <a:ext cx="801824" cy="984885"/>
-          </a:xfrm>
-          <a:prstGeom prst="rect">
-            <a:avLst/>
-          </a:prstGeom>
-          <a:noFill/>
-        </p:spPr>
-        <p:txBody>
-          <a:bodyPr wrap="square" rtlCol="1">
-            <a:spAutoFit/>
-          </a:bodyPr>
-          <a:lstStyle/>
-          <a:p>
-            <a:r>
-              <a:rPr lang="en-US" sz="4000" dirty="0" err="1"/>
-              <a:t>N</a:t>
-            </a:r>
-            <a:r>
-              <a:rPr lang="en-US" sz="3200" dirty="0" err="1"/>
-              <a:t>c</a:t>
-            </a:r>
-            <a:endParaRPr lang="en-US" sz="3200" dirty="0"/>
-          </a:p>
-          <a:p>
-            <a:endParaRPr lang="he-IL" dirty="0"/>
-          </a:p>
-        </p:txBody>
-      </p:sp>
-      <p:cxnSp>
-        <p:nvCxnSpPr>
-          <p:cNvPr id="58" name="Straight Arrow Connector 57"/>
-          <p:cNvCxnSpPr/>
-          <p:nvPr/>
-        </p:nvCxnSpPr>
-        <p:spPr>
-          <a:xfrm>
-            <a:off x="3103068" y="2950470"/>
-            <a:ext cx="206573" cy="0"/>
-          </a:xfrm>
-          <a:prstGeom prst="straightConnector1">
-            <a:avLst/>
-          </a:prstGeom>
-          <a:ln w="31750">
-            <a:tailEnd type="triangle"/>
-          </a:ln>
-        </p:spPr>
-        <p:style>
-          <a:lnRef idx="1">
-            <a:schemeClr val="accent1"/>
-          </a:lnRef>
-          <a:fillRef idx="0">
-            <a:schemeClr val="accent1"/>
-          </a:fillRef>
-          <a:effectRef idx="0">
-            <a:schemeClr val="accent1"/>
-          </a:effectRef>
-          <a:fontRef idx="minor">
-            <a:schemeClr val="tx1"/>
-          </a:fontRef>
-        </p:style>
-      </p:cxnSp>
+      <mc:AlternateContent xmlns:mc="http://schemas.openxmlformats.org/markup-compatibility/2006">
+        <mc:Choice xmlns:a14="http://schemas.microsoft.com/office/drawing/2010/main" Requires="a14">
+          <p:sp>
+            <p:nvSpPr>
+              <p:cNvPr id="2" name="TextBox 1"/>
+              <p:cNvSpPr txBox="1"/>
+              <p:nvPr/>
+            </p:nvSpPr>
+            <p:spPr>
+              <a:xfrm>
+                <a:off x="6257899" y="2581076"/>
+                <a:ext cx="801824" cy="984885"/>
+              </a:xfrm>
+              <a:prstGeom prst="rect">
+                <a:avLst/>
+              </a:prstGeom>
+              <a:noFill/>
+            </p:spPr>
+            <p:txBody>
+              <a:bodyPr wrap="square" rtlCol="1">
+                <a:spAutoFit/>
+              </a:bodyPr>
+              <a:lstStyle/>
+              <a:p>
+                <a14:m>
+                  <m:oMathPara xmlns:m="http://schemas.openxmlformats.org/officeDocument/2006/math">
+                    <m:oMathParaPr>
+                      <m:jc m:val="centerGroup"/>
+                    </m:oMathParaPr>
+                    <m:oMath xmlns:m="http://schemas.openxmlformats.org/officeDocument/2006/math">
+                      <m:r>
+                        <a:rPr lang="en-US" sz="4000" i="1" dirty="0" smtClean="0">
+                          <a:latin typeface="Cambria Math" panose="02040503050406030204" pitchFamily="18" charset="0"/>
+                        </a:rPr>
+                        <m:t>𝑁</m:t>
+                      </m:r>
+                      <m:r>
+                        <a:rPr lang="en-US" sz="3200" i="1" dirty="0" err="1">
+                          <a:latin typeface="Cambria Math" panose="02040503050406030204" pitchFamily="18" charset="0"/>
+                        </a:rPr>
+                        <m:t>𝑐</m:t>
+                      </m:r>
+                    </m:oMath>
+                  </m:oMathPara>
+                </a14:m>
+                <a:endParaRPr lang="en-US" sz="3200" dirty="0"/>
+              </a:p>
+              <a:p>
+                <a:endParaRPr lang="he-IL" dirty="0"/>
+              </a:p>
+            </p:txBody>
+          </p:sp>
+        </mc:Choice>
+        <mc:Fallback>
+          <p:sp>
+            <p:nvSpPr>
+              <p:cNvPr id="2" name="TextBox 1"/>
+              <p:cNvSpPr txBox="1">
+                <a:spLocks noRot="1" noChangeAspect="1" noMove="1" noResize="1" noEditPoints="1" noAdjustHandles="1" noChangeArrowheads="1" noChangeShapeType="1" noTextEdit="1"/>
+              </p:cNvSpPr>
+              <p:nvPr/>
+            </p:nvSpPr>
+            <p:spPr>
+              <a:xfrm>
+                <a:off x="6257899" y="2581076"/>
+                <a:ext cx="801824" cy="984885"/>
+              </a:xfrm>
+              <a:prstGeom prst="rect">
+                <a:avLst/>
+              </a:prstGeom>
+              <a:blipFill rotWithShape="0">
+                <a:blip r:embed="rId6"/>
+                <a:stretch>
+                  <a:fillRect/>
+                </a:stretch>
+              </a:blipFill>
+            </p:spPr>
+            <p:txBody>
+              <a:bodyPr/>
+              <a:lstStyle/>
+              <a:p>
+                <a:r>
+                  <a:rPr lang="en-US">
+                    <a:noFill/>
+                  </a:rPr>
+                  <a:t> </a:t>
+                </a:r>
+              </a:p>
+            </p:txBody>
+          </p:sp>
+        </mc:Fallback>
+      </mc:AlternateContent>
     </p:spTree>
     <p:extLst>
       <p:ext uri="{BB962C8B-B14F-4D97-AF65-F5344CB8AC3E}">
@@ -20671,40 +20964,126 @@
                 </a:fontRef>
               </p:style>
             </p:cxnSp>
-            <p:sp>
-              <p:nvSpPr>
-                <p:cNvPr id="27" name="TextBox 26"/>
-                <p:cNvSpPr txBox="1"/>
-                <p:nvPr/>
-              </p:nvSpPr>
-              <p:spPr>
-                <a:xfrm>
-                  <a:off x="5255978" y="2842918"/>
-                  <a:ext cx="1419400" cy="1313564"/>
-                </a:xfrm>
-                <a:prstGeom prst="rect">
-                  <a:avLst/>
-                </a:prstGeom>
-                <a:noFill/>
-              </p:spPr>
-              <p:txBody>
-                <a:bodyPr wrap="square" rtlCol="0">
-                  <a:spAutoFit/>
-                </a:bodyPr>
-                <a:lstStyle/>
-                <a:p>
-                  <a:r>
-                    <a:rPr lang="en-US" sz="7200" dirty="0" smtClean="0"/>
-                    <a:t>r</a:t>
-                  </a:r>
-                  <a:r>
-                    <a:rPr lang="en-US" sz="3600" dirty="0" smtClean="0"/>
-                    <a:t>1m</a:t>
-                  </a:r>
-                  <a:endParaRPr lang="en-US" sz="3600" dirty="0"/>
-                </a:p>
-              </p:txBody>
-            </p:sp>
+            <mc:AlternateContent xmlns:mc="http://schemas.openxmlformats.org/markup-compatibility/2006">
+              <mc:Choice xmlns:a14="http://schemas.microsoft.com/office/drawing/2010/main" Requires="a14">
+                <p:sp>
+                  <p:nvSpPr>
+                    <p:cNvPr id="27" name="TextBox 26"/>
+                    <p:cNvSpPr txBox="1"/>
+                    <p:nvPr/>
+                  </p:nvSpPr>
+                  <p:spPr>
+                    <a:xfrm>
+                      <a:off x="5251838" y="2317066"/>
+                      <a:ext cx="1419400" cy="1159708"/>
+                    </a:xfrm>
+                    <a:prstGeom prst="rect">
+                      <a:avLst/>
+                    </a:prstGeom>
+                    <a:noFill/>
+                  </p:spPr>
+                  <p:txBody>
+                    <a:bodyPr wrap="square" rtlCol="0">
+                      <a:spAutoFit/>
+                    </a:bodyPr>
+                    <a:lstStyle/>
+                    <a:p>
+                      <a14:m>
+                        <m:oMathPara xmlns:m="http://schemas.openxmlformats.org/officeDocument/2006/math">
+                          <m:oMathParaPr>
+                            <m:jc m:val="centerGroup"/>
+                          </m:oMathParaPr>
+                          <m:oMath xmlns:m="http://schemas.openxmlformats.org/officeDocument/2006/math">
+                            <m:acc>
+                              <m:accPr>
+                                <m:chr m:val="⃗"/>
+                                <m:ctrlPr>
+                                  <a:rPr lang="en-US" sz="7200" i="1" dirty="0" smtClean="0">
+                                    <a:latin typeface="Cambria Math" panose="02040503050406030204" pitchFamily="18" charset="0"/>
+                                  </a:rPr>
+                                </m:ctrlPr>
+                              </m:accPr>
+                              <m:e>
+                                <m:sSub>
+                                  <m:sSubPr>
+                                    <m:ctrlPr>
+                                      <a:rPr lang="en-US" sz="7200" i="1" dirty="0">
+                                        <a:latin typeface="Cambria Math" panose="02040503050406030204" pitchFamily="18" charset="0"/>
+                                      </a:rPr>
+                                    </m:ctrlPr>
+                                  </m:sSubPr>
+                                  <m:e>
+                                    <m:r>
+                                      <a:rPr lang="en-US" sz="7200" i="1" dirty="0">
+                                        <a:latin typeface="Cambria Math" panose="02040503050406030204" pitchFamily="18" charset="0"/>
+                                      </a:rPr>
+                                      <m:t>𝑟</m:t>
+                                    </m:r>
+                                  </m:e>
+                                  <m:sub>
+                                    <m:r>
+                                      <a:rPr lang="en-US" sz="7200" i="1" dirty="0">
+                                        <a:latin typeface="Cambria Math" panose="02040503050406030204" pitchFamily="18" charset="0"/>
+                                      </a:rPr>
+                                      <m:t>1</m:t>
+                                    </m:r>
+                                    <m:r>
+                                      <a:rPr lang="en-US" sz="7200" i="1" dirty="0">
+                                        <a:latin typeface="Cambria Math" panose="02040503050406030204" pitchFamily="18" charset="0"/>
+                                      </a:rPr>
+                                      <m:t>𝑚</m:t>
+                                    </m:r>
+                                  </m:sub>
+                                </m:sSub>
+                              </m:e>
+                            </m:acc>
+                          </m:oMath>
+                        </m:oMathPara>
+                      </a14:m>
+                      <a:endParaRPr lang="en-US" sz="3600" dirty="0"/>
+                    </a:p>
+                  </p:txBody>
+                </p:sp>
+              </mc:Choice>
+              <mc:Fallback>
+                <p:sp>
+                  <p:nvSpPr>
+                    <p:cNvPr id="27" name="TextBox 26"/>
+                    <p:cNvSpPr txBox="1">
+                      <a:spLocks noRot="1" noChangeAspect="1" noMove="1" noResize="1" noEditPoints="1" noAdjustHandles="1" noChangeArrowheads="1" noChangeShapeType="1" noTextEdit="1"/>
+                    </p:cNvSpPr>
+                    <p:nvPr/>
+                  </p:nvSpPr>
+                  <p:spPr>
+                    <a:xfrm>
+                      <a:off x="5251838" y="2317066"/>
+                      <a:ext cx="1419400" cy="1159708"/>
+                    </a:xfrm>
+                    <a:prstGeom prst="rect">
+                      <a:avLst/>
+                    </a:prstGeom>
+                    <a:blipFill rotWithShape="0">
+                      <a:blip r:embed="rId2"/>
+                      <a:stretch>
+                        <a:fillRect/>
+                      </a:stretch>
+                    </a:blipFill>
+                  </p:spPr>
+                  <p:txBody>
+                    <a:bodyPr/>
+                    <a:lstStyle/>
+                    <a:p>
+                      <a:r>
+                        <a:rPr lang="en-US">
+                          <a:noFill/>
+                        </a:rPr>
+                        <a:t> </a:t>
+                      </a:r>
+                    </a:p>
+                  </p:txBody>
+                </p:sp>
+              </mc:Fallback>
+            </mc:AlternateContent>
             <p:sp>
               <p:nvSpPr>
                 <p:cNvPr id="28" name="TextBox 27"/>
@@ -40125,73 +40504,120 @@
             </a:fontRef>
           </p:style>
         </p:cxnSp>
-        <p:sp>
-          <p:nvSpPr>
-            <p:cNvPr id="31" name="TextBox 30"/>
-            <p:cNvSpPr txBox="1"/>
-            <p:nvPr/>
-          </p:nvSpPr>
-          <p:spPr>
-            <a:xfrm>
-              <a:off x="6858390" y="2825312"/>
-              <a:ext cx="1263557" cy="1015663"/>
-            </a:xfrm>
-            <a:prstGeom prst="rect">
-              <a:avLst/>
-            </a:prstGeom>
-            <a:noFill/>
-          </p:spPr>
-          <p:txBody>
-            <a:bodyPr wrap="square" rtlCol="0">
-              <a:spAutoFit/>
-            </a:bodyPr>
-            <a:lstStyle/>
-            <a:p>
-              <a:r>
-                <a:rPr lang="en-US" sz="6000" dirty="0" err="1" smtClean="0"/>
-                <a:t>r</a:t>
-              </a:r>
-              <a:r>
-                <a:rPr lang="en-US" sz="3200" dirty="0" err="1" smtClean="0"/>
-                <a:t>mn</a:t>
-              </a:r>
-              <a:endParaRPr lang="en-US" sz="3200" dirty="0"/>
-            </a:p>
-          </p:txBody>
-        </p:sp>
-        <p:cxnSp>
-          <p:nvCxnSpPr>
-            <p:cNvPr id="33" name="Straight Arrow Connector 32"/>
-            <p:cNvCxnSpPr/>
-            <p:nvPr/>
-          </p:nvCxnSpPr>
-          <p:spPr>
-            <a:xfrm>
-              <a:off x="6935405" y="2974622"/>
-              <a:ext cx="324956" cy="0"/>
-            </a:xfrm>
-            <a:prstGeom prst="straightConnector1">
-              <a:avLst/>
-            </a:prstGeom>
-            <a:ln w="31750">
-              <a:tailEnd type="triangle"/>
-            </a:ln>
-          </p:spPr>
-          <p:style>
-            <a:lnRef idx="1">
-              <a:schemeClr val="accent1"/>
-            </a:lnRef>
-            <a:fillRef idx="0">
-              <a:schemeClr val="accent1"/>
-            </a:fillRef>
-            <a:effectRef idx="0">
-              <a:schemeClr val="accent1"/>
-            </a:effectRef>
-            <a:fontRef idx="minor">
-              <a:schemeClr val="tx1"/>
-            </a:fontRef>
-          </p:style>
-        </p:cxnSp>
+        <mc:AlternateContent xmlns:mc="http://schemas.openxmlformats.org/markup-compatibility/2006">
+          <mc:Choice xmlns:a14="http://schemas.microsoft.com/office/drawing/2010/main" Requires="a14">
+            <p:sp>
+              <p:nvSpPr>
+                <p:cNvPr id="31" name="TextBox 30"/>
+                <p:cNvSpPr txBox="1"/>
+                <p:nvPr/>
+              </p:nvSpPr>
+              <p:spPr>
+                <a:xfrm>
+                  <a:off x="6858390" y="2825312"/>
+                  <a:ext cx="1263557" cy="1015663"/>
+                </a:xfrm>
+                <a:prstGeom prst="rect">
+                  <a:avLst/>
+                </a:prstGeom>
+                <a:noFill/>
+              </p:spPr>
+              <p:txBody>
+                <a:bodyPr wrap="square" rtlCol="0">
+                  <a:spAutoFit/>
+                </a:bodyPr>
+                <a:lstStyle/>
+                <a:p>
+                  <a14:m>
+                    <m:oMathPara xmlns:m="http://schemas.openxmlformats.org/officeDocument/2006/math">
+                      <m:oMathParaPr>
+                        <m:jc m:val="centerGroup"/>
+                      </m:oMathParaPr>
+                      <m:oMath xmlns:m="http://schemas.openxmlformats.org/officeDocument/2006/math">
+                        <m:acc>
+                          <m:accPr>
+                            <m:chr m:val="⃗"/>
+                            <m:ctrlPr>
+                              <a:rPr lang="en-US" sz="6000" i="1" dirty="0" smtClean="0">
+                                <a:latin typeface="Cambria Math" panose="02040503050406030204" pitchFamily="18" charset="0"/>
+                              </a:rPr>
+                            </m:ctrlPr>
+                          </m:accPr>
+                          <m:e>
+                            <m:sSub>
+                              <m:sSubPr>
+                                <m:ctrlPr>
+                                  <a:rPr lang="en-US" sz="6000" b="0" i="1" dirty="0" smtClean="0">
+                                    <a:latin typeface="Cambria Math" panose="02040503050406030204" pitchFamily="18" charset="0"/>
+                                  </a:rPr>
+                                </m:ctrlPr>
+                              </m:sSubPr>
+                              <m:e>
+                                <m:r>
+                                  <a:rPr lang="en-US" sz="6000" b="0" i="1" dirty="0" smtClean="0">
+                                    <a:latin typeface="Cambria Math" panose="02040503050406030204" pitchFamily="18" charset="0"/>
+                                  </a:rPr>
+                                  <m:t>𝑟</m:t>
+                                </m:r>
+                              </m:e>
+                              <m:sub>
+                                <m:r>
+                                  <a:rPr lang="en-US" sz="6000" b="0" i="1" dirty="0" smtClean="0">
+                                    <a:latin typeface="Cambria Math" panose="02040503050406030204" pitchFamily="18" charset="0"/>
+                                  </a:rPr>
+                                  <m:t>𝑚𝑛</m:t>
+                                </m:r>
+                              </m:sub>
+                            </m:sSub>
+                          </m:e>
+                        </m:acc>
+                      </m:oMath>
+                    </m:oMathPara>
+                  </a14:m>
+                  <a:endParaRPr lang="en-US" sz="3200" dirty="0"/>
+                </a:p>
+              </p:txBody>
+            </p:sp>
+          </mc:Choice>
+          <mc:Fallback>
+            <p:sp>
+              <p:nvSpPr>
+                <p:cNvPr id="31" name="TextBox 30"/>
+                <p:cNvSpPr txBox="1">
+                  <a:spLocks noRot="1" noChangeAspect="1" noMove="1" noResize="1" noEditPoints="1" noAdjustHandles="1" noChangeArrowheads="1" noChangeShapeType="1" noTextEdit="1"/>
+                </p:cNvSpPr>
+                <p:nvPr/>
+              </p:nvSpPr>
+              <p:spPr>
+                <a:xfrm>
+                  <a:off x="6858390" y="2825312"/>
+                  <a:ext cx="1263557" cy="1015663"/>
+                </a:xfrm>
+                <a:prstGeom prst="rect">
+                  <a:avLst/>
+                </a:prstGeom>
+                <a:blipFill rotWithShape="0">
+                  <a:blip r:embed="rId2"/>
+                  <a:stretch>
+                    <a:fillRect/>
+                  </a:stretch>
+                </a:blipFill>
+              </p:spPr>
+              <p:txBody>
+                <a:bodyPr/>
+                <a:lstStyle/>
+                <a:p>
+                  <a:r>
+                    <a:rPr lang="en-US">
+                      <a:noFill/>
+                    </a:rPr>
+                    <a:t> </a:t>
+                  </a:r>
+                </a:p>
+              </p:txBody>
+            </p:sp>
+          </mc:Fallback>
+        </mc:AlternateContent>
       </p:grpSp>
     </p:spTree>
     <p:extLst>
